--- a/Major Project.pptx
+++ b/Major Project.pptx
@@ -259,7 +259,7 @@
           <a:p>
             <a:fld id="{FD913024-4032-4B4F-8680-09D5E08EDB6E}" type="datetimeFigureOut">
               <a:rPr lang="en-US" smtClean="0"/>
-              <a:t>2/26/2024</a:t>
+              <a:t>2/27/2024</a:t>
             </a:fld>
             <a:endParaRPr lang="en-US" dirty="0"/>
           </a:p>
@@ -436,7 +436,7 @@
           <a:p>
             <a:fld id="{F2AE225E-43E0-7047-8ADB-DD9EBB41B4D0}" type="datetimeFigureOut">
               <a:rPr lang="en-US" noProof="0" smtClean="0"/>
-              <a:t>2/26/2024</a:t>
+              <a:t>2/27/2024</a:t>
             </a:fld>
             <a:endParaRPr lang="en-US" noProof="0" dirty="0"/>
           </a:p>
@@ -40417,17 +40417,32 @@
           <a:p>
             <a:r>
               <a:rPr lang="en-US" sz="4000" dirty="0">
+                <a:solidFill>
+                  <a:schemeClr val="tx1">
+                    <a:lumMod val="50000"/>
+                  </a:schemeClr>
+                </a:solidFill>
                 <a:latin typeface="Sagona Book (Headings)"/>
               </a:rPr>
               <a:t>Continuous People Crowd Monitoring defined as </a:t>
             </a:r>
             <a:br>
               <a:rPr lang="en-US" sz="4000" dirty="0">
+                <a:solidFill>
+                  <a:schemeClr val="tx1">
+                    <a:lumMod val="50000"/>
+                  </a:schemeClr>
+                </a:solidFill>
                 <a:latin typeface="Sagona Book (Headings)"/>
               </a:rPr>
             </a:br>
             <a:r>
               <a:rPr lang="en-US" sz="4000" dirty="0">
+                <a:solidFill>
+                  <a:schemeClr val="tx1">
+                    <a:lumMod val="50000"/>
+                  </a:schemeClr>
+                </a:solidFill>
                 <a:latin typeface="Sagona Book (Headings)"/>
               </a:rPr>
               <a:t>a Regression Problem using Radar Networks</a:t>
@@ -40453,8 +40468,8 @@
         </p:nvSpPr>
         <p:spPr>
           <a:xfrm>
-            <a:off x="776749" y="4420087"/>
-            <a:ext cx="3932902" cy="1655762"/>
+            <a:off x="462116" y="4246015"/>
+            <a:ext cx="7275871" cy="2437913"/>
           </a:xfrm>
         </p:spPr>
         <p:txBody>
@@ -40504,18 +40519,6 @@
                 </a:solidFill>
                 <a:latin typeface="Sagona Book (Headings)"/>
               </a:rPr>
-              <a:t>A. Rishikesh (20D41A6604)</a:t>
-            </a:r>
-          </a:p>
-          <a:p>
-            <a:pPr algn="l"/>
-            <a:r>
-              <a:rPr lang="en-US" sz="2000" dirty="0">
-                <a:solidFill>
-                  <a:srgbClr val="000000"/>
-                </a:solidFill>
-                <a:latin typeface="Sagona Book (Headings)"/>
-              </a:rPr>
               <a:t>B. Divya (20D41A6609)</a:t>
             </a:r>
           </a:p>
@@ -40528,7 +40531,55 @@
                 </a:solidFill>
                 <a:latin typeface="Sagona Book (Headings)"/>
               </a:rPr>
-              <a:t>V. Likitha (20D41A6660)</a:t>
+              <a:t>V. </a:t>
+            </a:r>
+            <a:r>
+              <a:rPr lang="en-US" sz="2000" dirty="0" err="1">
+                <a:solidFill>
+                  <a:srgbClr val="000000"/>
+                </a:solidFill>
+                <a:latin typeface="Sagona Book (Headings)"/>
+              </a:rPr>
+              <a:t>Likitha</a:t>
+            </a:r>
+            <a:r>
+              <a:rPr lang="en-US" sz="2000" dirty="0">
+                <a:solidFill>
+                  <a:srgbClr val="000000"/>
+                </a:solidFill>
+                <a:latin typeface="Sagona Book (Headings)"/>
+              </a:rPr>
+              <a:t> (20D41A6660)</a:t>
+            </a:r>
+          </a:p>
+          <a:p>
+            <a:pPr algn="l"/>
+            <a:r>
+              <a:rPr lang="en-US" sz="2000" dirty="0">
+                <a:solidFill>
+                  <a:srgbClr val="000000"/>
+                </a:solidFill>
+                <a:latin typeface="Sagona Book (Headings)"/>
+              </a:rPr>
+              <a:t>A. Rishikesh </a:t>
+            </a:r>
+            <a:r>
+              <a:rPr lang="en-US" sz="2000" dirty="0" err="1">
+                <a:solidFill>
+                  <a:srgbClr val="000000"/>
+                </a:solidFill>
+                <a:latin typeface="Sagona Book (Headings)"/>
+              </a:rPr>
+              <a:t>Shivadhar</a:t>
+            </a:r>
+            <a:r>
+              <a:rPr lang="en-US" sz="2000" dirty="0">
+                <a:solidFill>
+                  <a:srgbClr val="000000"/>
+                </a:solidFill>
+                <a:latin typeface="Sagona Book (Headings)"/>
+              </a:rPr>
+              <a:t> Reddy (20D41A6604)</a:t>
             </a:r>
           </a:p>
         </p:txBody>
@@ -40564,6 +40615,11 @@
             <a:pPr algn="ctr"/>
             <a:r>
               <a:rPr lang="en-IN" sz="1800" dirty="0">
+                <a:solidFill>
+                  <a:schemeClr val="tx1">
+                    <a:lumMod val="50000"/>
+                  </a:schemeClr>
+                </a:solidFill>
                 <a:latin typeface="Sagona Book (Headings)"/>
                 <a:cs typeface="Times New Roman" panose="02020603050405020304" pitchFamily="18" charset="0"/>
               </a:rPr>
@@ -40574,6 +40630,11 @@
             <a:pPr algn="ctr"/>
             <a:r>
               <a:rPr lang="en-IN" sz="1800" dirty="0">
+                <a:solidFill>
+                  <a:schemeClr val="tx1">
+                    <a:lumMod val="50000"/>
+                  </a:schemeClr>
+                </a:solidFill>
                 <a:latin typeface="Sagona Book (Headings)"/>
                 <a:cs typeface="Times New Roman" panose="02020603050405020304" pitchFamily="18" charset="0"/>
               </a:rPr>
@@ -40615,8 +40676,8 @@
         </p:nvSpPr>
         <p:spPr>
           <a:xfrm>
-            <a:off x="7570839" y="4692969"/>
-            <a:ext cx="4001729" cy="707886"/>
+            <a:off x="5338917" y="4633975"/>
+            <a:ext cx="4001729" cy="830997"/>
           </a:xfrm>
           <a:prstGeom prst="rect">
             <a:avLst/>
@@ -40633,7 +40694,7 @@
               <a:buNone/>
             </a:pPr>
             <a:r>
-              <a:rPr lang="en-IN" sz="2000" dirty="0">
+              <a:rPr lang="en-IN" sz="2400" dirty="0">
                 <a:solidFill>
                   <a:srgbClr val="FF0000"/>
                 </a:solidFill>
@@ -40647,10 +40708,15 @@
               <a:buNone/>
             </a:pPr>
             <a:r>
-              <a:rPr lang="en-IN" sz="2000" dirty="0">
+              <a:rPr lang="en-IN" sz="2400" dirty="0">
+                <a:solidFill>
+                  <a:schemeClr val="tx1">
+                    <a:lumMod val="50000"/>
+                  </a:schemeClr>
+                </a:solidFill>
                 <a:latin typeface="Sagona Book (Headings)"/>
               </a:rPr>
-              <a:t>    Dr. Adeline Johnsana J.S</a:t>
+              <a:t>    D. Deepa</a:t>
             </a:r>
           </a:p>
         </p:txBody>
@@ -40744,7 +40810,7 @@
             <p:ph idx="1"/>
             <p:extLst>
               <p:ext uri="{D42A27DB-BD31-4B8C-83A1-F6EECF244321}">
-                <p14:modId xmlns:p14="http://schemas.microsoft.com/office/powerpoint/2010/main" val="1021426721"/>
+                <p14:modId xmlns:p14="http://schemas.microsoft.com/office/powerpoint/2010/main" val="1406535433"/>
               </p:ext>
             </p:extLst>
           </p:nvPr>
@@ -40791,6 +40857,11 @@
                       </a:pPr>
                       <a:r>
                         <a:rPr lang="en-US" sz="2400" dirty="0">
+                          <a:solidFill>
+                            <a:schemeClr val="tx1">
+                              <a:lumMod val="50000"/>
+                            </a:schemeClr>
+                          </a:solidFill>
                           <a:latin typeface="+mn-lt"/>
                           <a:cs typeface="Gill Sans Light" panose="020B0302020104020203" pitchFamily="34" charset="-79"/>
                         </a:rPr>
@@ -40861,6 +40932,11 @@
                       </a:pPr>
                       <a:r>
                         <a:rPr lang="en-US" sz="2400" dirty="0">
+                          <a:solidFill>
+                            <a:schemeClr val="tx1">
+                              <a:lumMod val="50000"/>
+                            </a:schemeClr>
+                          </a:solidFill>
                           <a:latin typeface="+mn-lt"/>
                           <a:cs typeface="Gill Sans Light" panose="020B0302020104020203" pitchFamily="34" charset="-79"/>
                         </a:rPr>
@@ -40871,7 +40947,9 @@
                       <a:pPr marL="0" algn="r" defTabSz="914400" rtl="0" eaLnBrk="1" latinLnBrk="0" hangingPunct="1"/>
                       <a:endParaRPr lang="en-US" sz="1800" kern="1200" dirty="0">
                         <a:solidFill>
-                          <a:schemeClr val="tx1"/>
+                          <a:schemeClr val="tx1">
+                            <a:lumMod val="50000"/>
+                          </a:schemeClr>
                         </a:solidFill>
                         <a:latin typeface="+mj-lt"/>
                         <a:ea typeface="+mn-ea"/>
@@ -40947,6 +41025,11 @@
                       </a:pPr>
                       <a:r>
                         <a:rPr lang="en-US" sz="2400" dirty="0">
+                          <a:solidFill>
+                            <a:schemeClr val="tx1">
+                              <a:lumMod val="50000"/>
+                            </a:schemeClr>
+                          </a:solidFill>
                           <a:latin typeface="+mn-lt"/>
                           <a:cs typeface="Gill Sans Light" panose="020B0302020104020203" pitchFamily="34" charset="-79"/>
                         </a:rPr>
@@ -40957,7 +41040,9 @@
                       <a:pPr marL="0" algn="r" defTabSz="914400" rtl="0" eaLnBrk="1" latinLnBrk="0" hangingPunct="1"/>
                       <a:endParaRPr lang="en-US" sz="1800" kern="1200" dirty="0">
                         <a:solidFill>
-                          <a:schemeClr val="tx1"/>
+                          <a:schemeClr val="tx1">
+                            <a:lumMod val="50000"/>
+                          </a:schemeClr>
                         </a:solidFill>
                         <a:latin typeface="+mj-lt"/>
                         <a:ea typeface="+mn-ea"/>
@@ -41033,6 +41118,11 @@
                       </a:pPr>
                       <a:r>
                         <a:rPr lang="en-US" sz="2400" dirty="0">
+                          <a:solidFill>
+                            <a:schemeClr val="tx1">
+                              <a:lumMod val="50000"/>
+                            </a:schemeClr>
+                          </a:solidFill>
                           <a:latin typeface="+mn-lt"/>
                           <a:cs typeface="Gill Sans Light" panose="020B0302020104020203" pitchFamily="34" charset="-79"/>
                         </a:rPr>
@@ -41043,7 +41133,9 @@
                       <a:pPr marL="0" algn="r" defTabSz="914400" rtl="0" eaLnBrk="1" latinLnBrk="0" hangingPunct="1"/>
                       <a:endParaRPr lang="en-US" sz="1800" kern="1200" dirty="0">
                         <a:solidFill>
-                          <a:schemeClr val="tx1"/>
+                          <a:schemeClr val="tx1">
+                            <a:lumMod val="50000"/>
+                          </a:schemeClr>
                         </a:solidFill>
                         <a:latin typeface="+mj-lt"/>
                         <a:ea typeface="+mn-ea"/>
@@ -41119,6 +41211,11 @@
                       </a:pPr>
                       <a:r>
                         <a:rPr lang="en-US" sz="2400" dirty="0">
+                          <a:solidFill>
+                            <a:schemeClr val="tx1">
+                              <a:lumMod val="50000"/>
+                            </a:schemeClr>
+                          </a:solidFill>
                           <a:latin typeface="+mn-lt"/>
                           <a:cs typeface="Gill Sans Light" panose="020B0302020104020203" pitchFamily="34" charset="-79"/>
                         </a:rPr>
@@ -41129,7 +41226,9 @@
                       <a:pPr marL="0" algn="r" defTabSz="914400" rtl="0" eaLnBrk="1" latinLnBrk="0" hangingPunct="1"/>
                       <a:endParaRPr lang="en-US" sz="1800" kern="1200" dirty="0">
                         <a:solidFill>
-                          <a:schemeClr val="tx1"/>
+                          <a:schemeClr val="tx1">
+                            <a:lumMod val="50000"/>
+                          </a:schemeClr>
                         </a:solidFill>
                         <a:latin typeface="+mj-lt"/>
                         <a:ea typeface="+mn-ea"/>
@@ -41339,7 +41438,7 @@
               <a:rPr lang="en-US" sz="2400" b="0" i="0" dirty="0">
                 <a:solidFill>
                   <a:schemeClr val="tx1">
-                    <a:lumMod val="75000"/>
+                    <a:lumMod val="50000"/>
                   </a:schemeClr>
                 </a:solidFill>
                 <a:effectLst/>
@@ -41353,7 +41452,7 @@
               </a:ln>
               <a:solidFill>
                 <a:schemeClr val="tx1">
-                  <a:lumMod val="75000"/>
+                  <a:lumMod val="50000"/>
                 </a:schemeClr>
               </a:solidFill>
               <a:effectLst/>
@@ -41524,8 +41623,8 @@
             <a:r>
               <a:rPr lang="en-US" sz="2200" dirty="0">
                 <a:solidFill>
-                  <a:schemeClr val="bg2">
-                    <a:lumMod val="10000"/>
+                  <a:schemeClr val="tx1">
+                    <a:lumMod val="50000"/>
                   </a:schemeClr>
                 </a:solidFill>
                 <a:latin typeface="Sagona Book (Headings)"/>
@@ -41538,8 +41637,8 @@
                   <a:noFill/>
                 </a:ln>
                 <a:solidFill>
-                  <a:schemeClr val="bg2">
-                    <a:lumMod val="10000"/>
+                  <a:schemeClr val="tx1">
+                    <a:lumMod val="50000"/>
                   </a:schemeClr>
                 </a:solidFill>
                 <a:effectLst/>
@@ -41571,8 +41670,8 @@
                   <a:noFill/>
                 </a:ln>
                 <a:solidFill>
-                  <a:schemeClr val="bg2">
-                    <a:lumMod val="10000"/>
+                  <a:schemeClr val="tx1">
+                    <a:lumMod val="50000"/>
                   </a:schemeClr>
                 </a:solidFill>
                 <a:effectLst/>
@@ -41604,8 +41703,8 @@
                   <a:noFill/>
                 </a:ln>
                 <a:solidFill>
-                  <a:schemeClr val="bg2">
-                    <a:lumMod val="10000"/>
+                  <a:schemeClr val="tx1">
+                    <a:lumMod val="50000"/>
                   </a:schemeClr>
                 </a:solidFill>
                 <a:effectLst/>
@@ -41637,8 +41736,8 @@
                   <a:noFill/>
                 </a:ln>
                 <a:solidFill>
-                  <a:schemeClr val="bg2">
-                    <a:lumMod val="10000"/>
+                  <a:schemeClr val="tx1">
+                    <a:lumMod val="50000"/>
                   </a:schemeClr>
                 </a:solidFill>
                 <a:effectLst/>
@@ -41697,7 +41796,7 @@
         </p:nvSpPr>
         <p:spPr>
           <a:xfrm>
-            <a:off x="1209367" y="792036"/>
+            <a:off x="4630993" y="521011"/>
             <a:ext cx="6685936" cy="686980"/>
           </a:xfrm>
         </p:spPr>
@@ -41748,7 +41847,7 @@
               <a:rPr lang="en-US" sz="2200" b="0" i="0" dirty="0">
                 <a:solidFill>
                   <a:schemeClr val="tx1">
-                    <a:lumMod val="75000"/>
+                    <a:lumMod val="50000"/>
                   </a:schemeClr>
                 </a:solidFill>
                 <a:effectLst/>
@@ -41776,7 +41875,19 @@
                 <a:effectLst/>
                 <a:latin typeface="Sagona Book (Headings)"/>
               </a:rPr>
-              <a:t> and </a:t>
+              <a:t> </a:t>
+            </a:r>
+            <a:r>
+              <a:rPr lang="en-US" sz="2200" b="0" i="0" dirty="0">
+                <a:solidFill>
+                  <a:schemeClr val="tx1">
+                    <a:lumMod val="50000"/>
+                  </a:schemeClr>
+                </a:solidFill>
+                <a:effectLst/>
+                <a:latin typeface="Sagona Book (Headings)"/>
+              </a:rPr>
+              <a:t>and </a:t>
             </a:r>
             <a:r>
               <a:rPr lang="en-US" sz="2200" b="0" i="0" dirty="0">
@@ -41798,7 +41909,19 @@
                 <a:effectLst/>
                 <a:latin typeface="Sagona Book (Headings)"/>
               </a:rPr>
-              <a:t> of the proposed system. These earlier systems might employ </a:t>
+              <a:t> </a:t>
+            </a:r>
+            <a:r>
+              <a:rPr lang="en-US" sz="2200" b="0" i="0" dirty="0">
+                <a:solidFill>
+                  <a:schemeClr val="tx1">
+                    <a:lumMod val="50000"/>
+                  </a:schemeClr>
+                </a:solidFill>
+                <a:effectLst/>
+                <a:latin typeface="Sagona Book (Headings)"/>
+              </a:rPr>
+              <a:t>of the proposed system. These earlier systems might employ </a:t>
             </a:r>
             <a:r>
               <a:rPr lang="en-US" sz="2200" b="0" i="0" dirty="0">
@@ -41820,7 +41943,19 @@
                 <a:effectLst/>
                 <a:latin typeface="Sagona Book (Headings)"/>
               </a:rPr>
-              <a:t> that can limit their effectiveness.</a:t>
+              <a:t> </a:t>
+            </a:r>
+            <a:r>
+              <a:rPr lang="en-US" sz="2200" b="0" i="0" dirty="0">
+                <a:solidFill>
+                  <a:schemeClr val="tx1">
+                    <a:lumMod val="50000"/>
+                  </a:schemeClr>
+                </a:solidFill>
+                <a:effectLst/>
+                <a:latin typeface="Sagona Book (Headings)"/>
+              </a:rPr>
+              <a:t>that can limit their effectiveness.</a:t>
             </a:r>
           </a:p>
           <a:p>
@@ -41829,7 +41964,7 @@
               <a:rPr lang="en-US" sz="2200" b="0" i="0" dirty="0">
                 <a:solidFill>
                   <a:schemeClr val="tx1">
-                    <a:lumMod val="75000"/>
+                    <a:lumMod val="50000"/>
                   </a:schemeClr>
                 </a:solidFill>
                 <a:effectLst/>
@@ -41857,7 +41992,19 @@
                 <a:effectLst/>
                 <a:latin typeface="Sagona Book (Headings)"/>
               </a:rPr>
-              <a:t>. Additionally, they might utilize less sophisticated </a:t>
+              <a:t>. </a:t>
+            </a:r>
+            <a:r>
+              <a:rPr lang="en-US" sz="2200" b="0" i="0" dirty="0">
+                <a:solidFill>
+                  <a:schemeClr val="tx1">
+                    <a:lumMod val="50000"/>
+                  </a:schemeClr>
+                </a:solidFill>
+                <a:effectLst/>
+                <a:latin typeface="Sagona Book (Headings)"/>
+              </a:rPr>
+              <a:t>Additionally, they might utilize less sophisticated </a:t>
             </a:r>
             <a:r>
               <a:rPr lang="en-US" sz="2200" b="0" i="0" dirty="0">
@@ -41879,7 +42026,19 @@
                 <a:effectLst/>
                 <a:latin typeface="Sagona Book (Headings)"/>
               </a:rPr>
-              <a:t>, leading to lower accuracy in scenarios with complex lighting or </a:t>
+              <a:t>, </a:t>
+            </a:r>
+            <a:r>
+              <a:rPr lang="en-US" sz="2200" b="0" i="0" dirty="0">
+                <a:solidFill>
+                  <a:schemeClr val="tx1">
+                    <a:lumMod val="50000"/>
+                  </a:schemeClr>
+                </a:solidFill>
+                <a:effectLst/>
+                <a:latin typeface="Sagona Book (Headings)"/>
+              </a:rPr>
+              <a:t>leading to lower accuracy in scenarios with complex lighting or </a:t>
             </a:r>
             <a:r>
               <a:rPr lang="en-US" sz="2200" b="0" i="0" dirty="0">
@@ -41901,7 +42060,19 @@
                 <a:effectLst/>
                 <a:latin typeface="Sagona Book (Headings)"/>
               </a:rPr>
-              <a:t> objects. Furthermore, their counting algorithms are be less robust, struggling with scenarios where objects touch or partially obscure each other. These limitations can hinder the overall accuracy and reliability of these previous systems.</a:t>
+              <a:t> </a:t>
+            </a:r>
+            <a:r>
+              <a:rPr lang="en-US" sz="2200" b="0" i="0" dirty="0">
+                <a:solidFill>
+                  <a:schemeClr val="tx1">
+                    <a:lumMod val="50000"/>
+                  </a:schemeClr>
+                </a:solidFill>
+                <a:effectLst/>
+                <a:latin typeface="Sagona Book (Headings)"/>
+              </a:rPr>
+              <a:t>objects. Furthermore, their counting algorithms are be less robust, struggling with scenarios where objects touch or partially obscure each other. These limitations can hinder the overall accuracy and reliability of these previous systems.</a:t>
             </a:r>
           </a:p>
         </p:txBody>
@@ -42007,7 +42178,7 @@
               <a:rPr lang="en-US" sz="2000" b="0" i="0" dirty="0">
                 <a:solidFill>
                   <a:schemeClr val="tx1">
-                    <a:lumMod val="75000"/>
+                    <a:lumMod val="50000"/>
                   </a:schemeClr>
                 </a:solidFill>
                 <a:effectLst/>
@@ -42035,7 +42206,19 @@
                 <a:effectLst/>
                 <a:latin typeface="Sagona Book (Headings)"/>
               </a:rPr>
-              <a:t> to ensure accurate results.</a:t>
+              <a:t> </a:t>
+            </a:r>
+            <a:r>
+              <a:rPr lang="en-US" sz="2000" b="0" i="0" dirty="0">
+                <a:solidFill>
+                  <a:schemeClr val="tx1">
+                    <a:lumMod val="50000"/>
+                  </a:schemeClr>
+                </a:solidFill>
+                <a:effectLst/>
+                <a:latin typeface="Sagona Book (Headings)"/>
+              </a:rPr>
+              <a:t>to ensure accurate results.</a:t>
             </a:r>
           </a:p>
           <a:p>
@@ -42044,7 +42227,7 @@
               <a:rPr lang="en-US" sz="2000" b="0" i="0" dirty="0">
                 <a:solidFill>
                   <a:schemeClr val="tx1">
-                    <a:lumMod val="75000"/>
+                    <a:lumMod val="50000"/>
                   </a:schemeClr>
                 </a:solidFill>
                 <a:effectLst/>
@@ -42094,7 +42277,19 @@
                 <a:effectLst/>
                 <a:latin typeface="Sagona Book (Headings)"/>
               </a:rPr>
-              <a:t>, and </a:t>
+              <a:t>, </a:t>
+            </a:r>
+            <a:r>
+              <a:rPr lang="en-US" sz="2000" b="0" i="0" dirty="0">
+                <a:solidFill>
+                  <a:schemeClr val="tx1">
+                    <a:lumMod val="50000"/>
+                  </a:schemeClr>
+                </a:solidFill>
+                <a:effectLst/>
+                <a:latin typeface="Sagona Book (Headings)"/>
+              </a:rPr>
+              <a:t>and </a:t>
             </a:r>
             <a:r>
               <a:rPr lang="en-US" sz="2000" b="0" i="0" dirty="0">
@@ -42110,7 +42305,7 @@
               <a:rPr lang="en-US" sz="2000" b="0" i="0" dirty="0">
                 <a:solidFill>
                   <a:schemeClr val="tx1">
-                    <a:lumMod val="75000"/>
+                    <a:lumMod val="50000"/>
                   </a:schemeClr>
                 </a:solidFill>
                 <a:effectLst/>
@@ -42138,7 +42333,19 @@
                 <a:effectLst/>
                 <a:latin typeface="Sagona Book (Headings)"/>
               </a:rPr>
-              <a:t> for better object identification. This initial step refines the image and improves the visibility of the objects of interest.</a:t>
+              <a:t> </a:t>
+            </a:r>
+            <a:r>
+              <a:rPr lang="en-US" sz="2000" b="0" i="0" dirty="0">
+                <a:solidFill>
+                  <a:schemeClr val="tx1">
+                    <a:lumMod val="50000"/>
+                  </a:schemeClr>
+                </a:solidFill>
+                <a:effectLst/>
+                <a:latin typeface="Sagona Book (Headings)"/>
+              </a:rPr>
+              <a:t>for better object identification. This initial step refines the image and improves the visibility of the objects of interest.</a:t>
             </a:r>
           </a:p>
           <a:p>
@@ -42147,7 +42354,7 @@
               <a:rPr lang="en-US" sz="2000" b="0" i="0" dirty="0">
                 <a:solidFill>
                   <a:schemeClr val="tx1">
-                    <a:lumMod val="75000"/>
+                    <a:lumMod val="50000"/>
                   </a:schemeClr>
                 </a:solidFill>
                 <a:effectLst/>
@@ -42169,7 +42376,7 @@
               <a:rPr lang="en-US" sz="2000" b="0" i="0" dirty="0">
                 <a:solidFill>
                   <a:schemeClr val="tx1">
-                    <a:lumMod val="75000"/>
+                    <a:lumMod val="50000"/>
                   </a:schemeClr>
                 </a:solidFill>
                 <a:effectLst/>
@@ -42184,7 +42391,7 @@
               <a:rPr lang="en-US" sz="2000" b="0" i="0" dirty="0">
                 <a:solidFill>
                   <a:schemeClr val="tx1">
-                    <a:lumMod val="75000"/>
+                    <a:lumMod val="50000"/>
                   </a:schemeClr>
                 </a:solidFill>
                 <a:effectLst/>
@@ -42206,7 +42413,7 @@
               <a:rPr lang="en-US" sz="2000" b="0" i="0" dirty="0">
                 <a:solidFill>
                   <a:schemeClr val="tx1">
-                    <a:lumMod val="75000"/>
+                    <a:lumMod val="50000"/>
                   </a:schemeClr>
                 </a:solidFill>
                 <a:effectLst/>
@@ -42265,8 +42472,8 @@
         </p:nvSpPr>
         <p:spPr>
           <a:xfrm>
-            <a:off x="248265" y="447804"/>
-            <a:ext cx="10515600" cy="466344"/>
+            <a:off x="2378619" y="345064"/>
+            <a:ext cx="9813381" cy="815985"/>
           </a:xfrm>
         </p:spPr>
         <p:txBody>
@@ -42274,7 +42481,7 @@
           <a:lstStyle/>
           <a:p>
             <a:r>
-              <a:rPr lang="en-US" sz="4400" dirty="0">
+              <a:rPr lang="en-US" sz="5400" dirty="0">
                 <a:solidFill>
                   <a:schemeClr val="tx1">
                     <a:lumMod val="75000"/>
@@ -42483,7 +42690,7 @@
               <a:rPr lang="en-US" sz="2000" dirty="0">
                 <a:solidFill>
                   <a:schemeClr val="tx1">
-                    <a:lumMod val="75000"/>
+                    <a:lumMod val="50000"/>
                   </a:schemeClr>
                 </a:solidFill>
                 <a:latin typeface="Sagona Book (Headings)"/>
@@ -42495,7 +42702,7 @@
             <a:endParaRPr lang="en-US" sz="2000" dirty="0">
               <a:solidFill>
                 <a:schemeClr val="tx1">
-                  <a:lumMod val="75000"/>
+                  <a:lumMod val="50000"/>
                 </a:schemeClr>
               </a:solidFill>
               <a:latin typeface="Sagona Book (Headings)"/>
@@ -42505,7 +42712,7 @@
             <a:endParaRPr lang="en-US" sz="2000" dirty="0">
               <a:solidFill>
                 <a:schemeClr val="tx1">
-                  <a:lumMod val="75000"/>
+                  <a:lumMod val="50000"/>
                 </a:schemeClr>
               </a:solidFill>
               <a:latin typeface="Sagona Book (Headings)"/>
@@ -42717,7 +42924,7 @@
                 </a:solidFill>
                 <a:latin typeface="Sagona Book (Headings)"/>
               </a:rPr>
-              <a:t>software</a:t>
+              <a:t>Software</a:t>
             </a:r>
           </a:p>
         </p:txBody>
@@ -42918,7 +43125,7 @@
               <a:rPr lang="en-IN" sz="2000" dirty="0">
                 <a:solidFill>
                   <a:schemeClr val="tx1">
-                    <a:lumMod val="75000"/>
+                    <a:lumMod val="50000"/>
                   </a:schemeClr>
                 </a:solidFill>
                 <a:latin typeface="Sagona Book (Headings)"/>
@@ -42931,7 +43138,7 @@
               <a:rPr lang="en-IN" sz="2000" dirty="0">
                 <a:solidFill>
                   <a:schemeClr val="tx1">
-                    <a:lumMod val="75000"/>
+                    <a:lumMod val="50000"/>
                   </a:schemeClr>
                 </a:solidFill>
                 <a:latin typeface="Sagona Book (Headings)"/>
@@ -42945,7 +43152,7 @@
               <a:rPr lang="en-IN" sz="2000" dirty="0">
                 <a:solidFill>
                   <a:schemeClr val="tx1">
-                    <a:lumMod val="75000"/>
+                    <a:lumMod val="50000"/>
                   </a:schemeClr>
                 </a:solidFill>
                 <a:latin typeface="Sagona Book (Headings)"/>
@@ -42959,7 +43166,7 @@
               <a:rPr lang="en-IN" sz="2000" dirty="0">
                 <a:solidFill>
                   <a:schemeClr val="tx1">
-                    <a:lumMod val="75000"/>
+                    <a:lumMod val="50000"/>
                   </a:schemeClr>
                 </a:solidFill>
                 <a:latin typeface="Sagona Book (Headings)"/>
@@ -42973,7 +43180,7 @@
               <a:rPr lang="en-IN" sz="2000" dirty="0">
                 <a:solidFill>
                   <a:schemeClr val="tx1">
-                    <a:lumMod val="75000"/>
+                    <a:lumMod val="50000"/>
                   </a:schemeClr>
                 </a:solidFill>
                 <a:latin typeface="Sagona Book (Headings)"/>
@@ -42987,7 +43194,7 @@
               <a:rPr lang="en-IN" sz="2000" dirty="0">
                 <a:solidFill>
                   <a:schemeClr val="tx1">
-                    <a:lumMod val="75000"/>
+                    <a:lumMod val="50000"/>
                   </a:schemeClr>
                 </a:solidFill>
                 <a:latin typeface="Sagona Book (Headings)"/>
@@ -43001,7 +43208,7 @@
               <a:rPr lang="en-IN" sz="2000" dirty="0">
                 <a:solidFill>
                   <a:schemeClr val="tx1">
-                    <a:lumMod val="75000"/>
+                    <a:lumMod val="50000"/>
                   </a:schemeClr>
                 </a:solidFill>
                 <a:latin typeface="Sagona Book (Headings)"/>
@@ -43013,7 +43220,7 @@
             <a:endParaRPr lang="en-US" sz="2000" dirty="0">
               <a:solidFill>
                 <a:schemeClr val="tx1">
-                  <a:lumMod val="75000"/>
+                  <a:lumMod val="50000"/>
                 </a:schemeClr>
               </a:solidFill>
               <a:latin typeface="Sagona Book (Headings)"/>
@@ -43023,7 +43230,7 @@
             <a:endParaRPr lang="en-US" sz="2000" dirty="0">
               <a:solidFill>
                 <a:schemeClr val="tx1">
-                  <a:lumMod val="75000"/>
+                  <a:lumMod val="50000"/>
                 </a:schemeClr>
               </a:solidFill>
               <a:latin typeface="Sagona Book (Headings)"/>
@@ -44103,23 +44310,12 @@
 </file>
 
 <file path=customXml/item1.xml><?xml version="1.0" encoding="utf-8"?>
-<p:properties xmlns:p="http://schemas.microsoft.com/office/2006/metadata/properties" xmlns:xsi="http://www.w3.org/2001/XMLSchema-instance" xmlns:pc="http://schemas.microsoft.com/office/infopath/2007/PartnerControls">
-  <documentManagement>
-    <_ip_UnifiedCompliancePolicyUIAction xmlns="http://schemas.microsoft.com/sharepoint/v3" xsi:nil="true"/>
-    <Image xmlns="71af3243-3dd4-4a8d-8c0d-dd76da1f02a5">
-      <Url xsi:nil="true"/>
-      <Description xsi:nil="true"/>
-    </Image>
-    <Status xmlns="71af3243-3dd4-4a8d-8c0d-dd76da1f02a5">Not started</Status>
-    <Background xmlns="71af3243-3dd4-4a8d-8c0d-dd76da1f02a5">false</Background>
-    <_ip_UnifiedCompliancePolicyProperties xmlns="http://schemas.microsoft.com/sharepoint/v3" xsi:nil="true"/>
-    <ImageTagsTaxHTField xmlns="71af3243-3dd4-4a8d-8c0d-dd76da1f02a5">
-      <Terms xmlns="http://schemas.microsoft.com/office/infopath/2007/PartnerControls"/>
-    </ImageTagsTaxHTField>
-    <TaxCatchAll xmlns="230e9df3-be65-4c73-a93b-d1236ebd677e" xsi:nil="true"/>
-    <MediaServiceKeyPoints xmlns="71af3243-3dd4-4a8d-8c0d-dd76da1f02a5" xsi:nil="true"/>
-  </documentManagement>
-</p:properties>
+<?mso-contentType ?>
+<FormTemplates xmlns="http://schemas.microsoft.com/sharepoint/v3/contenttype/forms">
+  <Display>DocumentLibraryForm</Display>
+  <Edit>DocumentLibraryForm</Edit>
+  <New>DocumentLibraryForm</New>
+</FormTemplates>
 </file>
 
 <file path=customXml/item2.xml><?xml version="1.0" encoding="utf-8"?>
@@ -44435,22 +44631,29 @@
 </file>
 
 <file path=customXml/item3.xml><?xml version="1.0" encoding="utf-8"?>
-<?mso-contentType ?>
-<FormTemplates xmlns="http://schemas.microsoft.com/sharepoint/v3/contenttype/forms">
-  <Display>DocumentLibraryForm</Display>
-  <Edit>DocumentLibraryForm</Edit>
-  <New>DocumentLibraryForm</New>
-</FormTemplates>
+<p:properties xmlns:p="http://schemas.microsoft.com/office/2006/metadata/properties" xmlns:xsi="http://www.w3.org/2001/XMLSchema-instance" xmlns:pc="http://schemas.microsoft.com/office/infopath/2007/PartnerControls">
+  <documentManagement>
+    <_ip_UnifiedCompliancePolicyUIAction xmlns="http://schemas.microsoft.com/sharepoint/v3" xsi:nil="true"/>
+    <Image xmlns="71af3243-3dd4-4a8d-8c0d-dd76da1f02a5">
+      <Url xsi:nil="true"/>
+      <Description xsi:nil="true"/>
+    </Image>
+    <Status xmlns="71af3243-3dd4-4a8d-8c0d-dd76da1f02a5">Not started</Status>
+    <Background xmlns="71af3243-3dd4-4a8d-8c0d-dd76da1f02a5">false</Background>
+    <_ip_UnifiedCompliancePolicyProperties xmlns="http://schemas.microsoft.com/sharepoint/v3" xsi:nil="true"/>
+    <ImageTagsTaxHTField xmlns="71af3243-3dd4-4a8d-8c0d-dd76da1f02a5">
+      <Terms xmlns="http://schemas.microsoft.com/office/infopath/2007/PartnerControls"/>
+    </ImageTagsTaxHTField>
+    <TaxCatchAll xmlns="230e9df3-be65-4c73-a93b-d1236ebd677e" xsi:nil="true"/>
+    <MediaServiceKeyPoints xmlns="71af3243-3dd4-4a8d-8c0d-dd76da1f02a5" xsi:nil="true"/>
+  </documentManagement>
+</p:properties>
 </file>
 
 <file path=customXml/itemProps1.xml><?xml version="1.0" encoding="utf-8"?>
-<ds:datastoreItem xmlns:ds="http://schemas.openxmlformats.org/officeDocument/2006/customXml" ds:itemID="{C7AE7813-FB42-416C-BEF8-5F3180DDB0F6}">
+<ds:datastoreItem xmlns:ds="http://schemas.openxmlformats.org/officeDocument/2006/customXml" ds:itemID="{1EE26AC2-BC04-45BA-BD7C-5CDF09AA9426}">
   <ds:schemaRefs>
-    <ds:schemaRef ds:uri="http://schemas.microsoft.com/office/2006/metadata/properties"/>
-    <ds:schemaRef ds:uri="http://schemas.microsoft.com/office/infopath/2007/PartnerControls"/>
-    <ds:schemaRef ds:uri="http://schemas.microsoft.com/sharepoint/v3"/>
-    <ds:schemaRef ds:uri="71af3243-3dd4-4a8d-8c0d-dd76da1f02a5"/>
-    <ds:schemaRef ds:uri="230e9df3-be65-4c73-a93b-d1236ebd677e"/>
+    <ds:schemaRef ds:uri="http://schemas.microsoft.com/sharepoint/v3/contenttype/forms"/>
   </ds:schemaRefs>
 </ds:datastoreItem>
 </file>
@@ -44477,9 +44680,13 @@
 </file>
 
 <file path=customXml/itemProps3.xml><?xml version="1.0" encoding="utf-8"?>
-<ds:datastoreItem xmlns:ds="http://schemas.openxmlformats.org/officeDocument/2006/customXml" ds:itemID="{1EE26AC2-BC04-45BA-BD7C-5CDF09AA9426}">
+<ds:datastoreItem xmlns:ds="http://schemas.openxmlformats.org/officeDocument/2006/customXml" ds:itemID="{C7AE7813-FB42-416C-BEF8-5F3180DDB0F6}">
   <ds:schemaRefs>
-    <ds:schemaRef ds:uri="http://schemas.microsoft.com/sharepoint/v3/contenttype/forms"/>
+    <ds:schemaRef ds:uri="http://schemas.microsoft.com/office/2006/metadata/properties"/>
+    <ds:schemaRef ds:uri="http://schemas.microsoft.com/office/infopath/2007/PartnerControls"/>
+    <ds:schemaRef ds:uri="http://schemas.microsoft.com/sharepoint/v3"/>
+    <ds:schemaRef ds:uri="71af3243-3dd4-4a8d-8c0d-dd76da1f02a5"/>
+    <ds:schemaRef ds:uri="230e9df3-be65-4c73-a93b-d1236ebd677e"/>
   </ds:schemaRefs>
 </ds:datastoreItem>
 </file>

--- a/Major Project.pptx
+++ b/Major Project.pptx
@@ -40716,7 +40716,7 @@
                 </a:solidFill>
                 <a:latin typeface="Sagona Book (Headings)"/>
               </a:rPr>
-              <a:t>    D. Deepa</a:t>
+              <a:t>   Deepa D</a:t>
             </a:r>
           </a:p>
         </p:txBody>
@@ -44310,12 +44310,23 @@
 </file>
 
 <file path=customXml/item1.xml><?xml version="1.0" encoding="utf-8"?>
-<?mso-contentType ?>
-<FormTemplates xmlns="http://schemas.microsoft.com/sharepoint/v3/contenttype/forms">
-  <Display>DocumentLibraryForm</Display>
-  <Edit>DocumentLibraryForm</Edit>
-  <New>DocumentLibraryForm</New>
-</FormTemplates>
+<p:properties xmlns:p="http://schemas.microsoft.com/office/2006/metadata/properties" xmlns:xsi="http://www.w3.org/2001/XMLSchema-instance" xmlns:pc="http://schemas.microsoft.com/office/infopath/2007/PartnerControls">
+  <documentManagement>
+    <_ip_UnifiedCompliancePolicyUIAction xmlns="http://schemas.microsoft.com/sharepoint/v3" xsi:nil="true"/>
+    <Image xmlns="71af3243-3dd4-4a8d-8c0d-dd76da1f02a5">
+      <Url xsi:nil="true"/>
+      <Description xsi:nil="true"/>
+    </Image>
+    <Status xmlns="71af3243-3dd4-4a8d-8c0d-dd76da1f02a5">Not started</Status>
+    <Background xmlns="71af3243-3dd4-4a8d-8c0d-dd76da1f02a5">false</Background>
+    <_ip_UnifiedCompliancePolicyProperties xmlns="http://schemas.microsoft.com/sharepoint/v3" xsi:nil="true"/>
+    <ImageTagsTaxHTField xmlns="71af3243-3dd4-4a8d-8c0d-dd76da1f02a5">
+      <Terms xmlns="http://schemas.microsoft.com/office/infopath/2007/PartnerControls"/>
+    </ImageTagsTaxHTField>
+    <TaxCatchAll xmlns="230e9df3-be65-4c73-a93b-d1236ebd677e" xsi:nil="true"/>
+    <MediaServiceKeyPoints xmlns="71af3243-3dd4-4a8d-8c0d-dd76da1f02a5" xsi:nil="true"/>
+  </documentManagement>
+</p:properties>
 </file>
 
 <file path=customXml/item2.xml><?xml version="1.0" encoding="utf-8"?>
@@ -44631,29 +44642,22 @@
 </file>
 
 <file path=customXml/item3.xml><?xml version="1.0" encoding="utf-8"?>
-<p:properties xmlns:p="http://schemas.microsoft.com/office/2006/metadata/properties" xmlns:xsi="http://www.w3.org/2001/XMLSchema-instance" xmlns:pc="http://schemas.microsoft.com/office/infopath/2007/PartnerControls">
-  <documentManagement>
-    <_ip_UnifiedCompliancePolicyUIAction xmlns="http://schemas.microsoft.com/sharepoint/v3" xsi:nil="true"/>
-    <Image xmlns="71af3243-3dd4-4a8d-8c0d-dd76da1f02a5">
-      <Url xsi:nil="true"/>
-      <Description xsi:nil="true"/>
-    </Image>
-    <Status xmlns="71af3243-3dd4-4a8d-8c0d-dd76da1f02a5">Not started</Status>
-    <Background xmlns="71af3243-3dd4-4a8d-8c0d-dd76da1f02a5">false</Background>
-    <_ip_UnifiedCompliancePolicyProperties xmlns="http://schemas.microsoft.com/sharepoint/v3" xsi:nil="true"/>
-    <ImageTagsTaxHTField xmlns="71af3243-3dd4-4a8d-8c0d-dd76da1f02a5">
-      <Terms xmlns="http://schemas.microsoft.com/office/infopath/2007/PartnerControls"/>
-    </ImageTagsTaxHTField>
-    <TaxCatchAll xmlns="230e9df3-be65-4c73-a93b-d1236ebd677e" xsi:nil="true"/>
-    <MediaServiceKeyPoints xmlns="71af3243-3dd4-4a8d-8c0d-dd76da1f02a5" xsi:nil="true"/>
-  </documentManagement>
-</p:properties>
+<?mso-contentType ?>
+<FormTemplates xmlns="http://schemas.microsoft.com/sharepoint/v3/contenttype/forms">
+  <Display>DocumentLibraryForm</Display>
+  <Edit>DocumentLibraryForm</Edit>
+  <New>DocumentLibraryForm</New>
+</FormTemplates>
 </file>
 
 <file path=customXml/itemProps1.xml><?xml version="1.0" encoding="utf-8"?>
-<ds:datastoreItem xmlns:ds="http://schemas.openxmlformats.org/officeDocument/2006/customXml" ds:itemID="{1EE26AC2-BC04-45BA-BD7C-5CDF09AA9426}">
+<ds:datastoreItem xmlns:ds="http://schemas.openxmlformats.org/officeDocument/2006/customXml" ds:itemID="{C7AE7813-FB42-416C-BEF8-5F3180DDB0F6}">
   <ds:schemaRefs>
-    <ds:schemaRef ds:uri="http://schemas.microsoft.com/sharepoint/v3/contenttype/forms"/>
+    <ds:schemaRef ds:uri="http://schemas.microsoft.com/office/2006/metadata/properties"/>
+    <ds:schemaRef ds:uri="http://schemas.microsoft.com/office/infopath/2007/PartnerControls"/>
+    <ds:schemaRef ds:uri="http://schemas.microsoft.com/sharepoint/v3"/>
+    <ds:schemaRef ds:uri="71af3243-3dd4-4a8d-8c0d-dd76da1f02a5"/>
+    <ds:schemaRef ds:uri="230e9df3-be65-4c73-a93b-d1236ebd677e"/>
   </ds:schemaRefs>
 </ds:datastoreItem>
 </file>
@@ -44680,13 +44684,9 @@
 </file>
 
 <file path=customXml/itemProps3.xml><?xml version="1.0" encoding="utf-8"?>
-<ds:datastoreItem xmlns:ds="http://schemas.openxmlformats.org/officeDocument/2006/customXml" ds:itemID="{C7AE7813-FB42-416C-BEF8-5F3180DDB0F6}">
+<ds:datastoreItem xmlns:ds="http://schemas.openxmlformats.org/officeDocument/2006/customXml" ds:itemID="{1EE26AC2-BC04-45BA-BD7C-5CDF09AA9426}">
   <ds:schemaRefs>
-    <ds:schemaRef ds:uri="http://schemas.microsoft.com/office/2006/metadata/properties"/>
-    <ds:schemaRef ds:uri="http://schemas.microsoft.com/office/infopath/2007/PartnerControls"/>
-    <ds:schemaRef ds:uri="http://schemas.microsoft.com/sharepoint/v3"/>
-    <ds:schemaRef ds:uri="71af3243-3dd4-4a8d-8c0d-dd76da1f02a5"/>
-    <ds:schemaRef ds:uri="230e9df3-be65-4c73-a93b-d1236ebd677e"/>
+    <ds:schemaRef ds:uri="http://schemas.microsoft.com/sharepoint/v3/contenttype/forms"/>
   </ds:schemaRefs>
 </ds:datastoreItem>
 </file>

--- a/Major Project.pptx
+++ b/Major Project.pptx
@@ -150,13 +150,13 @@
                     <a:lumOff val="35000"/>
                   </a:schemeClr>
                 </a:solidFill>
-                <a:latin typeface="+mn-lt"/>
+                <a:latin typeface="Times New Roman" panose="02020603050405020304" pitchFamily="18" charset="0"/>
                 <a:ea typeface="+mn-ea"/>
-                <a:cs typeface="+mn-cs"/>
+                <a:cs typeface="Times New Roman" panose="02020603050405020304" pitchFamily="18" charset="0"/>
               </a:defRPr>
             </a:pPr>
             <a:r>
-              <a:rPr lang="en-US" dirty="0"/>
+              <a:rPr lang="en-US"/>
               <a:t>Counting</a:t>
             </a:r>
           </a:p>
@@ -182,9 +182,9 @@
                   <a:lumOff val="35000"/>
                 </a:schemeClr>
               </a:solidFill>
-              <a:latin typeface="+mn-lt"/>
+              <a:latin typeface="Times New Roman" panose="02020603050405020304" pitchFamily="18" charset="0"/>
               <a:ea typeface="+mn-ea"/>
-              <a:cs typeface="+mn-cs"/>
+              <a:cs typeface="Times New Roman" panose="02020603050405020304" pitchFamily="18" charset="0"/>
             </a:defRPr>
           </a:pPr>
           <a:endParaRPr lang="en-US"/>
@@ -306,6 +306,52 @@
     </c:plotArea>
     <c:legend>
       <c:legendPos val="b"/>
+      <c:legendEntry>
+        <c:idx val="0"/>
+        <c:txPr>
+          <a:bodyPr rot="0" spcFirstLastPara="1" vertOverflow="ellipsis" vert="horz" wrap="square" anchor="ctr" anchorCtr="1"/>
+          <a:lstStyle/>
+          <a:p>
+            <a:pPr>
+              <a:defRPr sz="1600" b="0" i="0" u="none" strike="noStrike" kern="1200" baseline="0">
+                <a:solidFill>
+                  <a:schemeClr val="tx1">
+                    <a:lumMod val="65000"/>
+                    <a:lumOff val="35000"/>
+                  </a:schemeClr>
+                </a:solidFill>
+                <a:latin typeface="Times New Roman" panose="02020603050405020304" pitchFamily="18" charset="0"/>
+                <a:ea typeface="+mn-ea"/>
+                <a:cs typeface="Times New Roman" panose="02020603050405020304" pitchFamily="18" charset="0"/>
+              </a:defRPr>
+            </a:pPr>
+            <a:endParaRPr lang="en-US"/>
+          </a:p>
+        </c:txPr>
+      </c:legendEntry>
+      <c:legendEntry>
+        <c:idx val="1"/>
+        <c:txPr>
+          <a:bodyPr rot="0" spcFirstLastPara="1" vertOverflow="ellipsis" vert="horz" wrap="square" anchor="ctr" anchorCtr="1"/>
+          <a:lstStyle/>
+          <a:p>
+            <a:pPr>
+              <a:defRPr sz="1600" b="0" i="0" u="none" strike="noStrike" kern="1200" baseline="0">
+                <a:solidFill>
+                  <a:schemeClr val="tx1">
+                    <a:lumMod val="65000"/>
+                    <a:lumOff val="35000"/>
+                  </a:schemeClr>
+                </a:solidFill>
+                <a:latin typeface="Times New Roman" panose="02020603050405020304" pitchFamily="18" charset="0"/>
+                <a:ea typeface="+mn-ea"/>
+                <a:cs typeface="Times New Roman" panose="02020603050405020304" pitchFamily="18" charset="0"/>
+              </a:defRPr>
+            </a:pPr>
+            <a:endParaRPr lang="en-US"/>
+          </a:p>
+        </c:txPr>
+      </c:legendEntry>
       <c:overlay val="0"/>
       <c:spPr>
         <a:noFill/>
@@ -326,9 +372,9 @@
                   <a:lumOff val="35000"/>
                 </a:schemeClr>
               </a:solidFill>
-              <a:latin typeface="+mn-lt"/>
+              <a:latin typeface="Times New Roman" panose="02020603050405020304" pitchFamily="18" charset="0"/>
               <a:ea typeface="+mn-ea"/>
-              <a:cs typeface="+mn-cs"/>
+              <a:cs typeface="Times New Roman" panose="02020603050405020304" pitchFamily="18" charset="0"/>
             </a:defRPr>
           </a:pPr>
           <a:endParaRPr lang="en-US"/>
@@ -358,7 +404,10 @@
     <a:lstStyle/>
     <a:p>
       <a:pPr>
-        <a:defRPr/>
+        <a:defRPr>
+          <a:latin typeface="Times New Roman" panose="02020603050405020304" pitchFamily="18" charset="0"/>
+          <a:cs typeface="Times New Roman" panose="02020603050405020304" pitchFamily="18" charset="0"/>
+        </a:defRPr>
       </a:pPr>
       <a:endParaRPr lang="en-US"/>
     </a:p>
@@ -397,22 +446,14 @@
                     <a:lumOff val="35000"/>
                   </a:schemeClr>
                 </a:solidFill>
-                <a:latin typeface="+mn-lt"/>
+                <a:latin typeface="Times New Roman" panose="02020603050405020304" pitchFamily="18" charset="0"/>
                 <a:ea typeface="+mn-ea"/>
-                <a:cs typeface="+mn-cs"/>
+                <a:cs typeface="Times New Roman" panose="02020603050405020304" pitchFamily="18" charset="0"/>
               </a:defRPr>
             </a:pPr>
             <a:r>
-              <a:rPr lang="en-IN" dirty="0"/>
-              <a:t>Accuracy &amp;</a:t>
-            </a:r>
-            <a:r>
-              <a:rPr lang="en-IN" baseline="0" dirty="0"/>
-              <a:t> </a:t>
-            </a:r>
-            <a:r>
-              <a:rPr lang="en-IN" dirty="0"/>
-              <a:t>Difference (Persons)</a:t>
+              <a:rPr lang="en-IN"/>
+              <a:t>Accuracy &amp; Difference (Persons)</a:t>
             </a:r>
           </a:p>
         </c:rich>
@@ -437,9 +478,9 @@
                   <a:lumOff val="35000"/>
                 </a:schemeClr>
               </a:solidFill>
-              <a:latin typeface="+mn-lt"/>
+              <a:latin typeface="Times New Roman" panose="02020603050405020304" pitchFamily="18" charset="0"/>
               <a:ea typeface="+mn-ea"/>
-              <a:cs typeface="+mn-cs"/>
+              <a:cs typeface="Times New Roman" panose="02020603050405020304" pitchFamily="18" charset="0"/>
             </a:defRPr>
           </a:pPr>
           <a:endParaRPr lang="en-US"/>
@@ -644,9 +685,9 @@
                     <a:lumOff val="35000"/>
                   </a:schemeClr>
                 </a:solidFill>
-                <a:latin typeface="+mn-lt"/>
+                <a:latin typeface="Times New Roman" panose="02020603050405020304" pitchFamily="18" charset="0"/>
                 <a:ea typeface="+mn-ea"/>
-                <a:cs typeface="+mn-cs"/>
+                <a:cs typeface="Times New Roman" panose="02020603050405020304" pitchFamily="18" charset="0"/>
               </a:defRPr>
             </a:pPr>
             <a:endParaRPr lang="en-US"/>
@@ -703,9 +744,9 @@
                     <a:lumOff val="35000"/>
                   </a:schemeClr>
                 </a:solidFill>
-                <a:latin typeface="+mn-lt"/>
+                <a:latin typeface="Times New Roman" panose="02020603050405020304" pitchFamily="18" charset="0"/>
                 <a:ea typeface="+mn-ea"/>
-                <a:cs typeface="+mn-cs"/>
+                <a:cs typeface="Times New Roman" panose="02020603050405020304" pitchFamily="18" charset="0"/>
               </a:defRPr>
             </a:pPr>
             <a:endParaRPr lang="en-US"/>
@@ -745,9 +786,9 @@
                   <a:lumOff val="35000"/>
                 </a:schemeClr>
               </a:solidFill>
-              <a:latin typeface="+mn-lt"/>
+              <a:latin typeface="Times New Roman" panose="02020603050405020304" pitchFamily="18" charset="0"/>
               <a:ea typeface="+mn-ea"/>
-              <a:cs typeface="+mn-cs"/>
+              <a:cs typeface="Times New Roman" panose="02020603050405020304" pitchFamily="18" charset="0"/>
             </a:defRPr>
           </a:pPr>
           <a:endParaRPr lang="en-US"/>
@@ -777,7 +818,10 @@
     <a:lstStyle/>
     <a:p>
       <a:pPr>
-        <a:defRPr/>
+        <a:defRPr>
+          <a:latin typeface="Times New Roman" panose="02020603050405020304" pitchFamily="18" charset="0"/>
+          <a:cs typeface="Times New Roman" panose="02020603050405020304" pitchFamily="18" charset="0"/>
+        </a:defRPr>
       </a:pPr>
       <a:endParaRPr lang="en-US"/>
     </a:p>
@@ -2041,7 +2085,7 @@
               <a:rPr lang="en-IN" smtClean="0"/>
               <a:t>18-03-2024</a:t>
             </a:fld>
-            <a:endParaRPr lang="en-IN"/>
+            <a:endParaRPr lang="en-IN" dirty="0"/>
           </a:p>
         </p:txBody>
       </p:sp>
@@ -2066,7 +2110,7 @@
           <a:bodyPr/>
           <a:lstStyle/>
           <a:p>
-            <a:endParaRPr lang="en-IN"/>
+            <a:endParaRPr lang="en-IN" dirty="0"/>
           </a:p>
         </p:txBody>
       </p:sp>
@@ -2095,7 +2139,7 @@
               <a:rPr lang="en-IN" smtClean="0"/>
               <a:t>‹#›</a:t>
             </a:fld>
-            <a:endParaRPr lang="en-IN"/>
+            <a:endParaRPr lang="en-IN" dirty="0"/>
           </a:p>
         </p:txBody>
       </p:sp>
@@ -2241,7 +2285,7 @@
               <a:rPr lang="en-IN" smtClean="0"/>
               <a:t>18-03-2024</a:t>
             </a:fld>
-            <a:endParaRPr lang="en-IN"/>
+            <a:endParaRPr lang="en-IN" dirty="0"/>
           </a:p>
         </p:txBody>
       </p:sp>
@@ -2266,7 +2310,7 @@
           <a:bodyPr/>
           <a:lstStyle/>
           <a:p>
-            <a:endParaRPr lang="en-IN"/>
+            <a:endParaRPr lang="en-IN" dirty="0"/>
           </a:p>
         </p:txBody>
       </p:sp>
@@ -2295,7 +2339,7 @@
               <a:rPr lang="en-IN" smtClean="0"/>
               <a:t>‹#›</a:t>
             </a:fld>
-            <a:endParaRPr lang="en-IN"/>
+            <a:endParaRPr lang="en-IN" dirty="0"/>
           </a:p>
         </p:txBody>
       </p:sp>
@@ -2451,7 +2495,7 @@
               <a:rPr lang="en-IN" smtClean="0"/>
               <a:t>18-03-2024</a:t>
             </a:fld>
-            <a:endParaRPr lang="en-IN"/>
+            <a:endParaRPr lang="en-IN" dirty="0"/>
           </a:p>
         </p:txBody>
       </p:sp>
@@ -2476,7 +2520,7 @@
           <a:bodyPr/>
           <a:lstStyle/>
           <a:p>
-            <a:endParaRPr lang="en-IN"/>
+            <a:endParaRPr lang="en-IN" dirty="0"/>
           </a:p>
         </p:txBody>
       </p:sp>
@@ -2505,7 +2549,7 @@
               <a:rPr lang="en-IN" smtClean="0"/>
               <a:t>‹#›</a:t>
             </a:fld>
-            <a:endParaRPr lang="en-IN"/>
+            <a:endParaRPr lang="en-IN" dirty="0"/>
           </a:p>
         </p:txBody>
       </p:sp>
@@ -2651,7 +2695,7 @@
               <a:rPr lang="en-IN" smtClean="0"/>
               <a:t>18-03-2024</a:t>
             </a:fld>
-            <a:endParaRPr lang="en-IN"/>
+            <a:endParaRPr lang="en-IN" dirty="0"/>
           </a:p>
         </p:txBody>
       </p:sp>
@@ -2676,7 +2720,7 @@
           <a:bodyPr/>
           <a:lstStyle/>
           <a:p>
-            <a:endParaRPr lang="en-IN"/>
+            <a:endParaRPr lang="en-IN" dirty="0"/>
           </a:p>
         </p:txBody>
       </p:sp>
@@ -2705,7 +2749,7 @@
               <a:rPr lang="en-IN" smtClean="0"/>
               <a:t>‹#›</a:t>
             </a:fld>
-            <a:endParaRPr lang="en-IN"/>
+            <a:endParaRPr lang="en-IN" dirty="0"/>
           </a:p>
         </p:txBody>
       </p:sp>
@@ -2927,7 +2971,7 @@
               <a:rPr lang="en-IN" smtClean="0"/>
               <a:t>18-03-2024</a:t>
             </a:fld>
-            <a:endParaRPr lang="en-IN"/>
+            <a:endParaRPr lang="en-IN" dirty="0"/>
           </a:p>
         </p:txBody>
       </p:sp>
@@ -2952,7 +2996,7 @@
           <a:bodyPr/>
           <a:lstStyle/>
           <a:p>
-            <a:endParaRPr lang="en-IN"/>
+            <a:endParaRPr lang="en-IN" dirty="0"/>
           </a:p>
         </p:txBody>
       </p:sp>
@@ -2981,7 +3025,7 @@
               <a:rPr lang="en-IN" smtClean="0"/>
               <a:t>‹#›</a:t>
             </a:fld>
-            <a:endParaRPr lang="en-IN"/>
+            <a:endParaRPr lang="en-IN" dirty="0"/>
           </a:p>
         </p:txBody>
       </p:sp>
@@ -3195,7 +3239,7 @@
               <a:rPr lang="en-IN" smtClean="0"/>
               <a:t>18-03-2024</a:t>
             </a:fld>
-            <a:endParaRPr lang="en-IN"/>
+            <a:endParaRPr lang="en-IN" dirty="0"/>
           </a:p>
         </p:txBody>
       </p:sp>
@@ -3220,7 +3264,7 @@
           <a:bodyPr/>
           <a:lstStyle/>
           <a:p>
-            <a:endParaRPr lang="en-IN"/>
+            <a:endParaRPr lang="en-IN" dirty="0"/>
           </a:p>
         </p:txBody>
       </p:sp>
@@ -3249,7 +3293,7 @@
               <a:rPr lang="en-IN" smtClean="0"/>
               <a:t>‹#›</a:t>
             </a:fld>
-            <a:endParaRPr lang="en-IN"/>
+            <a:endParaRPr lang="en-IN" dirty="0"/>
           </a:p>
         </p:txBody>
       </p:sp>
@@ -3610,7 +3654,7 @@
               <a:rPr lang="en-IN" smtClean="0"/>
               <a:t>18-03-2024</a:t>
             </a:fld>
-            <a:endParaRPr lang="en-IN"/>
+            <a:endParaRPr lang="en-IN" dirty="0"/>
           </a:p>
         </p:txBody>
       </p:sp>
@@ -3635,7 +3679,7 @@
           <a:bodyPr/>
           <a:lstStyle/>
           <a:p>
-            <a:endParaRPr lang="en-IN"/>
+            <a:endParaRPr lang="en-IN" dirty="0"/>
           </a:p>
         </p:txBody>
       </p:sp>
@@ -3664,7 +3708,7 @@
               <a:rPr lang="en-IN" smtClean="0"/>
               <a:t>‹#›</a:t>
             </a:fld>
-            <a:endParaRPr lang="en-IN"/>
+            <a:endParaRPr lang="en-IN" dirty="0"/>
           </a:p>
         </p:txBody>
       </p:sp>
@@ -3752,7 +3796,7 @@
               <a:rPr lang="en-IN" smtClean="0"/>
               <a:t>18-03-2024</a:t>
             </a:fld>
-            <a:endParaRPr lang="en-IN"/>
+            <a:endParaRPr lang="en-IN" dirty="0"/>
           </a:p>
         </p:txBody>
       </p:sp>
@@ -3777,7 +3821,7 @@
           <a:bodyPr/>
           <a:lstStyle/>
           <a:p>
-            <a:endParaRPr lang="en-IN"/>
+            <a:endParaRPr lang="en-IN" dirty="0"/>
           </a:p>
         </p:txBody>
       </p:sp>
@@ -3806,7 +3850,7 @@
               <a:rPr lang="en-IN" smtClean="0"/>
               <a:t>‹#›</a:t>
             </a:fld>
-            <a:endParaRPr lang="en-IN"/>
+            <a:endParaRPr lang="en-IN" dirty="0"/>
           </a:p>
         </p:txBody>
       </p:sp>
@@ -3865,7 +3909,7 @@
               <a:rPr lang="en-IN" smtClean="0"/>
               <a:t>18-03-2024</a:t>
             </a:fld>
-            <a:endParaRPr lang="en-IN"/>
+            <a:endParaRPr lang="en-IN" dirty="0"/>
           </a:p>
         </p:txBody>
       </p:sp>
@@ -3890,7 +3934,7 @@
           <a:bodyPr/>
           <a:lstStyle/>
           <a:p>
-            <a:endParaRPr lang="en-IN"/>
+            <a:endParaRPr lang="en-IN" dirty="0"/>
           </a:p>
         </p:txBody>
       </p:sp>
@@ -3919,7 +3963,7 @@
               <a:rPr lang="en-IN" smtClean="0"/>
               <a:t>‹#›</a:t>
             </a:fld>
-            <a:endParaRPr lang="en-IN"/>
+            <a:endParaRPr lang="en-IN" dirty="0"/>
           </a:p>
         </p:txBody>
       </p:sp>
@@ -4178,7 +4222,7 @@
               <a:rPr lang="en-IN" smtClean="0"/>
               <a:t>18-03-2024</a:t>
             </a:fld>
-            <a:endParaRPr lang="en-IN"/>
+            <a:endParaRPr lang="en-IN" dirty="0"/>
           </a:p>
         </p:txBody>
       </p:sp>
@@ -4203,7 +4247,7 @@
           <a:bodyPr/>
           <a:lstStyle/>
           <a:p>
-            <a:endParaRPr lang="en-IN"/>
+            <a:endParaRPr lang="en-IN" dirty="0"/>
           </a:p>
         </p:txBody>
       </p:sp>
@@ -4232,7 +4276,7 @@
               <a:rPr lang="en-IN" smtClean="0"/>
               <a:t>‹#›</a:t>
             </a:fld>
-            <a:endParaRPr lang="en-IN"/>
+            <a:endParaRPr lang="en-IN" dirty="0"/>
           </a:p>
         </p:txBody>
       </p:sp>
@@ -4368,10 +4412,10 @@
           </a:lstStyle>
           <a:p>
             <a:r>
-              <a:rPr lang="en-US"/>
+              <a:rPr lang="en-US" dirty="0"/>
               <a:t>Click icon to add picture</a:t>
             </a:r>
-            <a:endParaRPr lang="en-IN"/>
+            <a:endParaRPr lang="en-IN" dirty="0"/>
           </a:p>
         </p:txBody>
       </p:sp>
@@ -4471,7 +4515,7 @@
               <a:rPr lang="en-IN" smtClean="0"/>
               <a:t>18-03-2024</a:t>
             </a:fld>
-            <a:endParaRPr lang="en-IN"/>
+            <a:endParaRPr lang="en-IN" dirty="0"/>
           </a:p>
         </p:txBody>
       </p:sp>
@@ -4496,7 +4540,7 @@
           <a:bodyPr/>
           <a:lstStyle/>
           <a:p>
-            <a:endParaRPr lang="en-IN"/>
+            <a:endParaRPr lang="en-IN" dirty="0"/>
           </a:p>
         </p:txBody>
       </p:sp>
@@ -4525,7 +4569,7 @@
               <a:rPr lang="en-IN" smtClean="0"/>
               <a:t>‹#›</a:t>
             </a:fld>
-            <a:endParaRPr lang="en-IN"/>
+            <a:endParaRPr lang="en-IN" dirty="0"/>
           </a:p>
         </p:txBody>
       </p:sp>
@@ -4714,7 +4758,7 @@
               <a:rPr lang="en-IN" smtClean="0"/>
               <a:t>18-03-2024</a:t>
             </a:fld>
-            <a:endParaRPr lang="en-IN"/>
+            <a:endParaRPr lang="en-IN" dirty="0"/>
           </a:p>
         </p:txBody>
       </p:sp>
@@ -4757,7 +4801,7 @@
             </a:lvl1pPr>
           </a:lstStyle>
           <a:p>
-            <a:endParaRPr lang="en-IN"/>
+            <a:endParaRPr lang="en-IN" dirty="0"/>
           </a:p>
         </p:txBody>
       </p:sp>
@@ -4804,7 +4848,7 @@
               <a:rPr lang="en-IN" smtClean="0"/>
               <a:t>‹#›</a:t>
             </a:fld>
-            <a:endParaRPr lang="en-IN"/>
+            <a:endParaRPr lang="en-IN" dirty="0"/>
           </a:p>
         </p:txBody>
       </p:sp>
@@ -5862,16 +5906,14 @@
           </a:prstGeom>
         </p:spPr>
         <p:style>
-          <a:lnRef idx="2">
-            <a:schemeClr val="accent1">
-              <a:shade val="15000"/>
-            </a:schemeClr>
+          <a:lnRef idx="3">
+            <a:schemeClr val="lt1"/>
           </a:lnRef>
           <a:fillRef idx="1">
-            <a:schemeClr val="accent1"/>
+            <a:schemeClr val="accent6"/>
           </a:fillRef>
-          <a:effectRef idx="0">
-            <a:schemeClr val="accent1"/>
+          <a:effectRef idx="1">
+            <a:schemeClr val="accent6"/>
           </a:effectRef>
           <a:fontRef idx="minor">
             <a:schemeClr val="lt1"/>
@@ -6212,16 +6254,14 @@
           </a:prstGeom>
         </p:spPr>
         <p:style>
-          <a:lnRef idx="2">
-            <a:schemeClr val="accent1">
-              <a:shade val="15000"/>
-            </a:schemeClr>
+          <a:lnRef idx="0">
+            <a:schemeClr val="accent2"/>
           </a:lnRef>
-          <a:fillRef idx="1">
-            <a:schemeClr val="accent1"/>
+          <a:fillRef idx="3">
+            <a:schemeClr val="accent2"/>
           </a:fillRef>
-          <a:effectRef idx="0">
-            <a:schemeClr val="accent1"/>
+          <a:effectRef idx="3">
+            <a:schemeClr val="accent2"/>
           </a:effectRef>
           <a:fontRef idx="minor">
             <a:schemeClr val="lt1"/>
@@ -6439,7 +6479,7 @@
           <a:lstStyle/>
           <a:p>
             <a:pPr algn="ctr"/>
-            <a:endParaRPr lang="en-US"/>
+            <a:endParaRPr lang="en-US" dirty="0"/>
           </a:p>
         </p:txBody>
       </p:sp>
@@ -6567,7 +6607,7 @@
           <a:lstStyle/>
           <a:p>
             <a:pPr algn="ctr"/>
-            <a:endParaRPr lang="en-US"/>
+            <a:endParaRPr lang="en-US" dirty="0"/>
           </a:p>
         </p:txBody>
       </p:sp>
@@ -7438,7 +7478,7 @@
                 <a:tabLst/>
                 <a:defRPr/>
               </a:pPr>
-              <a:endParaRPr kumimoji="0" lang="en-US" sz="1600" b="0" i="0" u="none" strike="noStrike" kern="1200" cap="none" spc="0" normalizeH="0" baseline="0" noProof="0">
+              <a:endParaRPr kumimoji="0" lang="en-US" sz="1600" b="0" i="0" u="none" strike="noStrike" kern="1200" cap="none" spc="0" normalizeH="0" baseline="0" noProof="0" dirty="0">
                 <a:ln>
                   <a:noFill/>
                 </a:ln>
@@ -7713,7 +7753,7 @@
             <a:lstStyle/>
             <a:p>
               <a:pPr algn="ctr"/>
-              <a:endParaRPr lang="en-US"/>
+              <a:endParaRPr lang="en-US" dirty="0"/>
             </a:p>
           </p:txBody>
         </p:sp>
@@ -7960,7 +8000,7 @@
                 <a:tabLst/>
                 <a:defRPr/>
               </a:pPr>
-              <a:endParaRPr kumimoji="0" lang="en-US" sz="1600" b="0" i="0" u="none" strike="noStrike" kern="1200" cap="none" spc="0" normalizeH="0" baseline="0" noProof="0">
+              <a:endParaRPr kumimoji="0" lang="en-US" sz="1600" b="0" i="0" u="none" strike="noStrike" kern="1200" cap="none" spc="0" normalizeH="0" baseline="0" noProof="0" dirty="0">
                 <a:ln>
                   <a:noFill/>
                 </a:ln>
@@ -8236,7 +8276,7 @@
             <a:lstStyle/>
             <a:p>
               <a:pPr algn="ctr"/>
-              <a:endParaRPr lang="en-US"/>
+              <a:endParaRPr lang="en-US" dirty="0"/>
             </a:p>
           </p:txBody>
         </p:sp>
@@ -8487,7 +8527,7 @@
                 <a:tabLst/>
                 <a:defRPr/>
               </a:pPr>
-              <a:endParaRPr kumimoji="0" lang="en-US" sz="1600" b="0" i="0" u="none" strike="noStrike" kern="1200" cap="none" spc="0" normalizeH="0" baseline="0" noProof="0">
+              <a:endParaRPr kumimoji="0" lang="en-US" sz="1600" b="0" i="0" u="none" strike="noStrike" kern="1200" cap="none" spc="0" normalizeH="0" baseline="0" noProof="0" dirty="0">
                 <a:ln>
                   <a:noFill/>
                 </a:ln>
@@ -8763,7 +8803,7 @@
             <a:lstStyle/>
             <a:p>
               <a:pPr algn="ctr"/>
-              <a:endParaRPr lang="en-US"/>
+              <a:endParaRPr lang="en-US" dirty="0"/>
             </a:p>
           </p:txBody>
         </p:sp>
@@ -9014,7 +9054,7 @@
                 <a:tabLst/>
                 <a:defRPr/>
               </a:pPr>
-              <a:endParaRPr kumimoji="0" lang="en-US" sz="1600" b="0" i="0" u="none" strike="noStrike" kern="1200" cap="none" spc="0" normalizeH="0" baseline="0" noProof="0">
+              <a:endParaRPr kumimoji="0" lang="en-US" sz="1600" b="0" i="0" u="none" strike="noStrike" kern="1200" cap="none" spc="0" normalizeH="0" baseline="0" noProof="0" dirty="0">
                 <a:ln>
                   <a:noFill/>
                 </a:ln>
@@ -9290,7 +9330,7 @@
             <a:lstStyle/>
             <a:p>
               <a:pPr algn="ctr"/>
-              <a:endParaRPr lang="en-US"/>
+              <a:endParaRPr lang="en-US" dirty="0"/>
             </a:p>
           </p:txBody>
         </p:sp>
@@ -9545,7 +9585,7 @@
               <a:pPr/>
               <a:t>7</a:t>
             </a:fld>
-            <a:endParaRPr lang="en-US"/>
+            <a:endParaRPr lang="en-US" dirty="0"/>
           </a:p>
         </p:txBody>
       </p:sp>
@@ -9789,7 +9829,7 @@
           <a:lstStyle/>
           <a:p>
             <a:pPr algn="ctr"/>
-            <a:endParaRPr lang="en-US"/>
+            <a:endParaRPr lang="en-US" dirty="0"/>
           </a:p>
         </p:txBody>
       </p:sp>
@@ -9994,7 +10034,7 @@
           <a:lstStyle/>
           <a:p>
             <a:pPr algn="ctr"/>
-            <a:endParaRPr lang="en-US"/>
+            <a:endParaRPr lang="en-US" dirty="0"/>
           </a:p>
         </p:txBody>
       </p:sp>
@@ -10206,7 +10246,7 @@
           <a:lstStyle/>
           <a:p>
             <a:pPr algn="ctr"/>
-            <a:endParaRPr lang="en-US"/>
+            <a:endParaRPr lang="en-US" dirty="0"/>
           </a:p>
         </p:txBody>
       </p:sp>
@@ -10418,7 +10458,7 @@
           <a:lstStyle/>
           <a:p>
             <a:pPr algn="ctr"/>
-            <a:endParaRPr lang="en-US"/>
+            <a:endParaRPr lang="en-US" dirty="0"/>
           </a:p>
         </p:txBody>
       </p:sp>
@@ -10842,7 +10882,7 @@
           <a:lstStyle/>
           <a:p>
             <a:pPr algn="ctr"/>
-            <a:endParaRPr lang="en-US"/>
+            <a:endParaRPr lang="en-US" dirty="0"/>
           </a:p>
         </p:txBody>
       </p:sp>
@@ -12135,7 +12175,7 @@
             <a:lstStyle/>
             <a:p>
               <a:pPr algn="ctr"/>
-              <a:endParaRPr lang="en-US"/>
+              <a:endParaRPr lang="en-US" dirty="0"/>
             </a:p>
           </p:txBody>
         </p:sp>
@@ -12191,7 +12231,7 @@
             <a:lstStyle/>
             <a:p>
               <a:pPr algn="ctr"/>
-              <a:endParaRPr lang="en-US"/>
+              <a:endParaRPr lang="en-US" dirty="0"/>
             </a:p>
           </p:txBody>
         </p:sp>
@@ -12264,7 +12304,7 @@
             <a:lstStyle/>
             <a:p>
               <a:pPr algn="ctr"/>
-              <a:endParaRPr lang="en-US"/>
+              <a:endParaRPr lang="en-US" dirty="0"/>
             </a:p>
           </p:txBody>
         </p:sp>
@@ -12320,7 +12360,7 @@
             <a:lstStyle/>
             <a:p>
               <a:pPr algn="ctr"/>
-              <a:endParaRPr lang="en-US"/>
+              <a:endParaRPr lang="en-US" dirty="0"/>
             </a:p>
           </p:txBody>
         </p:sp>
@@ -12393,7 +12433,7 @@
             <a:lstStyle/>
             <a:p>
               <a:pPr algn="ctr"/>
-              <a:endParaRPr lang="en-US"/>
+              <a:endParaRPr lang="en-US" dirty="0"/>
             </a:p>
           </p:txBody>
         </p:sp>
@@ -12651,7 +12691,7 @@
             <a:lstStyle/>
             <a:p>
               <a:pPr algn="ctr"/>
-              <a:endParaRPr lang="en-US"/>
+              <a:endParaRPr lang="en-US" dirty="0"/>
             </a:p>
           </p:txBody>
         </p:sp>
@@ -12894,7 +12934,7 @@
             <a:lstStyle/>
             <a:p>
               <a:pPr algn="ctr"/>
-              <a:endParaRPr lang="en-US"/>
+              <a:endParaRPr lang="en-US" dirty="0"/>
             </a:p>
           </p:txBody>
         </p:sp>
@@ -12950,7 +12990,7 @@
             <a:lstStyle/>
             <a:p>
               <a:pPr algn="ctr"/>
-              <a:endParaRPr lang="en-US"/>
+              <a:endParaRPr lang="en-US" dirty="0"/>
             </a:p>
           </p:txBody>
         </p:sp>
@@ -13099,7 +13139,7 @@
             <a:lstStyle/>
             <a:p>
               <a:pPr algn="ctr"/>
-              <a:endParaRPr lang="en-US"/>
+              <a:endParaRPr lang="en-US" dirty="0"/>
             </a:p>
           </p:txBody>
         </p:sp>
@@ -13155,7 +13195,7 @@
             <a:lstStyle/>
             <a:p>
               <a:pPr algn="ctr"/>
-              <a:endParaRPr lang="en-US"/>
+              <a:endParaRPr lang="en-US" dirty="0"/>
             </a:p>
           </p:txBody>
         </p:sp>
@@ -13193,19 +13233,8 @@
                 <a:latin typeface="Times New Roman" panose="02020603050405020304" pitchFamily="18" charset="0"/>
                 <a:cs typeface="Times New Roman" panose="02020603050405020304" pitchFamily="18" charset="0"/>
               </a:rPr>
-              <a:t>Object Counting and </a:t>
+              <a:t>Object Counting and Labelling</a:t>
             </a:r>
-            <a:r>
-              <a:rPr lang="en-IN" sz="2000" dirty="0" err="1">
-                <a:latin typeface="Times New Roman" panose="02020603050405020304" pitchFamily="18" charset="0"/>
-                <a:cs typeface="Times New Roman" panose="02020603050405020304" pitchFamily="18" charset="0"/>
-              </a:rPr>
-              <a:t>Labeling</a:t>
-            </a:r>
-            <a:endParaRPr lang="en-IN" sz="2000" dirty="0">
-              <a:latin typeface="Times New Roman" panose="02020603050405020304" pitchFamily="18" charset="0"/>
-              <a:cs typeface="Times New Roman" panose="02020603050405020304" pitchFamily="18" charset="0"/>
-            </a:endParaRPr>
           </a:p>
         </p:txBody>
       </p:sp>
@@ -13297,7 +13326,7 @@
           <a:lstStyle/>
           <a:p>
             <a:pPr algn="ctr"/>
-            <a:endParaRPr lang="en-US"/>
+            <a:endParaRPr lang="en-US" dirty="0"/>
           </a:p>
         </p:txBody>
       </p:sp>
@@ -13868,8 +13897,8 @@
         </p:nvSpPr>
         <p:spPr>
           <a:xfrm>
-            <a:off x="2696989" y="439692"/>
-            <a:ext cx="6096000" cy="584775"/>
+            <a:off x="2489200" y="316581"/>
+            <a:ext cx="6096000" cy="707886"/>
           </a:xfrm>
           <a:prstGeom prst="rect">
             <a:avLst/>
@@ -13884,12 +13913,12 @@
           <a:p>
             <a:pPr algn="ctr"/>
             <a:r>
-              <a:rPr lang="en-US" sz="3200" dirty="0">
+              <a:rPr lang="en-US" sz="4000" dirty="0">
                 <a:latin typeface="Sagona Book (Headings)"/>
               </a:rPr>
               <a:t>Analysis</a:t>
             </a:r>
-            <a:endParaRPr lang="en-IN" sz="3200" dirty="0"/>
+            <a:endParaRPr lang="en-IN" sz="4000" dirty="0"/>
           </a:p>
         </p:txBody>
       </p:sp>
@@ -13906,14 +13935,14 @@
           <p:nvPr>
             <p:extLst>
               <p:ext uri="{D42A27DB-BD31-4B8C-83A1-F6EECF244321}">
-                <p14:modId xmlns:p14="http://schemas.microsoft.com/office/powerpoint/2010/main" val="2901200047"/>
+                <p14:modId xmlns:p14="http://schemas.microsoft.com/office/powerpoint/2010/main" val="2147457701"/>
               </p:ext>
             </p:extLst>
           </p:nvPr>
         </p:nvGraphicFramePr>
         <p:xfrm>
-          <a:off x="629920" y="1899920"/>
-          <a:ext cx="4907280" cy="3933613"/>
+          <a:off x="0" y="1423686"/>
+          <a:ext cx="5537200" cy="4409847"/>
         </p:xfrm>
         <a:graphic>
           <a:graphicData uri="http://schemas.openxmlformats.org/drawingml/2006/chart">
@@ -13934,14 +13963,14 @@
           <p:nvPr>
             <p:extLst>
               <p:ext uri="{D42A27DB-BD31-4B8C-83A1-F6EECF244321}">
-                <p14:modId xmlns:p14="http://schemas.microsoft.com/office/powerpoint/2010/main" val="590887674"/>
+                <p14:modId xmlns:p14="http://schemas.microsoft.com/office/powerpoint/2010/main" val="3477731176"/>
               </p:ext>
             </p:extLst>
           </p:nvPr>
         </p:nvGraphicFramePr>
         <p:xfrm>
-          <a:off x="5882640" y="1166707"/>
-          <a:ext cx="5679440" cy="5113866"/>
+          <a:off x="5882640" y="1122744"/>
+          <a:ext cx="6309360" cy="5157829"/>
         </p:xfrm>
         <a:graphic>
           <a:graphicData uri="http://schemas.openxmlformats.org/drawingml/2006/chart">

--- a/Major Project.pptx
+++ b/Major Project.pptx
@@ -250,6 +250,62 @@
               </c:ext>
             </c:extLst>
           </c:dPt>
+          <c:dLbls>
+            <c:spPr>
+              <a:noFill/>
+              <a:ln>
+                <a:noFill/>
+              </a:ln>
+              <a:effectLst/>
+            </c:spPr>
+            <c:txPr>
+              <a:bodyPr rot="0" spcFirstLastPara="1" vertOverflow="ellipsis" vert="horz" wrap="square" lIns="38100" tIns="19050" rIns="38100" bIns="19050" anchor="ctr" anchorCtr="1">
+                <a:spAutoFit/>
+              </a:bodyPr>
+              <a:lstStyle/>
+              <a:p>
+                <a:pPr>
+                  <a:defRPr sz="2000" b="0" i="0" u="none" strike="noStrike" kern="1200" baseline="0">
+                    <a:solidFill>
+                      <a:schemeClr val="tx1">
+                        <a:lumMod val="75000"/>
+                        <a:lumOff val="25000"/>
+                      </a:schemeClr>
+                    </a:solidFill>
+                    <a:latin typeface="Times New Roman" panose="02020603050405020304" pitchFamily="18" charset="0"/>
+                    <a:ea typeface="+mn-ea"/>
+                    <a:cs typeface="Times New Roman" panose="02020603050405020304" pitchFamily="18" charset="0"/>
+                  </a:defRPr>
+                </a:pPr>
+                <a:endParaRPr lang="en-US"/>
+              </a:p>
+            </c:txPr>
+            <c:dLblPos val="outEnd"/>
+            <c:showLegendKey val="0"/>
+            <c:showVal val="1"/>
+            <c:showCatName val="0"/>
+            <c:showSerName val="0"/>
+            <c:showPercent val="0"/>
+            <c:showBubbleSize val="0"/>
+            <c:showLeaderLines val="1"/>
+            <c:leaderLines>
+              <c:spPr>
+                <a:ln w="9525" cap="flat" cmpd="sng" algn="ctr">
+                  <a:solidFill>
+                    <a:schemeClr val="tx1">
+                      <a:lumMod val="35000"/>
+                      <a:lumOff val="65000"/>
+                    </a:schemeClr>
+                  </a:solidFill>
+                  <a:round/>
+                </a:ln>
+                <a:effectLst/>
+              </c:spPr>
+            </c:leaderLines>
+            <c:extLst>
+              <c:ext xmlns:c15="http://schemas.microsoft.com/office/drawing/2012/chart" uri="{CE6537A1-D6FC-4f65-9D91-7224C49458BB}"/>
+            </c:extLst>
+          </c:dLbls>
           <c:cat>
             <c:strRef>
               <c:f>Sheet1!$A$2:$A$3</c:f>
@@ -274,7 +330,7 @@
                   <c:v>9.6</c:v>
                 </c:pt>
                 <c:pt idx="1">
-                  <c:v>0.8</c:v>
+                  <c:v>0.4</c:v>
                 </c:pt>
               </c:numCache>
             </c:numRef>
@@ -518,6 +574,64 @@
             <a:effectLst/>
           </c:spPr>
           <c:invertIfNegative val="0"/>
+          <c:dLbls>
+            <c:spPr>
+              <a:noFill/>
+              <a:ln>
+                <a:noFill/>
+              </a:ln>
+              <a:effectLst/>
+            </c:spPr>
+            <c:txPr>
+              <a:bodyPr rot="0" spcFirstLastPara="1" vertOverflow="ellipsis" vert="horz" wrap="square" lIns="38100" tIns="19050" rIns="38100" bIns="19050" anchor="ctr" anchorCtr="1">
+                <a:spAutoFit/>
+              </a:bodyPr>
+              <a:lstStyle/>
+              <a:p>
+                <a:pPr>
+                  <a:defRPr sz="1600" b="0" i="0" u="none" strike="noStrike" kern="1200" baseline="0">
+                    <a:solidFill>
+                      <a:schemeClr val="tx1">
+                        <a:lumMod val="75000"/>
+                        <a:lumOff val="25000"/>
+                      </a:schemeClr>
+                    </a:solidFill>
+                    <a:latin typeface="Times New Roman" panose="02020603050405020304" pitchFamily="18" charset="0"/>
+                    <a:ea typeface="+mn-ea"/>
+                    <a:cs typeface="Times New Roman" panose="02020603050405020304" pitchFamily="18" charset="0"/>
+                  </a:defRPr>
+                </a:pPr>
+                <a:endParaRPr lang="en-US"/>
+              </a:p>
+            </c:txPr>
+            <c:dLblPos val="outEnd"/>
+            <c:showLegendKey val="0"/>
+            <c:showVal val="1"/>
+            <c:showCatName val="0"/>
+            <c:showSerName val="0"/>
+            <c:showPercent val="0"/>
+            <c:showBubbleSize val="0"/>
+            <c:showLeaderLines val="0"/>
+            <c:extLst>
+              <c:ext xmlns:c15="http://schemas.microsoft.com/office/drawing/2012/chart" uri="{CE6537A1-D6FC-4f65-9D91-7224C49458BB}">
+                <c15:showLeaderLines val="1"/>
+                <c15:leaderLines>
+                  <c:spPr>
+                    <a:ln w="9525" cap="flat" cmpd="sng" algn="ctr">
+                      <a:solidFill>
+                        <a:schemeClr val="tx1">
+                          <a:lumMod val="35000"/>
+                          <a:lumOff val="65000"/>
+                        </a:schemeClr>
+                      </a:solidFill>
+                      <a:round/>
+                    </a:ln>
+                    <a:effectLst/>
+                  </c:spPr>
+                </c15:leaderLines>
+              </c:ext>
+            </c:extLst>
+          </c:dLbls>
           <c:cat>
             <c:strRef>
               <c:f>Sheet1!$A$2:$A$5</c:f>
@@ -589,6 +703,64 @@
             <a:effectLst/>
           </c:spPr>
           <c:invertIfNegative val="0"/>
+          <c:dLbls>
+            <c:spPr>
+              <a:noFill/>
+              <a:ln>
+                <a:noFill/>
+              </a:ln>
+              <a:effectLst/>
+            </c:spPr>
+            <c:txPr>
+              <a:bodyPr rot="0" spcFirstLastPara="1" vertOverflow="ellipsis" vert="horz" wrap="square" lIns="38100" tIns="19050" rIns="38100" bIns="19050" anchor="ctr" anchorCtr="1">
+                <a:spAutoFit/>
+              </a:bodyPr>
+              <a:lstStyle/>
+              <a:p>
+                <a:pPr>
+                  <a:defRPr sz="1600" b="0" i="0" u="none" strike="noStrike" kern="1200" baseline="0">
+                    <a:solidFill>
+                      <a:schemeClr val="tx1">
+                        <a:lumMod val="75000"/>
+                        <a:lumOff val="25000"/>
+                      </a:schemeClr>
+                    </a:solidFill>
+                    <a:latin typeface="Times New Roman" panose="02020603050405020304" pitchFamily="18" charset="0"/>
+                    <a:ea typeface="+mn-ea"/>
+                    <a:cs typeface="Times New Roman" panose="02020603050405020304" pitchFamily="18" charset="0"/>
+                  </a:defRPr>
+                </a:pPr>
+                <a:endParaRPr lang="en-US"/>
+              </a:p>
+            </c:txPr>
+            <c:dLblPos val="outEnd"/>
+            <c:showLegendKey val="0"/>
+            <c:showVal val="1"/>
+            <c:showCatName val="0"/>
+            <c:showSerName val="0"/>
+            <c:showPercent val="0"/>
+            <c:showBubbleSize val="0"/>
+            <c:showLeaderLines val="0"/>
+            <c:extLst>
+              <c:ext xmlns:c15="http://schemas.microsoft.com/office/drawing/2012/chart" uri="{CE6537A1-D6FC-4f65-9D91-7224C49458BB}">
+                <c15:showLeaderLines val="1"/>
+                <c15:leaderLines>
+                  <c:spPr>
+                    <a:ln w="9525" cap="flat" cmpd="sng" algn="ctr">
+                      <a:solidFill>
+                        <a:schemeClr val="tx1">
+                          <a:lumMod val="35000"/>
+                          <a:lumOff val="65000"/>
+                        </a:schemeClr>
+                      </a:solidFill>
+                      <a:round/>
+                    </a:ln>
+                    <a:effectLst/>
+                  </c:spPr>
+                </c15:leaderLines>
+              </c:ext>
+            </c:extLst>
+          </c:dLbls>
           <c:cat>
             <c:strRef>
               <c:f>Sheet1!$A$2:$A$5</c:f>
@@ -615,7 +787,7 @@
               <c:numCache>
                 <c:formatCode>General</c:formatCode>
                 <c:ptCount val="4"/>
-                <c:pt idx="0" formatCode="d\-mmm">
+                <c:pt idx="0" formatCode="0.00">
                   <c:v>1</c:v>
                 </c:pt>
                 <c:pt idx="1">
@@ -625,7 +797,7 @@
                   <c:v>2</c:v>
                 </c:pt>
                 <c:pt idx="3">
-                  <c:v>2.8</c:v>
+                  <c:v>3</c:v>
                 </c:pt>
               </c:numCache>
             </c:numRef>
@@ -637,8 +809,9 @@
           </c:extLst>
         </c:ser>
         <c:dLbls>
+          <c:dLblPos val="outEnd"/>
           <c:showLegendKey val="0"/>
-          <c:showVal val="0"/>
+          <c:showVal val="1"/>
           <c:showCatName val="0"/>
           <c:showSerName val="0"/>
           <c:showPercent val="0"/>
@@ -5235,8 +5408,8 @@
         </p:nvSpPr>
         <p:spPr>
           <a:xfrm>
-            <a:off x="445236" y="679120"/>
-            <a:ext cx="11714480" cy="1446550"/>
+            <a:off x="238760" y="785298"/>
+            <a:ext cx="11714480" cy="1015663"/>
           </a:xfrm>
           <a:prstGeom prst="rect">
             <a:avLst/>
@@ -5249,17 +5422,19 @@
           </a:bodyPr>
           <a:lstStyle/>
           <a:p>
+            <a:pPr algn="ctr"/>
             <a:r>
-              <a:rPr lang="en-US" sz="4400" b="1" dirty="0">
+              <a:rPr lang="en-IN" sz="6000" b="1" i="0" dirty="0">
                 <a:solidFill>
-                  <a:schemeClr val="bg1"/>
+                  <a:srgbClr val="DCD9D4"/>
                 </a:solidFill>
+                <a:effectLst/>
                 <a:latin typeface="Times New Roman" panose="02020603050405020304" pitchFamily="18" charset="0"/>
                 <a:cs typeface="Times New Roman" panose="02020603050405020304" pitchFamily="18" charset="0"/>
               </a:rPr>
-              <a:t>Continuous People Crowd Monitoring defined as a Regression Problem using Radar Networks</a:t>
+              <a:t>Precision Object Counting Solution</a:t>
             </a:r>
-            <a:endParaRPr lang="en-IN" sz="4400" b="1" dirty="0">
+            <a:endParaRPr lang="en-IN" sz="6000" b="1" dirty="0">
               <a:solidFill>
                 <a:schemeClr val="bg1"/>
               </a:solidFill>
@@ -5284,7 +5459,7 @@
         <p:spPr>
           <a:xfrm>
             <a:off x="0" y="2358705"/>
-            <a:ext cx="12192000" cy="1569660"/>
+            <a:ext cx="12192000" cy="1815882"/>
           </a:xfrm>
           <a:prstGeom prst="rect">
             <a:avLst/>
@@ -5335,7 +5510,7 @@
           <a:p>
             <a:pPr algn="ctr"/>
             <a:r>
-              <a:rPr lang="en-IN" sz="2400" b="1" dirty="0">
+              <a:rPr lang="en-IN" sz="4000" b="1" dirty="0">
                 <a:solidFill>
                   <a:srgbClr val="FF0000"/>
                 </a:solidFill>
@@ -5456,7 +5631,7 @@
         <p:spPr>
           <a:xfrm>
             <a:off x="7519219" y="4732331"/>
-            <a:ext cx="3726098" cy="830997"/>
+            <a:ext cx="3726098" cy="1200329"/>
           </a:xfrm>
           <a:prstGeom prst="rect">
             <a:avLst/>
@@ -5505,7 +5680,22 @@
                 <a:latin typeface="Times New Roman" panose="02020603050405020304" pitchFamily="18" charset="0"/>
                 <a:cs typeface="Times New Roman" panose="02020603050405020304" pitchFamily="18" charset="0"/>
               </a:rPr>
-              <a:t>   Deepa D</a:t>
+              <a:t>   Mrs Deepa D</a:t>
+            </a:r>
+          </a:p>
+          <a:p>
+            <a:pPr marL="0" indent="0" algn="ctr">
+              <a:buNone/>
+            </a:pPr>
+            <a:r>
+              <a:rPr lang="en-IN" sz="2400" b="1" dirty="0">
+                <a:solidFill>
+                  <a:schemeClr val="bg1"/>
+                </a:solidFill>
+                <a:latin typeface="Times New Roman" panose="02020603050405020304" pitchFamily="18" charset="0"/>
+                <a:cs typeface="Times New Roman" panose="02020603050405020304" pitchFamily="18" charset="0"/>
+              </a:rPr>
+              <a:t>(Associate Professor)</a:t>
             </a:r>
           </a:p>
         </p:txBody>
@@ -5542,27 +5732,29 @@
       </p:grpSpPr>
       <p:cxnSp>
         <p:nvCxnSpPr>
-          <p:cNvPr id="22" name="Straight Connector 21">
-            <a:extLst>
-              <a:ext uri="{FF2B5EF4-FFF2-40B4-BE49-F238E27FC236}">
-                <a16:creationId xmlns:a16="http://schemas.microsoft.com/office/drawing/2014/main" id="{CA206420-3C0C-F51D-1B39-CDF99A6B76F9}"/>
+          <p:cNvPr id="33" name="Straight Arrow Connector 32">
+            <a:extLst>
+              <a:ext uri="{FF2B5EF4-FFF2-40B4-BE49-F238E27FC236}">
+                <a16:creationId xmlns:a16="http://schemas.microsoft.com/office/drawing/2014/main" id="{0AF46F7D-A847-EC53-CF90-25CD70BF40BB}"/>
               </a:ext>
             </a:extLst>
           </p:cNvPr>
           <p:cNvCxnSpPr>
             <a:cxnSpLocks/>
-            <a:stCxn id="12" idx="6"/>
           </p:cNvCxnSpPr>
           <p:nvPr/>
         </p:nvCxnSpPr>
         <p:spPr>
           <a:xfrm>
-            <a:off x="7138622" y="5900661"/>
-            <a:ext cx="2438400" cy="0"/>
+            <a:off x="2155276" y="4286017"/>
+            <a:ext cx="0" cy="941974"/>
           </a:xfrm>
-          <a:prstGeom prst="line">
+          <a:prstGeom prst="straightConnector1">
             <a:avLst/>
           </a:prstGeom>
+          <a:ln>
+            <a:tailEnd type="triangle"/>
+          </a:ln>
         </p:spPr>
         <p:style>
           <a:lnRef idx="1">
@@ -5581,27 +5773,29 @@
       </p:cxnSp>
       <p:cxnSp>
         <p:nvCxnSpPr>
-          <p:cNvPr id="21" name="Straight Connector 20">
-            <a:extLst>
-              <a:ext uri="{FF2B5EF4-FFF2-40B4-BE49-F238E27FC236}">
-                <a16:creationId xmlns:a16="http://schemas.microsoft.com/office/drawing/2014/main" id="{808A67F6-6B76-632D-F87E-BE5F8AC4EC2C}"/>
+          <p:cNvPr id="31" name="Straight Arrow Connector 30">
+            <a:extLst>
+              <a:ext uri="{FF2B5EF4-FFF2-40B4-BE49-F238E27FC236}">
+                <a16:creationId xmlns:a16="http://schemas.microsoft.com/office/drawing/2014/main" id="{2FE1729C-3A4E-9107-79B6-6CE828F3D489}"/>
               </a:ext>
             </a:extLst>
           </p:cNvPr>
           <p:cNvCxnSpPr>
             <a:cxnSpLocks/>
-            <a:stCxn id="11" idx="6"/>
           </p:cNvCxnSpPr>
           <p:nvPr/>
         </p:nvCxnSpPr>
         <p:spPr>
           <a:xfrm>
-            <a:off x="3299095" y="5832511"/>
-            <a:ext cx="2684846" cy="659"/>
+            <a:off x="9944182" y="2148349"/>
+            <a:ext cx="0" cy="941974"/>
           </a:xfrm>
-          <a:prstGeom prst="line">
+          <a:prstGeom prst="straightConnector1">
             <a:avLst/>
           </a:prstGeom>
+          <a:ln>
+            <a:tailEnd type="triangle"/>
+          </a:ln>
         </p:spPr>
         <p:style>
           <a:lnRef idx="1">
@@ -5620,10 +5814,10 @@
       </p:cxnSp>
       <p:cxnSp>
         <p:nvCxnSpPr>
-          <p:cNvPr id="16" name="Straight Connector 15">
-            <a:extLst>
-              <a:ext uri="{FF2B5EF4-FFF2-40B4-BE49-F238E27FC236}">
-                <a16:creationId xmlns:a16="http://schemas.microsoft.com/office/drawing/2014/main" id="{0BEB79E3-C1CA-B10E-735A-E4D57BF90694}"/>
+          <p:cNvPr id="27" name="Straight Arrow Connector 26">
+            <a:extLst>
+              <a:ext uri="{FF2B5EF4-FFF2-40B4-BE49-F238E27FC236}">
+                <a16:creationId xmlns:a16="http://schemas.microsoft.com/office/drawing/2014/main" id="{7E361929-BE7A-CA96-4660-0543BE97AEFE}"/>
               </a:ext>
             </a:extLst>
           </p:cNvPr>
@@ -5633,13 +5827,16 @@
           <p:nvPr/>
         </p:nvCxnSpPr>
         <p:spPr>
-          <a:xfrm flipV="1">
-            <a:off x="2588384" y="1729807"/>
-            <a:ext cx="2054736" cy="41433"/>
+          <a:xfrm flipH="1">
+            <a:off x="3369537" y="3813463"/>
+            <a:ext cx="1947244" cy="27234"/>
           </a:xfrm>
-          <a:prstGeom prst="line">
+          <a:prstGeom prst="straightConnector1">
             <a:avLst/>
           </a:prstGeom>
+          <a:ln>
+            <a:tailEnd type="triangle"/>
+          </a:ln>
         </p:spPr>
         <p:style>
           <a:lnRef idx="1">
@@ -5658,26 +5855,30 @@
       </p:cxnSp>
       <p:cxnSp>
         <p:nvCxnSpPr>
-          <p:cNvPr id="25" name="Straight Connector 24">
-            <a:extLst>
-              <a:ext uri="{FF2B5EF4-FFF2-40B4-BE49-F238E27FC236}">
-                <a16:creationId xmlns:a16="http://schemas.microsoft.com/office/drawing/2014/main" id="{EFD9CB4D-C550-7FC8-1D43-5CF465EC7784}"/>
+          <p:cNvPr id="24" name="Straight Arrow Connector 23">
+            <a:extLst>
+              <a:ext uri="{FF2B5EF4-FFF2-40B4-BE49-F238E27FC236}">
+                <a16:creationId xmlns:a16="http://schemas.microsoft.com/office/drawing/2014/main" id="{0BDCBC49-9489-8D55-6169-804813B7E89A}"/>
               </a:ext>
             </a:extLst>
           </p:cNvPr>
           <p:cNvCxnSpPr>
             <a:cxnSpLocks/>
+            <a:endCxn id="14" idx="6"/>
           </p:cNvCxnSpPr>
           <p:nvPr/>
         </p:nvCxnSpPr>
         <p:spPr>
-          <a:xfrm>
-            <a:off x="2120654" y="4507770"/>
-            <a:ext cx="0" cy="720221"/>
+          <a:xfrm flipH="1">
+            <a:off x="6943288" y="3799846"/>
+            <a:ext cx="1947244" cy="27234"/>
           </a:xfrm>
-          <a:prstGeom prst="line">
+          <a:prstGeom prst="straightConnector1">
             <a:avLst/>
           </a:prstGeom>
+          <a:ln>
+            <a:tailEnd type="triangle"/>
+          </a:ln>
         </p:spPr>
         <p:style>
           <a:lnRef idx="1">
@@ -5696,10 +5897,10 @@
       </p:cxnSp>
       <p:cxnSp>
         <p:nvCxnSpPr>
-          <p:cNvPr id="19" name="Straight Connector 18">
-            <a:extLst>
-              <a:ext uri="{FF2B5EF4-FFF2-40B4-BE49-F238E27FC236}">
-                <a16:creationId xmlns:a16="http://schemas.microsoft.com/office/drawing/2014/main" id="{480E6400-6E94-8A7C-2A8B-6EBD16B8B0C3}"/>
+          <p:cNvPr id="28" name="Straight Arrow Connector 27">
+            <a:extLst>
+              <a:ext uri="{FF2B5EF4-FFF2-40B4-BE49-F238E27FC236}">
+                <a16:creationId xmlns:a16="http://schemas.microsoft.com/office/drawing/2014/main" id="{3110B0F9-B4AB-1ABC-6413-5D343969209A}"/>
               </a:ext>
             </a:extLst>
           </p:cNvPr>
@@ -5710,12 +5911,15 @@
         </p:nvCxnSpPr>
         <p:spPr>
           <a:xfrm flipV="1">
-            <a:off x="3388729" y="3826421"/>
-            <a:ext cx="1504533" cy="659"/>
+            <a:off x="3235318" y="5876080"/>
+            <a:ext cx="1655016" cy="8952"/>
           </a:xfrm>
-          <a:prstGeom prst="line">
+          <a:prstGeom prst="straightConnector1">
             <a:avLst/>
           </a:prstGeom>
+          <a:ln>
+            <a:tailEnd type="triangle"/>
+          </a:ln>
         </p:spPr>
         <p:style>
           <a:lnRef idx="1">
@@ -5734,26 +5938,30 @@
       </p:cxnSp>
       <p:cxnSp>
         <p:nvCxnSpPr>
-          <p:cNvPr id="20" name="Straight Connector 19">
-            <a:extLst>
-              <a:ext uri="{FF2B5EF4-FFF2-40B4-BE49-F238E27FC236}">
-                <a16:creationId xmlns:a16="http://schemas.microsoft.com/office/drawing/2014/main" id="{C400BB72-5E37-26F1-9082-88A5DBC8A623}"/>
+          <p:cNvPr id="29" name="Straight Arrow Connector 28">
+            <a:extLst>
+              <a:ext uri="{FF2B5EF4-FFF2-40B4-BE49-F238E27FC236}">
+                <a16:creationId xmlns:a16="http://schemas.microsoft.com/office/drawing/2014/main" id="{F400F7F2-63AA-BB9D-9D46-0F2920DF5615}"/>
               </a:ext>
             </a:extLst>
           </p:cNvPr>
           <p:cNvCxnSpPr>
             <a:cxnSpLocks/>
+            <a:endCxn id="13" idx="1"/>
           </p:cNvCxnSpPr>
           <p:nvPr/>
         </p:nvCxnSpPr>
         <p:spPr>
-          <a:xfrm>
-            <a:off x="6802119" y="3878693"/>
-            <a:ext cx="2311401" cy="0"/>
+          <a:xfrm flipV="1">
+            <a:off x="7050380" y="5798102"/>
+            <a:ext cx="2452005" cy="63229"/>
           </a:xfrm>
-          <a:prstGeom prst="line">
+          <a:prstGeom prst="straightConnector1">
             <a:avLst/>
           </a:prstGeom>
+          <a:ln>
+            <a:tailEnd type="triangle"/>
+          </a:ln>
         </p:spPr>
         <p:style>
           <a:lnRef idx="1">
@@ -5772,64 +5980,30 @@
       </p:cxnSp>
       <p:cxnSp>
         <p:nvCxnSpPr>
-          <p:cNvPr id="18" name="Straight Connector 17">
-            <a:extLst>
-              <a:ext uri="{FF2B5EF4-FFF2-40B4-BE49-F238E27FC236}">
-                <a16:creationId xmlns:a16="http://schemas.microsoft.com/office/drawing/2014/main" id="{8FE8C25A-B2CE-FFA1-5737-BD33FF5B806F}"/>
+          <p:cNvPr id="4" name="Straight Arrow Connector 3">
+            <a:extLst>
+              <a:ext uri="{FF2B5EF4-FFF2-40B4-BE49-F238E27FC236}">
+                <a16:creationId xmlns:a16="http://schemas.microsoft.com/office/drawing/2014/main" id="{634E7DFF-B1FC-3266-F4B3-E61F5F6C4CCC}"/>
               </a:ext>
             </a:extLst>
           </p:cNvPr>
           <p:cNvCxnSpPr>
             <a:cxnSpLocks/>
+            <a:endCxn id="7" idx="2"/>
           </p:cNvCxnSpPr>
           <p:nvPr/>
         </p:nvCxnSpPr>
         <p:spPr>
           <a:xfrm flipV="1">
-            <a:off x="6370320" y="1761878"/>
-            <a:ext cx="2128520" cy="9362"/>
+            <a:off x="2635045" y="1672364"/>
+            <a:ext cx="1655016" cy="8952"/>
           </a:xfrm>
-          <a:prstGeom prst="line">
+          <a:prstGeom prst="straightConnector1">
             <a:avLst/>
           </a:prstGeom>
-        </p:spPr>
-        <p:style>
-          <a:lnRef idx="1">
-            <a:schemeClr val="dk1"/>
-          </a:lnRef>
-          <a:fillRef idx="0">
-            <a:schemeClr val="dk1"/>
-          </a:fillRef>
-          <a:effectRef idx="0">
-            <a:schemeClr val="dk1"/>
-          </a:effectRef>
-          <a:fontRef idx="minor">
-            <a:schemeClr val="tx1"/>
-          </a:fontRef>
-        </p:style>
-      </p:cxnSp>
-      <p:cxnSp>
-        <p:nvCxnSpPr>
-          <p:cNvPr id="23" name="Straight Connector 22">
-            <a:extLst>
-              <a:ext uri="{FF2B5EF4-FFF2-40B4-BE49-F238E27FC236}">
-                <a16:creationId xmlns:a16="http://schemas.microsoft.com/office/drawing/2014/main" id="{60D9040F-CC49-0CC4-A5D8-59F9BE32958A}"/>
-              </a:ext>
-            </a:extLst>
-          </p:cNvPr>
-          <p:cNvCxnSpPr>
-            <a:cxnSpLocks/>
-          </p:cNvCxnSpPr>
-          <p:nvPr/>
-        </p:nvCxnSpPr>
-        <p:spPr>
-          <a:xfrm>
-            <a:off x="9908785" y="2289323"/>
-            <a:ext cx="0" cy="1141128"/>
-          </a:xfrm>
-          <a:prstGeom prst="line">
-            <a:avLst/>
-          </a:prstGeom>
+          <a:ln>
+            <a:tailEnd type="triangle"/>
+          </a:ln>
         </p:spPr>
         <p:style>
           <a:lnRef idx="1">
@@ -5860,8 +6034,8 @@
         </p:nvSpPr>
         <p:spPr>
           <a:xfrm>
-            <a:off x="2120654" y="177843"/>
-            <a:ext cx="7950691" cy="523220"/>
+            <a:off x="2552454" y="17713"/>
+            <a:ext cx="7950691" cy="830997"/>
           </a:xfrm>
           <a:prstGeom prst="rect">
             <a:avLst/>
@@ -5875,12 +6049,16 @@
           <a:lstStyle/>
           <a:p>
             <a:r>
-              <a:rPr lang="en-US" sz="2800" dirty="0">
-                <a:latin typeface="Sagona Book (Headings)"/>
+              <a:rPr lang="en-US" sz="4800" b="1" dirty="0">
+                <a:latin typeface="Times New Roman" panose="02020603050405020304" pitchFamily="18" charset="0"/>
+                <a:cs typeface="Times New Roman" panose="02020603050405020304" pitchFamily="18" charset="0"/>
               </a:rPr>
-              <a:t>System Architecture &amp; UML Diagrams</a:t>
+              <a:t>Sequence Diagram</a:t>
             </a:r>
-            <a:endParaRPr lang="en-IN" sz="2800" dirty="0"/>
+            <a:endParaRPr lang="en-IN" sz="4800" b="1" dirty="0">
+              <a:latin typeface="Times New Roman" panose="02020603050405020304" pitchFamily="18" charset="0"/>
+              <a:cs typeface="Times New Roman" panose="02020603050405020304" pitchFamily="18" charset="0"/>
+            </a:endParaRPr>
           </a:p>
         </p:txBody>
       </p:sp>
@@ -5925,10 +6103,16 @@
           <a:p>
             <a:pPr algn="ctr"/>
             <a:r>
-              <a:rPr lang="en-US" dirty="0"/>
+              <a:rPr lang="en-US" dirty="0">
+                <a:latin typeface="Times New Roman" panose="02020603050405020304" pitchFamily="18" charset="0"/>
+                <a:cs typeface="Times New Roman" panose="02020603050405020304" pitchFamily="18" charset="0"/>
+              </a:rPr>
               <a:t>Start</a:t>
             </a:r>
-            <a:endParaRPr lang="en-IN" dirty="0"/>
+            <a:endParaRPr lang="en-IN" dirty="0">
+              <a:latin typeface="Times New Roman" panose="02020603050405020304" pitchFamily="18" charset="0"/>
+              <a:cs typeface="Times New Roman" panose="02020603050405020304" pitchFamily="18" charset="0"/>
+            </a:endParaRPr>
           </a:p>
         </p:txBody>
       </p:sp>
@@ -5975,10 +6159,16 @@
           <a:p>
             <a:pPr algn="ctr"/>
             <a:r>
-              <a:rPr lang="en-US" dirty="0"/>
+              <a:rPr lang="en-US" dirty="0">
+                <a:latin typeface="Times New Roman" panose="02020603050405020304" pitchFamily="18" charset="0"/>
+                <a:cs typeface="Times New Roman" panose="02020603050405020304" pitchFamily="18" charset="0"/>
+              </a:rPr>
               <a:t>Image Loading and Preprocessing</a:t>
             </a:r>
-            <a:endParaRPr lang="en-IN" dirty="0"/>
+            <a:endParaRPr lang="en-IN" dirty="0">
+              <a:latin typeface="Times New Roman" panose="02020603050405020304" pitchFamily="18" charset="0"/>
+              <a:cs typeface="Times New Roman" panose="02020603050405020304" pitchFamily="18" charset="0"/>
+            </a:endParaRPr>
           </a:p>
         </p:txBody>
       </p:sp>
@@ -6025,10 +6215,16 @@
           <a:p>
             <a:pPr algn="ctr"/>
             <a:r>
-              <a:rPr lang="en-US" dirty="0"/>
+              <a:rPr lang="en-US" dirty="0">
+                <a:latin typeface="Times New Roman" panose="02020603050405020304" pitchFamily="18" charset="0"/>
+                <a:cs typeface="Times New Roman" panose="02020603050405020304" pitchFamily="18" charset="0"/>
+              </a:rPr>
               <a:t>Region Cropping &amp; Correction</a:t>
             </a:r>
-            <a:endParaRPr lang="en-IN" dirty="0"/>
+            <a:endParaRPr lang="en-IN" dirty="0">
+              <a:latin typeface="Times New Roman" panose="02020603050405020304" pitchFamily="18" charset="0"/>
+              <a:cs typeface="Times New Roman" panose="02020603050405020304" pitchFamily="18" charset="0"/>
+            </a:endParaRPr>
           </a:p>
         </p:txBody>
       </p:sp>
@@ -6075,10 +6271,16 @@
           <a:p>
             <a:pPr algn="ctr"/>
             <a:r>
-              <a:rPr lang="en-US" dirty="0"/>
+              <a:rPr lang="en-US" dirty="0">
+                <a:latin typeface="Times New Roman" panose="02020603050405020304" pitchFamily="18" charset="0"/>
+                <a:cs typeface="Times New Roman" panose="02020603050405020304" pitchFamily="18" charset="0"/>
+              </a:rPr>
               <a:t>Image Enhancement and Correction</a:t>
             </a:r>
-            <a:endParaRPr lang="en-IN" dirty="0"/>
+            <a:endParaRPr lang="en-IN" dirty="0">
+              <a:latin typeface="Times New Roman" panose="02020603050405020304" pitchFamily="18" charset="0"/>
+              <a:cs typeface="Times New Roman" panose="02020603050405020304" pitchFamily="18" charset="0"/>
+            </a:endParaRPr>
           </a:p>
         </p:txBody>
       </p:sp>
@@ -6125,10 +6327,16 @@
           <a:p>
             <a:pPr algn="ctr"/>
             <a:r>
-              <a:rPr lang="en-US" dirty="0"/>
+              <a:rPr lang="en-US" dirty="0">
+                <a:latin typeface="Times New Roman" panose="02020603050405020304" pitchFamily="18" charset="0"/>
+                <a:cs typeface="Times New Roman" panose="02020603050405020304" pitchFamily="18" charset="0"/>
+              </a:rPr>
               <a:t>Morphological Operations</a:t>
             </a:r>
-            <a:endParaRPr lang="en-IN" dirty="0"/>
+            <a:endParaRPr lang="en-IN" dirty="0">
+              <a:latin typeface="Times New Roman" panose="02020603050405020304" pitchFamily="18" charset="0"/>
+              <a:cs typeface="Times New Roman" panose="02020603050405020304" pitchFamily="18" charset="0"/>
+            </a:endParaRPr>
           </a:p>
         </p:txBody>
       </p:sp>
@@ -6175,10 +6383,16 @@
           <a:p>
             <a:pPr algn="ctr"/>
             <a:r>
-              <a:rPr lang="en-US" dirty="0"/>
+              <a:rPr lang="en-US" dirty="0">
+                <a:latin typeface="Times New Roman" panose="02020603050405020304" pitchFamily="18" charset="0"/>
+                <a:cs typeface="Times New Roman" panose="02020603050405020304" pitchFamily="18" charset="0"/>
+              </a:rPr>
               <a:t>Object Counting and Labeling</a:t>
             </a:r>
-            <a:endParaRPr lang="en-IN" dirty="0"/>
+            <a:endParaRPr lang="en-IN" dirty="0">
+              <a:latin typeface="Times New Roman" panose="02020603050405020304" pitchFamily="18" charset="0"/>
+              <a:cs typeface="Times New Roman" panose="02020603050405020304" pitchFamily="18" charset="0"/>
+            </a:endParaRPr>
           </a:p>
         </p:txBody>
       </p:sp>
@@ -6225,10 +6439,16 @@
           <a:p>
             <a:pPr algn="ctr"/>
             <a:r>
-              <a:rPr lang="en-US" dirty="0"/>
+              <a:rPr lang="en-US" dirty="0">
+                <a:latin typeface="Times New Roman" panose="02020603050405020304" pitchFamily="18" charset="0"/>
+                <a:cs typeface="Times New Roman" panose="02020603050405020304" pitchFamily="18" charset="0"/>
+              </a:rPr>
               <a:t>Results</a:t>
             </a:r>
-            <a:endParaRPr lang="en-IN" dirty="0"/>
+            <a:endParaRPr lang="en-IN" dirty="0">
+              <a:latin typeface="Times New Roman" panose="02020603050405020304" pitchFamily="18" charset="0"/>
+              <a:cs typeface="Times New Roman" panose="02020603050405020304" pitchFamily="18" charset="0"/>
+            </a:endParaRPr>
           </a:p>
         </p:txBody>
       </p:sp>
@@ -6273,10 +6493,16 @@
           <a:p>
             <a:pPr algn="ctr"/>
             <a:r>
-              <a:rPr lang="en-US" dirty="0"/>
+              <a:rPr lang="en-US" dirty="0">
+                <a:latin typeface="Times New Roman" panose="02020603050405020304" pitchFamily="18" charset="0"/>
+                <a:cs typeface="Times New Roman" panose="02020603050405020304" pitchFamily="18" charset="0"/>
+              </a:rPr>
               <a:t>End</a:t>
             </a:r>
-            <a:endParaRPr lang="en-IN" dirty="0"/>
+            <a:endParaRPr lang="en-IN" dirty="0">
+              <a:latin typeface="Times New Roman" panose="02020603050405020304" pitchFamily="18" charset="0"/>
+              <a:cs typeface="Times New Roman" panose="02020603050405020304" pitchFamily="18" charset="0"/>
+            </a:endParaRPr>
           </a:p>
         </p:txBody>
       </p:sp>
@@ -6323,13 +6549,60 @@
           <a:p>
             <a:pPr algn="ctr"/>
             <a:r>
-              <a:rPr lang="en-US" dirty="0"/>
+              <a:rPr lang="en-US" dirty="0">
+                <a:latin typeface="Times New Roman" panose="02020603050405020304" pitchFamily="18" charset="0"/>
+                <a:cs typeface="Times New Roman" panose="02020603050405020304" pitchFamily="18" charset="0"/>
+              </a:rPr>
               <a:t>Segmentation and Thresholding</a:t>
             </a:r>
-            <a:endParaRPr lang="en-IN" dirty="0"/>
+            <a:endParaRPr lang="en-IN" dirty="0">
+              <a:latin typeface="Times New Roman" panose="02020603050405020304" pitchFamily="18" charset="0"/>
+              <a:cs typeface="Times New Roman" panose="02020603050405020304" pitchFamily="18" charset="0"/>
+            </a:endParaRPr>
           </a:p>
         </p:txBody>
       </p:sp>
+      <p:cxnSp>
+        <p:nvCxnSpPr>
+          <p:cNvPr id="17" name="Straight Arrow Connector 16">
+            <a:extLst>
+              <a:ext uri="{FF2B5EF4-FFF2-40B4-BE49-F238E27FC236}">
+                <a16:creationId xmlns:a16="http://schemas.microsoft.com/office/drawing/2014/main" id="{F4D4541F-735D-A61B-C91A-6D07A0CBC1E1}"/>
+              </a:ext>
+            </a:extLst>
+          </p:cNvPr>
+          <p:cNvCxnSpPr>
+            <a:cxnSpLocks/>
+          </p:cNvCxnSpPr>
+          <p:nvPr/>
+        </p:nvCxnSpPr>
+        <p:spPr>
+          <a:xfrm flipV="1">
+            <a:off x="6843824" y="1595320"/>
+            <a:ext cx="1655016" cy="8952"/>
+          </a:xfrm>
+          <a:prstGeom prst="straightConnector1">
+            <a:avLst/>
+          </a:prstGeom>
+          <a:ln>
+            <a:tailEnd type="triangle"/>
+          </a:ln>
+        </p:spPr>
+        <p:style>
+          <a:lnRef idx="1">
+            <a:schemeClr val="dk1"/>
+          </a:lnRef>
+          <a:fillRef idx="0">
+            <a:schemeClr val="dk1"/>
+          </a:fillRef>
+          <a:effectRef idx="0">
+            <a:schemeClr val="dk1"/>
+          </a:effectRef>
+          <a:fontRef idx="minor">
+            <a:schemeClr val="tx1"/>
+          </a:fontRef>
+        </p:style>
+      </p:cxnSp>
     </p:spTree>
     <p:extLst>
       <p:ext uri="{BB962C8B-B14F-4D97-AF65-F5344CB8AC3E}">
@@ -6497,8 +6770,8 @@
         </p:nvSpPr>
         <p:spPr>
           <a:xfrm>
-            <a:off x="1612738" y="2150425"/>
-            <a:ext cx="10123991" cy="2215991"/>
+            <a:off x="3707010" y="2573212"/>
+            <a:ext cx="5613972" cy="1323439"/>
           </a:xfrm>
           <a:prstGeom prst="rect">
             <a:avLst/>
@@ -6512,7 +6785,7 @@
           <a:lstStyle/>
           <a:p>
             <a:r>
-              <a:rPr lang="en-US" sz="13800" dirty="0">
+              <a:rPr lang="en-US" sz="8000" dirty="0">
                 <a:solidFill>
                   <a:schemeClr val="bg1"/>
                 </a:solidFill>
@@ -6520,7 +6793,7 @@
               </a:rPr>
               <a:t>THANK YOU</a:t>
             </a:r>
-            <a:endParaRPr lang="en-IN" sz="13800" dirty="0">
+            <a:endParaRPr lang="en-IN" sz="8000" dirty="0">
               <a:solidFill>
                 <a:schemeClr val="bg1"/>
               </a:solidFill>
@@ -6607,7 +6880,10 @@
           <a:lstStyle/>
           <a:p>
             <a:pPr algn="ctr"/>
-            <a:endParaRPr lang="en-US" dirty="0"/>
+            <a:endParaRPr lang="en-US" dirty="0">
+              <a:latin typeface="Times New Roman" panose="02020603050405020304" pitchFamily="18" charset="0"/>
+              <a:cs typeface="Times New Roman" panose="02020603050405020304" pitchFamily="18" charset="0"/>
+            </a:endParaRPr>
           </a:p>
         </p:txBody>
       </p:sp>
@@ -6626,7 +6902,7 @@
           <p:nvPr>
             <p:extLst>
               <p:ext uri="{D42A27DB-BD31-4B8C-83A1-F6EECF244321}">
-                <p14:modId xmlns:p14="http://schemas.microsoft.com/office/powerpoint/2010/main" val="1197045532"/>
+                <p14:modId xmlns:p14="http://schemas.microsoft.com/office/powerpoint/2010/main" val="3949055633"/>
               </p:ext>
             </p:extLst>
           </p:nvPr>
@@ -6678,8 +6954,8 @@
                               <a:lumMod val="50000"/>
                             </a:schemeClr>
                           </a:solidFill>
-                          <a:latin typeface="Bahnschrift Light SemiCondensed" panose="020B0502040204020203" pitchFamily="34" charset="0"/>
-                          <a:cs typeface="Gill Sans Light" panose="020B0302020104020203" pitchFamily="34" charset="-79"/>
+                          <a:latin typeface="Times New Roman" panose="02020603050405020304" pitchFamily="18" charset="0"/>
+                          <a:cs typeface="Times New Roman" panose="02020603050405020304" pitchFamily="18" charset="0"/>
                         </a:rPr>
                         <a:t>Abstract</a:t>
                       </a:r>
@@ -6737,9 +7013,9 @@
                               <a:lumMod val="50000"/>
                             </a:schemeClr>
                           </a:solidFill>
-                          <a:latin typeface="Bahnschrift Light SemiCondensed" panose="020B0502040204020203" pitchFamily="34" charset="0"/>
+                          <a:latin typeface="Times New Roman" panose="02020603050405020304" pitchFamily="18" charset="0"/>
                           <a:ea typeface="+mn-ea"/>
-                          <a:cs typeface="+mn-cs"/>
+                          <a:cs typeface="Times New Roman" panose="02020603050405020304" pitchFamily="18" charset="0"/>
                         </a:rPr>
                         <a:t>State Of The Art</a:t>
                       </a:r>
@@ -6818,8 +7094,8 @@
                               <a:lumMod val="50000"/>
                             </a:schemeClr>
                           </a:solidFill>
-                          <a:latin typeface="Bahnschrift Light SemiCondensed" panose="020B0502040204020203" pitchFamily="34" charset="0"/>
-                          <a:cs typeface="Gill Sans Light" panose="020B0302020104020203" pitchFamily="34" charset="-79"/>
+                          <a:latin typeface="Times New Roman" panose="02020603050405020304" pitchFamily="18" charset="0"/>
+                          <a:cs typeface="Times New Roman" panose="02020603050405020304" pitchFamily="18" charset="0"/>
                         </a:rPr>
                         <a:t>Existing System</a:t>
                       </a:r>
@@ -6898,8 +7174,8 @@
                               <a:lumMod val="50000"/>
                             </a:schemeClr>
                           </a:solidFill>
-                          <a:latin typeface="Bahnschrift Light SemiCondensed" panose="020B0502040204020203" pitchFamily="34" charset="0"/>
-                          <a:cs typeface="Gill Sans Light" panose="020B0302020104020203" pitchFamily="34" charset="-79"/>
+                          <a:latin typeface="Times New Roman" panose="02020603050405020304" pitchFamily="18" charset="0"/>
+                          <a:cs typeface="Times New Roman" panose="02020603050405020304" pitchFamily="18" charset="0"/>
                         </a:rPr>
                         <a:t>Proposed System</a:t>
                       </a:r>
@@ -6962,9 +7238,9 @@
                               <a:lumMod val="50000"/>
                             </a:schemeClr>
                           </a:solidFill>
-                          <a:latin typeface="Bahnschrift Light SemiCondensed" panose="020B0502040204020203" pitchFamily="34" charset="0"/>
+                          <a:latin typeface="Times New Roman" panose="02020603050405020304" pitchFamily="18" charset="0"/>
                           <a:ea typeface="+mn-ea"/>
-                          <a:cs typeface="+mn-cs"/>
+                          <a:cs typeface="Times New Roman" panose="02020603050405020304" pitchFamily="18" charset="0"/>
                         </a:rPr>
                         <a:t>Advantages Of Proposed System</a:t>
                       </a:r>
@@ -7043,9 +7319,9 @@
                               <a:lumMod val="50000"/>
                             </a:schemeClr>
                           </a:solidFill>
-                          <a:latin typeface="Bahnschrift Light SemiCondensed" panose="020B0502040204020203" pitchFamily="34" charset="0"/>
+                          <a:latin typeface="Times New Roman" panose="02020603050405020304" pitchFamily="18" charset="0"/>
                           <a:ea typeface="+mn-ea"/>
-                          <a:cs typeface="+mn-cs"/>
+                          <a:cs typeface="Times New Roman" panose="02020603050405020304" pitchFamily="18" charset="0"/>
                         </a:rPr>
                         <a:t>Modules Description</a:t>
                       </a:r>
@@ -7108,9 +7384,9 @@
                               <a:lumMod val="50000"/>
                             </a:schemeClr>
                           </a:solidFill>
-                          <a:latin typeface="Bahnschrift Light SemiCondensed" panose="020B0502040204020203" pitchFamily="34" charset="0"/>
+                          <a:latin typeface="Times New Roman" panose="02020603050405020304" pitchFamily="18" charset="0"/>
                           <a:ea typeface="+mn-ea"/>
-                          <a:cs typeface="+mn-cs"/>
+                          <a:cs typeface="Times New Roman" panose="02020603050405020304" pitchFamily="18" charset="0"/>
                         </a:rPr>
                         <a:t>Analysis</a:t>
                       </a:r>
@@ -7189,11 +7465,11 @@
                               <a:lumMod val="50000"/>
                             </a:schemeClr>
                           </a:solidFill>
-                          <a:latin typeface="Bahnschrift Light SemiCondensed" panose="020B0502040204020203" pitchFamily="34" charset="0"/>
+                          <a:latin typeface="Times New Roman" panose="02020603050405020304" pitchFamily="18" charset="0"/>
                           <a:ea typeface="+mn-ea"/>
-                          <a:cs typeface="+mn-cs"/>
+                          <a:cs typeface="Times New Roman" panose="02020603050405020304" pitchFamily="18" charset="0"/>
                         </a:rPr>
-                        <a:t>System Architecture &amp; UML Diagrams</a:t>
+                        <a:t>Sequence Diagram</a:t>
                       </a:r>
                     </a:p>
                   </a:txBody>
@@ -7254,7 +7530,7 @@
         <p:spPr>
           <a:xfrm>
             <a:off x="6096000" y="2590967"/>
-            <a:ext cx="5456902" cy="1200329"/>
+            <a:ext cx="5456902" cy="830997"/>
           </a:xfrm>
           <a:prstGeom prst="rect">
             <a:avLst/>
@@ -7269,18 +7545,21 @@
           <a:p>
             <a:pPr algn="ctr"/>
             <a:r>
-              <a:rPr lang="en-US" sz="7200" dirty="0">
+              <a:rPr lang="en-US" sz="4800" b="1" dirty="0">
                 <a:solidFill>
                   <a:schemeClr val="bg1"/>
                 </a:solidFill>
-                <a:latin typeface="Sagona Book (Headings)"/>
+                <a:latin typeface="Times New Roman" panose="02020603050405020304" pitchFamily="18" charset="0"/>
+                <a:cs typeface="Times New Roman" panose="02020603050405020304" pitchFamily="18" charset="0"/>
               </a:rPr>
               <a:t>Contents</a:t>
             </a:r>
-            <a:endParaRPr lang="en-IN" sz="7200" dirty="0">
+            <a:endParaRPr lang="en-IN" sz="4800" b="1" dirty="0">
               <a:solidFill>
                 <a:schemeClr val="bg1"/>
               </a:solidFill>
+              <a:latin typeface="Times New Roman" panose="02020603050405020304" pitchFamily="18" charset="0"/>
+              <a:cs typeface="Times New Roman" panose="02020603050405020304" pitchFamily="18" charset="0"/>
             </a:endParaRPr>
           </a:p>
         </p:txBody>
@@ -7488,9 +7767,8 @@
                 <a:effectLst/>
                 <a:uLnTx/>
                 <a:uFillTx/>
-                <a:latin typeface="Calibri" panose="020F0502020204030204"/>
-                <a:ea typeface="+mn-ea"/>
-                <a:cs typeface="+mn-cs"/>
+                <a:latin typeface="Times New Roman" panose="02020603050405020304" pitchFamily="18" charset="0"/>
+                <a:cs typeface="Times New Roman" panose="02020603050405020304" pitchFamily="18" charset="0"/>
               </a:endParaRPr>
             </a:p>
           </p:txBody>
@@ -7638,9 +7916,8 @@
                 <a:effectLst/>
                 <a:uLnTx/>
                 <a:uFillTx/>
-                <a:latin typeface="Calibri" panose="020F0502020204030204"/>
-                <a:ea typeface="+mn-ea"/>
-                <a:cs typeface="+mn-cs"/>
+                <a:latin typeface="Times New Roman" panose="02020603050405020304" pitchFamily="18" charset="0"/>
+                <a:cs typeface="Times New Roman" panose="02020603050405020304" pitchFamily="18" charset="0"/>
               </a:endParaRPr>
             </a:p>
           </p:txBody>
@@ -7661,7 +7938,7 @@
         <p:spPr>
           <a:xfrm>
             <a:off x="1029118" y="353568"/>
-            <a:ext cx="6096000" cy="769441"/>
+            <a:ext cx="6096000" cy="830997"/>
           </a:xfrm>
           <a:prstGeom prst="rect">
             <a:avLst/>
@@ -7675,138 +7952,61 @@
           <a:lstStyle/>
           <a:p>
             <a:r>
-              <a:rPr lang="en-US" sz="4400" dirty="0">
-                <a:latin typeface="Sagona Book (Headings)"/>
+              <a:rPr lang="en-US" sz="4800" b="1" dirty="0">
+                <a:solidFill>
+                  <a:srgbClr val="FF0000"/>
+                </a:solidFill>
+                <a:latin typeface="Times New Roman" panose="02020603050405020304" pitchFamily="18" charset="0"/>
+                <a:cs typeface="Times New Roman" panose="02020603050405020304" pitchFamily="18" charset="0"/>
               </a:rPr>
               <a:t>Abstract</a:t>
             </a:r>
           </a:p>
         </p:txBody>
       </p:sp>
-      <p:grpSp>
-        <p:nvGrpSpPr>
-          <p:cNvPr id="6" name="Group 5">
-            <a:extLst>
-              <a:ext uri="{FF2B5EF4-FFF2-40B4-BE49-F238E27FC236}">
-                <a16:creationId xmlns:a16="http://schemas.microsoft.com/office/drawing/2014/main" id="{D6F1083B-18C0-72F4-7892-6CF4AB441516}"/>
-              </a:ext>
-            </a:extLst>
-          </p:cNvPr>
-          <p:cNvGrpSpPr/>
+      <p:sp>
+        <p:nvSpPr>
+          <p:cNvPr id="8" name="TextBox 7">
+            <a:extLst>
+              <a:ext uri="{FF2B5EF4-FFF2-40B4-BE49-F238E27FC236}">
+                <a16:creationId xmlns:a16="http://schemas.microsoft.com/office/drawing/2014/main" id="{DE290946-32DF-625A-DDDE-46F4A0E9E085}"/>
+              </a:ext>
+            </a:extLst>
+          </p:cNvPr>
+          <p:cNvSpPr txBox="1"/>
           <p:nvPr/>
-        </p:nvGrpSpPr>
-        <p:grpSpPr>
+        </p:nvSpPr>
+        <p:spPr>
           <a:xfrm>
-            <a:off x="777433" y="1277813"/>
-            <a:ext cx="10868628" cy="5146136"/>
-            <a:chOff x="661686" y="1104193"/>
-            <a:chExt cx="10868628" cy="5146136"/>
+            <a:off x="1230873" y="1737646"/>
+            <a:ext cx="9961747" cy="3785652"/>
           </a:xfrm>
-        </p:grpSpPr>
-        <p:sp>
-          <p:nvSpPr>
-            <p:cNvPr id="7" name="Rectangle 6">
-              <a:extLst>
-                <a:ext uri="{FF2B5EF4-FFF2-40B4-BE49-F238E27FC236}">
-                  <a16:creationId xmlns:a16="http://schemas.microsoft.com/office/drawing/2014/main" id="{395407E0-264B-9B45-6E1E-B8FDC506FDBC}"/>
-                </a:ext>
-              </a:extLst>
-            </p:cNvPr>
-            <p:cNvSpPr/>
-            <p:nvPr/>
-          </p:nvSpPr>
-          <p:spPr>
-            <a:xfrm>
-              <a:off x="661686" y="1104193"/>
-              <a:ext cx="10868628" cy="5146136"/>
-            </a:xfrm>
-            <a:prstGeom prst="rect">
-              <a:avLst/>
-            </a:prstGeom>
-            <a:solidFill>
-              <a:srgbClr val="0062FF">
-                <a:alpha val="87000"/>
-              </a:srgbClr>
-            </a:solidFill>
-            <a:ln>
-              <a:noFill/>
-            </a:ln>
-          </p:spPr>
-          <p:style>
-            <a:lnRef idx="2">
-              <a:schemeClr val="accent1">
-                <a:shade val="50000"/>
-              </a:schemeClr>
-            </a:lnRef>
-            <a:fillRef idx="1">
-              <a:schemeClr val="accent1"/>
-            </a:fillRef>
-            <a:effectRef idx="0">
-              <a:schemeClr val="accent1"/>
-            </a:effectRef>
-            <a:fontRef idx="minor">
-              <a:schemeClr val="lt1"/>
-            </a:fontRef>
-          </p:style>
-          <p:txBody>
-            <a:bodyPr rtlCol="0" anchor="ctr"/>
-            <a:lstStyle/>
-            <a:p>
-              <a:pPr algn="ctr"/>
-              <a:endParaRPr lang="en-US" dirty="0"/>
-            </a:p>
-          </p:txBody>
-        </p:sp>
-        <p:sp>
-          <p:nvSpPr>
-            <p:cNvPr id="8" name="TextBox 7">
-              <a:extLst>
-                <a:ext uri="{FF2B5EF4-FFF2-40B4-BE49-F238E27FC236}">
-                  <a16:creationId xmlns:a16="http://schemas.microsoft.com/office/drawing/2014/main" id="{DE290946-32DF-625A-DDDE-46F4A0E9E085}"/>
-                </a:ext>
-              </a:extLst>
-            </p:cNvPr>
-            <p:cNvSpPr txBox="1"/>
-            <p:nvPr/>
-          </p:nvSpPr>
-          <p:spPr>
-            <a:xfrm>
-              <a:off x="1115126" y="1564026"/>
-              <a:ext cx="9961747" cy="3785652"/>
-            </a:xfrm>
-            <a:prstGeom prst="rect">
-              <a:avLst/>
-            </a:prstGeom>
-            <a:noFill/>
-          </p:spPr>
-          <p:txBody>
-            <a:bodyPr wrap="square">
-              <a:spAutoFit/>
-            </a:bodyPr>
-            <a:lstStyle/>
-            <a:p>
-              <a:pPr algn="just"/>
-              <a:r>
-                <a:rPr lang="en-US" sz="2400" dirty="0">
-                  <a:solidFill>
-                    <a:schemeClr val="bg1"/>
-                  </a:solidFill>
-                  <a:latin typeface="Times New Roman" panose="02020603050405020304" pitchFamily="18" charset="0"/>
-                  <a:cs typeface="Times New Roman" panose="02020603050405020304" pitchFamily="18" charset="0"/>
-                </a:rPr>
-                <a:t>	The project presents an advanced approach for counting objects, specifically focusing on people, within images. By leveraging computer vision techniques, including image preprocessing, segmentation, and contour analysis, the  system accurately identifies and counts individuals in diverse scenarios. Unlike traditional methods, which often face challenges in complex environments, our proposed system demonstrates robustness and adaptability. Through a series of modular processing steps, the system achieves enhanced accuracy and efficiency in object counting tasks. This project offers a practical solution for applications such as surveillance, crowd management, and traffic monitoring, providing valuable insights for real-world scenarios.</a:t>
-              </a:r>
-              <a:endParaRPr lang="en-IN" sz="2400" dirty="0">
-                <a:solidFill>
-                  <a:schemeClr val="bg1"/>
-                </a:solidFill>
+          <a:prstGeom prst="rect">
+            <a:avLst/>
+          </a:prstGeom>
+          <a:noFill/>
+        </p:spPr>
+        <p:txBody>
+          <a:bodyPr wrap="square">
+            <a:spAutoFit/>
+          </a:bodyPr>
+          <a:lstStyle/>
+          <a:p>
+            <a:pPr algn="just"/>
+            <a:r>
+              <a:rPr lang="en-US" sz="2400" dirty="0">
                 <a:latin typeface="Times New Roman" panose="02020603050405020304" pitchFamily="18" charset="0"/>
                 <a:cs typeface="Times New Roman" panose="02020603050405020304" pitchFamily="18" charset="0"/>
-              </a:endParaRPr>
-            </a:p>
-          </p:txBody>
-        </p:sp>
-      </p:grpSp>
+              </a:rPr>
+              <a:t>	The project presents an advanced approach for counting objects, specifically focusing on people, within images. By leveraging computer vision techniques, including image preprocessing, segmentation, and contour analysis, the  system accurately identifies and counts individuals in diverse scenarios. Unlike traditional methods, which often face challenges in complex environments, our proposed system demonstrates robustness and adaptability. Through a series of modular processing steps, the system achieves enhanced accuracy and efficiency in object counting tasks. This project offers a practical solution for applications such as surveillance, crowd management, and traffic monitoring, providing valuable insights for real-world scenarios.</a:t>
+            </a:r>
+            <a:endParaRPr lang="en-IN" sz="2400" dirty="0">
+              <a:latin typeface="Times New Roman" panose="02020603050405020304" pitchFamily="18" charset="0"/>
+              <a:cs typeface="Times New Roman" panose="02020603050405020304" pitchFamily="18" charset="0"/>
+            </a:endParaRPr>
+          </a:p>
+        </p:txBody>
+      </p:sp>
     </p:spTree>
     <p:extLst>
       <p:ext uri="{BB962C8B-B14F-4D97-AF65-F5344CB8AC3E}">
@@ -8010,9 +8210,8 @@
                 <a:effectLst/>
                 <a:uLnTx/>
                 <a:uFillTx/>
-                <a:latin typeface="Calibri" panose="020F0502020204030204"/>
-                <a:ea typeface="+mn-ea"/>
-                <a:cs typeface="+mn-cs"/>
+                <a:latin typeface="Times New Roman" panose="02020603050405020304" pitchFamily="18" charset="0"/>
+                <a:cs typeface="Times New Roman" panose="02020603050405020304" pitchFamily="18" charset="0"/>
               </a:endParaRPr>
             </a:p>
           </p:txBody>
@@ -8160,9 +8359,8 @@
                 <a:effectLst/>
                 <a:uLnTx/>
                 <a:uFillTx/>
-                <a:latin typeface="Calibri" panose="020F0502020204030204"/>
-                <a:ea typeface="+mn-ea"/>
-                <a:cs typeface="+mn-cs"/>
+                <a:latin typeface="Times New Roman" panose="02020603050405020304" pitchFamily="18" charset="0"/>
+                <a:cs typeface="Times New Roman" panose="02020603050405020304" pitchFamily="18" charset="0"/>
               </a:endParaRPr>
             </a:p>
           </p:txBody>
@@ -8183,7 +8381,7 @@
         <p:spPr>
           <a:xfrm>
             <a:off x="1029118" y="353568"/>
-            <a:ext cx="6096000" cy="769441"/>
+            <a:ext cx="6096000" cy="830997"/>
           </a:xfrm>
           <a:prstGeom prst="rect">
             <a:avLst/>
@@ -8197,21 +8395,488 @@
           <a:lstStyle/>
           <a:p>
             <a:r>
-              <a:rPr lang="en-US" sz="4400" dirty="0">
-                <a:latin typeface="Sagona Book (Headings)"/>
+              <a:rPr lang="en-US" sz="4800" b="1" dirty="0">
+                <a:solidFill>
+                  <a:srgbClr val="FF0000"/>
+                </a:solidFill>
+                <a:latin typeface="Times New Roman" panose="02020603050405020304" pitchFamily="18" charset="0"/>
+                <a:cs typeface="Times New Roman" panose="02020603050405020304" pitchFamily="18" charset="0"/>
               </a:rPr>
               <a:t>State of the Art</a:t>
             </a:r>
-            <a:endParaRPr lang="en-IN" sz="4400" dirty="0"/>
+            <a:endParaRPr lang="en-IN" sz="4800" b="1" dirty="0">
+              <a:solidFill>
+                <a:srgbClr val="FF0000"/>
+              </a:solidFill>
+              <a:latin typeface="Times New Roman" panose="02020603050405020304" pitchFamily="18" charset="0"/>
+              <a:cs typeface="Times New Roman" panose="02020603050405020304" pitchFamily="18" charset="0"/>
+            </a:endParaRPr>
+          </a:p>
+        </p:txBody>
+      </p:sp>
+      <p:sp>
+        <p:nvSpPr>
+          <p:cNvPr id="8" name="TextBox 7">
+            <a:extLst>
+              <a:ext uri="{FF2B5EF4-FFF2-40B4-BE49-F238E27FC236}">
+                <a16:creationId xmlns:a16="http://schemas.microsoft.com/office/drawing/2014/main" id="{707237C7-8F5B-B6C9-2D9E-F02DF875C308}"/>
+              </a:ext>
+            </a:extLst>
+          </p:cNvPr>
+          <p:cNvSpPr txBox="1"/>
+          <p:nvPr/>
+        </p:nvSpPr>
+        <p:spPr>
+          <a:xfrm>
+            <a:off x="1230873" y="1737646"/>
+            <a:ext cx="9961747" cy="4154984"/>
+          </a:xfrm>
+          <a:prstGeom prst="rect">
+            <a:avLst/>
+          </a:prstGeom>
+          <a:noFill/>
+        </p:spPr>
+        <p:txBody>
+          <a:bodyPr wrap="square">
+            <a:spAutoFit/>
+          </a:bodyPr>
+          <a:lstStyle/>
+          <a:p>
+            <a:pPr algn="just"/>
+            <a:r>
+              <a:rPr lang="en-IN" sz="2400" dirty="0">
+                <a:latin typeface="Times New Roman" panose="02020603050405020304" pitchFamily="18" charset="0"/>
+                <a:cs typeface="Times New Roman" panose="02020603050405020304" pitchFamily="18" charset="0"/>
+              </a:rPr>
+              <a:t>	Traditional object counting systems have long relied on simplistic methods, often struggling with accuracy and adaptability in diverse environments. While basic techniques like thresholding and contour detection have been employed, they falter in complex scenarios. Modern advancements in computer vision and image processing, however, have paved the way for more sophisticated approaches. Our project leverages state-of-the-art methodologies, including adaptive histogram equalization, Otsu's thresholding, and dilation/erosion operations, to achieve precise object counting. By integrating these techniques, our system surpasses conventional methods, offering robustness and versatility for applications such as surveillance, crowd analysis, and urban planning.</a:t>
+            </a:r>
+          </a:p>
+        </p:txBody>
+      </p:sp>
+    </p:spTree>
+    <p:extLst>
+      <p:ext uri="{BB962C8B-B14F-4D97-AF65-F5344CB8AC3E}">
+        <p14:creationId xmlns:p14="http://schemas.microsoft.com/office/powerpoint/2010/main" val="1237134599"/>
+      </p:ext>
+    </p:extLst>
+  </p:cSld>
+  <p:clrMapOvr>
+    <a:masterClrMapping/>
+  </p:clrMapOvr>
+</p:sld>
+</file>
+
+<file path=ppt/slides/slide5.xml><?xml version="1.0" encoding="utf-8"?>
+<p:sld xmlns:a="http://schemas.openxmlformats.org/drawingml/2006/main" xmlns:r="http://schemas.openxmlformats.org/officeDocument/2006/relationships" xmlns:p="http://schemas.openxmlformats.org/presentationml/2006/main">
+  <p:cSld>
+    <p:bg>
+      <p:bgPr>
+        <a:solidFill>
+          <a:schemeClr val="bg1">
+            <a:lumMod val="65000"/>
+            <a:alpha val="50000"/>
+          </a:schemeClr>
+        </a:solidFill>
+        <a:effectLst/>
+      </p:bgPr>
+    </p:bg>
+    <p:spTree>
+      <p:nvGrpSpPr>
+        <p:cNvPr id="1" name=""/>
+        <p:cNvGrpSpPr/>
+        <p:nvPr/>
+      </p:nvGrpSpPr>
+      <p:grpSpPr>
+        <a:xfrm>
+          <a:off x="0" y="0"/>
+          <a:ext cx="0" cy="0"/>
+          <a:chOff x="0" y="0"/>
+          <a:chExt cx="0" cy="0"/>
+        </a:xfrm>
+      </p:grpSpPr>
+      <p:grpSp>
+        <p:nvGrpSpPr>
+          <p:cNvPr id="9" name="Group 8">
+            <a:extLst>
+              <a:ext uri="{FF2B5EF4-FFF2-40B4-BE49-F238E27FC236}">
+                <a16:creationId xmlns:a16="http://schemas.microsoft.com/office/drawing/2014/main" id="{37E7E893-AE3D-8A64-0FD6-280A6E5D3228}"/>
+              </a:ext>
+            </a:extLst>
+          </p:cNvPr>
+          <p:cNvGrpSpPr/>
+          <p:nvPr/>
+        </p:nvGrpSpPr>
+        <p:grpSpPr>
+          <a:xfrm>
+            <a:off x="0" y="4948862"/>
+            <a:ext cx="12192000" cy="1909138"/>
+            <a:chOff x="0" y="4948862"/>
+            <a:chExt cx="12192000" cy="1909138"/>
+          </a:xfrm>
+        </p:grpSpPr>
+        <p:sp>
+          <p:nvSpPr>
+            <p:cNvPr id="10" name="Freeform: Shape 9">
+              <a:extLst>
+                <a:ext uri="{FF2B5EF4-FFF2-40B4-BE49-F238E27FC236}">
+                  <a16:creationId xmlns:a16="http://schemas.microsoft.com/office/drawing/2014/main" id="{24633D6D-BAB6-E320-8941-037CB8DCA2D0}"/>
+                </a:ext>
+              </a:extLst>
+            </p:cNvPr>
+            <p:cNvSpPr/>
+            <p:nvPr/>
+          </p:nvSpPr>
+          <p:spPr>
+            <a:xfrm>
+              <a:off x="0" y="4948862"/>
+              <a:ext cx="12192000" cy="1909138"/>
+            </a:xfrm>
+            <a:custGeom>
+              <a:avLst/>
+              <a:gdLst>
+                <a:gd name="connsiteX0" fmla="*/ 0 w 12192000"/>
+                <a:gd name="connsiteY0" fmla="*/ 0 h 1909138"/>
+                <a:gd name="connsiteX1" fmla="*/ 227719 w 12192000"/>
+                <a:gd name="connsiteY1" fmla="*/ 142350 h 1909138"/>
+                <a:gd name="connsiteX2" fmla="*/ 6096001 w 12192000"/>
+                <a:gd name="connsiteY2" fmla="*/ 1628919 h 1909138"/>
+                <a:gd name="connsiteX3" fmla="*/ 11964283 w 12192000"/>
+                <a:gd name="connsiteY3" fmla="*/ 142350 h 1909138"/>
+                <a:gd name="connsiteX4" fmla="*/ 12192000 w 12192000"/>
+                <a:gd name="connsiteY4" fmla="*/ 1 h 1909138"/>
+                <a:gd name="connsiteX5" fmla="*/ 12192000 w 12192000"/>
+                <a:gd name="connsiteY5" fmla="*/ 1909138 h 1909138"/>
+                <a:gd name="connsiteX6" fmla="*/ 0 w 12192000"/>
+                <a:gd name="connsiteY6" fmla="*/ 1909138 h 1909138"/>
+                <a:gd name="connsiteX7" fmla="*/ 0 w 12192000"/>
+                <a:gd name="connsiteY7" fmla="*/ 0 h 1909138"/>
+              </a:gdLst>
+              <a:ahLst/>
+              <a:cxnLst>
+                <a:cxn ang="0">
+                  <a:pos x="connsiteX0" y="connsiteY0"/>
+                </a:cxn>
+                <a:cxn ang="0">
+                  <a:pos x="connsiteX1" y="connsiteY1"/>
+                </a:cxn>
+                <a:cxn ang="0">
+                  <a:pos x="connsiteX2" y="connsiteY2"/>
+                </a:cxn>
+                <a:cxn ang="0">
+                  <a:pos x="connsiteX3" y="connsiteY3"/>
+                </a:cxn>
+                <a:cxn ang="0">
+                  <a:pos x="connsiteX4" y="connsiteY4"/>
+                </a:cxn>
+                <a:cxn ang="0">
+                  <a:pos x="connsiteX5" y="connsiteY5"/>
+                </a:cxn>
+                <a:cxn ang="0">
+                  <a:pos x="connsiteX6" y="connsiteY6"/>
+                </a:cxn>
+                <a:cxn ang="0">
+                  <a:pos x="connsiteX7" y="connsiteY7"/>
+                </a:cxn>
+              </a:cxnLst>
+              <a:rect l="l" t="t" r="r" b="b"/>
+              <a:pathLst>
+                <a:path w="12192000" h="1909138">
+                  <a:moveTo>
+                    <a:pt x="0" y="0"/>
+                  </a:moveTo>
+                  <a:lnTo>
+                    <a:pt x="227719" y="142350"/>
+                  </a:lnTo>
+                  <a:cubicBezTo>
+                    <a:pt x="1777640" y="1065981"/>
+                    <a:pt x="3836554" y="1628919"/>
+                    <a:pt x="6096001" y="1628919"/>
+                  </a:cubicBezTo>
+                  <a:cubicBezTo>
+                    <a:pt x="8355448" y="1628919"/>
+                    <a:pt x="10414362" y="1065981"/>
+                    <a:pt x="11964283" y="142350"/>
+                  </a:cubicBezTo>
+                  <a:lnTo>
+                    <a:pt x="12192000" y="1"/>
+                  </a:lnTo>
+                  <a:lnTo>
+                    <a:pt x="12192000" y="1909138"/>
+                  </a:lnTo>
+                  <a:lnTo>
+                    <a:pt x="0" y="1909138"/>
+                  </a:lnTo>
+                  <a:lnTo>
+                    <a:pt x="0" y="0"/>
+                  </a:lnTo>
+                  <a:close/>
+                </a:path>
+              </a:pathLst>
+            </a:custGeom>
+            <a:solidFill>
+              <a:srgbClr val="E8F1F6"/>
+            </a:solidFill>
+            <a:ln>
+              <a:noFill/>
+            </a:ln>
+            <a:extLst>
+              <a:ext uri="{91240B29-F687-4F45-9708-019B960494DF}">
+                <a14:hiddenLine xmlns:a14="http://schemas.microsoft.com/office/drawing/2010/main" w="9525">
+                  <a:solidFill>
+                    <a:srgbClr val="000000"/>
+                  </a:solidFill>
+                  <a:round/>
+                  <a:headEnd/>
+                  <a:tailEnd/>
+                </a14:hiddenLine>
+              </a:ext>
+            </a:extLst>
+          </p:spPr>
+          <p:txBody>
+            <a:bodyPr vert="horz" wrap="square" lIns="91440" tIns="45720" rIns="91440" bIns="45720" numCol="1" anchor="t" anchorCtr="0" compatLnSpc="1">
+              <a:prstTxWarp prst="textNoShape">
+                <a:avLst/>
+              </a:prstTxWarp>
+            </a:bodyPr>
+            <a:lstStyle/>
+            <a:p>
+              <a:pPr marL="0" marR="0" lvl="0" indent="0" algn="l" defTabSz="914400" rtl="0" eaLnBrk="1" fontAlgn="auto" latinLnBrk="0" hangingPunct="1">
+                <a:lnSpc>
+                  <a:spcPct val="100000"/>
+                </a:lnSpc>
+                <a:spcBef>
+                  <a:spcPts val="0"/>
+                </a:spcBef>
+                <a:spcAft>
+                  <a:spcPts val="0"/>
+                </a:spcAft>
+                <a:buClrTx/>
+                <a:buSzTx/>
+                <a:buFontTx/>
+                <a:buNone/>
+                <a:tabLst/>
+                <a:defRPr/>
+              </a:pPr>
+              <a:endParaRPr kumimoji="0" lang="en-US" sz="1600" b="0" i="0" u="none" strike="noStrike" kern="1200" cap="none" spc="0" normalizeH="0" baseline="0" noProof="0" dirty="0">
+                <a:ln>
+                  <a:noFill/>
+                </a:ln>
+                <a:solidFill>
+                  <a:prstClr val="black"/>
+                </a:solidFill>
+                <a:effectLst/>
+                <a:uLnTx/>
+                <a:uFillTx/>
+                <a:latin typeface="Times New Roman" panose="02020603050405020304" pitchFamily="18" charset="0"/>
+                <a:cs typeface="Times New Roman" panose="02020603050405020304" pitchFamily="18" charset="0"/>
+              </a:endParaRPr>
+            </a:p>
+          </p:txBody>
+        </p:sp>
+        <p:sp>
+          <p:nvSpPr>
+            <p:cNvPr id="11" name="Freeform: Shape 10">
+              <a:extLst>
+                <a:ext uri="{FF2B5EF4-FFF2-40B4-BE49-F238E27FC236}">
+                  <a16:creationId xmlns:a16="http://schemas.microsoft.com/office/drawing/2014/main" id="{A9983C87-C608-4EFA-A025-DAF1A639877F}"/>
+                </a:ext>
+              </a:extLst>
+            </p:cNvPr>
+            <p:cNvSpPr/>
+            <p:nvPr/>
+          </p:nvSpPr>
+          <p:spPr>
+            <a:xfrm>
+              <a:off x="0" y="5563852"/>
+              <a:ext cx="12192000" cy="1294147"/>
+            </a:xfrm>
+            <a:custGeom>
+              <a:avLst/>
+              <a:gdLst>
+                <a:gd name="connsiteX0" fmla="*/ 0 w 12192000"/>
+                <a:gd name="connsiteY0" fmla="*/ 0 h 1909138"/>
+                <a:gd name="connsiteX1" fmla="*/ 227719 w 12192000"/>
+                <a:gd name="connsiteY1" fmla="*/ 142350 h 1909138"/>
+                <a:gd name="connsiteX2" fmla="*/ 6096001 w 12192000"/>
+                <a:gd name="connsiteY2" fmla="*/ 1628919 h 1909138"/>
+                <a:gd name="connsiteX3" fmla="*/ 11964283 w 12192000"/>
+                <a:gd name="connsiteY3" fmla="*/ 142350 h 1909138"/>
+                <a:gd name="connsiteX4" fmla="*/ 12192000 w 12192000"/>
+                <a:gd name="connsiteY4" fmla="*/ 1 h 1909138"/>
+                <a:gd name="connsiteX5" fmla="*/ 12192000 w 12192000"/>
+                <a:gd name="connsiteY5" fmla="*/ 1909138 h 1909138"/>
+                <a:gd name="connsiteX6" fmla="*/ 0 w 12192000"/>
+                <a:gd name="connsiteY6" fmla="*/ 1909138 h 1909138"/>
+                <a:gd name="connsiteX7" fmla="*/ 0 w 12192000"/>
+                <a:gd name="connsiteY7" fmla="*/ 0 h 1909138"/>
+              </a:gdLst>
+              <a:ahLst/>
+              <a:cxnLst>
+                <a:cxn ang="0">
+                  <a:pos x="connsiteX0" y="connsiteY0"/>
+                </a:cxn>
+                <a:cxn ang="0">
+                  <a:pos x="connsiteX1" y="connsiteY1"/>
+                </a:cxn>
+                <a:cxn ang="0">
+                  <a:pos x="connsiteX2" y="connsiteY2"/>
+                </a:cxn>
+                <a:cxn ang="0">
+                  <a:pos x="connsiteX3" y="connsiteY3"/>
+                </a:cxn>
+                <a:cxn ang="0">
+                  <a:pos x="connsiteX4" y="connsiteY4"/>
+                </a:cxn>
+                <a:cxn ang="0">
+                  <a:pos x="connsiteX5" y="connsiteY5"/>
+                </a:cxn>
+                <a:cxn ang="0">
+                  <a:pos x="connsiteX6" y="connsiteY6"/>
+                </a:cxn>
+                <a:cxn ang="0">
+                  <a:pos x="connsiteX7" y="connsiteY7"/>
+                </a:cxn>
+              </a:cxnLst>
+              <a:rect l="l" t="t" r="r" b="b"/>
+              <a:pathLst>
+                <a:path w="12192000" h="1909138">
+                  <a:moveTo>
+                    <a:pt x="0" y="0"/>
+                  </a:moveTo>
+                  <a:lnTo>
+                    <a:pt x="227719" y="142350"/>
+                  </a:lnTo>
+                  <a:cubicBezTo>
+                    <a:pt x="1777640" y="1065981"/>
+                    <a:pt x="3836554" y="1628919"/>
+                    <a:pt x="6096001" y="1628919"/>
+                  </a:cubicBezTo>
+                  <a:cubicBezTo>
+                    <a:pt x="8355448" y="1628919"/>
+                    <a:pt x="10414362" y="1065981"/>
+                    <a:pt x="11964283" y="142350"/>
+                  </a:cubicBezTo>
+                  <a:lnTo>
+                    <a:pt x="12192000" y="1"/>
+                  </a:lnTo>
+                  <a:lnTo>
+                    <a:pt x="12192000" y="1909138"/>
+                  </a:lnTo>
+                  <a:lnTo>
+                    <a:pt x="0" y="1909138"/>
+                  </a:lnTo>
+                  <a:lnTo>
+                    <a:pt x="0" y="0"/>
+                  </a:lnTo>
+                  <a:close/>
+                </a:path>
+              </a:pathLst>
+            </a:custGeom>
+            <a:solidFill>
+              <a:srgbClr val="7AC2F9">
+                <a:alpha val="11000"/>
+              </a:srgbClr>
+            </a:solidFill>
+            <a:ln>
+              <a:noFill/>
+            </a:ln>
+          </p:spPr>
+          <p:txBody>
+            <a:bodyPr vert="horz" wrap="square" lIns="91440" tIns="45720" rIns="91440" bIns="45720" numCol="1" anchor="t" anchorCtr="0" compatLnSpc="1">
+              <a:prstTxWarp prst="textNoShape">
+                <a:avLst/>
+              </a:prstTxWarp>
+            </a:bodyPr>
+            <a:lstStyle/>
+            <a:p>
+              <a:pPr marL="0" marR="0" lvl="0" indent="0" algn="l" defTabSz="914400" rtl="0" eaLnBrk="1" fontAlgn="auto" latinLnBrk="0" hangingPunct="1">
+                <a:lnSpc>
+                  <a:spcPct val="100000"/>
+                </a:lnSpc>
+                <a:spcBef>
+                  <a:spcPts val="0"/>
+                </a:spcBef>
+                <a:spcAft>
+                  <a:spcPts val="0"/>
+                </a:spcAft>
+                <a:buClrTx/>
+                <a:buSzTx/>
+                <a:buFontTx/>
+                <a:buNone/>
+                <a:tabLst/>
+                <a:defRPr/>
+              </a:pPr>
+              <a:endParaRPr kumimoji="0" lang="en-US" sz="1600" b="0" i="0" u="none" strike="noStrike" kern="1200" cap="none" spc="0" normalizeH="0" baseline="0" noProof="0" dirty="0">
+                <a:ln>
+                  <a:noFill/>
+                </a:ln>
+                <a:solidFill>
+                  <a:prstClr val="black"/>
+                </a:solidFill>
+                <a:effectLst/>
+                <a:uLnTx/>
+                <a:uFillTx/>
+                <a:latin typeface="Times New Roman" panose="02020603050405020304" pitchFamily="18" charset="0"/>
+                <a:cs typeface="Times New Roman" panose="02020603050405020304" pitchFamily="18" charset="0"/>
+              </a:endParaRPr>
+            </a:p>
+          </p:txBody>
+        </p:sp>
+      </p:grpSp>
+      <p:sp>
+        <p:nvSpPr>
+          <p:cNvPr id="4" name="TextBox 3">
+            <a:extLst>
+              <a:ext uri="{FF2B5EF4-FFF2-40B4-BE49-F238E27FC236}">
+                <a16:creationId xmlns:a16="http://schemas.microsoft.com/office/drawing/2014/main" id="{486AE521-6DC8-2FCB-BE30-8C4FB16B907E}"/>
+              </a:ext>
+            </a:extLst>
+          </p:cNvPr>
+          <p:cNvSpPr txBox="1"/>
+          <p:nvPr/>
+        </p:nvSpPr>
+        <p:spPr>
+          <a:xfrm>
+            <a:off x="1029118" y="353568"/>
+            <a:ext cx="6096000" cy="830997"/>
+          </a:xfrm>
+          <a:prstGeom prst="rect">
+            <a:avLst/>
+          </a:prstGeom>
+          <a:noFill/>
+        </p:spPr>
+        <p:txBody>
+          <a:bodyPr wrap="square">
+            <a:spAutoFit/>
+          </a:bodyPr>
+          <a:lstStyle/>
+          <a:p>
+            <a:r>
+              <a:rPr lang="en-US" sz="4800" b="1" dirty="0">
+                <a:solidFill>
+                  <a:srgbClr val="FF0000"/>
+                </a:solidFill>
+                <a:latin typeface="Times New Roman" panose="02020603050405020304" pitchFamily="18" charset="0"/>
+                <a:cs typeface="Times New Roman" panose="02020603050405020304" pitchFamily="18" charset="0"/>
+              </a:rPr>
+              <a:t>Existing System</a:t>
+            </a:r>
+            <a:endParaRPr lang="en-IN" sz="4800" b="1" dirty="0">
+              <a:solidFill>
+                <a:srgbClr val="FF0000"/>
+              </a:solidFill>
+              <a:latin typeface="Times New Roman" panose="02020603050405020304" pitchFamily="18" charset="0"/>
+              <a:cs typeface="Times New Roman" panose="02020603050405020304" pitchFamily="18" charset="0"/>
+            </a:endParaRPr>
           </a:p>
         </p:txBody>
       </p:sp>
       <p:grpSp>
         <p:nvGrpSpPr>
-          <p:cNvPr id="6" name="Group 5">
-            <a:extLst>
-              <a:ext uri="{FF2B5EF4-FFF2-40B4-BE49-F238E27FC236}">
-                <a16:creationId xmlns:a16="http://schemas.microsoft.com/office/drawing/2014/main" id="{AC635293-34C2-2254-ACCB-CDBA7F9A2473}"/>
+          <p:cNvPr id="2" name="Group 1">
+            <a:extLst>
+              <a:ext uri="{FF2B5EF4-FFF2-40B4-BE49-F238E27FC236}">
+                <a16:creationId xmlns:a16="http://schemas.microsoft.com/office/drawing/2014/main" id="{1FCB2FF5-FC4A-A663-ABC1-24828036944C}"/>
               </a:ext>
             </a:extLst>
           </p:cNvPr>
@@ -8228,10 +8893,10 @@
         </p:grpSpPr>
         <p:sp>
           <p:nvSpPr>
-            <p:cNvPr id="7" name="Rectangle 6">
+            <p:cNvPr id="5" name="Rectangle 4">
               <a:extLst>
                 <a:ext uri="{FF2B5EF4-FFF2-40B4-BE49-F238E27FC236}">
-                  <a16:creationId xmlns:a16="http://schemas.microsoft.com/office/drawing/2014/main" id="{413E2365-1E5E-8165-43D3-00FBD81AC653}"/>
+                  <a16:creationId xmlns:a16="http://schemas.microsoft.com/office/drawing/2014/main" id="{E3B6EBEA-63CE-F58C-2E18-11EB5A381ACC}"/>
                 </a:ext>
               </a:extLst>
             </p:cNvPr>
@@ -8246,11 +8911,7 @@
             <a:prstGeom prst="rect">
               <a:avLst/>
             </a:prstGeom>
-            <a:solidFill>
-              <a:srgbClr val="0062FF">
-                <a:alpha val="87000"/>
-              </a:srgbClr>
-            </a:solidFill>
+            <a:noFill/>
             <a:ln>
               <a:noFill/>
             </a:ln>
@@ -8276,16 +8937,19 @@
             <a:lstStyle/>
             <a:p>
               <a:pPr algn="ctr"/>
-              <a:endParaRPr lang="en-US" dirty="0"/>
+              <a:endParaRPr lang="en-US" dirty="0">
+                <a:latin typeface="Times New Roman" panose="02020603050405020304" pitchFamily="18" charset="0"/>
+                <a:cs typeface="Times New Roman" panose="02020603050405020304" pitchFamily="18" charset="0"/>
+              </a:endParaRPr>
             </a:p>
           </p:txBody>
         </p:sp>
         <p:sp>
           <p:nvSpPr>
-            <p:cNvPr id="8" name="TextBox 7">
+            <p:cNvPr id="13" name="TextBox 12">
               <a:extLst>
                 <a:ext uri="{FF2B5EF4-FFF2-40B4-BE49-F238E27FC236}">
-                  <a16:creationId xmlns:a16="http://schemas.microsoft.com/office/drawing/2014/main" id="{707237C7-8F5B-B6C9-2D9E-F02DF875C308}"/>
+                  <a16:creationId xmlns:a16="http://schemas.microsoft.com/office/drawing/2014/main" id="{BA2B548B-22E6-2121-800A-A6A75E50B3D0}"/>
                 </a:ext>
               </a:extLst>
             </p:cNvPr>
@@ -8311,13 +8975,10 @@
               <a:pPr algn="just"/>
               <a:r>
                 <a:rPr lang="en-IN" sz="2400" dirty="0">
-                  <a:solidFill>
-                    <a:schemeClr val="bg1"/>
-                  </a:solidFill>
                   <a:latin typeface="Times New Roman" panose="02020603050405020304" pitchFamily="18" charset="0"/>
                   <a:cs typeface="Times New Roman" panose="02020603050405020304" pitchFamily="18" charset="0"/>
                 </a:rPr>
-                <a:t>	Traditional object counting systems have long relied on simplistic methods, often struggling with accuracy and adaptability in diverse environments. While basic techniques like thresholding and contour detection have been employed, they falter in complex scenarios. Modern advancements in computer vision and image processing, however, have paved the way for more sophisticated approaches. Our project leverages state-of-the-art methodologies, including adaptive histogram equalization, Otsu's thresholding, and dilation/erosion operations, to achieve precise object counting. By integrating these techniques, our system surpasses conventional methods, offering robustness and versatility for applications such as surveillance, crowd analysis, and urban planning.</a:t>
+                <a:t>	Traditional object counting systems typically rely on basic image processing techniques such as thresholding and contour detection. These methods involve simple algorithms to separate objects from the background and identify their boundaries. However, they often lack precision and struggle in scenarios with varying lighting conditions or complex backgrounds. Moreover, these systems may require manual calibration and parameter tuning, making them less efficient for real-time applications. Existing systems tend to exhibit limited accuracy and scalability, hindering their effectiveness in tasks such as crowd monitoring, traffic analysis, and event management. Thus, there is a clear need for more advanced approaches to improve object counting accuracy and robustness.</a:t>
               </a:r>
             </a:p>
           </p:txBody>
@@ -8326,7 +8987,7 @@
     </p:spTree>
     <p:extLst>
       <p:ext uri="{BB962C8B-B14F-4D97-AF65-F5344CB8AC3E}">
-        <p14:creationId xmlns:p14="http://schemas.microsoft.com/office/powerpoint/2010/main" val="1237134599"/>
+        <p14:creationId xmlns:p14="http://schemas.microsoft.com/office/powerpoint/2010/main" val="3378869144"/>
       </p:ext>
     </p:extLst>
   </p:cSld>
@@ -8336,7 +8997,7 @@
 </p:sld>
 </file>
 
-<file path=ppt/slides/slide5.xml><?xml version="1.0" encoding="utf-8"?>
+<file path=ppt/slides/slide6.xml><?xml version="1.0" encoding="utf-8"?>
 <p:sld xmlns:a="http://schemas.openxmlformats.org/drawingml/2006/main" xmlns:r="http://schemas.openxmlformats.org/officeDocument/2006/relationships" xmlns:p="http://schemas.openxmlformats.org/presentationml/2006/main">
   <p:cSld>
     <p:bg>
@@ -8709,8 +9370,8 @@
         </p:nvSpPr>
         <p:spPr>
           <a:xfrm>
-            <a:off x="1029118" y="353568"/>
-            <a:ext cx="6096000" cy="769441"/>
+            <a:off x="885616" y="192172"/>
+            <a:ext cx="6096000" cy="830997"/>
           </a:xfrm>
           <a:prstGeom prst="rect">
             <a:avLst/>
@@ -8724,510 +9385,31 @@
           <a:lstStyle/>
           <a:p>
             <a:r>
-              <a:rPr lang="en-US" sz="4400" dirty="0">
-                <a:latin typeface="Sagona Book (Headings)"/>
+              <a:rPr lang="en-US" sz="4800" b="1" dirty="0">
+                <a:solidFill>
+                  <a:srgbClr val="FF0000"/>
+                </a:solidFill>
+                <a:latin typeface="Times New Roman" panose="02020603050405020304" pitchFamily="18" charset="0"/>
+                <a:cs typeface="Times New Roman" panose="02020603050405020304" pitchFamily="18" charset="0"/>
               </a:rPr>
-              <a:t>Existing System</a:t>
+              <a:t>Proposed System</a:t>
             </a:r>
-            <a:endParaRPr lang="en-IN" sz="4400" dirty="0"/>
+            <a:endParaRPr lang="en-IN" sz="4800" b="1" dirty="0">
+              <a:solidFill>
+                <a:srgbClr val="FF0000"/>
+              </a:solidFill>
+              <a:latin typeface="Times New Roman" panose="02020603050405020304" pitchFamily="18" charset="0"/>
+              <a:cs typeface="Times New Roman" panose="02020603050405020304" pitchFamily="18" charset="0"/>
+            </a:endParaRPr>
           </a:p>
         </p:txBody>
       </p:sp>
-      <p:grpSp>
-        <p:nvGrpSpPr>
-          <p:cNvPr id="2" name="Group 1">
-            <a:extLst>
-              <a:ext uri="{FF2B5EF4-FFF2-40B4-BE49-F238E27FC236}">
-                <a16:creationId xmlns:a16="http://schemas.microsoft.com/office/drawing/2014/main" id="{1FCB2FF5-FC4A-A663-ABC1-24828036944C}"/>
-              </a:ext>
-            </a:extLst>
-          </p:cNvPr>
-          <p:cNvGrpSpPr/>
-          <p:nvPr/>
-        </p:nvGrpSpPr>
-        <p:grpSpPr>
-          <a:xfrm>
-            <a:off x="777433" y="1277813"/>
-            <a:ext cx="10868628" cy="5146136"/>
-            <a:chOff x="661686" y="1104193"/>
-            <a:chExt cx="10868628" cy="5146136"/>
-          </a:xfrm>
-        </p:grpSpPr>
-        <p:sp>
-          <p:nvSpPr>
-            <p:cNvPr id="5" name="Rectangle 4">
-              <a:extLst>
-                <a:ext uri="{FF2B5EF4-FFF2-40B4-BE49-F238E27FC236}">
-                  <a16:creationId xmlns:a16="http://schemas.microsoft.com/office/drawing/2014/main" id="{E3B6EBEA-63CE-F58C-2E18-11EB5A381ACC}"/>
-                </a:ext>
-              </a:extLst>
-            </p:cNvPr>
-            <p:cNvSpPr/>
-            <p:nvPr/>
-          </p:nvSpPr>
-          <p:spPr>
-            <a:xfrm>
-              <a:off x="661686" y="1104193"/>
-              <a:ext cx="10868628" cy="5146136"/>
-            </a:xfrm>
-            <a:prstGeom prst="rect">
-              <a:avLst/>
-            </a:prstGeom>
-            <a:solidFill>
-              <a:srgbClr val="0062FF">
-                <a:alpha val="87000"/>
-              </a:srgbClr>
-            </a:solidFill>
-            <a:ln>
-              <a:noFill/>
-            </a:ln>
-          </p:spPr>
-          <p:style>
-            <a:lnRef idx="2">
-              <a:schemeClr val="accent1">
-                <a:shade val="50000"/>
-              </a:schemeClr>
-            </a:lnRef>
-            <a:fillRef idx="1">
-              <a:schemeClr val="accent1"/>
-            </a:fillRef>
-            <a:effectRef idx="0">
-              <a:schemeClr val="accent1"/>
-            </a:effectRef>
-            <a:fontRef idx="minor">
-              <a:schemeClr val="lt1"/>
-            </a:fontRef>
-          </p:style>
-          <p:txBody>
-            <a:bodyPr rtlCol="0" anchor="ctr"/>
-            <a:lstStyle/>
-            <a:p>
-              <a:pPr algn="ctr"/>
-              <a:endParaRPr lang="en-US" dirty="0"/>
-            </a:p>
-          </p:txBody>
-        </p:sp>
-        <p:sp>
-          <p:nvSpPr>
-            <p:cNvPr id="13" name="TextBox 12">
-              <a:extLst>
-                <a:ext uri="{FF2B5EF4-FFF2-40B4-BE49-F238E27FC236}">
-                  <a16:creationId xmlns:a16="http://schemas.microsoft.com/office/drawing/2014/main" id="{BA2B548B-22E6-2121-800A-A6A75E50B3D0}"/>
-                </a:ext>
-              </a:extLst>
-            </p:cNvPr>
-            <p:cNvSpPr txBox="1"/>
-            <p:nvPr/>
-          </p:nvSpPr>
-          <p:spPr>
-            <a:xfrm>
-              <a:off x="1115126" y="1564026"/>
-              <a:ext cx="9961747" cy="4154984"/>
-            </a:xfrm>
-            <a:prstGeom prst="rect">
-              <a:avLst/>
-            </a:prstGeom>
-            <a:noFill/>
-          </p:spPr>
-          <p:txBody>
-            <a:bodyPr wrap="square">
-              <a:spAutoFit/>
-            </a:bodyPr>
-            <a:lstStyle/>
-            <a:p>
-              <a:pPr algn="just"/>
-              <a:r>
-                <a:rPr lang="en-IN" sz="2400" dirty="0">
-                  <a:solidFill>
-                    <a:schemeClr val="bg1"/>
-                  </a:solidFill>
-                  <a:latin typeface="Times New Roman" panose="02020603050405020304" pitchFamily="18" charset="0"/>
-                  <a:cs typeface="Times New Roman" panose="02020603050405020304" pitchFamily="18" charset="0"/>
-                </a:rPr>
-                <a:t>	Traditional object counting systems typically rely on basic image processing techniques such as thresholding and contour detection. These methods involve simple algorithms to separate objects from the background and identify their boundaries. However, they often lack precision and struggle in scenarios with varying lighting conditions or complex backgrounds. Moreover, these systems may require manual calibration and parameter tuning, making them less efficient for real-time applications. Existing systems tend to exhibit limited accuracy and scalability, hindering their effectiveness in tasks such as crowd monitoring, traffic analysis, and event management. Thus, there is a clear need for more advanced approaches to improve object counting accuracy and robustness.</a:t>
-              </a:r>
-            </a:p>
-          </p:txBody>
-        </p:sp>
-      </p:grpSp>
-    </p:spTree>
-    <p:extLst>
-      <p:ext uri="{BB962C8B-B14F-4D97-AF65-F5344CB8AC3E}">
-        <p14:creationId xmlns:p14="http://schemas.microsoft.com/office/powerpoint/2010/main" val="3378869144"/>
-      </p:ext>
-    </p:extLst>
-  </p:cSld>
-  <p:clrMapOvr>
-    <a:masterClrMapping/>
-  </p:clrMapOvr>
-</p:sld>
-</file>
-
-<file path=ppt/slides/slide6.xml><?xml version="1.0" encoding="utf-8"?>
-<p:sld xmlns:a="http://schemas.openxmlformats.org/drawingml/2006/main" xmlns:r="http://schemas.openxmlformats.org/officeDocument/2006/relationships" xmlns:p="http://schemas.openxmlformats.org/presentationml/2006/main">
-  <p:cSld>
-    <p:bg>
-      <p:bgPr>
-        <a:solidFill>
-          <a:schemeClr val="bg1">
-            <a:lumMod val="65000"/>
-            <a:alpha val="50000"/>
-          </a:schemeClr>
-        </a:solidFill>
-        <a:effectLst/>
-      </p:bgPr>
-    </p:bg>
-    <p:spTree>
-      <p:nvGrpSpPr>
-        <p:cNvPr id="1" name=""/>
-        <p:cNvGrpSpPr/>
-        <p:nvPr/>
-      </p:nvGrpSpPr>
-      <p:grpSpPr>
-        <a:xfrm>
-          <a:off x="0" y="0"/>
-          <a:ext cx="0" cy="0"/>
-          <a:chOff x="0" y="0"/>
-          <a:chExt cx="0" cy="0"/>
-        </a:xfrm>
-      </p:grpSpPr>
-      <p:grpSp>
-        <p:nvGrpSpPr>
-          <p:cNvPr id="9" name="Group 8">
-            <a:extLst>
-              <a:ext uri="{FF2B5EF4-FFF2-40B4-BE49-F238E27FC236}">
-                <a16:creationId xmlns:a16="http://schemas.microsoft.com/office/drawing/2014/main" id="{37E7E893-AE3D-8A64-0FD6-280A6E5D3228}"/>
-              </a:ext>
-            </a:extLst>
-          </p:cNvPr>
-          <p:cNvGrpSpPr/>
-          <p:nvPr/>
-        </p:nvGrpSpPr>
-        <p:grpSpPr>
-          <a:xfrm>
-            <a:off x="0" y="4948862"/>
-            <a:ext cx="12192000" cy="1909138"/>
-            <a:chOff x="0" y="4948862"/>
-            <a:chExt cx="12192000" cy="1909138"/>
-          </a:xfrm>
-        </p:grpSpPr>
-        <p:sp>
-          <p:nvSpPr>
-            <p:cNvPr id="10" name="Freeform: Shape 9">
-              <a:extLst>
-                <a:ext uri="{FF2B5EF4-FFF2-40B4-BE49-F238E27FC236}">
-                  <a16:creationId xmlns:a16="http://schemas.microsoft.com/office/drawing/2014/main" id="{24633D6D-BAB6-E320-8941-037CB8DCA2D0}"/>
-                </a:ext>
-              </a:extLst>
-            </p:cNvPr>
-            <p:cNvSpPr/>
-            <p:nvPr/>
-          </p:nvSpPr>
-          <p:spPr>
-            <a:xfrm>
-              <a:off x="0" y="4948862"/>
-              <a:ext cx="12192000" cy="1909138"/>
-            </a:xfrm>
-            <a:custGeom>
-              <a:avLst/>
-              <a:gdLst>
-                <a:gd name="connsiteX0" fmla="*/ 0 w 12192000"/>
-                <a:gd name="connsiteY0" fmla="*/ 0 h 1909138"/>
-                <a:gd name="connsiteX1" fmla="*/ 227719 w 12192000"/>
-                <a:gd name="connsiteY1" fmla="*/ 142350 h 1909138"/>
-                <a:gd name="connsiteX2" fmla="*/ 6096001 w 12192000"/>
-                <a:gd name="connsiteY2" fmla="*/ 1628919 h 1909138"/>
-                <a:gd name="connsiteX3" fmla="*/ 11964283 w 12192000"/>
-                <a:gd name="connsiteY3" fmla="*/ 142350 h 1909138"/>
-                <a:gd name="connsiteX4" fmla="*/ 12192000 w 12192000"/>
-                <a:gd name="connsiteY4" fmla="*/ 1 h 1909138"/>
-                <a:gd name="connsiteX5" fmla="*/ 12192000 w 12192000"/>
-                <a:gd name="connsiteY5" fmla="*/ 1909138 h 1909138"/>
-                <a:gd name="connsiteX6" fmla="*/ 0 w 12192000"/>
-                <a:gd name="connsiteY6" fmla="*/ 1909138 h 1909138"/>
-                <a:gd name="connsiteX7" fmla="*/ 0 w 12192000"/>
-                <a:gd name="connsiteY7" fmla="*/ 0 h 1909138"/>
-              </a:gdLst>
-              <a:ahLst/>
-              <a:cxnLst>
-                <a:cxn ang="0">
-                  <a:pos x="connsiteX0" y="connsiteY0"/>
-                </a:cxn>
-                <a:cxn ang="0">
-                  <a:pos x="connsiteX1" y="connsiteY1"/>
-                </a:cxn>
-                <a:cxn ang="0">
-                  <a:pos x="connsiteX2" y="connsiteY2"/>
-                </a:cxn>
-                <a:cxn ang="0">
-                  <a:pos x="connsiteX3" y="connsiteY3"/>
-                </a:cxn>
-                <a:cxn ang="0">
-                  <a:pos x="connsiteX4" y="connsiteY4"/>
-                </a:cxn>
-                <a:cxn ang="0">
-                  <a:pos x="connsiteX5" y="connsiteY5"/>
-                </a:cxn>
-                <a:cxn ang="0">
-                  <a:pos x="connsiteX6" y="connsiteY6"/>
-                </a:cxn>
-                <a:cxn ang="0">
-                  <a:pos x="connsiteX7" y="connsiteY7"/>
-                </a:cxn>
-              </a:cxnLst>
-              <a:rect l="l" t="t" r="r" b="b"/>
-              <a:pathLst>
-                <a:path w="12192000" h="1909138">
-                  <a:moveTo>
-                    <a:pt x="0" y="0"/>
-                  </a:moveTo>
-                  <a:lnTo>
-                    <a:pt x="227719" y="142350"/>
-                  </a:lnTo>
-                  <a:cubicBezTo>
-                    <a:pt x="1777640" y="1065981"/>
-                    <a:pt x="3836554" y="1628919"/>
-                    <a:pt x="6096001" y="1628919"/>
-                  </a:cubicBezTo>
-                  <a:cubicBezTo>
-                    <a:pt x="8355448" y="1628919"/>
-                    <a:pt x="10414362" y="1065981"/>
-                    <a:pt x="11964283" y="142350"/>
-                  </a:cubicBezTo>
-                  <a:lnTo>
-                    <a:pt x="12192000" y="1"/>
-                  </a:lnTo>
-                  <a:lnTo>
-                    <a:pt x="12192000" y="1909138"/>
-                  </a:lnTo>
-                  <a:lnTo>
-                    <a:pt x="0" y="1909138"/>
-                  </a:lnTo>
-                  <a:lnTo>
-                    <a:pt x="0" y="0"/>
-                  </a:lnTo>
-                  <a:close/>
-                </a:path>
-              </a:pathLst>
-            </a:custGeom>
-            <a:solidFill>
-              <a:srgbClr val="E8F1F6"/>
-            </a:solidFill>
-            <a:ln>
-              <a:noFill/>
-            </a:ln>
-            <a:extLst>
-              <a:ext uri="{91240B29-F687-4F45-9708-019B960494DF}">
-                <a14:hiddenLine xmlns:a14="http://schemas.microsoft.com/office/drawing/2010/main" w="9525">
-                  <a:solidFill>
-                    <a:srgbClr val="000000"/>
-                  </a:solidFill>
-                  <a:round/>
-                  <a:headEnd/>
-                  <a:tailEnd/>
-                </a14:hiddenLine>
-              </a:ext>
-            </a:extLst>
-          </p:spPr>
-          <p:txBody>
-            <a:bodyPr vert="horz" wrap="square" lIns="91440" tIns="45720" rIns="91440" bIns="45720" numCol="1" anchor="t" anchorCtr="0" compatLnSpc="1">
-              <a:prstTxWarp prst="textNoShape">
-                <a:avLst/>
-              </a:prstTxWarp>
-            </a:bodyPr>
-            <a:lstStyle/>
-            <a:p>
-              <a:pPr marL="0" marR="0" lvl="0" indent="0" algn="l" defTabSz="914400" rtl="0" eaLnBrk="1" fontAlgn="auto" latinLnBrk="0" hangingPunct="1">
-                <a:lnSpc>
-                  <a:spcPct val="100000"/>
-                </a:lnSpc>
-                <a:spcBef>
-                  <a:spcPts val="0"/>
-                </a:spcBef>
-                <a:spcAft>
-                  <a:spcPts val="0"/>
-                </a:spcAft>
-                <a:buClrTx/>
-                <a:buSzTx/>
-                <a:buFontTx/>
-                <a:buNone/>
-                <a:tabLst/>
-                <a:defRPr/>
-              </a:pPr>
-              <a:endParaRPr kumimoji="0" lang="en-US" sz="1600" b="0" i="0" u="none" strike="noStrike" kern="1200" cap="none" spc="0" normalizeH="0" baseline="0" noProof="0" dirty="0">
-                <a:ln>
-                  <a:noFill/>
-                </a:ln>
-                <a:solidFill>
-                  <a:prstClr val="black"/>
-                </a:solidFill>
-                <a:effectLst/>
-                <a:uLnTx/>
-                <a:uFillTx/>
-                <a:latin typeface="Calibri" panose="020F0502020204030204"/>
-                <a:ea typeface="+mn-ea"/>
-                <a:cs typeface="+mn-cs"/>
-              </a:endParaRPr>
-            </a:p>
-          </p:txBody>
-        </p:sp>
-        <p:sp>
-          <p:nvSpPr>
-            <p:cNvPr id="11" name="Freeform: Shape 10">
-              <a:extLst>
-                <a:ext uri="{FF2B5EF4-FFF2-40B4-BE49-F238E27FC236}">
-                  <a16:creationId xmlns:a16="http://schemas.microsoft.com/office/drawing/2014/main" id="{A9983C87-C608-4EFA-A025-DAF1A639877F}"/>
-                </a:ext>
-              </a:extLst>
-            </p:cNvPr>
-            <p:cNvSpPr/>
-            <p:nvPr/>
-          </p:nvSpPr>
-          <p:spPr>
-            <a:xfrm>
-              <a:off x="0" y="5563852"/>
-              <a:ext cx="12192000" cy="1294147"/>
-            </a:xfrm>
-            <a:custGeom>
-              <a:avLst/>
-              <a:gdLst>
-                <a:gd name="connsiteX0" fmla="*/ 0 w 12192000"/>
-                <a:gd name="connsiteY0" fmla="*/ 0 h 1909138"/>
-                <a:gd name="connsiteX1" fmla="*/ 227719 w 12192000"/>
-                <a:gd name="connsiteY1" fmla="*/ 142350 h 1909138"/>
-                <a:gd name="connsiteX2" fmla="*/ 6096001 w 12192000"/>
-                <a:gd name="connsiteY2" fmla="*/ 1628919 h 1909138"/>
-                <a:gd name="connsiteX3" fmla="*/ 11964283 w 12192000"/>
-                <a:gd name="connsiteY3" fmla="*/ 142350 h 1909138"/>
-                <a:gd name="connsiteX4" fmla="*/ 12192000 w 12192000"/>
-                <a:gd name="connsiteY4" fmla="*/ 1 h 1909138"/>
-                <a:gd name="connsiteX5" fmla="*/ 12192000 w 12192000"/>
-                <a:gd name="connsiteY5" fmla="*/ 1909138 h 1909138"/>
-                <a:gd name="connsiteX6" fmla="*/ 0 w 12192000"/>
-                <a:gd name="connsiteY6" fmla="*/ 1909138 h 1909138"/>
-                <a:gd name="connsiteX7" fmla="*/ 0 w 12192000"/>
-                <a:gd name="connsiteY7" fmla="*/ 0 h 1909138"/>
-              </a:gdLst>
-              <a:ahLst/>
-              <a:cxnLst>
-                <a:cxn ang="0">
-                  <a:pos x="connsiteX0" y="connsiteY0"/>
-                </a:cxn>
-                <a:cxn ang="0">
-                  <a:pos x="connsiteX1" y="connsiteY1"/>
-                </a:cxn>
-                <a:cxn ang="0">
-                  <a:pos x="connsiteX2" y="connsiteY2"/>
-                </a:cxn>
-                <a:cxn ang="0">
-                  <a:pos x="connsiteX3" y="connsiteY3"/>
-                </a:cxn>
-                <a:cxn ang="0">
-                  <a:pos x="connsiteX4" y="connsiteY4"/>
-                </a:cxn>
-                <a:cxn ang="0">
-                  <a:pos x="connsiteX5" y="connsiteY5"/>
-                </a:cxn>
-                <a:cxn ang="0">
-                  <a:pos x="connsiteX6" y="connsiteY6"/>
-                </a:cxn>
-                <a:cxn ang="0">
-                  <a:pos x="connsiteX7" y="connsiteY7"/>
-                </a:cxn>
-              </a:cxnLst>
-              <a:rect l="l" t="t" r="r" b="b"/>
-              <a:pathLst>
-                <a:path w="12192000" h="1909138">
-                  <a:moveTo>
-                    <a:pt x="0" y="0"/>
-                  </a:moveTo>
-                  <a:lnTo>
-                    <a:pt x="227719" y="142350"/>
-                  </a:lnTo>
-                  <a:cubicBezTo>
-                    <a:pt x="1777640" y="1065981"/>
-                    <a:pt x="3836554" y="1628919"/>
-                    <a:pt x="6096001" y="1628919"/>
-                  </a:cubicBezTo>
-                  <a:cubicBezTo>
-                    <a:pt x="8355448" y="1628919"/>
-                    <a:pt x="10414362" y="1065981"/>
-                    <a:pt x="11964283" y="142350"/>
-                  </a:cubicBezTo>
-                  <a:lnTo>
-                    <a:pt x="12192000" y="1"/>
-                  </a:lnTo>
-                  <a:lnTo>
-                    <a:pt x="12192000" y="1909138"/>
-                  </a:lnTo>
-                  <a:lnTo>
-                    <a:pt x="0" y="1909138"/>
-                  </a:lnTo>
-                  <a:lnTo>
-                    <a:pt x="0" y="0"/>
-                  </a:lnTo>
-                  <a:close/>
-                </a:path>
-              </a:pathLst>
-            </a:custGeom>
-            <a:solidFill>
-              <a:srgbClr val="7AC2F9">
-                <a:alpha val="11000"/>
-              </a:srgbClr>
-            </a:solidFill>
-            <a:ln>
-              <a:noFill/>
-            </a:ln>
-          </p:spPr>
-          <p:txBody>
-            <a:bodyPr vert="horz" wrap="square" lIns="91440" tIns="45720" rIns="91440" bIns="45720" numCol="1" anchor="t" anchorCtr="0" compatLnSpc="1">
-              <a:prstTxWarp prst="textNoShape">
-                <a:avLst/>
-              </a:prstTxWarp>
-            </a:bodyPr>
-            <a:lstStyle/>
-            <a:p>
-              <a:pPr marL="0" marR="0" lvl="0" indent="0" algn="l" defTabSz="914400" rtl="0" eaLnBrk="1" fontAlgn="auto" latinLnBrk="0" hangingPunct="1">
-                <a:lnSpc>
-                  <a:spcPct val="100000"/>
-                </a:lnSpc>
-                <a:spcBef>
-                  <a:spcPts val="0"/>
-                </a:spcBef>
-                <a:spcAft>
-                  <a:spcPts val="0"/>
-                </a:spcAft>
-                <a:buClrTx/>
-                <a:buSzTx/>
-                <a:buFontTx/>
-                <a:buNone/>
-                <a:tabLst/>
-                <a:defRPr/>
-              </a:pPr>
-              <a:endParaRPr kumimoji="0" lang="en-US" sz="1600" b="0" i="0" u="none" strike="noStrike" kern="1200" cap="none" spc="0" normalizeH="0" baseline="0" noProof="0" dirty="0">
-                <a:ln>
-                  <a:noFill/>
-                </a:ln>
-                <a:solidFill>
-                  <a:prstClr val="black"/>
-                </a:solidFill>
-                <a:effectLst/>
-                <a:uLnTx/>
-                <a:uFillTx/>
-                <a:latin typeface="Calibri" panose="020F0502020204030204"/>
-                <a:ea typeface="+mn-ea"/>
-                <a:cs typeface="+mn-cs"/>
-              </a:endParaRPr>
-            </a:p>
-          </p:txBody>
-        </p:sp>
-      </p:grpSp>
       <p:sp>
         <p:nvSpPr>
-          <p:cNvPr id="4" name="TextBox 3">
-            <a:extLst>
-              <a:ext uri="{FF2B5EF4-FFF2-40B4-BE49-F238E27FC236}">
-                <a16:creationId xmlns:a16="http://schemas.microsoft.com/office/drawing/2014/main" id="{486AE521-6DC8-2FCB-BE30-8C4FB16B907E}"/>
+          <p:cNvPr id="13" name="TextBox 12">
+            <a:extLst>
+              <a:ext uri="{FF2B5EF4-FFF2-40B4-BE49-F238E27FC236}">
+                <a16:creationId xmlns:a16="http://schemas.microsoft.com/office/drawing/2014/main" id="{BA2B548B-22E6-2121-800A-A6A75E50B3D0}"/>
               </a:ext>
             </a:extLst>
           </p:cNvPr>
@@ -9236,8 +9418,8 @@
         </p:nvSpPr>
         <p:spPr>
           <a:xfrm>
-            <a:off x="924945" y="334752"/>
-            <a:ext cx="6096000" cy="769441"/>
+            <a:off x="1351100" y="1154182"/>
+            <a:ext cx="9961747" cy="4893647"/>
           </a:xfrm>
           <a:prstGeom prst="rect">
             <a:avLst/>
@@ -9250,133 +9432,17 @@
           </a:bodyPr>
           <a:lstStyle/>
           <a:p>
+            <a:pPr algn="just"/>
             <a:r>
-              <a:rPr lang="en-US" sz="4400" dirty="0">
-                <a:latin typeface="Sagona Book (Headings)"/>
+              <a:rPr lang="en-IN" sz="2400" dirty="0">
+                <a:latin typeface="Times New Roman" panose="02020603050405020304" pitchFamily="18" charset="0"/>
+                <a:cs typeface="Times New Roman" panose="02020603050405020304" pitchFamily="18" charset="0"/>
               </a:rPr>
-              <a:t>Proposed System</a:t>
+              <a:t>	Our proposed object counting system represents a significant advancement over traditional methods, incorporating state-of-the-art image processing techniques to achieve superior accuracy and robustness. By harnessing advanced algorithms such as adaptive histogram equalization, Otsu's thresholding, and dilation/erosion operations, our system is capable of effectively handling complex scenarios with varying lighting conditions and background clutter. This allows for more precise segmentation and counting of objects, particularly in crowded or challenging environments. Furthermore, the modular design of our system facilitates scalability and customization, making it adaptable to a wide range of applications including surveillance, crowd management, and traffic analysis. Our proposed system represents a paradigm shift in object counting technology, offering unparalleled performance and versatility.</a:t>
             </a:r>
-            <a:endParaRPr lang="en-IN" sz="4400" dirty="0"/>
           </a:p>
         </p:txBody>
       </p:sp>
-      <p:grpSp>
-        <p:nvGrpSpPr>
-          <p:cNvPr id="15" name="Group 14">
-            <a:extLst>
-              <a:ext uri="{FF2B5EF4-FFF2-40B4-BE49-F238E27FC236}">
-                <a16:creationId xmlns:a16="http://schemas.microsoft.com/office/drawing/2014/main" id="{92BE6BE5-5E6B-14AB-11BC-5A21BE996C2A}"/>
-              </a:ext>
-            </a:extLst>
-          </p:cNvPr>
-          <p:cNvGrpSpPr/>
-          <p:nvPr/>
-        </p:nvGrpSpPr>
-        <p:grpSpPr>
-          <a:xfrm>
-            <a:off x="661686" y="1104193"/>
-            <a:ext cx="10868628" cy="5146136"/>
-            <a:chOff x="661686" y="1104193"/>
-            <a:chExt cx="10868628" cy="5146136"/>
-          </a:xfrm>
-        </p:grpSpPr>
-        <p:sp>
-          <p:nvSpPr>
-            <p:cNvPr id="5" name="Rectangle 4">
-              <a:extLst>
-                <a:ext uri="{FF2B5EF4-FFF2-40B4-BE49-F238E27FC236}">
-                  <a16:creationId xmlns:a16="http://schemas.microsoft.com/office/drawing/2014/main" id="{E3B6EBEA-63CE-F58C-2E18-11EB5A381ACC}"/>
-                </a:ext>
-              </a:extLst>
-            </p:cNvPr>
-            <p:cNvSpPr/>
-            <p:nvPr/>
-          </p:nvSpPr>
-          <p:spPr>
-            <a:xfrm>
-              <a:off x="661686" y="1104193"/>
-              <a:ext cx="10868628" cy="5146136"/>
-            </a:xfrm>
-            <a:prstGeom prst="rect">
-              <a:avLst/>
-            </a:prstGeom>
-            <a:solidFill>
-              <a:srgbClr val="0062FF">
-                <a:alpha val="87000"/>
-              </a:srgbClr>
-            </a:solidFill>
-            <a:ln>
-              <a:noFill/>
-            </a:ln>
-          </p:spPr>
-          <p:style>
-            <a:lnRef idx="2">
-              <a:schemeClr val="accent1">
-                <a:shade val="50000"/>
-              </a:schemeClr>
-            </a:lnRef>
-            <a:fillRef idx="1">
-              <a:schemeClr val="accent1"/>
-            </a:fillRef>
-            <a:effectRef idx="0">
-              <a:schemeClr val="accent1"/>
-            </a:effectRef>
-            <a:fontRef idx="minor">
-              <a:schemeClr val="lt1"/>
-            </a:fontRef>
-          </p:style>
-          <p:txBody>
-            <a:bodyPr rtlCol="0" anchor="ctr"/>
-            <a:lstStyle/>
-            <a:p>
-              <a:pPr algn="ctr"/>
-              <a:endParaRPr lang="en-US" dirty="0"/>
-            </a:p>
-          </p:txBody>
-        </p:sp>
-        <p:sp>
-          <p:nvSpPr>
-            <p:cNvPr id="13" name="TextBox 12">
-              <a:extLst>
-                <a:ext uri="{FF2B5EF4-FFF2-40B4-BE49-F238E27FC236}">
-                  <a16:creationId xmlns:a16="http://schemas.microsoft.com/office/drawing/2014/main" id="{BA2B548B-22E6-2121-800A-A6A75E50B3D0}"/>
-                </a:ext>
-              </a:extLst>
-            </p:cNvPr>
-            <p:cNvSpPr txBox="1"/>
-            <p:nvPr/>
-          </p:nvSpPr>
-          <p:spPr>
-            <a:xfrm>
-              <a:off x="1115126" y="1230437"/>
-              <a:ext cx="9961747" cy="4893647"/>
-            </a:xfrm>
-            <a:prstGeom prst="rect">
-              <a:avLst/>
-            </a:prstGeom>
-            <a:noFill/>
-          </p:spPr>
-          <p:txBody>
-            <a:bodyPr wrap="square">
-              <a:spAutoFit/>
-            </a:bodyPr>
-            <a:lstStyle/>
-            <a:p>
-              <a:pPr algn="just"/>
-              <a:r>
-                <a:rPr lang="en-IN" sz="2400" dirty="0">
-                  <a:solidFill>
-                    <a:schemeClr val="bg1"/>
-                  </a:solidFill>
-                  <a:latin typeface="Times New Roman" panose="02020603050405020304" pitchFamily="18" charset="0"/>
-                  <a:cs typeface="Times New Roman" panose="02020603050405020304" pitchFamily="18" charset="0"/>
-                </a:rPr>
-                <a:t>	Our proposed object counting system represents a significant advancement over traditional methods, incorporating state-of-the-art image processing techniques to achieve superior accuracy and robustness. By harnessing advanced algorithms such as adaptive histogram equalization, Otsu's thresholding, and dilation/erosion operations, our system is capable of effectively handling complex scenarios with varying lighting conditions and background clutter. This allows for more precise segmentation and counting of objects, particularly in crowded or challenging environments. Furthermore, the modular design of our system facilitates scalability and customization, making it adaptable to a wide range of applications including surveillance, crowd management, and traffic analysis. Our proposed system represents a paradigm shift in object counting technology, offering unparalleled performance and versatility.</a:t>
-              </a:r>
-            </a:p>
-          </p:txBody>
-        </p:sp>
-      </p:grpSp>
     </p:spTree>
     <p:extLst>
       <p:ext uri="{BB962C8B-B14F-4D97-AF65-F5344CB8AC3E}">
@@ -9580,12 +9646,10 @@
             </a:lvl9pPr>
           </a:lstStyle>
           <a:p>
-            <a:fld id="{7CA73395-3A4D-40D7-AA54-5990654FBE6D}" type="slidenum">
-              <a:rPr lang="en-US" smtClean="0"/>
-              <a:pPr/>
-              <a:t>7</a:t>
-            </a:fld>
-            <a:endParaRPr lang="en-US" dirty="0"/>
+            <a:endParaRPr lang="en-US" dirty="0">
+              <a:latin typeface="Times New Roman" panose="02020603050405020304" pitchFamily="18" charset="0"/>
+              <a:cs typeface="Times New Roman" panose="02020603050405020304" pitchFamily="18" charset="0"/>
+            </a:endParaRPr>
           </a:p>
         </p:txBody>
       </p:sp>
@@ -9654,7 +9718,10 @@
           <a:lstStyle/>
           <a:p>
             <a:pPr algn="ctr"/>
-            <a:endParaRPr lang="en-US" dirty="0"/>
+            <a:endParaRPr lang="en-US" dirty="0">
+              <a:latin typeface="Times New Roman" panose="02020603050405020304" pitchFamily="18" charset="0"/>
+              <a:cs typeface="Times New Roman" panose="02020603050405020304" pitchFamily="18" charset="0"/>
+            </a:endParaRPr>
           </a:p>
         </p:txBody>
       </p:sp>
@@ -9704,10 +9771,12 @@
           </a:lstStyle>
           <a:p>
             <a:r>
-              <a:rPr lang="en-US" b="1" dirty="0">
+              <a:rPr lang="en-US" sz="4800" b="1" dirty="0">
                 <a:solidFill>
                   <a:schemeClr val="bg1"/>
                 </a:solidFill>
+                <a:latin typeface="Times New Roman" panose="02020603050405020304" pitchFamily="18" charset="0"/>
+                <a:cs typeface="Times New Roman" panose="02020603050405020304" pitchFamily="18" charset="0"/>
               </a:rPr>
               <a:t>Advantages of Proposed System</a:t>
             </a:r>
@@ -9728,8 +9797,8 @@
         </p:nvSpPr>
         <p:spPr>
           <a:xfrm>
-            <a:off x="381000" y="1743664"/>
-            <a:ext cx="3559404" cy="2214242"/>
+            <a:off x="381000" y="1632155"/>
+            <a:ext cx="3559404" cy="2325751"/>
           </a:xfrm>
           <a:prstGeom prst="rect">
             <a:avLst/>
@@ -9765,19 +9834,22 @@
           <a:p>
             <a:pPr algn="ctr"/>
             <a:r>
-              <a:rPr lang="en-US" sz="1400" dirty="0">
+              <a:rPr lang="en-US" sz="1600" dirty="0">
                 <a:solidFill>
                   <a:schemeClr val="tx1">
                     <a:lumMod val="75000"/>
                     <a:lumOff val="25000"/>
                   </a:schemeClr>
                 </a:solidFill>
-                <a:latin typeface="+mj-lt"/>
-                <a:cs typeface="Segoe UI" panose="020B0502040204020203" pitchFamily="34" charset="0"/>
+                <a:latin typeface="Times New Roman" panose="02020603050405020304" pitchFamily="18" charset="0"/>
+                <a:cs typeface="Times New Roman" panose="02020603050405020304" pitchFamily="18" charset="0"/>
               </a:rPr>
-              <a:t>Our system achieves improved accuracy in object counting tasks by combining sophisticated image processing techniques including Otsu's thresholding and adaptive histogram equalization.</a:t>
+              <a:t>Combining sophisticated image processing techniques including Otsu's thresholding and adaptive histogram equalization.</a:t>
             </a:r>
-            <a:endParaRPr lang="en-US" sz="1400" dirty="0"/>
+            <a:endParaRPr lang="en-US" sz="1600" dirty="0">
+              <a:latin typeface="Times New Roman" panose="02020603050405020304" pitchFamily="18" charset="0"/>
+              <a:cs typeface="Times New Roman" panose="02020603050405020304" pitchFamily="18" charset="0"/>
+            </a:endParaRPr>
           </a:p>
         </p:txBody>
       </p:sp>
@@ -9829,7 +9901,10 @@
           <a:lstStyle/>
           <a:p>
             <a:pPr algn="ctr"/>
-            <a:endParaRPr lang="en-US" dirty="0"/>
+            <a:endParaRPr lang="en-US" dirty="0">
+              <a:latin typeface="Times New Roman" panose="02020603050405020304" pitchFamily="18" charset="0"/>
+              <a:cs typeface="Times New Roman" panose="02020603050405020304" pitchFamily="18" charset="0"/>
+            </a:endParaRPr>
           </a:p>
         </p:txBody>
       </p:sp>
@@ -9866,8 +9941,8 @@
                 <a:solidFill>
                   <a:srgbClr val="0062FF"/>
                 </a:solidFill>
-                <a:latin typeface="+mj-lt"/>
-                <a:cs typeface="Segoe UI" panose="020B0502040204020203" pitchFamily="34" charset="0"/>
+                <a:latin typeface="Times New Roman" panose="02020603050405020304" pitchFamily="18" charset="0"/>
+                <a:cs typeface="Times New Roman" panose="02020603050405020304" pitchFamily="18" charset="0"/>
               </a:rPr>
               <a:t>Enhanced Accuracy</a:t>
             </a:r>
@@ -9933,8 +10008,8 @@
         </p:nvSpPr>
         <p:spPr>
           <a:xfrm>
-            <a:off x="4278745" y="1743664"/>
-            <a:ext cx="3559404" cy="2214242"/>
+            <a:off x="4278745" y="1553809"/>
+            <a:ext cx="3559404" cy="2404097"/>
           </a:xfrm>
           <a:prstGeom prst="rect">
             <a:avLst/>
@@ -9970,19 +10045,22 @@
           <a:p>
             <a:pPr algn="ctr"/>
             <a:r>
-              <a:rPr lang="en-US" sz="1400" dirty="0">
+              <a:rPr lang="en-US" sz="1600" dirty="0">
                 <a:solidFill>
                   <a:schemeClr val="tx1">
                     <a:lumMod val="75000"/>
                     <a:lumOff val="25000"/>
                   </a:schemeClr>
                 </a:solidFill>
-                <a:latin typeface="+mj-lt"/>
-                <a:cs typeface="Segoe UI" panose="020B0502040204020203" pitchFamily="34" charset="0"/>
+                <a:latin typeface="Times New Roman" panose="02020603050405020304" pitchFamily="18" charset="0"/>
+                <a:cs typeface="Times New Roman" panose="02020603050405020304" pitchFamily="18" charset="0"/>
               </a:rPr>
               <a:t>Robust performance in diverse environments with varying lighting conditions and background complexities, ensuring reliable object detection and counting.</a:t>
             </a:r>
-            <a:endParaRPr lang="en-US" sz="1400" dirty="0"/>
+            <a:endParaRPr lang="en-US" sz="1600" dirty="0">
+              <a:latin typeface="Times New Roman" panose="02020603050405020304" pitchFamily="18" charset="0"/>
+              <a:cs typeface="Times New Roman" panose="02020603050405020304" pitchFamily="18" charset="0"/>
+            </a:endParaRPr>
           </a:p>
         </p:txBody>
       </p:sp>
@@ -10034,7 +10112,10 @@
           <a:lstStyle/>
           <a:p>
             <a:pPr algn="ctr"/>
-            <a:endParaRPr lang="en-US" dirty="0"/>
+            <a:endParaRPr lang="en-US" dirty="0">
+              <a:latin typeface="Times New Roman" panose="02020603050405020304" pitchFamily="18" charset="0"/>
+              <a:cs typeface="Times New Roman" panose="02020603050405020304" pitchFamily="18" charset="0"/>
+            </a:endParaRPr>
           </a:p>
         </p:txBody>
       </p:sp>
@@ -10071,8 +10152,8 @@
                 <a:solidFill>
                   <a:srgbClr val="0062FF"/>
                 </a:solidFill>
-                <a:latin typeface="+mj-lt"/>
-                <a:cs typeface="Segoe UI" panose="020B0502040204020203" pitchFamily="34" charset="0"/>
+                <a:latin typeface="Times New Roman" panose="02020603050405020304" pitchFamily="18" charset="0"/>
+                <a:cs typeface="Times New Roman" panose="02020603050405020304" pitchFamily="18" charset="0"/>
               </a:rPr>
               <a:t>Robustness to Varied Conditions</a:t>
             </a:r>
@@ -10080,8 +10161,8 @@
               <a:solidFill>
                 <a:srgbClr val="0062FF"/>
               </a:solidFill>
-              <a:latin typeface="+mj-lt"/>
-              <a:cs typeface="Segoe UI" panose="020B0502040204020203" pitchFamily="34" charset="0"/>
+              <a:latin typeface="Times New Roman" panose="02020603050405020304" pitchFamily="18" charset="0"/>
+              <a:cs typeface="Times New Roman" panose="02020603050405020304" pitchFamily="18" charset="0"/>
             </a:endParaRPr>
           </a:p>
         </p:txBody>
@@ -10145,8 +10226,8 @@
         </p:nvSpPr>
         <p:spPr>
           <a:xfrm>
-            <a:off x="8268855" y="1743664"/>
-            <a:ext cx="3559404" cy="2214242"/>
+            <a:off x="8268855" y="1632155"/>
+            <a:ext cx="3559404" cy="2325751"/>
           </a:xfrm>
           <a:prstGeom prst="rect">
             <a:avLst/>
@@ -10182,19 +10263,22 @@
           <a:p>
             <a:pPr algn="ctr"/>
             <a:r>
-              <a:rPr lang="en-US" sz="1400" dirty="0">
+              <a:rPr lang="en-US" sz="1600" dirty="0">
                 <a:solidFill>
                   <a:schemeClr val="tx1">
                     <a:lumMod val="75000"/>
                     <a:lumOff val="25000"/>
                   </a:schemeClr>
                 </a:solidFill>
-                <a:latin typeface="+mj-lt"/>
-                <a:cs typeface="Segoe UI" panose="020B0502040204020203" pitchFamily="34" charset="0"/>
+                <a:latin typeface="Times New Roman" panose="02020603050405020304" pitchFamily="18" charset="0"/>
+                <a:cs typeface="Times New Roman" panose="02020603050405020304" pitchFamily="18" charset="0"/>
               </a:rPr>
               <a:t>Modular design, our system offers flexibility for customization, allowing users to adapt processing steps and parameters according to specific application requirements.</a:t>
             </a:r>
-            <a:endParaRPr lang="en-US" sz="1400" dirty="0"/>
+            <a:endParaRPr lang="en-US" sz="1600" dirty="0">
+              <a:latin typeface="Times New Roman" panose="02020603050405020304" pitchFamily="18" charset="0"/>
+              <a:cs typeface="Times New Roman" panose="02020603050405020304" pitchFamily="18" charset="0"/>
+            </a:endParaRPr>
           </a:p>
         </p:txBody>
       </p:sp>
@@ -10246,7 +10330,10 @@
           <a:lstStyle/>
           <a:p>
             <a:pPr algn="ctr"/>
-            <a:endParaRPr lang="en-US" dirty="0"/>
+            <a:endParaRPr lang="en-US" dirty="0">
+              <a:latin typeface="Times New Roman" panose="02020603050405020304" pitchFamily="18" charset="0"/>
+              <a:cs typeface="Times New Roman" panose="02020603050405020304" pitchFamily="18" charset="0"/>
+            </a:endParaRPr>
           </a:p>
         </p:txBody>
       </p:sp>
@@ -10264,8 +10351,8 @@
         </p:nvSpPr>
         <p:spPr>
           <a:xfrm>
-            <a:off x="8440927" y="2080580"/>
-            <a:ext cx="3215260" cy="307777"/>
+            <a:off x="8363519" y="2099305"/>
+            <a:ext cx="3370073" cy="307777"/>
           </a:xfrm>
           <a:prstGeom prst="rect">
             <a:avLst/>
@@ -10277,14 +10364,13 @@
           </a:bodyPr>
           <a:lstStyle/>
           <a:p>
-            <a:pPr algn="ctr"/>
             <a:r>
               <a:rPr lang="en-US" sz="2000" b="1" dirty="0">
                 <a:solidFill>
                   <a:srgbClr val="0062FF"/>
                 </a:solidFill>
-                <a:latin typeface="+mj-lt"/>
-                <a:cs typeface="Segoe UI" panose="020B0502040204020203" pitchFamily="34" charset="0"/>
+                <a:latin typeface="Times New Roman" panose="02020603050405020304" pitchFamily="18" charset="0"/>
+                <a:cs typeface="Times New Roman" panose="02020603050405020304" pitchFamily="18" charset="0"/>
               </a:rPr>
               <a:t>Flexibility and Customizability</a:t>
             </a:r>
@@ -10292,8 +10378,8 @@
               <a:solidFill>
                 <a:srgbClr val="0062FF"/>
               </a:solidFill>
-              <a:latin typeface="+mj-lt"/>
-              <a:cs typeface="Segoe UI" panose="020B0502040204020203" pitchFamily="34" charset="0"/>
+              <a:latin typeface="Times New Roman" panose="02020603050405020304" pitchFamily="18" charset="0"/>
+              <a:cs typeface="Times New Roman" panose="02020603050405020304" pitchFamily="18" charset="0"/>
             </a:endParaRPr>
           </a:p>
         </p:txBody>
@@ -10357,8 +10443,8 @@
         </p:nvSpPr>
         <p:spPr>
           <a:xfrm>
-            <a:off x="381000" y="4217264"/>
-            <a:ext cx="3559404" cy="2233542"/>
+            <a:off x="381000" y="4000317"/>
+            <a:ext cx="3559404" cy="2450489"/>
           </a:xfrm>
           <a:prstGeom prst="rect">
             <a:avLst/>
@@ -10394,19 +10480,22 @@
           <a:p>
             <a:pPr algn="ctr"/>
             <a:r>
-              <a:rPr lang="en-US" sz="1400" dirty="0">
+              <a:rPr lang="en-US" sz="1600" dirty="0">
                 <a:solidFill>
                   <a:schemeClr val="tx1">
                     <a:lumMod val="75000"/>
                     <a:lumOff val="25000"/>
                   </a:schemeClr>
                 </a:solidFill>
-                <a:latin typeface="+mj-lt"/>
-                <a:cs typeface="Segoe UI" panose="020B0502040204020203" pitchFamily="34" charset="0"/>
+                <a:latin typeface="Times New Roman" panose="02020603050405020304" pitchFamily="18" charset="0"/>
+                <a:cs typeface="Times New Roman" panose="02020603050405020304" pitchFamily="18" charset="0"/>
               </a:rPr>
               <a:t>The system provides a comprehensive analysis of images, including preprocessing, segmentation, and contour analysis, leading to thorough and accurate object counting results.</a:t>
             </a:r>
-            <a:endParaRPr lang="en-US" sz="1400" dirty="0"/>
+            <a:endParaRPr lang="en-US" sz="1600" dirty="0">
+              <a:latin typeface="Times New Roman" panose="02020603050405020304" pitchFamily="18" charset="0"/>
+              <a:cs typeface="Times New Roman" panose="02020603050405020304" pitchFamily="18" charset="0"/>
+            </a:endParaRPr>
           </a:p>
         </p:txBody>
       </p:sp>
@@ -10458,7 +10547,10 @@
           <a:lstStyle/>
           <a:p>
             <a:pPr algn="ctr"/>
-            <a:endParaRPr lang="en-US" dirty="0"/>
+            <a:endParaRPr lang="en-US" dirty="0">
+              <a:latin typeface="Times New Roman" panose="02020603050405020304" pitchFamily="18" charset="0"/>
+              <a:cs typeface="Times New Roman" panose="02020603050405020304" pitchFamily="18" charset="0"/>
+            </a:endParaRPr>
           </a:p>
         </p:txBody>
       </p:sp>
@@ -10495,8 +10587,8 @@
                 <a:solidFill>
                   <a:srgbClr val="0062FF"/>
                 </a:solidFill>
-                <a:latin typeface="+mj-lt"/>
-                <a:cs typeface="Segoe UI" panose="020B0502040204020203" pitchFamily="34" charset="0"/>
+                <a:latin typeface="Times New Roman" panose="02020603050405020304" pitchFamily="18" charset="0"/>
+                <a:cs typeface="Times New Roman" panose="02020603050405020304" pitchFamily="18" charset="0"/>
               </a:rPr>
               <a:t>Comprehensive Analysis</a:t>
             </a:r>
@@ -10504,8 +10596,8 @@
               <a:solidFill>
                 <a:srgbClr val="0062FF"/>
               </a:solidFill>
-              <a:latin typeface="+mj-lt"/>
-              <a:cs typeface="Segoe UI" panose="020B0502040204020203" pitchFamily="34" charset="0"/>
+              <a:latin typeface="Times New Roman" panose="02020603050405020304" pitchFamily="18" charset="0"/>
+              <a:cs typeface="Times New Roman" panose="02020603050405020304" pitchFamily="18" charset="0"/>
             </a:endParaRPr>
           </a:p>
         </p:txBody>
@@ -10569,8 +10661,8 @@
         </p:nvSpPr>
         <p:spPr>
           <a:xfrm>
-            <a:off x="4278745" y="4217264"/>
-            <a:ext cx="3559404" cy="2233542"/>
+            <a:off x="4278745" y="4086996"/>
+            <a:ext cx="3559404" cy="2363810"/>
           </a:xfrm>
           <a:prstGeom prst="rect">
             <a:avLst/>
@@ -10606,19 +10698,22 @@
           <a:p>
             <a:pPr algn="ctr"/>
             <a:r>
-              <a:rPr lang="en-US" sz="1400" dirty="0">
+              <a:rPr lang="en-US" sz="1600" dirty="0">
                 <a:solidFill>
                   <a:schemeClr val="tx1">
                     <a:lumMod val="75000"/>
                     <a:lumOff val="25000"/>
                   </a:schemeClr>
                 </a:solidFill>
-                <a:latin typeface="+mj-lt"/>
-                <a:cs typeface="Segoe UI" panose="020B0502040204020203" pitchFamily="34" charset="0"/>
+                <a:latin typeface="Times New Roman" panose="02020603050405020304" pitchFamily="18" charset="0"/>
+                <a:cs typeface="Times New Roman" panose="02020603050405020304" pitchFamily="18" charset="0"/>
               </a:rPr>
               <a:t>Our system offers ease of integration with existing workflows or systems, facilitating seamless adoption and integration into various applications.</a:t>
             </a:r>
-            <a:endParaRPr lang="en-US" sz="1400" dirty="0"/>
+            <a:endParaRPr lang="en-US" sz="1600" dirty="0">
+              <a:latin typeface="Times New Roman" panose="02020603050405020304" pitchFamily="18" charset="0"/>
+              <a:cs typeface="Times New Roman" panose="02020603050405020304" pitchFamily="18" charset="0"/>
+            </a:endParaRPr>
           </a:p>
         </p:txBody>
       </p:sp>
@@ -10670,7 +10765,10 @@
           <a:lstStyle/>
           <a:p>
             <a:pPr algn="ctr"/>
-            <a:endParaRPr lang="en-US" dirty="0"/>
+            <a:endParaRPr lang="en-US" dirty="0">
+              <a:latin typeface="Times New Roman" panose="02020603050405020304" pitchFamily="18" charset="0"/>
+              <a:cs typeface="Times New Roman" panose="02020603050405020304" pitchFamily="18" charset="0"/>
+            </a:endParaRPr>
           </a:p>
         </p:txBody>
       </p:sp>
@@ -10707,8 +10805,8 @@
                 <a:solidFill>
                   <a:srgbClr val="0062FF"/>
                 </a:solidFill>
-                <a:latin typeface="+mj-lt"/>
-                <a:cs typeface="Segoe UI" panose="020B0502040204020203" pitchFamily="34" charset="0"/>
+                <a:latin typeface="Times New Roman" panose="02020603050405020304" pitchFamily="18" charset="0"/>
+                <a:cs typeface="Times New Roman" panose="02020603050405020304" pitchFamily="18" charset="0"/>
               </a:rPr>
               <a:t>Ease of Integration</a:t>
             </a:r>
@@ -10716,8 +10814,8 @@
               <a:solidFill>
                 <a:srgbClr val="0062FF"/>
               </a:solidFill>
-              <a:latin typeface="+mj-lt"/>
-              <a:cs typeface="Segoe UI" panose="020B0502040204020203" pitchFamily="34" charset="0"/>
+              <a:latin typeface="Times New Roman" panose="02020603050405020304" pitchFamily="18" charset="0"/>
+              <a:cs typeface="Times New Roman" panose="02020603050405020304" pitchFamily="18" charset="0"/>
             </a:endParaRPr>
           </a:p>
         </p:txBody>
@@ -10781,8 +10879,8 @@
         </p:nvSpPr>
         <p:spPr>
           <a:xfrm>
-            <a:off x="8268855" y="4217264"/>
-            <a:ext cx="3559404" cy="2233542"/>
+            <a:off x="8268855" y="4019042"/>
+            <a:ext cx="3559404" cy="2431764"/>
           </a:xfrm>
           <a:prstGeom prst="rect">
             <a:avLst/>
@@ -10818,19 +10916,22 @@
           <a:p>
             <a:pPr algn="ctr"/>
             <a:r>
-              <a:rPr lang="en-US" sz="1400" dirty="0">
+              <a:rPr lang="en-US" sz="1600" dirty="0">
                 <a:solidFill>
                   <a:schemeClr val="tx1">
                     <a:lumMod val="75000"/>
                     <a:lumOff val="25000"/>
                   </a:schemeClr>
                 </a:solidFill>
-                <a:latin typeface="+mj-lt"/>
-                <a:cs typeface="Segoe UI" panose="020B0502040204020203" pitchFamily="34" charset="0"/>
+                <a:latin typeface="Times New Roman" panose="02020603050405020304" pitchFamily="18" charset="0"/>
+                <a:cs typeface="Times New Roman" panose="02020603050405020304" pitchFamily="18" charset="0"/>
               </a:rPr>
               <a:t>The system's architecture allows for scalability, enabling it to handle large volumes of data and adapt to evolving requirements, ensuring longevity and sustainability in deployment scenarios.</a:t>
             </a:r>
-            <a:endParaRPr lang="en-US" sz="1400" dirty="0"/>
+            <a:endParaRPr lang="en-US" sz="1600" dirty="0">
+              <a:latin typeface="Times New Roman" panose="02020603050405020304" pitchFamily="18" charset="0"/>
+              <a:cs typeface="Times New Roman" panose="02020603050405020304" pitchFamily="18" charset="0"/>
+            </a:endParaRPr>
           </a:p>
         </p:txBody>
       </p:sp>
@@ -10882,7 +10983,10 @@
           <a:lstStyle/>
           <a:p>
             <a:pPr algn="ctr"/>
-            <a:endParaRPr lang="en-US" dirty="0"/>
+            <a:endParaRPr lang="en-US" dirty="0">
+              <a:latin typeface="Times New Roman" panose="02020603050405020304" pitchFamily="18" charset="0"/>
+              <a:cs typeface="Times New Roman" panose="02020603050405020304" pitchFamily="18" charset="0"/>
+            </a:endParaRPr>
           </a:p>
         </p:txBody>
       </p:sp>
@@ -10919,8 +11023,8 @@
                 <a:solidFill>
                   <a:srgbClr val="0062FF"/>
                 </a:solidFill>
-                <a:latin typeface="+mj-lt"/>
-                <a:cs typeface="Segoe UI" panose="020B0502040204020203" pitchFamily="34" charset="0"/>
+                <a:latin typeface="Times New Roman" panose="02020603050405020304" pitchFamily="18" charset="0"/>
+                <a:cs typeface="Times New Roman" panose="02020603050405020304" pitchFamily="18" charset="0"/>
               </a:rPr>
               <a:t>Scalability</a:t>
             </a:r>
@@ -10928,8 +11032,8 @@
               <a:solidFill>
                 <a:srgbClr val="0062FF"/>
               </a:solidFill>
-              <a:latin typeface="+mj-lt"/>
-              <a:cs typeface="Segoe UI" panose="020B0502040204020203" pitchFamily="34" charset="0"/>
+              <a:latin typeface="Times New Roman" panose="02020603050405020304" pitchFamily="18" charset="0"/>
+              <a:cs typeface="Times New Roman" panose="02020603050405020304" pitchFamily="18" charset="0"/>
             </a:endParaRPr>
           </a:p>
         </p:txBody>
@@ -11013,6 +11117,8 @@
                 <a:solidFill>
                   <a:schemeClr val="bg1"/>
                 </a:solidFill>
+                <a:latin typeface="Times New Roman" panose="02020603050405020304" pitchFamily="18" charset="0"/>
+                <a:cs typeface="Times New Roman" panose="02020603050405020304" pitchFamily="18" charset="0"/>
               </a:rPr>
               <a:t>1</a:t>
             </a:r>
@@ -11020,6 +11126,8 @@
               <a:solidFill>
                 <a:schemeClr val="bg1"/>
               </a:solidFill>
+              <a:latin typeface="Times New Roman" panose="02020603050405020304" pitchFamily="18" charset="0"/>
+              <a:cs typeface="Times New Roman" panose="02020603050405020304" pitchFamily="18" charset="0"/>
             </a:endParaRPr>
           </a:p>
         </p:txBody>
@@ -11058,6 +11166,8 @@
                 <a:solidFill>
                   <a:schemeClr val="bg1"/>
                 </a:solidFill>
+                <a:latin typeface="Times New Roman" panose="02020603050405020304" pitchFamily="18" charset="0"/>
+                <a:cs typeface="Times New Roman" panose="02020603050405020304" pitchFamily="18" charset="0"/>
               </a:rPr>
               <a:t>2</a:t>
             </a:r>
@@ -11065,6 +11175,8 @@
               <a:solidFill>
                 <a:schemeClr val="bg1"/>
               </a:solidFill>
+              <a:latin typeface="Times New Roman" panose="02020603050405020304" pitchFamily="18" charset="0"/>
+              <a:cs typeface="Times New Roman" panose="02020603050405020304" pitchFamily="18" charset="0"/>
             </a:endParaRPr>
           </a:p>
         </p:txBody>
@@ -11103,6 +11215,8 @@
                 <a:solidFill>
                   <a:schemeClr val="bg1"/>
                 </a:solidFill>
+                <a:latin typeface="Times New Roman" panose="02020603050405020304" pitchFamily="18" charset="0"/>
+                <a:cs typeface="Times New Roman" panose="02020603050405020304" pitchFamily="18" charset="0"/>
               </a:rPr>
               <a:t>3</a:t>
             </a:r>
@@ -11110,6 +11224,8 @@
               <a:solidFill>
                 <a:schemeClr val="bg1"/>
               </a:solidFill>
+              <a:latin typeface="Times New Roman" panose="02020603050405020304" pitchFamily="18" charset="0"/>
+              <a:cs typeface="Times New Roman" panose="02020603050405020304" pitchFamily="18" charset="0"/>
             </a:endParaRPr>
           </a:p>
         </p:txBody>
@@ -11148,6 +11264,8 @@
                 <a:solidFill>
                   <a:schemeClr val="bg1"/>
                 </a:solidFill>
+                <a:latin typeface="Times New Roman" panose="02020603050405020304" pitchFamily="18" charset="0"/>
+                <a:cs typeface="Times New Roman" panose="02020603050405020304" pitchFamily="18" charset="0"/>
               </a:rPr>
               <a:t>4</a:t>
             </a:r>
@@ -11155,6 +11273,8 @@
               <a:solidFill>
                 <a:schemeClr val="bg1"/>
               </a:solidFill>
+              <a:latin typeface="Times New Roman" panose="02020603050405020304" pitchFamily="18" charset="0"/>
+              <a:cs typeface="Times New Roman" panose="02020603050405020304" pitchFamily="18" charset="0"/>
             </a:endParaRPr>
           </a:p>
         </p:txBody>
@@ -11193,6 +11313,8 @@
                 <a:solidFill>
                   <a:schemeClr val="bg1"/>
                 </a:solidFill>
+                <a:latin typeface="Times New Roman" panose="02020603050405020304" pitchFamily="18" charset="0"/>
+                <a:cs typeface="Times New Roman" panose="02020603050405020304" pitchFamily="18" charset="0"/>
               </a:rPr>
               <a:t>5</a:t>
             </a:r>
@@ -11200,6 +11322,8 @@
               <a:solidFill>
                 <a:schemeClr val="bg1"/>
               </a:solidFill>
+              <a:latin typeface="Times New Roman" panose="02020603050405020304" pitchFamily="18" charset="0"/>
+              <a:cs typeface="Times New Roman" panose="02020603050405020304" pitchFamily="18" charset="0"/>
             </a:endParaRPr>
           </a:p>
         </p:txBody>
@@ -11238,6 +11362,8 @@
                 <a:solidFill>
                   <a:schemeClr val="bg1"/>
                 </a:solidFill>
+                <a:latin typeface="Times New Roman" panose="02020603050405020304" pitchFamily="18" charset="0"/>
+                <a:cs typeface="Times New Roman" panose="02020603050405020304" pitchFamily="18" charset="0"/>
               </a:rPr>
               <a:t>6</a:t>
             </a:r>
@@ -11245,6 +11371,8 @@
               <a:solidFill>
                 <a:schemeClr val="bg1"/>
               </a:solidFill>
+              <a:latin typeface="Times New Roman" panose="02020603050405020304" pitchFamily="18" charset="0"/>
+              <a:cs typeface="Times New Roman" panose="02020603050405020304" pitchFamily="18" charset="0"/>
             </a:endParaRPr>
           </a:p>
         </p:txBody>
@@ -11896,8 +12024,8 @@
         </p:nvSpPr>
         <p:spPr>
           <a:xfrm>
-            <a:off x="3173987" y="4171765"/>
-            <a:ext cx="9018013" cy="2686235"/>
+            <a:off x="4513839" y="4171765"/>
+            <a:ext cx="7678161" cy="2686235"/>
           </a:xfrm>
           <a:custGeom>
             <a:avLst/>
@@ -11992,7 +12120,10 @@
           <a:lstStyle/>
           <a:p>
             <a:pPr algn="ctr"/>
-            <a:endParaRPr lang="en-US" dirty="0"/>
+            <a:endParaRPr lang="en-US" dirty="0">
+              <a:latin typeface="Times New Roman" panose="02020603050405020304" pitchFamily="18" charset="0"/>
+              <a:cs typeface="Times New Roman" panose="02020603050405020304" pitchFamily="18" charset="0"/>
+            </a:endParaRPr>
           </a:p>
         </p:txBody>
       </p:sp>
@@ -12103,7 +12234,10 @@
           <a:lstStyle/>
           <a:p>
             <a:pPr algn="ctr"/>
-            <a:endParaRPr lang="en-US" dirty="0"/>
+            <a:endParaRPr lang="en-US" dirty="0">
+              <a:latin typeface="Times New Roman" panose="02020603050405020304" pitchFamily="18" charset="0"/>
+              <a:cs typeface="Times New Roman" panose="02020603050405020304" pitchFamily="18" charset="0"/>
+            </a:endParaRPr>
           </a:p>
         </p:txBody>
       </p:sp>
@@ -12175,7 +12309,10 @@
             <a:lstStyle/>
             <a:p>
               <a:pPr algn="ctr"/>
-              <a:endParaRPr lang="en-US" dirty="0"/>
+              <a:endParaRPr lang="en-US" dirty="0">
+                <a:latin typeface="Times New Roman" panose="02020603050405020304" pitchFamily="18" charset="0"/>
+                <a:cs typeface="Times New Roman" panose="02020603050405020304" pitchFamily="18" charset="0"/>
+              </a:endParaRPr>
             </a:p>
           </p:txBody>
         </p:sp>
@@ -12231,7 +12368,10 @@
             <a:lstStyle/>
             <a:p>
               <a:pPr algn="ctr"/>
-              <a:endParaRPr lang="en-US" dirty="0"/>
+              <a:endParaRPr lang="en-US" dirty="0">
+                <a:latin typeface="Times New Roman" panose="02020603050405020304" pitchFamily="18" charset="0"/>
+                <a:cs typeface="Times New Roman" panose="02020603050405020304" pitchFamily="18" charset="0"/>
+              </a:endParaRPr>
             </a:p>
           </p:txBody>
         </p:sp>
@@ -12304,7 +12444,10 @@
             <a:lstStyle/>
             <a:p>
               <a:pPr algn="ctr"/>
-              <a:endParaRPr lang="en-US" dirty="0"/>
+              <a:endParaRPr lang="en-US" dirty="0">
+                <a:latin typeface="Times New Roman" panose="02020603050405020304" pitchFamily="18" charset="0"/>
+                <a:cs typeface="Times New Roman" panose="02020603050405020304" pitchFamily="18" charset="0"/>
+              </a:endParaRPr>
             </a:p>
           </p:txBody>
         </p:sp>
@@ -12360,7 +12503,10 @@
             <a:lstStyle/>
             <a:p>
               <a:pPr algn="ctr"/>
-              <a:endParaRPr lang="en-US" dirty="0"/>
+              <a:endParaRPr lang="en-US" dirty="0">
+                <a:latin typeface="Times New Roman" panose="02020603050405020304" pitchFamily="18" charset="0"/>
+                <a:cs typeface="Times New Roman" panose="02020603050405020304" pitchFamily="18" charset="0"/>
+              </a:endParaRPr>
             </a:p>
           </p:txBody>
         </p:sp>
@@ -12433,7 +12579,10 @@
             <a:lstStyle/>
             <a:p>
               <a:pPr algn="ctr"/>
-              <a:endParaRPr lang="en-US" dirty="0"/>
+              <a:endParaRPr lang="en-US" dirty="0">
+                <a:latin typeface="Times New Roman" panose="02020603050405020304" pitchFamily="18" charset="0"/>
+                <a:cs typeface="Times New Roman" panose="02020603050405020304" pitchFamily="18" charset="0"/>
+              </a:endParaRPr>
             </a:p>
           </p:txBody>
         </p:sp>
@@ -12489,7 +12638,10 @@
             <a:lstStyle/>
             <a:p>
               <a:pPr algn="ctr"/>
-              <a:endParaRPr lang="en-US" dirty="0"/>
+              <a:endParaRPr lang="en-US" dirty="0">
+                <a:latin typeface="Times New Roman" panose="02020603050405020304" pitchFamily="18" charset="0"/>
+                <a:cs typeface="Times New Roman" panose="02020603050405020304" pitchFamily="18" charset="0"/>
+              </a:endParaRPr>
             </a:p>
           </p:txBody>
         </p:sp>
@@ -12562,7 +12714,10 @@
             <a:lstStyle/>
             <a:p>
               <a:pPr algn="ctr"/>
-              <a:endParaRPr lang="en-US" dirty="0"/>
+              <a:endParaRPr lang="en-US" dirty="0">
+                <a:latin typeface="Times New Roman" panose="02020603050405020304" pitchFamily="18" charset="0"/>
+                <a:cs typeface="Times New Roman" panose="02020603050405020304" pitchFamily="18" charset="0"/>
+              </a:endParaRPr>
             </a:p>
           </p:txBody>
         </p:sp>
@@ -12618,7 +12773,10 @@
             <a:lstStyle/>
             <a:p>
               <a:pPr algn="ctr"/>
-              <a:endParaRPr lang="en-US" dirty="0"/>
+              <a:endParaRPr lang="en-US" dirty="0">
+                <a:latin typeface="Times New Roman" panose="02020603050405020304" pitchFamily="18" charset="0"/>
+                <a:cs typeface="Times New Roman" panose="02020603050405020304" pitchFamily="18" charset="0"/>
+              </a:endParaRPr>
             </a:p>
           </p:txBody>
         </p:sp>
@@ -12691,7 +12849,10 @@
             <a:lstStyle/>
             <a:p>
               <a:pPr algn="ctr"/>
-              <a:endParaRPr lang="en-US" dirty="0"/>
+              <a:endParaRPr lang="en-US" dirty="0">
+                <a:latin typeface="Times New Roman" panose="02020603050405020304" pitchFamily="18" charset="0"/>
+                <a:cs typeface="Times New Roman" panose="02020603050405020304" pitchFamily="18" charset="0"/>
+              </a:endParaRPr>
             </a:p>
           </p:txBody>
         </p:sp>
@@ -12747,7 +12908,10 @@
             <a:lstStyle/>
             <a:p>
               <a:pPr algn="ctr"/>
-              <a:endParaRPr lang="en-US" dirty="0"/>
+              <a:endParaRPr lang="en-US" dirty="0">
+                <a:latin typeface="Times New Roman" panose="02020603050405020304" pitchFamily="18" charset="0"/>
+                <a:cs typeface="Times New Roman" panose="02020603050405020304" pitchFamily="18" charset="0"/>
+              </a:endParaRPr>
             </a:p>
           </p:txBody>
         </p:sp>
@@ -12804,7 +12968,7 @@
         </p:nvSpPr>
         <p:spPr>
           <a:xfrm>
-            <a:off x="1581779" y="3315849"/>
+            <a:off x="1695146" y="3337653"/>
             <a:ext cx="1765300" cy="1015663"/>
           </a:xfrm>
           <a:prstGeom prst="rect">
@@ -12842,8 +13006,8 @@
         </p:nvSpPr>
         <p:spPr>
           <a:xfrm>
-            <a:off x="3232415" y="4219526"/>
-            <a:ext cx="2384245" cy="707886"/>
+            <a:off x="3147404" y="4255641"/>
+            <a:ext cx="2732869" cy="1323439"/>
           </a:xfrm>
           <a:prstGeom prst="rect">
             <a:avLst/>
@@ -12862,6 +13026,15 @@
                 <a:cs typeface="Times New Roman" panose="02020603050405020304" pitchFamily="18" charset="0"/>
               </a:rPr>
               <a:t>Image Enhancement and Correction</a:t>
+            </a:r>
+          </a:p>
+          <a:p>
+            <a:r>
+              <a:rPr lang="en-IN" sz="2000" dirty="0">
+                <a:latin typeface="Times New Roman" panose="02020603050405020304" pitchFamily="18" charset="0"/>
+                <a:cs typeface="Times New Roman" panose="02020603050405020304" pitchFamily="18" charset="0"/>
+              </a:rPr>
+              <a:t>(Gamma Correction, Histogram Equalization)</a:t>
             </a:r>
           </a:p>
         </p:txBody>
@@ -12934,7 +13107,10 @@
             <a:lstStyle/>
             <a:p>
               <a:pPr algn="ctr"/>
-              <a:endParaRPr lang="en-US" dirty="0"/>
+              <a:endParaRPr lang="en-US" dirty="0">
+                <a:latin typeface="Times New Roman" panose="02020603050405020304" pitchFamily="18" charset="0"/>
+                <a:cs typeface="Times New Roman" panose="02020603050405020304" pitchFamily="18" charset="0"/>
+              </a:endParaRPr>
             </a:p>
           </p:txBody>
         </p:sp>
@@ -12990,7 +13166,10 @@
             <a:lstStyle/>
             <a:p>
               <a:pPr algn="ctr"/>
-              <a:endParaRPr lang="en-US" dirty="0"/>
+              <a:endParaRPr lang="en-US" dirty="0">
+                <a:latin typeface="Times New Roman" panose="02020603050405020304" pitchFamily="18" charset="0"/>
+                <a:cs typeface="Times New Roman" panose="02020603050405020304" pitchFamily="18" charset="0"/>
+              </a:endParaRPr>
             </a:p>
           </p:txBody>
         </p:sp>
@@ -13009,8 +13188,8 @@
         </p:nvSpPr>
         <p:spPr>
           <a:xfrm>
-            <a:off x="4333234" y="1279732"/>
-            <a:ext cx="1990459" cy="707886"/>
+            <a:off x="4313799" y="1039541"/>
+            <a:ext cx="2605721" cy="1015663"/>
           </a:xfrm>
           <a:prstGeom prst="rect">
             <a:avLst/>
@@ -13031,6 +13210,15 @@
               <a:t>Segmentation and Thresholding</a:t>
             </a:r>
           </a:p>
+          <a:p>
+            <a:r>
+              <a:rPr lang="en-IN" sz="2000" dirty="0">
+                <a:latin typeface="Times New Roman" panose="02020603050405020304" pitchFamily="18" charset="0"/>
+                <a:cs typeface="Times New Roman" panose="02020603050405020304" pitchFamily="18" charset="0"/>
+              </a:rPr>
+              <a:t>(Otsu’s Thresholding)</a:t>
+            </a:r>
+          </a:p>
         </p:txBody>
       </p:sp>
       <p:sp>
@@ -13047,8 +13235,8 @@
         </p:nvSpPr>
         <p:spPr>
           <a:xfrm>
-            <a:off x="6522081" y="3167554"/>
-            <a:ext cx="1771650" cy="707886"/>
+            <a:off x="5889174" y="3167554"/>
+            <a:ext cx="3481154" cy="1015663"/>
           </a:xfrm>
           <a:prstGeom prst="rect">
             <a:avLst/>
@@ -13067,6 +13255,15 @@
                 <a:cs typeface="Times New Roman" panose="02020603050405020304" pitchFamily="18" charset="0"/>
               </a:rPr>
               <a:t>Morphological Operations</a:t>
+            </a:r>
+          </a:p>
+          <a:p>
+            <a:r>
+              <a:rPr lang="en-IN" sz="2000" dirty="0">
+                <a:latin typeface="Times New Roman" panose="02020603050405020304" pitchFamily="18" charset="0"/>
+                <a:cs typeface="Times New Roman" panose="02020603050405020304" pitchFamily="18" charset="0"/>
+              </a:rPr>
+              <a:t>(Dilation, Erosion, Median Filtering)</a:t>
             </a:r>
           </a:p>
         </p:txBody>
@@ -13139,7 +13336,10 @@
             <a:lstStyle/>
             <a:p>
               <a:pPr algn="ctr"/>
-              <a:endParaRPr lang="en-US" dirty="0"/>
+              <a:endParaRPr lang="en-US" dirty="0">
+                <a:latin typeface="Times New Roman" panose="02020603050405020304" pitchFamily="18" charset="0"/>
+                <a:cs typeface="Times New Roman" panose="02020603050405020304" pitchFamily="18" charset="0"/>
+              </a:endParaRPr>
             </a:p>
           </p:txBody>
         </p:sp>
@@ -13195,7 +13395,10 @@
             <a:lstStyle/>
             <a:p>
               <a:pPr algn="ctr"/>
-              <a:endParaRPr lang="en-US" dirty="0"/>
+              <a:endParaRPr lang="en-US" dirty="0">
+                <a:latin typeface="Times New Roman" panose="02020603050405020304" pitchFamily="18" charset="0"/>
+                <a:cs typeface="Times New Roman" panose="02020603050405020304" pitchFamily="18" charset="0"/>
+              </a:endParaRPr>
             </a:p>
           </p:txBody>
         </p:sp>
@@ -13214,8 +13417,8 @@
         </p:nvSpPr>
         <p:spPr>
           <a:xfrm>
-            <a:off x="8214504" y="1222112"/>
-            <a:ext cx="1990459" cy="707886"/>
+            <a:off x="7690779" y="1064939"/>
+            <a:ext cx="3473154" cy="707886"/>
           </a:xfrm>
           <a:prstGeom prst="rect">
             <a:avLst/>
@@ -13234,6 +13437,15 @@
                 <a:cs typeface="Times New Roman" panose="02020603050405020304" pitchFamily="18" charset="0"/>
               </a:rPr>
               <a:t>Object Counting and Labelling</a:t>
+            </a:r>
+          </a:p>
+          <a:p>
+            <a:r>
+              <a:rPr lang="en-IN" sz="2000" dirty="0">
+                <a:latin typeface="Times New Roman" panose="02020603050405020304" pitchFamily="18" charset="0"/>
+                <a:cs typeface="Times New Roman" panose="02020603050405020304" pitchFamily="18" charset="0"/>
+              </a:rPr>
+              <a:t>(Contour Labelling)</a:t>
             </a:r>
           </a:p>
         </p:txBody>
@@ -13326,7 +13538,10 @@
           <a:lstStyle/>
           <a:p>
             <a:pPr algn="ctr"/>
-            <a:endParaRPr lang="en-US" dirty="0"/>
+            <a:endParaRPr lang="en-US" dirty="0">
+              <a:latin typeface="Times New Roman" panose="02020603050405020304" pitchFamily="18" charset="0"/>
+              <a:cs typeface="Times New Roman" panose="02020603050405020304" pitchFamily="18" charset="0"/>
+            </a:endParaRPr>
           </a:p>
         </p:txBody>
       </p:sp>
@@ -13467,7 +13682,10 @@
             </a:bodyPr>
             <a:lstStyle/>
             <a:p>
-              <a:endParaRPr lang="id-ID"/>
+              <a:endParaRPr lang="id-ID">
+                <a:latin typeface="Times New Roman" panose="02020603050405020304" pitchFamily="18" charset="0"/>
+                <a:cs typeface="Times New Roman" panose="02020603050405020304" pitchFamily="18" charset="0"/>
+              </a:endParaRPr>
             </a:p>
           </p:txBody>
         </p:sp>
@@ -13588,7 +13806,10 @@
             </a:bodyPr>
             <a:lstStyle/>
             <a:p>
-              <a:endParaRPr lang="id-ID"/>
+              <a:endParaRPr lang="id-ID">
+                <a:latin typeface="Times New Roman" panose="02020603050405020304" pitchFamily="18" charset="0"/>
+                <a:cs typeface="Times New Roman" panose="02020603050405020304" pitchFamily="18" charset="0"/>
+              </a:endParaRPr>
             </a:p>
           </p:txBody>
         </p:sp>
@@ -13640,7 +13861,10 @@
             </a:bodyPr>
             <a:lstStyle/>
             <a:p>
-              <a:endParaRPr lang="id-ID"/>
+              <a:endParaRPr lang="id-ID">
+                <a:latin typeface="Times New Roman" panose="02020603050405020304" pitchFamily="18" charset="0"/>
+                <a:cs typeface="Times New Roman" panose="02020603050405020304" pitchFamily="18" charset="0"/>
+              </a:endParaRPr>
             </a:p>
           </p:txBody>
         </p:sp>
@@ -13692,7 +13916,10 @@
             </a:bodyPr>
             <a:lstStyle/>
             <a:p>
-              <a:endParaRPr lang="id-ID"/>
+              <a:endParaRPr lang="id-ID">
+                <a:latin typeface="Times New Roman" panose="02020603050405020304" pitchFamily="18" charset="0"/>
+                <a:cs typeface="Times New Roman" panose="02020603050405020304" pitchFamily="18" charset="0"/>
+              </a:endParaRPr>
             </a:p>
           </p:txBody>
         </p:sp>
@@ -13796,7 +14023,10 @@
             </a:bodyPr>
             <a:lstStyle/>
             <a:p>
-              <a:endParaRPr lang="id-ID"/>
+              <a:endParaRPr lang="id-ID">
+                <a:latin typeface="Times New Roman" panose="02020603050405020304" pitchFamily="18" charset="0"/>
+                <a:cs typeface="Times New Roman" panose="02020603050405020304" pitchFamily="18" charset="0"/>
+              </a:endParaRPr>
             </a:p>
           </p:txBody>
         </p:sp>
@@ -13848,7 +14078,10 @@
             </a:bodyPr>
             <a:lstStyle/>
             <a:p>
-              <a:endParaRPr lang="id-ID"/>
+              <a:endParaRPr lang="id-ID">
+                <a:latin typeface="Times New Roman" panose="02020603050405020304" pitchFamily="18" charset="0"/>
+                <a:cs typeface="Times New Roman" panose="02020603050405020304" pitchFamily="18" charset="0"/>
+              </a:endParaRPr>
             </a:p>
           </p:txBody>
         </p:sp>
@@ -13898,7 +14131,7 @@
         <p:spPr>
           <a:xfrm>
             <a:off x="2489200" y="316581"/>
-            <a:ext cx="6096000" cy="707886"/>
+            <a:ext cx="6096000" cy="830997"/>
           </a:xfrm>
           <a:prstGeom prst="rect">
             <a:avLst/>
@@ -13913,12 +14146,22 @@
           <a:p>
             <a:pPr algn="ctr"/>
             <a:r>
-              <a:rPr lang="en-US" sz="4000" dirty="0">
-                <a:latin typeface="Sagona Book (Headings)"/>
+              <a:rPr lang="en-US" sz="4800" b="1" dirty="0">
+                <a:solidFill>
+                  <a:srgbClr val="FF0000"/>
+                </a:solidFill>
+                <a:latin typeface="Times New Roman" panose="02020603050405020304" pitchFamily="18" charset="0"/>
+                <a:cs typeface="Times New Roman" panose="02020603050405020304" pitchFamily="18" charset="0"/>
               </a:rPr>
               <a:t>Analysis</a:t>
             </a:r>
-            <a:endParaRPr lang="en-IN" sz="4000" dirty="0"/>
+            <a:endParaRPr lang="en-IN" sz="4800" b="1" dirty="0">
+              <a:solidFill>
+                <a:srgbClr val="FF0000"/>
+              </a:solidFill>
+              <a:latin typeface="Times New Roman" panose="02020603050405020304" pitchFamily="18" charset="0"/>
+              <a:cs typeface="Times New Roman" panose="02020603050405020304" pitchFamily="18" charset="0"/>
+            </a:endParaRPr>
           </a:p>
         </p:txBody>
       </p:sp>
@@ -13935,7 +14178,7 @@
           <p:nvPr>
             <p:extLst>
               <p:ext uri="{D42A27DB-BD31-4B8C-83A1-F6EECF244321}">
-                <p14:modId xmlns:p14="http://schemas.microsoft.com/office/powerpoint/2010/main" val="2147457701"/>
+                <p14:modId xmlns:p14="http://schemas.microsoft.com/office/powerpoint/2010/main" val="100826816"/>
               </p:ext>
             </p:extLst>
           </p:nvPr>
@@ -13963,7 +14206,7 @@
           <p:nvPr>
             <p:extLst>
               <p:ext uri="{D42A27DB-BD31-4B8C-83A1-F6EECF244321}">
-                <p14:modId xmlns:p14="http://schemas.microsoft.com/office/powerpoint/2010/main" val="3477731176"/>
+                <p14:modId xmlns:p14="http://schemas.microsoft.com/office/powerpoint/2010/main" val="522672043"/>
               </p:ext>
             </p:extLst>
           </p:nvPr>

--- a/Major Project.pptx
+++ b/Major Project.pptx
@@ -15,7 +15,14 @@
     <p:sldId id="263" r:id="rId9"/>
     <p:sldId id="264" r:id="rId10"/>
     <p:sldId id="265" r:id="rId11"/>
-    <p:sldId id="266" r:id="rId12"/>
+    <p:sldId id="273" r:id="rId12"/>
+    <p:sldId id="276" r:id="rId13"/>
+    <p:sldId id="277" r:id="rId14"/>
+    <p:sldId id="278" r:id="rId15"/>
+    <p:sldId id="279" r:id="rId16"/>
+    <p:sldId id="274" r:id="rId17"/>
+    <p:sldId id="275" r:id="rId18"/>
+    <p:sldId id="266" r:id="rId19"/>
   </p:sldIdLst>
   <p:sldSz cx="12192000" cy="6858000"/>
   <p:notesSz cx="6858000" cy="9144000"/>
@@ -2256,7 +2263,7 @@
           <a:p>
             <a:fld id="{0D55A27B-324D-4D86-9DE8-FFA3B2C4AC11}" type="datetimeFigureOut">
               <a:rPr lang="en-IN" smtClean="0"/>
-              <a:t>18-03-2024</a:t>
+              <a:t>29-03-2024</a:t>
             </a:fld>
             <a:endParaRPr lang="en-IN" dirty="0"/>
           </a:p>
@@ -2456,7 +2463,7 @@
           <a:p>
             <a:fld id="{0D55A27B-324D-4D86-9DE8-FFA3B2C4AC11}" type="datetimeFigureOut">
               <a:rPr lang="en-IN" smtClean="0"/>
-              <a:t>18-03-2024</a:t>
+              <a:t>29-03-2024</a:t>
             </a:fld>
             <a:endParaRPr lang="en-IN" dirty="0"/>
           </a:p>
@@ -2666,7 +2673,7 @@
           <a:p>
             <a:fld id="{0D55A27B-324D-4D86-9DE8-FFA3B2C4AC11}" type="datetimeFigureOut">
               <a:rPr lang="en-IN" smtClean="0"/>
-              <a:t>18-03-2024</a:t>
+              <a:t>29-03-2024</a:t>
             </a:fld>
             <a:endParaRPr lang="en-IN" dirty="0"/>
           </a:p>
@@ -2866,7 +2873,7 @@
           <a:p>
             <a:fld id="{0D55A27B-324D-4D86-9DE8-FFA3B2C4AC11}" type="datetimeFigureOut">
               <a:rPr lang="en-IN" smtClean="0"/>
-              <a:t>18-03-2024</a:t>
+              <a:t>29-03-2024</a:t>
             </a:fld>
             <a:endParaRPr lang="en-IN" dirty="0"/>
           </a:p>
@@ -3142,7 +3149,7 @@
           <a:p>
             <a:fld id="{0D55A27B-324D-4D86-9DE8-FFA3B2C4AC11}" type="datetimeFigureOut">
               <a:rPr lang="en-IN" smtClean="0"/>
-              <a:t>18-03-2024</a:t>
+              <a:t>29-03-2024</a:t>
             </a:fld>
             <a:endParaRPr lang="en-IN" dirty="0"/>
           </a:p>
@@ -3410,7 +3417,7 @@
           <a:p>
             <a:fld id="{0D55A27B-324D-4D86-9DE8-FFA3B2C4AC11}" type="datetimeFigureOut">
               <a:rPr lang="en-IN" smtClean="0"/>
-              <a:t>18-03-2024</a:t>
+              <a:t>29-03-2024</a:t>
             </a:fld>
             <a:endParaRPr lang="en-IN" dirty="0"/>
           </a:p>
@@ -3825,7 +3832,7 @@
           <a:p>
             <a:fld id="{0D55A27B-324D-4D86-9DE8-FFA3B2C4AC11}" type="datetimeFigureOut">
               <a:rPr lang="en-IN" smtClean="0"/>
-              <a:t>18-03-2024</a:t>
+              <a:t>29-03-2024</a:t>
             </a:fld>
             <a:endParaRPr lang="en-IN" dirty="0"/>
           </a:p>
@@ -3967,7 +3974,7 @@
           <a:p>
             <a:fld id="{0D55A27B-324D-4D86-9DE8-FFA3B2C4AC11}" type="datetimeFigureOut">
               <a:rPr lang="en-IN" smtClean="0"/>
-              <a:t>18-03-2024</a:t>
+              <a:t>29-03-2024</a:t>
             </a:fld>
             <a:endParaRPr lang="en-IN" dirty="0"/>
           </a:p>
@@ -4080,7 +4087,7 @@
           <a:p>
             <a:fld id="{0D55A27B-324D-4D86-9DE8-FFA3B2C4AC11}" type="datetimeFigureOut">
               <a:rPr lang="en-IN" smtClean="0"/>
-              <a:t>18-03-2024</a:t>
+              <a:t>29-03-2024</a:t>
             </a:fld>
             <a:endParaRPr lang="en-IN" dirty="0"/>
           </a:p>
@@ -4393,7 +4400,7 @@
           <a:p>
             <a:fld id="{0D55A27B-324D-4D86-9DE8-FFA3B2C4AC11}" type="datetimeFigureOut">
               <a:rPr lang="en-IN" smtClean="0"/>
-              <a:t>18-03-2024</a:t>
+              <a:t>29-03-2024</a:t>
             </a:fld>
             <a:endParaRPr lang="en-IN" dirty="0"/>
           </a:p>
@@ -4686,7 +4693,7 @@
           <a:p>
             <a:fld id="{0D55A27B-324D-4D86-9DE8-FFA3B2C4AC11}" type="datetimeFigureOut">
               <a:rPr lang="en-IN" smtClean="0"/>
-              <a:t>18-03-2024</a:t>
+              <a:t>29-03-2024</a:t>
             </a:fld>
             <a:endParaRPr lang="en-IN" dirty="0"/>
           </a:p>
@@ -4929,7 +4936,7 @@
           <a:p>
             <a:fld id="{0D55A27B-324D-4D86-9DE8-FFA3B2C4AC11}" type="datetimeFigureOut">
               <a:rPr lang="en-IN" smtClean="0"/>
-              <a:t>18-03-2024</a:t>
+              <a:t>29-03-2024</a:t>
             </a:fld>
             <a:endParaRPr lang="en-IN" dirty="0"/>
           </a:p>
@@ -5675,13 +5682,20 @@
             <a:r>
               <a:rPr lang="en-IN" sz="2400" b="1" dirty="0">
                 <a:solidFill>
-                  <a:schemeClr val="bg1"/>
+                  <a:srgbClr val="FF0000"/>
                 </a:solidFill>
                 <a:latin typeface="Times New Roman" panose="02020603050405020304" pitchFamily="18" charset="0"/>
                 <a:cs typeface="Times New Roman" panose="02020603050405020304" pitchFamily="18" charset="0"/>
               </a:rPr>
-              <a:t>   Mrs Deepa D</a:t>
-            </a:r>
+              <a:t>B. Sandhya</a:t>
+            </a:r>
+            <a:endParaRPr lang="en-IN" sz="2400" b="1" dirty="0">
+              <a:solidFill>
+                <a:schemeClr val="bg1"/>
+              </a:solidFill>
+              <a:latin typeface="Times New Roman" panose="02020603050405020304" pitchFamily="18" charset="0"/>
+              <a:cs typeface="Times New Roman" panose="02020603050405020304" pitchFamily="18" charset="0"/>
+            </a:endParaRPr>
           </a:p>
           <a:p>
             <a:pPr marL="0" indent="0" algn="ctr">
@@ -6635,6 +6649,4026 @@
       </p:grpSpPr>
       <p:sp>
         <p:nvSpPr>
+          <p:cNvPr id="2" name="TextBox 1">
+            <a:extLst>
+              <a:ext uri="{FF2B5EF4-FFF2-40B4-BE49-F238E27FC236}">
+                <a16:creationId xmlns:a16="http://schemas.microsoft.com/office/drawing/2014/main" id="{4853B096-31E2-2B58-ED8B-E69A3C796EB8}"/>
+              </a:ext>
+            </a:extLst>
+          </p:cNvPr>
+          <p:cNvSpPr txBox="1"/>
+          <p:nvPr/>
+        </p:nvSpPr>
+        <p:spPr>
+          <a:xfrm>
+            <a:off x="2489200" y="316581"/>
+            <a:ext cx="6096000" cy="830997"/>
+          </a:xfrm>
+          <a:prstGeom prst="rect">
+            <a:avLst/>
+          </a:prstGeom>
+          <a:noFill/>
+        </p:spPr>
+        <p:txBody>
+          <a:bodyPr wrap="square">
+            <a:spAutoFit/>
+          </a:bodyPr>
+          <a:lstStyle/>
+          <a:p>
+            <a:pPr algn="ctr"/>
+            <a:r>
+              <a:rPr lang="en-US" sz="4800" b="1" dirty="0">
+                <a:solidFill>
+                  <a:srgbClr val="FF0000"/>
+                </a:solidFill>
+                <a:latin typeface="Times New Roman" panose="02020603050405020304" pitchFamily="18" charset="0"/>
+                <a:cs typeface="Times New Roman" panose="02020603050405020304" pitchFamily="18" charset="0"/>
+              </a:rPr>
+              <a:t>Input</a:t>
+            </a:r>
+            <a:endParaRPr lang="en-IN" sz="4800" b="1" dirty="0">
+              <a:solidFill>
+                <a:srgbClr val="FF0000"/>
+              </a:solidFill>
+              <a:latin typeface="Times New Roman" panose="02020603050405020304" pitchFamily="18" charset="0"/>
+              <a:cs typeface="Times New Roman" panose="02020603050405020304" pitchFamily="18" charset="0"/>
+            </a:endParaRPr>
+          </a:p>
+        </p:txBody>
+      </p:sp>
+      <p:pic>
+        <p:nvPicPr>
+          <p:cNvPr id="4" name="Picture 3">
+            <a:extLst>
+              <a:ext uri="{FF2B5EF4-FFF2-40B4-BE49-F238E27FC236}">
+                <a16:creationId xmlns:a16="http://schemas.microsoft.com/office/drawing/2014/main" id="{4E266DDD-91E0-D456-6568-568D93A96759}"/>
+              </a:ext>
+            </a:extLst>
+          </p:cNvPr>
+          <p:cNvPicPr>
+            <a:picLocks noChangeAspect="1"/>
+          </p:cNvPicPr>
+          <p:nvPr/>
+        </p:nvPicPr>
+        <p:blipFill rotWithShape="1">
+          <a:blip r:embed="rId2">
+            <a:extLst>
+              <a:ext uri="{28A0092B-C50C-407E-A947-70E740481C1C}">
+                <a14:useLocalDpi xmlns:a14="http://schemas.microsoft.com/office/drawing/2010/main" val="0"/>
+              </a:ext>
+            </a:extLst>
+          </a:blip>
+          <a:srcRect t="3817"/>
+          <a:stretch/>
+        </p:blipFill>
+        <p:spPr>
+          <a:xfrm>
+            <a:off x="2145300" y="1200523"/>
+            <a:ext cx="7403814" cy="5340896"/>
+          </a:xfrm>
+          <a:prstGeom prst="rect">
+            <a:avLst/>
+          </a:prstGeom>
+        </p:spPr>
+      </p:pic>
+    </p:spTree>
+    <p:extLst>
+      <p:ext uri="{BB962C8B-B14F-4D97-AF65-F5344CB8AC3E}">
+        <p14:creationId xmlns:p14="http://schemas.microsoft.com/office/powerpoint/2010/main" val="2135787749"/>
+      </p:ext>
+    </p:extLst>
+  </p:cSld>
+  <p:clrMapOvr>
+    <a:masterClrMapping/>
+  </p:clrMapOvr>
+</p:sld>
+</file>
+
+<file path=ppt/slides/slide12.xml><?xml version="1.0" encoding="utf-8"?>
+<p:sld xmlns:a="http://schemas.openxmlformats.org/drawingml/2006/main" xmlns:r="http://schemas.openxmlformats.org/officeDocument/2006/relationships" xmlns:p="http://schemas.openxmlformats.org/presentationml/2006/main">
+  <p:cSld>
+    <p:spTree>
+      <p:nvGrpSpPr>
+        <p:cNvPr id="1" name=""/>
+        <p:cNvGrpSpPr/>
+        <p:nvPr/>
+      </p:nvGrpSpPr>
+      <p:grpSpPr>
+        <a:xfrm>
+          <a:off x="0" y="0"/>
+          <a:ext cx="0" cy="0"/>
+          <a:chOff x="0" y="0"/>
+          <a:chExt cx="0" cy="0"/>
+        </a:xfrm>
+      </p:grpSpPr>
+      <p:sp>
+        <p:nvSpPr>
+          <p:cNvPr id="5" name="TextBox 4">
+            <a:extLst>
+              <a:ext uri="{FF2B5EF4-FFF2-40B4-BE49-F238E27FC236}">
+                <a16:creationId xmlns:a16="http://schemas.microsoft.com/office/drawing/2014/main" id="{777F2CAF-7D33-1F0D-F31C-FAB79D26E83B}"/>
+              </a:ext>
+            </a:extLst>
+          </p:cNvPr>
+          <p:cNvSpPr txBox="1"/>
+          <p:nvPr/>
+        </p:nvSpPr>
+        <p:spPr>
+          <a:xfrm>
+            <a:off x="1134319" y="335845"/>
+            <a:ext cx="11057681" cy="6186309"/>
+          </a:xfrm>
+          <a:prstGeom prst="rect">
+            <a:avLst/>
+          </a:prstGeom>
+          <a:noFill/>
+        </p:spPr>
+        <p:txBody>
+          <a:bodyPr wrap="square">
+            <a:spAutoFit/>
+          </a:bodyPr>
+          <a:lstStyle/>
+          <a:p>
+            <a:r>
+              <a:rPr lang="en-IN" b="0" dirty="0">
+                <a:effectLst/>
+                <a:latin typeface="Times New Roman" panose="02020603050405020304" pitchFamily="18" charset="0"/>
+                <a:cs typeface="Times New Roman" panose="02020603050405020304" pitchFamily="18" charset="0"/>
+              </a:rPr>
+              <a:t>import cv2</a:t>
+            </a:r>
+          </a:p>
+          <a:p>
+            <a:r>
+              <a:rPr lang="en-IN" b="0" dirty="0">
+                <a:effectLst/>
+                <a:latin typeface="Times New Roman" panose="02020603050405020304" pitchFamily="18" charset="0"/>
+                <a:cs typeface="Times New Roman" panose="02020603050405020304" pitchFamily="18" charset="0"/>
+              </a:rPr>
+              <a:t>import </a:t>
+            </a:r>
+            <a:r>
+              <a:rPr lang="en-IN" b="0" dirty="0" err="1">
+                <a:effectLst/>
+                <a:latin typeface="Times New Roman" panose="02020603050405020304" pitchFamily="18" charset="0"/>
+                <a:cs typeface="Times New Roman" panose="02020603050405020304" pitchFamily="18" charset="0"/>
+              </a:rPr>
+              <a:t>matplotlib.pyplot</a:t>
+            </a:r>
+            <a:r>
+              <a:rPr lang="en-IN" b="0" dirty="0">
+                <a:effectLst/>
+                <a:latin typeface="Times New Roman" panose="02020603050405020304" pitchFamily="18" charset="0"/>
+                <a:cs typeface="Times New Roman" panose="02020603050405020304" pitchFamily="18" charset="0"/>
+              </a:rPr>
+              <a:t> as </a:t>
+            </a:r>
+            <a:r>
+              <a:rPr lang="en-IN" b="0" dirty="0" err="1">
+                <a:effectLst/>
+                <a:latin typeface="Times New Roman" panose="02020603050405020304" pitchFamily="18" charset="0"/>
+                <a:cs typeface="Times New Roman" panose="02020603050405020304" pitchFamily="18" charset="0"/>
+              </a:rPr>
+              <a:t>plt</a:t>
+            </a:r>
+            <a:endParaRPr lang="en-IN" b="0" dirty="0">
+              <a:effectLst/>
+              <a:latin typeface="Times New Roman" panose="02020603050405020304" pitchFamily="18" charset="0"/>
+              <a:cs typeface="Times New Roman" panose="02020603050405020304" pitchFamily="18" charset="0"/>
+            </a:endParaRPr>
+          </a:p>
+          <a:p>
+            <a:r>
+              <a:rPr lang="en-IN" b="0" dirty="0">
+                <a:effectLst/>
+                <a:latin typeface="Times New Roman" panose="02020603050405020304" pitchFamily="18" charset="0"/>
+                <a:cs typeface="Times New Roman" panose="02020603050405020304" pitchFamily="18" charset="0"/>
+              </a:rPr>
+              <a:t>import </a:t>
+            </a:r>
+            <a:r>
+              <a:rPr lang="en-IN" b="0" dirty="0" err="1">
+                <a:effectLst/>
+                <a:latin typeface="Times New Roman" panose="02020603050405020304" pitchFamily="18" charset="0"/>
+                <a:cs typeface="Times New Roman" panose="02020603050405020304" pitchFamily="18" charset="0"/>
+              </a:rPr>
+              <a:t>numpy</a:t>
+            </a:r>
+            <a:r>
+              <a:rPr lang="en-IN" b="0" dirty="0">
+                <a:effectLst/>
+                <a:latin typeface="Times New Roman" panose="02020603050405020304" pitchFamily="18" charset="0"/>
+                <a:cs typeface="Times New Roman" panose="02020603050405020304" pitchFamily="18" charset="0"/>
+              </a:rPr>
+              <a:t> as np</a:t>
+            </a:r>
+          </a:p>
+          <a:p>
+            <a:r>
+              <a:rPr lang="en-IN" b="0" dirty="0">
+                <a:effectLst/>
+                <a:latin typeface="Times New Roman" panose="02020603050405020304" pitchFamily="18" charset="0"/>
+                <a:cs typeface="Times New Roman" panose="02020603050405020304" pitchFamily="18" charset="0"/>
+              </a:rPr>
+              <a:t>def </a:t>
+            </a:r>
+            <a:r>
+              <a:rPr lang="en-IN" b="0" dirty="0" err="1">
+                <a:effectLst/>
+                <a:latin typeface="Times New Roman" panose="02020603050405020304" pitchFamily="18" charset="0"/>
+                <a:cs typeface="Times New Roman" panose="02020603050405020304" pitchFamily="18" charset="0"/>
+              </a:rPr>
+              <a:t>plotting_grid</a:t>
+            </a:r>
+            <a:r>
+              <a:rPr lang="en-IN" b="0" dirty="0">
+                <a:effectLst/>
+                <a:latin typeface="Times New Roman" panose="02020603050405020304" pitchFamily="18" charset="0"/>
+                <a:cs typeface="Times New Roman" panose="02020603050405020304" pitchFamily="18" charset="0"/>
+              </a:rPr>
+              <a:t>(images, titles, rows, cols, </a:t>
+            </a:r>
+            <a:r>
+              <a:rPr lang="en-IN" b="0" dirty="0" err="1">
+                <a:effectLst/>
+                <a:latin typeface="Times New Roman" panose="02020603050405020304" pitchFamily="18" charset="0"/>
+                <a:cs typeface="Times New Roman" panose="02020603050405020304" pitchFamily="18" charset="0"/>
+              </a:rPr>
+              <a:t>figsize</a:t>
+            </a:r>
+            <a:r>
+              <a:rPr lang="en-IN" b="0" dirty="0">
+                <a:effectLst/>
+                <a:latin typeface="Times New Roman" panose="02020603050405020304" pitchFamily="18" charset="0"/>
+                <a:cs typeface="Times New Roman" panose="02020603050405020304" pitchFamily="18" charset="0"/>
+              </a:rPr>
+              <a:t>):</a:t>
+            </a:r>
+          </a:p>
+          <a:p>
+            <a:r>
+              <a:rPr lang="en-IN" b="0" dirty="0">
+                <a:effectLst/>
+                <a:latin typeface="Times New Roman" panose="02020603050405020304" pitchFamily="18" charset="0"/>
+                <a:cs typeface="Times New Roman" panose="02020603050405020304" pitchFamily="18" charset="0"/>
+              </a:rPr>
+              <a:t>    fig, axes = </a:t>
+            </a:r>
+            <a:r>
+              <a:rPr lang="en-IN" b="0" dirty="0" err="1">
+                <a:effectLst/>
+                <a:latin typeface="Times New Roman" panose="02020603050405020304" pitchFamily="18" charset="0"/>
+                <a:cs typeface="Times New Roman" panose="02020603050405020304" pitchFamily="18" charset="0"/>
+              </a:rPr>
+              <a:t>plt.subplots</a:t>
+            </a:r>
+            <a:r>
+              <a:rPr lang="en-IN" b="0" dirty="0">
+                <a:effectLst/>
+                <a:latin typeface="Times New Roman" panose="02020603050405020304" pitchFamily="18" charset="0"/>
+                <a:cs typeface="Times New Roman" panose="02020603050405020304" pitchFamily="18" charset="0"/>
+              </a:rPr>
+              <a:t>(rows, cols, </a:t>
+            </a:r>
+            <a:r>
+              <a:rPr lang="en-IN" b="0" dirty="0" err="1">
+                <a:effectLst/>
+                <a:latin typeface="Times New Roman" panose="02020603050405020304" pitchFamily="18" charset="0"/>
+                <a:cs typeface="Times New Roman" panose="02020603050405020304" pitchFamily="18" charset="0"/>
+              </a:rPr>
+              <a:t>figsize</a:t>
+            </a:r>
+            <a:r>
+              <a:rPr lang="en-IN" b="0" dirty="0">
+                <a:effectLst/>
+                <a:latin typeface="Times New Roman" panose="02020603050405020304" pitchFamily="18" charset="0"/>
+                <a:cs typeface="Times New Roman" panose="02020603050405020304" pitchFamily="18" charset="0"/>
+              </a:rPr>
+              <a:t>=(</a:t>
+            </a:r>
+            <a:r>
+              <a:rPr lang="en-IN" b="0" dirty="0" err="1">
+                <a:effectLst/>
+                <a:latin typeface="Times New Roman" panose="02020603050405020304" pitchFamily="18" charset="0"/>
+                <a:cs typeface="Times New Roman" panose="02020603050405020304" pitchFamily="18" charset="0"/>
+              </a:rPr>
+              <a:t>figsize</a:t>
+            </a:r>
+            <a:r>
+              <a:rPr lang="en-IN" b="0" dirty="0">
+                <a:effectLst/>
+                <a:latin typeface="Times New Roman" panose="02020603050405020304" pitchFamily="18" charset="0"/>
+                <a:cs typeface="Times New Roman" panose="02020603050405020304" pitchFamily="18" charset="0"/>
+              </a:rPr>
+              <a:t>, </a:t>
+            </a:r>
+            <a:r>
+              <a:rPr lang="en-IN" b="0" dirty="0" err="1">
+                <a:effectLst/>
+                <a:latin typeface="Times New Roman" panose="02020603050405020304" pitchFamily="18" charset="0"/>
+                <a:cs typeface="Times New Roman" panose="02020603050405020304" pitchFamily="18" charset="0"/>
+              </a:rPr>
+              <a:t>figsize</a:t>
+            </a:r>
+            <a:r>
+              <a:rPr lang="en-IN" b="0" dirty="0">
+                <a:effectLst/>
+                <a:latin typeface="Times New Roman" panose="02020603050405020304" pitchFamily="18" charset="0"/>
+                <a:cs typeface="Times New Roman" panose="02020603050405020304" pitchFamily="18" charset="0"/>
+              </a:rPr>
+              <a:t>))</a:t>
+            </a:r>
+          </a:p>
+          <a:p>
+            <a:r>
+              <a:rPr lang="en-IN" b="0" dirty="0">
+                <a:effectLst/>
+                <a:latin typeface="Times New Roman" panose="02020603050405020304" pitchFamily="18" charset="0"/>
+                <a:cs typeface="Times New Roman" panose="02020603050405020304" pitchFamily="18" charset="0"/>
+              </a:rPr>
+              <a:t>    for </a:t>
+            </a:r>
+            <a:r>
+              <a:rPr lang="en-IN" b="0" dirty="0" err="1">
+                <a:effectLst/>
+                <a:latin typeface="Times New Roman" panose="02020603050405020304" pitchFamily="18" charset="0"/>
+                <a:cs typeface="Times New Roman" panose="02020603050405020304" pitchFamily="18" charset="0"/>
+              </a:rPr>
+              <a:t>i</a:t>
+            </a:r>
+            <a:r>
+              <a:rPr lang="en-IN" b="0" dirty="0">
+                <a:effectLst/>
+                <a:latin typeface="Times New Roman" panose="02020603050405020304" pitchFamily="18" charset="0"/>
+                <a:cs typeface="Times New Roman" panose="02020603050405020304" pitchFamily="18" charset="0"/>
+              </a:rPr>
+              <a:t>, </a:t>
+            </a:r>
+            <a:r>
+              <a:rPr lang="en-IN" b="0" dirty="0" err="1">
+                <a:effectLst/>
+                <a:latin typeface="Times New Roman" panose="02020603050405020304" pitchFamily="18" charset="0"/>
+                <a:cs typeface="Times New Roman" panose="02020603050405020304" pitchFamily="18" charset="0"/>
+              </a:rPr>
+              <a:t>ax</a:t>
+            </a:r>
+            <a:r>
+              <a:rPr lang="en-IN" b="0" dirty="0">
+                <a:effectLst/>
+                <a:latin typeface="Times New Roman" panose="02020603050405020304" pitchFamily="18" charset="0"/>
+                <a:cs typeface="Times New Roman" panose="02020603050405020304" pitchFamily="18" charset="0"/>
+              </a:rPr>
+              <a:t> in enumerate(</a:t>
+            </a:r>
+            <a:r>
+              <a:rPr lang="en-IN" b="0" dirty="0" err="1">
+                <a:effectLst/>
+                <a:latin typeface="Times New Roman" panose="02020603050405020304" pitchFamily="18" charset="0"/>
+                <a:cs typeface="Times New Roman" panose="02020603050405020304" pitchFamily="18" charset="0"/>
+              </a:rPr>
+              <a:t>axes.flat</a:t>
+            </a:r>
+            <a:r>
+              <a:rPr lang="en-IN" b="0" dirty="0">
+                <a:effectLst/>
+                <a:latin typeface="Times New Roman" panose="02020603050405020304" pitchFamily="18" charset="0"/>
+                <a:cs typeface="Times New Roman" panose="02020603050405020304" pitchFamily="18" charset="0"/>
+              </a:rPr>
+              <a:t>):</a:t>
+            </a:r>
+          </a:p>
+          <a:p>
+            <a:r>
+              <a:rPr lang="en-IN" b="0" dirty="0">
+                <a:effectLst/>
+                <a:latin typeface="Times New Roman" panose="02020603050405020304" pitchFamily="18" charset="0"/>
+                <a:cs typeface="Times New Roman" panose="02020603050405020304" pitchFamily="18" charset="0"/>
+              </a:rPr>
+              <a:t>        </a:t>
+            </a:r>
+            <a:r>
+              <a:rPr lang="en-IN" b="0" dirty="0" err="1">
+                <a:effectLst/>
+                <a:latin typeface="Times New Roman" panose="02020603050405020304" pitchFamily="18" charset="0"/>
+                <a:cs typeface="Times New Roman" panose="02020603050405020304" pitchFamily="18" charset="0"/>
+              </a:rPr>
+              <a:t>ax.imshow</a:t>
+            </a:r>
+            <a:r>
+              <a:rPr lang="en-IN" b="0" dirty="0">
+                <a:effectLst/>
+                <a:latin typeface="Times New Roman" panose="02020603050405020304" pitchFamily="18" charset="0"/>
+                <a:cs typeface="Times New Roman" panose="02020603050405020304" pitchFamily="18" charset="0"/>
+              </a:rPr>
+              <a:t>(images[</a:t>
+            </a:r>
+            <a:r>
+              <a:rPr lang="en-IN" b="0" dirty="0" err="1">
+                <a:effectLst/>
+                <a:latin typeface="Times New Roman" panose="02020603050405020304" pitchFamily="18" charset="0"/>
+                <a:cs typeface="Times New Roman" panose="02020603050405020304" pitchFamily="18" charset="0"/>
+              </a:rPr>
+              <a:t>i</a:t>
+            </a:r>
+            <a:r>
+              <a:rPr lang="en-IN" b="0" dirty="0">
+                <a:effectLst/>
+                <a:latin typeface="Times New Roman" panose="02020603050405020304" pitchFamily="18" charset="0"/>
+                <a:cs typeface="Times New Roman" panose="02020603050405020304" pitchFamily="18" charset="0"/>
+              </a:rPr>
+              <a:t>], </a:t>
+            </a:r>
+            <a:r>
+              <a:rPr lang="en-IN" b="0" dirty="0" err="1">
+                <a:effectLst/>
+                <a:latin typeface="Times New Roman" panose="02020603050405020304" pitchFamily="18" charset="0"/>
+                <a:cs typeface="Times New Roman" panose="02020603050405020304" pitchFamily="18" charset="0"/>
+              </a:rPr>
+              <a:t>cmap</a:t>
+            </a:r>
+            <a:r>
+              <a:rPr lang="en-IN" b="0" dirty="0">
+                <a:effectLst/>
+                <a:latin typeface="Times New Roman" panose="02020603050405020304" pitchFamily="18" charset="0"/>
+                <a:cs typeface="Times New Roman" panose="02020603050405020304" pitchFamily="18" charset="0"/>
+              </a:rPr>
+              <a:t>='</a:t>
+            </a:r>
+            <a:r>
+              <a:rPr lang="en-IN" b="0" dirty="0" err="1">
+                <a:effectLst/>
+                <a:latin typeface="Times New Roman" panose="02020603050405020304" pitchFamily="18" charset="0"/>
+                <a:cs typeface="Times New Roman" panose="02020603050405020304" pitchFamily="18" charset="0"/>
+              </a:rPr>
+              <a:t>gray</a:t>
+            </a:r>
+            <a:r>
+              <a:rPr lang="en-IN" b="0" dirty="0">
+                <a:effectLst/>
+                <a:latin typeface="Times New Roman" panose="02020603050405020304" pitchFamily="18" charset="0"/>
+                <a:cs typeface="Times New Roman" panose="02020603050405020304" pitchFamily="18" charset="0"/>
+              </a:rPr>
+              <a:t>', </a:t>
+            </a:r>
+            <a:r>
+              <a:rPr lang="en-IN" b="0" dirty="0" err="1">
+                <a:effectLst/>
+                <a:latin typeface="Times New Roman" panose="02020603050405020304" pitchFamily="18" charset="0"/>
+                <a:cs typeface="Times New Roman" panose="02020603050405020304" pitchFamily="18" charset="0"/>
+              </a:rPr>
+              <a:t>vmin</a:t>
+            </a:r>
+            <a:r>
+              <a:rPr lang="en-IN" b="0" dirty="0">
+                <a:effectLst/>
+                <a:latin typeface="Times New Roman" panose="02020603050405020304" pitchFamily="18" charset="0"/>
+                <a:cs typeface="Times New Roman" panose="02020603050405020304" pitchFamily="18" charset="0"/>
+              </a:rPr>
+              <a:t>=0, </a:t>
+            </a:r>
+            <a:r>
+              <a:rPr lang="en-IN" b="0" dirty="0" err="1">
+                <a:effectLst/>
+                <a:latin typeface="Times New Roman" panose="02020603050405020304" pitchFamily="18" charset="0"/>
+                <a:cs typeface="Times New Roman" panose="02020603050405020304" pitchFamily="18" charset="0"/>
+              </a:rPr>
+              <a:t>vmax</a:t>
+            </a:r>
+            <a:r>
+              <a:rPr lang="en-IN" b="0" dirty="0">
+                <a:effectLst/>
+                <a:latin typeface="Times New Roman" panose="02020603050405020304" pitchFamily="18" charset="0"/>
+                <a:cs typeface="Times New Roman" panose="02020603050405020304" pitchFamily="18" charset="0"/>
+              </a:rPr>
+              <a:t>=255, interpolation='none')</a:t>
+            </a:r>
+          </a:p>
+          <a:p>
+            <a:r>
+              <a:rPr lang="en-IN" b="0" dirty="0">
+                <a:effectLst/>
+                <a:latin typeface="Times New Roman" panose="02020603050405020304" pitchFamily="18" charset="0"/>
+                <a:cs typeface="Times New Roman" panose="02020603050405020304" pitchFamily="18" charset="0"/>
+              </a:rPr>
+              <a:t>        </a:t>
+            </a:r>
+            <a:r>
+              <a:rPr lang="en-IN" b="0" dirty="0" err="1">
+                <a:effectLst/>
+                <a:latin typeface="Times New Roman" panose="02020603050405020304" pitchFamily="18" charset="0"/>
+                <a:cs typeface="Times New Roman" panose="02020603050405020304" pitchFamily="18" charset="0"/>
+              </a:rPr>
+              <a:t>ax.set_title</a:t>
+            </a:r>
+            <a:r>
+              <a:rPr lang="en-IN" b="0" dirty="0">
+                <a:effectLst/>
+                <a:latin typeface="Times New Roman" panose="02020603050405020304" pitchFamily="18" charset="0"/>
+                <a:cs typeface="Times New Roman" panose="02020603050405020304" pitchFamily="18" charset="0"/>
+              </a:rPr>
+              <a:t>(titles[</a:t>
+            </a:r>
+            <a:r>
+              <a:rPr lang="en-IN" b="0" dirty="0" err="1">
+                <a:effectLst/>
+                <a:latin typeface="Times New Roman" panose="02020603050405020304" pitchFamily="18" charset="0"/>
+                <a:cs typeface="Times New Roman" panose="02020603050405020304" pitchFamily="18" charset="0"/>
+              </a:rPr>
+              <a:t>i</a:t>
+            </a:r>
+            <a:r>
+              <a:rPr lang="en-IN" b="0" dirty="0">
+                <a:effectLst/>
+                <a:latin typeface="Times New Roman" panose="02020603050405020304" pitchFamily="18" charset="0"/>
+                <a:cs typeface="Times New Roman" panose="02020603050405020304" pitchFamily="18" charset="0"/>
+              </a:rPr>
+              <a:t>])</a:t>
+            </a:r>
+          </a:p>
+          <a:p>
+            <a:r>
+              <a:rPr lang="en-IN" b="0" dirty="0">
+                <a:effectLst/>
+                <a:latin typeface="Times New Roman" panose="02020603050405020304" pitchFamily="18" charset="0"/>
+                <a:cs typeface="Times New Roman" panose="02020603050405020304" pitchFamily="18" charset="0"/>
+              </a:rPr>
+              <a:t>        </a:t>
+            </a:r>
+            <a:r>
+              <a:rPr lang="en-IN" b="0" dirty="0" err="1">
+                <a:effectLst/>
+                <a:latin typeface="Times New Roman" panose="02020603050405020304" pitchFamily="18" charset="0"/>
+                <a:cs typeface="Times New Roman" panose="02020603050405020304" pitchFamily="18" charset="0"/>
+              </a:rPr>
+              <a:t>ax.set_xticks</a:t>
+            </a:r>
+            <a:r>
+              <a:rPr lang="en-IN" b="0" dirty="0">
+                <a:effectLst/>
+                <a:latin typeface="Times New Roman" panose="02020603050405020304" pitchFamily="18" charset="0"/>
+                <a:cs typeface="Times New Roman" panose="02020603050405020304" pitchFamily="18" charset="0"/>
+              </a:rPr>
+              <a:t>([]), </a:t>
+            </a:r>
+            <a:r>
+              <a:rPr lang="en-IN" b="0" dirty="0" err="1">
+                <a:effectLst/>
+                <a:latin typeface="Times New Roman" panose="02020603050405020304" pitchFamily="18" charset="0"/>
+                <a:cs typeface="Times New Roman" panose="02020603050405020304" pitchFamily="18" charset="0"/>
+              </a:rPr>
+              <a:t>ax.set_yticks</a:t>
+            </a:r>
+            <a:r>
+              <a:rPr lang="en-IN" b="0" dirty="0">
+                <a:effectLst/>
+                <a:latin typeface="Times New Roman" panose="02020603050405020304" pitchFamily="18" charset="0"/>
+                <a:cs typeface="Times New Roman" panose="02020603050405020304" pitchFamily="18" charset="0"/>
+              </a:rPr>
+              <a:t>([])</a:t>
+            </a:r>
+          </a:p>
+          <a:p>
+            <a:r>
+              <a:rPr lang="en-IN" b="0" dirty="0">
+                <a:effectLst/>
+                <a:latin typeface="Times New Roman" panose="02020603050405020304" pitchFamily="18" charset="0"/>
+                <a:cs typeface="Times New Roman" panose="02020603050405020304" pitchFamily="18" charset="0"/>
+              </a:rPr>
+              <a:t>def crop(image, </a:t>
+            </a:r>
+            <a:r>
+              <a:rPr lang="en-IN" b="0" dirty="0" err="1">
+                <a:effectLst/>
+                <a:latin typeface="Times New Roman" panose="02020603050405020304" pitchFamily="18" charset="0"/>
+                <a:cs typeface="Times New Roman" panose="02020603050405020304" pitchFamily="18" charset="0"/>
+              </a:rPr>
+              <a:t>start_y</a:t>
+            </a:r>
+            <a:r>
+              <a:rPr lang="en-IN" b="0" dirty="0">
+                <a:effectLst/>
+                <a:latin typeface="Times New Roman" panose="02020603050405020304" pitchFamily="18" charset="0"/>
+                <a:cs typeface="Times New Roman" panose="02020603050405020304" pitchFamily="18" charset="0"/>
+              </a:rPr>
+              <a:t>, </a:t>
+            </a:r>
+            <a:r>
+              <a:rPr lang="en-IN" b="0" dirty="0" err="1">
+                <a:effectLst/>
+                <a:latin typeface="Times New Roman" panose="02020603050405020304" pitchFamily="18" charset="0"/>
+                <a:cs typeface="Times New Roman" panose="02020603050405020304" pitchFamily="18" charset="0"/>
+              </a:rPr>
+              <a:t>end_y</a:t>
+            </a:r>
+            <a:r>
+              <a:rPr lang="en-IN" b="0" dirty="0">
+                <a:effectLst/>
+                <a:latin typeface="Times New Roman" panose="02020603050405020304" pitchFamily="18" charset="0"/>
+                <a:cs typeface="Times New Roman" panose="02020603050405020304" pitchFamily="18" charset="0"/>
+              </a:rPr>
+              <a:t>, </a:t>
+            </a:r>
+            <a:r>
+              <a:rPr lang="en-IN" b="0" dirty="0" err="1">
+                <a:effectLst/>
+                <a:latin typeface="Times New Roman" panose="02020603050405020304" pitchFamily="18" charset="0"/>
+                <a:cs typeface="Times New Roman" panose="02020603050405020304" pitchFamily="18" charset="0"/>
+              </a:rPr>
+              <a:t>start_x</a:t>
+            </a:r>
+            <a:r>
+              <a:rPr lang="en-IN" b="0" dirty="0">
+                <a:effectLst/>
+                <a:latin typeface="Times New Roman" panose="02020603050405020304" pitchFamily="18" charset="0"/>
+                <a:cs typeface="Times New Roman" panose="02020603050405020304" pitchFamily="18" charset="0"/>
+              </a:rPr>
+              <a:t>, </a:t>
+            </a:r>
+            <a:r>
+              <a:rPr lang="en-IN" b="0" dirty="0" err="1">
+                <a:effectLst/>
+                <a:latin typeface="Times New Roman" panose="02020603050405020304" pitchFamily="18" charset="0"/>
+                <a:cs typeface="Times New Roman" panose="02020603050405020304" pitchFamily="18" charset="0"/>
+              </a:rPr>
+              <a:t>end_x</a:t>
+            </a:r>
+            <a:r>
+              <a:rPr lang="en-IN" b="0" dirty="0">
+                <a:effectLst/>
+                <a:latin typeface="Times New Roman" panose="02020603050405020304" pitchFamily="18" charset="0"/>
+                <a:cs typeface="Times New Roman" panose="02020603050405020304" pitchFamily="18" charset="0"/>
+              </a:rPr>
+              <a:t>):</a:t>
+            </a:r>
+          </a:p>
+          <a:p>
+            <a:r>
+              <a:rPr lang="en-IN" b="0" dirty="0">
+                <a:effectLst/>
+                <a:latin typeface="Times New Roman" panose="02020603050405020304" pitchFamily="18" charset="0"/>
+                <a:cs typeface="Times New Roman" panose="02020603050405020304" pitchFamily="18" charset="0"/>
+              </a:rPr>
+              <a:t>    </a:t>
+            </a:r>
+            <a:r>
+              <a:rPr lang="en-IN" b="0" dirty="0" err="1">
+                <a:effectLst/>
+                <a:latin typeface="Times New Roman" panose="02020603050405020304" pitchFamily="18" charset="0"/>
+                <a:cs typeface="Times New Roman" panose="02020603050405020304" pitchFamily="18" charset="0"/>
+              </a:rPr>
+              <a:t>img_cropped</a:t>
+            </a:r>
+            <a:r>
+              <a:rPr lang="en-IN" b="0" dirty="0">
+                <a:effectLst/>
+                <a:latin typeface="Times New Roman" panose="02020603050405020304" pitchFamily="18" charset="0"/>
+                <a:cs typeface="Times New Roman" panose="02020603050405020304" pitchFamily="18" charset="0"/>
+              </a:rPr>
+              <a:t> = image[</a:t>
+            </a:r>
+            <a:r>
+              <a:rPr lang="en-IN" b="0" dirty="0" err="1">
+                <a:effectLst/>
+                <a:latin typeface="Times New Roman" panose="02020603050405020304" pitchFamily="18" charset="0"/>
+                <a:cs typeface="Times New Roman" panose="02020603050405020304" pitchFamily="18" charset="0"/>
+              </a:rPr>
+              <a:t>start_y:end_y</a:t>
+            </a:r>
+            <a:r>
+              <a:rPr lang="en-IN" b="0" dirty="0">
+                <a:effectLst/>
+                <a:latin typeface="Times New Roman" panose="02020603050405020304" pitchFamily="18" charset="0"/>
+                <a:cs typeface="Times New Roman" panose="02020603050405020304" pitchFamily="18" charset="0"/>
+              </a:rPr>
+              <a:t>, </a:t>
+            </a:r>
+            <a:r>
+              <a:rPr lang="en-IN" b="0" dirty="0" err="1">
+                <a:effectLst/>
+                <a:latin typeface="Times New Roman" panose="02020603050405020304" pitchFamily="18" charset="0"/>
+                <a:cs typeface="Times New Roman" panose="02020603050405020304" pitchFamily="18" charset="0"/>
+              </a:rPr>
+              <a:t>start_x:end_x</a:t>
+            </a:r>
+            <a:r>
+              <a:rPr lang="en-IN" b="0" dirty="0">
+                <a:effectLst/>
+                <a:latin typeface="Times New Roman" panose="02020603050405020304" pitchFamily="18" charset="0"/>
+                <a:cs typeface="Times New Roman" panose="02020603050405020304" pitchFamily="18" charset="0"/>
+              </a:rPr>
+              <a:t>]</a:t>
+            </a:r>
+          </a:p>
+          <a:p>
+            <a:r>
+              <a:rPr lang="en-IN" b="0" dirty="0">
+                <a:effectLst/>
+                <a:latin typeface="Times New Roman" panose="02020603050405020304" pitchFamily="18" charset="0"/>
+                <a:cs typeface="Times New Roman" panose="02020603050405020304" pitchFamily="18" charset="0"/>
+              </a:rPr>
+              <a:t>    return </a:t>
+            </a:r>
+            <a:r>
+              <a:rPr lang="en-IN" b="0" dirty="0" err="1">
+                <a:effectLst/>
+                <a:latin typeface="Times New Roman" panose="02020603050405020304" pitchFamily="18" charset="0"/>
+                <a:cs typeface="Times New Roman" panose="02020603050405020304" pitchFamily="18" charset="0"/>
+              </a:rPr>
+              <a:t>img_cropped</a:t>
+            </a:r>
+            <a:endParaRPr lang="en-IN" b="0" dirty="0">
+              <a:effectLst/>
+              <a:latin typeface="Times New Roman" panose="02020603050405020304" pitchFamily="18" charset="0"/>
+              <a:cs typeface="Times New Roman" panose="02020603050405020304" pitchFamily="18" charset="0"/>
+            </a:endParaRPr>
+          </a:p>
+          <a:p>
+            <a:r>
+              <a:rPr lang="en-IN" b="0" dirty="0">
+                <a:effectLst/>
+                <a:latin typeface="Times New Roman" panose="02020603050405020304" pitchFamily="18" charset="0"/>
+                <a:cs typeface="Times New Roman" panose="02020603050405020304" pitchFamily="18" charset="0"/>
+              </a:rPr>
+              <a:t>def resize(image, width, height):</a:t>
+            </a:r>
+          </a:p>
+          <a:p>
+            <a:r>
+              <a:rPr lang="en-IN" b="0" dirty="0">
+                <a:effectLst/>
+                <a:latin typeface="Times New Roman" panose="02020603050405020304" pitchFamily="18" charset="0"/>
+                <a:cs typeface="Times New Roman" panose="02020603050405020304" pitchFamily="18" charset="0"/>
+              </a:rPr>
+              <a:t>    </a:t>
+            </a:r>
+            <a:r>
+              <a:rPr lang="en-IN" b="0" dirty="0" err="1">
+                <a:effectLst/>
+                <a:latin typeface="Times New Roman" panose="02020603050405020304" pitchFamily="18" charset="0"/>
+                <a:cs typeface="Times New Roman" panose="02020603050405020304" pitchFamily="18" charset="0"/>
+              </a:rPr>
+              <a:t>img_resized</a:t>
+            </a:r>
+            <a:r>
+              <a:rPr lang="en-IN" b="0" dirty="0">
+                <a:effectLst/>
+                <a:latin typeface="Times New Roman" panose="02020603050405020304" pitchFamily="18" charset="0"/>
+                <a:cs typeface="Times New Roman" panose="02020603050405020304" pitchFamily="18" charset="0"/>
+              </a:rPr>
+              <a:t> = cv2.resize(image, (width, height))</a:t>
+            </a:r>
+          </a:p>
+          <a:p>
+            <a:r>
+              <a:rPr lang="en-IN" b="0" dirty="0">
+                <a:effectLst/>
+                <a:latin typeface="Times New Roman" panose="02020603050405020304" pitchFamily="18" charset="0"/>
+                <a:cs typeface="Times New Roman" panose="02020603050405020304" pitchFamily="18" charset="0"/>
+              </a:rPr>
+              <a:t>    return </a:t>
+            </a:r>
+            <a:r>
+              <a:rPr lang="en-IN" b="0" dirty="0" err="1">
+                <a:effectLst/>
+                <a:latin typeface="Times New Roman" panose="02020603050405020304" pitchFamily="18" charset="0"/>
+                <a:cs typeface="Times New Roman" panose="02020603050405020304" pitchFamily="18" charset="0"/>
+              </a:rPr>
+              <a:t>img_resized</a:t>
+            </a:r>
+            <a:endParaRPr lang="en-IN" b="0" dirty="0">
+              <a:effectLst/>
+              <a:latin typeface="Times New Roman" panose="02020603050405020304" pitchFamily="18" charset="0"/>
+              <a:cs typeface="Times New Roman" panose="02020603050405020304" pitchFamily="18" charset="0"/>
+            </a:endParaRPr>
+          </a:p>
+          <a:p>
+            <a:r>
+              <a:rPr lang="en-IN" b="0" dirty="0">
+                <a:effectLst/>
+                <a:latin typeface="Times New Roman" panose="02020603050405020304" pitchFamily="18" charset="0"/>
+                <a:cs typeface="Times New Roman" panose="02020603050405020304" pitchFamily="18" charset="0"/>
+              </a:rPr>
+              <a:t>def </a:t>
+            </a:r>
+            <a:r>
+              <a:rPr lang="en-IN" b="0" dirty="0" err="1">
+                <a:effectLst/>
+                <a:latin typeface="Times New Roman" panose="02020603050405020304" pitchFamily="18" charset="0"/>
+                <a:cs typeface="Times New Roman" panose="02020603050405020304" pitchFamily="18" charset="0"/>
+              </a:rPr>
+              <a:t>gamma_correction</a:t>
+            </a:r>
+            <a:r>
+              <a:rPr lang="en-IN" b="0" dirty="0">
+                <a:effectLst/>
+                <a:latin typeface="Times New Roman" panose="02020603050405020304" pitchFamily="18" charset="0"/>
+                <a:cs typeface="Times New Roman" panose="02020603050405020304" pitchFamily="18" charset="0"/>
+              </a:rPr>
+              <a:t>(image, y):</a:t>
+            </a:r>
+          </a:p>
+          <a:p>
+            <a:r>
+              <a:rPr lang="en-IN" b="0" dirty="0">
+                <a:effectLst/>
+                <a:latin typeface="Times New Roman" panose="02020603050405020304" pitchFamily="18" charset="0"/>
+                <a:cs typeface="Times New Roman" panose="02020603050405020304" pitchFamily="18" charset="0"/>
+              </a:rPr>
+              <a:t>    </a:t>
+            </a:r>
+            <a:r>
+              <a:rPr lang="en-IN" b="0" dirty="0" err="1">
+                <a:effectLst/>
+                <a:latin typeface="Times New Roman" panose="02020603050405020304" pitchFamily="18" charset="0"/>
+                <a:cs typeface="Times New Roman" panose="02020603050405020304" pitchFamily="18" charset="0"/>
+              </a:rPr>
+              <a:t>gamma_correct</a:t>
+            </a:r>
+            <a:r>
+              <a:rPr lang="en-IN" b="0" dirty="0">
+                <a:effectLst/>
+                <a:latin typeface="Times New Roman" panose="02020603050405020304" pitchFamily="18" charset="0"/>
+                <a:cs typeface="Times New Roman" panose="02020603050405020304" pitchFamily="18" charset="0"/>
+              </a:rPr>
+              <a:t> = </a:t>
+            </a:r>
+            <a:r>
+              <a:rPr lang="en-IN" b="0" dirty="0" err="1">
+                <a:effectLst/>
+                <a:latin typeface="Times New Roman" panose="02020603050405020304" pitchFamily="18" charset="0"/>
+                <a:cs typeface="Times New Roman" panose="02020603050405020304" pitchFamily="18" charset="0"/>
+              </a:rPr>
+              <a:t>np.array</a:t>
+            </a:r>
+            <a:r>
+              <a:rPr lang="en-IN" b="0" dirty="0">
+                <a:effectLst/>
+                <a:latin typeface="Times New Roman" panose="02020603050405020304" pitchFamily="18" charset="0"/>
+                <a:cs typeface="Times New Roman" panose="02020603050405020304" pitchFamily="18" charset="0"/>
+              </a:rPr>
+              <a:t>(255 * (image / 255) ** y, </a:t>
+            </a:r>
+            <a:r>
+              <a:rPr lang="en-IN" b="0" dirty="0" err="1">
+                <a:effectLst/>
+                <a:latin typeface="Times New Roman" panose="02020603050405020304" pitchFamily="18" charset="0"/>
+                <a:cs typeface="Times New Roman" panose="02020603050405020304" pitchFamily="18" charset="0"/>
+              </a:rPr>
+              <a:t>dtype</a:t>
+            </a:r>
+            <a:r>
+              <a:rPr lang="en-IN" b="0" dirty="0">
+                <a:effectLst/>
+                <a:latin typeface="Times New Roman" panose="02020603050405020304" pitchFamily="18" charset="0"/>
+                <a:cs typeface="Times New Roman" panose="02020603050405020304" pitchFamily="18" charset="0"/>
+              </a:rPr>
+              <a:t>='uint8')</a:t>
+            </a:r>
+          </a:p>
+          <a:p>
+            <a:r>
+              <a:rPr lang="en-IN" b="0" dirty="0">
+                <a:effectLst/>
+                <a:latin typeface="Times New Roman" panose="02020603050405020304" pitchFamily="18" charset="0"/>
+                <a:cs typeface="Times New Roman" panose="02020603050405020304" pitchFamily="18" charset="0"/>
+              </a:rPr>
+              <a:t>    return </a:t>
+            </a:r>
+            <a:r>
+              <a:rPr lang="en-IN" b="0" dirty="0" err="1">
+                <a:effectLst/>
+                <a:latin typeface="Times New Roman" panose="02020603050405020304" pitchFamily="18" charset="0"/>
+                <a:cs typeface="Times New Roman" panose="02020603050405020304" pitchFamily="18" charset="0"/>
+              </a:rPr>
+              <a:t>gamma_correct</a:t>
+            </a:r>
+            <a:endParaRPr lang="en-IN" b="0" dirty="0">
+              <a:effectLst/>
+              <a:latin typeface="Times New Roman" panose="02020603050405020304" pitchFamily="18" charset="0"/>
+              <a:cs typeface="Times New Roman" panose="02020603050405020304" pitchFamily="18" charset="0"/>
+            </a:endParaRPr>
+          </a:p>
+          <a:p>
+            <a:r>
+              <a:rPr lang="en-IN" b="0" dirty="0">
+                <a:effectLst/>
+                <a:latin typeface="Times New Roman" panose="02020603050405020304" pitchFamily="18" charset="0"/>
+                <a:cs typeface="Times New Roman" panose="02020603050405020304" pitchFamily="18" charset="0"/>
+              </a:rPr>
+              <a:t>def </a:t>
+            </a:r>
+            <a:r>
+              <a:rPr lang="en-IN" b="0" dirty="0" err="1">
+                <a:effectLst/>
+                <a:latin typeface="Times New Roman" panose="02020603050405020304" pitchFamily="18" charset="0"/>
+                <a:cs typeface="Times New Roman" panose="02020603050405020304" pitchFamily="18" charset="0"/>
+              </a:rPr>
+              <a:t>adaptive_histogram_equalization</a:t>
+            </a:r>
+            <a:r>
+              <a:rPr lang="en-IN" b="0" dirty="0">
+                <a:effectLst/>
+                <a:latin typeface="Times New Roman" panose="02020603050405020304" pitchFamily="18" charset="0"/>
+                <a:cs typeface="Times New Roman" panose="02020603050405020304" pitchFamily="18" charset="0"/>
+              </a:rPr>
+              <a:t>(image):</a:t>
+            </a:r>
+          </a:p>
+          <a:p>
+            <a:r>
+              <a:rPr lang="en-IN" b="0" dirty="0">
+                <a:effectLst/>
+                <a:latin typeface="Times New Roman" panose="02020603050405020304" pitchFamily="18" charset="0"/>
+                <a:cs typeface="Times New Roman" panose="02020603050405020304" pitchFamily="18" charset="0"/>
+              </a:rPr>
+              <a:t>    </a:t>
+            </a:r>
+            <a:r>
+              <a:rPr lang="en-IN" b="0" dirty="0" err="1">
+                <a:effectLst/>
+                <a:latin typeface="Times New Roman" panose="02020603050405020304" pitchFamily="18" charset="0"/>
+                <a:cs typeface="Times New Roman" panose="02020603050405020304" pitchFamily="18" charset="0"/>
+              </a:rPr>
+              <a:t>clahe</a:t>
+            </a:r>
+            <a:r>
+              <a:rPr lang="en-IN" b="0" dirty="0">
+                <a:effectLst/>
+                <a:latin typeface="Times New Roman" panose="02020603050405020304" pitchFamily="18" charset="0"/>
+                <a:cs typeface="Times New Roman" panose="02020603050405020304" pitchFamily="18" charset="0"/>
+              </a:rPr>
+              <a:t> = cv2.createCLAHE(</a:t>
+            </a:r>
+            <a:r>
+              <a:rPr lang="en-IN" b="0" dirty="0" err="1">
+                <a:effectLst/>
+                <a:latin typeface="Times New Roman" panose="02020603050405020304" pitchFamily="18" charset="0"/>
+                <a:cs typeface="Times New Roman" panose="02020603050405020304" pitchFamily="18" charset="0"/>
+              </a:rPr>
+              <a:t>clipLimit</a:t>
+            </a:r>
+            <a:r>
+              <a:rPr lang="en-IN" b="0" dirty="0">
+                <a:effectLst/>
+                <a:latin typeface="Times New Roman" panose="02020603050405020304" pitchFamily="18" charset="0"/>
+                <a:cs typeface="Times New Roman" panose="02020603050405020304" pitchFamily="18" charset="0"/>
+              </a:rPr>
+              <a:t>=2.0, </a:t>
+            </a:r>
+            <a:r>
+              <a:rPr lang="en-IN" b="0" dirty="0" err="1">
+                <a:effectLst/>
+                <a:latin typeface="Times New Roman" panose="02020603050405020304" pitchFamily="18" charset="0"/>
+                <a:cs typeface="Times New Roman" panose="02020603050405020304" pitchFamily="18" charset="0"/>
+              </a:rPr>
+              <a:t>tileGridSize</a:t>
+            </a:r>
+            <a:r>
+              <a:rPr lang="en-IN" b="0" dirty="0">
+                <a:effectLst/>
+                <a:latin typeface="Times New Roman" panose="02020603050405020304" pitchFamily="18" charset="0"/>
+                <a:cs typeface="Times New Roman" panose="02020603050405020304" pitchFamily="18" charset="0"/>
+              </a:rPr>
+              <a:t>=(8, 8))</a:t>
+            </a:r>
+          </a:p>
+          <a:p>
+            <a:r>
+              <a:rPr lang="en-IN" b="0" dirty="0">
+                <a:effectLst/>
+                <a:latin typeface="Times New Roman" panose="02020603050405020304" pitchFamily="18" charset="0"/>
+                <a:cs typeface="Times New Roman" panose="02020603050405020304" pitchFamily="18" charset="0"/>
+              </a:rPr>
+              <a:t>    </a:t>
+            </a:r>
+            <a:r>
+              <a:rPr lang="en-IN" b="0" dirty="0" err="1">
+                <a:effectLst/>
+                <a:latin typeface="Times New Roman" panose="02020603050405020304" pitchFamily="18" charset="0"/>
+                <a:cs typeface="Times New Roman" panose="02020603050405020304" pitchFamily="18" charset="0"/>
+              </a:rPr>
+              <a:t>img_equalized</a:t>
+            </a:r>
+            <a:r>
+              <a:rPr lang="en-IN" b="0" dirty="0">
+                <a:effectLst/>
+                <a:latin typeface="Times New Roman" panose="02020603050405020304" pitchFamily="18" charset="0"/>
+                <a:cs typeface="Times New Roman" panose="02020603050405020304" pitchFamily="18" charset="0"/>
+              </a:rPr>
+              <a:t> = </a:t>
+            </a:r>
+            <a:r>
+              <a:rPr lang="en-IN" b="0" dirty="0" err="1">
+                <a:effectLst/>
+                <a:latin typeface="Times New Roman" panose="02020603050405020304" pitchFamily="18" charset="0"/>
+                <a:cs typeface="Times New Roman" panose="02020603050405020304" pitchFamily="18" charset="0"/>
+              </a:rPr>
+              <a:t>clahe.apply</a:t>
+            </a:r>
+            <a:r>
+              <a:rPr lang="en-IN" b="0" dirty="0">
+                <a:effectLst/>
+                <a:latin typeface="Times New Roman" panose="02020603050405020304" pitchFamily="18" charset="0"/>
+                <a:cs typeface="Times New Roman" panose="02020603050405020304" pitchFamily="18" charset="0"/>
+              </a:rPr>
+              <a:t>(image)</a:t>
+            </a:r>
+          </a:p>
+          <a:p>
+            <a:r>
+              <a:rPr lang="en-IN" b="0" dirty="0">
+                <a:effectLst/>
+                <a:latin typeface="Times New Roman" panose="02020603050405020304" pitchFamily="18" charset="0"/>
+                <a:cs typeface="Times New Roman" panose="02020603050405020304" pitchFamily="18" charset="0"/>
+              </a:rPr>
+              <a:t>    return </a:t>
+            </a:r>
+            <a:r>
+              <a:rPr lang="en-IN" b="0" dirty="0" err="1">
+                <a:effectLst/>
+                <a:latin typeface="Times New Roman" panose="02020603050405020304" pitchFamily="18" charset="0"/>
+                <a:cs typeface="Times New Roman" panose="02020603050405020304" pitchFamily="18" charset="0"/>
+              </a:rPr>
+              <a:t>img_equalized</a:t>
+            </a:r>
+            <a:endParaRPr lang="en-IN" b="0" dirty="0">
+              <a:effectLst/>
+              <a:latin typeface="Times New Roman" panose="02020603050405020304" pitchFamily="18" charset="0"/>
+              <a:cs typeface="Times New Roman" panose="02020603050405020304" pitchFamily="18" charset="0"/>
+            </a:endParaRPr>
+          </a:p>
+        </p:txBody>
+      </p:sp>
+    </p:spTree>
+    <p:extLst>
+      <p:ext uri="{BB962C8B-B14F-4D97-AF65-F5344CB8AC3E}">
+        <p14:creationId xmlns:p14="http://schemas.microsoft.com/office/powerpoint/2010/main" val="472219122"/>
+      </p:ext>
+    </p:extLst>
+  </p:cSld>
+  <p:clrMapOvr>
+    <a:masterClrMapping/>
+  </p:clrMapOvr>
+</p:sld>
+</file>
+
+<file path=ppt/slides/slide13.xml><?xml version="1.0" encoding="utf-8"?>
+<p:sld xmlns:a="http://schemas.openxmlformats.org/drawingml/2006/main" xmlns:r="http://schemas.openxmlformats.org/officeDocument/2006/relationships" xmlns:p="http://schemas.openxmlformats.org/presentationml/2006/main">
+  <p:cSld>
+    <p:spTree>
+      <p:nvGrpSpPr>
+        <p:cNvPr id="1" name=""/>
+        <p:cNvGrpSpPr/>
+        <p:nvPr/>
+      </p:nvGrpSpPr>
+      <p:grpSpPr>
+        <a:xfrm>
+          <a:off x="0" y="0"/>
+          <a:ext cx="0" cy="0"/>
+          <a:chOff x="0" y="0"/>
+          <a:chExt cx="0" cy="0"/>
+        </a:xfrm>
+      </p:grpSpPr>
+      <p:sp>
+        <p:nvSpPr>
+          <p:cNvPr id="3" name="TextBox 2">
+            <a:extLst>
+              <a:ext uri="{FF2B5EF4-FFF2-40B4-BE49-F238E27FC236}">
+                <a16:creationId xmlns:a16="http://schemas.microsoft.com/office/drawing/2014/main" id="{6AF3B8FE-AE29-2A29-9CB8-9E113A56A776}"/>
+              </a:ext>
+            </a:extLst>
+          </p:cNvPr>
+          <p:cNvSpPr txBox="1"/>
+          <p:nvPr/>
+        </p:nvSpPr>
+        <p:spPr>
+          <a:xfrm>
+            <a:off x="405115" y="783010"/>
+            <a:ext cx="11424212" cy="5632311"/>
+          </a:xfrm>
+          <a:prstGeom prst="rect">
+            <a:avLst/>
+          </a:prstGeom>
+          <a:noFill/>
+        </p:spPr>
+        <p:txBody>
+          <a:bodyPr wrap="square">
+            <a:spAutoFit/>
+          </a:bodyPr>
+          <a:lstStyle/>
+          <a:p>
+            <a:r>
+              <a:rPr lang="en-IN" b="0" dirty="0">
+                <a:effectLst/>
+                <a:latin typeface="Times New Roman" panose="02020603050405020304" pitchFamily="18" charset="0"/>
+                <a:cs typeface="Times New Roman" panose="02020603050405020304" pitchFamily="18" charset="0"/>
+              </a:rPr>
+              <a:t>def </a:t>
+            </a:r>
+            <a:r>
+              <a:rPr lang="en-IN" b="0" dirty="0" err="1">
+                <a:effectLst/>
+                <a:latin typeface="Times New Roman" panose="02020603050405020304" pitchFamily="18" charset="0"/>
+                <a:cs typeface="Times New Roman" panose="02020603050405020304" pitchFamily="18" charset="0"/>
+              </a:rPr>
+              <a:t>otsu_threshold</a:t>
+            </a:r>
+            <a:r>
+              <a:rPr lang="en-IN" b="0" dirty="0">
+                <a:effectLst/>
+                <a:latin typeface="Times New Roman" panose="02020603050405020304" pitchFamily="18" charset="0"/>
+                <a:cs typeface="Times New Roman" panose="02020603050405020304" pitchFamily="18" charset="0"/>
+              </a:rPr>
+              <a:t>(image):</a:t>
+            </a:r>
+          </a:p>
+          <a:p>
+            <a:r>
+              <a:rPr lang="en-IN" b="0" dirty="0">
+                <a:effectLst/>
+                <a:latin typeface="Times New Roman" panose="02020603050405020304" pitchFamily="18" charset="0"/>
+                <a:cs typeface="Times New Roman" panose="02020603050405020304" pitchFamily="18" charset="0"/>
+              </a:rPr>
+              <a:t>    _, </a:t>
+            </a:r>
+            <a:r>
+              <a:rPr lang="en-IN" b="0" dirty="0" err="1">
+                <a:effectLst/>
+                <a:latin typeface="Times New Roman" panose="02020603050405020304" pitchFamily="18" charset="0"/>
+                <a:cs typeface="Times New Roman" panose="02020603050405020304" pitchFamily="18" charset="0"/>
+              </a:rPr>
+              <a:t>img_thresh</a:t>
+            </a:r>
+            <a:r>
+              <a:rPr lang="en-IN" b="0" dirty="0">
+                <a:effectLst/>
+                <a:latin typeface="Times New Roman" panose="02020603050405020304" pitchFamily="18" charset="0"/>
+                <a:cs typeface="Times New Roman" panose="02020603050405020304" pitchFamily="18" charset="0"/>
+              </a:rPr>
+              <a:t> = cv2.threshold(image, 0, 255, cv2.THRESH_BINARY + cv2.THRESH_OTSU)</a:t>
+            </a:r>
+          </a:p>
+          <a:p>
+            <a:r>
+              <a:rPr lang="en-IN" b="0" dirty="0">
+                <a:effectLst/>
+                <a:latin typeface="Times New Roman" panose="02020603050405020304" pitchFamily="18" charset="0"/>
+                <a:cs typeface="Times New Roman" panose="02020603050405020304" pitchFamily="18" charset="0"/>
+              </a:rPr>
+              <a:t>    return </a:t>
+            </a:r>
+            <a:r>
+              <a:rPr lang="en-IN" b="0" dirty="0" err="1">
+                <a:effectLst/>
+                <a:latin typeface="Times New Roman" panose="02020603050405020304" pitchFamily="18" charset="0"/>
+                <a:cs typeface="Times New Roman" panose="02020603050405020304" pitchFamily="18" charset="0"/>
+              </a:rPr>
+              <a:t>img_thresh</a:t>
+            </a:r>
+            <a:endParaRPr lang="en-IN" b="0" dirty="0">
+              <a:effectLst/>
+              <a:latin typeface="Times New Roman" panose="02020603050405020304" pitchFamily="18" charset="0"/>
+              <a:cs typeface="Times New Roman" panose="02020603050405020304" pitchFamily="18" charset="0"/>
+            </a:endParaRPr>
+          </a:p>
+          <a:p>
+            <a:r>
+              <a:rPr lang="en-IN" b="0" dirty="0">
+                <a:effectLst/>
+                <a:latin typeface="Times New Roman" panose="02020603050405020304" pitchFamily="18" charset="0"/>
+                <a:cs typeface="Times New Roman" panose="02020603050405020304" pitchFamily="18" charset="0"/>
+              </a:rPr>
+              <a:t>def </a:t>
+            </a:r>
+            <a:r>
+              <a:rPr lang="en-IN" b="0" dirty="0" err="1">
+                <a:effectLst/>
+                <a:latin typeface="Times New Roman" panose="02020603050405020304" pitchFamily="18" charset="0"/>
+                <a:cs typeface="Times New Roman" panose="02020603050405020304" pitchFamily="18" charset="0"/>
+              </a:rPr>
+              <a:t>dilation_erosion</a:t>
+            </a:r>
+            <a:r>
+              <a:rPr lang="en-IN" b="0" dirty="0">
+                <a:effectLst/>
+                <a:latin typeface="Times New Roman" panose="02020603050405020304" pitchFamily="18" charset="0"/>
+                <a:cs typeface="Times New Roman" panose="02020603050405020304" pitchFamily="18" charset="0"/>
+              </a:rPr>
+              <a:t>(image):</a:t>
+            </a:r>
+          </a:p>
+          <a:p>
+            <a:r>
+              <a:rPr lang="en-IN" b="0" dirty="0">
+                <a:effectLst/>
+                <a:latin typeface="Times New Roman" panose="02020603050405020304" pitchFamily="18" charset="0"/>
+                <a:cs typeface="Times New Roman" panose="02020603050405020304" pitchFamily="18" charset="0"/>
+              </a:rPr>
+              <a:t>    kernel = </a:t>
+            </a:r>
+            <a:r>
+              <a:rPr lang="en-IN" b="0" dirty="0" err="1">
+                <a:effectLst/>
+                <a:latin typeface="Times New Roman" panose="02020603050405020304" pitchFamily="18" charset="0"/>
+                <a:cs typeface="Times New Roman" panose="02020603050405020304" pitchFamily="18" charset="0"/>
+              </a:rPr>
+              <a:t>np.ones</a:t>
+            </a:r>
+            <a:r>
+              <a:rPr lang="en-IN" b="0" dirty="0">
+                <a:effectLst/>
+                <a:latin typeface="Times New Roman" panose="02020603050405020304" pitchFamily="18" charset="0"/>
+                <a:cs typeface="Times New Roman" panose="02020603050405020304" pitchFamily="18" charset="0"/>
+              </a:rPr>
+              <a:t>((15, 15), np.uint8)</a:t>
+            </a:r>
+          </a:p>
+          <a:p>
+            <a:r>
+              <a:rPr lang="en-IN" b="0" dirty="0">
+                <a:effectLst/>
+                <a:latin typeface="Times New Roman" panose="02020603050405020304" pitchFamily="18" charset="0"/>
+                <a:cs typeface="Times New Roman" panose="02020603050405020304" pitchFamily="18" charset="0"/>
+              </a:rPr>
+              <a:t>    </a:t>
+            </a:r>
+            <a:r>
+              <a:rPr lang="en-IN" b="0" dirty="0" err="1">
+                <a:effectLst/>
+                <a:latin typeface="Times New Roman" panose="02020603050405020304" pitchFamily="18" charset="0"/>
+                <a:cs typeface="Times New Roman" panose="02020603050405020304" pitchFamily="18" charset="0"/>
+              </a:rPr>
+              <a:t>img_dilation</a:t>
+            </a:r>
+            <a:r>
+              <a:rPr lang="en-IN" b="0" dirty="0">
+                <a:effectLst/>
+                <a:latin typeface="Times New Roman" panose="02020603050405020304" pitchFamily="18" charset="0"/>
+                <a:cs typeface="Times New Roman" panose="02020603050405020304" pitchFamily="18" charset="0"/>
+              </a:rPr>
+              <a:t> = cv2.dilate(image, kernel, iterations=1)</a:t>
+            </a:r>
+          </a:p>
+          <a:p>
+            <a:r>
+              <a:rPr lang="en-IN" b="0" dirty="0">
+                <a:effectLst/>
+                <a:latin typeface="Times New Roman" panose="02020603050405020304" pitchFamily="18" charset="0"/>
+                <a:cs typeface="Times New Roman" panose="02020603050405020304" pitchFamily="18" charset="0"/>
+              </a:rPr>
+              <a:t>    </a:t>
+            </a:r>
+            <a:r>
+              <a:rPr lang="en-IN" b="0" dirty="0" err="1">
+                <a:effectLst/>
+                <a:latin typeface="Times New Roman" panose="02020603050405020304" pitchFamily="18" charset="0"/>
+                <a:cs typeface="Times New Roman" panose="02020603050405020304" pitchFamily="18" charset="0"/>
+              </a:rPr>
+              <a:t>img_erode</a:t>
+            </a:r>
+            <a:r>
+              <a:rPr lang="en-IN" b="0" dirty="0">
+                <a:effectLst/>
+                <a:latin typeface="Times New Roman" panose="02020603050405020304" pitchFamily="18" charset="0"/>
+                <a:cs typeface="Times New Roman" panose="02020603050405020304" pitchFamily="18" charset="0"/>
+              </a:rPr>
+              <a:t> = cv2.erode(</a:t>
+            </a:r>
+            <a:r>
+              <a:rPr lang="en-IN" b="0" dirty="0" err="1">
+                <a:effectLst/>
+                <a:latin typeface="Times New Roman" panose="02020603050405020304" pitchFamily="18" charset="0"/>
+                <a:cs typeface="Times New Roman" panose="02020603050405020304" pitchFamily="18" charset="0"/>
+              </a:rPr>
+              <a:t>img_dilation</a:t>
+            </a:r>
+            <a:r>
+              <a:rPr lang="en-IN" b="0" dirty="0">
+                <a:effectLst/>
+                <a:latin typeface="Times New Roman" panose="02020603050405020304" pitchFamily="18" charset="0"/>
+                <a:cs typeface="Times New Roman" panose="02020603050405020304" pitchFamily="18" charset="0"/>
+              </a:rPr>
+              <a:t>, kernel, iterations=1)</a:t>
+            </a:r>
+          </a:p>
+          <a:p>
+            <a:r>
+              <a:rPr lang="en-IN" b="0" dirty="0">
+                <a:effectLst/>
+                <a:latin typeface="Times New Roman" panose="02020603050405020304" pitchFamily="18" charset="0"/>
+                <a:cs typeface="Times New Roman" panose="02020603050405020304" pitchFamily="18" charset="0"/>
+              </a:rPr>
+              <a:t>    </a:t>
+            </a:r>
+            <a:r>
+              <a:rPr lang="en-IN" b="0" dirty="0" err="1">
+                <a:effectLst/>
+                <a:latin typeface="Times New Roman" panose="02020603050405020304" pitchFamily="18" charset="0"/>
+                <a:cs typeface="Times New Roman" panose="02020603050405020304" pitchFamily="18" charset="0"/>
+              </a:rPr>
+              <a:t>img_erode</a:t>
+            </a:r>
+            <a:r>
+              <a:rPr lang="en-IN" b="0" dirty="0">
+                <a:effectLst/>
+                <a:latin typeface="Times New Roman" panose="02020603050405020304" pitchFamily="18" charset="0"/>
+                <a:cs typeface="Times New Roman" panose="02020603050405020304" pitchFamily="18" charset="0"/>
+              </a:rPr>
+              <a:t> = cv2.medianBlur(</a:t>
+            </a:r>
+            <a:r>
+              <a:rPr lang="en-IN" b="0" dirty="0" err="1">
+                <a:effectLst/>
+                <a:latin typeface="Times New Roman" panose="02020603050405020304" pitchFamily="18" charset="0"/>
+                <a:cs typeface="Times New Roman" panose="02020603050405020304" pitchFamily="18" charset="0"/>
+              </a:rPr>
+              <a:t>img_erode</a:t>
+            </a:r>
+            <a:r>
+              <a:rPr lang="en-IN" b="0" dirty="0">
+                <a:effectLst/>
+                <a:latin typeface="Times New Roman" panose="02020603050405020304" pitchFamily="18" charset="0"/>
+                <a:cs typeface="Times New Roman" panose="02020603050405020304" pitchFamily="18" charset="0"/>
+              </a:rPr>
+              <a:t>, 7)</a:t>
+            </a:r>
+          </a:p>
+          <a:p>
+            <a:r>
+              <a:rPr lang="en-IN" b="0" dirty="0">
+                <a:effectLst/>
+                <a:latin typeface="Times New Roman" panose="02020603050405020304" pitchFamily="18" charset="0"/>
+                <a:cs typeface="Times New Roman" panose="02020603050405020304" pitchFamily="18" charset="0"/>
+              </a:rPr>
+              <a:t>    return </a:t>
+            </a:r>
+            <a:r>
+              <a:rPr lang="en-IN" b="0" dirty="0" err="1">
+                <a:effectLst/>
+                <a:latin typeface="Times New Roman" panose="02020603050405020304" pitchFamily="18" charset="0"/>
+                <a:cs typeface="Times New Roman" panose="02020603050405020304" pitchFamily="18" charset="0"/>
+              </a:rPr>
+              <a:t>img_erode</a:t>
+            </a:r>
+            <a:endParaRPr lang="en-IN" b="0" dirty="0">
+              <a:effectLst/>
+              <a:latin typeface="Times New Roman" panose="02020603050405020304" pitchFamily="18" charset="0"/>
+              <a:cs typeface="Times New Roman" panose="02020603050405020304" pitchFamily="18" charset="0"/>
+            </a:endParaRPr>
+          </a:p>
+          <a:p>
+            <a:r>
+              <a:rPr lang="en-IN" b="0" dirty="0">
+                <a:effectLst/>
+                <a:latin typeface="Times New Roman" panose="02020603050405020304" pitchFamily="18" charset="0"/>
+                <a:cs typeface="Times New Roman" panose="02020603050405020304" pitchFamily="18" charset="0"/>
+              </a:rPr>
+              <a:t>def </a:t>
+            </a:r>
+            <a:r>
+              <a:rPr lang="en-IN" b="0" dirty="0" err="1">
+                <a:effectLst/>
+                <a:latin typeface="Times New Roman" panose="02020603050405020304" pitchFamily="18" charset="0"/>
+                <a:cs typeface="Times New Roman" panose="02020603050405020304" pitchFamily="18" charset="0"/>
+              </a:rPr>
+              <a:t>labeling</a:t>
+            </a:r>
+            <a:r>
+              <a:rPr lang="en-IN" b="0" dirty="0">
+                <a:effectLst/>
+                <a:latin typeface="Times New Roman" panose="02020603050405020304" pitchFamily="18" charset="0"/>
+                <a:cs typeface="Times New Roman" panose="02020603050405020304" pitchFamily="18" charset="0"/>
+              </a:rPr>
+              <a:t>(image):</a:t>
+            </a:r>
+          </a:p>
+          <a:p>
+            <a:r>
+              <a:rPr lang="en-IN" b="0" dirty="0">
+                <a:effectLst/>
+                <a:latin typeface="Times New Roman" panose="02020603050405020304" pitchFamily="18" charset="0"/>
+                <a:cs typeface="Times New Roman" panose="02020603050405020304" pitchFamily="18" charset="0"/>
+              </a:rPr>
+              <a:t>    contours, _ = cv2.findContours(image, cv2.RETR_EXTERNAL, cv2.CHAIN_APPROX_SIMPLE)</a:t>
+            </a:r>
+          </a:p>
+          <a:p>
+            <a:r>
+              <a:rPr lang="en-IN" b="0" dirty="0">
+                <a:effectLst/>
+                <a:latin typeface="Times New Roman" panose="02020603050405020304" pitchFamily="18" charset="0"/>
+                <a:cs typeface="Times New Roman" panose="02020603050405020304" pitchFamily="18" charset="0"/>
+              </a:rPr>
+              <a:t>    </a:t>
+            </a:r>
+            <a:r>
+              <a:rPr lang="en-IN" b="0" dirty="0" err="1">
+                <a:effectLst/>
+                <a:latin typeface="Times New Roman" panose="02020603050405020304" pitchFamily="18" charset="0"/>
+                <a:cs typeface="Times New Roman" panose="02020603050405020304" pitchFamily="18" charset="0"/>
+              </a:rPr>
+              <a:t>labeled_img</a:t>
+            </a:r>
+            <a:r>
+              <a:rPr lang="en-IN" b="0" dirty="0">
+                <a:effectLst/>
+                <a:latin typeface="Times New Roman" panose="02020603050405020304" pitchFamily="18" charset="0"/>
+                <a:cs typeface="Times New Roman" panose="02020603050405020304" pitchFamily="18" charset="0"/>
+              </a:rPr>
+              <a:t> = cv2.drawContours(</a:t>
+            </a:r>
+            <a:r>
+              <a:rPr lang="en-IN" b="0" dirty="0" err="1">
+                <a:effectLst/>
+                <a:latin typeface="Times New Roman" panose="02020603050405020304" pitchFamily="18" charset="0"/>
+                <a:cs typeface="Times New Roman" panose="02020603050405020304" pitchFamily="18" charset="0"/>
+              </a:rPr>
+              <a:t>np.zeros_like</a:t>
+            </a:r>
+            <a:r>
+              <a:rPr lang="en-IN" b="0" dirty="0">
+                <a:effectLst/>
+                <a:latin typeface="Times New Roman" panose="02020603050405020304" pitchFamily="18" charset="0"/>
+                <a:cs typeface="Times New Roman" panose="02020603050405020304" pitchFamily="18" charset="0"/>
+              </a:rPr>
+              <a:t>(image), contours, -1, (255), thickness=cv2.FILLED)</a:t>
+            </a:r>
+          </a:p>
+          <a:p>
+            <a:r>
+              <a:rPr lang="en-IN" b="0" dirty="0">
+                <a:effectLst/>
+                <a:latin typeface="Times New Roman" panose="02020603050405020304" pitchFamily="18" charset="0"/>
+                <a:cs typeface="Times New Roman" panose="02020603050405020304" pitchFamily="18" charset="0"/>
+              </a:rPr>
+              <a:t>    count = </a:t>
+            </a:r>
+            <a:r>
+              <a:rPr lang="en-IN" b="0" dirty="0" err="1">
+                <a:effectLst/>
+                <a:latin typeface="Times New Roman" panose="02020603050405020304" pitchFamily="18" charset="0"/>
+                <a:cs typeface="Times New Roman" panose="02020603050405020304" pitchFamily="18" charset="0"/>
+              </a:rPr>
+              <a:t>len</a:t>
+            </a:r>
+            <a:r>
+              <a:rPr lang="en-IN" b="0" dirty="0">
+                <a:effectLst/>
+                <a:latin typeface="Times New Roman" panose="02020603050405020304" pitchFamily="18" charset="0"/>
+                <a:cs typeface="Times New Roman" panose="02020603050405020304" pitchFamily="18" charset="0"/>
+              </a:rPr>
+              <a:t>(contours)</a:t>
+            </a:r>
+          </a:p>
+          <a:p>
+            <a:r>
+              <a:rPr lang="en-IN" b="0" dirty="0">
+                <a:effectLst/>
+                <a:latin typeface="Times New Roman" panose="02020603050405020304" pitchFamily="18" charset="0"/>
+                <a:cs typeface="Times New Roman" panose="02020603050405020304" pitchFamily="18" charset="0"/>
+              </a:rPr>
+              <a:t>    </a:t>
+            </a:r>
+            <a:r>
+              <a:rPr lang="en-IN" b="0" dirty="0" err="1">
+                <a:effectLst/>
+                <a:latin typeface="Times New Roman" panose="02020603050405020304" pitchFamily="18" charset="0"/>
+                <a:cs typeface="Times New Roman" panose="02020603050405020304" pitchFamily="18" charset="0"/>
+              </a:rPr>
+              <a:t>plt.title</a:t>
+            </a:r>
+            <a:r>
+              <a:rPr lang="en-IN" b="0" dirty="0">
+                <a:effectLst/>
+                <a:latin typeface="Times New Roman" panose="02020603050405020304" pitchFamily="18" charset="0"/>
+                <a:cs typeface="Times New Roman" panose="02020603050405020304" pitchFamily="18" charset="0"/>
+              </a:rPr>
+              <a:t>('People counted in this image: ' + str(count))</a:t>
+            </a:r>
+          </a:p>
+          <a:p>
+            <a:r>
+              <a:rPr lang="en-IN" b="0" dirty="0">
+                <a:effectLst/>
+                <a:latin typeface="Times New Roman" panose="02020603050405020304" pitchFamily="18" charset="0"/>
+                <a:cs typeface="Times New Roman" panose="02020603050405020304" pitchFamily="18" charset="0"/>
+              </a:rPr>
+              <a:t>    </a:t>
+            </a:r>
+            <a:r>
+              <a:rPr lang="en-IN" b="0" dirty="0" err="1">
+                <a:effectLst/>
+                <a:latin typeface="Times New Roman" panose="02020603050405020304" pitchFamily="18" charset="0"/>
+                <a:cs typeface="Times New Roman" panose="02020603050405020304" pitchFamily="18" charset="0"/>
+              </a:rPr>
+              <a:t>plt.imshow</a:t>
+            </a:r>
+            <a:r>
+              <a:rPr lang="en-IN" b="0" dirty="0">
+                <a:effectLst/>
+                <a:latin typeface="Times New Roman" panose="02020603050405020304" pitchFamily="18" charset="0"/>
+                <a:cs typeface="Times New Roman" panose="02020603050405020304" pitchFamily="18" charset="0"/>
+              </a:rPr>
+              <a:t>(</a:t>
+            </a:r>
+            <a:r>
+              <a:rPr lang="en-IN" b="0" dirty="0" err="1">
+                <a:effectLst/>
+                <a:latin typeface="Times New Roman" panose="02020603050405020304" pitchFamily="18" charset="0"/>
+                <a:cs typeface="Times New Roman" panose="02020603050405020304" pitchFamily="18" charset="0"/>
+              </a:rPr>
+              <a:t>labeled_img</a:t>
+            </a:r>
+            <a:r>
+              <a:rPr lang="en-IN" b="0" dirty="0">
+                <a:effectLst/>
+                <a:latin typeface="Times New Roman" panose="02020603050405020304" pitchFamily="18" charset="0"/>
+                <a:cs typeface="Times New Roman" panose="02020603050405020304" pitchFamily="18" charset="0"/>
+              </a:rPr>
+              <a:t>, </a:t>
+            </a:r>
+            <a:r>
+              <a:rPr lang="en-IN" b="0" dirty="0" err="1">
+                <a:effectLst/>
+                <a:latin typeface="Times New Roman" panose="02020603050405020304" pitchFamily="18" charset="0"/>
+                <a:cs typeface="Times New Roman" panose="02020603050405020304" pitchFamily="18" charset="0"/>
+              </a:rPr>
+              <a:t>cmap</a:t>
+            </a:r>
+            <a:r>
+              <a:rPr lang="en-IN" b="0" dirty="0">
+                <a:effectLst/>
+                <a:latin typeface="Times New Roman" panose="02020603050405020304" pitchFamily="18" charset="0"/>
+                <a:cs typeface="Times New Roman" panose="02020603050405020304" pitchFamily="18" charset="0"/>
+              </a:rPr>
+              <a:t>='</a:t>
+            </a:r>
+            <a:r>
+              <a:rPr lang="en-IN" b="0" dirty="0" err="1">
+                <a:effectLst/>
+                <a:latin typeface="Times New Roman" panose="02020603050405020304" pitchFamily="18" charset="0"/>
+                <a:cs typeface="Times New Roman" panose="02020603050405020304" pitchFamily="18" charset="0"/>
+              </a:rPr>
+              <a:t>gray</a:t>
+            </a:r>
+            <a:r>
+              <a:rPr lang="en-IN" b="0" dirty="0">
+                <a:effectLst/>
+                <a:latin typeface="Times New Roman" panose="02020603050405020304" pitchFamily="18" charset="0"/>
+                <a:cs typeface="Times New Roman" panose="02020603050405020304" pitchFamily="18" charset="0"/>
+              </a:rPr>
+              <a:t>')</a:t>
+            </a:r>
+          </a:p>
+          <a:p>
+            <a:r>
+              <a:rPr lang="en-IN" b="0" dirty="0">
+                <a:effectLst/>
+                <a:latin typeface="Times New Roman" panose="02020603050405020304" pitchFamily="18" charset="0"/>
+                <a:cs typeface="Times New Roman" panose="02020603050405020304" pitchFamily="18" charset="0"/>
+              </a:rPr>
+              <a:t>    </a:t>
+            </a:r>
+            <a:r>
+              <a:rPr lang="en-IN" b="0" dirty="0" err="1">
+                <a:effectLst/>
+                <a:latin typeface="Times New Roman" panose="02020603050405020304" pitchFamily="18" charset="0"/>
+                <a:cs typeface="Times New Roman" panose="02020603050405020304" pitchFamily="18" charset="0"/>
+              </a:rPr>
+              <a:t>plt.show</a:t>
+            </a:r>
+            <a:r>
+              <a:rPr lang="en-IN" b="0" dirty="0">
+                <a:effectLst/>
+                <a:latin typeface="Times New Roman" panose="02020603050405020304" pitchFamily="18" charset="0"/>
+                <a:cs typeface="Times New Roman" panose="02020603050405020304" pitchFamily="18" charset="0"/>
+              </a:rPr>
+              <a:t>()</a:t>
+            </a:r>
+          </a:p>
+          <a:p>
+            <a:r>
+              <a:rPr lang="en-IN" b="0" dirty="0">
+                <a:effectLst/>
+                <a:latin typeface="Times New Roman" panose="02020603050405020304" pitchFamily="18" charset="0"/>
+                <a:cs typeface="Times New Roman" panose="02020603050405020304" pitchFamily="18" charset="0"/>
+              </a:rPr>
+              <a:t>    return count</a:t>
+            </a:r>
+          </a:p>
+          <a:p>
+            <a:r>
+              <a:rPr lang="en-IN" b="0" dirty="0" err="1">
+                <a:effectLst/>
+                <a:latin typeface="Times New Roman" panose="02020603050405020304" pitchFamily="18" charset="0"/>
+                <a:cs typeface="Times New Roman" panose="02020603050405020304" pitchFamily="18" charset="0"/>
+              </a:rPr>
+              <a:t>image_paths</a:t>
+            </a:r>
+            <a:r>
+              <a:rPr lang="en-IN" b="0" dirty="0">
+                <a:effectLst/>
+                <a:latin typeface="Times New Roman" panose="02020603050405020304" pitchFamily="18" charset="0"/>
+                <a:cs typeface="Times New Roman" panose="02020603050405020304" pitchFamily="18" charset="0"/>
+              </a:rPr>
+              <a:t> = [ '/content/drive/</a:t>
+            </a:r>
+            <a:r>
+              <a:rPr lang="en-IN" b="0" dirty="0" err="1">
+                <a:effectLst/>
+                <a:latin typeface="Times New Roman" panose="02020603050405020304" pitchFamily="18" charset="0"/>
+                <a:cs typeface="Times New Roman" panose="02020603050405020304" pitchFamily="18" charset="0"/>
+              </a:rPr>
+              <a:t>MyDrive</a:t>
+            </a:r>
+            <a:r>
+              <a:rPr lang="en-IN" b="0" dirty="0">
+                <a:effectLst/>
+                <a:latin typeface="Times New Roman" panose="02020603050405020304" pitchFamily="18" charset="0"/>
+                <a:cs typeface="Times New Roman" panose="02020603050405020304" pitchFamily="18" charset="0"/>
+              </a:rPr>
+              <a:t>/object count in  images/code/frames/frames/seq_000001.jpg']</a:t>
+            </a:r>
+          </a:p>
+          <a:p>
+            <a:r>
+              <a:rPr lang="en-IN" b="0" dirty="0" err="1">
+                <a:effectLst/>
+                <a:latin typeface="Times New Roman" panose="02020603050405020304" pitchFamily="18" charset="0"/>
+                <a:cs typeface="Times New Roman" panose="02020603050405020304" pitchFamily="18" charset="0"/>
+              </a:rPr>
+              <a:t>total_people_count</a:t>
+            </a:r>
+            <a:r>
+              <a:rPr lang="en-IN" b="0" dirty="0">
+                <a:effectLst/>
+                <a:latin typeface="Times New Roman" panose="02020603050405020304" pitchFamily="18" charset="0"/>
+                <a:cs typeface="Times New Roman" panose="02020603050405020304" pitchFamily="18" charset="0"/>
+              </a:rPr>
+              <a:t> = 0</a:t>
+            </a:r>
+          </a:p>
+          <a:p>
+            <a:endParaRPr lang="en-IN" b="0" dirty="0">
+              <a:effectLst/>
+              <a:latin typeface="Times New Roman" panose="02020603050405020304" pitchFamily="18" charset="0"/>
+              <a:cs typeface="Times New Roman" panose="02020603050405020304" pitchFamily="18" charset="0"/>
+            </a:endParaRPr>
+          </a:p>
+        </p:txBody>
+      </p:sp>
+    </p:spTree>
+    <p:extLst>
+      <p:ext uri="{BB962C8B-B14F-4D97-AF65-F5344CB8AC3E}">
+        <p14:creationId xmlns:p14="http://schemas.microsoft.com/office/powerpoint/2010/main" val="444569392"/>
+      </p:ext>
+    </p:extLst>
+  </p:cSld>
+  <p:clrMapOvr>
+    <a:masterClrMapping/>
+  </p:clrMapOvr>
+</p:sld>
+</file>
+
+<file path=ppt/slides/slide14.xml><?xml version="1.0" encoding="utf-8"?>
+<p:sld xmlns:a="http://schemas.openxmlformats.org/drawingml/2006/main" xmlns:r="http://schemas.openxmlformats.org/officeDocument/2006/relationships" xmlns:p="http://schemas.openxmlformats.org/presentationml/2006/main">
+  <p:cSld>
+    <p:spTree>
+      <p:nvGrpSpPr>
+        <p:cNvPr id="1" name=""/>
+        <p:cNvGrpSpPr/>
+        <p:nvPr/>
+      </p:nvGrpSpPr>
+      <p:grpSpPr>
+        <a:xfrm>
+          <a:off x="0" y="0"/>
+          <a:ext cx="0" cy="0"/>
+          <a:chOff x="0" y="0"/>
+          <a:chExt cx="0" cy="0"/>
+        </a:xfrm>
+      </p:grpSpPr>
+      <p:sp>
+        <p:nvSpPr>
+          <p:cNvPr id="3" name="TextBox 2">
+            <a:extLst>
+              <a:ext uri="{FF2B5EF4-FFF2-40B4-BE49-F238E27FC236}">
+                <a16:creationId xmlns:a16="http://schemas.microsoft.com/office/drawing/2014/main" id="{053A41B1-2826-5357-8378-D21843F492E4}"/>
+              </a:ext>
+            </a:extLst>
+          </p:cNvPr>
+          <p:cNvSpPr txBox="1"/>
+          <p:nvPr/>
+        </p:nvSpPr>
+        <p:spPr>
+          <a:xfrm>
+            <a:off x="243068" y="590885"/>
+            <a:ext cx="12192000" cy="5355312"/>
+          </a:xfrm>
+          <a:prstGeom prst="rect">
+            <a:avLst/>
+          </a:prstGeom>
+          <a:noFill/>
+        </p:spPr>
+        <p:txBody>
+          <a:bodyPr wrap="square">
+            <a:spAutoFit/>
+          </a:bodyPr>
+          <a:lstStyle/>
+          <a:p>
+            <a:r>
+              <a:rPr lang="en-IN" b="0" dirty="0">
+                <a:effectLst/>
+                <a:latin typeface="Times New Roman" panose="02020603050405020304" pitchFamily="18" charset="0"/>
+                <a:cs typeface="Times New Roman" panose="02020603050405020304" pitchFamily="18" charset="0"/>
+              </a:rPr>
+              <a:t>for </a:t>
+            </a:r>
+            <a:r>
+              <a:rPr lang="en-IN" b="0" dirty="0" err="1">
+                <a:effectLst/>
+                <a:latin typeface="Times New Roman" panose="02020603050405020304" pitchFamily="18" charset="0"/>
+                <a:cs typeface="Times New Roman" panose="02020603050405020304" pitchFamily="18" charset="0"/>
+              </a:rPr>
+              <a:t>i</a:t>
+            </a:r>
+            <a:r>
+              <a:rPr lang="en-IN" b="0" dirty="0">
+                <a:effectLst/>
+                <a:latin typeface="Times New Roman" panose="02020603050405020304" pitchFamily="18" charset="0"/>
+                <a:cs typeface="Times New Roman" panose="02020603050405020304" pitchFamily="18" charset="0"/>
+              </a:rPr>
+              <a:t>, </a:t>
+            </a:r>
+            <a:r>
+              <a:rPr lang="en-IN" b="0" dirty="0" err="1">
+                <a:effectLst/>
+                <a:latin typeface="Times New Roman" panose="02020603050405020304" pitchFamily="18" charset="0"/>
+                <a:cs typeface="Times New Roman" panose="02020603050405020304" pitchFamily="18" charset="0"/>
+              </a:rPr>
+              <a:t>img_path</a:t>
+            </a:r>
+            <a:r>
+              <a:rPr lang="en-IN" b="0" dirty="0">
+                <a:effectLst/>
+                <a:latin typeface="Times New Roman" panose="02020603050405020304" pitchFamily="18" charset="0"/>
+                <a:cs typeface="Times New Roman" panose="02020603050405020304" pitchFamily="18" charset="0"/>
+              </a:rPr>
+              <a:t> in enumerate(</a:t>
+            </a:r>
+            <a:r>
+              <a:rPr lang="en-IN" b="0" dirty="0" err="1">
+                <a:effectLst/>
+                <a:latin typeface="Times New Roman" panose="02020603050405020304" pitchFamily="18" charset="0"/>
+                <a:cs typeface="Times New Roman" panose="02020603050405020304" pitchFamily="18" charset="0"/>
+              </a:rPr>
+              <a:t>image_paths</a:t>
+            </a:r>
+            <a:r>
+              <a:rPr lang="en-IN" b="0" dirty="0">
+                <a:effectLst/>
+                <a:latin typeface="Times New Roman" panose="02020603050405020304" pitchFamily="18" charset="0"/>
+                <a:cs typeface="Times New Roman" panose="02020603050405020304" pitchFamily="18" charset="0"/>
+              </a:rPr>
+              <a:t>):</a:t>
+            </a:r>
+          </a:p>
+          <a:p>
+            <a:r>
+              <a:rPr lang="en-IN" b="0" dirty="0">
+                <a:effectLst/>
+                <a:latin typeface="Times New Roman" panose="02020603050405020304" pitchFamily="18" charset="0"/>
+                <a:cs typeface="Times New Roman" panose="02020603050405020304" pitchFamily="18" charset="0"/>
+              </a:rPr>
+              <a:t>    </a:t>
+            </a:r>
+            <a:r>
+              <a:rPr lang="en-IN" b="0" dirty="0" err="1">
+                <a:effectLst/>
+                <a:latin typeface="Times New Roman" panose="02020603050405020304" pitchFamily="18" charset="0"/>
+                <a:cs typeface="Times New Roman" panose="02020603050405020304" pitchFamily="18" charset="0"/>
+              </a:rPr>
+              <a:t>img</a:t>
+            </a:r>
+            <a:r>
+              <a:rPr lang="en-IN" b="0" dirty="0">
+                <a:effectLst/>
+                <a:latin typeface="Times New Roman" panose="02020603050405020304" pitchFamily="18" charset="0"/>
+                <a:cs typeface="Times New Roman" panose="02020603050405020304" pitchFamily="18" charset="0"/>
+              </a:rPr>
+              <a:t> = cv2.imread(</a:t>
+            </a:r>
+            <a:r>
+              <a:rPr lang="en-IN" b="0" dirty="0" err="1">
+                <a:effectLst/>
+                <a:latin typeface="Times New Roman" panose="02020603050405020304" pitchFamily="18" charset="0"/>
+                <a:cs typeface="Times New Roman" panose="02020603050405020304" pitchFamily="18" charset="0"/>
+              </a:rPr>
+              <a:t>img_path</a:t>
+            </a:r>
+            <a:r>
+              <a:rPr lang="en-IN" b="0" dirty="0">
+                <a:effectLst/>
+                <a:latin typeface="Times New Roman" panose="02020603050405020304" pitchFamily="18" charset="0"/>
+                <a:cs typeface="Times New Roman" panose="02020603050405020304" pitchFamily="18" charset="0"/>
+              </a:rPr>
+              <a:t>, cv2.IMREAD_GRAYSCALE)</a:t>
+            </a:r>
+          </a:p>
+          <a:p>
+            <a:r>
+              <a:rPr lang="en-IN" b="0" dirty="0">
+                <a:effectLst/>
+                <a:latin typeface="Times New Roman" panose="02020603050405020304" pitchFamily="18" charset="0"/>
+                <a:cs typeface="Times New Roman" panose="02020603050405020304" pitchFamily="18" charset="0"/>
+              </a:rPr>
+              <a:t>    if </a:t>
+            </a:r>
+            <a:r>
+              <a:rPr lang="en-IN" b="0" dirty="0" err="1">
+                <a:effectLst/>
+                <a:latin typeface="Times New Roman" panose="02020603050405020304" pitchFamily="18" charset="0"/>
+                <a:cs typeface="Times New Roman" panose="02020603050405020304" pitchFamily="18" charset="0"/>
+              </a:rPr>
+              <a:t>img</a:t>
+            </a:r>
+            <a:r>
+              <a:rPr lang="en-IN" b="0" dirty="0">
+                <a:effectLst/>
+                <a:latin typeface="Times New Roman" panose="02020603050405020304" pitchFamily="18" charset="0"/>
+                <a:cs typeface="Times New Roman" panose="02020603050405020304" pitchFamily="18" charset="0"/>
+              </a:rPr>
+              <a:t> is None:</a:t>
+            </a:r>
+          </a:p>
+          <a:p>
+            <a:r>
+              <a:rPr lang="en-IN" b="0" dirty="0">
+                <a:effectLst/>
+                <a:latin typeface="Times New Roman" panose="02020603050405020304" pitchFamily="18" charset="0"/>
+                <a:cs typeface="Times New Roman" panose="02020603050405020304" pitchFamily="18" charset="0"/>
+              </a:rPr>
+              <a:t>        print(</a:t>
+            </a:r>
+            <a:r>
+              <a:rPr lang="en-IN" b="0" dirty="0" err="1">
+                <a:effectLst/>
+                <a:latin typeface="Times New Roman" panose="02020603050405020304" pitchFamily="18" charset="0"/>
+                <a:cs typeface="Times New Roman" panose="02020603050405020304" pitchFamily="18" charset="0"/>
+              </a:rPr>
+              <a:t>f"Error</a:t>
+            </a:r>
+            <a:r>
+              <a:rPr lang="en-IN" b="0" dirty="0">
+                <a:effectLst/>
+                <a:latin typeface="Times New Roman" panose="02020603050405020304" pitchFamily="18" charset="0"/>
+                <a:cs typeface="Times New Roman" panose="02020603050405020304" pitchFamily="18" charset="0"/>
+              </a:rPr>
+              <a:t>: Unable to load image at path: {</a:t>
+            </a:r>
+            <a:r>
+              <a:rPr lang="en-IN" b="0" dirty="0" err="1">
+                <a:effectLst/>
+                <a:latin typeface="Times New Roman" panose="02020603050405020304" pitchFamily="18" charset="0"/>
+                <a:cs typeface="Times New Roman" panose="02020603050405020304" pitchFamily="18" charset="0"/>
+              </a:rPr>
+              <a:t>img_path</a:t>
+            </a:r>
+            <a:r>
+              <a:rPr lang="en-IN" b="0" dirty="0">
+                <a:effectLst/>
+                <a:latin typeface="Times New Roman" panose="02020603050405020304" pitchFamily="18" charset="0"/>
+                <a:cs typeface="Times New Roman" panose="02020603050405020304" pitchFamily="18" charset="0"/>
+              </a:rPr>
+              <a:t>}")</a:t>
+            </a:r>
+          </a:p>
+          <a:p>
+            <a:r>
+              <a:rPr lang="en-IN" b="0" dirty="0">
+                <a:effectLst/>
+                <a:latin typeface="Times New Roman" panose="02020603050405020304" pitchFamily="18" charset="0"/>
+                <a:cs typeface="Times New Roman" panose="02020603050405020304" pitchFamily="18" charset="0"/>
+              </a:rPr>
+              <a:t>        continue</a:t>
+            </a:r>
+          </a:p>
+          <a:p>
+            <a:r>
+              <a:rPr lang="en-IN" b="0" dirty="0">
+                <a:effectLst/>
+                <a:latin typeface="Times New Roman" panose="02020603050405020304" pitchFamily="18" charset="0"/>
+                <a:cs typeface="Times New Roman" panose="02020603050405020304" pitchFamily="18" charset="0"/>
+              </a:rPr>
+              <a:t>    </a:t>
+            </a:r>
+            <a:r>
+              <a:rPr lang="en-IN" b="0" dirty="0" err="1">
+                <a:effectLst/>
+                <a:latin typeface="Times New Roman" panose="02020603050405020304" pitchFamily="18" charset="0"/>
+                <a:cs typeface="Times New Roman" panose="02020603050405020304" pitchFamily="18" charset="0"/>
+              </a:rPr>
+              <a:t>cropped_images</a:t>
+            </a:r>
+            <a:r>
+              <a:rPr lang="en-IN" b="0" dirty="0">
+                <a:effectLst/>
+                <a:latin typeface="Times New Roman" panose="02020603050405020304" pitchFamily="18" charset="0"/>
+                <a:cs typeface="Times New Roman" panose="02020603050405020304" pitchFamily="18" charset="0"/>
+              </a:rPr>
+              <a:t>, </a:t>
+            </a:r>
+            <a:r>
+              <a:rPr lang="en-IN" b="0" dirty="0" err="1">
+                <a:effectLst/>
+                <a:latin typeface="Times New Roman" panose="02020603050405020304" pitchFamily="18" charset="0"/>
+                <a:cs typeface="Times New Roman" panose="02020603050405020304" pitchFamily="18" charset="0"/>
+              </a:rPr>
+              <a:t>cropped_titles</a:t>
+            </a:r>
+            <a:r>
+              <a:rPr lang="en-IN" b="0" dirty="0">
+                <a:effectLst/>
+                <a:latin typeface="Times New Roman" panose="02020603050405020304" pitchFamily="18" charset="0"/>
+                <a:cs typeface="Times New Roman" panose="02020603050405020304" pitchFamily="18" charset="0"/>
+              </a:rPr>
+              <a:t> = [], []</a:t>
+            </a:r>
+          </a:p>
+          <a:p>
+            <a:r>
+              <a:rPr lang="en-IN" b="0" dirty="0">
+                <a:effectLst/>
+                <a:latin typeface="Times New Roman" panose="02020603050405020304" pitchFamily="18" charset="0"/>
+                <a:cs typeface="Times New Roman" panose="02020603050405020304" pitchFamily="18" charset="0"/>
+              </a:rPr>
+              <a:t>    for j, (</a:t>
+            </a:r>
+            <a:r>
+              <a:rPr lang="en-IN" b="0" dirty="0" err="1">
+                <a:effectLst/>
+                <a:latin typeface="Times New Roman" panose="02020603050405020304" pitchFamily="18" charset="0"/>
+                <a:cs typeface="Times New Roman" panose="02020603050405020304" pitchFamily="18" charset="0"/>
+              </a:rPr>
+              <a:t>start_y</a:t>
+            </a:r>
+            <a:r>
+              <a:rPr lang="en-IN" b="0" dirty="0">
+                <a:effectLst/>
+                <a:latin typeface="Times New Roman" panose="02020603050405020304" pitchFamily="18" charset="0"/>
+                <a:cs typeface="Times New Roman" panose="02020603050405020304" pitchFamily="18" charset="0"/>
+              </a:rPr>
+              <a:t>, </a:t>
+            </a:r>
+            <a:r>
+              <a:rPr lang="en-IN" b="0" dirty="0" err="1">
+                <a:effectLst/>
+                <a:latin typeface="Times New Roman" panose="02020603050405020304" pitchFamily="18" charset="0"/>
+                <a:cs typeface="Times New Roman" panose="02020603050405020304" pitchFamily="18" charset="0"/>
+              </a:rPr>
+              <a:t>end_y</a:t>
+            </a:r>
+            <a:r>
+              <a:rPr lang="en-IN" b="0" dirty="0">
+                <a:effectLst/>
+                <a:latin typeface="Times New Roman" panose="02020603050405020304" pitchFamily="18" charset="0"/>
+                <a:cs typeface="Times New Roman" panose="02020603050405020304" pitchFamily="18" charset="0"/>
+              </a:rPr>
+              <a:t>, </a:t>
+            </a:r>
+            <a:r>
+              <a:rPr lang="en-IN" b="0" dirty="0" err="1">
+                <a:effectLst/>
+                <a:latin typeface="Times New Roman" panose="02020603050405020304" pitchFamily="18" charset="0"/>
+                <a:cs typeface="Times New Roman" panose="02020603050405020304" pitchFamily="18" charset="0"/>
+              </a:rPr>
+              <a:t>start_x</a:t>
+            </a:r>
+            <a:r>
+              <a:rPr lang="en-IN" b="0" dirty="0">
+                <a:effectLst/>
+                <a:latin typeface="Times New Roman" panose="02020603050405020304" pitchFamily="18" charset="0"/>
+                <a:cs typeface="Times New Roman" panose="02020603050405020304" pitchFamily="18" charset="0"/>
+              </a:rPr>
+              <a:t>, </a:t>
+            </a:r>
+            <a:r>
+              <a:rPr lang="en-IN" b="0" dirty="0" err="1">
+                <a:effectLst/>
+                <a:latin typeface="Times New Roman" panose="02020603050405020304" pitchFamily="18" charset="0"/>
+                <a:cs typeface="Times New Roman" panose="02020603050405020304" pitchFamily="18" charset="0"/>
+              </a:rPr>
+              <a:t>end_x</a:t>
+            </a:r>
+            <a:r>
+              <a:rPr lang="en-IN" b="0" dirty="0">
+                <a:effectLst/>
+                <a:latin typeface="Times New Roman" panose="02020603050405020304" pitchFamily="18" charset="0"/>
+                <a:cs typeface="Times New Roman" panose="02020603050405020304" pitchFamily="18" charset="0"/>
+              </a:rPr>
+              <a:t>) in enumerate([(100, 380, 380, 600), (20, 220, 100, 300), (200, 500, 0, 300)]):</a:t>
+            </a:r>
+          </a:p>
+          <a:p>
+            <a:r>
+              <a:rPr lang="en-IN" b="0" dirty="0">
+                <a:effectLst/>
+                <a:latin typeface="Times New Roman" panose="02020603050405020304" pitchFamily="18" charset="0"/>
+                <a:cs typeface="Times New Roman" panose="02020603050405020304" pitchFamily="18" charset="0"/>
+              </a:rPr>
+              <a:t>        </a:t>
+            </a:r>
+            <a:r>
+              <a:rPr lang="en-IN" b="0" dirty="0" err="1">
+                <a:effectLst/>
+                <a:latin typeface="Times New Roman" panose="02020603050405020304" pitchFamily="18" charset="0"/>
+                <a:cs typeface="Times New Roman" panose="02020603050405020304" pitchFamily="18" charset="0"/>
+              </a:rPr>
+              <a:t>cropped_img</a:t>
+            </a:r>
+            <a:r>
+              <a:rPr lang="en-IN" b="0" dirty="0">
+                <a:effectLst/>
+                <a:latin typeface="Times New Roman" panose="02020603050405020304" pitchFamily="18" charset="0"/>
+                <a:cs typeface="Times New Roman" panose="02020603050405020304" pitchFamily="18" charset="0"/>
+              </a:rPr>
+              <a:t> = crop(</a:t>
+            </a:r>
+            <a:r>
+              <a:rPr lang="en-IN" b="0" dirty="0" err="1">
+                <a:effectLst/>
+                <a:latin typeface="Times New Roman" panose="02020603050405020304" pitchFamily="18" charset="0"/>
+                <a:cs typeface="Times New Roman" panose="02020603050405020304" pitchFamily="18" charset="0"/>
+              </a:rPr>
+              <a:t>img</a:t>
+            </a:r>
+            <a:r>
+              <a:rPr lang="en-IN" b="0" dirty="0">
+                <a:effectLst/>
+                <a:latin typeface="Times New Roman" panose="02020603050405020304" pitchFamily="18" charset="0"/>
+                <a:cs typeface="Times New Roman" panose="02020603050405020304" pitchFamily="18" charset="0"/>
+              </a:rPr>
+              <a:t>, </a:t>
+            </a:r>
+            <a:r>
+              <a:rPr lang="en-IN" b="0" dirty="0" err="1">
+                <a:effectLst/>
+                <a:latin typeface="Times New Roman" panose="02020603050405020304" pitchFamily="18" charset="0"/>
+                <a:cs typeface="Times New Roman" panose="02020603050405020304" pitchFamily="18" charset="0"/>
+              </a:rPr>
+              <a:t>start_y</a:t>
+            </a:r>
+            <a:r>
+              <a:rPr lang="en-IN" b="0" dirty="0">
+                <a:effectLst/>
+                <a:latin typeface="Times New Roman" panose="02020603050405020304" pitchFamily="18" charset="0"/>
+                <a:cs typeface="Times New Roman" panose="02020603050405020304" pitchFamily="18" charset="0"/>
+              </a:rPr>
+              <a:t>, </a:t>
+            </a:r>
+            <a:r>
+              <a:rPr lang="en-IN" b="0" dirty="0" err="1">
+                <a:effectLst/>
+                <a:latin typeface="Times New Roman" panose="02020603050405020304" pitchFamily="18" charset="0"/>
+                <a:cs typeface="Times New Roman" panose="02020603050405020304" pitchFamily="18" charset="0"/>
+              </a:rPr>
+              <a:t>end_y</a:t>
+            </a:r>
+            <a:r>
+              <a:rPr lang="en-IN" b="0" dirty="0">
+                <a:effectLst/>
+                <a:latin typeface="Times New Roman" panose="02020603050405020304" pitchFamily="18" charset="0"/>
+                <a:cs typeface="Times New Roman" panose="02020603050405020304" pitchFamily="18" charset="0"/>
+              </a:rPr>
+              <a:t>, </a:t>
+            </a:r>
+            <a:r>
+              <a:rPr lang="en-IN" b="0" dirty="0" err="1">
+                <a:effectLst/>
+                <a:latin typeface="Times New Roman" panose="02020603050405020304" pitchFamily="18" charset="0"/>
+                <a:cs typeface="Times New Roman" panose="02020603050405020304" pitchFamily="18" charset="0"/>
+              </a:rPr>
+              <a:t>start_x</a:t>
+            </a:r>
+            <a:r>
+              <a:rPr lang="en-IN" b="0" dirty="0">
+                <a:effectLst/>
+                <a:latin typeface="Times New Roman" panose="02020603050405020304" pitchFamily="18" charset="0"/>
+                <a:cs typeface="Times New Roman" panose="02020603050405020304" pitchFamily="18" charset="0"/>
+              </a:rPr>
+              <a:t>, </a:t>
+            </a:r>
+            <a:r>
+              <a:rPr lang="en-IN" b="0" dirty="0" err="1">
+                <a:effectLst/>
+                <a:latin typeface="Times New Roman" panose="02020603050405020304" pitchFamily="18" charset="0"/>
+                <a:cs typeface="Times New Roman" panose="02020603050405020304" pitchFamily="18" charset="0"/>
+              </a:rPr>
+              <a:t>end_x</a:t>
+            </a:r>
+            <a:r>
+              <a:rPr lang="en-IN" b="0" dirty="0">
+                <a:effectLst/>
+                <a:latin typeface="Times New Roman" panose="02020603050405020304" pitchFamily="18" charset="0"/>
+                <a:cs typeface="Times New Roman" panose="02020603050405020304" pitchFamily="18" charset="0"/>
+              </a:rPr>
+              <a:t>)</a:t>
+            </a:r>
+          </a:p>
+          <a:p>
+            <a:r>
+              <a:rPr lang="en-IN" b="0" dirty="0">
+                <a:effectLst/>
+                <a:latin typeface="Times New Roman" panose="02020603050405020304" pitchFamily="18" charset="0"/>
+                <a:cs typeface="Times New Roman" panose="02020603050405020304" pitchFamily="18" charset="0"/>
+              </a:rPr>
+              <a:t>        </a:t>
+            </a:r>
+            <a:r>
+              <a:rPr lang="en-IN" b="0" dirty="0" err="1">
+                <a:effectLst/>
+                <a:latin typeface="Times New Roman" panose="02020603050405020304" pitchFamily="18" charset="0"/>
+                <a:cs typeface="Times New Roman" panose="02020603050405020304" pitchFamily="18" charset="0"/>
+              </a:rPr>
+              <a:t>cropped_images.append</a:t>
+            </a:r>
+            <a:r>
+              <a:rPr lang="en-IN" b="0" dirty="0">
+                <a:effectLst/>
+                <a:latin typeface="Times New Roman" panose="02020603050405020304" pitchFamily="18" charset="0"/>
+                <a:cs typeface="Times New Roman" panose="02020603050405020304" pitchFamily="18" charset="0"/>
+              </a:rPr>
+              <a:t>(</a:t>
+            </a:r>
+            <a:r>
+              <a:rPr lang="en-IN" b="0" dirty="0" err="1">
+                <a:effectLst/>
+                <a:latin typeface="Times New Roman" panose="02020603050405020304" pitchFamily="18" charset="0"/>
+                <a:cs typeface="Times New Roman" panose="02020603050405020304" pitchFamily="18" charset="0"/>
+              </a:rPr>
+              <a:t>cropped_img</a:t>
+            </a:r>
+            <a:r>
+              <a:rPr lang="en-IN" b="0" dirty="0">
+                <a:effectLst/>
+                <a:latin typeface="Times New Roman" panose="02020603050405020304" pitchFamily="18" charset="0"/>
+                <a:cs typeface="Times New Roman" panose="02020603050405020304" pitchFamily="18" charset="0"/>
+              </a:rPr>
+              <a:t>)</a:t>
+            </a:r>
+          </a:p>
+          <a:p>
+            <a:r>
+              <a:rPr lang="en-IN" b="0" dirty="0">
+                <a:effectLst/>
+                <a:latin typeface="Times New Roman" panose="02020603050405020304" pitchFamily="18" charset="0"/>
+                <a:cs typeface="Times New Roman" panose="02020603050405020304" pitchFamily="18" charset="0"/>
+              </a:rPr>
+              <a:t>        </a:t>
+            </a:r>
+            <a:r>
+              <a:rPr lang="en-IN" b="0" dirty="0" err="1">
+                <a:effectLst/>
+                <a:latin typeface="Times New Roman" panose="02020603050405020304" pitchFamily="18" charset="0"/>
+                <a:cs typeface="Times New Roman" panose="02020603050405020304" pitchFamily="18" charset="0"/>
+              </a:rPr>
+              <a:t>cropped_titles.append</a:t>
+            </a:r>
+            <a:r>
+              <a:rPr lang="en-IN" b="0" dirty="0">
+                <a:effectLst/>
+                <a:latin typeface="Times New Roman" panose="02020603050405020304" pitchFamily="18" charset="0"/>
+                <a:cs typeface="Times New Roman" panose="02020603050405020304" pitchFamily="18" charset="0"/>
+              </a:rPr>
+              <a:t>(</a:t>
+            </a:r>
+            <a:r>
+              <a:rPr lang="en-IN" b="0" dirty="0" err="1">
+                <a:effectLst/>
+                <a:latin typeface="Times New Roman" panose="02020603050405020304" pitchFamily="18" charset="0"/>
+                <a:cs typeface="Times New Roman" panose="02020603050405020304" pitchFamily="18" charset="0"/>
+              </a:rPr>
+              <a:t>f'Image</a:t>
+            </a:r>
+            <a:r>
+              <a:rPr lang="en-IN" b="0" dirty="0">
+                <a:effectLst/>
+                <a:latin typeface="Times New Roman" panose="02020603050405020304" pitchFamily="18" charset="0"/>
+                <a:cs typeface="Times New Roman" panose="02020603050405020304" pitchFamily="18" charset="0"/>
+              </a:rPr>
+              <a:t> {</a:t>
+            </a:r>
+            <a:r>
+              <a:rPr lang="en-IN" b="0" dirty="0" err="1">
+                <a:effectLst/>
+                <a:latin typeface="Times New Roman" panose="02020603050405020304" pitchFamily="18" charset="0"/>
+                <a:cs typeface="Times New Roman" panose="02020603050405020304" pitchFamily="18" charset="0"/>
+              </a:rPr>
+              <a:t>i</a:t>
+            </a:r>
+            <a:r>
+              <a:rPr lang="en-IN" b="0" dirty="0">
+                <a:effectLst/>
+                <a:latin typeface="Times New Roman" panose="02020603050405020304" pitchFamily="18" charset="0"/>
+                <a:cs typeface="Times New Roman" panose="02020603050405020304" pitchFamily="18" charset="0"/>
+              </a:rPr>
+              <a:t> + 1}-{chr(</a:t>
+            </a:r>
+            <a:r>
+              <a:rPr lang="en-IN" b="0" dirty="0" err="1">
+                <a:effectLst/>
+                <a:latin typeface="Times New Roman" panose="02020603050405020304" pitchFamily="18" charset="0"/>
+                <a:cs typeface="Times New Roman" panose="02020603050405020304" pitchFamily="18" charset="0"/>
+              </a:rPr>
+              <a:t>ord</a:t>
+            </a:r>
+            <a:r>
+              <a:rPr lang="en-IN" b="0" dirty="0">
+                <a:effectLst/>
+                <a:latin typeface="Times New Roman" panose="02020603050405020304" pitchFamily="18" charset="0"/>
+                <a:cs typeface="Times New Roman" panose="02020603050405020304" pitchFamily="18" charset="0"/>
+              </a:rPr>
+              <a:t>("A") + j)} (Cropped)')</a:t>
+            </a:r>
+          </a:p>
+          <a:p>
+            <a:r>
+              <a:rPr lang="en-IN" b="0" dirty="0">
+                <a:effectLst/>
+                <a:latin typeface="Times New Roman" panose="02020603050405020304" pitchFamily="18" charset="0"/>
+                <a:cs typeface="Times New Roman" panose="02020603050405020304" pitchFamily="18" charset="0"/>
+              </a:rPr>
+              <a:t>    </a:t>
+            </a:r>
+            <a:r>
+              <a:rPr lang="en-IN" b="0" dirty="0" err="1">
+                <a:effectLst/>
+                <a:latin typeface="Times New Roman" panose="02020603050405020304" pitchFamily="18" charset="0"/>
+                <a:cs typeface="Times New Roman" panose="02020603050405020304" pitchFamily="18" charset="0"/>
+              </a:rPr>
+              <a:t>all_images</a:t>
+            </a:r>
+            <a:r>
+              <a:rPr lang="en-IN" b="0" dirty="0">
+                <a:effectLst/>
+                <a:latin typeface="Times New Roman" panose="02020603050405020304" pitchFamily="18" charset="0"/>
+                <a:cs typeface="Times New Roman" panose="02020603050405020304" pitchFamily="18" charset="0"/>
+              </a:rPr>
+              <a:t> = [</a:t>
+            </a:r>
+            <a:r>
+              <a:rPr lang="en-IN" b="0" dirty="0" err="1">
+                <a:effectLst/>
+                <a:latin typeface="Times New Roman" panose="02020603050405020304" pitchFamily="18" charset="0"/>
+                <a:cs typeface="Times New Roman" panose="02020603050405020304" pitchFamily="18" charset="0"/>
+              </a:rPr>
+              <a:t>img</a:t>
+            </a:r>
+            <a:r>
+              <a:rPr lang="en-IN" b="0" dirty="0">
+                <a:effectLst/>
+                <a:latin typeface="Times New Roman" panose="02020603050405020304" pitchFamily="18" charset="0"/>
+                <a:cs typeface="Times New Roman" panose="02020603050405020304" pitchFamily="18" charset="0"/>
+              </a:rPr>
+              <a:t>] + </a:t>
+            </a:r>
+            <a:r>
+              <a:rPr lang="en-IN" b="0" dirty="0" err="1">
+                <a:effectLst/>
+                <a:latin typeface="Times New Roman" panose="02020603050405020304" pitchFamily="18" charset="0"/>
+                <a:cs typeface="Times New Roman" panose="02020603050405020304" pitchFamily="18" charset="0"/>
+              </a:rPr>
+              <a:t>cropped_images</a:t>
+            </a:r>
+            <a:endParaRPr lang="en-IN" b="0" dirty="0">
+              <a:effectLst/>
+              <a:latin typeface="Times New Roman" panose="02020603050405020304" pitchFamily="18" charset="0"/>
+              <a:cs typeface="Times New Roman" panose="02020603050405020304" pitchFamily="18" charset="0"/>
+            </a:endParaRPr>
+          </a:p>
+          <a:p>
+            <a:r>
+              <a:rPr lang="en-IN" b="0" dirty="0">
+                <a:effectLst/>
+                <a:latin typeface="Times New Roman" panose="02020603050405020304" pitchFamily="18" charset="0"/>
+                <a:cs typeface="Times New Roman" panose="02020603050405020304" pitchFamily="18" charset="0"/>
+              </a:rPr>
+              <a:t>    </a:t>
+            </a:r>
+            <a:r>
+              <a:rPr lang="en-IN" b="0" dirty="0" err="1">
+                <a:effectLst/>
+                <a:latin typeface="Times New Roman" panose="02020603050405020304" pitchFamily="18" charset="0"/>
+                <a:cs typeface="Times New Roman" panose="02020603050405020304" pitchFamily="18" charset="0"/>
+              </a:rPr>
+              <a:t>all_titles</a:t>
+            </a:r>
+            <a:r>
+              <a:rPr lang="en-IN" b="0" dirty="0">
+                <a:effectLst/>
+                <a:latin typeface="Times New Roman" panose="02020603050405020304" pitchFamily="18" charset="0"/>
+                <a:cs typeface="Times New Roman" panose="02020603050405020304" pitchFamily="18" charset="0"/>
+              </a:rPr>
+              <a:t> = [</a:t>
+            </a:r>
+            <a:r>
+              <a:rPr lang="en-IN" b="0" dirty="0" err="1">
+                <a:effectLst/>
+                <a:latin typeface="Times New Roman" panose="02020603050405020304" pitchFamily="18" charset="0"/>
+                <a:cs typeface="Times New Roman" panose="02020603050405020304" pitchFamily="18" charset="0"/>
+              </a:rPr>
+              <a:t>f'Image</a:t>
+            </a:r>
+            <a:r>
+              <a:rPr lang="en-IN" b="0" dirty="0">
+                <a:effectLst/>
+                <a:latin typeface="Times New Roman" panose="02020603050405020304" pitchFamily="18" charset="0"/>
+                <a:cs typeface="Times New Roman" panose="02020603050405020304" pitchFamily="18" charset="0"/>
+              </a:rPr>
+              <a:t> {</a:t>
+            </a:r>
+            <a:r>
+              <a:rPr lang="en-IN" b="0" dirty="0" err="1">
+                <a:effectLst/>
+                <a:latin typeface="Times New Roman" panose="02020603050405020304" pitchFamily="18" charset="0"/>
+                <a:cs typeface="Times New Roman" panose="02020603050405020304" pitchFamily="18" charset="0"/>
+              </a:rPr>
+              <a:t>i</a:t>
+            </a:r>
+            <a:r>
+              <a:rPr lang="en-IN" b="0" dirty="0">
+                <a:effectLst/>
+                <a:latin typeface="Times New Roman" panose="02020603050405020304" pitchFamily="18" charset="0"/>
+                <a:cs typeface="Times New Roman" panose="02020603050405020304" pitchFamily="18" charset="0"/>
+              </a:rPr>
+              <a:t> + 1}'] + </a:t>
+            </a:r>
+            <a:r>
+              <a:rPr lang="en-IN" b="0" dirty="0" err="1">
+                <a:effectLst/>
+                <a:latin typeface="Times New Roman" panose="02020603050405020304" pitchFamily="18" charset="0"/>
+                <a:cs typeface="Times New Roman" panose="02020603050405020304" pitchFamily="18" charset="0"/>
+              </a:rPr>
+              <a:t>cropped_titles</a:t>
+            </a:r>
+            <a:endParaRPr lang="en-IN" b="0" dirty="0">
+              <a:effectLst/>
+              <a:latin typeface="Times New Roman" panose="02020603050405020304" pitchFamily="18" charset="0"/>
+              <a:cs typeface="Times New Roman" panose="02020603050405020304" pitchFamily="18" charset="0"/>
+            </a:endParaRPr>
+          </a:p>
+          <a:p>
+            <a:r>
+              <a:rPr lang="en-IN" b="0" dirty="0">
+                <a:effectLst/>
+                <a:latin typeface="Times New Roman" panose="02020603050405020304" pitchFamily="18" charset="0"/>
+                <a:cs typeface="Times New Roman" panose="02020603050405020304" pitchFamily="18" charset="0"/>
+              </a:rPr>
+              <a:t>    </a:t>
+            </a:r>
+            <a:r>
+              <a:rPr lang="en-IN" b="0" dirty="0" err="1">
+                <a:effectLst/>
+                <a:latin typeface="Times New Roman" panose="02020603050405020304" pitchFamily="18" charset="0"/>
+                <a:cs typeface="Times New Roman" panose="02020603050405020304" pitchFamily="18" charset="0"/>
+              </a:rPr>
+              <a:t>plotting_grid</a:t>
+            </a:r>
+            <a:r>
+              <a:rPr lang="en-IN" b="0" dirty="0">
+                <a:effectLst/>
+                <a:latin typeface="Times New Roman" panose="02020603050405020304" pitchFamily="18" charset="0"/>
+                <a:cs typeface="Times New Roman" panose="02020603050405020304" pitchFamily="18" charset="0"/>
+              </a:rPr>
+              <a:t>(</a:t>
+            </a:r>
+            <a:r>
+              <a:rPr lang="en-IN" b="0" dirty="0" err="1">
+                <a:effectLst/>
+                <a:latin typeface="Times New Roman" panose="02020603050405020304" pitchFamily="18" charset="0"/>
+                <a:cs typeface="Times New Roman" panose="02020603050405020304" pitchFamily="18" charset="0"/>
+              </a:rPr>
+              <a:t>all_images</a:t>
+            </a:r>
+            <a:r>
+              <a:rPr lang="en-IN" b="0" dirty="0">
+                <a:effectLst/>
+                <a:latin typeface="Times New Roman" panose="02020603050405020304" pitchFamily="18" charset="0"/>
+                <a:cs typeface="Times New Roman" panose="02020603050405020304" pitchFamily="18" charset="0"/>
+              </a:rPr>
+              <a:t>, </a:t>
+            </a:r>
+            <a:r>
+              <a:rPr lang="en-IN" b="0" dirty="0" err="1">
+                <a:effectLst/>
+                <a:latin typeface="Times New Roman" panose="02020603050405020304" pitchFamily="18" charset="0"/>
+                <a:cs typeface="Times New Roman" panose="02020603050405020304" pitchFamily="18" charset="0"/>
+              </a:rPr>
+              <a:t>all_titles</a:t>
+            </a:r>
+            <a:r>
+              <a:rPr lang="en-IN" b="0" dirty="0">
+                <a:effectLst/>
+                <a:latin typeface="Times New Roman" panose="02020603050405020304" pitchFamily="18" charset="0"/>
+                <a:cs typeface="Times New Roman" panose="02020603050405020304" pitchFamily="18" charset="0"/>
+              </a:rPr>
+              <a:t>, 1, </a:t>
+            </a:r>
+            <a:r>
+              <a:rPr lang="en-IN" b="0" dirty="0" err="1">
+                <a:effectLst/>
+                <a:latin typeface="Times New Roman" panose="02020603050405020304" pitchFamily="18" charset="0"/>
+                <a:cs typeface="Times New Roman" panose="02020603050405020304" pitchFamily="18" charset="0"/>
+              </a:rPr>
+              <a:t>len</a:t>
+            </a:r>
+            <a:r>
+              <a:rPr lang="en-IN" b="0" dirty="0">
+                <a:effectLst/>
+                <a:latin typeface="Times New Roman" panose="02020603050405020304" pitchFamily="18" charset="0"/>
+                <a:cs typeface="Times New Roman" panose="02020603050405020304" pitchFamily="18" charset="0"/>
+              </a:rPr>
+              <a:t>(</a:t>
+            </a:r>
+            <a:r>
+              <a:rPr lang="en-IN" b="0" dirty="0" err="1">
+                <a:effectLst/>
+                <a:latin typeface="Times New Roman" panose="02020603050405020304" pitchFamily="18" charset="0"/>
+                <a:cs typeface="Times New Roman" panose="02020603050405020304" pitchFamily="18" charset="0"/>
+              </a:rPr>
+              <a:t>all_images</a:t>
+            </a:r>
+            <a:r>
+              <a:rPr lang="en-IN" b="0" dirty="0">
+                <a:effectLst/>
+                <a:latin typeface="Times New Roman" panose="02020603050405020304" pitchFamily="18" charset="0"/>
+                <a:cs typeface="Times New Roman" panose="02020603050405020304" pitchFamily="18" charset="0"/>
+              </a:rPr>
+              <a:t>), 18)</a:t>
+            </a:r>
+          </a:p>
+          <a:p>
+            <a:r>
+              <a:rPr lang="en-IN" b="0" dirty="0">
+                <a:effectLst/>
+                <a:latin typeface="Times New Roman" panose="02020603050405020304" pitchFamily="18" charset="0"/>
+                <a:cs typeface="Times New Roman" panose="02020603050405020304" pitchFamily="18" charset="0"/>
+              </a:rPr>
+              <a:t>    </a:t>
+            </a:r>
+            <a:r>
+              <a:rPr lang="en-IN" b="0" dirty="0" err="1">
+                <a:effectLst/>
+                <a:latin typeface="Times New Roman" panose="02020603050405020304" pitchFamily="18" charset="0"/>
+                <a:cs typeface="Times New Roman" panose="02020603050405020304" pitchFamily="18" charset="0"/>
+              </a:rPr>
+              <a:t>processed_images</a:t>
+            </a:r>
+            <a:r>
+              <a:rPr lang="en-IN" b="0" dirty="0">
+                <a:effectLst/>
+                <a:latin typeface="Times New Roman" panose="02020603050405020304" pitchFamily="18" charset="0"/>
+                <a:cs typeface="Times New Roman" panose="02020603050405020304" pitchFamily="18" charset="0"/>
+              </a:rPr>
+              <a:t>, </a:t>
+            </a:r>
+            <a:r>
+              <a:rPr lang="en-IN" b="0" dirty="0" err="1">
+                <a:effectLst/>
+                <a:latin typeface="Times New Roman" panose="02020603050405020304" pitchFamily="18" charset="0"/>
+                <a:cs typeface="Times New Roman" panose="02020603050405020304" pitchFamily="18" charset="0"/>
+              </a:rPr>
+              <a:t>processed_titles</a:t>
+            </a:r>
+            <a:r>
+              <a:rPr lang="en-IN" b="0" dirty="0">
+                <a:effectLst/>
+                <a:latin typeface="Times New Roman" panose="02020603050405020304" pitchFamily="18" charset="0"/>
+                <a:cs typeface="Times New Roman" panose="02020603050405020304" pitchFamily="18" charset="0"/>
+              </a:rPr>
+              <a:t> = [], []</a:t>
+            </a:r>
+          </a:p>
+          <a:p>
+            <a:r>
+              <a:rPr lang="en-IN" b="0" dirty="0">
+                <a:effectLst/>
+                <a:latin typeface="Times New Roman" panose="02020603050405020304" pitchFamily="18" charset="0"/>
+                <a:cs typeface="Times New Roman" panose="02020603050405020304" pitchFamily="18" charset="0"/>
+              </a:rPr>
+              <a:t>    for j, </a:t>
+            </a:r>
+            <a:r>
+              <a:rPr lang="en-IN" b="0" dirty="0" err="1">
+                <a:effectLst/>
+                <a:latin typeface="Times New Roman" panose="02020603050405020304" pitchFamily="18" charset="0"/>
+                <a:cs typeface="Times New Roman" panose="02020603050405020304" pitchFamily="18" charset="0"/>
+              </a:rPr>
+              <a:t>cropped_img</a:t>
+            </a:r>
+            <a:r>
+              <a:rPr lang="en-IN" b="0" dirty="0">
+                <a:effectLst/>
+                <a:latin typeface="Times New Roman" panose="02020603050405020304" pitchFamily="18" charset="0"/>
+                <a:cs typeface="Times New Roman" panose="02020603050405020304" pitchFamily="18" charset="0"/>
+              </a:rPr>
+              <a:t> in enumerate(</a:t>
+            </a:r>
+            <a:r>
+              <a:rPr lang="en-IN" b="0" dirty="0" err="1">
+                <a:effectLst/>
+                <a:latin typeface="Times New Roman" panose="02020603050405020304" pitchFamily="18" charset="0"/>
+                <a:cs typeface="Times New Roman" panose="02020603050405020304" pitchFamily="18" charset="0"/>
+              </a:rPr>
+              <a:t>cropped_images</a:t>
+            </a:r>
+            <a:r>
+              <a:rPr lang="en-IN" b="0" dirty="0">
+                <a:effectLst/>
+                <a:latin typeface="Times New Roman" panose="02020603050405020304" pitchFamily="18" charset="0"/>
+                <a:cs typeface="Times New Roman" panose="02020603050405020304" pitchFamily="18" charset="0"/>
+              </a:rPr>
+              <a:t>):</a:t>
+            </a:r>
+          </a:p>
+          <a:p>
+            <a:r>
+              <a:rPr lang="en-IN" b="0" dirty="0">
+                <a:effectLst/>
+                <a:latin typeface="Times New Roman" panose="02020603050405020304" pitchFamily="18" charset="0"/>
+                <a:cs typeface="Times New Roman" panose="02020603050405020304" pitchFamily="18" charset="0"/>
+              </a:rPr>
+              <a:t>        multiplier = 2</a:t>
+            </a:r>
+          </a:p>
+          <a:p>
+            <a:r>
+              <a:rPr lang="en-IN" b="0" dirty="0">
+                <a:effectLst/>
+                <a:latin typeface="Times New Roman" panose="02020603050405020304" pitchFamily="18" charset="0"/>
+                <a:cs typeface="Times New Roman" panose="02020603050405020304" pitchFamily="18" charset="0"/>
+              </a:rPr>
+              <a:t>        </a:t>
+            </a:r>
+            <a:r>
+              <a:rPr lang="en-IN" b="0" dirty="0" err="1">
+                <a:effectLst/>
+                <a:latin typeface="Times New Roman" panose="02020603050405020304" pitchFamily="18" charset="0"/>
+                <a:cs typeface="Times New Roman" panose="02020603050405020304" pitchFamily="18" charset="0"/>
+              </a:rPr>
+              <a:t>resized_img</a:t>
+            </a:r>
+            <a:r>
+              <a:rPr lang="en-IN" b="0" dirty="0">
+                <a:effectLst/>
+                <a:latin typeface="Times New Roman" panose="02020603050405020304" pitchFamily="18" charset="0"/>
+                <a:cs typeface="Times New Roman" panose="02020603050405020304" pitchFamily="18" charset="0"/>
+              </a:rPr>
+              <a:t> = resize(</a:t>
+            </a:r>
+            <a:r>
+              <a:rPr lang="en-IN" b="0" dirty="0" err="1">
+                <a:effectLst/>
+                <a:latin typeface="Times New Roman" panose="02020603050405020304" pitchFamily="18" charset="0"/>
+                <a:cs typeface="Times New Roman" panose="02020603050405020304" pitchFamily="18" charset="0"/>
+              </a:rPr>
+              <a:t>cropped_img</a:t>
+            </a:r>
+            <a:r>
+              <a:rPr lang="en-IN" b="0" dirty="0">
+                <a:effectLst/>
+                <a:latin typeface="Times New Roman" panose="02020603050405020304" pitchFamily="18" charset="0"/>
+                <a:cs typeface="Times New Roman" panose="02020603050405020304" pitchFamily="18" charset="0"/>
+              </a:rPr>
+              <a:t>, </a:t>
+            </a:r>
+            <a:r>
+              <a:rPr lang="en-IN" b="0" dirty="0" err="1">
+                <a:effectLst/>
+                <a:latin typeface="Times New Roman" panose="02020603050405020304" pitchFamily="18" charset="0"/>
+                <a:cs typeface="Times New Roman" panose="02020603050405020304" pitchFamily="18" charset="0"/>
+              </a:rPr>
+              <a:t>cropped_img.shape</a:t>
+            </a:r>
+            <a:r>
+              <a:rPr lang="en-IN" b="0" dirty="0">
+                <a:effectLst/>
+                <a:latin typeface="Times New Roman" panose="02020603050405020304" pitchFamily="18" charset="0"/>
+                <a:cs typeface="Times New Roman" panose="02020603050405020304" pitchFamily="18" charset="0"/>
+              </a:rPr>
+              <a:t>[1] * multiplier, </a:t>
+            </a:r>
+            <a:r>
+              <a:rPr lang="en-IN" b="0" dirty="0" err="1">
+                <a:effectLst/>
+                <a:latin typeface="Times New Roman" panose="02020603050405020304" pitchFamily="18" charset="0"/>
+                <a:cs typeface="Times New Roman" panose="02020603050405020304" pitchFamily="18" charset="0"/>
+              </a:rPr>
+              <a:t>cropped_img.shape</a:t>
+            </a:r>
+            <a:r>
+              <a:rPr lang="en-IN" b="0" dirty="0">
+                <a:effectLst/>
+                <a:latin typeface="Times New Roman" panose="02020603050405020304" pitchFamily="18" charset="0"/>
+                <a:cs typeface="Times New Roman" panose="02020603050405020304" pitchFamily="18" charset="0"/>
+              </a:rPr>
+              <a:t>[0] * multiplier)</a:t>
+            </a:r>
+          </a:p>
+          <a:p>
+            <a:r>
+              <a:rPr lang="en-IN" b="0" dirty="0">
+                <a:effectLst/>
+                <a:latin typeface="Times New Roman" panose="02020603050405020304" pitchFamily="18" charset="0"/>
+                <a:cs typeface="Times New Roman" panose="02020603050405020304" pitchFamily="18" charset="0"/>
+              </a:rPr>
+              <a:t>        </a:t>
+            </a:r>
+            <a:r>
+              <a:rPr lang="en-IN" b="0" dirty="0" err="1">
+                <a:effectLst/>
+                <a:latin typeface="Times New Roman" panose="02020603050405020304" pitchFamily="18" charset="0"/>
+                <a:cs typeface="Times New Roman" panose="02020603050405020304" pitchFamily="18" charset="0"/>
+              </a:rPr>
+              <a:t>gamma_value</a:t>
+            </a:r>
+            <a:r>
+              <a:rPr lang="en-IN" b="0" dirty="0">
+                <a:effectLst/>
+                <a:latin typeface="Times New Roman" panose="02020603050405020304" pitchFamily="18" charset="0"/>
+                <a:cs typeface="Times New Roman" panose="02020603050405020304" pitchFamily="18" charset="0"/>
+              </a:rPr>
+              <a:t> = [1.2, 0.5, 2.5][j]</a:t>
+            </a:r>
+          </a:p>
+          <a:p>
+            <a:r>
+              <a:rPr lang="en-IN" b="0" dirty="0">
+                <a:effectLst/>
+                <a:latin typeface="Times New Roman" panose="02020603050405020304" pitchFamily="18" charset="0"/>
+                <a:cs typeface="Times New Roman" panose="02020603050405020304" pitchFamily="18" charset="0"/>
+              </a:rPr>
+              <a:t>        </a:t>
+            </a:r>
+            <a:r>
+              <a:rPr lang="en-IN" b="0" dirty="0" err="1">
+                <a:effectLst/>
+                <a:latin typeface="Times New Roman" panose="02020603050405020304" pitchFamily="18" charset="0"/>
+                <a:cs typeface="Times New Roman" panose="02020603050405020304" pitchFamily="18" charset="0"/>
+              </a:rPr>
+              <a:t>gamma_corrected_img</a:t>
+            </a:r>
+            <a:r>
+              <a:rPr lang="en-IN" b="0" dirty="0">
+                <a:effectLst/>
+                <a:latin typeface="Times New Roman" panose="02020603050405020304" pitchFamily="18" charset="0"/>
+                <a:cs typeface="Times New Roman" panose="02020603050405020304" pitchFamily="18" charset="0"/>
+              </a:rPr>
+              <a:t> = </a:t>
+            </a:r>
+            <a:r>
+              <a:rPr lang="en-IN" b="0" dirty="0" err="1">
+                <a:effectLst/>
+                <a:latin typeface="Times New Roman" panose="02020603050405020304" pitchFamily="18" charset="0"/>
+                <a:cs typeface="Times New Roman" panose="02020603050405020304" pitchFamily="18" charset="0"/>
+              </a:rPr>
+              <a:t>gamma_correction</a:t>
+            </a:r>
+            <a:r>
+              <a:rPr lang="en-IN" b="0" dirty="0">
+                <a:effectLst/>
+                <a:latin typeface="Times New Roman" panose="02020603050405020304" pitchFamily="18" charset="0"/>
+                <a:cs typeface="Times New Roman" panose="02020603050405020304" pitchFamily="18" charset="0"/>
+              </a:rPr>
+              <a:t>(</a:t>
+            </a:r>
+            <a:r>
+              <a:rPr lang="en-IN" b="0" dirty="0" err="1">
+                <a:effectLst/>
+                <a:latin typeface="Times New Roman" panose="02020603050405020304" pitchFamily="18" charset="0"/>
+                <a:cs typeface="Times New Roman" panose="02020603050405020304" pitchFamily="18" charset="0"/>
+              </a:rPr>
+              <a:t>resized_img</a:t>
+            </a:r>
+            <a:r>
+              <a:rPr lang="en-IN" b="0" dirty="0">
+                <a:effectLst/>
+                <a:latin typeface="Times New Roman" panose="02020603050405020304" pitchFamily="18" charset="0"/>
+                <a:cs typeface="Times New Roman" panose="02020603050405020304" pitchFamily="18" charset="0"/>
+              </a:rPr>
+              <a:t>, </a:t>
+            </a:r>
+            <a:r>
+              <a:rPr lang="en-IN" b="0" dirty="0" err="1">
+                <a:effectLst/>
+                <a:latin typeface="Times New Roman" panose="02020603050405020304" pitchFamily="18" charset="0"/>
+                <a:cs typeface="Times New Roman" panose="02020603050405020304" pitchFamily="18" charset="0"/>
+              </a:rPr>
+              <a:t>gamma_value</a:t>
+            </a:r>
+            <a:r>
+              <a:rPr lang="en-IN" b="0" dirty="0">
+                <a:effectLst/>
+                <a:latin typeface="Times New Roman" panose="02020603050405020304" pitchFamily="18" charset="0"/>
+                <a:cs typeface="Times New Roman" panose="02020603050405020304" pitchFamily="18" charset="0"/>
+              </a:rPr>
+              <a:t>)</a:t>
+            </a:r>
+          </a:p>
+        </p:txBody>
+      </p:sp>
+    </p:spTree>
+    <p:extLst>
+      <p:ext uri="{BB962C8B-B14F-4D97-AF65-F5344CB8AC3E}">
+        <p14:creationId xmlns:p14="http://schemas.microsoft.com/office/powerpoint/2010/main" val="1165087674"/>
+      </p:ext>
+    </p:extLst>
+  </p:cSld>
+  <p:clrMapOvr>
+    <a:masterClrMapping/>
+  </p:clrMapOvr>
+</p:sld>
+</file>
+
+<file path=ppt/slides/slide15.xml><?xml version="1.0" encoding="utf-8"?>
+<p:sld xmlns:a="http://schemas.openxmlformats.org/drawingml/2006/main" xmlns:r="http://schemas.openxmlformats.org/officeDocument/2006/relationships" xmlns:p="http://schemas.openxmlformats.org/presentationml/2006/main">
+  <p:cSld>
+    <p:spTree>
+      <p:nvGrpSpPr>
+        <p:cNvPr id="1" name=""/>
+        <p:cNvGrpSpPr/>
+        <p:nvPr/>
+      </p:nvGrpSpPr>
+      <p:grpSpPr>
+        <a:xfrm>
+          <a:off x="0" y="0"/>
+          <a:ext cx="0" cy="0"/>
+          <a:chOff x="0" y="0"/>
+          <a:chExt cx="0" cy="0"/>
+        </a:xfrm>
+      </p:grpSpPr>
+      <p:sp>
+        <p:nvSpPr>
+          <p:cNvPr id="3" name="TextBox 2">
+            <a:extLst>
+              <a:ext uri="{FF2B5EF4-FFF2-40B4-BE49-F238E27FC236}">
+                <a16:creationId xmlns:a16="http://schemas.microsoft.com/office/drawing/2014/main" id="{45FF6F70-3B13-98DD-7BAD-2B4396343B31}"/>
+              </a:ext>
+            </a:extLst>
+          </p:cNvPr>
+          <p:cNvSpPr txBox="1"/>
+          <p:nvPr/>
+        </p:nvSpPr>
+        <p:spPr>
+          <a:xfrm>
+            <a:off x="0" y="1166842"/>
+            <a:ext cx="12192000" cy="4524315"/>
+          </a:xfrm>
+          <a:prstGeom prst="rect">
+            <a:avLst/>
+          </a:prstGeom>
+          <a:noFill/>
+        </p:spPr>
+        <p:txBody>
+          <a:bodyPr wrap="square">
+            <a:spAutoFit/>
+          </a:bodyPr>
+          <a:lstStyle/>
+          <a:p>
+            <a:r>
+              <a:rPr lang="en-IN" b="0" dirty="0">
+                <a:effectLst/>
+                <a:latin typeface="Times New Roman" panose="02020603050405020304" pitchFamily="18" charset="0"/>
+                <a:cs typeface="Times New Roman" panose="02020603050405020304" pitchFamily="18" charset="0"/>
+              </a:rPr>
+              <a:t>	</a:t>
+            </a:r>
+            <a:r>
+              <a:rPr lang="en-IN" b="0" dirty="0" err="1">
+                <a:effectLst/>
+                <a:latin typeface="Times New Roman" panose="02020603050405020304" pitchFamily="18" charset="0"/>
+                <a:cs typeface="Times New Roman" panose="02020603050405020304" pitchFamily="18" charset="0"/>
+              </a:rPr>
+              <a:t>blurred_img</a:t>
+            </a:r>
+            <a:r>
+              <a:rPr lang="en-IN" b="0" dirty="0">
+                <a:effectLst/>
+                <a:latin typeface="Times New Roman" panose="02020603050405020304" pitchFamily="18" charset="0"/>
+                <a:cs typeface="Times New Roman" panose="02020603050405020304" pitchFamily="18" charset="0"/>
+              </a:rPr>
+              <a:t> = cv2.GaussianBlur(</a:t>
+            </a:r>
+            <a:r>
+              <a:rPr lang="en-IN" b="0" dirty="0" err="1">
+                <a:effectLst/>
+                <a:latin typeface="Times New Roman" panose="02020603050405020304" pitchFamily="18" charset="0"/>
+                <a:cs typeface="Times New Roman" panose="02020603050405020304" pitchFamily="18" charset="0"/>
+              </a:rPr>
+              <a:t>gamma_corrected_img</a:t>
+            </a:r>
+            <a:r>
+              <a:rPr lang="en-IN" b="0" dirty="0">
+                <a:effectLst/>
+                <a:latin typeface="Times New Roman" panose="02020603050405020304" pitchFamily="18" charset="0"/>
+                <a:cs typeface="Times New Roman" panose="02020603050405020304" pitchFamily="18" charset="0"/>
+              </a:rPr>
+              <a:t>, (5, 5), 0)</a:t>
+            </a:r>
+          </a:p>
+          <a:p>
+            <a:r>
+              <a:rPr lang="en-IN" b="0" dirty="0">
+                <a:effectLst/>
+                <a:latin typeface="Times New Roman" panose="02020603050405020304" pitchFamily="18" charset="0"/>
+                <a:cs typeface="Times New Roman" panose="02020603050405020304" pitchFamily="18" charset="0"/>
+              </a:rPr>
+              <a:t>        </a:t>
+            </a:r>
+            <a:r>
+              <a:rPr lang="en-IN" b="0" dirty="0" err="1">
+                <a:effectLst/>
+                <a:latin typeface="Times New Roman" panose="02020603050405020304" pitchFamily="18" charset="0"/>
+                <a:cs typeface="Times New Roman" panose="02020603050405020304" pitchFamily="18" charset="0"/>
+              </a:rPr>
+              <a:t>equalized_img</a:t>
+            </a:r>
+            <a:r>
+              <a:rPr lang="en-IN" b="0" dirty="0">
+                <a:effectLst/>
+                <a:latin typeface="Times New Roman" panose="02020603050405020304" pitchFamily="18" charset="0"/>
+                <a:cs typeface="Times New Roman" panose="02020603050405020304" pitchFamily="18" charset="0"/>
+              </a:rPr>
+              <a:t> = </a:t>
+            </a:r>
+            <a:r>
+              <a:rPr lang="en-IN" b="0" dirty="0" err="1">
+                <a:effectLst/>
+                <a:latin typeface="Times New Roman" panose="02020603050405020304" pitchFamily="18" charset="0"/>
+                <a:cs typeface="Times New Roman" panose="02020603050405020304" pitchFamily="18" charset="0"/>
+              </a:rPr>
+              <a:t>adaptive_histogram_equalization</a:t>
+            </a:r>
+            <a:r>
+              <a:rPr lang="en-IN" b="0" dirty="0">
+                <a:effectLst/>
+                <a:latin typeface="Times New Roman" panose="02020603050405020304" pitchFamily="18" charset="0"/>
+                <a:cs typeface="Times New Roman" panose="02020603050405020304" pitchFamily="18" charset="0"/>
+              </a:rPr>
+              <a:t>(</a:t>
+            </a:r>
+            <a:r>
+              <a:rPr lang="en-IN" b="0" dirty="0" err="1">
+                <a:effectLst/>
+                <a:latin typeface="Times New Roman" panose="02020603050405020304" pitchFamily="18" charset="0"/>
+                <a:cs typeface="Times New Roman" panose="02020603050405020304" pitchFamily="18" charset="0"/>
+              </a:rPr>
+              <a:t>blurred_img</a:t>
+            </a:r>
+            <a:r>
+              <a:rPr lang="en-IN" b="0" dirty="0">
+                <a:effectLst/>
+                <a:latin typeface="Times New Roman" panose="02020603050405020304" pitchFamily="18" charset="0"/>
+                <a:cs typeface="Times New Roman" panose="02020603050405020304" pitchFamily="18" charset="0"/>
+              </a:rPr>
+              <a:t>)</a:t>
+            </a:r>
+          </a:p>
+          <a:p>
+            <a:endParaRPr lang="en-IN" b="0" dirty="0">
+              <a:effectLst/>
+              <a:latin typeface="Times New Roman" panose="02020603050405020304" pitchFamily="18" charset="0"/>
+              <a:cs typeface="Times New Roman" panose="02020603050405020304" pitchFamily="18" charset="0"/>
+            </a:endParaRPr>
+          </a:p>
+          <a:p>
+            <a:r>
+              <a:rPr lang="en-IN" b="0" dirty="0">
+                <a:effectLst/>
+                <a:latin typeface="Times New Roman" panose="02020603050405020304" pitchFamily="18" charset="0"/>
+                <a:cs typeface="Times New Roman" panose="02020603050405020304" pitchFamily="18" charset="0"/>
+              </a:rPr>
+              <a:t>        </a:t>
+            </a:r>
+            <a:r>
+              <a:rPr lang="en-IN" b="0" dirty="0" err="1">
+                <a:effectLst/>
+                <a:latin typeface="Times New Roman" panose="02020603050405020304" pitchFamily="18" charset="0"/>
+                <a:cs typeface="Times New Roman" panose="02020603050405020304" pitchFamily="18" charset="0"/>
+              </a:rPr>
+              <a:t>thresholded_img</a:t>
+            </a:r>
+            <a:r>
+              <a:rPr lang="en-IN" b="0" dirty="0">
+                <a:effectLst/>
+                <a:latin typeface="Times New Roman" panose="02020603050405020304" pitchFamily="18" charset="0"/>
+                <a:cs typeface="Times New Roman" panose="02020603050405020304" pitchFamily="18" charset="0"/>
+              </a:rPr>
+              <a:t> = </a:t>
+            </a:r>
+            <a:r>
+              <a:rPr lang="en-IN" b="0" dirty="0" err="1">
+                <a:effectLst/>
+                <a:latin typeface="Times New Roman" panose="02020603050405020304" pitchFamily="18" charset="0"/>
+                <a:cs typeface="Times New Roman" panose="02020603050405020304" pitchFamily="18" charset="0"/>
+              </a:rPr>
+              <a:t>otsu_threshold</a:t>
+            </a:r>
+            <a:r>
+              <a:rPr lang="en-IN" b="0" dirty="0">
+                <a:effectLst/>
+                <a:latin typeface="Times New Roman" panose="02020603050405020304" pitchFamily="18" charset="0"/>
+                <a:cs typeface="Times New Roman" panose="02020603050405020304" pitchFamily="18" charset="0"/>
+              </a:rPr>
+              <a:t>(</a:t>
+            </a:r>
+            <a:r>
+              <a:rPr lang="en-IN" b="0" dirty="0" err="1">
+                <a:effectLst/>
+                <a:latin typeface="Times New Roman" panose="02020603050405020304" pitchFamily="18" charset="0"/>
+                <a:cs typeface="Times New Roman" panose="02020603050405020304" pitchFamily="18" charset="0"/>
+              </a:rPr>
+              <a:t>equalized_img</a:t>
+            </a:r>
+            <a:r>
+              <a:rPr lang="en-IN" b="0" dirty="0">
+                <a:effectLst/>
+                <a:latin typeface="Times New Roman" panose="02020603050405020304" pitchFamily="18" charset="0"/>
+                <a:cs typeface="Times New Roman" panose="02020603050405020304" pitchFamily="18" charset="0"/>
+              </a:rPr>
+              <a:t>)</a:t>
+            </a:r>
+          </a:p>
+          <a:p>
+            <a:r>
+              <a:rPr lang="en-IN" b="0" dirty="0">
+                <a:effectLst/>
+                <a:latin typeface="Times New Roman" panose="02020603050405020304" pitchFamily="18" charset="0"/>
+                <a:cs typeface="Times New Roman" panose="02020603050405020304" pitchFamily="18" charset="0"/>
+              </a:rPr>
+              <a:t>        </a:t>
+            </a:r>
+            <a:r>
+              <a:rPr lang="en-IN" b="0" dirty="0" err="1">
+                <a:effectLst/>
+                <a:latin typeface="Times New Roman" panose="02020603050405020304" pitchFamily="18" charset="0"/>
+                <a:cs typeface="Times New Roman" panose="02020603050405020304" pitchFamily="18" charset="0"/>
+              </a:rPr>
+              <a:t>dlt_er_img</a:t>
+            </a:r>
+            <a:r>
+              <a:rPr lang="en-IN" b="0" dirty="0">
+                <a:effectLst/>
+                <a:latin typeface="Times New Roman" panose="02020603050405020304" pitchFamily="18" charset="0"/>
+                <a:cs typeface="Times New Roman" panose="02020603050405020304" pitchFamily="18" charset="0"/>
+              </a:rPr>
+              <a:t> = </a:t>
+            </a:r>
+            <a:r>
+              <a:rPr lang="en-IN" b="0" dirty="0" err="1">
+                <a:effectLst/>
+                <a:latin typeface="Times New Roman" panose="02020603050405020304" pitchFamily="18" charset="0"/>
+                <a:cs typeface="Times New Roman" panose="02020603050405020304" pitchFamily="18" charset="0"/>
+              </a:rPr>
+              <a:t>dilation_erosion</a:t>
+            </a:r>
+            <a:r>
+              <a:rPr lang="en-IN" b="0" dirty="0">
+                <a:effectLst/>
+                <a:latin typeface="Times New Roman" panose="02020603050405020304" pitchFamily="18" charset="0"/>
+                <a:cs typeface="Times New Roman" panose="02020603050405020304" pitchFamily="18" charset="0"/>
+              </a:rPr>
+              <a:t>(</a:t>
+            </a:r>
+            <a:r>
+              <a:rPr lang="en-IN" b="0" dirty="0" err="1">
+                <a:effectLst/>
+                <a:latin typeface="Times New Roman" panose="02020603050405020304" pitchFamily="18" charset="0"/>
+                <a:cs typeface="Times New Roman" panose="02020603050405020304" pitchFamily="18" charset="0"/>
+              </a:rPr>
+              <a:t>thresholded_img</a:t>
+            </a:r>
+            <a:r>
+              <a:rPr lang="en-IN" b="0" dirty="0">
+                <a:effectLst/>
+                <a:latin typeface="Times New Roman" panose="02020603050405020304" pitchFamily="18" charset="0"/>
+                <a:cs typeface="Times New Roman" panose="02020603050405020304" pitchFamily="18" charset="0"/>
+              </a:rPr>
+              <a:t>)</a:t>
+            </a:r>
+          </a:p>
+          <a:p>
+            <a:r>
+              <a:rPr lang="en-IN" b="0" dirty="0">
+                <a:effectLst/>
+                <a:latin typeface="Times New Roman" panose="02020603050405020304" pitchFamily="18" charset="0"/>
+                <a:cs typeface="Times New Roman" panose="02020603050405020304" pitchFamily="18" charset="0"/>
+              </a:rPr>
+              <a:t>        </a:t>
+            </a:r>
+            <a:r>
+              <a:rPr lang="en-IN" b="0" dirty="0" err="1">
+                <a:effectLst/>
+                <a:latin typeface="Times New Roman" panose="02020603050405020304" pitchFamily="18" charset="0"/>
+                <a:cs typeface="Times New Roman" panose="02020603050405020304" pitchFamily="18" charset="0"/>
+              </a:rPr>
+              <a:t>processed_images.extend</a:t>
+            </a:r>
+            <a:r>
+              <a:rPr lang="en-IN" b="0" dirty="0">
+                <a:effectLst/>
+                <a:latin typeface="Times New Roman" panose="02020603050405020304" pitchFamily="18" charset="0"/>
+                <a:cs typeface="Times New Roman" panose="02020603050405020304" pitchFamily="18" charset="0"/>
+              </a:rPr>
+              <a:t>([</a:t>
+            </a:r>
+            <a:r>
+              <a:rPr lang="en-IN" b="0" dirty="0" err="1">
+                <a:effectLst/>
+                <a:latin typeface="Times New Roman" panose="02020603050405020304" pitchFamily="18" charset="0"/>
+                <a:cs typeface="Times New Roman" panose="02020603050405020304" pitchFamily="18" charset="0"/>
+              </a:rPr>
+              <a:t>resized_img</a:t>
+            </a:r>
+            <a:r>
+              <a:rPr lang="en-IN" b="0" dirty="0">
+                <a:effectLst/>
+                <a:latin typeface="Times New Roman" panose="02020603050405020304" pitchFamily="18" charset="0"/>
+                <a:cs typeface="Times New Roman" panose="02020603050405020304" pitchFamily="18" charset="0"/>
+              </a:rPr>
+              <a:t>, </a:t>
+            </a:r>
+            <a:r>
+              <a:rPr lang="en-IN" b="0" dirty="0" err="1">
+                <a:effectLst/>
+                <a:latin typeface="Times New Roman" panose="02020603050405020304" pitchFamily="18" charset="0"/>
+                <a:cs typeface="Times New Roman" panose="02020603050405020304" pitchFamily="18" charset="0"/>
+              </a:rPr>
+              <a:t>gamma_corrected_img</a:t>
+            </a:r>
+            <a:r>
+              <a:rPr lang="en-IN" b="0" dirty="0">
+                <a:effectLst/>
+                <a:latin typeface="Times New Roman" panose="02020603050405020304" pitchFamily="18" charset="0"/>
+                <a:cs typeface="Times New Roman" panose="02020603050405020304" pitchFamily="18" charset="0"/>
+              </a:rPr>
+              <a:t>, </a:t>
+            </a:r>
+            <a:r>
+              <a:rPr lang="en-IN" b="0" dirty="0" err="1">
+                <a:effectLst/>
+                <a:latin typeface="Times New Roman" panose="02020603050405020304" pitchFamily="18" charset="0"/>
+                <a:cs typeface="Times New Roman" panose="02020603050405020304" pitchFamily="18" charset="0"/>
+              </a:rPr>
+              <a:t>blurred_img</a:t>
+            </a:r>
+            <a:r>
+              <a:rPr lang="en-IN" b="0" dirty="0">
+                <a:effectLst/>
+                <a:latin typeface="Times New Roman" panose="02020603050405020304" pitchFamily="18" charset="0"/>
+                <a:cs typeface="Times New Roman" panose="02020603050405020304" pitchFamily="18" charset="0"/>
+              </a:rPr>
+              <a:t>, </a:t>
+            </a:r>
+            <a:r>
+              <a:rPr lang="en-IN" b="0" dirty="0" err="1">
+                <a:effectLst/>
+                <a:latin typeface="Times New Roman" panose="02020603050405020304" pitchFamily="18" charset="0"/>
+                <a:cs typeface="Times New Roman" panose="02020603050405020304" pitchFamily="18" charset="0"/>
+              </a:rPr>
+              <a:t>equalized_img</a:t>
+            </a:r>
+            <a:r>
+              <a:rPr lang="en-IN" b="0" dirty="0">
+                <a:effectLst/>
+                <a:latin typeface="Times New Roman" panose="02020603050405020304" pitchFamily="18" charset="0"/>
+                <a:cs typeface="Times New Roman" panose="02020603050405020304" pitchFamily="18" charset="0"/>
+              </a:rPr>
+              <a:t>, </a:t>
+            </a:r>
+            <a:r>
+              <a:rPr lang="en-IN" b="0" dirty="0" err="1">
+                <a:effectLst/>
+                <a:latin typeface="Times New Roman" panose="02020603050405020304" pitchFamily="18" charset="0"/>
+                <a:cs typeface="Times New Roman" panose="02020603050405020304" pitchFamily="18" charset="0"/>
+              </a:rPr>
+              <a:t>thresholded_img</a:t>
+            </a:r>
+            <a:r>
+              <a:rPr lang="en-IN" b="0" dirty="0">
+                <a:effectLst/>
+                <a:latin typeface="Times New Roman" panose="02020603050405020304" pitchFamily="18" charset="0"/>
+                <a:cs typeface="Times New Roman" panose="02020603050405020304" pitchFamily="18" charset="0"/>
+              </a:rPr>
+              <a:t>, </a:t>
+            </a:r>
+            <a:r>
+              <a:rPr lang="en-IN" b="0" dirty="0" err="1">
+                <a:effectLst/>
+                <a:latin typeface="Times New Roman" panose="02020603050405020304" pitchFamily="18" charset="0"/>
+                <a:cs typeface="Times New Roman" panose="02020603050405020304" pitchFamily="18" charset="0"/>
+              </a:rPr>
+              <a:t>dlt_er_img</a:t>
+            </a:r>
+            <a:r>
+              <a:rPr lang="en-IN" b="0" dirty="0">
+                <a:effectLst/>
+                <a:latin typeface="Times New Roman" panose="02020603050405020304" pitchFamily="18" charset="0"/>
+                <a:cs typeface="Times New Roman" panose="02020603050405020304" pitchFamily="18" charset="0"/>
+              </a:rPr>
+              <a:t>])</a:t>
+            </a:r>
+          </a:p>
+          <a:p>
+            <a:r>
+              <a:rPr lang="en-IN" b="0" dirty="0">
+                <a:effectLst/>
+                <a:latin typeface="Times New Roman" panose="02020603050405020304" pitchFamily="18" charset="0"/>
+                <a:cs typeface="Times New Roman" panose="02020603050405020304" pitchFamily="18" charset="0"/>
+              </a:rPr>
+              <a:t>        </a:t>
+            </a:r>
+            <a:r>
+              <a:rPr lang="en-IN" b="0" dirty="0" err="1">
+                <a:effectLst/>
+                <a:latin typeface="Times New Roman" panose="02020603050405020304" pitchFamily="18" charset="0"/>
+                <a:cs typeface="Times New Roman" panose="02020603050405020304" pitchFamily="18" charset="0"/>
+              </a:rPr>
+              <a:t>processed_titles.extend</a:t>
+            </a:r>
+            <a:r>
+              <a:rPr lang="en-IN" b="0" dirty="0">
+                <a:effectLst/>
+                <a:latin typeface="Times New Roman" panose="02020603050405020304" pitchFamily="18" charset="0"/>
+                <a:cs typeface="Times New Roman" panose="02020603050405020304" pitchFamily="18" charset="0"/>
+              </a:rPr>
+              <a:t>([</a:t>
+            </a:r>
+          </a:p>
+          <a:p>
+            <a:r>
+              <a:rPr lang="en-IN" b="0" dirty="0">
+                <a:effectLst/>
+                <a:latin typeface="Times New Roman" panose="02020603050405020304" pitchFamily="18" charset="0"/>
+                <a:cs typeface="Times New Roman" panose="02020603050405020304" pitchFamily="18" charset="0"/>
+              </a:rPr>
+              <a:t>            </a:t>
+            </a:r>
+            <a:r>
+              <a:rPr lang="en-IN" b="0" dirty="0" err="1">
+                <a:effectLst/>
+                <a:latin typeface="Times New Roman" panose="02020603050405020304" pitchFamily="18" charset="0"/>
+                <a:cs typeface="Times New Roman" panose="02020603050405020304" pitchFamily="18" charset="0"/>
+              </a:rPr>
+              <a:t>f'Resized</a:t>
+            </a:r>
+            <a:r>
+              <a:rPr lang="en-IN" b="0" dirty="0">
+                <a:effectLst/>
+                <a:latin typeface="Times New Roman" panose="02020603050405020304" pitchFamily="18" charset="0"/>
+                <a:cs typeface="Times New Roman" panose="02020603050405020304" pitchFamily="18" charset="0"/>
+              </a:rPr>
+              <a:t> Image {</a:t>
+            </a:r>
+            <a:r>
+              <a:rPr lang="en-IN" b="0" dirty="0" err="1">
+                <a:effectLst/>
+                <a:latin typeface="Times New Roman" panose="02020603050405020304" pitchFamily="18" charset="0"/>
+                <a:cs typeface="Times New Roman" panose="02020603050405020304" pitchFamily="18" charset="0"/>
+              </a:rPr>
+              <a:t>i</a:t>
+            </a:r>
+            <a:r>
+              <a:rPr lang="en-IN" b="0" dirty="0">
+                <a:effectLst/>
+                <a:latin typeface="Times New Roman" panose="02020603050405020304" pitchFamily="18" charset="0"/>
+                <a:cs typeface="Times New Roman" panose="02020603050405020304" pitchFamily="18" charset="0"/>
+              </a:rPr>
+              <a:t> + 1}-{chr(</a:t>
+            </a:r>
+            <a:r>
+              <a:rPr lang="en-IN" b="0" dirty="0" err="1">
+                <a:effectLst/>
+                <a:latin typeface="Times New Roman" panose="02020603050405020304" pitchFamily="18" charset="0"/>
+                <a:cs typeface="Times New Roman" panose="02020603050405020304" pitchFamily="18" charset="0"/>
+              </a:rPr>
+              <a:t>ord</a:t>
+            </a:r>
+            <a:r>
+              <a:rPr lang="en-IN" b="0" dirty="0">
+                <a:effectLst/>
+                <a:latin typeface="Times New Roman" panose="02020603050405020304" pitchFamily="18" charset="0"/>
+                <a:cs typeface="Times New Roman" panose="02020603050405020304" pitchFamily="18" charset="0"/>
+              </a:rPr>
+              <a:t>("A") + j)}',</a:t>
+            </a:r>
+          </a:p>
+          <a:p>
+            <a:r>
+              <a:rPr lang="en-IN" b="0" dirty="0">
+                <a:effectLst/>
+                <a:latin typeface="Times New Roman" panose="02020603050405020304" pitchFamily="18" charset="0"/>
+                <a:cs typeface="Times New Roman" panose="02020603050405020304" pitchFamily="18" charset="0"/>
+              </a:rPr>
+              <a:t>            </a:t>
+            </a:r>
+            <a:r>
+              <a:rPr lang="en-IN" b="0" dirty="0" err="1">
+                <a:effectLst/>
+                <a:latin typeface="Times New Roman" panose="02020603050405020304" pitchFamily="18" charset="0"/>
+                <a:cs typeface="Times New Roman" panose="02020603050405020304" pitchFamily="18" charset="0"/>
+              </a:rPr>
+              <a:t>f'Gamma</a:t>
+            </a:r>
+            <a:r>
+              <a:rPr lang="en-IN" b="0" dirty="0">
+                <a:effectLst/>
+                <a:latin typeface="Times New Roman" panose="02020603050405020304" pitchFamily="18" charset="0"/>
+                <a:cs typeface="Times New Roman" panose="02020603050405020304" pitchFamily="18" charset="0"/>
+              </a:rPr>
+              <a:t> Image {</a:t>
+            </a:r>
+            <a:r>
+              <a:rPr lang="en-IN" b="0" dirty="0" err="1">
+                <a:effectLst/>
+                <a:latin typeface="Times New Roman" panose="02020603050405020304" pitchFamily="18" charset="0"/>
+                <a:cs typeface="Times New Roman" panose="02020603050405020304" pitchFamily="18" charset="0"/>
+              </a:rPr>
+              <a:t>i</a:t>
+            </a:r>
+            <a:r>
+              <a:rPr lang="en-IN" b="0" dirty="0">
+                <a:effectLst/>
+                <a:latin typeface="Times New Roman" panose="02020603050405020304" pitchFamily="18" charset="0"/>
+                <a:cs typeface="Times New Roman" panose="02020603050405020304" pitchFamily="18" charset="0"/>
+              </a:rPr>
+              <a:t> + 1}-{chr(</a:t>
+            </a:r>
+            <a:r>
+              <a:rPr lang="en-IN" b="0" dirty="0" err="1">
+                <a:effectLst/>
+                <a:latin typeface="Times New Roman" panose="02020603050405020304" pitchFamily="18" charset="0"/>
+                <a:cs typeface="Times New Roman" panose="02020603050405020304" pitchFamily="18" charset="0"/>
+              </a:rPr>
+              <a:t>ord</a:t>
+            </a:r>
+            <a:r>
+              <a:rPr lang="en-IN" b="0" dirty="0">
+                <a:effectLst/>
+                <a:latin typeface="Times New Roman" panose="02020603050405020304" pitchFamily="18" charset="0"/>
+                <a:cs typeface="Times New Roman" panose="02020603050405020304" pitchFamily="18" charset="0"/>
+              </a:rPr>
+              <a:t>("A") + j)}',</a:t>
+            </a:r>
+          </a:p>
+          <a:p>
+            <a:r>
+              <a:rPr lang="en-IN" b="0" dirty="0">
+                <a:effectLst/>
+                <a:latin typeface="Times New Roman" panose="02020603050405020304" pitchFamily="18" charset="0"/>
+                <a:cs typeface="Times New Roman" panose="02020603050405020304" pitchFamily="18" charset="0"/>
+              </a:rPr>
+              <a:t>            </a:t>
+            </a:r>
+            <a:r>
+              <a:rPr lang="en-IN" b="0" dirty="0" err="1">
+                <a:effectLst/>
+                <a:latin typeface="Times New Roman" panose="02020603050405020304" pitchFamily="18" charset="0"/>
+                <a:cs typeface="Times New Roman" panose="02020603050405020304" pitchFamily="18" charset="0"/>
+              </a:rPr>
+              <a:t>f'Blurred</a:t>
+            </a:r>
+            <a:r>
+              <a:rPr lang="en-IN" b="0" dirty="0">
+                <a:effectLst/>
+                <a:latin typeface="Times New Roman" panose="02020603050405020304" pitchFamily="18" charset="0"/>
+                <a:cs typeface="Times New Roman" panose="02020603050405020304" pitchFamily="18" charset="0"/>
+              </a:rPr>
+              <a:t> Image {</a:t>
+            </a:r>
+            <a:r>
+              <a:rPr lang="en-IN" b="0" dirty="0" err="1">
+                <a:effectLst/>
+                <a:latin typeface="Times New Roman" panose="02020603050405020304" pitchFamily="18" charset="0"/>
+                <a:cs typeface="Times New Roman" panose="02020603050405020304" pitchFamily="18" charset="0"/>
+              </a:rPr>
+              <a:t>i</a:t>
+            </a:r>
+            <a:r>
+              <a:rPr lang="en-IN" b="0" dirty="0">
+                <a:effectLst/>
+                <a:latin typeface="Times New Roman" panose="02020603050405020304" pitchFamily="18" charset="0"/>
+                <a:cs typeface="Times New Roman" panose="02020603050405020304" pitchFamily="18" charset="0"/>
+              </a:rPr>
+              <a:t> + 1}-{chr(</a:t>
+            </a:r>
+            <a:r>
+              <a:rPr lang="en-IN" b="0" dirty="0" err="1">
+                <a:effectLst/>
+                <a:latin typeface="Times New Roman" panose="02020603050405020304" pitchFamily="18" charset="0"/>
+                <a:cs typeface="Times New Roman" panose="02020603050405020304" pitchFamily="18" charset="0"/>
+              </a:rPr>
+              <a:t>ord</a:t>
+            </a:r>
+            <a:r>
+              <a:rPr lang="en-IN" b="0" dirty="0">
+                <a:effectLst/>
+                <a:latin typeface="Times New Roman" panose="02020603050405020304" pitchFamily="18" charset="0"/>
+                <a:cs typeface="Times New Roman" panose="02020603050405020304" pitchFamily="18" charset="0"/>
+              </a:rPr>
+              <a:t>("A") + j)}',</a:t>
+            </a:r>
+          </a:p>
+          <a:p>
+            <a:r>
+              <a:rPr lang="en-IN" b="0" dirty="0">
+                <a:effectLst/>
+                <a:latin typeface="Times New Roman" panose="02020603050405020304" pitchFamily="18" charset="0"/>
+                <a:cs typeface="Times New Roman" panose="02020603050405020304" pitchFamily="18" charset="0"/>
+              </a:rPr>
+              <a:t>            </a:t>
+            </a:r>
+            <a:r>
+              <a:rPr lang="en-IN" b="0" dirty="0" err="1">
+                <a:effectLst/>
+                <a:latin typeface="Times New Roman" panose="02020603050405020304" pitchFamily="18" charset="0"/>
+                <a:cs typeface="Times New Roman" panose="02020603050405020304" pitchFamily="18" charset="0"/>
+              </a:rPr>
+              <a:t>f'Equalized</a:t>
+            </a:r>
+            <a:r>
+              <a:rPr lang="en-IN" b="0" dirty="0">
+                <a:effectLst/>
+                <a:latin typeface="Times New Roman" panose="02020603050405020304" pitchFamily="18" charset="0"/>
+                <a:cs typeface="Times New Roman" panose="02020603050405020304" pitchFamily="18" charset="0"/>
+              </a:rPr>
+              <a:t> Image {</a:t>
+            </a:r>
+            <a:r>
+              <a:rPr lang="en-IN" b="0" dirty="0" err="1">
+                <a:effectLst/>
+                <a:latin typeface="Times New Roman" panose="02020603050405020304" pitchFamily="18" charset="0"/>
+                <a:cs typeface="Times New Roman" panose="02020603050405020304" pitchFamily="18" charset="0"/>
+              </a:rPr>
+              <a:t>i</a:t>
+            </a:r>
+            <a:r>
+              <a:rPr lang="en-IN" b="0" dirty="0">
+                <a:effectLst/>
+                <a:latin typeface="Times New Roman" panose="02020603050405020304" pitchFamily="18" charset="0"/>
+                <a:cs typeface="Times New Roman" panose="02020603050405020304" pitchFamily="18" charset="0"/>
+              </a:rPr>
+              <a:t> + 1}-{chr(</a:t>
+            </a:r>
+            <a:r>
+              <a:rPr lang="en-IN" b="0" dirty="0" err="1">
+                <a:effectLst/>
+                <a:latin typeface="Times New Roman" panose="02020603050405020304" pitchFamily="18" charset="0"/>
+                <a:cs typeface="Times New Roman" panose="02020603050405020304" pitchFamily="18" charset="0"/>
+              </a:rPr>
+              <a:t>ord</a:t>
+            </a:r>
+            <a:r>
+              <a:rPr lang="en-IN" b="0" dirty="0">
+                <a:effectLst/>
+                <a:latin typeface="Times New Roman" panose="02020603050405020304" pitchFamily="18" charset="0"/>
+                <a:cs typeface="Times New Roman" panose="02020603050405020304" pitchFamily="18" charset="0"/>
+              </a:rPr>
+              <a:t>("A") + j)}',</a:t>
+            </a:r>
+          </a:p>
+          <a:p>
+            <a:r>
+              <a:rPr lang="en-IN" b="0" dirty="0">
+                <a:effectLst/>
+                <a:latin typeface="Times New Roman" panose="02020603050405020304" pitchFamily="18" charset="0"/>
+                <a:cs typeface="Times New Roman" panose="02020603050405020304" pitchFamily="18" charset="0"/>
+              </a:rPr>
+              <a:t>            </a:t>
+            </a:r>
+            <a:r>
+              <a:rPr lang="en-IN" b="0" dirty="0" err="1">
+                <a:effectLst/>
+                <a:latin typeface="Times New Roman" panose="02020603050405020304" pitchFamily="18" charset="0"/>
+                <a:cs typeface="Times New Roman" panose="02020603050405020304" pitchFamily="18" charset="0"/>
+              </a:rPr>
+              <a:t>f'Thresholded</a:t>
+            </a:r>
+            <a:r>
+              <a:rPr lang="en-IN" b="0" dirty="0">
+                <a:effectLst/>
+                <a:latin typeface="Times New Roman" panose="02020603050405020304" pitchFamily="18" charset="0"/>
+                <a:cs typeface="Times New Roman" panose="02020603050405020304" pitchFamily="18" charset="0"/>
+              </a:rPr>
+              <a:t> Image {</a:t>
+            </a:r>
+            <a:r>
+              <a:rPr lang="en-IN" b="0" dirty="0" err="1">
+                <a:effectLst/>
+                <a:latin typeface="Times New Roman" panose="02020603050405020304" pitchFamily="18" charset="0"/>
+                <a:cs typeface="Times New Roman" panose="02020603050405020304" pitchFamily="18" charset="0"/>
+              </a:rPr>
+              <a:t>i</a:t>
+            </a:r>
+            <a:r>
+              <a:rPr lang="en-IN" b="0" dirty="0">
+                <a:effectLst/>
+                <a:latin typeface="Times New Roman" panose="02020603050405020304" pitchFamily="18" charset="0"/>
+                <a:cs typeface="Times New Roman" panose="02020603050405020304" pitchFamily="18" charset="0"/>
+              </a:rPr>
+              <a:t> + 1}-{chr(</a:t>
+            </a:r>
+            <a:r>
+              <a:rPr lang="en-IN" b="0" dirty="0" err="1">
+                <a:effectLst/>
+                <a:latin typeface="Times New Roman" panose="02020603050405020304" pitchFamily="18" charset="0"/>
+                <a:cs typeface="Times New Roman" panose="02020603050405020304" pitchFamily="18" charset="0"/>
+              </a:rPr>
+              <a:t>ord</a:t>
+            </a:r>
+            <a:r>
+              <a:rPr lang="en-IN" b="0" dirty="0">
+                <a:effectLst/>
+                <a:latin typeface="Times New Roman" panose="02020603050405020304" pitchFamily="18" charset="0"/>
+                <a:cs typeface="Times New Roman" panose="02020603050405020304" pitchFamily="18" charset="0"/>
+              </a:rPr>
+              <a:t>("A") + j)}',</a:t>
+            </a:r>
+          </a:p>
+          <a:p>
+            <a:r>
+              <a:rPr lang="en-IN" b="0" dirty="0">
+                <a:effectLst/>
+                <a:latin typeface="Times New Roman" panose="02020603050405020304" pitchFamily="18" charset="0"/>
+                <a:cs typeface="Times New Roman" panose="02020603050405020304" pitchFamily="18" charset="0"/>
+              </a:rPr>
+              <a:t>            </a:t>
+            </a:r>
+            <a:r>
+              <a:rPr lang="en-IN" b="0" dirty="0" err="1">
+                <a:effectLst/>
+                <a:latin typeface="Times New Roman" panose="02020603050405020304" pitchFamily="18" charset="0"/>
+                <a:cs typeface="Times New Roman" panose="02020603050405020304" pitchFamily="18" charset="0"/>
+              </a:rPr>
+              <a:t>f'Dilatation</a:t>
+            </a:r>
+            <a:r>
+              <a:rPr lang="en-IN" b="0" dirty="0">
+                <a:effectLst/>
+                <a:latin typeface="Times New Roman" panose="02020603050405020304" pitchFamily="18" charset="0"/>
+                <a:cs typeface="Times New Roman" panose="02020603050405020304" pitchFamily="18" charset="0"/>
+              </a:rPr>
+              <a:t> and Erosion Image {</a:t>
+            </a:r>
+            <a:r>
+              <a:rPr lang="en-IN" b="0" dirty="0" err="1">
+                <a:effectLst/>
+                <a:latin typeface="Times New Roman" panose="02020603050405020304" pitchFamily="18" charset="0"/>
+                <a:cs typeface="Times New Roman" panose="02020603050405020304" pitchFamily="18" charset="0"/>
+              </a:rPr>
+              <a:t>i</a:t>
+            </a:r>
+            <a:r>
+              <a:rPr lang="en-IN" b="0" dirty="0">
+                <a:effectLst/>
+                <a:latin typeface="Times New Roman" panose="02020603050405020304" pitchFamily="18" charset="0"/>
+                <a:cs typeface="Times New Roman" panose="02020603050405020304" pitchFamily="18" charset="0"/>
+              </a:rPr>
+              <a:t> + 1}-{chr(</a:t>
+            </a:r>
+            <a:r>
+              <a:rPr lang="en-IN" b="0" dirty="0" err="1">
+                <a:effectLst/>
+                <a:latin typeface="Times New Roman" panose="02020603050405020304" pitchFamily="18" charset="0"/>
+                <a:cs typeface="Times New Roman" panose="02020603050405020304" pitchFamily="18" charset="0"/>
+              </a:rPr>
+              <a:t>ord</a:t>
+            </a:r>
+            <a:r>
+              <a:rPr lang="en-IN" b="0" dirty="0">
+                <a:effectLst/>
+                <a:latin typeface="Times New Roman" panose="02020603050405020304" pitchFamily="18" charset="0"/>
+                <a:cs typeface="Times New Roman" panose="02020603050405020304" pitchFamily="18" charset="0"/>
+              </a:rPr>
+              <a:t>("A") + j)}'])</a:t>
+            </a:r>
+          </a:p>
+          <a:p>
+            <a:r>
+              <a:rPr lang="en-IN" b="0" dirty="0">
+                <a:effectLst/>
+                <a:latin typeface="Times New Roman" panose="02020603050405020304" pitchFamily="18" charset="0"/>
+                <a:cs typeface="Times New Roman" panose="02020603050405020304" pitchFamily="18" charset="0"/>
+              </a:rPr>
+              <a:t>    </a:t>
+            </a:r>
+            <a:r>
+              <a:rPr lang="en-IN" b="0" dirty="0" err="1">
+                <a:effectLst/>
+                <a:latin typeface="Times New Roman" panose="02020603050405020304" pitchFamily="18" charset="0"/>
+                <a:cs typeface="Times New Roman" panose="02020603050405020304" pitchFamily="18" charset="0"/>
+              </a:rPr>
+              <a:t>plotting_grid</a:t>
+            </a:r>
+            <a:r>
+              <a:rPr lang="en-IN" b="0" dirty="0">
+                <a:effectLst/>
+                <a:latin typeface="Times New Roman" panose="02020603050405020304" pitchFamily="18" charset="0"/>
+                <a:cs typeface="Times New Roman" panose="02020603050405020304" pitchFamily="18" charset="0"/>
+              </a:rPr>
+              <a:t>(</a:t>
+            </a:r>
+            <a:r>
+              <a:rPr lang="en-IN" b="0" dirty="0" err="1">
+                <a:effectLst/>
+                <a:latin typeface="Times New Roman" panose="02020603050405020304" pitchFamily="18" charset="0"/>
+                <a:cs typeface="Times New Roman" panose="02020603050405020304" pitchFamily="18" charset="0"/>
+              </a:rPr>
+              <a:t>processed_images</a:t>
+            </a:r>
+            <a:r>
+              <a:rPr lang="en-IN" b="0" dirty="0">
+                <a:effectLst/>
+                <a:latin typeface="Times New Roman" panose="02020603050405020304" pitchFamily="18" charset="0"/>
+                <a:cs typeface="Times New Roman" panose="02020603050405020304" pitchFamily="18" charset="0"/>
+              </a:rPr>
+              <a:t>, </a:t>
+            </a:r>
+            <a:r>
+              <a:rPr lang="en-IN" b="0" dirty="0" err="1">
+                <a:effectLst/>
+                <a:latin typeface="Times New Roman" panose="02020603050405020304" pitchFamily="18" charset="0"/>
+                <a:cs typeface="Times New Roman" panose="02020603050405020304" pitchFamily="18" charset="0"/>
+              </a:rPr>
+              <a:t>processed_titles</a:t>
+            </a:r>
+            <a:r>
+              <a:rPr lang="en-IN" b="0" dirty="0">
+                <a:effectLst/>
+                <a:latin typeface="Times New Roman" panose="02020603050405020304" pitchFamily="18" charset="0"/>
+                <a:cs typeface="Times New Roman" panose="02020603050405020304" pitchFamily="18" charset="0"/>
+              </a:rPr>
+              <a:t>, </a:t>
+            </a:r>
+            <a:r>
+              <a:rPr lang="en-IN" b="0" dirty="0" err="1">
+                <a:effectLst/>
+                <a:latin typeface="Times New Roman" panose="02020603050405020304" pitchFamily="18" charset="0"/>
+                <a:cs typeface="Times New Roman" panose="02020603050405020304" pitchFamily="18" charset="0"/>
+              </a:rPr>
+              <a:t>len</a:t>
+            </a:r>
+            <a:r>
+              <a:rPr lang="en-IN" b="0" dirty="0">
+                <a:effectLst/>
+                <a:latin typeface="Times New Roman" panose="02020603050405020304" pitchFamily="18" charset="0"/>
+                <a:cs typeface="Times New Roman" panose="02020603050405020304" pitchFamily="18" charset="0"/>
+              </a:rPr>
+              <a:t>(</a:t>
+            </a:r>
+            <a:r>
+              <a:rPr lang="en-IN" b="0" dirty="0" err="1">
+                <a:effectLst/>
+                <a:latin typeface="Times New Roman" panose="02020603050405020304" pitchFamily="18" charset="0"/>
+                <a:cs typeface="Times New Roman" panose="02020603050405020304" pitchFamily="18" charset="0"/>
+              </a:rPr>
+              <a:t>cropped_images</a:t>
+            </a:r>
+            <a:r>
+              <a:rPr lang="en-IN" b="0" dirty="0">
+                <a:effectLst/>
+                <a:latin typeface="Times New Roman" panose="02020603050405020304" pitchFamily="18" charset="0"/>
+                <a:cs typeface="Times New Roman" panose="02020603050405020304" pitchFamily="18" charset="0"/>
+              </a:rPr>
+              <a:t>), 6, 18)</a:t>
+            </a:r>
+          </a:p>
+          <a:p>
+            <a:r>
+              <a:rPr lang="en-IN" b="0" dirty="0">
+                <a:effectLst/>
+                <a:latin typeface="Times New Roman" panose="02020603050405020304" pitchFamily="18" charset="0"/>
+                <a:cs typeface="Times New Roman" panose="02020603050405020304" pitchFamily="18" charset="0"/>
+              </a:rPr>
+              <a:t>    </a:t>
+            </a:r>
+            <a:r>
+              <a:rPr lang="en-IN" b="0" dirty="0" err="1">
+                <a:effectLst/>
+                <a:latin typeface="Times New Roman" panose="02020603050405020304" pitchFamily="18" charset="0"/>
+                <a:cs typeface="Times New Roman" panose="02020603050405020304" pitchFamily="18" charset="0"/>
+              </a:rPr>
+              <a:t>total_people_count</a:t>
+            </a:r>
+            <a:r>
+              <a:rPr lang="en-IN" b="0" dirty="0">
+                <a:effectLst/>
+                <a:latin typeface="Times New Roman" panose="02020603050405020304" pitchFamily="18" charset="0"/>
+                <a:cs typeface="Times New Roman" panose="02020603050405020304" pitchFamily="18" charset="0"/>
+              </a:rPr>
+              <a:t> += </a:t>
+            </a:r>
+            <a:r>
+              <a:rPr lang="en-IN" b="0" dirty="0" err="1">
+                <a:effectLst/>
+                <a:latin typeface="Times New Roman" panose="02020603050405020304" pitchFamily="18" charset="0"/>
+                <a:cs typeface="Times New Roman" panose="02020603050405020304" pitchFamily="18" charset="0"/>
+              </a:rPr>
+              <a:t>labeling</a:t>
+            </a:r>
+            <a:r>
+              <a:rPr lang="en-IN" b="0" dirty="0">
+                <a:effectLst/>
+                <a:latin typeface="Times New Roman" panose="02020603050405020304" pitchFamily="18" charset="0"/>
+                <a:cs typeface="Times New Roman" panose="02020603050405020304" pitchFamily="18" charset="0"/>
+              </a:rPr>
+              <a:t>(</a:t>
+            </a:r>
+            <a:r>
+              <a:rPr lang="en-IN" b="0" dirty="0" err="1">
+                <a:effectLst/>
+                <a:latin typeface="Times New Roman" panose="02020603050405020304" pitchFamily="18" charset="0"/>
+                <a:cs typeface="Times New Roman" panose="02020603050405020304" pitchFamily="18" charset="0"/>
+              </a:rPr>
+              <a:t>dlt_er_img</a:t>
+            </a:r>
+            <a:r>
+              <a:rPr lang="en-IN" b="0" dirty="0">
+                <a:effectLst/>
+                <a:latin typeface="Times New Roman" panose="02020603050405020304" pitchFamily="18" charset="0"/>
+                <a:cs typeface="Times New Roman" panose="02020603050405020304" pitchFamily="18" charset="0"/>
+              </a:rPr>
+              <a:t>)</a:t>
+            </a:r>
+          </a:p>
+          <a:p>
+            <a:r>
+              <a:rPr lang="en-IN" b="0" dirty="0">
+                <a:effectLst/>
+                <a:latin typeface="Times New Roman" panose="02020603050405020304" pitchFamily="18" charset="0"/>
+                <a:cs typeface="Times New Roman" panose="02020603050405020304" pitchFamily="18" charset="0"/>
+              </a:rPr>
+              <a:t>print(</a:t>
+            </a:r>
+            <a:r>
+              <a:rPr lang="en-IN" b="0" dirty="0" err="1">
+                <a:effectLst/>
+                <a:latin typeface="Times New Roman" panose="02020603050405020304" pitchFamily="18" charset="0"/>
+                <a:cs typeface="Times New Roman" panose="02020603050405020304" pitchFamily="18" charset="0"/>
+              </a:rPr>
+              <a:t>f'Total</a:t>
+            </a:r>
+            <a:r>
+              <a:rPr lang="en-IN" b="0" dirty="0">
+                <a:effectLst/>
+                <a:latin typeface="Times New Roman" panose="02020603050405020304" pitchFamily="18" charset="0"/>
+                <a:cs typeface="Times New Roman" panose="02020603050405020304" pitchFamily="18" charset="0"/>
+              </a:rPr>
+              <a:t> people counted across all images: {</a:t>
+            </a:r>
+            <a:r>
+              <a:rPr lang="en-IN" b="0" dirty="0" err="1">
+                <a:effectLst/>
+                <a:latin typeface="Times New Roman" panose="02020603050405020304" pitchFamily="18" charset="0"/>
+                <a:cs typeface="Times New Roman" panose="02020603050405020304" pitchFamily="18" charset="0"/>
+              </a:rPr>
+              <a:t>total_people_count</a:t>
+            </a:r>
+            <a:r>
+              <a:rPr lang="en-IN" b="0" dirty="0">
+                <a:effectLst/>
+                <a:latin typeface="Times New Roman" panose="02020603050405020304" pitchFamily="18" charset="0"/>
+                <a:cs typeface="Times New Roman" panose="02020603050405020304" pitchFamily="18" charset="0"/>
+              </a:rPr>
+              <a:t>}')</a:t>
+            </a:r>
+          </a:p>
+        </p:txBody>
+      </p:sp>
+    </p:spTree>
+    <p:extLst>
+      <p:ext uri="{BB962C8B-B14F-4D97-AF65-F5344CB8AC3E}">
+        <p14:creationId xmlns:p14="http://schemas.microsoft.com/office/powerpoint/2010/main" val="1291923689"/>
+      </p:ext>
+    </p:extLst>
+  </p:cSld>
+  <p:clrMapOvr>
+    <a:masterClrMapping/>
+  </p:clrMapOvr>
+</p:sld>
+</file>
+
+<file path=ppt/slides/slide16.xml><?xml version="1.0" encoding="utf-8"?>
+<p:sld xmlns:a="http://schemas.openxmlformats.org/drawingml/2006/main" xmlns:r="http://schemas.openxmlformats.org/officeDocument/2006/relationships" xmlns:p="http://schemas.openxmlformats.org/presentationml/2006/main">
+  <p:cSld>
+    <p:spTree>
+      <p:nvGrpSpPr>
+        <p:cNvPr id="1" name=""/>
+        <p:cNvGrpSpPr/>
+        <p:nvPr/>
+      </p:nvGrpSpPr>
+      <p:grpSpPr>
+        <a:xfrm>
+          <a:off x="0" y="0"/>
+          <a:ext cx="0" cy="0"/>
+          <a:chOff x="0" y="0"/>
+          <a:chExt cx="0" cy="0"/>
+        </a:xfrm>
+      </p:grpSpPr>
+      <p:sp>
+        <p:nvSpPr>
+          <p:cNvPr id="2" name="TextBox 1">
+            <a:extLst>
+              <a:ext uri="{FF2B5EF4-FFF2-40B4-BE49-F238E27FC236}">
+                <a16:creationId xmlns:a16="http://schemas.microsoft.com/office/drawing/2014/main" id="{30E2DD62-00AA-5D14-40D9-351169A8551A}"/>
+              </a:ext>
+            </a:extLst>
+          </p:cNvPr>
+          <p:cNvSpPr txBox="1"/>
+          <p:nvPr/>
+        </p:nvSpPr>
+        <p:spPr>
+          <a:xfrm>
+            <a:off x="2489200" y="316581"/>
+            <a:ext cx="6096000" cy="830997"/>
+          </a:xfrm>
+          <a:prstGeom prst="rect">
+            <a:avLst/>
+          </a:prstGeom>
+          <a:noFill/>
+        </p:spPr>
+        <p:txBody>
+          <a:bodyPr wrap="square">
+            <a:spAutoFit/>
+          </a:bodyPr>
+          <a:lstStyle/>
+          <a:p>
+            <a:pPr algn="ctr"/>
+            <a:r>
+              <a:rPr lang="en-US" sz="4800" b="1" dirty="0">
+                <a:solidFill>
+                  <a:srgbClr val="FF0000"/>
+                </a:solidFill>
+                <a:latin typeface="Times New Roman" panose="02020603050405020304" pitchFamily="18" charset="0"/>
+                <a:cs typeface="Times New Roman" panose="02020603050405020304" pitchFamily="18" charset="0"/>
+              </a:rPr>
+              <a:t>Output</a:t>
+            </a:r>
+            <a:endParaRPr lang="en-IN" sz="4800" b="1" dirty="0">
+              <a:solidFill>
+                <a:srgbClr val="FF0000"/>
+              </a:solidFill>
+              <a:latin typeface="Times New Roman" panose="02020603050405020304" pitchFamily="18" charset="0"/>
+              <a:cs typeface="Times New Roman" panose="02020603050405020304" pitchFamily="18" charset="0"/>
+            </a:endParaRPr>
+          </a:p>
+        </p:txBody>
+      </p:sp>
+      <p:pic>
+        <p:nvPicPr>
+          <p:cNvPr id="4" name="Picture 3">
+            <a:extLst>
+              <a:ext uri="{FF2B5EF4-FFF2-40B4-BE49-F238E27FC236}">
+                <a16:creationId xmlns:a16="http://schemas.microsoft.com/office/drawing/2014/main" id="{822B01BB-3AF1-C0F8-F156-C18C5F1489FC}"/>
+              </a:ext>
+            </a:extLst>
+          </p:cNvPr>
+          <p:cNvPicPr>
+            <a:picLocks noChangeAspect="1"/>
+          </p:cNvPicPr>
+          <p:nvPr/>
+        </p:nvPicPr>
+        <p:blipFill rotWithShape="1">
+          <a:blip r:embed="rId2">
+            <a:extLst>
+              <a:ext uri="{28A0092B-C50C-407E-A947-70E740481C1C}">
+                <a14:useLocalDpi xmlns:a14="http://schemas.microsoft.com/office/drawing/2010/main" val="0"/>
+              </a:ext>
+            </a:extLst>
+          </a:blip>
+          <a:srcRect b="73358"/>
+          <a:stretch/>
+        </p:blipFill>
+        <p:spPr>
+          <a:xfrm>
+            <a:off x="300912" y="4157034"/>
+            <a:ext cx="11678885" cy="2659036"/>
+          </a:xfrm>
+          <a:prstGeom prst="rect">
+            <a:avLst/>
+          </a:prstGeom>
+        </p:spPr>
+      </p:pic>
+      <p:pic>
+        <p:nvPicPr>
+          <p:cNvPr id="6" name="Picture 5">
+            <a:extLst>
+              <a:ext uri="{FF2B5EF4-FFF2-40B4-BE49-F238E27FC236}">
+                <a16:creationId xmlns:a16="http://schemas.microsoft.com/office/drawing/2014/main" id="{A2A416E6-AF0E-BA5B-399C-25871CA0EE34}"/>
+              </a:ext>
+            </a:extLst>
+          </p:cNvPr>
+          <p:cNvPicPr>
+            <a:picLocks noChangeAspect="1"/>
+          </p:cNvPicPr>
+          <p:nvPr/>
+        </p:nvPicPr>
+        <p:blipFill>
+          <a:blip r:embed="rId3">
+            <a:extLst>
+              <a:ext uri="{28A0092B-C50C-407E-A947-70E740481C1C}">
+                <a14:useLocalDpi xmlns:a14="http://schemas.microsoft.com/office/drawing/2010/main" val="0"/>
+              </a:ext>
+            </a:extLst>
+          </a:blip>
+          <a:stretch>
+            <a:fillRect/>
+          </a:stretch>
+        </p:blipFill>
+        <p:spPr>
+          <a:xfrm>
+            <a:off x="1496990" y="1147578"/>
+            <a:ext cx="9618563" cy="2909360"/>
+          </a:xfrm>
+          <a:prstGeom prst="rect">
+            <a:avLst/>
+          </a:prstGeom>
+        </p:spPr>
+      </p:pic>
+    </p:spTree>
+    <p:extLst>
+      <p:ext uri="{BB962C8B-B14F-4D97-AF65-F5344CB8AC3E}">
+        <p14:creationId xmlns:p14="http://schemas.microsoft.com/office/powerpoint/2010/main" val="1191880758"/>
+      </p:ext>
+    </p:extLst>
+  </p:cSld>
+  <p:clrMapOvr>
+    <a:masterClrMapping/>
+  </p:clrMapOvr>
+</p:sld>
+</file>
+
+<file path=ppt/slides/slide17.xml><?xml version="1.0" encoding="utf-8"?>
+<p:sld xmlns:a="http://schemas.openxmlformats.org/drawingml/2006/main" xmlns:r="http://schemas.openxmlformats.org/officeDocument/2006/relationships" xmlns:p="http://schemas.openxmlformats.org/presentationml/2006/main">
+  <p:cSld>
+    <p:spTree>
+      <p:nvGrpSpPr>
+        <p:cNvPr id="1" name=""/>
+        <p:cNvGrpSpPr/>
+        <p:nvPr/>
+      </p:nvGrpSpPr>
+      <p:grpSpPr>
+        <a:xfrm>
+          <a:off x="0" y="0"/>
+          <a:ext cx="0" cy="0"/>
+          <a:chOff x="0" y="0"/>
+          <a:chExt cx="0" cy="0"/>
+        </a:xfrm>
+      </p:grpSpPr>
+      <p:pic>
+        <p:nvPicPr>
+          <p:cNvPr id="3" name="Picture 2">
+            <a:extLst>
+              <a:ext uri="{FF2B5EF4-FFF2-40B4-BE49-F238E27FC236}">
+                <a16:creationId xmlns:a16="http://schemas.microsoft.com/office/drawing/2014/main" id="{2E965609-EFD1-82A5-CF0C-5A3E7A177F82}"/>
+              </a:ext>
+            </a:extLst>
+          </p:cNvPr>
+          <p:cNvPicPr>
+            <a:picLocks noChangeAspect="1"/>
+          </p:cNvPicPr>
+          <p:nvPr/>
+        </p:nvPicPr>
+        <p:blipFill rotWithShape="1">
+          <a:blip r:embed="rId2">
+            <a:extLst>
+              <a:ext uri="{28A0092B-C50C-407E-A947-70E740481C1C}">
+                <a14:useLocalDpi xmlns:a14="http://schemas.microsoft.com/office/drawing/2010/main" val="0"/>
+              </a:ext>
+            </a:extLst>
+          </a:blip>
+          <a:srcRect t="39156" b="37905"/>
+          <a:stretch/>
+        </p:blipFill>
+        <p:spPr>
+          <a:xfrm>
+            <a:off x="221921" y="861311"/>
+            <a:ext cx="11808561" cy="2314937"/>
+          </a:xfrm>
+          <a:prstGeom prst="rect">
+            <a:avLst/>
+          </a:prstGeom>
+        </p:spPr>
+      </p:pic>
+      <p:pic>
+        <p:nvPicPr>
+          <p:cNvPr id="4" name="Picture 3">
+            <a:extLst>
+              <a:ext uri="{FF2B5EF4-FFF2-40B4-BE49-F238E27FC236}">
+                <a16:creationId xmlns:a16="http://schemas.microsoft.com/office/drawing/2014/main" id="{C21A7BBC-10BF-1BAD-BA0A-713D989EE1A0}"/>
+              </a:ext>
+            </a:extLst>
+          </p:cNvPr>
+          <p:cNvPicPr>
+            <a:picLocks noChangeAspect="1"/>
+          </p:cNvPicPr>
+          <p:nvPr/>
+        </p:nvPicPr>
+        <p:blipFill rotWithShape="1">
+          <a:blip r:embed="rId2">
+            <a:extLst>
+              <a:ext uri="{28A0092B-C50C-407E-A947-70E740481C1C}">
+                <a14:useLocalDpi xmlns:a14="http://schemas.microsoft.com/office/drawing/2010/main" val="0"/>
+              </a:ext>
+            </a:extLst>
+          </a:blip>
+          <a:srcRect t="80195"/>
+          <a:stretch/>
+        </p:blipFill>
+        <p:spPr>
+          <a:xfrm>
+            <a:off x="228636" y="3429000"/>
+            <a:ext cx="11734727" cy="1986061"/>
+          </a:xfrm>
+          <a:prstGeom prst="rect">
+            <a:avLst/>
+          </a:prstGeom>
+        </p:spPr>
+      </p:pic>
+      <p:sp>
+        <p:nvSpPr>
+          <p:cNvPr id="5" name="TextBox 4">
+            <a:extLst>
+              <a:ext uri="{FF2B5EF4-FFF2-40B4-BE49-F238E27FC236}">
+                <a16:creationId xmlns:a16="http://schemas.microsoft.com/office/drawing/2014/main" id="{24B213E2-90FB-85E5-CB31-498A54EC1B9F}"/>
+              </a:ext>
+            </a:extLst>
+          </p:cNvPr>
+          <p:cNvSpPr txBox="1"/>
+          <p:nvPr/>
+        </p:nvSpPr>
+        <p:spPr>
+          <a:xfrm>
+            <a:off x="347241" y="5833641"/>
+            <a:ext cx="7569843" cy="461665"/>
+          </a:xfrm>
+          <a:prstGeom prst="rect">
+            <a:avLst/>
+          </a:prstGeom>
+          <a:noFill/>
+        </p:spPr>
+        <p:txBody>
+          <a:bodyPr wrap="square" rtlCol="0">
+            <a:spAutoFit/>
+          </a:bodyPr>
+          <a:lstStyle/>
+          <a:p>
+            <a:r>
+              <a:rPr lang="en-US" sz="2400" b="0" i="0" dirty="0">
+                <a:effectLst/>
+                <a:latin typeface="Times New Roman" panose="02020603050405020304" pitchFamily="18" charset="0"/>
+                <a:cs typeface="Times New Roman" panose="02020603050405020304" pitchFamily="18" charset="0"/>
+              </a:rPr>
+              <a:t>Total people counted across all images: 19</a:t>
+            </a:r>
+            <a:endParaRPr lang="en-US" sz="2400" dirty="0">
+              <a:latin typeface="Times New Roman" panose="02020603050405020304" pitchFamily="18" charset="0"/>
+              <a:cs typeface="Times New Roman" panose="02020603050405020304" pitchFamily="18" charset="0"/>
+            </a:endParaRPr>
+          </a:p>
+        </p:txBody>
+      </p:sp>
+    </p:spTree>
+    <p:extLst>
+      <p:ext uri="{BB962C8B-B14F-4D97-AF65-F5344CB8AC3E}">
+        <p14:creationId xmlns:p14="http://schemas.microsoft.com/office/powerpoint/2010/main" val="1577723494"/>
+      </p:ext>
+    </p:extLst>
+  </p:cSld>
+  <p:clrMapOvr>
+    <a:masterClrMapping/>
+  </p:clrMapOvr>
+</p:sld>
+</file>
+
+<file path=ppt/slides/slide18.xml><?xml version="1.0" encoding="utf-8"?>
+<p:sld xmlns:a="http://schemas.openxmlformats.org/drawingml/2006/main" xmlns:r="http://schemas.openxmlformats.org/officeDocument/2006/relationships" xmlns:p="http://schemas.openxmlformats.org/presentationml/2006/main">
+  <p:cSld>
+    <p:spTree>
+      <p:nvGrpSpPr>
+        <p:cNvPr id="1" name=""/>
+        <p:cNvGrpSpPr/>
+        <p:nvPr/>
+      </p:nvGrpSpPr>
+      <p:grpSpPr>
+        <a:xfrm>
+          <a:off x="0" y="0"/>
+          <a:ext cx="0" cy="0"/>
+          <a:chOff x="0" y="0"/>
+          <a:chExt cx="0" cy="0"/>
+        </a:xfrm>
+      </p:grpSpPr>
+      <p:sp>
+        <p:nvSpPr>
           <p:cNvPr id="4" name="Rectangle 3">
             <a:extLst>
               <a:ext uri="{FF2B5EF4-FFF2-40B4-BE49-F238E27FC236}">
@@ -6858,6 +10892,9 @@
           <a:ln>
             <a:noFill/>
           </a:ln>
+          <a:effectLst>
+            <a:softEdge rad="0"/>
+          </a:effectLst>
         </p:spPr>
         <p:style>
           <a:lnRef idx="2">
@@ -6902,14 +10939,14 @@
           <p:nvPr>
             <p:extLst>
               <p:ext uri="{D42A27DB-BD31-4B8C-83A1-F6EECF244321}">
-                <p14:modId xmlns:p14="http://schemas.microsoft.com/office/powerpoint/2010/main" val="3949055633"/>
+                <p14:modId xmlns:p14="http://schemas.microsoft.com/office/powerpoint/2010/main" val="1675687870"/>
               </p:ext>
             </p:extLst>
           </p:nvPr>
         </p:nvGraphicFramePr>
         <p:xfrm>
-          <a:off x="132080" y="561254"/>
-          <a:ext cx="5437893" cy="5735491"/>
+          <a:off x="143655" y="479197"/>
+          <a:ext cx="5437893" cy="6119407"/>
         </p:xfrm>
         <a:graphic>
           <a:graphicData uri="http://schemas.openxmlformats.org/drawingml/2006/table">
@@ -6999,7 +11036,7 @@
                   </a:ext>
                 </a:extLst>
               </a:tr>
-              <a:tr h="666574">
+              <a:tr h="619541">
                 <a:tc>
                   <a:txBody>
                     <a:bodyPr/>
@@ -7064,7 +11101,7 @@
                   </a:ext>
                 </a:extLst>
               </a:tr>
-              <a:tr h="720133">
+              <a:tr h="635873">
                 <a:tc>
                   <a:txBody>
                     <a:bodyPr/>
@@ -7144,7 +11181,7 @@
                   </a:ext>
                 </a:extLst>
               </a:tr>
-              <a:tr h="811831">
+              <a:tr h="598647">
                 <a:tc>
                   <a:txBody>
                     <a:bodyPr/>
@@ -7224,7 +11261,7 @@
                   </a:ext>
                 </a:extLst>
               </a:tr>
-              <a:tr h="676527">
+              <a:tr h="573894">
                 <a:tc>
                   <a:txBody>
                     <a:bodyPr/>
@@ -7289,7 +11326,7 @@
                   </a:ext>
                 </a:extLst>
               </a:tr>
-              <a:tr h="766904">
+              <a:tr h="599120">
                 <a:tc>
                   <a:txBody>
                     <a:bodyPr/>
@@ -7370,7 +11407,7 @@
                   </a:ext>
                 </a:extLst>
               </a:tr>
-              <a:tr h="737393">
+              <a:tr h="590309">
                 <a:tc>
                   <a:txBody>
                     <a:bodyPr/>
@@ -7435,7 +11472,7 @@
                   </a:ext>
                 </a:extLst>
               </a:tr>
-              <a:tr h="690880">
+              <a:tr h="532435">
                 <a:tc>
                   <a:txBody>
                     <a:bodyPr/>
@@ -7491,9 +11528,14 @@
                       <a:headEnd type="none" w="med" len="med"/>
                       <a:tailEnd type="none" w="med" len="med"/>
                     </a:lnT>
-                    <a:lnB w="12700" cmpd="sng">
-                      <a:noFill/>
+                    <a:lnB w="9525" cap="flat" cmpd="sng" algn="ctr">
+                      <a:solidFill>
+                        <a:schemeClr val="tx1"/>
+                      </a:solidFill>
                       <a:prstDash val="solid"/>
+                      <a:round/>
+                      <a:headEnd type="none" w="med" len="med"/>
+                      <a:tailEnd type="none" w="med" len="med"/>
                     </a:lnB>
                     <a:lnTlToBr w="12700" cmpd="sng">
                       <a:noFill/>
@@ -7511,6 +11553,166 @@
                   </a:ext>
                 </a:extLst>
               </a:tr>
+              <a:tr h="613459">
+                <a:tc>
+                  <a:txBody>
+                    <a:bodyPr/>
+                    <a:lstStyle/>
+                    <a:p>
+                      <a:pPr marL="0" marR="0" lvl="0" indent="0" algn="r" defTabSz="914400" rtl="0" eaLnBrk="1" fontAlgn="auto" latinLnBrk="0" hangingPunct="1">
+                        <a:lnSpc>
+                          <a:spcPct val="100000"/>
+                        </a:lnSpc>
+                        <a:spcBef>
+                          <a:spcPts val="0"/>
+                        </a:spcBef>
+                        <a:spcAft>
+                          <a:spcPts val="0"/>
+                        </a:spcAft>
+                        <a:buClrTx/>
+                        <a:buSzTx/>
+                        <a:buFontTx/>
+                        <a:buNone/>
+                        <a:tabLst/>
+                        <a:defRPr/>
+                      </a:pPr>
+                      <a:r>
+                        <a:rPr lang="en-US" sz="2800" kern="1200" dirty="0">
+                          <a:solidFill>
+                            <a:schemeClr val="tx1">
+                              <a:lumMod val="50000"/>
+                            </a:schemeClr>
+                          </a:solidFill>
+                          <a:latin typeface="Times New Roman" panose="02020603050405020304" pitchFamily="18" charset="0"/>
+                          <a:ea typeface="+mn-ea"/>
+                          <a:cs typeface="Times New Roman" panose="02020603050405020304" pitchFamily="18" charset="0"/>
+                        </a:rPr>
+                        <a:t>Input</a:t>
+                      </a:r>
+                    </a:p>
+                  </a:txBody>
+                  <a:tcPr anchor="b">
+                    <a:lnL w="12700" cmpd="sng">
+                      <a:noFill/>
+                      <a:prstDash val="solid"/>
+                    </a:lnL>
+                    <a:lnR w="12700" cmpd="sng">
+                      <a:noFill/>
+                      <a:prstDash val="solid"/>
+                    </a:lnR>
+                    <a:lnT w="9525" cap="flat" cmpd="sng" algn="ctr">
+                      <a:solidFill>
+                        <a:schemeClr val="tx1"/>
+                      </a:solidFill>
+                      <a:prstDash val="solid"/>
+                      <a:round/>
+                      <a:headEnd type="none" w="med" len="med"/>
+                      <a:tailEnd type="none" w="med" len="med"/>
+                    </a:lnT>
+                    <a:lnB w="9525" cap="flat" cmpd="sng" algn="ctr">
+                      <a:solidFill>
+                        <a:schemeClr val="tx1"/>
+                      </a:solidFill>
+                      <a:prstDash val="solid"/>
+                      <a:round/>
+                      <a:headEnd type="none" w="med" len="med"/>
+                      <a:tailEnd type="none" w="med" len="med"/>
+                    </a:lnB>
+                    <a:lnTlToBr w="12700" cmpd="sng">
+                      <a:noFill/>
+                      <a:prstDash val="solid"/>
+                    </a:lnTlToBr>
+                    <a:lnBlToTr w="12700" cmpd="sng">
+                      <a:noFill/>
+                      <a:prstDash val="solid"/>
+                    </a:lnBlToTr>
+                  </a:tcPr>
+                </a:tc>
+                <a:extLst>
+                  <a:ext uri="{0D108BD9-81ED-4DB2-BD59-A6C34878D82A}">
+                    <a16:rowId xmlns:a16="http://schemas.microsoft.com/office/drawing/2014/main" val="3806146050"/>
+                  </a:ext>
+                </a:extLst>
+              </a:tr>
+              <a:tr h="690880">
+                <a:tc>
+                  <a:txBody>
+                    <a:bodyPr/>
+                    <a:lstStyle/>
+                    <a:p>
+                      <a:pPr marL="0" marR="0" lvl="0" indent="0" algn="r" defTabSz="914400" rtl="0" eaLnBrk="1" fontAlgn="auto" latinLnBrk="0" hangingPunct="1">
+                        <a:lnSpc>
+                          <a:spcPct val="100000"/>
+                        </a:lnSpc>
+                        <a:spcBef>
+                          <a:spcPts val="0"/>
+                        </a:spcBef>
+                        <a:spcAft>
+                          <a:spcPts val="0"/>
+                        </a:spcAft>
+                        <a:buClrTx/>
+                        <a:buSzTx/>
+                        <a:buFontTx/>
+                        <a:buNone/>
+                        <a:tabLst/>
+                        <a:defRPr/>
+                      </a:pPr>
+                      <a:r>
+                        <a:rPr lang="en-US" sz="2800" kern="1200" dirty="0">
+                          <a:solidFill>
+                            <a:schemeClr val="tx1">
+                              <a:lumMod val="50000"/>
+                            </a:schemeClr>
+                          </a:solidFill>
+                          <a:latin typeface="Times New Roman" panose="02020603050405020304" pitchFamily="18" charset="0"/>
+                          <a:ea typeface="+mn-ea"/>
+                          <a:cs typeface="Times New Roman" panose="02020603050405020304" pitchFamily="18" charset="0"/>
+                        </a:rPr>
+                        <a:t>Output</a:t>
+                      </a:r>
+                    </a:p>
+                  </a:txBody>
+                  <a:tcPr anchor="b">
+                    <a:lnL w="12700" cmpd="sng">
+                      <a:noFill/>
+                      <a:prstDash val="solid"/>
+                    </a:lnL>
+                    <a:lnR w="12700" cmpd="sng">
+                      <a:noFill/>
+                      <a:prstDash val="solid"/>
+                    </a:lnR>
+                    <a:lnT w="9525" cap="flat" cmpd="sng" algn="ctr">
+                      <a:solidFill>
+                        <a:schemeClr val="tx1"/>
+                      </a:solidFill>
+                      <a:prstDash val="solid"/>
+                      <a:round/>
+                      <a:headEnd type="none" w="med" len="med"/>
+                      <a:tailEnd type="none" w="med" len="med"/>
+                    </a:lnT>
+                    <a:lnB w="12700" cap="flat" cmpd="sng" algn="ctr">
+                      <a:noFill/>
+                      <a:prstDash val="solid"/>
+                      <a:round/>
+                      <a:headEnd type="none" w="med" len="med"/>
+                      <a:tailEnd type="none" w="med" len="med"/>
+                    </a:lnB>
+                    <a:lnTlToBr w="12700" cmpd="sng">
+                      <a:noFill/>
+                      <a:prstDash val="solid"/>
+                    </a:lnTlToBr>
+                    <a:lnBlToTr w="12700" cmpd="sng">
+                      <a:noFill/>
+                      <a:prstDash val="solid"/>
+                    </a:lnBlToTr>
+                  </a:tcPr>
+                </a:tc>
+                <a:extLst>
+                  <a:ext uri="{0D108BD9-81ED-4DB2-BD59-A6C34878D82A}">
+                    <a16:rowId xmlns:a16="http://schemas.microsoft.com/office/drawing/2014/main" val="1980314352"/>
+                  </a:ext>
+                </a:extLst>
+              </a:tr>
             </a:tbl>
           </a:graphicData>
         </a:graphic>
@@ -7529,7 +11731,7 @@
         </p:nvSpPr>
         <p:spPr>
           <a:xfrm>
-            <a:off x="6096000" y="2590967"/>
+            <a:off x="6272981" y="3013501"/>
             <a:ext cx="5456902" cy="830997"/>
           </a:xfrm>
           <a:prstGeom prst="rect">
@@ -7954,7 +12156,9 @@
             <a:r>
               <a:rPr lang="en-US" sz="4800" b="1" dirty="0">
                 <a:solidFill>
-                  <a:srgbClr val="FF0000"/>
+                  <a:schemeClr val="accent5">
+                    <a:lumMod val="75000"/>
+                  </a:schemeClr>
                 </a:solidFill>
                 <a:latin typeface="Times New Roman" panose="02020603050405020304" pitchFamily="18" charset="0"/>
                 <a:cs typeface="Times New Roman" panose="02020603050405020304" pitchFamily="18" charset="0"/>
@@ -8397,7 +12601,9 @@
             <a:r>
               <a:rPr lang="en-US" sz="4800" b="1" dirty="0">
                 <a:solidFill>
-                  <a:srgbClr val="FF0000"/>
+                  <a:schemeClr val="accent5">
+                    <a:lumMod val="75000"/>
+                  </a:schemeClr>
                 </a:solidFill>
                 <a:latin typeface="Times New Roman" panose="02020603050405020304" pitchFamily="18" charset="0"/>
                 <a:cs typeface="Times New Roman" panose="02020603050405020304" pitchFamily="18" charset="0"/>
@@ -8406,7 +12612,9 @@
             </a:r>
             <a:endParaRPr lang="en-IN" sz="4800" b="1" dirty="0">
               <a:solidFill>
-                <a:srgbClr val="FF0000"/>
+                <a:schemeClr val="accent5">
+                  <a:lumMod val="75000"/>
+                </a:schemeClr>
               </a:solidFill>
               <a:latin typeface="Times New Roman" panose="02020603050405020304" pitchFamily="18" charset="0"/>
               <a:cs typeface="Times New Roman" panose="02020603050405020304" pitchFamily="18" charset="0"/>
@@ -8469,17 +12677,6 @@
 <file path=ppt/slides/slide5.xml><?xml version="1.0" encoding="utf-8"?>
 <p:sld xmlns:a="http://schemas.openxmlformats.org/drawingml/2006/main" xmlns:r="http://schemas.openxmlformats.org/officeDocument/2006/relationships" xmlns:p="http://schemas.openxmlformats.org/presentationml/2006/main">
   <p:cSld>
-    <p:bg>
-      <p:bgPr>
-        <a:solidFill>
-          <a:schemeClr val="bg1">
-            <a:lumMod val="65000"/>
-            <a:alpha val="50000"/>
-          </a:schemeClr>
-        </a:solidFill>
-        <a:effectLst/>
-      </p:bgPr>
-    </p:bg>
     <p:spTree>
       <p:nvGrpSpPr>
         <p:cNvPr id="1" name=""/>
@@ -8854,7 +13051,9 @@
             <a:r>
               <a:rPr lang="en-US" sz="4800" b="1" dirty="0">
                 <a:solidFill>
-                  <a:srgbClr val="FF0000"/>
+                  <a:schemeClr val="accent5">
+                    <a:lumMod val="75000"/>
+                  </a:schemeClr>
                 </a:solidFill>
                 <a:latin typeface="Times New Roman" panose="02020603050405020304" pitchFamily="18" charset="0"/>
                 <a:cs typeface="Times New Roman" panose="02020603050405020304" pitchFamily="18" charset="0"/>
@@ -8863,7 +13062,9 @@
             </a:r>
             <a:endParaRPr lang="en-IN" sz="4800" b="1" dirty="0">
               <a:solidFill>
-                <a:srgbClr val="FF0000"/>
+                <a:schemeClr val="accent5">
+                  <a:lumMod val="75000"/>
+                </a:schemeClr>
               </a:solidFill>
               <a:latin typeface="Times New Roman" panose="02020603050405020304" pitchFamily="18" charset="0"/>
               <a:cs typeface="Times New Roman" panose="02020603050405020304" pitchFamily="18" charset="0"/>
@@ -9000,17 +13201,6 @@
 <file path=ppt/slides/slide6.xml><?xml version="1.0" encoding="utf-8"?>
 <p:sld xmlns:a="http://schemas.openxmlformats.org/drawingml/2006/main" xmlns:r="http://schemas.openxmlformats.org/officeDocument/2006/relationships" xmlns:p="http://schemas.openxmlformats.org/presentationml/2006/main">
   <p:cSld>
-    <p:bg>
-      <p:bgPr>
-        <a:solidFill>
-          <a:schemeClr val="bg1">
-            <a:lumMod val="65000"/>
-            <a:alpha val="50000"/>
-          </a:schemeClr>
-        </a:solidFill>
-        <a:effectLst/>
-      </p:bgPr>
-    </p:bg>
     <p:spTree>
       <p:nvGrpSpPr>
         <p:cNvPr id="1" name=""/>

--- a/Major Project.pptx
+++ b/Major Project.pptx
@@ -2263,7 +2263,7 @@
           <a:p>
             <a:fld id="{0D55A27B-324D-4D86-9DE8-FFA3B2C4AC11}" type="datetimeFigureOut">
               <a:rPr lang="en-IN" smtClean="0"/>
-              <a:t>29-03-2024</a:t>
+              <a:t>31-03-2024</a:t>
             </a:fld>
             <a:endParaRPr lang="en-IN" dirty="0"/>
           </a:p>
@@ -2463,7 +2463,7 @@
           <a:p>
             <a:fld id="{0D55A27B-324D-4D86-9DE8-FFA3B2C4AC11}" type="datetimeFigureOut">
               <a:rPr lang="en-IN" smtClean="0"/>
-              <a:t>29-03-2024</a:t>
+              <a:t>31-03-2024</a:t>
             </a:fld>
             <a:endParaRPr lang="en-IN" dirty="0"/>
           </a:p>
@@ -2673,7 +2673,7 @@
           <a:p>
             <a:fld id="{0D55A27B-324D-4D86-9DE8-FFA3B2C4AC11}" type="datetimeFigureOut">
               <a:rPr lang="en-IN" smtClean="0"/>
-              <a:t>29-03-2024</a:t>
+              <a:t>31-03-2024</a:t>
             </a:fld>
             <a:endParaRPr lang="en-IN" dirty="0"/>
           </a:p>
@@ -2873,7 +2873,7 @@
           <a:p>
             <a:fld id="{0D55A27B-324D-4D86-9DE8-FFA3B2C4AC11}" type="datetimeFigureOut">
               <a:rPr lang="en-IN" smtClean="0"/>
-              <a:t>29-03-2024</a:t>
+              <a:t>31-03-2024</a:t>
             </a:fld>
             <a:endParaRPr lang="en-IN" dirty="0"/>
           </a:p>
@@ -3149,7 +3149,7 @@
           <a:p>
             <a:fld id="{0D55A27B-324D-4D86-9DE8-FFA3B2C4AC11}" type="datetimeFigureOut">
               <a:rPr lang="en-IN" smtClean="0"/>
-              <a:t>29-03-2024</a:t>
+              <a:t>31-03-2024</a:t>
             </a:fld>
             <a:endParaRPr lang="en-IN" dirty="0"/>
           </a:p>
@@ -3417,7 +3417,7 @@
           <a:p>
             <a:fld id="{0D55A27B-324D-4D86-9DE8-FFA3B2C4AC11}" type="datetimeFigureOut">
               <a:rPr lang="en-IN" smtClean="0"/>
-              <a:t>29-03-2024</a:t>
+              <a:t>31-03-2024</a:t>
             </a:fld>
             <a:endParaRPr lang="en-IN" dirty="0"/>
           </a:p>
@@ -3832,7 +3832,7 @@
           <a:p>
             <a:fld id="{0D55A27B-324D-4D86-9DE8-FFA3B2C4AC11}" type="datetimeFigureOut">
               <a:rPr lang="en-IN" smtClean="0"/>
-              <a:t>29-03-2024</a:t>
+              <a:t>31-03-2024</a:t>
             </a:fld>
             <a:endParaRPr lang="en-IN" dirty="0"/>
           </a:p>
@@ -3974,7 +3974,7 @@
           <a:p>
             <a:fld id="{0D55A27B-324D-4D86-9DE8-FFA3B2C4AC11}" type="datetimeFigureOut">
               <a:rPr lang="en-IN" smtClean="0"/>
-              <a:t>29-03-2024</a:t>
+              <a:t>31-03-2024</a:t>
             </a:fld>
             <a:endParaRPr lang="en-IN" dirty="0"/>
           </a:p>
@@ -4087,7 +4087,7 @@
           <a:p>
             <a:fld id="{0D55A27B-324D-4D86-9DE8-FFA3B2C4AC11}" type="datetimeFigureOut">
               <a:rPr lang="en-IN" smtClean="0"/>
-              <a:t>29-03-2024</a:t>
+              <a:t>31-03-2024</a:t>
             </a:fld>
             <a:endParaRPr lang="en-IN" dirty="0"/>
           </a:p>
@@ -4400,7 +4400,7 @@
           <a:p>
             <a:fld id="{0D55A27B-324D-4D86-9DE8-FFA3B2C4AC11}" type="datetimeFigureOut">
               <a:rPr lang="en-IN" smtClean="0"/>
-              <a:t>29-03-2024</a:t>
+              <a:t>31-03-2024</a:t>
             </a:fld>
             <a:endParaRPr lang="en-IN" dirty="0"/>
           </a:p>
@@ -4693,7 +4693,7 @@
           <a:p>
             <a:fld id="{0D55A27B-324D-4D86-9DE8-FFA3B2C4AC11}" type="datetimeFigureOut">
               <a:rPr lang="en-IN" smtClean="0"/>
-              <a:t>29-03-2024</a:t>
+              <a:t>31-03-2024</a:t>
             </a:fld>
             <a:endParaRPr lang="en-IN" dirty="0"/>
           </a:p>
@@ -4936,7 +4936,7 @@
           <a:p>
             <a:fld id="{0D55A27B-324D-4D86-9DE8-FFA3B2C4AC11}" type="datetimeFigureOut">
               <a:rPr lang="en-IN" smtClean="0"/>
-              <a:t>29-03-2024</a:t>
+              <a:t>31-03-2024</a:t>
             </a:fld>
             <a:endParaRPr lang="en-IN" dirty="0"/>
           </a:p>
@@ -5439,7 +5439,7 @@
                 <a:latin typeface="Times New Roman" panose="02020603050405020304" pitchFamily="18" charset="0"/>
                 <a:cs typeface="Times New Roman" panose="02020603050405020304" pitchFamily="18" charset="0"/>
               </a:rPr>
-              <a:t>Precision Object Counting Solution</a:t>
+              <a:t>Precision Object Counting System</a:t>
             </a:r>
             <a:endParaRPr lang="en-IN" sz="6000" b="1" dirty="0">
               <a:solidFill>
@@ -5744,344 +5744,12 @@
           <a:chExt cx="0" cy="0"/>
         </a:xfrm>
       </p:grpSpPr>
-      <p:cxnSp>
-        <p:nvCxnSpPr>
-          <p:cNvPr id="33" name="Straight Arrow Connector 32">
-            <a:extLst>
-              <a:ext uri="{FF2B5EF4-FFF2-40B4-BE49-F238E27FC236}">
-                <a16:creationId xmlns:a16="http://schemas.microsoft.com/office/drawing/2014/main" id="{0AF46F7D-A847-EC53-CF90-25CD70BF40BB}"/>
-              </a:ext>
-            </a:extLst>
-          </p:cNvPr>
-          <p:cNvCxnSpPr>
-            <a:cxnSpLocks/>
-          </p:cNvCxnSpPr>
-          <p:nvPr/>
-        </p:nvCxnSpPr>
-        <p:spPr>
-          <a:xfrm>
-            <a:off x="2155276" y="4286017"/>
-            <a:ext cx="0" cy="941974"/>
-          </a:xfrm>
-          <a:prstGeom prst="straightConnector1">
-            <a:avLst/>
-          </a:prstGeom>
-          <a:ln>
-            <a:tailEnd type="triangle"/>
-          </a:ln>
-        </p:spPr>
-        <p:style>
-          <a:lnRef idx="1">
-            <a:schemeClr val="dk1"/>
-          </a:lnRef>
-          <a:fillRef idx="0">
-            <a:schemeClr val="dk1"/>
-          </a:fillRef>
-          <a:effectRef idx="0">
-            <a:schemeClr val="dk1"/>
-          </a:effectRef>
-          <a:fontRef idx="minor">
-            <a:schemeClr val="tx1"/>
-          </a:fontRef>
-        </p:style>
-      </p:cxnSp>
-      <p:cxnSp>
-        <p:nvCxnSpPr>
-          <p:cNvPr id="31" name="Straight Arrow Connector 30">
-            <a:extLst>
-              <a:ext uri="{FF2B5EF4-FFF2-40B4-BE49-F238E27FC236}">
-                <a16:creationId xmlns:a16="http://schemas.microsoft.com/office/drawing/2014/main" id="{2FE1729C-3A4E-9107-79B6-6CE828F3D489}"/>
-              </a:ext>
-            </a:extLst>
-          </p:cNvPr>
-          <p:cNvCxnSpPr>
-            <a:cxnSpLocks/>
-          </p:cNvCxnSpPr>
-          <p:nvPr/>
-        </p:nvCxnSpPr>
-        <p:spPr>
-          <a:xfrm>
-            <a:off x="9944182" y="2148349"/>
-            <a:ext cx="0" cy="941974"/>
-          </a:xfrm>
-          <a:prstGeom prst="straightConnector1">
-            <a:avLst/>
-          </a:prstGeom>
-          <a:ln>
-            <a:tailEnd type="triangle"/>
-          </a:ln>
-        </p:spPr>
-        <p:style>
-          <a:lnRef idx="1">
-            <a:schemeClr val="dk1"/>
-          </a:lnRef>
-          <a:fillRef idx="0">
-            <a:schemeClr val="dk1"/>
-          </a:fillRef>
-          <a:effectRef idx="0">
-            <a:schemeClr val="dk1"/>
-          </a:effectRef>
-          <a:fontRef idx="minor">
-            <a:schemeClr val="tx1"/>
-          </a:fontRef>
-        </p:style>
-      </p:cxnSp>
-      <p:cxnSp>
-        <p:nvCxnSpPr>
-          <p:cNvPr id="27" name="Straight Arrow Connector 26">
-            <a:extLst>
-              <a:ext uri="{FF2B5EF4-FFF2-40B4-BE49-F238E27FC236}">
-                <a16:creationId xmlns:a16="http://schemas.microsoft.com/office/drawing/2014/main" id="{7E361929-BE7A-CA96-4660-0543BE97AEFE}"/>
-              </a:ext>
-            </a:extLst>
-          </p:cNvPr>
-          <p:cNvCxnSpPr>
-            <a:cxnSpLocks/>
-          </p:cNvCxnSpPr>
-          <p:nvPr/>
-        </p:nvCxnSpPr>
-        <p:spPr>
-          <a:xfrm flipH="1">
-            <a:off x="3369537" y="3813463"/>
-            <a:ext cx="1947244" cy="27234"/>
-          </a:xfrm>
-          <a:prstGeom prst="straightConnector1">
-            <a:avLst/>
-          </a:prstGeom>
-          <a:ln>
-            <a:tailEnd type="triangle"/>
-          </a:ln>
-        </p:spPr>
-        <p:style>
-          <a:lnRef idx="1">
-            <a:schemeClr val="dk1"/>
-          </a:lnRef>
-          <a:fillRef idx="0">
-            <a:schemeClr val="dk1"/>
-          </a:fillRef>
-          <a:effectRef idx="0">
-            <a:schemeClr val="dk1"/>
-          </a:effectRef>
-          <a:fontRef idx="minor">
-            <a:schemeClr val="tx1"/>
-          </a:fontRef>
-        </p:style>
-      </p:cxnSp>
-      <p:cxnSp>
-        <p:nvCxnSpPr>
-          <p:cNvPr id="24" name="Straight Arrow Connector 23">
-            <a:extLst>
-              <a:ext uri="{FF2B5EF4-FFF2-40B4-BE49-F238E27FC236}">
-                <a16:creationId xmlns:a16="http://schemas.microsoft.com/office/drawing/2014/main" id="{0BDCBC49-9489-8D55-6169-804813B7E89A}"/>
-              </a:ext>
-            </a:extLst>
-          </p:cNvPr>
-          <p:cNvCxnSpPr>
-            <a:cxnSpLocks/>
-            <a:endCxn id="14" idx="6"/>
-          </p:cNvCxnSpPr>
-          <p:nvPr/>
-        </p:nvCxnSpPr>
-        <p:spPr>
-          <a:xfrm flipH="1">
-            <a:off x="6943288" y="3799846"/>
-            <a:ext cx="1947244" cy="27234"/>
-          </a:xfrm>
-          <a:prstGeom prst="straightConnector1">
-            <a:avLst/>
-          </a:prstGeom>
-          <a:ln>
-            <a:tailEnd type="triangle"/>
-          </a:ln>
-        </p:spPr>
-        <p:style>
-          <a:lnRef idx="1">
-            <a:schemeClr val="dk1"/>
-          </a:lnRef>
-          <a:fillRef idx="0">
-            <a:schemeClr val="dk1"/>
-          </a:fillRef>
-          <a:effectRef idx="0">
-            <a:schemeClr val="dk1"/>
-          </a:effectRef>
-          <a:fontRef idx="minor">
-            <a:schemeClr val="tx1"/>
-          </a:fontRef>
-        </p:style>
-      </p:cxnSp>
-      <p:cxnSp>
-        <p:nvCxnSpPr>
-          <p:cNvPr id="28" name="Straight Arrow Connector 27">
-            <a:extLst>
-              <a:ext uri="{FF2B5EF4-FFF2-40B4-BE49-F238E27FC236}">
-                <a16:creationId xmlns:a16="http://schemas.microsoft.com/office/drawing/2014/main" id="{3110B0F9-B4AB-1ABC-6413-5D343969209A}"/>
-              </a:ext>
-            </a:extLst>
-          </p:cNvPr>
-          <p:cNvCxnSpPr>
-            <a:cxnSpLocks/>
-          </p:cNvCxnSpPr>
-          <p:nvPr/>
-        </p:nvCxnSpPr>
-        <p:spPr>
-          <a:xfrm flipV="1">
-            <a:off x="3235318" y="5876080"/>
-            <a:ext cx="1655016" cy="8952"/>
-          </a:xfrm>
-          <a:prstGeom prst="straightConnector1">
-            <a:avLst/>
-          </a:prstGeom>
-          <a:ln>
-            <a:tailEnd type="triangle"/>
-          </a:ln>
-        </p:spPr>
-        <p:style>
-          <a:lnRef idx="1">
-            <a:schemeClr val="dk1"/>
-          </a:lnRef>
-          <a:fillRef idx="0">
-            <a:schemeClr val="dk1"/>
-          </a:fillRef>
-          <a:effectRef idx="0">
-            <a:schemeClr val="dk1"/>
-          </a:effectRef>
-          <a:fontRef idx="minor">
-            <a:schemeClr val="tx1"/>
-          </a:fontRef>
-        </p:style>
-      </p:cxnSp>
-      <p:cxnSp>
-        <p:nvCxnSpPr>
-          <p:cNvPr id="29" name="Straight Arrow Connector 28">
-            <a:extLst>
-              <a:ext uri="{FF2B5EF4-FFF2-40B4-BE49-F238E27FC236}">
-                <a16:creationId xmlns:a16="http://schemas.microsoft.com/office/drawing/2014/main" id="{F400F7F2-63AA-BB9D-9D46-0F2920DF5615}"/>
-              </a:ext>
-            </a:extLst>
-          </p:cNvPr>
-          <p:cNvCxnSpPr>
-            <a:cxnSpLocks/>
-            <a:endCxn id="13" idx="1"/>
-          </p:cNvCxnSpPr>
-          <p:nvPr/>
-        </p:nvCxnSpPr>
-        <p:spPr>
-          <a:xfrm flipV="1">
-            <a:off x="7050380" y="5798102"/>
-            <a:ext cx="2452005" cy="63229"/>
-          </a:xfrm>
-          <a:prstGeom prst="straightConnector1">
-            <a:avLst/>
-          </a:prstGeom>
-          <a:ln>
-            <a:tailEnd type="triangle"/>
-          </a:ln>
-        </p:spPr>
-        <p:style>
-          <a:lnRef idx="1">
-            <a:schemeClr val="dk1"/>
-          </a:lnRef>
-          <a:fillRef idx="0">
-            <a:schemeClr val="dk1"/>
-          </a:fillRef>
-          <a:effectRef idx="0">
-            <a:schemeClr val="dk1"/>
-          </a:effectRef>
-          <a:fontRef idx="minor">
-            <a:schemeClr val="tx1"/>
-          </a:fontRef>
-        </p:style>
-      </p:cxnSp>
-      <p:cxnSp>
-        <p:nvCxnSpPr>
-          <p:cNvPr id="4" name="Straight Arrow Connector 3">
-            <a:extLst>
-              <a:ext uri="{FF2B5EF4-FFF2-40B4-BE49-F238E27FC236}">
-                <a16:creationId xmlns:a16="http://schemas.microsoft.com/office/drawing/2014/main" id="{634E7DFF-B1FC-3266-F4B3-E61F5F6C4CCC}"/>
-              </a:ext>
-            </a:extLst>
-          </p:cNvPr>
-          <p:cNvCxnSpPr>
-            <a:cxnSpLocks/>
-            <a:endCxn id="7" idx="2"/>
-          </p:cNvCxnSpPr>
-          <p:nvPr/>
-        </p:nvCxnSpPr>
-        <p:spPr>
-          <a:xfrm flipV="1">
-            <a:off x="2635045" y="1672364"/>
-            <a:ext cx="1655016" cy="8952"/>
-          </a:xfrm>
-          <a:prstGeom prst="straightConnector1">
-            <a:avLst/>
-          </a:prstGeom>
-          <a:ln>
-            <a:tailEnd type="triangle"/>
-          </a:ln>
-        </p:spPr>
-        <p:style>
-          <a:lnRef idx="1">
-            <a:schemeClr val="dk1"/>
-          </a:lnRef>
-          <a:fillRef idx="0">
-            <a:schemeClr val="dk1"/>
-          </a:fillRef>
-          <a:effectRef idx="0">
-            <a:schemeClr val="dk1"/>
-          </a:effectRef>
-          <a:fontRef idx="minor">
-            <a:schemeClr val="tx1"/>
-          </a:fontRef>
-        </p:style>
-      </p:cxnSp>
       <p:sp>
         <p:nvSpPr>
-          <p:cNvPr id="2" name="TextBox 1">
+          <p:cNvPr id="16" name="Rectangle 15">
             <a:extLst>
               <a:ext uri="{FF2B5EF4-FFF2-40B4-BE49-F238E27FC236}">
-                <a16:creationId xmlns:a16="http://schemas.microsoft.com/office/drawing/2014/main" id="{15BC7DB3-61A5-B3C5-CF61-F03D456740E3}"/>
-              </a:ext>
-            </a:extLst>
-          </p:cNvPr>
-          <p:cNvSpPr txBox="1"/>
-          <p:nvPr/>
-        </p:nvSpPr>
-        <p:spPr>
-          <a:xfrm>
-            <a:off x="2552454" y="17713"/>
-            <a:ext cx="7950691" cy="830997"/>
-          </a:xfrm>
-          <a:prstGeom prst="rect">
-            <a:avLst/>
-          </a:prstGeom>
-          <a:noFill/>
-        </p:spPr>
-        <p:txBody>
-          <a:bodyPr wrap="square">
-            <a:spAutoFit/>
-          </a:bodyPr>
-          <a:lstStyle/>
-          <a:p>
-            <a:r>
-              <a:rPr lang="en-US" sz="4800" b="1" dirty="0">
-                <a:latin typeface="Times New Roman" panose="02020603050405020304" pitchFamily="18" charset="0"/>
-                <a:cs typeface="Times New Roman" panose="02020603050405020304" pitchFamily="18" charset="0"/>
-              </a:rPr>
-              <a:t>Sequence Diagram</a:t>
-            </a:r>
-            <a:endParaRPr lang="en-IN" sz="4800" b="1" dirty="0">
-              <a:latin typeface="Times New Roman" panose="02020603050405020304" pitchFamily="18" charset="0"/>
-              <a:cs typeface="Times New Roman" panose="02020603050405020304" pitchFamily="18" charset="0"/>
-            </a:endParaRPr>
-          </a:p>
-        </p:txBody>
-      </p:sp>
-      <p:sp>
-        <p:nvSpPr>
-          <p:cNvPr id="6" name="Rectangle: Rounded Corners 5">
-            <a:extLst>
-              <a:ext uri="{FF2B5EF4-FFF2-40B4-BE49-F238E27FC236}">
-                <a16:creationId xmlns:a16="http://schemas.microsoft.com/office/drawing/2014/main" id="{3706CDA3-2BC8-770E-A608-EEFB1E574EE6}"/>
+                <a16:creationId xmlns:a16="http://schemas.microsoft.com/office/drawing/2014/main" id="{8EF7FDC5-A67B-ADEC-AE30-579FF23A664A}"/>
               </a:ext>
             </a:extLst>
           </p:cNvPr>
@@ -6090,71 +5758,26 @@
         </p:nvSpPr>
         <p:spPr>
           <a:xfrm>
-            <a:off x="1099823" y="1176991"/>
-            <a:ext cx="1808480" cy="1169775"/>
+            <a:off x="0" y="0"/>
+            <a:ext cx="4542503" cy="6858000"/>
           </a:xfrm>
-          <a:prstGeom prst="roundRect">
+          <a:prstGeom prst="rect">
             <a:avLst/>
           </a:prstGeom>
-        </p:spPr>
-        <p:style>
-          <a:lnRef idx="3">
-            <a:schemeClr val="lt1"/>
-          </a:lnRef>
-          <a:fillRef idx="1">
-            <a:schemeClr val="accent6"/>
-          </a:fillRef>
-          <a:effectRef idx="1">
-            <a:schemeClr val="accent6"/>
-          </a:effectRef>
-          <a:fontRef idx="minor">
-            <a:schemeClr val="lt1"/>
-          </a:fontRef>
-        </p:style>
-        <p:txBody>
-          <a:bodyPr rtlCol="0" anchor="ctr"/>
-          <a:lstStyle/>
-          <a:p>
-            <a:pPr algn="ctr"/>
-            <a:r>
-              <a:rPr lang="en-US" dirty="0">
-                <a:latin typeface="Times New Roman" panose="02020603050405020304" pitchFamily="18" charset="0"/>
-                <a:cs typeface="Times New Roman" panose="02020603050405020304" pitchFamily="18" charset="0"/>
-              </a:rPr>
-              <a:t>Start</a:t>
-            </a:r>
-            <a:endParaRPr lang="en-IN" dirty="0">
-              <a:latin typeface="Times New Roman" panose="02020603050405020304" pitchFamily="18" charset="0"/>
-              <a:cs typeface="Times New Roman" panose="02020603050405020304" pitchFamily="18" charset="0"/>
-            </a:endParaRPr>
-          </a:p>
-        </p:txBody>
-      </p:sp>
-      <p:sp>
-        <p:nvSpPr>
-          <p:cNvPr id="7" name="Oval 6">
-            <a:extLst>
-              <a:ext uri="{FF2B5EF4-FFF2-40B4-BE49-F238E27FC236}">
-                <a16:creationId xmlns:a16="http://schemas.microsoft.com/office/drawing/2014/main" id="{0D850279-19EE-5536-AA79-BE1B2C78D09C}"/>
-              </a:ext>
-            </a:extLst>
-          </p:cNvPr>
-          <p:cNvSpPr/>
-          <p:nvPr/>
-        </p:nvSpPr>
-        <p:spPr>
-          <a:xfrm>
-            <a:off x="4290061" y="1055404"/>
-            <a:ext cx="2512058" cy="1233919"/>
-          </a:xfrm>
-          <a:prstGeom prst="ellipse">
-            <a:avLst/>
-          </a:prstGeom>
+          <a:solidFill>
+            <a:srgbClr val="0062FF"/>
+          </a:solidFill>
+          <a:ln>
+            <a:noFill/>
+          </a:ln>
+          <a:effectLst>
+            <a:softEdge rad="0"/>
+          </a:effectLst>
         </p:spPr>
         <p:style>
           <a:lnRef idx="2">
             <a:schemeClr val="accent1">
-              <a:shade val="15000"/>
+              <a:shade val="50000"/>
             </a:schemeClr>
           </a:lnRef>
           <a:fillRef idx="1">
@@ -6172,451 +5795,111 @@
           <a:lstStyle/>
           <a:p>
             <a:pPr algn="ctr"/>
-            <a:r>
-              <a:rPr lang="en-US" dirty="0">
-                <a:latin typeface="Times New Roman" panose="02020603050405020304" pitchFamily="18" charset="0"/>
-                <a:cs typeface="Times New Roman" panose="02020603050405020304" pitchFamily="18" charset="0"/>
-              </a:rPr>
-              <a:t>Image Loading and Preprocessing</a:t>
-            </a:r>
-            <a:endParaRPr lang="en-IN" dirty="0">
+            <a:endParaRPr lang="en-US" dirty="0">
               <a:latin typeface="Times New Roman" panose="02020603050405020304" pitchFamily="18" charset="0"/>
               <a:cs typeface="Times New Roman" panose="02020603050405020304" pitchFamily="18" charset="0"/>
             </a:endParaRPr>
           </a:p>
         </p:txBody>
       </p:sp>
+      <p:pic>
+        <p:nvPicPr>
+          <p:cNvPr id="5" name="Picture 4">
+            <a:extLst>
+              <a:ext uri="{FF2B5EF4-FFF2-40B4-BE49-F238E27FC236}">
+                <a16:creationId xmlns:a16="http://schemas.microsoft.com/office/drawing/2014/main" id="{735FC5AB-C3AC-F55C-59C7-8EDD7FF2495C}"/>
+              </a:ext>
+            </a:extLst>
+          </p:cNvPr>
+          <p:cNvPicPr>
+            <a:picLocks noChangeAspect="1"/>
+          </p:cNvPicPr>
+          <p:nvPr/>
+        </p:nvPicPr>
+        <p:blipFill>
+          <a:blip r:embed="rId2">
+            <a:extLst>
+              <a:ext uri="{28A0092B-C50C-407E-A947-70E740481C1C}">
+                <a14:useLocalDpi xmlns:a14="http://schemas.microsoft.com/office/drawing/2010/main" val="0"/>
+              </a:ext>
+            </a:extLst>
+          </a:blip>
+          <a:stretch>
+            <a:fillRect/>
+          </a:stretch>
+        </p:blipFill>
+        <p:spPr>
+          <a:xfrm>
+            <a:off x="4667161" y="-175906"/>
+            <a:ext cx="6521949" cy="7209811"/>
+          </a:xfrm>
+          <a:prstGeom prst="rect">
+            <a:avLst/>
+          </a:prstGeom>
+        </p:spPr>
+      </p:pic>
       <p:sp>
         <p:nvSpPr>
-          <p:cNvPr id="8" name="Oval 7">
+          <p:cNvPr id="15" name="TextBox 14">
             <a:extLst>
               <a:ext uri="{FF2B5EF4-FFF2-40B4-BE49-F238E27FC236}">
-                <a16:creationId xmlns:a16="http://schemas.microsoft.com/office/drawing/2014/main" id="{32CE76C0-E29D-424F-E92E-331BB6F5B0F1}"/>
+                <a16:creationId xmlns:a16="http://schemas.microsoft.com/office/drawing/2014/main" id="{28AA64B8-C73F-98D4-BBE3-032589E475D9}"/>
               </a:ext>
             </a:extLst>
           </p:cNvPr>
-          <p:cNvSpPr/>
+          <p:cNvSpPr txBox="1"/>
           <p:nvPr/>
         </p:nvSpPr>
         <p:spPr>
           <a:xfrm>
-            <a:off x="8498840" y="959707"/>
-            <a:ext cx="2438400" cy="1298962"/>
+            <a:off x="658760" y="2528839"/>
+            <a:ext cx="3224981" cy="1569660"/>
           </a:xfrm>
-          <a:prstGeom prst="ellipse">
+          <a:prstGeom prst="rect">
             <a:avLst/>
           </a:prstGeom>
+          <a:noFill/>
         </p:spPr>
-        <p:style>
-          <a:lnRef idx="2">
-            <a:schemeClr val="accent1">
-              <a:shade val="15000"/>
-            </a:schemeClr>
-          </a:lnRef>
-          <a:fillRef idx="1">
-            <a:schemeClr val="accent1"/>
-          </a:fillRef>
-          <a:effectRef idx="0">
-            <a:schemeClr val="accent1"/>
-          </a:effectRef>
-          <a:fontRef idx="minor">
-            <a:schemeClr val="lt1"/>
-          </a:fontRef>
-        </p:style>
         <p:txBody>
-          <a:bodyPr rtlCol="0" anchor="ctr"/>
+          <a:bodyPr wrap="square">
+            <a:spAutoFit/>
+          </a:bodyPr>
           <a:lstStyle/>
           <a:p>
             <a:pPr algn="ctr"/>
             <a:r>
-              <a:rPr lang="en-US" dirty="0">
-                <a:latin typeface="Times New Roman" panose="02020603050405020304" pitchFamily="18" charset="0"/>
-                <a:cs typeface="Times New Roman" panose="02020603050405020304" pitchFamily="18" charset="0"/>
-              </a:rPr>
-              <a:t>Region Cropping &amp; Correction</a:t>
-            </a:r>
-            <a:endParaRPr lang="en-IN" dirty="0">
+              <a:rPr lang="en-US" sz="4800" b="1" dirty="0">
+                <a:solidFill>
+                  <a:schemeClr val="bg1"/>
+                </a:solidFill>
+                <a:latin typeface="Times New Roman" panose="02020603050405020304" pitchFamily="18" charset="0"/>
+                <a:cs typeface="Times New Roman" panose="02020603050405020304" pitchFamily="18" charset="0"/>
+              </a:rPr>
+              <a:t>Use Case</a:t>
+            </a:r>
+          </a:p>
+          <a:p>
+            <a:pPr algn="ctr"/>
+            <a:r>
+              <a:rPr lang="en-US" sz="4800" b="1" dirty="0">
+                <a:solidFill>
+                  <a:schemeClr val="bg1"/>
+                </a:solidFill>
+                <a:latin typeface="Times New Roman" panose="02020603050405020304" pitchFamily="18" charset="0"/>
+                <a:cs typeface="Times New Roman" panose="02020603050405020304" pitchFamily="18" charset="0"/>
+              </a:rPr>
+              <a:t>Diagram</a:t>
+            </a:r>
+            <a:endParaRPr lang="en-IN" sz="4800" b="1" dirty="0">
+              <a:solidFill>
+                <a:schemeClr val="bg1"/>
+              </a:solidFill>
               <a:latin typeface="Times New Roman" panose="02020603050405020304" pitchFamily="18" charset="0"/>
               <a:cs typeface="Times New Roman" panose="02020603050405020304" pitchFamily="18" charset="0"/>
             </a:endParaRPr>
           </a:p>
         </p:txBody>
       </p:sp>
-      <p:sp>
-        <p:nvSpPr>
-          <p:cNvPr id="9" name="Oval 8">
-            <a:extLst>
-              <a:ext uri="{FF2B5EF4-FFF2-40B4-BE49-F238E27FC236}">
-                <a16:creationId xmlns:a16="http://schemas.microsoft.com/office/drawing/2014/main" id="{41F7DC09-DCEF-3570-64E1-34042E872B0F}"/>
-              </a:ext>
-            </a:extLst>
-          </p:cNvPr>
-          <p:cNvSpPr/>
-          <p:nvPr/>
-        </p:nvSpPr>
-        <p:spPr>
-          <a:xfrm>
-            <a:off x="8852145" y="3090323"/>
-            <a:ext cx="2438400" cy="1361380"/>
-          </a:xfrm>
-          <a:prstGeom prst="ellipse">
-            <a:avLst/>
-          </a:prstGeom>
-        </p:spPr>
-        <p:style>
-          <a:lnRef idx="2">
-            <a:schemeClr val="accent1">
-              <a:shade val="15000"/>
-            </a:schemeClr>
-          </a:lnRef>
-          <a:fillRef idx="1">
-            <a:schemeClr val="accent1"/>
-          </a:fillRef>
-          <a:effectRef idx="0">
-            <a:schemeClr val="accent1"/>
-          </a:effectRef>
-          <a:fontRef idx="minor">
-            <a:schemeClr val="lt1"/>
-          </a:fontRef>
-        </p:style>
-        <p:txBody>
-          <a:bodyPr rtlCol="0" anchor="ctr"/>
-          <a:lstStyle/>
-          <a:p>
-            <a:pPr algn="ctr"/>
-            <a:r>
-              <a:rPr lang="en-US" dirty="0">
-                <a:latin typeface="Times New Roman" panose="02020603050405020304" pitchFamily="18" charset="0"/>
-                <a:cs typeface="Times New Roman" panose="02020603050405020304" pitchFamily="18" charset="0"/>
-              </a:rPr>
-              <a:t>Image Enhancement and Correction</a:t>
-            </a:r>
-            <a:endParaRPr lang="en-IN" dirty="0">
-              <a:latin typeface="Times New Roman" panose="02020603050405020304" pitchFamily="18" charset="0"/>
-              <a:cs typeface="Times New Roman" panose="02020603050405020304" pitchFamily="18" charset="0"/>
-            </a:endParaRPr>
-          </a:p>
-        </p:txBody>
-      </p:sp>
-      <p:sp>
-        <p:nvSpPr>
-          <p:cNvPr id="10" name="Oval 9">
-            <a:extLst>
-              <a:ext uri="{FF2B5EF4-FFF2-40B4-BE49-F238E27FC236}">
-                <a16:creationId xmlns:a16="http://schemas.microsoft.com/office/drawing/2014/main" id="{192D9C87-79D8-BCDD-18B7-21020EDEEC2B}"/>
-              </a:ext>
-            </a:extLst>
-          </p:cNvPr>
-          <p:cNvSpPr/>
-          <p:nvPr/>
-        </p:nvSpPr>
-        <p:spPr>
-          <a:xfrm>
-            <a:off x="1099824" y="3186580"/>
-            <a:ext cx="2288906" cy="1361380"/>
-          </a:xfrm>
-          <a:prstGeom prst="ellipse">
-            <a:avLst/>
-          </a:prstGeom>
-        </p:spPr>
-        <p:style>
-          <a:lnRef idx="2">
-            <a:schemeClr val="accent1">
-              <a:shade val="15000"/>
-            </a:schemeClr>
-          </a:lnRef>
-          <a:fillRef idx="1">
-            <a:schemeClr val="accent1"/>
-          </a:fillRef>
-          <a:effectRef idx="0">
-            <a:schemeClr val="accent1"/>
-          </a:effectRef>
-          <a:fontRef idx="minor">
-            <a:schemeClr val="lt1"/>
-          </a:fontRef>
-        </p:style>
-        <p:txBody>
-          <a:bodyPr rtlCol="0" anchor="ctr"/>
-          <a:lstStyle/>
-          <a:p>
-            <a:pPr algn="ctr"/>
-            <a:r>
-              <a:rPr lang="en-US" dirty="0">
-                <a:latin typeface="Times New Roman" panose="02020603050405020304" pitchFamily="18" charset="0"/>
-                <a:cs typeface="Times New Roman" panose="02020603050405020304" pitchFamily="18" charset="0"/>
-              </a:rPr>
-              <a:t>Morphological Operations</a:t>
-            </a:r>
-            <a:endParaRPr lang="en-IN" dirty="0">
-              <a:latin typeface="Times New Roman" panose="02020603050405020304" pitchFamily="18" charset="0"/>
-              <a:cs typeface="Times New Roman" panose="02020603050405020304" pitchFamily="18" charset="0"/>
-            </a:endParaRPr>
-          </a:p>
-        </p:txBody>
-      </p:sp>
-      <p:sp>
-        <p:nvSpPr>
-          <p:cNvPr id="11" name="Oval 10">
-            <a:extLst>
-              <a:ext uri="{FF2B5EF4-FFF2-40B4-BE49-F238E27FC236}">
-                <a16:creationId xmlns:a16="http://schemas.microsoft.com/office/drawing/2014/main" id="{6843C2F0-4891-7805-5311-028C8562F651}"/>
-              </a:ext>
-            </a:extLst>
-          </p:cNvPr>
-          <p:cNvSpPr/>
-          <p:nvPr/>
-        </p:nvSpPr>
-        <p:spPr>
-          <a:xfrm>
-            <a:off x="1033415" y="5227991"/>
-            <a:ext cx="2265680" cy="1209040"/>
-          </a:xfrm>
-          <a:prstGeom prst="ellipse">
-            <a:avLst/>
-          </a:prstGeom>
-        </p:spPr>
-        <p:style>
-          <a:lnRef idx="2">
-            <a:schemeClr val="accent1">
-              <a:shade val="15000"/>
-            </a:schemeClr>
-          </a:lnRef>
-          <a:fillRef idx="1">
-            <a:schemeClr val="accent1"/>
-          </a:fillRef>
-          <a:effectRef idx="0">
-            <a:schemeClr val="accent1"/>
-          </a:effectRef>
-          <a:fontRef idx="minor">
-            <a:schemeClr val="lt1"/>
-          </a:fontRef>
-        </p:style>
-        <p:txBody>
-          <a:bodyPr rtlCol="0" anchor="ctr"/>
-          <a:lstStyle/>
-          <a:p>
-            <a:pPr algn="ctr"/>
-            <a:r>
-              <a:rPr lang="en-US" dirty="0">
-                <a:latin typeface="Times New Roman" panose="02020603050405020304" pitchFamily="18" charset="0"/>
-                <a:cs typeface="Times New Roman" panose="02020603050405020304" pitchFamily="18" charset="0"/>
-              </a:rPr>
-              <a:t>Object Counting and Labeling</a:t>
-            </a:r>
-            <a:endParaRPr lang="en-IN" dirty="0">
-              <a:latin typeface="Times New Roman" panose="02020603050405020304" pitchFamily="18" charset="0"/>
-              <a:cs typeface="Times New Roman" panose="02020603050405020304" pitchFamily="18" charset="0"/>
-            </a:endParaRPr>
-          </a:p>
-        </p:txBody>
-      </p:sp>
-      <p:sp>
-        <p:nvSpPr>
-          <p:cNvPr id="12" name="Oval 11">
-            <a:extLst>
-              <a:ext uri="{FF2B5EF4-FFF2-40B4-BE49-F238E27FC236}">
-                <a16:creationId xmlns:a16="http://schemas.microsoft.com/office/drawing/2014/main" id="{14E11C88-CC0E-576D-2CAA-EC9090247F94}"/>
-              </a:ext>
-            </a:extLst>
-          </p:cNvPr>
-          <p:cNvSpPr/>
-          <p:nvPr/>
-        </p:nvSpPr>
-        <p:spPr>
-          <a:xfrm>
-            <a:off x="4893262" y="5296141"/>
-            <a:ext cx="2245360" cy="1209040"/>
-          </a:xfrm>
-          <a:prstGeom prst="ellipse">
-            <a:avLst/>
-          </a:prstGeom>
-        </p:spPr>
-        <p:style>
-          <a:lnRef idx="2">
-            <a:schemeClr val="accent1">
-              <a:shade val="15000"/>
-            </a:schemeClr>
-          </a:lnRef>
-          <a:fillRef idx="1">
-            <a:schemeClr val="accent1"/>
-          </a:fillRef>
-          <a:effectRef idx="0">
-            <a:schemeClr val="accent1"/>
-          </a:effectRef>
-          <a:fontRef idx="minor">
-            <a:schemeClr val="lt1"/>
-          </a:fontRef>
-        </p:style>
-        <p:txBody>
-          <a:bodyPr rtlCol="0" anchor="ctr"/>
-          <a:lstStyle/>
-          <a:p>
-            <a:pPr algn="ctr"/>
-            <a:r>
-              <a:rPr lang="en-US" dirty="0">
-                <a:latin typeface="Times New Roman" panose="02020603050405020304" pitchFamily="18" charset="0"/>
-                <a:cs typeface="Times New Roman" panose="02020603050405020304" pitchFamily="18" charset="0"/>
-              </a:rPr>
-              <a:t>Results</a:t>
-            </a:r>
-            <a:endParaRPr lang="en-IN" dirty="0">
-              <a:latin typeface="Times New Roman" panose="02020603050405020304" pitchFamily="18" charset="0"/>
-              <a:cs typeface="Times New Roman" panose="02020603050405020304" pitchFamily="18" charset="0"/>
-            </a:endParaRPr>
-          </a:p>
-        </p:txBody>
-      </p:sp>
-      <p:sp>
-        <p:nvSpPr>
-          <p:cNvPr id="13" name="Rectangle: Rounded Corners 12">
-            <a:extLst>
-              <a:ext uri="{FF2B5EF4-FFF2-40B4-BE49-F238E27FC236}">
-                <a16:creationId xmlns:a16="http://schemas.microsoft.com/office/drawing/2014/main" id="{DEE49D06-5D6E-80DD-80D2-355DA2CD288D}"/>
-              </a:ext>
-            </a:extLst>
-          </p:cNvPr>
-          <p:cNvSpPr/>
-          <p:nvPr/>
-        </p:nvSpPr>
-        <p:spPr>
-          <a:xfrm>
-            <a:off x="9502385" y="5283357"/>
-            <a:ext cx="2001520" cy="1029490"/>
-          </a:xfrm>
-          <a:prstGeom prst="roundRect">
-            <a:avLst/>
-          </a:prstGeom>
-        </p:spPr>
-        <p:style>
-          <a:lnRef idx="0">
-            <a:schemeClr val="accent2"/>
-          </a:lnRef>
-          <a:fillRef idx="3">
-            <a:schemeClr val="accent2"/>
-          </a:fillRef>
-          <a:effectRef idx="3">
-            <a:schemeClr val="accent2"/>
-          </a:effectRef>
-          <a:fontRef idx="minor">
-            <a:schemeClr val="lt1"/>
-          </a:fontRef>
-        </p:style>
-        <p:txBody>
-          <a:bodyPr rtlCol="0" anchor="ctr"/>
-          <a:lstStyle/>
-          <a:p>
-            <a:pPr algn="ctr"/>
-            <a:r>
-              <a:rPr lang="en-US" dirty="0">
-                <a:latin typeface="Times New Roman" panose="02020603050405020304" pitchFamily="18" charset="0"/>
-                <a:cs typeface="Times New Roman" panose="02020603050405020304" pitchFamily="18" charset="0"/>
-              </a:rPr>
-              <a:t>End</a:t>
-            </a:r>
-            <a:endParaRPr lang="en-IN" dirty="0">
-              <a:latin typeface="Times New Roman" panose="02020603050405020304" pitchFamily="18" charset="0"/>
-              <a:cs typeface="Times New Roman" panose="02020603050405020304" pitchFamily="18" charset="0"/>
-            </a:endParaRPr>
-          </a:p>
-        </p:txBody>
-      </p:sp>
-      <p:sp>
-        <p:nvSpPr>
-          <p:cNvPr id="14" name="Oval 13">
-            <a:extLst>
-              <a:ext uri="{FF2B5EF4-FFF2-40B4-BE49-F238E27FC236}">
-                <a16:creationId xmlns:a16="http://schemas.microsoft.com/office/drawing/2014/main" id="{79CC32BE-076D-F29A-B846-81E0763DC89A}"/>
-              </a:ext>
-            </a:extLst>
-          </p:cNvPr>
-          <p:cNvSpPr/>
-          <p:nvPr/>
-        </p:nvSpPr>
-        <p:spPr>
-          <a:xfrm>
-            <a:off x="4697928" y="3146390"/>
-            <a:ext cx="2245360" cy="1361380"/>
-          </a:xfrm>
-          <a:prstGeom prst="ellipse">
-            <a:avLst/>
-          </a:prstGeom>
-        </p:spPr>
-        <p:style>
-          <a:lnRef idx="2">
-            <a:schemeClr val="accent1">
-              <a:shade val="15000"/>
-            </a:schemeClr>
-          </a:lnRef>
-          <a:fillRef idx="1">
-            <a:schemeClr val="accent1"/>
-          </a:fillRef>
-          <a:effectRef idx="0">
-            <a:schemeClr val="accent1"/>
-          </a:effectRef>
-          <a:fontRef idx="minor">
-            <a:schemeClr val="lt1"/>
-          </a:fontRef>
-        </p:style>
-        <p:txBody>
-          <a:bodyPr rtlCol="0" anchor="ctr"/>
-          <a:lstStyle/>
-          <a:p>
-            <a:pPr algn="ctr"/>
-            <a:r>
-              <a:rPr lang="en-US" dirty="0">
-                <a:latin typeface="Times New Roman" panose="02020603050405020304" pitchFamily="18" charset="0"/>
-                <a:cs typeface="Times New Roman" panose="02020603050405020304" pitchFamily="18" charset="0"/>
-              </a:rPr>
-              <a:t>Segmentation and Thresholding</a:t>
-            </a:r>
-            <a:endParaRPr lang="en-IN" dirty="0">
-              <a:latin typeface="Times New Roman" panose="02020603050405020304" pitchFamily="18" charset="0"/>
-              <a:cs typeface="Times New Roman" panose="02020603050405020304" pitchFamily="18" charset="0"/>
-            </a:endParaRPr>
-          </a:p>
-        </p:txBody>
-      </p:sp>
-      <p:cxnSp>
-        <p:nvCxnSpPr>
-          <p:cNvPr id="17" name="Straight Arrow Connector 16">
-            <a:extLst>
-              <a:ext uri="{FF2B5EF4-FFF2-40B4-BE49-F238E27FC236}">
-                <a16:creationId xmlns:a16="http://schemas.microsoft.com/office/drawing/2014/main" id="{F4D4541F-735D-A61B-C91A-6D07A0CBC1E1}"/>
-              </a:ext>
-            </a:extLst>
-          </p:cNvPr>
-          <p:cNvCxnSpPr>
-            <a:cxnSpLocks/>
-          </p:cNvCxnSpPr>
-          <p:nvPr/>
-        </p:nvCxnSpPr>
-        <p:spPr>
-          <a:xfrm flipV="1">
-            <a:off x="6843824" y="1595320"/>
-            <a:ext cx="1655016" cy="8952"/>
-          </a:xfrm>
-          <a:prstGeom prst="straightConnector1">
-            <a:avLst/>
-          </a:prstGeom>
-          <a:ln>
-            <a:tailEnd type="triangle"/>
-          </a:ln>
-        </p:spPr>
-        <p:style>
-          <a:lnRef idx="1">
-            <a:schemeClr val="dk1"/>
-          </a:lnRef>
-          <a:fillRef idx="0">
-            <a:schemeClr val="dk1"/>
-          </a:fillRef>
-          <a:effectRef idx="0">
-            <a:schemeClr val="dk1"/>
-          </a:effectRef>
-          <a:fontRef idx="minor">
-            <a:schemeClr val="tx1"/>
-          </a:fontRef>
-        </p:style>
-      </p:cxnSp>
     </p:spTree>
     <p:extLst>
       <p:ext uri="{BB962C8B-B14F-4D97-AF65-F5344CB8AC3E}">
@@ -6679,7 +5962,9 @@
             <a:r>
               <a:rPr lang="en-US" sz="4800" b="1" dirty="0">
                 <a:solidFill>
-                  <a:srgbClr val="FF0000"/>
+                  <a:schemeClr val="accent1">
+                    <a:lumMod val="75000"/>
+                  </a:schemeClr>
                 </a:solidFill>
                 <a:latin typeface="Times New Roman" panose="02020603050405020304" pitchFamily="18" charset="0"/>
                 <a:cs typeface="Times New Roman" panose="02020603050405020304" pitchFamily="18" charset="0"/>
@@ -6688,7 +5973,9 @@
             </a:r>
             <a:endParaRPr lang="en-IN" sz="4800" b="1" dirty="0">
               <a:solidFill>
-                <a:srgbClr val="FF0000"/>
+                <a:schemeClr val="accent1">
+                  <a:lumMod val="75000"/>
+                </a:schemeClr>
               </a:solidFill>
               <a:latin typeface="Times New Roman" panose="02020603050405020304" pitchFamily="18" charset="0"/>
               <a:cs typeface="Times New Roman" panose="02020603050405020304" pitchFamily="18" charset="0"/>
@@ -10406,7 +9693,9 @@
             <a:r>
               <a:rPr lang="en-US" sz="4800" b="1" dirty="0">
                 <a:solidFill>
-                  <a:srgbClr val="FF0000"/>
+                  <a:schemeClr val="accent1">
+                    <a:lumMod val="75000"/>
+                  </a:schemeClr>
                 </a:solidFill>
                 <a:latin typeface="Times New Roman" panose="02020603050405020304" pitchFamily="18" charset="0"/>
                 <a:cs typeface="Times New Roman" panose="02020603050405020304" pitchFamily="18" charset="0"/>
@@ -10415,7 +9704,9 @@
             </a:r>
             <a:endParaRPr lang="en-IN" sz="4800" b="1" dirty="0">
               <a:solidFill>
-                <a:srgbClr val="FF0000"/>
+                <a:schemeClr val="accent1">
+                  <a:lumMod val="75000"/>
+                </a:schemeClr>
               </a:solidFill>
               <a:latin typeface="Times New Roman" panose="02020603050405020304" pitchFamily="18" charset="0"/>
               <a:cs typeface="Times New Roman" panose="02020603050405020304" pitchFamily="18" charset="0"/>
@@ -10880,8 +10171,8 @@
         </p:nvSpPr>
         <p:spPr>
           <a:xfrm>
-            <a:off x="5810865" y="0"/>
-            <a:ext cx="6381135" cy="6858000"/>
+            <a:off x="7305368" y="0"/>
+            <a:ext cx="4886632" cy="6858000"/>
           </a:xfrm>
           <a:prstGeom prst="rect">
             <a:avLst/>
@@ -10939,13 +10230,13 @@
           <p:nvPr>
             <p:extLst>
               <p:ext uri="{D42A27DB-BD31-4B8C-83A1-F6EECF244321}">
-                <p14:modId xmlns:p14="http://schemas.microsoft.com/office/powerpoint/2010/main" val="1675687870"/>
+                <p14:modId xmlns:p14="http://schemas.microsoft.com/office/powerpoint/2010/main" val="600765201"/>
               </p:ext>
             </p:extLst>
           </p:nvPr>
         </p:nvGraphicFramePr>
         <p:xfrm>
-          <a:off x="143655" y="479197"/>
+          <a:off x="1126881" y="369295"/>
           <a:ext cx="5437893" cy="6119407"/>
         </p:xfrm>
         <a:graphic>
@@ -11506,7 +10797,7 @@
                           <a:ea typeface="+mn-ea"/>
                           <a:cs typeface="Times New Roman" panose="02020603050405020304" pitchFamily="18" charset="0"/>
                         </a:rPr>
-                        <a:t>Sequence Diagram</a:t>
+                        <a:t>Use Case Diagram</a:t>
                       </a:r>
                     </a:p>
                   </a:txBody>
@@ -11731,8 +11022,8 @@
         </p:nvSpPr>
         <p:spPr>
           <a:xfrm>
-            <a:off x="6272981" y="3013501"/>
-            <a:ext cx="5456902" cy="830997"/>
+            <a:off x="8160772" y="2905346"/>
+            <a:ext cx="3333135" cy="830997"/>
           </a:xfrm>
           <a:prstGeom prst="rect">
             <a:avLst/>
@@ -13577,7 +12868,9 @@
             <a:r>
               <a:rPr lang="en-US" sz="4800" b="1" dirty="0">
                 <a:solidFill>
-                  <a:srgbClr val="FF0000"/>
+                  <a:schemeClr val="accent1">
+                    <a:lumMod val="75000"/>
+                  </a:schemeClr>
                 </a:solidFill>
                 <a:latin typeface="Times New Roman" panose="02020603050405020304" pitchFamily="18" charset="0"/>
                 <a:cs typeface="Times New Roman" panose="02020603050405020304" pitchFamily="18" charset="0"/>
@@ -13586,7 +12879,9 @@
             </a:r>
             <a:endParaRPr lang="en-IN" sz="4800" b="1" dirty="0">
               <a:solidFill>
-                <a:srgbClr val="FF0000"/>
+                <a:schemeClr val="accent1">
+                  <a:lumMod val="75000"/>
+                </a:schemeClr>
               </a:solidFill>
               <a:latin typeface="Times New Roman" panose="02020603050405020304" pitchFamily="18" charset="0"/>
               <a:cs typeface="Times New Roman" panose="02020603050405020304" pitchFamily="18" charset="0"/>
@@ -18338,7 +17633,9 @@
             <a:r>
               <a:rPr lang="en-US" sz="4800" b="1" dirty="0">
                 <a:solidFill>
-                  <a:srgbClr val="FF0000"/>
+                  <a:schemeClr val="accent1">
+                    <a:lumMod val="75000"/>
+                  </a:schemeClr>
                 </a:solidFill>
                 <a:latin typeface="Times New Roman" panose="02020603050405020304" pitchFamily="18" charset="0"/>
                 <a:cs typeface="Times New Roman" panose="02020603050405020304" pitchFamily="18" charset="0"/>
@@ -18347,7 +17644,9 @@
             </a:r>
             <a:endParaRPr lang="en-IN" sz="4800" b="1" dirty="0">
               <a:solidFill>
-                <a:srgbClr val="FF0000"/>
+                <a:schemeClr val="accent1">
+                  <a:lumMod val="75000"/>
+                </a:schemeClr>
               </a:solidFill>
               <a:latin typeface="Times New Roman" panose="02020603050405020304" pitchFamily="18" charset="0"/>
               <a:cs typeface="Times New Roman" panose="02020603050405020304" pitchFamily="18" charset="0"/>

--- a/Major Project.pptx
+++ b/Major Project.pptx
@@ -14,15 +14,20 @@
     <p:sldId id="262" r:id="rId8"/>
     <p:sldId id="263" r:id="rId9"/>
     <p:sldId id="264" r:id="rId10"/>
-    <p:sldId id="265" r:id="rId11"/>
-    <p:sldId id="273" r:id="rId12"/>
-    <p:sldId id="276" r:id="rId13"/>
-    <p:sldId id="277" r:id="rId14"/>
-    <p:sldId id="278" r:id="rId15"/>
-    <p:sldId id="279" r:id="rId16"/>
-    <p:sldId id="274" r:id="rId17"/>
-    <p:sldId id="275" r:id="rId18"/>
-    <p:sldId id="266" r:id="rId19"/>
+    <p:sldId id="280" r:id="rId11"/>
+    <p:sldId id="265" r:id="rId12"/>
+    <p:sldId id="281" r:id="rId13"/>
+    <p:sldId id="282" r:id="rId14"/>
+    <p:sldId id="283" r:id="rId15"/>
+    <p:sldId id="273" r:id="rId16"/>
+    <p:sldId id="276" r:id="rId17"/>
+    <p:sldId id="277" r:id="rId18"/>
+    <p:sldId id="278" r:id="rId19"/>
+    <p:sldId id="279" r:id="rId20"/>
+    <p:sldId id="274" r:id="rId21"/>
+    <p:sldId id="275" r:id="rId22"/>
+    <p:sldId id="284" r:id="rId23"/>
+    <p:sldId id="266" r:id="rId24"/>
   </p:sldIdLst>
   <p:sldSz cx="12192000" cy="6858000"/>
   <p:notesSz cx="6858000" cy="9144000"/>
@@ -2263,7 +2268,7 @@
           <a:p>
             <a:fld id="{0D55A27B-324D-4D86-9DE8-FFA3B2C4AC11}" type="datetimeFigureOut">
               <a:rPr lang="en-IN" smtClean="0"/>
-              <a:t>31-03-2024</a:t>
+              <a:t>16-04-2024</a:t>
             </a:fld>
             <a:endParaRPr lang="en-IN" dirty="0"/>
           </a:p>
@@ -2463,7 +2468,7 @@
           <a:p>
             <a:fld id="{0D55A27B-324D-4D86-9DE8-FFA3B2C4AC11}" type="datetimeFigureOut">
               <a:rPr lang="en-IN" smtClean="0"/>
-              <a:t>31-03-2024</a:t>
+              <a:t>16-04-2024</a:t>
             </a:fld>
             <a:endParaRPr lang="en-IN" dirty="0"/>
           </a:p>
@@ -2673,7 +2678,7 @@
           <a:p>
             <a:fld id="{0D55A27B-324D-4D86-9DE8-FFA3B2C4AC11}" type="datetimeFigureOut">
               <a:rPr lang="en-IN" smtClean="0"/>
-              <a:t>31-03-2024</a:t>
+              <a:t>16-04-2024</a:t>
             </a:fld>
             <a:endParaRPr lang="en-IN" dirty="0"/>
           </a:p>
@@ -2873,7 +2878,7 @@
           <a:p>
             <a:fld id="{0D55A27B-324D-4D86-9DE8-FFA3B2C4AC11}" type="datetimeFigureOut">
               <a:rPr lang="en-IN" smtClean="0"/>
-              <a:t>31-03-2024</a:t>
+              <a:t>16-04-2024</a:t>
             </a:fld>
             <a:endParaRPr lang="en-IN" dirty="0"/>
           </a:p>
@@ -3149,7 +3154,7 @@
           <a:p>
             <a:fld id="{0D55A27B-324D-4D86-9DE8-FFA3B2C4AC11}" type="datetimeFigureOut">
               <a:rPr lang="en-IN" smtClean="0"/>
-              <a:t>31-03-2024</a:t>
+              <a:t>16-04-2024</a:t>
             </a:fld>
             <a:endParaRPr lang="en-IN" dirty="0"/>
           </a:p>
@@ -3417,7 +3422,7 @@
           <a:p>
             <a:fld id="{0D55A27B-324D-4D86-9DE8-FFA3B2C4AC11}" type="datetimeFigureOut">
               <a:rPr lang="en-IN" smtClean="0"/>
-              <a:t>31-03-2024</a:t>
+              <a:t>16-04-2024</a:t>
             </a:fld>
             <a:endParaRPr lang="en-IN" dirty="0"/>
           </a:p>
@@ -3832,7 +3837,7 @@
           <a:p>
             <a:fld id="{0D55A27B-324D-4D86-9DE8-FFA3B2C4AC11}" type="datetimeFigureOut">
               <a:rPr lang="en-IN" smtClean="0"/>
-              <a:t>31-03-2024</a:t>
+              <a:t>16-04-2024</a:t>
             </a:fld>
             <a:endParaRPr lang="en-IN" dirty="0"/>
           </a:p>
@@ -3974,7 +3979,7 @@
           <a:p>
             <a:fld id="{0D55A27B-324D-4D86-9DE8-FFA3B2C4AC11}" type="datetimeFigureOut">
               <a:rPr lang="en-IN" smtClean="0"/>
-              <a:t>31-03-2024</a:t>
+              <a:t>16-04-2024</a:t>
             </a:fld>
             <a:endParaRPr lang="en-IN" dirty="0"/>
           </a:p>
@@ -4087,7 +4092,7 @@
           <a:p>
             <a:fld id="{0D55A27B-324D-4D86-9DE8-FFA3B2C4AC11}" type="datetimeFigureOut">
               <a:rPr lang="en-IN" smtClean="0"/>
-              <a:t>31-03-2024</a:t>
+              <a:t>16-04-2024</a:t>
             </a:fld>
             <a:endParaRPr lang="en-IN" dirty="0"/>
           </a:p>
@@ -4400,7 +4405,7 @@
           <a:p>
             <a:fld id="{0D55A27B-324D-4D86-9DE8-FFA3B2C4AC11}" type="datetimeFigureOut">
               <a:rPr lang="en-IN" smtClean="0"/>
-              <a:t>31-03-2024</a:t>
+              <a:t>16-04-2024</a:t>
             </a:fld>
             <a:endParaRPr lang="en-IN" dirty="0"/>
           </a:p>
@@ -4693,7 +4698,7 @@
           <a:p>
             <a:fld id="{0D55A27B-324D-4D86-9DE8-FFA3B2C4AC11}" type="datetimeFigureOut">
               <a:rPr lang="en-IN" smtClean="0"/>
-              <a:t>31-03-2024</a:t>
+              <a:t>16-04-2024</a:t>
             </a:fld>
             <a:endParaRPr lang="en-IN" dirty="0"/>
           </a:p>
@@ -4936,7 +4941,7 @@
           <a:p>
             <a:fld id="{0D55A27B-324D-4D86-9DE8-FFA3B2C4AC11}" type="datetimeFigureOut">
               <a:rPr lang="en-IN" smtClean="0"/>
-              <a:t>31-03-2024</a:t>
+              <a:t>16-04-2024</a:t>
             </a:fld>
             <a:endParaRPr lang="en-IN" dirty="0"/>
           </a:p>
@@ -5488,7 +5493,27 @@
                 <a:latin typeface="Times New Roman" panose="02020603050405020304" pitchFamily="18" charset="0"/>
                 <a:cs typeface="Times New Roman" panose="02020603050405020304" pitchFamily="18" charset="0"/>
               </a:rPr>
-              <a:t>DEPARTMENT OF ARTIFICIAL INTELLIGENCE AND MACHINE LEARNING</a:t>
+              <a:t>DEPARTMENT </a:t>
+            </a:r>
+            <a:r>
+              <a:rPr lang="en-IN" sz="2400" b="1">
+                <a:solidFill>
+                  <a:schemeClr val="bg1"/>
+                </a:solidFill>
+                <a:latin typeface="Times New Roman" panose="02020603050405020304" pitchFamily="18" charset="0"/>
+                <a:cs typeface="Times New Roman" panose="02020603050405020304" pitchFamily="18" charset="0"/>
+              </a:rPr>
+              <a:t>OF CSE-ARTIFICIAL </a:t>
+            </a:r>
+            <a:r>
+              <a:rPr lang="en-IN" sz="2400" b="1" dirty="0">
+                <a:solidFill>
+                  <a:schemeClr val="bg1"/>
+                </a:solidFill>
+                <a:latin typeface="Times New Roman" panose="02020603050405020304" pitchFamily="18" charset="0"/>
+                <a:cs typeface="Times New Roman" panose="02020603050405020304" pitchFamily="18" charset="0"/>
+              </a:rPr>
+              <a:t>INTELLIGENCE AND MACHINE LEARNING</a:t>
             </a:r>
           </a:p>
           <a:p>
@@ -5687,7 +5712,17 @@
                 <a:latin typeface="Times New Roman" panose="02020603050405020304" pitchFamily="18" charset="0"/>
                 <a:cs typeface="Times New Roman" panose="02020603050405020304" pitchFamily="18" charset="0"/>
               </a:rPr>
-              <a:t>B. Sandhya</a:t>
+              <a:t>Mrs. Sandhya </a:t>
+            </a:r>
+            <a:r>
+              <a:rPr lang="en-IN" sz="2400" b="1" dirty="0" err="1">
+                <a:solidFill>
+                  <a:srgbClr val="FF0000"/>
+                </a:solidFill>
+                <a:latin typeface="Times New Roman" panose="02020603050405020304" pitchFamily="18" charset="0"/>
+                <a:cs typeface="Times New Roman" panose="02020603050405020304" pitchFamily="18" charset="0"/>
+              </a:rPr>
+              <a:t>Bolla</a:t>
             </a:r>
             <a:endParaRPr lang="en-IN" sz="2400" b="1" dirty="0">
               <a:solidFill>
@@ -5728,6 +5763,745 @@
 </file>
 
 <file path=ppt/slides/slide10.xml><?xml version="1.0" encoding="utf-8"?>
+<p:sld xmlns:a="http://schemas.openxmlformats.org/drawingml/2006/main" xmlns:r="http://schemas.openxmlformats.org/officeDocument/2006/relationships" xmlns:p="http://schemas.openxmlformats.org/presentationml/2006/main">
+  <p:cSld>
+    <p:spTree>
+      <p:nvGrpSpPr>
+        <p:cNvPr id="1" name=""/>
+        <p:cNvGrpSpPr/>
+        <p:nvPr/>
+      </p:nvGrpSpPr>
+      <p:grpSpPr>
+        <a:xfrm>
+          <a:off x="0" y="0"/>
+          <a:ext cx="0" cy="0"/>
+          <a:chOff x="0" y="0"/>
+          <a:chExt cx="0" cy="0"/>
+        </a:xfrm>
+      </p:grpSpPr>
+      <p:sp>
+        <p:nvSpPr>
+          <p:cNvPr id="2" name="TextBox 1">
+            <a:extLst>
+              <a:ext uri="{FF2B5EF4-FFF2-40B4-BE49-F238E27FC236}">
+                <a16:creationId xmlns:a16="http://schemas.microsoft.com/office/drawing/2014/main" id="{8025DBE4-7B9A-5297-7895-0D45F717D7C6}"/>
+              </a:ext>
+            </a:extLst>
+          </p:cNvPr>
+          <p:cNvSpPr txBox="1"/>
+          <p:nvPr/>
+        </p:nvSpPr>
+        <p:spPr>
+          <a:xfrm>
+            <a:off x="2489200" y="316581"/>
+            <a:ext cx="6096000" cy="830997"/>
+          </a:xfrm>
+          <a:prstGeom prst="rect">
+            <a:avLst/>
+          </a:prstGeom>
+          <a:noFill/>
+        </p:spPr>
+        <p:txBody>
+          <a:bodyPr wrap="square">
+            <a:spAutoFit/>
+          </a:bodyPr>
+          <a:lstStyle/>
+          <a:p>
+            <a:pPr algn="ctr"/>
+            <a:r>
+              <a:rPr lang="en-US" sz="4800" b="1" dirty="0">
+                <a:solidFill>
+                  <a:schemeClr val="accent1">
+                    <a:lumMod val="75000"/>
+                  </a:schemeClr>
+                </a:solidFill>
+                <a:latin typeface="Times New Roman" panose="02020603050405020304" pitchFamily="18" charset="0"/>
+                <a:cs typeface="Times New Roman" panose="02020603050405020304" pitchFamily="18" charset="0"/>
+              </a:rPr>
+              <a:t>System Architecture</a:t>
+            </a:r>
+            <a:endParaRPr lang="en-IN" sz="4800" b="1" dirty="0">
+              <a:solidFill>
+                <a:schemeClr val="accent1">
+                  <a:lumMod val="75000"/>
+                </a:schemeClr>
+              </a:solidFill>
+              <a:latin typeface="Times New Roman" panose="02020603050405020304" pitchFamily="18" charset="0"/>
+              <a:cs typeface="Times New Roman" panose="02020603050405020304" pitchFamily="18" charset="0"/>
+            </a:endParaRPr>
+          </a:p>
+        </p:txBody>
+      </p:sp>
+      <p:pic>
+        <p:nvPicPr>
+          <p:cNvPr id="4" name="Graphic 3" descr="Images">
+            <a:extLst>
+              <a:ext uri="{FF2B5EF4-FFF2-40B4-BE49-F238E27FC236}">
+                <a16:creationId xmlns:a16="http://schemas.microsoft.com/office/drawing/2014/main" id="{0535916E-D339-A09A-D538-ACF5EE93F615}"/>
+              </a:ext>
+            </a:extLst>
+          </p:cNvPr>
+          <p:cNvPicPr>
+            <a:picLocks noChangeAspect="1"/>
+          </p:cNvPicPr>
+          <p:nvPr/>
+        </p:nvPicPr>
+        <p:blipFill>
+          <a:blip r:embed="rId2">
+            <a:extLst>
+              <a:ext uri="{28A0092B-C50C-407E-A947-70E740481C1C}">
+                <a14:useLocalDpi xmlns:a14="http://schemas.microsoft.com/office/drawing/2010/main" val="0"/>
+              </a:ext>
+              <a:ext uri="{96DAC541-7B7A-43D3-8B79-37D633B846F1}">
+                <asvg:svgBlip xmlns:asvg="http://schemas.microsoft.com/office/drawing/2016/SVG/main" r:embed="rId3"/>
+              </a:ext>
+            </a:extLst>
+          </a:blip>
+          <a:stretch>
+            <a:fillRect/>
+          </a:stretch>
+        </p:blipFill>
+        <p:spPr>
+          <a:xfrm>
+            <a:off x="1434353" y="1707777"/>
+            <a:ext cx="914400" cy="914400"/>
+          </a:xfrm>
+          <a:prstGeom prst="rect">
+            <a:avLst/>
+          </a:prstGeom>
+        </p:spPr>
+      </p:pic>
+      <p:pic>
+        <p:nvPicPr>
+          <p:cNvPr id="6" name="Graphic 5" descr="Processor">
+            <a:extLst>
+              <a:ext uri="{FF2B5EF4-FFF2-40B4-BE49-F238E27FC236}">
+                <a16:creationId xmlns:a16="http://schemas.microsoft.com/office/drawing/2014/main" id="{0D536B06-AD66-2AEE-F401-F76E2DD9A590}"/>
+              </a:ext>
+            </a:extLst>
+          </p:cNvPr>
+          <p:cNvPicPr>
+            <a:picLocks noChangeAspect="1"/>
+          </p:cNvPicPr>
+          <p:nvPr/>
+        </p:nvPicPr>
+        <p:blipFill>
+          <a:blip r:embed="rId4">
+            <a:extLst>
+              <a:ext uri="{28A0092B-C50C-407E-A947-70E740481C1C}">
+                <a14:useLocalDpi xmlns:a14="http://schemas.microsoft.com/office/drawing/2010/main" val="0"/>
+              </a:ext>
+              <a:ext uri="{96DAC541-7B7A-43D3-8B79-37D633B846F1}">
+                <asvg:svgBlip xmlns:asvg="http://schemas.microsoft.com/office/drawing/2016/SVG/main" r:embed="rId5"/>
+              </a:ext>
+            </a:extLst>
+          </a:blip>
+          <a:stretch>
+            <a:fillRect/>
+          </a:stretch>
+        </p:blipFill>
+        <p:spPr>
+          <a:xfrm>
+            <a:off x="4805083" y="1707777"/>
+            <a:ext cx="914400" cy="914400"/>
+          </a:xfrm>
+          <a:prstGeom prst="rect">
+            <a:avLst/>
+          </a:prstGeom>
+        </p:spPr>
+      </p:pic>
+      <p:pic>
+        <p:nvPicPr>
+          <p:cNvPr id="10" name="Graphic 9" descr="Target Audience">
+            <a:extLst>
+              <a:ext uri="{FF2B5EF4-FFF2-40B4-BE49-F238E27FC236}">
+                <a16:creationId xmlns:a16="http://schemas.microsoft.com/office/drawing/2014/main" id="{04222FD8-33F5-9D3E-BF5C-02FE340071DE}"/>
+              </a:ext>
+            </a:extLst>
+          </p:cNvPr>
+          <p:cNvPicPr>
+            <a:picLocks noChangeAspect="1"/>
+          </p:cNvPicPr>
+          <p:nvPr/>
+        </p:nvPicPr>
+        <p:blipFill>
+          <a:blip r:embed="rId6">
+            <a:extLst>
+              <a:ext uri="{28A0092B-C50C-407E-A947-70E740481C1C}">
+                <a14:useLocalDpi xmlns:a14="http://schemas.microsoft.com/office/drawing/2010/main" val="0"/>
+              </a:ext>
+              <a:ext uri="{96DAC541-7B7A-43D3-8B79-37D633B846F1}">
+                <asvg:svgBlip xmlns:asvg="http://schemas.microsoft.com/office/drawing/2016/SVG/main" r:embed="rId7"/>
+              </a:ext>
+            </a:extLst>
+          </a:blip>
+          <a:stretch>
+            <a:fillRect/>
+          </a:stretch>
+        </p:blipFill>
+        <p:spPr>
+          <a:xfrm>
+            <a:off x="4945530" y="4693023"/>
+            <a:ext cx="914400" cy="914400"/>
+          </a:xfrm>
+          <a:prstGeom prst="rect">
+            <a:avLst/>
+          </a:prstGeom>
+        </p:spPr>
+      </p:pic>
+      <p:pic>
+        <p:nvPicPr>
+          <p:cNvPr id="12" name="Graphic 11" descr="Network diagram">
+            <a:extLst>
+              <a:ext uri="{FF2B5EF4-FFF2-40B4-BE49-F238E27FC236}">
+                <a16:creationId xmlns:a16="http://schemas.microsoft.com/office/drawing/2014/main" id="{170B0ADF-1532-A4E3-1A41-36826C01D753}"/>
+              </a:ext>
+            </a:extLst>
+          </p:cNvPr>
+          <p:cNvPicPr>
+            <a:picLocks noChangeAspect="1"/>
+          </p:cNvPicPr>
+          <p:nvPr/>
+        </p:nvPicPr>
+        <p:blipFill>
+          <a:blip r:embed="rId8">
+            <a:extLst>
+              <a:ext uri="{28A0092B-C50C-407E-A947-70E740481C1C}">
+                <a14:useLocalDpi xmlns:a14="http://schemas.microsoft.com/office/drawing/2010/main" val="0"/>
+              </a:ext>
+              <a:ext uri="{96DAC541-7B7A-43D3-8B79-37D633B846F1}">
+                <asvg:svgBlip xmlns:asvg="http://schemas.microsoft.com/office/drawing/2016/SVG/main" r:embed="rId9"/>
+              </a:ext>
+            </a:extLst>
+          </a:blip>
+          <a:stretch>
+            <a:fillRect/>
+          </a:stretch>
+        </p:blipFill>
+        <p:spPr>
+          <a:xfrm>
+            <a:off x="8175813" y="1707777"/>
+            <a:ext cx="914400" cy="914400"/>
+          </a:xfrm>
+          <a:prstGeom prst="rect">
+            <a:avLst/>
+          </a:prstGeom>
+        </p:spPr>
+      </p:pic>
+      <p:pic>
+        <p:nvPicPr>
+          <p:cNvPr id="14" name="Graphic 13" descr="Tag">
+            <a:extLst>
+              <a:ext uri="{FF2B5EF4-FFF2-40B4-BE49-F238E27FC236}">
+                <a16:creationId xmlns:a16="http://schemas.microsoft.com/office/drawing/2014/main" id="{E79FB831-D07E-5899-E3B6-2F39DE6A0337}"/>
+              </a:ext>
+            </a:extLst>
+          </p:cNvPr>
+          <p:cNvPicPr>
+            <a:picLocks noChangeAspect="1"/>
+          </p:cNvPicPr>
+          <p:nvPr/>
+        </p:nvPicPr>
+        <p:blipFill>
+          <a:blip r:embed="rId10">
+            <a:extLst>
+              <a:ext uri="{28A0092B-C50C-407E-A947-70E740481C1C}">
+                <a14:useLocalDpi xmlns:a14="http://schemas.microsoft.com/office/drawing/2010/main" val="0"/>
+              </a:ext>
+              <a:ext uri="{96DAC541-7B7A-43D3-8B79-37D633B846F1}">
+                <asvg:svgBlip xmlns:asvg="http://schemas.microsoft.com/office/drawing/2016/SVG/main" r:embed="rId11"/>
+              </a:ext>
+            </a:extLst>
+          </a:blip>
+          <a:stretch>
+            <a:fillRect/>
+          </a:stretch>
+        </p:blipFill>
+        <p:spPr>
+          <a:xfrm>
+            <a:off x="8032377" y="4854294"/>
+            <a:ext cx="914400" cy="914400"/>
+          </a:xfrm>
+          <a:prstGeom prst="rect">
+            <a:avLst/>
+          </a:prstGeom>
+        </p:spPr>
+      </p:pic>
+      <p:pic>
+        <p:nvPicPr>
+          <p:cNvPr id="16" name="Graphic 15" descr="Presentation with pie chart">
+            <a:extLst>
+              <a:ext uri="{FF2B5EF4-FFF2-40B4-BE49-F238E27FC236}">
+                <a16:creationId xmlns:a16="http://schemas.microsoft.com/office/drawing/2014/main" id="{98C18B0E-D15F-88FD-ACFD-2C319ACEC4A5}"/>
+              </a:ext>
+            </a:extLst>
+          </p:cNvPr>
+          <p:cNvPicPr>
+            <a:picLocks noChangeAspect="1"/>
+          </p:cNvPicPr>
+          <p:nvPr/>
+        </p:nvPicPr>
+        <p:blipFill>
+          <a:blip r:embed="rId12">
+            <a:extLst>
+              <a:ext uri="{28A0092B-C50C-407E-A947-70E740481C1C}">
+                <a14:useLocalDpi xmlns:a14="http://schemas.microsoft.com/office/drawing/2010/main" val="0"/>
+              </a:ext>
+              <a:ext uri="{96DAC541-7B7A-43D3-8B79-37D633B846F1}">
+                <asvg:svgBlip xmlns:asvg="http://schemas.microsoft.com/office/drawing/2016/SVG/main" r:embed="rId13"/>
+              </a:ext>
+            </a:extLst>
+          </a:blip>
+          <a:stretch>
+            <a:fillRect/>
+          </a:stretch>
+        </p:blipFill>
+        <p:spPr>
+          <a:xfrm>
+            <a:off x="1461247" y="4693023"/>
+            <a:ext cx="914400" cy="914400"/>
+          </a:xfrm>
+          <a:prstGeom prst="rect">
+            <a:avLst/>
+          </a:prstGeom>
+        </p:spPr>
+      </p:pic>
+      <p:cxnSp>
+        <p:nvCxnSpPr>
+          <p:cNvPr id="18" name="Straight Arrow Connector 17">
+            <a:extLst>
+              <a:ext uri="{FF2B5EF4-FFF2-40B4-BE49-F238E27FC236}">
+                <a16:creationId xmlns:a16="http://schemas.microsoft.com/office/drawing/2014/main" id="{C87A62CD-66D3-8839-B3D0-472BE2CA955E}"/>
+              </a:ext>
+            </a:extLst>
+          </p:cNvPr>
+          <p:cNvCxnSpPr>
+            <a:cxnSpLocks/>
+          </p:cNvCxnSpPr>
+          <p:nvPr/>
+        </p:nvCxnSpPr>
+        <p:spPr>
+          <a:xfrm>
+            <a:off x="2106706" y="2164977"/>
+            <a:ext cx="2599765" cy="0"/>
+          </a:xfrm>
+          <a:prstGeom prst="straightConnector1">
+            <a:avLst/>
+          </a:prstGeom>
+          <a:ln>
+            <a:tailEnd type="triangle"/>
+          </a:ln>
+        </p:spPr>
+        <p:style>
+          <a:lnRef idx="1">
+            <a:schemeClr val="dk1"/>
+          </a:lnRef>
+          <a:fillRef idx="0">
+            <a:schemeClr val="dk1"/>
+          </a:fillRef>
+          <a:effectRef idx="0">
+            <a:schemeClr val="dk1"/>
+          </a:effectRef>
+          <a:fontRef idx="minor">
+            <a:schemeClr val="tx1"/>
+          </a:fontRef>
+        </p:style>
+      </p:cxnSp>
+      <p:cxnSp>
+        <p:nvCxnSpPr>
+          <p:cNvPr id="20" name="Straight Arrow Connector 19">
+            <a:extLst>
+              <a:ext uri="{FF2B5EF4-FFF2-40B4-BE49-F238E27FC236}">
+                <a16:creationId xmlns:a16="http://schemas.microsoft.com/office/drawing/2014/main" id="{4F5B7A7E-AA91-93D4-F23D-A5E6B8279370}"/>
+              </a:ext>
+            </a:extLst>
+          </p:cNvPr>
+          <p:cNvCxnSpPr>
+            <a:cxnSpLocks/>
+          </p:cNvCxnSpPr>
+          <p:nvPr/>
+        </p:nvCxnSpPr>
+        <p:spPr>
+          <a:xfrm>
+            <a:off x="5432612" y="2133601"/>
+            <a:ext cx="2599765" cy="0"/>
+          </a:xfrm>
+          <a:prstGeom prst="straightConnector1">
+            <a:avLst/>
+          </a:prstGeom>
+          <a:ln>
+            <a:tailEnd type="triangle"/>
+          </a:ln>
+        </p:spPr>
+        <p:style>
+          <a:lnRef idx="1">
+            <a:schemeClr val="dk1"/>
+          </a:lnRef>
+          <a:fillRef idx="0">
+            <a:schemeClr val="dk1"/>
+          </a:fillRef>
+          <a:effectRef idx="0">
+            <a:schemeClr val="dk1"/>
+          </a:effectRef>
+          <a:fontRef idx="minor">
+            <a:schemeClr val="tx1"/>
+          </a:fontRef>
+        </p:style>
+      </p:cxnSp>
+      <p:cxnSp>
+        <p:nvCxnSpPr>
+          <p:cNvPr id="21" name="Straight Arrow Connector 20">
+            <a:extLst>
+              <a:ext uri="{FF2B5EF4-FFF2-40B4-BE49-F238E27FC236}">
+                <a16:creationId xmlns:a16="http://schemas.microsoft.com/office/drawing/2014/main" id="{E38463E1-2651-2803-FB03-C6E971A856C3}"/>
+              </a:ext>
+            </a:extLst>
+          </p:cNvPr>
+          <p:cNvCxnSpPr>
+            <a:cxnSpLocks/>
+            <a:stCxn id="10" idx="1"/>
+          </p:cNvCxnSpPr>
+          <p:nvPr/>
+        </p:nvCxnSpPr>
+        <p:spPr>
+          <a:xfrm flipH="1">
+            <a:off x="2629647" y="5150223"/>
+            <a:ext cx="2315883" cy="0"/>
+          </a:xfrm>
+          <a:prstGeom prst="straightConnector1">
+            <a:avLst/>
+          </a:prstGeom>
+          <a:ln>
+            <a:tailEnd type="triangle"/>
+          </a:ln>
+        </p:spPr>
+        <p:style>
+          <a:lnRef idx="1">
+            <a:schemeClr val="dk1"/>
+          </a:lnRef>
+          <a:fillRef idx="0">
+            <a:schemeClr val="dk1"/>
+          </a:fillRef>
+          <a:effectRef idx="0">
+            <a:schemeClr val="dk1"/>
+          </a:effectRef>
+          <a:fontRef idx="minor">
+            <a:schemeClr val="tx1"/>
+          </a:fontRef>
+        </p:style>
+      </p:cxnSp>
+      <p:cxnSp>
+        <p:nvCxnSpPr>
+          <p:cNvPr id="25" name="Straight Arrow Connector 24">
+            <a:extLst>
+              <a:ext uri="{FF2B5EF4-FFF2-40B4-BE49-F238E27FC236}">
+                <a16:creationId xmlns:a16="http://schemas.microsoft.com/office/drawing/2014/main" id="{6CA1B2E1-C68A-14FE-FBBE-C473BBBC9A54}"/>
+              </a:ext>
+            </a:extLst>
+          </p:cNvPr>
+          <p:cNvCxnSpPr>
+            <a:cxnSpLocks/>
+          </p:cNvCxnSpPr>
+          <p:nvPr/>
+        </p:nvCxnSpPr>
+        <p:spPr>
+          <a:xfrm flipH="1">
+            <a:off x="5940613" y="5150223"/>
+            <a:ext cx="2315883" cy="0"/>
+          </a:xfrm>
+          <a:prstGeom prst="straightConnector1">
+            <a:avLst/>
+          </a:prstGeom>
+          <a:ln>
+            <a:tailEnd type="triangle"/>
+          </a:ln>
+        </p:spPr>
+        <p:style>
+          <a:lnRef idx="1">
+            <a:schemeClr val="dk1"/>
+          </a:lnRef>
+          <a:fillRef idx="0">
+            <a:schemeClr val="dk1"/>
+          </a:fillRef>
+          <a:effectRef idx="0">
+            <a:schemeClr val="dk1"/>
+          </a:effectRef>
+          <a:fontRef idx="minor">
+            <a:schemeClr val="tx1"/>
+          </a:fontRef>
+        </p:style>
+      </p:cxnSp>
+      <p:cxnSp>
+        <p:nvCxnSpPr>
+          <p:cNvPr id="26" name="Straight Arrow Connector 25">
+            <a:extLst>
+              <a:ext uri="{FF2B5EF4-FFF2-40B4-BE49-F238E27FC236}">
+                <a16:creationId xmlns:a16="http://schemas.microsoft.com/office/drawing/2014/main" id="{E92C184D-732C-67D6-7454-AC20E60E2B23}"/>
+              </a:ext>
+            </a:extLst>
+          </p:cNvPr>
+          <p:cNvCxnSpPr>
+            <a:cxnSpLocks/>
+          </p:cNvCxnSpPr>
+          <p:nvPr/>
+        </p:nvCxnSpPr>
+        <p:spPr>
+          <a:xfrm>
+            <a:off x="8480613" y="2362200"/>
+            <a:ext cx="8964" cy="2330823"/>
+          </a:xfrm>
+          <a:prstGeom prst="straightConnector1">
+            <a:avLst/>
+          </a:prstGeom>
+          <a:ln>
+            <a:tailEnd type="triangle"/>
+          </a:ln>
+        </p:spPr>
+        <p:style>
+          <a:lnRef idx="1">
+            <a:schemeClr val="dk1"/>
+          </a:lnRef>
+          <a:fillRef idx="0">
+            <a:schemeClr val="dk1"/>
+          </a:fillRef>
+          <a:effectRef idx="0">
+            <a:schemeClr val="dk1"/>
+          </a:effectRef>
+          <a:fontRef idx="minor">
+            <a:schemeClr val="tx1"/>
+          </a:fontRef>
+        </p:style>
+      </p:cxnSp>
+      <p:sp>
+        <p:nvSpPr>
+          <p:cNvPr id="30" name="TextBox 29">
+            <a:extLst>
+              <a:ext uri="{FF2B5EF4-FFF2-40B4-BE49-F238E27FC236}">
+                <a16:creationId xmlns:a16="http://schemas.microsoft.com/office/drawing/2014/main" id="{CA837A8B-CB22-D203-86D0-0A2A65E5E7A2}"/>
+              </a:ext>
+            </a:extLst>
+          </p:cNvPr>
+          <p:cNvSpPr txBox="1"/>
+          <p:nvPr/>
+        </p:nvSpPr>
+        <p:spPr>
+          <a:xfrm>
+            <a:off x="1326776" y="2985247"/>
+            <a:ext cx="1407461" cy="584775"/>
+          </a:xfrm>
+          <a:prstGeom prst="rect">
+            <a:avLst/>
+          </a:prstGeom>
+          <a:noFill/>
+        </p:spPr>
+        <p:txBody>
+          <a:bodyPr wrap="square" rtlCol="0">
+            <a:spAutoFit/>
+          </a:bodyPr>
+          <a:lstStyle/>
+          <a:p>
+            <a:r>
+              <a:rPr lang="en-US" sz="1600" dirty="0"/>
+              <a:t>Image Upload &amp; Processing</a:t>
+            </a:r>
+            <a:endParaRPr lang="en-IN" sz="1600" dirty="0"/>
+          </a:p>
+        </p:txBody>
+      </p:sp>
+      <p:sp>
+        <p:nvSpPr>
+          <p:cNvPr id="31" name="TextBox 30">
+            <a:extLst>
+              <a:ext uri="{FF2B5EF4-FFF2-40B4-BE49-F238E27FC236}">
+                <a16:creationId xmlns:a16="http://schemas.microsoft.com/office/drawing/2014/main" id="{3D4AC092-166F-68E7-5D61-026F9A871193}"/>
+              </a:ext>
+            </a:extLst>
+          </p:cNvPr>
+          <p:cNvSpPr txBox="1"/>
+          <p:nvPr/>
+        </p:nvSpPr>
+        <p:spPr>
+          <a:xfrm>
+            <a:off x="4312022" y="2969730"/>
+            <a:ext cx="1407461" cy="338554"/>
+          </a:xfrm>
+          <a:prstGeom prst="rect">
+            <a:avLst/>
+          </a:prstGeom>
+          <a:noFill/>
+        </p:spPr>
+        <p:txBody>
+          <a:bodyPr wrap="square" rtlCol="0">
+            <a:spAutoFit/>
+          </a:bodyPr>
+          <a:lstStyle/>
+          <a:p>
+            <a:r>
+              <a:rPr lang="en-US" sz="1600" dirty="0"/>
+              <a:t>Preprocessing</a:t>
+            </a:r>
+            <a:endParaRPr lang="en-IN" sz="1600" dirty="0"/>
+          </a:p>
+        </p:txBody>
+      </p:sp>
+      <p:sp>
+        <p:nvSpPr>
+          <p:cNvPr id="32" name="TextBox 31">
+            <a:extLst>
+              <a:ext uri="{FF2B5EF4-FFF2-40B4-BE49-F238E27FC236}">
+                <a16:creationId xmlns:a16="http://schemas.microsoft.com/office/drawing/2014/main" id="{36FA43A3-D02F-6A3D-018A-1B0AB8C84B93}"/>
+              </a:ext>
+            </a:extLst>
+          </p:cNvPr>
+          <p:cNvSpPr txBox="1"/>
+          <p:nvPr/>
+        </p:nvSpPr>
+        <p:spPr>
+          <a:xfrm>
+            <a:off x="8561297" y="2889988"/>
+            <a:ext cx="1407461" cy="584775"/>
+          </a:xfrm>
+          <a:prstGeom prst="rect">
+            <a:avLst/>
+          </a:prstGeom>
+          <a:noFill/>
+        </p:spPr>
+        <p:txBody>
+          <a:bodyPr wrap="square" rtlCol="0">
+            <a:spAutoFit/>
+          </a:bodyPr>
+          <a:lstStyle/>
+          <a:p>
+            <a:r>
+              <a:rPr lang="en-US" sz="1600" dirty="0"/>
+              <a:t>Apply Process Methods</a:t>
+            </a:r>
+            <a:endParaRPr lang="en-IN" sz="1600" dirty="0"/>
+          </a:p>
+        </p:txBody>
+      </p:sp>
+      <p:sp>
+        <p:nvSpPr>
+          <p:cNvPr id="33" name="TextBox 32">
+            <a:extLst>
+              <a:ext uri="{FF2B5EF4-FFF2-40B4-BE49-F238E27FC236}">
+                <a16:creationId xmlns:a16="http://schemas.microsoft.com/office/drawing/2014/main" id="{83956F67-EE22-02EE-F856-60EB67D483B7}"/>
+              </a:ext>
+            </a:extLst>
+          </p:cNvPr>
+          <p:cNvSpPr txBox="1"/>
+          <p:nvPr/>
+        </p:nvSpPr>
+        <p:spPr>
+          <a:xfrm>
+            <a:off x="7718613" y="5785541"/>
+            <a:ext cx="1721226" cy="584775"/>
+          </a:xfrm>
+          <a:prstGeom prst="rect">
+            <a:avLst/>
+          </a:prstGeom>
+          <a:noFill/>
+        </p:spPr>
+        <p:txBody>
+          <a:bodyPr wrap="square" rtlCol="0">
+            <a:spAutoFit/>
+          </a:bodyPr>
+          <a:lstStyle/>
+          <a:p>
+            <a:r>
+              <a:rPr lang="en-US" sz="1600" dirty="0"/>
+              <a:t>Tag Labels to objects &amp; People</a:t>
+            </a:r>
+            <a:endParaRPr lang="en-IN" sz="1600" dirty="0"/>
+          </a:p>
+        </p:txBody>
+      </p:sp>
+      <p:sp>
+        <p:nvSpPr>
+          <p:cNvPr id="34" name="TextBox 33">
+            <a:extLst>
+              <a:ext uri="{FF2B5EF4-FFF2-40B4-BE49-F238E27FC236}">
+                <a16:creationId xmlns:a16="http://schemas.microsoft.com/office/drawing/2014/main" id="{FF61A425-2BF5-890D-386F-FC87098B6508}"/>
+              </a:ext>
+            </a:extLst>
+          </p:cNvPr>
+          <p:cNvSpPr txBox="1"/>
+          <p:nvPr/>
+        </p:nvSpPr>
+        <p:spPr>
+          <a:xfrm>
+            <a:off x="4688539" y="5632694"/>
+            <a:ext cx="1864661" cy="584775"/>
+          </a:xfrm>
+          <a:prstGeom prst="rect">
+            <a:avLst/>
+          </a:prstGeom>
+          <a:noFill/>
+        </p:spPr>
+        <p:txBody>
+          <a:bodyPr wrap="square" rtlCol="0">
+            <a:spAutoFit/>
+          </a:bodyPr>
+          <a:lstStyle/>
+          <a:p>
+            <a:r>
+              <a:rPr lang="en-US" sz="1600" dirty="0"/>
+              <a:t>Count the Labels (People)</a:t>
+            </a:r>
+            <a:endParaRPr lang="en-IN" sz="1600" dirty="0"/>
+          </a:p>
+        </p:txBody>
+      </p:sp>
+      <p:sp>
+        <p:nvSpPr>
+          <p:cNvPr id="35" name="TextBox 34">
+            <a:extLst>
+              <a:ext uri="{FF2B5EF4-FFF2-40B4-BE49-F238E27FC236}">
+                <a16:creationId xmlns:a16="http://schemas.microsoft.com/office/drawing/2014/main" id="{125B0B67-9B5C-AEF8-1C55-74361800D614}"/>
+              </a:ext>
+            </a:extLst>
+          </p:cNvPr>
+          <p:cNvSpPr txBox="1"/>
+          <p:nvPr/>
+        </p:nvSpPr>
+        <p:spPr>
+          <a:xfrm>
+            <a:off x="1364125" y="5606388"/>
+            <a:ext cx="1407461" cy="338554"/>
+          </a:xfrm>
+          <a:prstGeom prst="rect">
+            <a:avLst/>
+          </a:prstGeom>
+          <a:noFill/>
+        </p:spPr>
+        <p:txBody>
+          <a:bodyPr wrap="square" rtlCol="0">
+            <a:spAutoFit/>
+          </a:bodyPr>
+          <a:lstStyle/>
+          <a:p>
+            <a:r>
+              <a:rPr lang="en-US" sz="1600" dirty="0"/>
+              <a:t>Show Results</a:t>
+            </a:r>
+            <a:endParaRPr lang="en-IN" sz="1600" dirty="0"/>
+          </a:p>
+        </p:txBody>
+      </p:sp>
+    </p:spTree>
+    <p:extLst>
+      <p:ext uri="{BB962C8B-B14F-4D97-AF65-F5344CB8AC3E}">
+        <p14:creationId xmlns:p14="http://schemas.microsoft.com/office/powerpoint/2010/main" val="3795324692"/>
+      </p:ext>
+    </p:extLst>
+  </p:cSld>
+  <p:clrMapOvr>
+    <a:masterClrMapping/>
+  </p:clrMapOvr>
+</p:sld>
+</file>
+
+<file path=ppt/slides/slide11.xml><?xml version="1.0" encoding="utf-8"?>
 <p:sld xmlns:a="http://schemas.openxmlformats.org/drawingml/2006/main" xmlns:r="http://schemas.openxmlformats.org/officeDocument/2006/relationships" xmlns:p="http://schemas.openxmlformats.org/presentationml/2006/main">
   <p:cSld>
     <p:spTree>
@@ -5913,124 +6687,6 @@
 </p:sld>
 </file>
 
-<file path=ppt/slides/slide11.xml><?xml version="1.0" encoding="utf-8"?>
-<p:sld xmlns:a="http://schemas.openxmlformats.org/drawingml/2006/main" xmlns:r="http://schemas.openxmlformats.org/officeDocument/2006/relationships" xmlns:p="http://schemas.openxmlformats.org/presentationml/2006/main">
-  <p:cSld>
-    <p:spTree>
-      <p:nvGrpSpPr>
-        <p:cNvPr id="1" name=""/>
-        <p:cNvGrpSpPr/>
-        <p:nvPr/>
-      </p:nvGrpSpPr>
-      <p:grpSpPr>
-        <a:xfrm>
-          <a:off x="0" y="0"/>
-          <a:ext cx="0" cy="0"/>
-          <a:chOff x="0" y="0"/>
-          <a:chExt cx="0" cy="0"/>
-        </a:xfrm>
-      </p:grpSpPr>
-      <p:sp>
-        <p:nvSpPr>
-          <p:cNvPr id="2" name="TextBox 1">
-            <a:extLst>
-              <a:ext uri="{FF2B5EF4-FFF2-40B4-BE49-F238E27FC236}">
-                <a16:creationId xmlns:a16="http://schemas.microsoft.com/office/drawing/2014/main" id="{4853B096-31E2-2B58-ED8B-E69A3C796EB8}"/>
-              </a:ext>
-            </a:extLst>
-          </p:cNvPr>
-          <p:cNvSpPr txBox="1"/>
-          <p:nvPr/>
-        </p:nvSpPr>
-        <p:spPr>
-          <a:xfrm>
-            <a:off x="2489200" y="316581"/>
-            <a:ext cx="6096000" cy="830997"/>
-          </a:xfrm>
-          <a:prstGeom prst="rect">
-            <a:avLst/>
-          </a:prstGeom>
-          <a:noFill/>
-        </p:spPr>
-        <p:txBody>
-          <a:bodyPr wrap="square">
-            <a:spAutoFit/>
-          </a:bodyPr>
-          <a:lstStyle/>
-          <a:p>
-            <a:pPr algn="ctr"/>
-            <a:r>
-              <a:rPr lang="en-US" sz="4800" b="1" dirty="0">
-                <a:solidFill>
-                  <a:schemeClr val="accent1">
-                    <a:lumMod val="75000"/>
-                  </a:schemeClr>
-                </a:solidFill>
-                <a:latin typeface="Times New Roman" panose="02020603050405020304" pitchFamily="18" charset="0"/>
-                <a:cs typeface="Times New Roman" panose="02020603050405020304" pitchFamily="18" charset="0"/>
-              </a:rPr>
-              <a:t>Input</a:t>
-            </a:r>
-            <a:endParaRPr lang="en-IN" sz="4800" b="1" dirty="0">
-              <a:solidFill>
-                <a:schemeClr val="accent1">
-                  <a:lumMod val="75000"/>
-                </a:schemeClr>
-              </a:solidFill>
-              <a:latin typeface="Times New Roman" panose="02020603050405020304" pitchFamily="18" charset="0"/>
-              <a:cs typeface="Times New Roman" panose="02020603050405020304" pitchFamily="18" charset="0"/>
-            </a:endParaRPr>
-          </a:p>
-        </p:txBody>
-      </p:sp>
-      <p:pic>
-        <p:nvPicPr>
-          <p:cNvPr id="4" name="Picture 3">
-            <a:extLst>
-              <a:ext uri="{FF2B5EF4-FFF2-40B4-BE49-F238E27FC236}">
-                <a16:creationId xmlns:a16="http://schemas.microsoft.com/office/drawing/2014/main" id="{4E266DDD-91E0-D456-6568-568D93A96759}"/>
-              </a:ext>
-            </a:extLst>
-          </p:cNvPr>
-          <p:cNvPicPr>
-            <a:picLocks noChangeAspect="1"/>
-          </p:cNvPicPr>
-          <p:nvPr/>
-        </p:nvPicPr>
-        <p:blipFill rotWithShape="1">
-          <a:blip r:embed="rId2">
-            <a:extLst>
-              <a:ext uri="{28A0092B-C50C-407E-A947-70E740481C1C}">
-                <a14:useLocalDpi xmlns:a14="http://schemas.microsoft.com/office/drawing/2010/main" val="0"/>
-              </a:ext>
-            </a:extLst>
-          </a:blip>
-          <a:srcRect t="3817"/>
-          <a:stretch/>
-        </p:blipFill>
-        <p:spPr>
-          <a:xfrm>
-            <a:off x="2145300" y="1200523"/>
-            <a:ext cx="7403814" cy="5340896"/>
-          </a:xfrm>
-          <a:prstGeom prst="rect">
-            <a:avLst/>
-          </a:prstGeom>
-        </p:spPr>
-      </p:pic>
-    </p:spTree>
-    <p:extLst>
-      <p:ext uri="{BB962C8B-B14F-4D97-AF65-F5344CB8AC3E}">
-        <p14:creationId xmlns:p14="http://schemas.microsoft.com/office/powerpoint/2010/main" val="2135787749"/>
-      </p:ext>
-    </p:extLst>
-  </p:cSld>
-  <p:clrMapOvr>
-    <a:masterClrMapping/>
-  </p:clrMapOvr>
-</p:sld>
-</file>
-
 <file path=ppt/slides/slide12.xml><?xml version="1.0" encoding="utf-8"?>
 <p:sld xmlns:a="http://schemas.openxmlformats.org/drawingml/2006/main" xmlns:r="http://schemas.openxmlformats.org/officeDocument/2006/relationships" xmlns:p="http://schemas.openxmlformats.org/presentationml/2006/main">
   <p:cSld>
@@ -6048,948 +6704,187 @@
           <a:chExt cx="0" cy="0"/>
         </a:xfrm>
       </p:grpSpPr>
-      <p:sp>
-        <p:nvSpPr>
-          <p:cNvPr id="5" name="TextBox 4">
-            <a:extLst>
-              <a:ext uri="{FF2B5EF4-FFF2-40B4-BE49-F238E27FC236}">
-                <a16:creationId xmlns:a16="http://schemas.microsoft.com/office/drawing/2014/main" id="{777F2CAF-7D33-1F0D-F31C-FAB79D26E83B}"/>
-              </a:ext>
-            </a:extLst>
-          </p:cNvPr>
-          <p:cNvSpPr txBox="1"/>
+      <p:grpSp>
+        <p:nvGrpSpPr>
+          <p:cNvPr id="3" name="Group 2">
+            <a:extLst>
+              <a:ext uri="{FF2B5EF4-FFF2-40B4-BE49-F238E27FC236}">
+                <a16:creationId xmlns:a16="http://schemas.microsoft.com/office/drawing/2014/main" id="{073D60B0-4AB3-08F5-4A03-F5D05131BA61}"/>
+              </a:ext>
+            </a:extLst>
+          </p:cNvPr>
+          <p:cNvGrpSpPr/>
           <p:nvPr/>
-        </p:nvSpPr>
+        </p:nvGrpSpPr>
+        <p:grpSpPr>
+          <a:xfrm>
+            <a:off x="7649497" y="0"/>
+            <a:ext cx="4542503" cy="6858000"/>
+            <a:chOff x="0" y="0"/>
+            <a:chExt cx="4542503" cy="6858000"/>
+          </a:xfrm>
+        </p:grpSpPr>
+        <p:sp>
+          <p:nvSpPr>
+            <p:cNvPr id="16" name="Rectangle 15">
+              <a:extLst>
+                <a:ext uri="{FF2B5EF4-FFF2-40B4-BE49-F238E27FC236}">
+                  <a16:creationId xmlns:a16="http://schemas.microsoft.com/office/drawing/2014/main" id="{8EF7FDC5-A67B-ADEC-AE30-579FF23A664A}"/>
+                </a:ext>
+              </a:extLst>
+            </p:cNvPr>
+            <p:cNvSpPr/>
+            <p:nvPr/>
+          </p:nvSpPr>
+          <p:spPr>
+            <a:xfrm>
+              <a:off x="0" y="0"/>
+              <a:ext cx="4542503" cy="6858000"/>
+            </a:xfrm>
+            <a:prstGeom prst="rect">
+              <a:avLst/>
+            </a:prstGeom>
+            <a:solidFill>
+              <a:srgbClr val="0062FF"/>
+            </a:solidFill>
+            <a:ln>
+              <a:noFill/>
+            </a:ln>
+            <a:effectLst>
+              <a:softEdge rad="0"/>
+            </a:effectLst>
+          </p:spPr>
+          <p:style>
+            <a:lnRef idx="2">
+              <a:schemeClr val="accent1">
+                <a:shade val="50000"/>
+              </a:schemeClr>
+            </a:lnRef>
+            <a:fillRef idx="1">
+              <a:schemeClr val="accent1"/>
+            </a:fillRef>
+            <a:effectRef idx="0">
+              <a:schemeClr val="accent1"/>
+            </a:effectRef>
+            <a:fontRef idx="minor">
+              <a:schemeClr val="lt1"/>
+            </a:fontRef>
+          </p:style>
+          <p:txBody>
+            <a:bodyPr rtlCol="0" anchor="ctr"/>
+            <a:lstStyle/>
+            <a:p>
+              <a:pPr algn="ctr"/>
+              <a:endParaRPr lang="en-US" dirty="0">
+                <a:latin typeface="Times New Roman" panose="02020603050405020304" pitchFamily="18" charset="0"/>
+                <a:cs typeface="Times New Roman" panose="02020603050405020304" pitchFamily="18" charset="0"/>
+              </a:endParaRPr>
+            </a:p>
+          </p:txBody>
+        </p:sp>
+        <p:sp>
+          <p:nvSpPr>
+            <p:cNvPr id="15" name="TextBox 14">
+              <a:extLst>
+                <a:ext uri="{FF2B5EF4-FFF2-40B4-BE49-F238E27FC236}">
+                  <a16:creationId xmlns:a16="http://schemas.microsoft.com/office/drawing/2014/main" id="{28AA64B8-C73F-98D4-BBE3-032589E475D9}"/>
+                </a:ext>
+              </a:extLst>
+            </p:cNvPr>
+            <p:cNvSpPr txBox="1"/>
+            <p:nvPr/>
+          </p:nvSpPr>
+          <p:spPr>
+            <a:xfrm>
+              <a:off x="658760" y="2528839"/>
+              <a:ext cx="3224981" cy="1569660"/>
+            </a:xfrm>
+            <a:prstGeom prst="rect">
+              <a:avLst/>
+            </a:prstGeom>
+            <a:noFill/>
+          </p:spPr>
+          <p:txBody>
+            <a:bodyPr wrap="square">
+              <a:spAutoFit/>
+            </a:bodyPr>
+            <a:lstStyle/>
+            <a:p>
+              <a:pPr algn="ctr"/>
+              <a:r>
+                <a:rPr lang="en-US" sz="4800" b="1" dirty="0">
+                  <a:solidFill>
+                    <a:schemeClr val="bg1"/>
+                  </a:solidFill>
+                  <a:latin typeface="Times New Roman" panose="02020603050405020304" pitchFamily="18" charset="0"/>
+                  <a:cs typeface="Times New Roman" panose="02020603050405020304" pitchFamily="18" charset="0"/>
+                </a:rPr>
+                <a:t>Activity</a:t>
+              </a:r>
+            </a:p>
+            <a:p>
+              <a:pPr algn="ctr"/>
+              <a:r>
+                <a:rPr lang="en-US" sz="4800" b="1" dirty="0">
+                  <a:solidFill>
+                    <a:schemeClr val="bg1"/>
+                  </a:solidFill>
+                  <a:latin typeface="Times New Roman" panose="02020603050405020304" pitchFamily="18" charset="0"/>
+                  <a:cs typeface="Times New Roman" panose="02020603050405020304" pitchFamily="18" charset="0"/>
+                </a:rPr>
+                <a:t>Diagram</a:t>
+              </a:r>
+              <a:endParaRPr lang="en-IN" sz="4800" b="1" dirty="0">
+                <a:solidFill>
+                  <a:schemeClr val="bg1"/>
+                </a:solidFill>
+                <a:latin typeface="Times New Roman" panose="02020603050405020304" pitchFamily="18" charset="0"/>
+                <a:cs typeface="Times New Roman" panose="02020603050405020304" pitchFamily="18" charset="0"/>
+              </a:endParaRPr>
+            </a:p>
+          </p:txBody>
+        </p:sp>
+      </p:grpSp>
+      <p:pic>
+        <p:nvPicPr>
+          <p:cNvPr id="2" name="Picture 1">
+            <a:extLst>
+              <a:ext uri="{FF2B5EF4-FFF2-40B4-BE49-F238E27FC236}">
+                <a16:creationId xmlns:a16="http://schemas.microsoft.com/office/drawing/2014/main" id="{F3C20ECC-A247-F7C1-DD0A-0661EE0A5729}"/>
+              </a:ext>
+            </a:extLst>
+          </p:cNvPr>
+          <p:cNvPicPr>
+            <a:picLocks noChangeAspect="1"/>
+          </p:cNvPicPr>
+          <p:nvPr/>
+        </p:nvPicPr>
+        <p:blipFill>
+          <a:blip r:embed="rId2">
+            <a:extLst>
+              <a:ext uri="{28A0092B-C50C-407E-A947-70E740481C1C}">
+                <a14:useLocalDpi xmlns:a14="http://schemas.microsoft.com/office/drawing/2010/main" val="0"/>
+              </a:ext>
+            </a:extLst>
+          </a:blip>
+          <a:stretch>
+            <a:fillRect/>
+          </a:stretch>
+        </p:blipFill>
         <p:spPr>
           <a:xfrm>
-            <a:off x="1134319" y="335845"/>
-            <a:ext cx="11057681" cy="6186309"/>
+            <a:off x="2237232" y="0"/>
+            <a:ext cx="2647283" cy="6858000"/>
           </a:xfrm>
           <a:prstGeom prst="rect">
             <a:avLst/>
           </a:prstGeom>
-          <a:noFill/>
         </p:spPr>
-        <p:txBody>
-          <a:bodyPr wrap="square">
-            <a:spAutoFit/>
-          </a:bodyPr>
-          <a:lstStyle/>
-          <a:p>
-            <a:r>
-              <a:rPr lang="en-IN" b="0" dirty="0">
-                <a:effectLst/>
-                <a:latin typeface="Times New Roman" panose="02020603050405020304" pitchFamily="18" charset="0"/>
-                <a:cs typeface="Times New Roman" panose="02020603050405020304" pitchFamily="18" charset="0"/>
-              </a:rPr>
-              <a:t>import cv2</a:t>
-            </a:r>
-          </a:p>
-          <a:p>
-            <a:r>
-              <a:rPr lang="en-IN" b="0" dirty="0">
-                <a:effectLst/>
-                <a:latin typeface="Times New Roman" panose="02020603050405020304" pitchFamily="18" charset="0"/>
-                <a:cs typeface="Times New Roman" panose="02020603050405020304" pitchFamily="18" charset="0"/>
-              </a:rPr>
-              <a:t>import </a:t>
-            </a:r>
-            <a:r>
-              <a:rPr lang="en-IN" b="0" dirty="0" err="1">
-                <a:effectLst/>
-                <a:latin typeface="Times New Roman" panose="02020603050405020304" pitchFamily="18" charset="0"/>
-                <a:cs typeface="Times New Roman" panose="02020603050405020304" pitchFamily="18" charset="0"/>
-              </a:rPr>
-              <a:t>matplotlib.pyplot</a:t>
-            </a:r>
-            <a:r>
-              <a:rPr lang="en-IN" b="0" dirty="0">
-                <a:effectLst/>
-                <a:latin typeface="Times New Roman" panose="02020603050405020304" pitchFamily="18" charset="0"/>
-                <a:cs typeface="Times New Roman" panose="02020603050405020304" pitchFamily="18" charset="0"/>
-              </a:rPr>
-              <a:t> as </a:t>
-            </a:r>
-            <a:r>
-              <a:rPr lang="en-IN" b="0" dirty="0" err="1">
-                <a:effectLst/>
-                <a:latin typeface="Times New Roman" panose="02020603050405020304" pitchFamily="18" charset="0"/>
-                <a:cs typeface="Times New Roman" panose="02020603050405020304" pitchFamily="18" charset="0"/>
-              </a:rPr>
-              <a:t>plt</a:t>
-            </a:r>
-            <a:endParaRPr lang="en-IN" b="0" dirty="0">
-              <a:effectLst/>
-              <a:latin typeface="Times New Roman" panose="02020603050405020304" pitchFamily="18" charset="0"/>
-              <a:cs typeface="Times New Roman" panose="02020603050405020304" pitchFamily="18" charset="0"/>
-            </a:endParaRPr>
-          </a:p>
-          <a:p>
-            <a:r>
-              <a:rPr lang="en-IN" b="0" dirty="0">
-                <a:effectLst/>
-                <a:latin typeface="Times New Roman" panose="02020603050405020304" pitchFamily="18" charset="0"/>
-                <a:cs typeface="Times New Roman" panose="02020603050405020304" pitchFamily="18" charset="0"/>
-              </a:rPr>
-              <a:t>import </a:t>
-            </a:r>
-            <a:r>
-              <a:rPr lang="en-IN" b="0" dirty="0" err="1">
-                <a:effectLst/>
-                <a:latin typeface="Times New Roman" panose="02020603050405020304" pitchFamily="18" charset="0"/>
-                <a:cs typeface="Times New Roman" panose="02020603050405020304" pitchFamily="18" charset="0"/>
-              </a:rPr>
-              <a:t>numpy</a:t>
-            </a:r>
-            <a:r>
-              <a:rPr lang="en-IN" b="0" dirty="0">
-                <a:effectLst/>
-                <a:latin typeface="Times New Roman" panose="02020603050405020304" pitchFamily="18" charset="0"/>
-                <a:cs typeface="Times New Roman" panose="02020603050405020304" pitchFamily="18" charset="0"/>
-              </a:rPr>
-              <a:t> as np</a:t>
-            </a:r>
-          </a:p>
-          <a:p>
-            <a:r>
-              <a:rPr lang="en-IN" b="0" dirty="0">
-                <a:effectLst/>
-                <a:latin typeface="Times New Roman" panose="02020603050405020304" pitchFamily="18" charset="0"/>
-                <a:cs typeface="Times New Roman" panose="02020603050405020304" pitchFamily="18" charset="0"/>
-              </a:rPr>
-              <a:t>def </a:t>
-            </a:r>
-            <a:r>
-              <a:rPr lang="en-IN" b="0" dirty="0" err="1">
-                <a:effectLst/>
-                <a:latin typeface="Times New Roman" panose="02020603050405020304" pitchFamily="18" charset="0"/>
-                <a:cs typeface="Times New Roman" panose="02020603050405020304" pitchFamily="18" charset="0"/>
-              </a:rPr>
-              <a:t>plotting_grid</a:t>
-            </a:r>
-            <a:r>
-              <a:rPr lang="en-IN" b="0" dirty="0">
-                <a:effectLst/>
-                <a:latin typeface="Times New Roman" panose="02020603050405020304" pitchFamily="18" charset="0"/>
-                <a:cs typeface="Times New Roman" panose="02020603050405020304" pitchFamily="18" charset="0"/>
-              </a:rPr>
-              <a:t>(images, titles, rows, cols, </a:t>
-            </a:r>
-            <a:r>
-              <a:rPr lang="en-IN" b="0" dirty="0" err="1">
-                <a:effectLst/>
-                <a:latin typeface="Times New Roman" panose="02020603050405020304" pitchFamily="18" charset="0"/>
-                <a:cs typeface="Times New Roman" panose="02020603050405020304" pitchFamily="18" charset="0"/>
-              </a:rPr>
-              <a:t>figsize</a:t>
-            </a:r>
-            <a:r>
-              <a:rPr lang="en-IN" b="0" dirty="0">
-                <a:effectLst/>
-                <a:latin typeface="Times New Roman" panose="02020603050405020304" pitchFamily="18" charset="0"/>
-                <a:cs typeface="Times New Roman" panose="02020603050405020304" pitchFamily="18" charset="0"/>
-              </a:rPr>
-              <a:t>):</a:t>
-            </a:r>
-          </a:p>
-          <a:p>
-            <a:r>
-              <a:rPr lang="en-IN" b="0" dirty="0">
-                <a:effectLst/>
-                <a:latin typeface="Times New Roman" panose="02020603050405020304" pitchFamily="18" charset="0"/>
-                <a:cs typeface="Times New Roman" panose="02020603050405020304" pitchFamily="18" charset="0"/>
-              </a:rPr>
-              <a:t>    fig, axes = </a:t>
-            </a:r>
-            <a:r>
-              <a:rPr lang="en-IN" b="0" dirty="0" err="1">
-                <a:effectLst/>
-                <a:latin typeface="Times New Roman" panose="02020603050405020304" pitchFamily="18" charset="0"/>
-                <a:cs typeface="Times New Roman" panose="02020603050405020304" pitchFamily="18" charset="0"/>
-              </a:rPr>
-              <a:t>plt.subplots</a:t>
-            </a:r>
-            <a:r>
-              <a:rPr lang="en-IN" b="0" dirty="0">
-                <a:effectLst/>
-                <a:latin typeface="Times New Roman" panose="02020603050405020304" pitchFamily="18" charset="0"/>
-                <a:cs typeface="Times New Roman" panose="02020603050405020304" pitchFamily="18" charset="0"/>
-              </a:rPr>
-              <a:t>(rows, cols, </a:t>
-            </a:r>
-            <a:r>
-              <a:rPr lang="en-IN" b="0" dirty="0" err="1">
-                <a:effectLst/>
-                <a:latin typeface="Times New Roman" panose="02020603050405020304" pitchFamily="18" charset="0"/>
-                <a:cs typeface="Times New Roman" panose="02020603050405020304" pitchFamily="18" charset="0"/>
-              </a:rPr>
-              <a:t>figsize</a:t>
-            </a:r>
-            <a:r>
-              <a:rPr lang="en-IN" b="0" dirty="0">
-                <a:effectLst/>
-                <a:latin typeface="Times New Roman" panose="02020603050405020304" pitchFamily="18" charset="0"/>
-                <a:cs typeface="Times New Roman" panose="02020603050405020304" pitchFamily="18" charset="0"/>
-              </a:rPr>
-              <a:t>=(</a:t>
-            </a:r>
-            <a:r>
-              <a:rPr lang="en-IN" b="0" dirty="0" err="1">
-                <a:effectLst/>
-                <a:latin typeface="Times New Roman" panose="02020603050405020304" pitchFamily="18" charset="0"/>
-                <a:cs typeface="Times New Roman" panose="02020603050405020304" pitchFamily="18" charset="0"/>
-              </a:rPr>
-              <a:t>figsize</a:t>
-            </a:r>
-            <a:r>
-              <a:rPr lang="en-IN" b="0" dirty="0">
-                <a:effectLst/>
-                <a:latin typeface="Times New Roman" panose="02020603050405020304" pitchFamily="18" charset="0"/>
-                <a:cs typeface="Times New Roman" panose="02020603050405020304" pitchFamily="18" charset="0"/>
-              </a:rPr>
-              <a:t>, </a:t>
-            </a:r>
-            <a:r>
-              <a:rPr lang="en-IN" b="0" dirty="0" err="1">
-                <a:effectLst/>
-                <a:latin typeface="Times New Roman" panose="02020603050405020304" pitchFamily="18" charset="0"/>
-                <a:cs typeface="Times New Roman" panose="02020603050405020304" pitchFamily="18" charset="0"/>
-              </a:rPr>
-              <a:t>figsize</a:t>
-            </a:r>
-            <a:r>
-              <a:rPr lang="en-IN" b="0" dirty="0">
-                <a:effectLst/>
-                <a:latin typeface="Times New Roman" panose="02020603050405020304" pitchFamily="18" charset="0"/>
-                <a:cs typeface="Times New Roman" panose="02020603050405020304" pitchFamily="18" charset="0"/>
-              </a:rPr>
-              <a:t>))</a:t>
-            </a:r>
-          </a:p>
-          <a:p>
-            <a:r>
-              <a:rPr lang="en-IN" b="0" dirty="0">
-                <a:effectLst/>
-                <a:latin typeface="Times New Roman" panose="02020603050405020304" pitchFamily="18" charset="0"/>
-                <a:cs typeface="Times New Roman" panose="02020603050405020304" pitchFamily="18" charset="0"/>
-              </a:rPr>
-              <a:t>    for </a:t>
-            </a:r>
-            <a:r>
-              <a:rPr lang="en-IN" b="0" dirty="0" err="1">
-                <a:effectLst/>
-                <a:latin typeface="Times New Roman" panose="02020603050405020304" pitchFamily="18" charset="0"/>
-                <a:cs typeface="Times New Roman" panose="02020603050405020304" pitchFamily="18" charset="0"/>
-              </a:rPr>
-              <a:t>i</a:t>
-            </a:r>
-            <a:r>
-              <a:rPr lang="en-IN" b="0" dirty="0">
-                <a:effectLst/>
-                <a:latin typeface="Times New Roman" panose="02020603050405020304" pitchFamily="18" charset="0"/>
-                <a:cs typeface="Times New Roman" panose="02020603050405020304" pitchFamily="18" charset="0"/>
-              </a:rPr>
-              <a:t>, </a:t>
-            </a:r>
-            <a:r>
-              <a:rPr lang="en-IN" b="0" dirty="0" err="1">
-                <a:effectLst/>
-                <a:latin typeface="Times New Roman" panose="02020603050405020304" pitchFamily="18" charset="0"/>
-                <a:cs typeface="Times New Roman" panose="02020603050405020304" pitchFamily="18" charset="0"/>
-              </a:rPr>
-              <a:t>ax</a:t>
-            </a:r>
-            <a:r>
-              <a:rPr lang="en-IN" b="0" dirty="0">
-                <a:effectLst/>
-                <a:latin typeface="Times New Roman" panose="02020603050405020304" pitchFamily="18" charset="0"/>
-                <a:cs typeface="Times New Roman" panose="02020603050405020304" pitchFamily="18" charset="0"/>
-              </a:rPr>
-              <a:t> in enumerate(</a:t>
-            </a:r>
-            <a:r>
-              <a:rPr lang="en-IN" b="0" dirty="0" err="1">
-                <a:effectLst/>
-                <a:latin typeface="Times New Roman" panose="02020603050405020304" pitchFamily="18" charset="0"/>
-                <a:cs typeface="Times New Roman" panose="02020603050405020304" pitchFamily="18" charset="0"/>
-              </a:rPr>
-              <a:t>axes.flat</a:t>
-            </a:r>
-            <a:r>
-              <a:rPr lang="en-IN" b="0" dirty="0">
-                <a:effectLst/>
-                <a:latin typeface="Times New Roman" panose="02020603050405020304" pitchFamily="18" charset="0"/>
-                <a:cs typeface="Times New Roman" panose="02020603050405020304" pitchFamily="18" charset="0"/>
-              </a:rPr>
-              <a:t>):</a:t>
-            </a:r>
-          </a:p>
-          <a:p>
-            <a:r>
-              <a:rPr lang="en-IN" b="0" dirty="0">
-                <a:effectLst/>
-                <a:latin typeface="Times New Roman" panose="02020603050405020304" pitchFamily="18" charset="0"/>
-                <a:cs typeface="Times New Roman" panose="02020603050405020304" pitchFamily="18" charset="0"/>
-              </a:rPr>
-              <a:t>        </a:t>
-            </a:r>
-            <a:r>
-              <a:rPr lang="en-IN" b="0" dirty="0" err="1">
-                <a:effectLst/>
-                <a:latin typeface="Times New Roman" panose="02020603050405020304" pitchFamily="18" charset="0"/>
-                <a:cs typeface="Times New Roman" panose="02020603050405020304" pitchFamily="18" charset="0"/>
-              </a:rPr>
-              <a:t>ax.imshow</a:t>
-            </a:r>
-            <a:r>
-              <a:rPr lang="en-IN" b="0" dirty="0">
-                <a:effectLst/>
-                <a:latin typeface="Times New Roman" panose="02020603050405020304" pitchFamily="18" charset="0"/>
-                <a:cs typeface="Times New Roman" panose="02020603050405020304" pitchFamily="18" charset="0"/>
-              </a:rPr>
-              <a:t>(images[</a:t>
-            </a:r>
-            <a:r>
-              <a:rPr lang="en-IN" b="0" dirty="0" err="1">
-                <a:effectLst/>
-                <a:latin typeface="Times New Roman" panose="02020603050405020304" pitchFamily="18" charset="0"/>
-                <a:cs typeface="Times New Roman" panose="02020603050405020304" pitchFamily="18" charset="0"/>
-              </a:rPr>
-              <a:t>i</a:t>
-            </a:r>
-            <a:r>
-              <a:rPr lang="en-IN" b="0" dirty="0">
-                <a:effectLst/>
-                <a:latin typeface="Times New Roman" panose="02020603050405020304" pitchFamily="18" charset="0"/>
-                <a:cs typeface="Times New Roman" panose="02020603050405020304" pitchFamily="18" charset="0"/>
-              </a:rPr>
-              <a:t>], </a:t>
-            </a:r>
-            <a:r>
-              <a:rPr lang="en-IN" b="0" dirty="0" err="1">
-                <a:effectLst/>
-                <a:latin typeface="Times New Roman" panose="02020603050405020304" pitchFamily="18" charset="0"/>
-                <a:cs typeface="Times New Roman" panose="02020603050405020304" pitchFamily="18" charset="0"/>
-              </a:rPr>
-              <a:t>cmap</a:t>
-            </a:r>
-            <a:r>
-              <a:rPr lang="en-IN" b="0" dirty="0">
-                <a:effectLst/>
-                <a:latin typeface="Times New Roman" panose="02020603050405020304" pitchFamily="18" charset="0"/>
-                <a:cs typeface="Times New Roman" panose="02020603050405020304" pitchFamily="18" charset="0"/>
-              </a:rPr>
-              <a:t>='</a:t>
-            </a:r>
-            <a:r>
-              <a:rPr lang="en-IN" b="0" dirty="0" err="1">
-                <a:effectLst/>
-                <a:latin typeface="Times New Roman" panose="02020603050405020304" pitchFamily="18" charset="0"/>
-                <a:cs typeface="Times New Roman" panose="02020603050405020304" pitchFamily="18" charset="0"/>
-              </a:rPr>
-              <a:t>gray</a:t>
-            </a:r>
-            <a:r>
-              <a:rPr lang="en-IN" b="0" dirty="0">
-                <a:effectLst/>
-                <a:latin typeface="Times New Roman" panose="02020603050405020304" pitchFamily="18" charset="0"/>
-                <a:cs typeface="Times New Roman" panose="02020603050405020304" pitchFamily="18" charset="0"/>
-              </a:rPr>
-              <a:t>', </a:t>
-            </a:r>
-            <a:r>
-              <a:rPr lang="en-IN" b="0" dirty="0" err="1">
-                <a:effectLst/>
-                <a:latin typeface="Times New Roman" panose="02020603050405020304" pitchFamily="18" charset="0"/>
-                <a:cs typeface="Times New Roman" panose="02020603050405020304" pitchFamily="18" charset="0"/>
-              </a:rPr>
-              <a:t>vmin</a:t>
-            </a:r>
-            <a:r>
-              <a:rPr lang="en-IN" b="0" dirty="0">
-                <a:effectLst/>
-                <a:latin typeface="Times New Roman" panose="02020603050405020304" pitchFamily="18" charset="0"/>
-                <a:cs typeface="Times New Roman" panose="02020603050405020304" pitchFamily="18" charset="0"/>
-              </a:rPr>
-              <a:t>=0, </a:t>
-            </a:r>
-            <a:r>
-              <a:rPr lang="en-IN" b="0" dirty="0" err="1">
-                <a:effectLst/>
-                <a:latin typeface="Times New Roman" panose="02020603050405020304" pitchFamily="18" charset="0"/>
-                <a:cs typeface="Times New Roman" panose="02020603050405020304" pitchFamily="18" charset="0"/>
-              </a:rPr>
-              <a:t>vmax</a:t>
-            </a:r>
-            <a:r>
-              <a:rPr lang="en-IN" b="0" dirty="0">
-                <a:effectLst/>
-                <a:latin typeface="Times New Roman" panose="02020603050405020304" pitchFamily="18" charset="0"/>
-                <a:cs typeface="Times New Roman" panose="02020603050405020304" pitchFamily="18" charset="0"/>
-              </a:rPr>
-              <a:t>=255, interpolation='none')</a:t>
-            </a:r>
-          </a:p>
-          <a:p>
-            <a:r>
-              <a:rPr lang="en-IN" b="0" dirty="0">
-                <a:effectLst/>
-                <a:latin typeface="Times New Roman" panose="02020603050405020304" pitchFamily="18" charset="0"/>
-                <a:cs typeface="Times New Roman" panose="02020603050405020304" pitchFamily="18" charset="0"/>
-              </a:rPr>
-              <a:t>        </a:t>
-            </a:r>
-            <a:r>
-              <a:rPr lang="en-IN" b="0" dirty="0" err="1">
-                <a:effectLst/>
-                <a:latin typeface="Times New Roman" panose="02020603050405020304" pitchFamily="18" charset="0"/>
-                <a:cs typeface="Times New Roman" panose="02020603050405020304" pitchFamily="18" charset="0"/>
-              </a:rPr>
-              <a:t>ax.set_title</a:t>
-            </a:r>
-            <a:r>
-              <a:rPr lang="en-IN" b="0" dirty="0">
-                <a:effectLst/>
-                <a:latin typeface="Times New Roman" panose="02020603050405020304" pitchFamily="18" charset="0"/>
-                <a:cs typeface="Times New Roman" panose="02020603050405020304" pitchFamily="18" charset="0"/>
-              </a:rPr>
-              <a:t>(titles[</a:t>
-            </a:r>
-            <a:r>
-              <a:rPr lang="en-IN" b="0" dirty="0" err="1">
-                <a:effectLst/>
-                <a:latin typeface="Times New Roman" panose="02020603050405020304" pitchFamily="18" charset="0"/>
-                <a:cs typeface="Times New Roman" panose="02020603050405020304" pitchFamily="18" charset="0"/>
-              </a:rPr>
-              <a:t>i</a:t>
-            </a:r>
-            <a:r>
-              <a:rPr lang="en-IN" b="0" dirty="0">
-                <a:effectLst/>
-                <a:latin typeface="Times New Roman" panose="02020603050405020304" pitchFamily="18" charset="0"/>
-                <a:cs typeface="Times New Roman" panose="02020603050405020304" pitchFamily="18" charset="0"/>
-              </a:rPr>
-              <a:t>])</a:t>
-            </a:r>
-          </a:p>
-          <a:p>
-            <a:r>
-              <a:rPr lang="en-IN" b="0" dirty="0">
-                <a:effectLst/>
-                <a:latin typeface="Times New Roman" panose="02020603050405020304" pitchFamily="18" charset="0"/>
-                <a:cs typeface="Times New Roman" panose="02020603050405020304" pitchFamily="18" charset="0"/>
-              </a:rPr>
-              <a:t>        </a:t>
-            </a:r>
-            <a:r>
-              <a:rPr lang="en-IN" b="0" dirty="0" err="1">
-                <a:effectLst/>
-                <a:latin typeface="Times New Roman" panose="02020603050405020304" pitchFamily="18" charset="0"/>
-                <a:cs typeface="Times New Roman" panose="02020603050405020304" pitchFamily="18" charset="0"/>
-              </a:rPr>
-              <a:t>ax.set_xticks</a:t>
-            </a:r>
-            <a:r>
-              <a:rPr lang="en-IN" b="0" dirty="0">
-                <a:effectLst/>
-                <a:latin typeface="Times New Roman" panose="02020603050405020304" pitchFamily="18" charset="0"/>
-                <a:cs typeface="Times New Roman" panose="02020603050405020304" pitchFamily="18" charset="0"/>
-              </a:rPr>
-              <a:t>([]), </a:t>
-            </a:r>
-            <a:r>
-              <a:rPr lang="en-IN" b="0" dirty="0" err="1">
-                <a:effectLst/>
-                <a:latin typeface="Times New Roman" panose="02020603050405020304" pitchFamily="18" charset="0"/>
-                <a:cs typeface="Times New Roman" panose="02020603050405020304" pitchFamily="18" charset="0"/>
-              </a:rPr>
-              <a:t>ax.set_yticks</a:t>
-            </a:r>
-            <a:r>
-              <a:rPr lang="en-IN" b="0" dirty="0">
-                <a:effectLst/>
-                <a:latin typeface="Times New Roman" panose="02020603050405020304" pitchFamily="18" charset="0"/>
-                <a:cs typeface="Times New Roman" panose="02020603050405020304" pitchFamily="18" charset="0"/>
-              </a:rPr>
-              <a:t>([])</a:t>
-            </a:r>
-          </a:p>
-          <a:p>
-            <a:r>
-              <a:rPr lang="en-IN" b="0" dirty="0">
-                <a:effectLst/>
-                <a:latin typeface="Times New Roman" panose="02020603050405020304" pitchFamily="18" charset="0"/>
-                <a:cs typeface="Times New Roman" panose="02020603050405020304" pitchFamily="18" charset="0"/>
-              </a:rPr>
-              <a:t>def crop(image, </a:t>
-            </a:r>
-            <a:r>
-              <a:rPr lang="en-IN" b="0" dirty="0" err="1">
-                <a:effectLst/>
-                <a:latin typeface="Times New Roman" panose="02020603050405020304" pitchFamily="18" charset="0"/>
-                <a:cs typeface="Times New Roman" panose="02020603050405020304" pitchFamily="18" charset="0"/>
-              </a:rPr>
-              <a:t>start_y</a:t>
-            </a:r>
-            <a:r>
-              <a:rPr lang="en-IN" b="0" dirty="0">
-                <a:effectLst/>
-                <a:latin typeface="Times New Roman" panose="02020603050405020304" pitchFamily="18" charset="0"/>
-                <a:cs typeface="Times New Roman" panose="02020603050405020304" pitchFamily="18" charset="0"/>
-              </a:rPr>
-              <a:t>, </a:t>
-            </a:r>
-            <a:r>
-              <a:rPr lang="en-IN" b="0" dirty="0" err="1">
-                <a:effectLst/>
-                <a:latin typeface="Times New Roman" panose="02020603050405020304" pitchFamily="18" charset="0"/>
-                <a:cs typeface="Times New Roman" panose="02020603050405020304" pitchFamily="18" charset="0"/>
-              </a:rPr>
-              <a:t>end_y</a:t>
-            </a:r>
-            <a:r>
-              <a:rPr lang="en-IN" b="0" dirty="0">
-                <a:effectLst/>
-                <a:latin typeface="Times New Roman" panose="02020603050405020304" pitchFamily="18" charset="0"/>
-                <a:cs typeface="Times New Roman" panose="02020603050405020304" pitchFamily="18" charset="0"/>
-              </a:rPr>
-              <a:t>, </a:t>
-            </a:r>
-            <a:r>
-              <a:rPr lang="en-IN" b="0" dirty="0" err="1">
-                <a:effectLst/>
-                <a:latin typeface="Times New Roman" panose="02020603050405020304" pitchFamily="18" charset="0"/>
-                <a:cs typeface="Times New Roman" panose="02020603050405020304" pitchFamily="18" charset="0"/>
-              </a:rPr>
-              <a:t>start_x</a:t>
-            </a:r>
-            <a:r>
-              <a:rPr lang="en-IN" b="0" dirty="0">
-                <a:effectLst/>
-                <a:latin typeface="Times New Roman" panose="02020603050405020304" pitchFamily="18" charset="0"/>
-                <a:cs typeface="Times New Roman" panose="02020603050405020304" pitchFamily="18" charset="0"/>
-              </a:rPr>
-              <a:t>, </a:t>
-            </a:r>
-            <a:r>
-              <a:rPr lang="en-IN" b="0" dirty="0" err="1">
-                <a:effectLst/>
-                <a:latin typeface="Times New Roman" panose="02020603050405020304" pitchFamily="18" charset="0"/>
-                <a:cs typeface="Times New Roman" panose="02020603050405020304" pitchFamily="18" charset="0"/>
-              </a:rPr>
-              <a:t>end_x</a:t>
-            </a:r>
-            <a:r>
-              <a:rPr lang="en-IN" b="0" dirty="0">
-                <a:effectLst/>
-                <a:latin typeface="Times New Roman" panose="02020603050405020304" pitchFamily="18" charset="0"/>
-                <a:cs typeface="Times New Roman" panose="02020603050405020304" pitchFamily="18" charset="0"/>
-              </a:rPr>
-              <a:t>):</a:t>
-            </a:r>
-          </a:p>
-          <a:p>
-            <a:r>
-              <a:rPr lang="en-IN" b="0" dirty="0">
-                <a:effectLst/>
-                <a:latin typeface="Times New Roman" panose="02020603050405020304" pitchFamily="18" charset="0"/>
-                <a:cs typeface="Times New Roman" panose="02020603050405020304" pitchFamily="18" charset="0"/>
-              </a:rPr>
-              <a:t>    </a:t>
-            </a:r>
-            <a:r>
-              <a:rPr lang="en-IN" b="0" dirty="0" err="1">
-                <a:effectLst/>
-                <a:latin typeface="Times New Roman" panose="02020603050405020304" pitchFamily="18" charset="0"/>
-                <a:cs typeface="Times New Roman" panose="02020603050405020304" pitchFamily="18" charset="0"/>
-              </a:rPr>
-              <a:t>img_cropped</a:t>
-            </a:r>
-            <a:r>
-              <a:rPr lang="en-IN" b="0" dirty="0">
-                <a:effectLst/>
-                <a:latin typeface="Times New Roman" panose="02020603050405020304" pitchFamily="18" charset="0"/>
-                <a:cs typeface="Times New Roman" panose="02020603050405020304" pitchFamily="18" charset="0"/>
-              </a:rPr>
-              <a:t> = image[</a:t>
-            </a:r>
-            <a:r>
-              <a:rPr lang="en-IN" b="0" dirty="0" err="1">
-                <a:effectLst/>
-                <a:latin typeface="Times New Roman" panose="02020603050405020304" pitchFamily="18" charset="0"/>
-                <a:cs typeface="Times New Roman" panose="02020603050405020304" pitchFamily="18" charset="0"/>
-              </a:rPr>
-              <a:t>start_y:end_y</a:t>
-            </a:r>
-            <a:r>
-              <a:rPr lang="en-IN" b="0" dirty="0">
-                <a:effectLst/>
-                <a:latin typeface="Times New Roman" panose="02020603050405020304" pitchFamily="18" charset="0"/>
-                <a:cs typeface="Times New Roman" panose="02020603050405020304" pitchFamily="18" charset="0"/>
-              </a:rPr>
-              <a:t>, </a:t>
-            </a:r>
-            <a:r>
-              <a:rPr lang="en-IN" b="0" dirty="0" err="1">
-                <a:effectLst/>
-                <a:latin typeface="Times New Roman" panose="02020603050405020304" pitchFamily="18" charset="0"/>
-                <a:cs typeface="Times New Roman" panose="02020603050405020304" pitchFamily="18" charset="0"/>
-              </a:rPr>
-              <a:t>start_x:end_x</a:t>
-            </a:r>
-            <a:r>
-              <a:rPr lang="en-IN" b="0" dirty="0">
-                <a:effectLst/>
-                <a:latin typeface="Times New Roman" panose="02020603050405020304" pitchFamily="18" charset="0"/>
-                <a:cs typeface="Times New Roman" panose="02020603050405020304" pitchFamily="18" charset="0"/>
-              </a:rPr>
-              <a:t>]</a:t>
-            </a:r>
-          </a:p>
-          <a:p>
-            <a:r>
-              <a:rPr lang="en-IN" b="0" dirty="0">
-                <a:effectLst/>
-                <a:latin typeface="Times New Roman" panose="02020603050405020304" pitchFamily="18" charset="0"/>
-                <a:cs typeface="Times New Roman" panose="02020603050405020304" pitchFamily="18" charset="0"/>
-              </a:rPr>
-              <a:t>    return </a:t>
-            </a:r>
-            <a:r>
-              <a:rPr lang="en-IN" b="0" dirty="0" err="1">
-                <a:effectLst/>
-                <a:latin typeface="Times New Roman" panose="02020603050405020304" pitchFamily="18" charset="0"/>
-                <a:cs typeface="Times New Roman" panose="02020603050405020304" pitchFamily="18" charset="0"/>
-              </a:rPr>
-              <a:t>img_cropped</a:t>
-            </a:r>
-            <a:endParaRPr lang="en-IN" b="0" dirty="0">
-              <a:effectLst/>
-              <a:latin typeface="Times New Roman" panose="02020603050405020304" pitchFamily="18" charset="0"/>
-              <a:cs typeface="Times New Roman" panose="02020603050405020304" pitchFamily="18" charset="0"/>
-            </a:endParaRPr>
-          </a:p>
-          <a:p>
-            <a:r>
-              <a:rPr lang="en-IN" b="0" dirty="0">
-                <a:effectLst/>
-                <a:latin typeface="Times New Roman" panose="02020603050405020304" pitchFamily="18" charset="0"/>
-                <a:cs typeface="Times New Roman" panose="02020603050405020304" pitchFamily="18" charset="0"/>
-              </a:rPr>
-              <a:t>def resize(image, width, height):</a:t>
-            </a:r>
-          </a:p>
-          <a:p>
-            <a:r>
-              <a:rPr lang="en-IN" b="0" dirty="0">
-                <a:effectLst/>
-                <a:latin typeface="Times New Roman" panose="02020603050405020304" pitchFamily="18" charset="0"/>
-                <a:cs typeface="Times New Roman" panose="02020603050405020304" pitchFamily="18" charset="0"/>
-              </a:rPr>
-              <a:t>    </a:t>
-            </a:r>
-            <a:r>
-              <a:rPr lang="en-IN" b="0" dirty="0" err="1">
-                <a:effectLst/>
-                <a:latin typeface="Times New Roman" panose="02020603050405020304" pitchFamily="18" charset="0"/>
-                <a:cs typeface="Times New Roman" panose="02020603050405020304" pitchFamily="18" charset="0"/>
-              </a:rPr>
-              <a:t>img_resized</a:t>
-            </a:r>
-            <a:r>
-              <a:rPr lang="en-IN" b="0" dirty="0">
-                <a:effectLst/>
-                <a:latin typeface="Times New Roman" panose="02020603050405020304" pitchFamily="18" charset="0"/>
-                <a:cs typeface="Times New Roman" panose="02020603050405020304" pitchFamily="18" charset="0"/>
-              </a:rPr>
-              <a:t> = cv2.resize(image, (width, height))</a:t>
-            </a:r>
-          </a:p>
-          <a:p>
-            <a:r>
-              <a:rPr lang="en-IN" b="0" dirty="0">
-                <a:effectLst/>
-                <a:latin typeface="Times New Roman" panose="02020603050405020304" pitchFamily="18" charset="0"/>
-                <a:cs typeface="Times New Roman" panose="02020603050405020304" pitchFamily="18" charset="0"/>
-              </a:rPr>
-              <a:t>    return </a:t>
-            </a:r>
-            <a:r>
-              <a:rPr lang="en-IN" b="0" dirty="0" err="1">
-                <a:effectLst/>
-                <a:latin typeface="Times New Roman" panose="02020603050405020304" pitchFamily="18" charset="0"/>
-                <a:cs typeface="Times New Roman" panose="02020603050405020304" pitchFamily="18" charset="0"/>
-              </a:rPr>
-              <a:t>img_resized</a:t>
-            </a:r>
-            <a:endParaRPr lang="en-IN" b="0" dirty="0">
-              <a:effectLst/>
-              <a:latin typeface="Times New Roman" panose="02020603050405020304" pitchFamily="18" charset="0"/>
-              <a:cs typeface="Times New Roman" panose="02020603050405020304" pitchFamily="18" charset="0"/>
-            </a:endParaRPr>
-          </a:p>
-          <a:p>
-            <a:r>
-              <a:rPr lang="en-IN" b="0" dirty="0">
-                <a:effectLst/>
-                <a:latin typeface="Times New Roman" panose="02020603050405020304" pitchFamily="18" charset="0"/>
-                <a:cs typeface="Times New Roman" panose="02020603050405020304" pitchFamily="18" charset="0"/>
-              </a:rPr>
-              <a:t>def </a:t>
-            </a:r>
-            <a:r>
-              <a:rPr lang="en-IN" b="0" dirty="0" err="1">
-                <a:effectLst/>
-                <a:latin typeface="Times New Roman" panose="02020603050405020304" pitchFamily="18" charset="0"/>
-                <a:cs typeface="Times New Roman" panose="02020603050405020304" pitchFamily="18" charset="0"/>
-              </a:rPr>
-              <a:t>gamma_correction</a:t>
-            </a:r>
-            <a:r>
-              <a:rPr lang="en-IN" b="0" dirty="0">
-                <a:effectLst/>
-                <a:latin typeface="Times New Roman" panose="02020603050405020304" pitchFamily="18" charset="0"/>
-                <a:cs typeface="Times New Roman" panose="02020603050405020304" pitchFamily="18" charset="0"/>
-              </a:rPr>
-              <a:t>(image, y):</a:t>
-            </a:r>
-          </a:p>
-          <a:p>
-            <a:r>
-              <a:rPr lang="en-IN" b="0" dirty="0">
-                <a:effectLst/>
-                <a:latin typeface="Times New Roman" panose="02020603050405020304" pitchFamily="18" charset="0"/>
-                <a:cs typeface="Times New Roman" panose="02020603050405020304" pitchFamily="18" charset="0"/>
-              </a:rPr>
-              <a:t>    </a:t>
-            </a:r>
-            <a:r>
-              <a:rPr lang="en-IN" b="0" dirty="0" err="1">
-                <a:effectLst/>
-                <a:latin typeface="Times New Roman" panose="02020603050405020304" pitchFamily="18" charset="0"/>
-                <a:cs typeface="Times New Roman" panose="02020603050405020304" pitchFamily="18" charset="0"/>
-              </a:rPr>
-              <a:t>gamma_correct</a:t>
-            </a:r>
-            <a:r>
-              <a:rPr lang="en-IN" b="0" dirty="0">
-                <a:effectLst/>
-                <a:latin typeface="Times New Roman" panose="02020603050405020304" pitchFamily="18" charset="0"/>
-                <a:cs typeface="Times New Roman" panose="02020603050405020304" pitchFamily="18" charset="0"/>
-              </a:rPr>
-              <a:t> = </a:t>
-            </a:r>
-            <a:r>
-              <a:rPr lang="en-IN" b="0" dirty="0" err="1">
-                <a:effectLst/>
-                <a:latin typeface="Times New Roman" panose="02020603050405020304" pitchFamily="18" charset="0"/>
-                <a:cs typeface="Times New Roman" panose="02020603050405020304" pitchFamily="18" charset="0"/>
-              </a:rPr>
-              <a:t>np.array</a:t>
-            </a:r>
-            <a:r>
-              <a:rPr lang="en-IN" b="0" dirty="0">
-                <a:effectLst/>
-                <a:latin typeface="Times New Roman" panose="02020603050405020304" pitchFamily="18" charset="0"/>
-                <a:cs typeface="Times New Roman" panose="02020603050405020304" pitchFamily="18" charset="0"/>
-              </a:rPr>
-              <a:t>(255 * (image / 255) ** y, </a:t>
-            </a:r>
-            <a:r>
-              <a:rPr lang="en-IN" b="0" dirty="0" err="1">
-                <a:effectLst/>
-                <a:latin typeface="Times New Roman" panose="02020603050405020304" pitchFamily="18" charset="0"/>
-                <a:cs typeface="Times New Roman" panose="02020603050405020304" pitchFamily="18" charset="0"/>
-              </a:rPr>
-              <a:t>dtype</a:t>
-            </a:r>
-            <a:r>
-              <a:rPr lang="en-IN" b="0" dirty="0">
-                <a:effectLst/>
-                <a:latin typeface="Times New Roman" panose="02020603050405020304" pitchFamily="18" charset="0"/>
-                <a:cs typeface="Times New Roman" panose="02020603050405020304" pitchFamily="18" charset="0"/>
-              </a:rPr>
-              <a:t>='uint8')</a:t>
-            </a:r>
-          </a:p>
-          <a:p>
-            <a:r>
-              <a:rPr lang="en-IN" b="0" dirty="0">
-                <a:effectLst/>
-                <a:latin typeface="Times New Roman" panose="02020603050405020304" pitchFamily="18" charset="0"/>
-                <a:cs typeface="Times New Roman" panose="02020603050405020304" pitchFamily="18" charset="0"/>
-              </a:rPr>
-              <a:t>    return </a:t>
-            </a:r>
-            <a:r>
-              <a:rPr lang="en-IN" b="0" dirty="0" err="1">
-                <a:effectLst/>
-                <a:latin typeface="Times New Roman" panose="02020603050405020304" pitchFamily="18" charset="0"/>
-                <a:cs typeface="Times New Roman" panose="02020603050405020304" pitchFamily="18" charset="0"/>
-              </a:rPr>
-              <a:t>gamma_correct</a:t>
-            </a:r>
-            <a:endParaRPr lang="en-IN" b="0" dirty="0">
-              <a:effectLst/>
-              <a:latin typeface="Times New Roman" panose="02020603050405020304" pitchFamily="18" charset="0"/>
-              <a:cs typeface="Times New Roman" panose="02020603050405020304" pitchFamily="18" charset="0"/>
-            </a:endParaRPr>
-          </a:p>
-          <a:p>
-            <a:r>
-              <a:rPr lang="en-IN" b="0" dirty="0">
-                <a:effectLst/>
-                <a:latin typeface="Times New Roman" panose="02020603050405020304" pitchFamily="18" charset="0"/>
-                <a:cs typeface="Times New Roman" panose="02020603050405020304" pitchFamily="18" charset="0"/>
-              </a:rPr>
-              <a:t>def </a:t>
-            </a:r>
-            <a:r>
-              <a:rPr lang="en-IN" b="0" dirty="0" err="1">
-                <a:effectLst/>
-                <a:latin typeface="Times New Roman" panose="02020603050405020304" pitchFamily="18" charset="0"/>
-                <a:cs typeface="Times New Roman" panose="02020603050405020304" pitchFamily="18" charset="0"/>
-              </a:rPr>
-              <a:t>adaptive_histogram_equalization</a:t>
-            </a:r>
-            <a:r>
-              <a:rPr lang="en-IN" b="0" dirty="0">
-                <a:effectLst/>
-                <a:latin typeface="Times New Roman" panose="02020603050405020304" pitchFamily="18" charset="0"/>
-                <a:cs typeface="Times New Roman" panose="02020603050405020304" pitchFamily="18" charset="0"/>
-              </a:rPr>
-              <a:t>(image):</a:t>
-            </a:r>
-          </a:p>
-          <a:p>
-            <a:r>
-              <a:rPr lang="en-IN" b="0" dirty="0">
-                <a:effectLst/>
-                <a:latin typeface="Times New Roman" panose="02020603050405020304" pitchFamily="18" charset="0"/>
-                <a:cs typeface="Times New Roman" panose="02020603050405020304" pitchFamily="18" charset="0"/>
-              </a:rPr>
-              <a:t>    </a:t>
-            </a:r>
-            <a:r>
-              <a:rPr lang="en-IN" b="0" dirty="0" err="1">
-                <a:effectLst/>
-                <a:latin typeface="Times New Roman" panose="02020603050405020304" pitchFamily="18" charset="0"/>
-                <a:cs typeface="Times New Roman" panose="02020603050405020304" pitchFamily="18" charset="0"/>
-              </a:rPr>
-              <a:t>clahe</a:t>
-            </a:r>
-            <a:r>
-              <a:rPr lang="en-IN" b="0" dirty="0">
-                <a:effectLst/>
-                <a:latin typeface="Times New Roman" panose="02020603050405020304" pitchFamily="18" charset="0"/>
-                <a:cs typeface="Times New Roman" panose="02020603050405020304" pitchFamily="18" charset="0"/>
-              </a:rPr>
-              <a:t> = cv2.createCLAHE(</a:t>
-            </a:r>
-            <a:r>
-              <a:rPr lang="en-IN" b="0" dirty="0" err="1">
-                <a:effectLst/>
-                <a:latin typeface="Times New Roman" panose="02020603050405020304" pitchFamily="18" charset="0"/>
-                <a:cs typeface="Times New Roman" panose="02020603050405020304" pitchFamily="18" charset="0"/>
-              </a:rPr>
-              <a:t>clipLimit</a:t>
-            </a:r>
-            <a:r>
-              <a:rPr lang="en-IN" b="0" dirty="0">
-                <a:effectLst/>
-                <a:latin typeface="Times New Roman" panose="02020603050405020304" pitchFamily="18" charset="0"/>
-                <a:cs typeface="Times New Roman" panose="02020603050405020304" pitchFamily="18" charset="0"/>
-              </a:rPr>
-              <a:t>=2.0, </a:t>
-            </a:r>
-            <a:r>
-              <a:rPr lang="en-IN" b="0" dirty="0" err="1">
-                <a:effectLst/>
-                <a:latin typeface="Times New Roman" panose="02020603050405020304" pitchFamily="18" charset="0"/>
-                <a:cs typeface="Times New Roman" panose="02020603050405020304" pitchFamily="18" charset="0"/>
-              </a:rPr>
-              <a:t>tileGridSize</a:t>
-            </a:r>
-            <a:r>
-              <a:rPr lang="en-IN" b="0" dirty="0">
-                <a:effectLst/>
-                <a:latin typeface="Times New Roman" panose="02020603050405020304" pitchFamily="18" charset="0"/>
-                <a:cs typeface="Times New Roman" panose="02020603050405020304" pitchFamily="18" charset="0"/>
-              </a:rPr>
-              <a:t>=(8, 8))</a:t>
-            </a:r>
-          </a:p>
-          <a:p>
-            <a:r>
-              <a:rPr lang="en-IN" b="0" dirty="0">
-                <a:effectLst/>
-                <a:latin typeface="Times New Roman" panose="02020603050405020304" pitchFamily="18" charset="0"/>
-                <a:cs typeface="Times New Roman" panose="02020603050405020304" pitchFamily="18" charset="0"/>
-              </a:rPr>
-              <a:t>    </a:t>
-            </a:r>
-            <a:r>
-              <a:rPr lang="en-IN" b="0" dirty="0" err="1">
-                <a:effectLst/>
-                <a:latin typeface="Times New Roman" panose="02020603050405020304" pitchFamily="18" charset="0"/>
-                <a:cs typeface="Times New Roman" panose="02020603050405020304" pitchFamily="18" charset="0"/>
-              </a:rPr>
-              <a:t>img_equalized</a:t>
-            </a:r>
-            <a:r>
-              <a:rPr lang="en-IN" b="0" dirty="0">
-                <a:effectLst/>
-                <a:latin typeface="Times New Roman" panose="02020603050405020304" pitchFamily="18" charset="0"/>
-                <a:cs typeface="Times New Roman" panose="02020603050405020304" pitchFamily="18" charset="0"/>
-              </a:rPr>
-              <a:t> = </a:t>
-            </a:r>
-            <a:r>
-              <a:rPr lang="en-IN" b="0" dirty="0" err="1">
-                <a:effectLst/>
-                <a:latin typeface="Times New Roman" panose="02020603050405020304" pitchFamily="18" charset="0"/>
-                <a:cs typeface="Times New Roman" panose="02020603050405020304" pitchFamily="18" charset="0"/>
-              </a:rPr>
-              <a:t>clahe.apply</a:t>
-            </a:r>
-            <a:r>
-              <a:rPr lang="en-IN" b="0" dirty="0">
-                <a:effectLst/>
-                <a:latin typeface="Times New Roman" panose="02020603050405020304" pitchFamily="18" charset="0"/>
-                <a:cs typeface="Times New Roman" panose="02020603050405020304" pitchFamily="18" charset="0"/>
-              </a:rPr>
-              <a:t>(image)</a:t>
-            </a:r>
-          </a:p>
-          <a:p>
-            <a:r>
-              <a:rPr lang="en-IN" b="0" dirty="0">
-                <a:effectLst/>
-                <a:latin typeface="Times New Roman" panose="02020603050405020304" pitchFamily="18" charset="0"/>
-                <a:cs typeface="Times New Roman" panose="02020603050405020304" pitchFamily="18" charset="0"/>
-              </a:rPr>
-              <a:t>    return </a:t>
-            </a:r>
-            <a:r>
-              <a:rPr lang="en-IN" b="0" dirty="0" err="1">
-                <a:effectLst/>
-                <a:latin typeface="Times New Roman" panose="02020603050405020304" pitchFamily="18" charset="0"/>
-                <a:cs typeface="Times New Roman" panose="02020603050405020304" pitchFamily="18" charset="0"/>
-              </a:rPr>
-              <a:t>img_equalized</a:t>
-            </a:r>
-            <a:endParaRPr lang="en-IN" b="0" dirty="0">
-              <a:effectLst/>
-              <a:latin typeface="Times New Roman" panose="02020603050405020304" pitchFamily="18" charset="0"/>
-              <a:cs typeface="Times New Roman" panose="02020603050405020304" pitchFamily="18" charset="0"/>
-            </a:endParaRPr>
-          </a:p>
-        </p:txBody>
-      </p:sp>
+      </p:pic>
     </p:spTree>
     <p:extLst>
       <p:ext uri="{BB962C8B-B14F-4D97-AF65-F5344CB8AC3E}">
-        <p14:creationId xmlns:p14="http://schemas.microsoft.com/office/powerpoint/2010/main" val="472219122"/>
+        <p14:creationId xmlns:p14="http://schemas.microsoft.com/office/powerpoint/2010/main" val="1785667636"/>
       </p:ext>
     </p:extLst>
   </p:cSld>
@@ -7018,10 +6913,68 @@
       </p:grpSpPr>
       <p:sp>
         <p:nvSpPr>
-          <p:cNvPr id="3" name="TextBox 2">
-            <a:extLst>
-              <a:ext uri="{FF2B5EF4-FFF2-40B4-BE49-F238E27FC236}">
-                <a16:creationId xmlns:a16="http://schemas.microsoft.com/office/drawing/2014/main" id="{6AF3B8FE-AE29-2A29-9CB8-9E113A56A776}"/>
+          <p:cNvPr id="16" name="Rectangle 15">
+            <a:extLst>
+              <a:ext uri="{FF2B5EF4-FFF2-40B4-BE49-F238E27FC236}">
+                <a16:creationId xmlns:a16="http://schemas.microsoft.com/office/drawing/2014/main" id="{8EF7FDC5-A67B-ADEC-AE30-579FF23A664A}"/>
+              </a:ext>
+            </a:extLst>
+          </p:cNvPr>
+          <p:cNvSpPr/>
+          <p:nvPr/>
+        </p:nvSpPr>
+        <p:spPr>
+          <a:xfrm>
+            <a:off x="0" y="0"/>
+            <a:ext cx="4542503" cy="6858000"/>
+          </a:xfrm>
+          <a:prstGeom prst="rect">
+            <a:avLst/>
+          </a:prstGeom>
+          <a:solidFill>
+            <a:srgbClr val="0062FF"/>
+          </a:solidFill>
+          <a:ln>
+            <a:noFill/>
+          </a:ln>
+          <a:effectLst>
+            <a:softEdge rad="0"/>
+          </a:effectLst>
+        </p:spPr>
+        <p:style>
+          <a:lnRef idx="2">
+            <a:schemeClr val="accent1">
+              <a:shade val="50000"/>
+            </a:schemeClr>
+          </a:lnRef>
+          <a:fillRef idx="1">
+            <a:schemeClr val="accent1"/>
+          </a:fillRef>
+          <a:effectRef idx="0">
+            <a:schemeClr val="accent1"/>
+          </a:effectRef>
+          <a:fontRef idx="minor">
+            <a:schemeClr val="lt1"/>
+          </a:fontRef>
+        </p:style>
+        <p:txBody>
+          <a:bodyPr rtlCol="0" anchor="ctr"/>
+          <a:lstStyle/>
+          <a:p>
+            <a:pPr algn="ctr"/>
+            <a:endParaRPr lang="en-US" dirty="0">
+              <a:latin typeface="Times New Roman" panose="02020603050405020304" pitchFamily="18" charset="0"/>
+              <a:cs typeface="Times New Roman" panose="02020603050405020304" pitchFamily="18" charset="0"/>
+            </a:endParaRPr>
+          </a:p>
+        </p:txBody>
+      </p:sp>
+      <p:sp>
+        <p:nvSpPr>
+          <p:cNvPr id="15" name="TextBox 14">
+            <a:extLst>
+              <a:ext uri="{FF2B5EF4-FFF2-40B4-BE49-F238E27FC236}">
+                <a16:creationId xmlns:a16="http://schemas.microsoft.com/office/drawing/2014/main" id="{28AA64B8-C73F-98D4-BBE3-032589E475D9}"/>
               </a:ext>
             </a:extLst>
           </p:cNvPr>
@@ -7030,8 +6983,8 @@
         </p:nvSpPr>
         <p:spPr>
           <a:xfrm>
-            <a:off x="405115" y="783010"/>
-            <a:ext cx="11424212" cy="5632311"/>
+            <a:off x="658760" y="2528839"/>
+            <a:ext cx="3224981" cy="1569660"/>
           </a:xfrm>
           <a:prstGeom prst="rect">
             <a:avLst/>
@@ -7044,570 +6997,80 @@
           </a:bodyPr>
           <a:lstStyle/>
           <a:p>
-            <a:r>
-              <a:rPr lang="en-IN" b="0" dirty="0">
-                <a:effectLst/>
-                <a:latin typeface="Times New Roman" panose="02020603050405020304" pitchFamily="18" charset="0"/>
-                <a:cs typeface="Times New Roman" panose="02020603050405020304" pitchFamily="18" charset="0"/>
-              </a:rPr>
-              <a:t>def </a:t>
-            </a:r>
-            <a:r>
-              <a:rPr lang="en-IN" b="0" dirty="0" err="1">
-                <a:effectLst/>
-                <a:latin typeface="Times New Roman" panose="02020603050405020304" pitchFamily="18" charset="0"/>
-                <a:cs typeface="Times New Roman" panose="02020603050405020304" pitchFamily="18" charset="0"/>
-              </a:rPr>
-              <a:t>otsu_threshold</a:t>
-            </a:r>
-            <a:r>
-              <a:rPr lang="en-IN" b="0" dirty="0">
-                <a:effectLst/>
-                <a:latin typeface="Times New Roman" panose="02020603050405020304" pitchFamily="18" charset="0"/>
-                <a:cs typeface="Times New Roman" panose="02020603050405020304" pitchFamily="18" charset="0"/>
-              </a:rPr>
-              <a:t>(image):</a:t>
-            </a:r>
-          </a:p>
-          <a:p>
-            <a:r>
-              <a:rPr lang="en-IN" b="0" dirty="0">
-                <a:effectLst/>
-                <a:latin typeface="Times New Roman" panose="02020603050405020304" pitchFamily="18" charset="0"/>
-                <a:cs typeface="Times New Roman" panose="02020603050405020304" pitchFamily="18" charset="0"/>
-              </a:rPr>
-              <a:t>    _, </a:t>
-            </a:r>
-            <a:r>
-              <a:rPr lang="en-IN" b="0" dirty="0" err="1">
-                <a:effectLst/>
-                <a:latin typeface="Times New Roman" panose="02020603050405020304" pitchFamily="18" charset="0"/>
-                <a:cs typeface="Times New Roman" panose="02020603050405020304" pitchFamily="18" charset="0"/>
-              </a:rPr>
-              <a:t>img_thresh</a:t>
-            </a:r>
-            <a:r>
-              <a:rPr lang="en-IN" b="0" dirty="0">
-                <a:effectLst/>
-                <a:latin typeface="Times New Roman" panose="02020603050405020304" pitchFamily="18" charset="0"/>
-                <a:cs typeface="Times New Roman" panose="02020603050405020304" pitchFamily="18" charset="0"/>
-              </a:rPr>
-              <a:t> = cv2.threshold(image, 0, 255, cv2.THRESH_BINARY + cv2.THRESH_OTSU)</a:t>
-            </a:r>
-          </a:p>
-          <a:p>
-            <a:r>
-              <a:rPr lang="en-IN" b="0" dirty="0">
-                <a:effectLst/>
-                <a:latin typeface="Times New Roman" panose="02020603050405020304" pitchFamily="18" charset="0"/>
-                <a:cs typeface="Times New Roman" panose="02020603050405020304" pitchFamily="18" charset="0"/>
-              </a:rPr>
-              <a:t>    return </a:t>
-            </a:r>
-            <a:r>
-              <a:rPr lang="en-IN" b="0" dirty="0" err="1">
-                <a:effectLst/>
-                <a:latin typeface="Times New Roman" panose="02020603050405020304" pitchFamily="18" charset="0"/>
-                <a:cs typeface="Times New Roman" panose="02020603050405020304" pitchFamily="18" charset="0"/>
-              </a:rPr>
-              <a:t>img_thresh</a:t>
-            </a:r>
-            <a:endParaRPr lang="en-IN" b="0" dirty="0">
-              <a:effectLst/>
+            <a:pPr algn="ctr"/>
+            <a:r>
+              <a:rPr lang="en-US" sz="4800" b="1" dirty="0">
+                <a:solidFill>
+                  <a:schemeClr val="bg1"/>
+                </a:solidFill>
+                <a:latin typeface="Times New Roman" panose="02020603050405020304" pitchFamily="18" charset="0"/>
+                <a:cs typeface="Times New Roman" panose="02020603050405020304" pitchFamily="18" charset="0"/>
+              </a:rPr>
+              <a:t>Sequence</a:t>
+            </a:r>
+          </a:p>
+          <a:p>
+            <a:pPr algn="ctr"/>
+            <a:r>
+              <a:rPr lang="en-US" sz="4800" b="1" dirty="0">
+                <a:solidFill>
+                  <a:schemeClr val="bg1"/>
+                </a:solidFill>
+                <a:latin typeface="Times New Roman" panose="02020603050405020304" pitchFamily="18" charset="0"/>
+                <a:cs typeface="Times New Roman" panose="02020603050405020304" pitchFamily="18" charset="0"/>
+              </a:rPr>
+              <a:t>Diagram</a:t>
+            </a:r>
+            <a:endParaRPr lang="en-IN" sz="4800" b="1" dirty="0">
+              <a:solidFill>
+                <a:schemeClr val="bg1"/>
+              </a:solidFill>
               <a:latin typeface="Times New Roman" panose="02020603050405020304" pitchFamily="18" charset="0"/>
               <a:cs typeface="Times New Roman" panose="02020603050405020304" pitchFamily="18" charset="0"/>
             </a:endParaRPr>
           </a:p>
-          <a:p>
-            <a:r>
-              <a:rPr lang="en-IN" b="0" dirty="0">
-                <a:effectLst/>
-                <a:latin typeface="Times New Roman" panose="02020603050405020304" pitchFamily="18" charset="0"/>
-                <a:cs typeface="Times New Roman" panose="02020603050405020304" pitchFamily="18" charset="0"/>
-              </a:rPr>
-              <a:t>def </a:t>
-            </a:r>
-            <a:r>
-              <a:rPr lang="en-IN" b="0" dirty="0" err="1">
-                <a:effectLst/>
-                <a:latin typeface="Times New Roman" panose="02020603050405020304" pitchFamily="18" charset="0"/>
-                <a:cs typeface="Times New Roman" panose="02020603050405020304" pitchFamily="18" charset="0"/>
-              </a:rPr>
-              <a:t>dilation_erosion</a:t>
-            </a:r>
-            <a:r>
-              <a:rPr lang="en-IN" b="0" dirty="0">
-                <a:effectLst/>
-                <a:latin typeface="Times New Roman" panose="02020603050405020304" pitchFamily="18" charset="0"/>
-                <a:cs typeface="Times New Roman" panose="02020603050405020304" pitchFamily="18" charset="0"/>
-              </a:rPr>
-              <a:t>(image):</a:t>
-            </a:r>
-          </a:p>
-          <a:p>
-            <a:r>
-              <a:rPr lang="en-IN" b="0" dirty="0">
-                <a:effectLst/>
-                <a:latin typeface="Times New Roman" panose="02020603050405020304" pitchFamily="18" charset="0"/>
-                <a:cs typeface="Times New Roman" panose="02020603050405020304" pitchFamily="18" charset="0"/>
-              </a:rPr>
-              <a:t>    kernel = </a:t>
-            </a:r>
-            <a:r>
-              <a:rPr lang="en-IN" b="0" dirty="0" err="1">
-                <a:effectLst/>
-                <a:latin typeface="Times New Roman" panose="02020603050405020304" pitchFamily="18" charset="0"/>
-                <a:cs typeface="Times New Roman" panose="02020603050405020304" pitchFamily="18" charset="0"/>
-              </a:rPr>
-              <a:t>np.ones</a:t>
-            </a:r>
-            <a:r>
-              <a:rPr lang="en-IN" b="0" dirty="0">
-                <a:effectLst/>
-                <a:latin typeface="Times New Roman" panose="02020603050405020304" pitchFamily="18" charset="0"/>
-                <a:cs typeface="Times New Roman" panose="02020603050405020304" pitchFamily="18" charset="0"/>
-              </a:rPr>
-              <a:t>((15, 15), np.uint8)</a:t>
-            </a:r>
-          </a:p>
-          <a:p>
-            <a:r>
-              <a:rPr lang="en-IN" b="0" dirty="0">
-                <a:effectLst/>
-                <a:latin typeface="Times New Roman" panose="02020603050405020304" pitchFamily="18" charset="0"/>
-                <a:cs typeface="Times New Roman" panose="02020603050405020304" pitchFamily="18" charset="0"/>
-              </a:rPr>
-              <a:t>    </a:t>
-            </a:r>
-            <a:r>
-              <a:rPr lang="en-IN" b="0" dirty="0" err="1">
-                <a:effectLst/>
-                <a:latin typeface="Times New Roman" panose="02020603050405020304" pitchFamily="18" charset="0"/>
-                <a:cs typeface="Times New Roman" panose="02020603050405020304" pitchFamily="18" charset="0"/>
-              </a:rPr>
-              <a:t>img_dilation</a:t>
-            </a:r>
-            <a:r>
-              <a:rPr lang="en-IN" b="0" dirty="0">
-                <a:effectLst/>
-                <a:latin typeface="Times New Roman" panose="02020603050405020304" pitchFamily="18" charset="0"/>
-                <a:cs typeface="Times New Roman" panose="02020603050405020304" pitchFamily="18" charset="0"/>
-              </a:rPr>
-              <a:t> = cv2.dilate(image, kernel, iterations=1)</a:t>
-            </a:r>
-          </a:p>
-          <a:p>
-            <a:r>
-              <a:rPr lang="en-IN" b="0" dirty="0">
-                <a:effectLst/>
-                <a:latin typeface="Times New Roman" panose="02020603050405020304" pitchFamily="18" charset="0"/>
-                <a:cs typeface="Times New Roman" panose="02020603050405020304" pitchFamily="18" charset="0"/>
-              </a:rPr>
-              <a:t>    </a:t>
-            </a:r>
-            <a:r>
-              <a:rPr lang="en-IN" b="0" dirty="0" err="1">
-                <a:effectLst/>
-                <a:latin typeface="Times New Roman" panose="02020603050405020304" pitchFamily="18" charset="0"/>
-                <a:cs typeface="Times New Roman" panose="02020603050405020304" pitchFamily="18" charset="0"/>
-              </a:rPr>
-              <a:t>img_erode</a:t>
-            </a:r>
-            <a:r>
-              <a:rPr lang="en-IN" b="0" dirty="0">
-                <a:effectLst/>
-                <a:latin typeface="Times New Roman" panose="02020603050405020304" pitchFamily="18" charset="0"/>
-                <a:cs typeface="Times New Roman" panose="02020603050405020304" pitchFamily="18" charset="0"/>
-              </a:rPr>
-              <a:t> = cv2.erode(</a:t>
-            </a:r>
-            <a:r>
-              <a:rPr lang="en-IN" b="0" dirty="0" err="1">
-                <a:effectLst/>
-                <a:latin typeface="Times New Roman" panose="02020603050405020304" pitchFamily="18" charset="0"/>
-                <a:cs typeface="Times New Roman" panose="02020603050405020304" pitchFamily="18" charset="0"/>
-              </a:rPr>
-              <a:t>img_dilation</a:t>
-            </a:r>
-            <a:r>
-              <a:rPr lang="en-IN" b="0" dirty="0">
-                <a:effectLst/>
-                <a:latin typeface="Times New Roman" panose="02020603050405020304" pitchFamily="18" charset="0"/>
-                <a:cs typeface="Times New Roman" panose="02020603050405020304" pitchFamily="18" charset="0"/>
-              </a:rPr>
-              <a:t>, kernel, iterations=1)</a:t>
-            </a:r>
-          </a:p>
-          <a:p>
-            <a:r>
-              <a:rPr lang="en-IN" b="0" dirty="0">
-                <a:effectLst/>
-                <a:latin typeface="Times New Roman" panose="02020603050405020304" pitchFamily="18" charset="0"/>
-                <a:cs typeface="Times New Roman" panose="02020603050405020304" pitchFamily="18" charset="0"/>
-              </a:rPr>
-              <a:t>    </a:t>
-            </a:r>
-            <a:r>
-              <a:rPr lang="en-IN" b="0" dirty="0" err="1">
-                <a:effectLst/>
-                <a:latin typeface="Times New Roman" panose="02020603050405020304" pitchFamily="18" charset="0"/>
-                <a:cs typeface="Times New Roman" panose="02020603050405020304" pitchFamily="18" charset="0"/>
-              </a:rPr>
-              <a:t>img_erode</a:t>
-            </a:r>
-            <a:r>
-              <a:rPr lang="en-IN" b="0" dirty="0">
-                <a:effectLst/>
-                <a:latin typeface="Times New Roman" panose="02020603050405020304" pitchFamily="18" charset="0"/>
-                <a:cs typeface="Times New Roman" panose="02020603050405020304" pitchFamily="18" charset="0"/>
-              </a:rPr>
-              <a:t> = cv2.medianBlur(</a:t>
-            </a:r>
-            <a:r>
-              <a:rPr lang="en-IN" b="0" dirty="0" err="1">
-                <a:effectLst/>
-                <a:latin typeface="Times New Roman" panose="02020603050405020304" pitchFamily="18" charset="0"/>
-                <a:cs typeface="Times New Roman" panose="02020603050405020304" pitchFamily="18" charset="0"/>
-              </a:rPr>
-              <a:t>img_erode</a:t>
-            </a:r>
-            <a:r>
-              <a:rPr lang="en-IN" b="0" dirty="0">
-                <a:effectLst/>
-                <a:latin typeface="Times New Roman" panose="02020603050405020304" pitchFamily="18" charset="0"/>
-                <a:cs typeface="Times New Roman" panose="02020603050405020304" pitchFamily="18" charset="0"/>
-              </a:rPr>
-              <a:t>, 7)</a:t>
-            </a:r>
-          </a:p>
-          <a:p>
-            <a:r>
-              <a:rPr lang="en-IN" b="0" dirty="0">
-                <a:effectLst/>
-                <a:latin typeface="Times New Roman" panose="02020603050405020304" pitchFamily="18" charset="0"/>
-                <a:cs typeface="Times New Roman" panose="02020603050405020304" pitchFamily="18" charset="0"/>
-              </a:rPr>
-              <a:t>    return </a:t>
-            </a:r>
-            <a:r>
-              <a:rPr lang="en-IN" b="0" dirty="0" err="1">
-                <a:effectLst/>
-                <a:latin typeface="Times New Roman" panose="02020603050405020304" pitchFamily="18" charset="0"/>
-                <a:cs typeface="Times New Roman" panose="02020603050405020304" pitchFamily="18" charset="0"/>
-              </a:rPr>
-              <a:t>img_erode</a:t>
-            </a:r>
-            <a:endParaRPr lang="en-IN" b="0" dirty="0">
-              <a:effectLst/>
-              <a:latin typeface="Times New Roman" panose="02020603050405020304" pitchFamily="18" charset="0"/>
-              <a:cs typeface="Times New Roman" panose="02020603050405020304" pitchFamily="18" charset="0"/>
-            </a:endParaRPr>
-          </a:p>
-          <a:p>
-            <a:r>
-              <a:rPr lang="en-IN" b="0" dirty="0">
-                <a:effectLst/>
-                <a:latin typeface="Times New Roman" panose="02020603050405020304" pitchFamily="18" charset="0"/>
-                <a:cs typeface="Times New Roman" panose="02020603050405020304" pitchFamily="18" charset="0"/>
-              </a:rPr>
-              <a:t>def </a:t>
-            </a:r>
-            <a:r>
-              <a:rPr lang="en-IN" b="0" dirty="0" err="1">
-                <a:effectLst/>
-                <a:latin typeface="Times New Roman" panose="02020603050405020304" pitchFamily="18" charset="0"/>
-                <a:cs typeface="Times New Roman" panose="02020603050405020304" pitchFamily="18" charset="0"/>
-              </a:rPr>
-              <a:t>labeling</a:t>
-            </a:r>
-            <a:r>
-              <a:rPr lang="en-IN" b="0" dirty="0">
-                <a:effectLst/>
-                <a:latin typeface="Times New Roman" panose="02020603050405020304" pitchFamily="18" charset="0"/>
-                <a:cs typeface="Times New Roman" panose="02020603050405020304" pitchFamily="18" charset="0"/>
-              </a:rPr>
-              <a:t>(image):</a:t>
-            </a:r>
-          </a:p>
-          <a:p>
-            <a:r>
-              <a:rPr lang="en-IN" b="0" dirty="0">
-                <a:effectLst/>
-                <a:latin typeface="Times New Roman" panose="02020603050405020304" pitchFamily="18" charset="0"/>
-                <a:cs typeface="Times New Roman" panose="02020603050405020304" pitchFamily="18" charset="0"/>
-              </a:rPr>
-              <a:t>    contours, _ = cv2.findContours(image, cv2.RETR_EXTERNAL, cv2.CHAIN_APPROX_SIMPLE)</a:t>
-            </a:r>
-          </a:p>
-          <a:p>
-            <a:r>
-              <a:rPr lang="en-IN" b="0" dirty="0">
-                <a:effectLst/>
-                <a:latin typeface="Times New Roman" panose="02020603050405020304" pitchFamily="18" charset="0"/>
-                <a:cs typeface="Times New Roman" panose="02020603050405020304" pitchFamily="18" charset="0"/>
-              </a:rPr>
-              <a:t>    </a:t>
-            </a:r>
-            <a:r>
-              <a:rPr lang="en-IN" b="0" dirty="0" err="1">
-                <a:effectLst/>
-                <a:latin typeface="Times New Roman" panose="02020603050405020304" pitchFamily="18" charset="0"/>
-                <a:cs typeface="Times New Roman" panose="02020603050405020304" pitchFamily="18" charset="0"/>
-              </a:rPr>
-              <a:t>labeled_img</a:t>
-            </a:r>
-            <a:r>
-              <a:rPr lang="en-IN" b="0" dirty="0">
-                <a:effectLst/>
-                <a:latin typeface="Times New Roman" panose="02020603050405020304" pitchFamily="18" charset="0"/>
-                <a:cs typeface="Times New Roman" panose="02020603050405020304" pitchFamily="18" charset="0"/>
-              </a:rPr>
-              <a:t> = cv2.drawContours(</a:t>
-            </a:r>
-            <a:r>
-              <a:rPr lang="en-IN" b="0" dirty="0" err="1">
-                <a:effectLst/>
-                <a:latin typeface="Times New Roman" panose="02020603050405020304" pitchFamily="18" charset="0"/>
-                <a:cs typeface="Times New Roman" panose="02020603050405020304" pitchFamily="18" charset="0"/>
-              </a:rPr>
-              <a:t>np.zeros_like</a:t>
-            </a:r>
-            <a:r>
-              <a:rPr lang="en-IN" b="0" dirty="0">
-                <a:effectLst/>
-                <a:latin typeface="Times New Roman" panose="02020603050405020304" pitchFamily="18" charset="0"/>
-                <a:cs typeface="Times New Roman" panose="02020603050405020304" pitchFamily="18" charset="0"/>
-              </a:rPr>
-              <a:t>(image), contours, -1, (255), thickness=cv2.FILLED)</a:t>
-            </a:r>
-          </a:p>
-          <a:p>
-            <a:r>
-              <a:rPr lang="en-IN" b="0" dirty="0">
-                <a:effectLst/>
-                <a:latin typeface="Times New Roman" panose="02020603050405020304" pitchFamily="18" charset="0"/>
-                <a:cs typeface="Times New Roman" panose="02020603050405020304" pitchFamily="18" charset="0"/>
-              </a:rPr>
-              <a:t>    count = </a:t>
-            </a:r>
-            <a:r>
-              <a:rPr lang="en-IN" b="0" dirty="0" err="1">
-                <a:effectLst/>
-                <a:latin typeface="Times New Roman" panose="02020603050405020304" pitchFamily="18" charset="0"/>
-                <a:cs typeface="Times New Roman" panose="02020603050405020304" pitchFamily="18" charset="0"/>
-              </a:rPr>
-              <a:t>len</a:t>
-            </a:r>
-            <a:r>
-              <a:rPr lang="en-IN" b="0" dirty="0">
-                <a:effectLst/>
-                <a:latin typeface="Times New Roman" panose="02020603050405020304" pitchFamily="18" charset="0"/>
-                <a:cs typeface="Times New Roman" panose="02020603050405020304" pitchFamily="18" charset="0"/>
-              </a:rPr>
-              <a:t>(contours)</a:t>
-            </a:r>
-          </a:p>
-          <a:p>
-            <a:r>
-              <a:rPr lang="en-IN" b="0" dirty="0">
-                <a:effectLst/>
-                <a:latin typeface="Times New Roman" panose="02020603050405020304" pitchFamily="18" charset="0"/>
-                <a:cs typeface="Times New Roman" panose="02020603050405020304" pitchFamily="18" charset="0"/>
-              </a:rPr>
-              <a:t>    </a:t>
-            </a:r>
-            <a:r>
-              <a:rPr lang="en-IN" b="0" dirty="0" err="1">
-                <a:effectLst/>
-                <a:latin typeface="Times New Roman" panose="02020603050405020304" pitchFamily="18" charset="0"/>
-                <a:cs typeface="Times New Roman" panose="02020603050405020304" pitchFamily="18" charset="0"/>
-              </a:rPr>
-              <a:t>plt.title</a:t>
-            </a:r>
-            <a:r>
-              <a:rPr lang="en-IN" b="0" dirty="0">
-                <a:effectLst/>
-                <a:latin typeface="Times New Roman" panose="02020603050405020304" pitchFamily="18" charset="0"/>
-                <a:cs typeface="Times New Roman" panose="02020603050405020304" pitchFamily="18" charset="0"/>
-              </a:rPr>
-              <a:t>('People counted in this image: ' + str(count))</a:t>
-            </a:r>
-          </a:p>
-          <a:p>
-            <a:r>
-              <a:rPr lang="en-IN" b="0" dirty="0">
-                <a:effectLst/>
-                <a:latin typeface="Times New Roman" panose="02020603050405020304" pitchFamily="18" charset="0"/>
-                <a:cs typeface="Times New Roman" panose="02020603050405020304" pitchFamily="18" charset="0"/>
-              </a:rPr>
-              <a:t>    </a:t>
-            </a:r>
-            <a:r>
-              <a:rPr lang="en-IN" b="0" dirty="0" err="1">
-                <a:effectLst/>
-                <a:latin typeface="Times New Roman" panose="02020603050405020304" pitchFamily="18" charset="0"/>
-                <a:cs typeface="Times New Roman" panose="02020603050405020304" pitchFamily="18" charset="0"/>
-              </a:rPr>
-              <a:t>plt.imshow</a:t>
-            </a:r>
-            <a:r>
-              <a:rPr lang="en-IN" b="0" dirty="0">
-                <a:effectLst/>
-                <a:latin typeface="Times New Roman" panose="02020603050405020304" pitchFamily="18" charset="0"/>
-                <a:cs typeface="Times New Roman" panose="02020603050405020304" pitchFamily="18" charset="0"/>
-              </a:rPr>
-              <a:t>(</a:t>
-            </a:r>
-            <a:r>
-              <a:rPr lang="en-IN" b="0" dirty="0" err="1">
-                <a:effectLst/>
-                <a:latin typeface="Times New Roman" panose="02020603050405020304" pitchFamily="18" charset="0"/>
-                <a:cs typeface="Times New Roman" panose="02020603050405020304" pitchFamily="18" charset="0"/>
-              </a:rPr>
-              <a:t>labeled_img</a:t>
-            </a:r>
-            <a:r>
-              <a:rPr lang="en-IN" b="0" dirty="0">
-                <a:effectLst/>
-                <a:latin typeface="Times New Roman" panose="02020603050405020304" pitchFamily="18" charset="0"/>
-                <a:cs typeface="Times New Roman" panose="02020603050405020304" pitchFamily="18" charset="0"/>
-              </a:rPr>
-              <a:t>, </a:t>
-            </a:r>
-            <a:r>
-              <a:rPr lang="en-IN" b="0" dirty="0" err="1">
-                <a:effectLst/>
-                <a:latin typeface="Times New Roman" panose="02020603050405020304" pitchFamily="18" charset="0"/>
-                <a:cs typeface="Times New Roman" panose="02020603050405020304" pitchFamily="18" charset="0"/>
-              </a:rPr>
-              <a:t>cmap</a:t>
-            </a:r>
-            <a:r>
-              <a:rPr lang="en-IN" b="0" dirty="0">
-                <a:effectLst/>
-                <a:latin typeface="Times New Roman" panose="02020603050405020304" pitchFamily="18" charset="0"/>
-                <a:cs typeface="Times New Roman" panose="02020603050405020304" pitchFamily="18" charset="0"/>
-              </a:rPr>
-              <a:t>='</a:t>
-            </a:r>
-            <a:r>
-              <a:rPr lang="en-IN" b="0" dirty="0" err="1">
-                <a:effectLst/>
-                <a:latin typeface="Times New Roman" panose="02020603050405020304" pitchFamily="18" charset="0"/>
-                <a:cs typeface="Times New Roman" panose="02020603050405020304" pitchFamily="18" charset="0"/>
-              </a:rPr>
-              <a:t>gray</a:t>
-            </a:r>
-            <a:r>
-              <a:rPr lang="en-IN" b="0" dirty="0">
-                <a:effectLst/>
-                <a:latin typeface="Times New Roman" panose="02020603050405020304" pitchFamily="18" charset="0"/>
-                <a:cs typeface="Times New Roman" panose="02020603050405020304" pitchFamily="18" charset="0"/>
-              </a:rPr>
-              <a:t>')</a:t>
-            </a:r>
-          </a:p>
-          <a:p>
-            <a:r>
-              <a:rPr lang="en-IN" b="0" dirty="0">
-                <a:effectLst/>
-                <a:latin typeface="Times New Roman" panose="02020603050405020304" pitchFamily="18" charset="0"/>
-                <a:cs typeface="Times New Roman" panose="02020603050405020304" pitchFamily="18" charset="0"/>
-              </a:rPr>
-              <a:t>    </a:t>
-            </a:r>
-            <a:r>
-              <a:rPr lang="en-IN" b="0" dirty="0" err="1">
-                <a:effectLst/>
-                <a:latin typeface="Times New Roman" panose="02020603050405020304" pitchFamily="18" charset="0"/>
-                <a:cs typeface="Times New Roman" panose="02020603050405020304" pitchFamily="18" charset="0"/>
-              </a:rPr>
-              <a:t>plt.show</a:t>
-            </a:r>
-            <a:r>
-              <a:rPr lang="en-IN" b="0" dirty="0">
-                <a:effectLst/>
-                <a:latin typeface="Times New Roman" panose="02020603050405020304" pitchFamily="18" charset="0"/>
-                <a:cs typeface="Times New Roman" panose="02020603050405020304" pitchFamily="18" charset="0"/>
-              </a:rPr>
-              <a:t>()</a:t>
-            </a:r>
-          </a:p>
-          <a:p>
-            <a:r>
-              <a:rPr lang="en-IN" b="0" dirty="0">
-                <a:effectLst/>
-                <a:latin typeface="Times New Roman" panose="02020603050405020304" pitchFamily="18" charset="0"/>
-                <a:cs typeface="Times New Roman" panose="02020603050405020304" pitchFamily="18" charset="0"/>
-              </a:rPr>
-              <a:t>    return count</a:t>
-            </a:r>
-          </a:p>
-          <a:p>
-            <a:r>
-              <a:rPr lang="en-IN" b="0" dirty="0" err="1">
-                <a:effectLst/>
-                <a:latin typeface="Times New Roman" panose="02020603050405020304" pitchFamily="18" charset="0"/>
-                <a:cs typeface="Times New Roman" panose="02020603050405020304" pitchFamily="18" charset="0"/>
-              </a:rPr>
-              <a:t>image_paths</a:t>
-            </a:r>
-            <a:r>
-              <a:rPr lang="en-IN" b="0" dirty="0">
-                <a:effectLst/>
-                <a:latin typeface="Times New Roman" panose="02020603050405020304" pitchFamily="18" charset="0"/>
-                <a:cs typeface="Times New Roman" panose="02020603050405020304" pitchFamily="18" charset="0"/>
-              </a:rPr>
-              <a:t> = [ '/content/drive/</a:t>
-            </a:r>
-            <a:r>
-              <a:rPr lang="en-IN" b="0" dirty="0" err="1">
-                <a:effectLst/>
-                <a:latin typeface="Times New Roman" panose="02020603050405020304" pitchFamily="18" charset="0"/>
-                <a:cs typeface="Times New Roman" panose="02020603050405020304" pitchFamily="18" charset="0"/>
-              </a:rPr>
-              <a:t>MyDrive</a:t>
-            </a:r>
-            <a:r>
-              <a:rPr lang="en-IN" b="0" dirty="0">
-                <a:effectLst/>
-                <a:latin typeface="Times New Roman" panose="02020603050405020304" pitchFamily="18" charset="0"/>
-                <a:cs typeface="Times New Roman" panose="02020603050405020304" pitchFamily="18" charset="0"/>
-              </a:rPr>
-              <a:t>/object count in  images/code/frames/frames/seq_000001.jpg']</a:t>
-            </a:r>
-          </a:p>
-          <a:p>
-            <a:r>
-              <a:rPr lang="en-IN" b="0" dirty="0" err="1">
-                <a:effectLst/>
-                <a:latin typeface="Times New Roman" panose="02020603050405020304" pitchFamily="18" charset="0"/>
-                <a:cs typeface="Times New Roman" panose="02020603050405020304" pitchFamily="18" charset="0"/>
-              </a:rPr>
-              <a:t>total_people_count</a:t>
-            </a:r>
-            <a:r>
-              <a:rPr lang="en-IN" b="0" dirty="0">
-                <a:effectLst/>
-                <a:latin typeface="Times New Roman" panose="02020603050405020304" pitchFamily="18" charset="0"/>
-                <a:cs typeface="Times New Roman" panose="02020603050405020304" pitchFamily="18" charset="0"/>
-              </a:rPr>
-              <a:t> = 0</a:t>
-            </a:r>
-          </a:p>
-          <a:p>
-            <a:endParaRPr lang="en-IN" b="0" dirty="0">
-              <a:effectLst/>
-              <a:latin typeface="Times New Roman" panose="02020603050405020304" pitchFamily="18" charset="0"/>
-              <a:cs typeface="Times New Roman" panose="02020603050405020304" pitchFamily="18" charset="0"/>
-            </a:endParaRPr>
-          </a:p>
         </p:txBody>
       </p:sp>
+      <p:pic>
+        <p:nvPicPr>
+          <p:cNvPr id="3" name="Picture 2">
+            <a:extLst>
+              <a:ext uri="{FF2B5EF4-FFF2-40B4-BE49-F238E27FC236}">
+                <a16:creationId xmlns:a16="http://schemas.microsoft.com/office/drawing/2014/main" id="{2A0E8B63-74FC-0E23-319D-32914A7796A9}"/>
+              </a:ext>
+            </a:extLst>
+          </p:cNvPr>
+          <p:cNvPicPr>
+            <a:picLocks noChangeAspect="1"/>
+          </p:cNvPicPr>
+          <p:nvPr/>
+        </p:nvPicPr>
+        <p:blipFill>
+          <a:blip r:embed="rId2">
+            <a:extLst>
+              <a:ext uri="{28A0092B-C50C-407E-A947-70E740481C1C}">
+                <a14:useLocalDpi xmlns:a14="http://schemas.microsoft.com/office/drawing/2010/main" val="0"/>
+              </a:ext>
+            </a:extLst>
+          </a:blip>
+          <a:stretch>
+            <a:fillRect/>
+          </a:stretch>
+        </p:blipFill>
+        <p:spPr>
+          <a:xfrm>
+            <a:off x="4980493" y="199663"/>
+            <a:ext cx="6287135" cy="6458673"/>
+          </a:xfrm>
+          <a:prstGeom prst="rect">
+            <a:avLst/>
+          </a:prstGeom>
+        </p:spPr>
+      </p:pic>
     </p:spTree>
     <p:extLst>
       <p:ext uri="{BB962C8B-B14F-4D97-AF65-F5344CB8AC3E}">
-        <p14:creationId xmlns:p14="http://schemas.microsoft.com/office/powerpoint/2010/main" val="444569392"/>
+        <p14:creationId xmlns:p14="http://schemas.microsoft.com/office/powerpoint/2010/main" val="2127378205"/>
       </p:ext>
     </p:extLst>
   </p:cSld>
@@ -7634,1039 +7097,187 @@
           <a:chExt cx="0" cy="0"/>
         </a:xfrm>
       </p:grpSpPr>
-      <p:sp>
-        <p:nvSpPr>
-          <p:cNvPr id="3" name="TextBox 2">
-            <a:extLst>
-              <a:ext uri="{FF2B5EF4-FFF2-40B4-BE49-F238E27FC236}">
-                <a16:creationId xmlns:a16="http://schemas.microsoft.com/office/drawing/2014/main" id="{053A41B1-2826-5357-8378-D21843F492E4}"/>
-              </a:ext>
-            </a:extLst>
-          </p:cNvPr>
-          <p:cNvSpPr txBox="1"/>
+      <p:grpSp>
+        <p:nvGrpSpPr>
+          <p:cNvPr id="4" name="Group 3">
+            <a:extLst>
+              <a:ext uri="{FF2B5EF4-FFF2-40B4-BE49-F238E27FC236}">
+                <a16:creationId xmlns:a16="http://schemas.microsoft.com/office/drawing/2014/main" id="{5E344E79-5C32-49B8-0CC8-063E87520CDA}"/>
+              </a:ext>
+            </a:extLst>
+          </p:cNvPr>
+          <p:cNvGrpSpPr/>
           <p:nvPr/>
-        </p:nvSpPr>
+        </p:nvGrpSpPr>
+        <p:grpSpPr>
+          <a:xfrm>
+            <a:off x="7649497" y="0"/>
+            <a:ext cx="4542503" cy="6858000"/>
+            <a:chOff x="0" y="0"/>
+            <a:chExt cx="4542503" cy="6858000"/>
+          </a:xfrm>
+        </p:grpSpPr>
+        <p:sp>
+          <p:nvSpPr>
+            <p:cNvPr id="16" name="Rectangle 15">
+              <a:extLst>
+                <a:ext uri="{FF2B5EF4-FFF2-40B4-BE49-F238E27FC236}">
+                  <a16:creationId xmlns:a16="http://schemas.microsoft.com/office/drawing/2014/main" id="{8EF7FDC5-A67B-ADEC-AE30-579FF23A664A}"/>
+                </a:ext>
+              </a:extLst>
+            </p:cNvPr>
+            <p:cNvSpPr/>
+            <p:nvPr/>
+          </p:nvSpPr>
+          <p:spPr>
+            <a:xfrm>
+              <a:off x="0" y="0"/>
+              <a:ext cx="4542503" cy="6858000"/>
+            </a:xfrm>
+            <a:prstGeom prst="rect">
+              <a:avLst/>
+            </a:prstGeom>
+            <a:solidFill>
+              <a:srgbClr val="0062FF"/>
+            </a:solidFill>
+            <a:ln>
+              <a:noFill/>
+            </a:ln>
+            <a:effectLst>
+              <a:softEdge rad="0"/>
+            </a:effectLst>
+          </p:spPr>
+          <p:style>
+            <a:lnRef idx="2">
+              <a:schemeClr val="accent1">
+                <a:shade val="50000"/>
+              </a:schemeClr>
+            </a:lnRef>
+            <a:fillRef idx="1">
+              <a:schemeClr val="accent1"/>
+            </a:fillRef>
+            <a:effectRef idx="0">
+              <a:schemeClr val="accent1"/>
+            </a:effectRef>
+            <a:fontRef idx="minor">
+              <a:schemeClr val="lt1"/>
+            </a:fontRef>
+          </p:style>
+          <p:txBody>
+            <a:bodyPr rtlCol="0" anchor="ctr"/>
+            <a:lstStyle/>
+            <a:p>
+              <a:pPr algn="ctr"/>
+              <a:endParaRPr lang="en-US" dirty="0">
+                <a:latin typeface="Times New Roman" panose="02020603050405020304" pitchFamily="18" charset="0"/>
+                <a:cs typeface="Times New Roman" panose="02020603050405020304" pitchFamily="18" charset="0"/>
+              </a:endParaRPr>
+            </a:p>
+          </p:txBody>
+        </p:sp>
+        <p:sp>
+          <p:nvSpPr>
+            <p:cNvPr id="15" name="TextBox 14">
+              <a:extLst>
+                <a:ext uri="{FF2B5EF4-FFF2-40B4-BE49-F238E27FC236}">
+                  <a16:creationId xmlns:a16="http://schemas.microsoft.com/office/drawing/2014/main" id="{28AA64B8-C73F-98D4-BBE3-032589E475D9}"/>
+                </a:ext>
+              </a:extLst>
+            </p:cNvPr>
+            <p:cNvSpPr txBox="1"/>
+            <p:nvPr/>
+          </p:nvSpPr>
+          <p:spPr>
+            <a:xfrm>
+              <a:off x="658760" y="2528839"/>
+              <a:ext cx="3224981" cy="1569660"/>
+            </a:xfrm>
+            <a:prstGeom prst="rect">
+              <a:avLst/>
+            </a:prstGeom>
+            <a:noFill/>
+          </p:spPr>
+          <p:txBody>
+            <a:bodyPr wrap="square">
+              <a:spAutoFit/>
+            </a:bodyPr>
+            <a:lstStyle/>
+            <a:p>
+              <a:pPr algn="ctr"/>
+              <a:r>
+                <a:rPr lang="en-US" sz="4800" b="1" dirty="0">
+                  <a:solidFill>
+                    <a:schemeClr val="bg1"/>
+                  </a:solidFill>
+                  <a:latin typeface="Times New Roman" panose="02020603050405020304" pitchFamily="18" charset="0"/>
+                  <a:cs typeface="Times New Roman" panose="02020603050405020304" pitchFamily="18" charset="0"/>
+                </a:rPr>
+                <a:t>Class</a:t>
+              </a:r>
+            </a:p>
+            <a:p>
+              <a:pPr algn="ctr"/>
+              <a:r>
+                <a:rPr lang="en-US" sz="4800" b="1" dirty="0">
+                  <a:solidFill>
+                    <a:schemeClr val="bg1"/>
+                  </a:solidFill>
+                  <a:latin typeface="Times New Roman" panose="02020603050405020304" pitchFamily="18" charset="0"/>
+                  <a:cs typeface="Times New Roman" panose="02020603050405020304" pitchFamily="18" charset="0"/>
+                </a:rPr>
+                <a:t>Diagram</a:t>
+              </a:r>
+              <a:endParaRPr lang="en-IN" sz="4800" b="1" dirty="0">
+                <a:solidFill>
+                  <a:schemeClr val="bg1"/>
+                </a:solidFill>
+                <a:latin typeface="Times New Roman" panose="02020603050405020304" pitchFamily="18" charset="0"/>
+                <a:cs typeface="Times New Roman" panose="02020603050405020304" pitchFamily="18" charset="0"/>
+              </a:endParaRPr>
+            </a:p>
+          </p:txBody>
+        </p:sp>
+      </p:grpSp>
+      <p:pic>
+        <p:nvPicPr>
+          <p:cNvPr id="2" name="Picture 1">
+            <a:extLst>
+              <a:ext uri="{FF2B5EF4-FFF2-40B4-BE49-F238E27FC236}">
+                <a16:creationId xmlns:a16="http://schemas.microsoft.com/office/drawing/2014/main" id="{02A4986F-E36F-2362-7709-79275187A498}"/>
+              </a:ext>
+            </a:extLst>
+          </p:cNvPr>
+          <p:cNvPicPr>
+            <a:picLocks noChangeAspect="1"/>
+          </p:cNvPicPr>
+          <p:nvPr/>
+        </p:nvPicPr>
+        <p:blipFill>
+          <a:blip r:embed="rId2">
+            <a:extLst>
+              <a:ext uri="{28A0092B-C50C-407E-A947-70E740481C1C}">
+                <a14:useLocalDpi xmlns:a14="http://schemas.microsoft.com/office/drawing/2010/main" val="0"/>
+              </a:ext>
+            </a:extLst>
+          </a:blip>
+          <a:stretch>
+            <a:fillRect/>
+          </a:stretch>
+        </p:blipFill>
         <p:spPr>
           <a:xfrm>
-            <a:off x="243068" y="590885"/>
-            <a:ext cx="12192000" cy="5355312"/>
+            <a:off x="184813" y="690987"/>
+            <a:ext cx="7269659" cy="5476026"/>
           </a:xfrm>
           <a:prstGeom prst="rect">
             <a:avLst/>
           </a:prstGeom>
-          <a:noFill/>
         </p:spPr>
-        <p:txBody>
-          <a:bodyPr wrap="square">
-            <a:spAutoFit/>
-          </a:bodyPr>
-          <a:lstStyle/>
-          <a:p>
-            <a:r>
-              <a:rPr lang="en-IN" b="0" dirty="0">
-                <a:effectLst/>
-                <a:latin typeface="Times New Roman" panose="02020603050405020304" pitchFamily="18" charset="0"/>
-                <a:cs typeface="Times New Roman" panose="02020603050405020304" pitchFamily="18" charset="0"/>
-              </a:rPr>
-              <a:t>for </a:t>
-            </a:r>
-            <a:r>
-              <a:rPr lang="en-IN" b="0" dirty="0" err="1">
-                <a:effectLst/>
-                <a:latin typeface="Times New Roman" panose="02020603050405020304" pitchFamily="18" charset="0"/>
-                <a:cs typeface="Times New Roman" panose="02020603050405020304" pitchFamily="18" charset="0"/>
-              </a:rPr>
-              <a:t>i</a:t>
-            </a:r>
-            <a:r>
-              <a:rPr lang="en-IN" b="0" dirty="0">
-                <a:effectLst/>
-                <a:latin typeface="Times New Roman" panose="02020603050405020304" pitchFamily="18" charset="0"/>
-                <a:cs typeface="Times New Roman" panose="02020603050405020304" pitchFamily="18" charset="0"/>
-              </a:rPr>
-              <a:t>, </a:t>
-            </a:r>
-            <a:r>
-              <a:rPr lang="en-IN" b="0" dirty="0" err="1">
-                <a:effectLst/>
-                <a:latin typeface="Times New Roman" panose="02020603050405020304" pitchFamily="18" charset="0"/>
-                <a:cs typeface="Times New Roman" panose="02020603050405020304" pitchFamily="18" charset="0"/>
-              </a:rPr>
-              <a:t>img_path</a:t>
-            </a:r>
-            <a:r>
-              <a:rPr lang="en-IN" b="0" dirty="0">
-                <a:effectLst/>
-                <a:latin typeface="Times New Roman" panose="02020603050405020304" pitchFamily="18" charset="0"/>
-                <a:cs typeface="Times New Roman" panose="02020603050405020304" pitchFamily="18" charset="0"/>
-              </a:rPr>
-              <a:t> in enumerate(</a:t>
-            </a:r>
-            <a:r>
-              <a:rPr lang="en-IN" b="0" dirty="0" err="1">
-                <a:effectLst/>
-                <a:latin typeface="Times New Roman" panose="02020603050405020304" pitchFamily="18" charset="0"/>
-                <a:cs typeface="Times New Roman" panose="02020603050405020304" pitchFamily="18" charset="0"/>
-              </a:rPr>
-              <a:t>image_paths</a:t>
-            </a:r>
-            <a:r>
-              <a:rPr lang="en-IN" b="0" dirty="0">
-                <a:effectLst/>
-                <a:latin typeface="Times New Roman" panose="02020603050405020304" pitchFamily="18" charset="0"/>
-                <a:cs typeface="Times New Roman" panose="02020603050405020304" pitchFamily="18" charset="0"/>
-              </a:rPr>
-              <a:t>):</a:t>
-            </a:r>
-          </a:p>
-          <a:p>
-            <a:r>
-              <a:rPr lang="en-IN" b="0" dirty="0">
-                <a:effectLst/>
-                <a:latin typeface="Times New Roman" panose="02020603050405020304" pitchFamily="18" charset="0"/>
-                <a:cs typeface="Times New Roman" panose="02020603050405020304" pitchFamily="18" charset="0"/>
-              </a:rPr>
-              <a:t>    </a:t>
-            </a:r>
-            <a:r>
-              <a:rPr lang="en-IN" b="0" dirty="0" err="1">
-                <a:effectLst/>
-                <a:latin typeface="Times New Roman" panose="02020603050405020304" pitchFamily="18" charset="0"/>
-                <a:cs typeface="Times New Roman" panose="02020603050405020304" pitchFamily="18" charset="0"/>
-              </a:rPr>
-              <a:t>img</a:t>
-            </a:r>
-            <a:r>
-              <a:rPr lang="en-IN" b="0" dirty="0">
-                <a:effectLst/>
-                <a:latin typeface="Times New Roman" panose="02020603050405020304" pitchFamily="18" charset="0"/>
-                <a:cs typeface="Times New Roman" panose="02020603050405020304" pitchFamily="18" charset="0"/>
-              </a:rPr>
-              <a:t> = cv2.imread(</a:t>
-            </a:r>
-            <a:r>
-              <a:rPr lang="en-IN" b="0" dirty="0" err="1">
-                <a:effectLst/>
-                <a:latin typeface="Times New Roman" panose="02020603050405020304" pitchFamily="18" charset="0"/>
-                <a:cs typeface="Times New Roman" panose="02020603050405020304" pitchFamily="18" charset="0"/>
-              </a:rPr>
-              <a:t>img_path</a:t>
-            </a:r>
-            <a:r>
-              <a:rPr lang="en-IN" b="0" dirty="0">
-                <a:effectLst/>
-                <a:latin typeface="Times New Roman" panose="02020603050405020304" pitchFamily="18" charset="0"/>
-                <a:cs typeface="Times New Roman" panose="02020603050405020304" pitchFamily="18" charset="0"/>
-              </a:rPr>
-              <a:t>, cv2.IMREAD_GRAYSCALE)</a:t>
-            </a:r>
-          </a:p>
-          <a:p>
-            <a:r>
-              <a:rPr lang="en-IN" b="0" dirty="0">
-                <a:effectLst/>
-                <a:latin typeface="Times New Roman" panose="02020603050405020304" pitchFamily="18" charset="0"/>
-                <a:cs typeface="Times New Roman" panose="02020603050405020304" pitchFamily="18" charset="0"/>
-              </a:rPr>
-              <a:t>    if </a:t>
-            </a:r>
-            <a:r>
-              <a:rPr lang="en-IN" b="0" dirty="0" err="1">
-                <a:effectLst/>
-                <a:latin typeface="Times New Roman" panose="02020603050405020304" pitchFamily="18" charset="0"/>
-                <a:cs typeface="Times New Roman" panose="02020603050405020304" pitchFamily="18" charset="0"/>
-              </a:rPr>
-              <a:t>img</a:t>
-            </a:r>
-            <a:r>
-              <a:rPr lang="en-IN" b="0" dirty="0">
-                <a:effectLst/>
-                <a:latin typeface="Times New Roman" panose="02020603050405020304" pitchFamily="18" charset="0"/>
-                <a:cs typeface="Times New Roman" panose="02020603050405020304" pitchFamily="18" charset="0"/>
-              </a:rPr>
-              <a:t> is None:</a:t>
-            </a:r>
-          </a:p>
-          <a:p>
-            <a:r>
-              <a:rPr lang="en-IN" b="0" dirty="0">
-                <a:effectLst/>
-                <a:latin typeface="Times New Roman" panose="02020603050405020304" pitchFamily="18" charset="0"/>
-                <a:cs typeface="Times New Roman" panose="02020603050405020304" pitchFamily="18" charset="0"/>
-              </a:rPr>
-              <a:t>        print(</a:t>
-            </a:r>
-            <a:r>
-              <a:rPr lang="en-IN" b="0" dirty="0" err="1">
-                <a:effectLst/>
-                <a:latin typeface="Times New Roman" panose="02020603050405020304" pitchFamily="18" charset="0"/>
-                <a:cs typeface="Times New Roman" panose="02020603050405020304" pitchFamily="18" charset="0"/>
-              </a:rPr>
-              <a:t>f"Error</a:t>
-            </a:r>
-            <a:r>
-              <a:rPr lang="en-IN" b="0" dirty="0">
-                <a:effectLst/>
-                <a:latin typeface="Times New Roman" panose="02020603050405020304" pitchFamily="18" charset="0"/>
-                <a:cs typeface="Times New Roman" panose="02020603050405020304" pitchFamily="18" charset="0"/>
-              </a:rPr>
-              <a:t>: Unable to load image at path: {</a:t>
-            </a:r>
-            <a:r>
-              <a:rPr lang="en-IN" b="0" dirty="0" err="1">
-                <a:effectLst/>
-                <a:latin typeface="Times New Roman" panose="02020603050405020304" pitchFamily="18" charset="0"/>
-                <a:cs typeface="Times New Roman" panose="02020603050405020304" pitchFamily="18" charset="0"/>
-              </a:rPr>
-              <a:t>img_path</a:t>
-            </a:r>
-            <a:r>
-              <a:rPr lang="en-IN" b="0" dirty="0">
-                <a:effectLst/>
-                <a:latin typeface="Times New Roman" panose="02020603050405020304" pitchFamily="18" charset="0"/>
-                <a:cs typeface="Times New Roman" panose="02020603050405020304" pitchFamily="18" charset="0"/>
-              </a:rPr>
-              <a:t>}")</a:t>
-            </a:r>
-          </a:p>
-          <a:p>
-            <a:r>
-              <a:rPr lang="en-IN" b="0" dirty="0">
-                <a:effectLst/>
-                <a:latin typeface="Times New Roman" panose="02020603050405020304" pitchFamily="18" charset="0"/>
-                <a:cs typeface="Times New Roman" panose="02020603050405020304" pitchFamily="18" charset="0"/>
-              </a:rPr>
-              <a:t>        continue</a:t>
-            </a:r>
-          </a:p>
-          <a:p>
-            <a:r>
-              <a:rPr lang="en-IN" b="0" dirty="0">
-                <a:effectLst/>
-                <a:latin typeface="Times New Roman" panose="02020603050405020304" pitchFamily="18" charset="0"/>
-                <a:cs typeface="Times New Roman" panose="02020603050405020304" pitchFamily="18" charset="0"/>
-              </a:rPr>
-              <a:t>    </a:t>
-            </a:r>
-            <a:r>
-              <a:rPr lang="en-IN" b="0" dirty="0" err="1">
-                <a:effectLst/>
-                <a:latin typeface="Times New Roman" panose="02020603050405020304" pitchFamily="18" charset="0"/>
-                <a:cs typeface="Times New Roman" panose="02020603050405020304" pitchFamily="18" charset="0"/>
-              </a:rPr>
-              <a:t>cropped_images</a:t>
-            </a:r>
-            <a:r>
-              <a:rPr lang="en-IN" b="0" dirty="0">
-                <a:effectLst/>
-                <a:latin typeface="Times New Roman" panose="02020603050405020304" pitchFamily="18" charset="0"/>
-                <a:cs typeface="Times New Roman" panose="02020603050405020304" pitchFamily="18" charset="0"/>
-              </a:rPr>
-              <a:t>, </a:t>
-            </a:r>
-            <a:r>
-              <a:rPr lang="en-IN" b="0" dirty="0" err="1">
-                <a:effectLst/>
-                <a:latin typeface="Times New Roman" panose="02020603050405020304" pitchFamily="18" charset="0"/>
-                <a:cs typeface="Times New Roman" panose="02020603050405020304" pitchFamily="18" charset="0"/>
-              </a:rPr>
-              <a:t>cropped_titles</a:t>
-            </a:r>
-            <a:r>
-              <a:rPr lang="en-IN" b="0" dirty="0">
-                <a:effectLst/>
-                <a:latin typeface="Times New Roman" panose="02020603050405020304" pitchFamily="18" charset="0"/>
-                <a:cs typeface="Times New Roman" panose="02020603050405020304" pitchFamily="18" charset="0"/>
-              </a:rPr>
-              <a:t> = [], []</a:t>
-            </a:r>
-          </a:p>
-          <a:p>
-            <a:r>
-              <a:rPr lang="en-IN" b="0" dirty="0">
-                <a:effectLst/>
-                <a:latin typeface="Times New Roman" panose="02020603050405020304" pitchFamily="18" charset="0"/>
-                <a:cs typeface="Times New Roman" panose="02020603050405020304" pitchFamily="18" charset="0"/>
-              </a:rPr>
-              <a:t>    for j, (</a:t>
-            </a:r>
-            <a:r>
-              <a:rPr lang="en-IN" b="0" dirty="0" err="1">
-                <a:effectLst/>
-                <a:latin typeface="Times New Roman" panose="02020603050405020304" pitchFamily="18" charset="0"/>
-                <a:cs typeface="Times New Roman" panose="02020603050405020304" pitchFamily="18" charset="0"/>
-              </a:rPr>
-              <a:t>start_y</a:t>
-            </a:r>
-            <a:r>
-              <a:rPr lang="en-IN" b="0" dirty="0">
-                <a:effectLst/>
-                <a:latin typeface="Times New Roman" panose="02020603050405020304" pitchFamily="18" charset="0"/>
-                <a:cs typeface="Times New Roman" panose="02020603050405020304" pitchFamily="18" charset="0"/>
-              </a:rPr>
-              <a:t>, </a:t>
-            </a:r>
-            <a:r>
-              <a:rPr lang="en-IN" b="0" dirty="0" err="1">
-                <a:effectLst/>
-                <a:latin typeface="Times New Roman" panose="02020603050405020304" pitchFamily="18" charset="0"/>
-                <a:cs typeface="Times New Roman" panose="02020603050405020304" pitchFamily="18" charset="0"/>
-              </a:rPr>
-              <a:t>end_y</a:t>
-            </a:r>
-            <a:r>
-              <a:rPr lang="en-IN" b="0" dirty="0">
-                <a:effectLst/>
-                <a:latin typeface="Times New Roman" panose="02020603050405020304" pitchFamily="18" charset="0"/>
-                <a:cs typeface="Times New Roman" panose="02020603050405020304" pitchFamily="18" charset="0"/>
-              </a:rPr>
-              <a:t>, </a:t>
-            </a:r>
-            <a:r>
-              <a:rPr lang="en-IN" b="0" dirty="0" err="1">
-                <a:effectLst/>
-                <a:latin typeface="Times New Roman" panose="02020603050405020304" pitchFamily="18" charset="0"/>
-                <a:cs typeface="Times New Roman" panose="02020603050405020304" pitchFamily="18" charset="0"/>
-              </a:rPr>
-              <a:t>start_x</a:t>
-            </a:r>
-            <a:r>
-              <a:rPr lang="en-IN" b="0" dirty="0">
-                <a:effectLst/>
-                <a:latin typeface="Times New Roman" panose="02020603050405020304" pitchFamily="18" charset="0"/>
-                <a:cs typeface="Times New Roman" panose="02020603050405020304" pitchFamily="18" charset="0"/>
-              </a:rPr>
-              <a:t>, </a:t>
-            </a:r>
-            <a:r>
-              <a:rPr lang="en-IN" b="0" dirty="0" err="1">
-                <a:effectLst/>
-                <a:latin typeface="Times New Roman" panose="02020603050405020304" pitchFamily="18" charset="0"/>
-                <a:cs typeface="Times New Roman" panose="02020603050405020304" pitchFamily="18" charset="0"/>
-              </a:rPr>
-              <a:t>end_x</a:t>
-            </a:r>
-            <a:r>
-              <a:rPr lang="en-IN" b="0" dirty="0">
-                <a:effectLst/>
-                <a:latin typeface="Times New Roman" panose="02020603050405020304" pitchFamily="18" charset="0"/>
-                <a:cs typeface="Times New Roman" panose="02020603050405020304" pitchFamily="18" charset="0"/>
-              </a:rPr>
-              <a:t>) in enumerate([(100, 380, 380, 600), (20, 220, 100, 300), (200, 500, 0, 300)]):</a:t>
-            </a:r>
-          </a:p>
-          <a:p>
-            <a:r>
-              <a:rPr lang="en-IN" b="0" dirty="0">
-                <a:effectLst/>
-                <a:latin typeface="Times New Roman" panose="02020603050405020304" pitchFamily="18" charset="0"/>
-                <a:cs typeface="Times New Roman" panose="02020603050405020304" pitchFamily="18" charset="0"/>
-              </a:rPr>
-              <a:t>        </a:t>
-            </a:r>
-            <a:r>
-              <a:rPr lang="en-IN" b="0" dirty="0" err="1">
-                <a:effectLst/>
-                <a:latin typeface="Times New Roman" panose="02020603050405020304" pitchFamily="18" charset="0"/>
-                <a:cs typeface="Times New Roman" panose="02020603050405020304" pitchFamily="18" charset="0"/>
-              </a:rPr>
-              <a:t>cropped_img</a:t>
-            </a:r>
-            <a:r>
-              <a:rPr lang="en-IN" b="0" dirty="0">
-                <a:effectLst/>
-                <a:latin typeface="Times New Roman" panose="02020603050405020304" pitchFamily="18" charset="0"/>
-                <a:cs typeface="Times New Roman" panose="02020603050405020304" pitchFamily="18" charset="0"/>
-              </a:rPr>
-              <a:t> = crop(</a:t>
-            </a:r>
-            <a:r>
-              <a:rPr lang="en-IN" b="0" dirty="0" err="1">
-                <a:effectLst/>
-                <a:latin typeface="Times New Roman" panose="02020603050405020304" pitchFamily="18" charset="0"/>
-                <a:cs typeface="Times New Roman" panose="02020603050405020304" pitchFamily="18" charset="0"/>
-              </a:rPr>
-              <a:t>img</a:t>
-            </a:r>
-            <a:r>
-              <a:rPr lang="en-IN" b="0" dirty="0">
-                <a:effectLst/>
-                <a:latin typeface="Times New Roman" panose="02020603050405020304" pitchFamily="18" charset="0"/>
-                <a:cs typeface="Times New Roman" panose="02020603050405020304" pitchFamily="18" charset="0"/>
-              </a:rPr>
-              <a:t>, </a:t>
-            </a:r>
-            <a:r>
-              <a:rPr lang="en-IN" b="0" dirty="0" err="1">
-                <a:effectLst/>
-                <a:latin typeface="Times New Roman" panose="02020603050405020304" pitchFamily="18" charset="0"/>
-                <a:cs typeface="Times New Roman" panose="02020603050405020304" pitchFamily="18" charset="0"/>
-              </a:rPr>
-              <a:t>start_y</a:t>
-            </a:r>
-            <a:r>
-              <a:rPr lang="en-IN" b="0" dirty="0">
-                <a:effectLst/>
-                <a:latin typeface="Times New Roman" panose="02020603050405020304" pitchFamily="18" charset="0"/>
-                <a:cs typeface="Times New Roman" panose="02020603050405020304" pitchFamily="18" charset="0"/>
-              </a:rPr>
-              <a:t>, </a:t>
-            </a:r>
-            <a:r>
-              <a:rPr lang="en-IN" b="0" dirty="0" err="1">
-                <a:effectLst/>
-                <a:latin typeface="Times New Roman" panose="02020603050405020304" pitchFamily="18" charset="0"/>
-                <a:cs typeface="Times New Roman" panose="02020603050405020304" pitchFamily="18" charset="0"/>
-              </a:rPr>
-              <a:t>end_y</a:t>
-            </a:r>
-            <a:r>
-              <a:rPr lang="en-IN" b="0" dirty="0">
-                <a:effectLst/>
-                <a:latin typeface="Times New Roman" panose="02020603050405020304" pitchFamily="18" charset="0"/>
-                <a:cs typeface="Times New Roman" panose="02020603050405020304" pitchFamily="18" charset="0"/>
-              </a:rPr>
-              <a:t>, </a:t>
-            </a:r>
-            <a:r>
-              <a:rPr lang="en-IN" b="0" dirty="0" err="1">
-                <a:effectLst/>
-                <a:latin typeface="Times New Roman" panose="02020603050405020304" pitchFamily="18" charset="0"/>
-                <a:cs typeface="Times New Roman" panose="02020603050405020304" pitchFamily="18" charset="0"/>
-              </a:rPr>
-              <a:t>start_x</a:t>
-            </a:r>
-            <a:r>
-              <a:rPr lang="en-IN" b="0" dirty="0">
-                <a:effectLst/>
-                <a:latin typeface="Times New Roman" panose="02020603050405020304" pitchFamily="18" charset="0"/>
-                <a:cs typeface="Times New Roman" panose="02020603050405020304" pitchFamily="18" charset="0"/>
-              </a:rPr>
-              <a:t>, </a:t>
-            </a:r>
-            <a:r>
-              <a:rPr lang="en-IN" b="0" dirty="0" err="1">
-                <a:effectLst/>
-                <a:latin typeface="Times New Roman" panose="02020603050405020304" pitchFamily="18" charset="0"/>
-                <a:cs typeface="Times New Roman" panose="02020603050405020304" pitchFamily="18" charset="0"/>
-              </a:rPr>
-              <a:t>end_x</a:t>
-            </a:r>
-            <a:r>
-              <a:rPr lang="en-IN" b="0" dirty="0">
-                <a:effectLst/>
-                <a:latin typeface="Times New Roman" panose="02020603050405020304" pitchFamily="18" charset="0"/>
-                <a:cs typeface="Times New Roman" panose="02020603050405020304" pitchFamily="18" charset="0"/>
-              </a:rPr>
-              <a:t>)</a:t>
-            </a:r>
-          </a:p>
-          <a:p>
-            <a:r>
-              <a:rPr lang="en-IN" b="0" dirty="0">
-                <a:effectLst/>
-                <a:latin typeface="Times New Roman" panose="02020603050405020304" pitchFamily="18" charset="0"/>
-                <a:cs typeface="Times New Roman" panose="02020603050405020304" pitchFamily="18" charset="0"/>
-              </a:rPr>
-              <a:t>        </a:t>
-            </a:r>
-            <a:r>
-              <a:rPr lang="en-IN" b="0" dirty="0" err="1">
-                <a:effectLst/>
-                <a:latin typeface="Times New Roman" panose="02020603050405020304" pitchFamily="18" charset="0"/>
-                <a:cs typeface="Times New Roman" panose="02020603050405020304" pitchFamily="18" charset="0"/>
-              </a:rPr>
-              <a:t>cropped_images.append</a:t>
-            </a:r>
-            <a:r>
-              <a:rPr lang="en-IN" b="0" dirty="0">
-                <a:effectLst/>
-                <a:latin typeface="Times New Roman" panose="02020603050405020304" pitchFamily="18" charset="0"/>
-                <a:cs typeface="Times New Roman" panose="02020603050405020304" pitchFamily="18" charset="0"/>
-              </a:rPr>
-              <a:t>(</a:t>
-            </a:r>
-            <a:r>
-              <a:rPr lang="en-IN" b="0" dirty="0" err="1">
-                <a:effectLst/>
-                <a:latin typeface="Times New Roman" panose="02020603050405020304" pitchFamily="18" charset="0"/>
-                <a:cs typeface="Times New Roman" panose="02020603050405020304" pitchFamily="18" charset="0"/>
-              </a:rPr>
-              <a:t>cropped_img</a:t>
-            </a:r>
-            <a:r>
-              <a:rPr lang="en-IN" b="0" dirty="0">
-                <a:effectLst/>
-                <a:latin typeface="Times New Roman" panose="02020603050405020304" pitchFamily="18" charset="0"/>
-                <a:cs typeface="Times New Roman" panose="02020603050405020304" pitchFamily="18" charset="0"/>
-              </a:rPr>
-              <a:t>)</a:t>
-            </a:r>
-          </a:p>
-          <a:p>
-            <a:r>
-              <a:rPr lang="en-IN" b="0" dirty="0">
-                <a:effectLst/>
-                <a:latin typeface="Times New Roman" panose="02020603050405020304" pitchFamily="18" charset="0"/>
-                <a:cs typeface="Times New Roman" panose="02020603050405020304" pitchFamily="18" charset="0"/>
-              </a:rPr>
-              <a:t>        </a:t>
-            </a:r>
-            <a:r>
-              <a:rPr lang="en-IN" b="0" dirty="0" err="1">
-                <a:effectLst/>
-                <a:latin typeface="Times New Roman" panose="02020603050405020304" pitchFamily="18" charset="0"/>
-                <a:cs typeface="Times New Roman" panose="02020603050405020304" pitchFamily="18" charset="0"/>
-              </a:rPr>
-              <a:t>cropped_titles.append</a:t>
-            </a:r>
-            <a:r>
-              <a:rPr lang="en-IN" b="0" dirty="0">
-                <a:effectLst/>
-                <a:latin typeface="Times New Roman" panose="02020603050405020304" pitchFamily="18" charset="0"/>
-                <a:cs typeface="Times New Roman" panose="02020603050405020304" pitchFamily="18" charset="0"/>
-              </a:rPr>
-              <a:t>(</a:t>
-            </a:r>
-            <a:r>
-              <a:rPr lang="en-IN" b="0" dirty="0" err="1">
-                <a:effectLst/>
-                <a:latin typeface="Times New Roman" panose="02020603050405020304" pitchFamily="18" charset="0"/>
-                <a:cs typeface="Times New Roman" panose="02020603050405020304" pitchFamily="18" charset="0"/>
-              </a:rPr>
-              <a:t>f'Image</a:t>
-            </a:r>
-            <a:r>
-              <a:rPr lang="en-IN" b="0" dirty="0">
-                <a:effectLst/>
-                <a:latin typeface="Times New Roman" panose="02020603050405020304" pitchFamily="18" charset="0"/>
-                <a:cs typeface="Times New Roman" panose="02020603050405020304" pitchFamily="18" charset="0"/>
-              </a:rPr>
-              <a:t> {</a:t>
-            </a:r>
-            <a:r>
-              <a:rPr lang="en-IN" b="0" dirty="0" err="1">
-                <a:effectLst/>
-                <a:latin typeface="Times New Roman" panose="02020603050405020304" pitchFamily="18" charset="0"/>
-                <a:cs typeface="Times New Roman" panose="02020603050405020304" pitchFamily="18" charset="0"/>
-              </a:rPr>
-              <a:t>i</a:t>
-            </a:r>
-            <a:r>
-              <a:rPr lang="en-IN" b="0" dirty="0">
-                <a:effectLst/>
-                <a:latin typeface="Times New Roman" panose="02020603050405020304" pitchFamily="18" charset="0"/>
-                <a:cs typeface="Times New Roman" panose="02020603050405020304" pitchFamily="18" charset="0"/>
-              </a:rPr>
-              <a:t> + 1}-{chr(</a:t>
-            </a:r>
-            <a:r>
-              <a:rPr lang="en-IN" b="0" dirty="0" err="1">
-                <a:effectLst/>
-                <a:latin typeface="Times New Roman" panose="02020603050405020304" pitchFamily="18" charset="0"/>
-                <a:cs typeface="Times New Roman" panose="02020603050405020304" pitchFamily="18" charset="0"/>
-              </a:rPr>
-              <a:t>ord</a:t>
-            </a:r>
-            <a:r>
-              <a:rPr lang="en-IN" b="0" dirty="0">
-                <a:effectLst/>
-                <a:latin typeface="Times New Roman" panose="02020603050405020304" pitchFamily="18" charset="0"/>
-                <a:cs typeface="Times New Roman" panose="02020603050405020304" pitchFamily="18" charset="0"/>
-              </a:rPr>
-              <a:t>("A") + j)} (Cropped)')</a:t>
-            </a:r>
-          </a:p>
-          <a:p>
-            <a:r>
-              <a:rPr lang="en-IN" b="0" dirty="0">
-                <a:effectLst/>
-                <a:latin typeface="Times New Roman" panose="02020603050405020304" pitchFamily="18" charset="0"/>
-                <a:cs typeface="Times New Roman" panose="02020603050405020304" pitchFamily="18" charset="0"/>
-              </a:rPr>
-              <a:t>    </a:t>
-            </a:r>
-            <a:r>
-              <a:rPr lang="en-IN" b="0" dirty="0" err="1">
-                <a:effectLst/>
-                <a:latin typeface="Times New Roman" panose="02020603050405020304" pitchFamily="18" charset="0"/>
-                <a:cs typeface="Times New Roman" panose="02020603050405020304" pitchFamily="18" charset="0"/>
-              </a:rPr>
-              <a:t>all_images</a:t>
-            </a:r>
-            <a:r>
-              <a:rPr lang="en-IN" b="0" dirty="0">
-                <a:effectLst/>
-                <a:latin typeface="Times New Roman" panose="02020603050405020304" pitchFamily="18" charset="0"/>
-                <a:cs typeface="Times New Roman" panose="02020603050405020304" pitchFamily="18" charset="0"/>
-              </a:rPr>
-              <a:t> = [</a:t>
-            </a:r>
-            <a:r>
-              <a:rPr lang="en-IN" b="0" dirty="0" err="1">
-                <a:effectLst/>
-                <a:latin typeface="Times New Roman" panose="02020603050405020304" pitchFamily="18" charset="0"/>
-                <a:cs typeface="Times New Roman" panose="02020603050405020304" pitchFamily="18" charset="0"/>
-              </a:rPr>
-              <a:t>img</a:t>
-            </a:r>
-            <a:r>
-              <a:rPr lang="en-IN" b="0" dirty="0">
-                <a:effectLst/>
-                <a:latin typeface="Times New Roman" panose="02020603050405020304" pitchFamily="18" charset="0"/>
-                <a:cs typeface="Times New Roman" panose="02020603050405020304" pitchFamily="18" charset="0"/>
-              </a:rPr>
-              <a:t>] + </a:t>
-            </a:r>
-            <a:r>
-              <a:rPr lang="en-IN" b="0" dirty="0" err="1">
-                <a:effectLst/>
-                <a:latin typeface="Times New Roman" panose="02020603050405020304" pitchFamily="18" charset="0"/>
-                <a:cs typeface="Times New Roman" panose="02020603050405020304" pitchFamily="18" charset="0"/>
-              </a:rPr>
-              <a:t>cropped_images</a:t>
-            </a:r>
-            <a:endParaRPr lang="en-IN" b="0" dirty="0">
-              <a:effectLst/>
-              <a:latin typeface="Times New Roman" panose="02020603050405020304" pitchFamily="18" charset="0"/>
-              <a:cs typeface="Times New Roman" panose="02020603050405020304" pitchFamily="18" charset="0"/>
-            </a:endParaRPr>
-          </a:p>
-          <a:p>
-            <a:r>
-              <a:rPr lang="en-IN" b="0" dirty="0">
-                <a:effectLst/>
-                <a:latin typeface="Times New Roman" panose="02020603050405020304" pitchFamily="18" charset="0"/>
-                <a:cs typeface="Times New Roman" panose="02020603050405020304" pitchFamily="18" charset="0"/>
-              </a:rPr>
-              <a:t>    </a:t>
-            </a:r>
-            <a:r>
-              <a:rPr lang="en-IN" b="0" dirty="0" err="1">
-                <a:effectLst/>
-                <a:latin typeface="Times New Roman" panose="02020603050405020304" pitchFamily="18" charset="0"/>
-                <a:cs typeface="Times New Roman" panose="02020603050405020304" pitchFamily="18" charset="0"/>
-              </a:rPr>
-              <a:t>all_titles</a:t>
-            </a:r>
-            <a:r>
-              <a:rPr lang="en-IN" b="0" dirty="0">
-                <a:effectLst/>
-                <a:latin typeface="Times New Roman" panose="02020603050405020304" pitchFamily="18" charset="0"/>
-                <a:cs typeface="Times New Roman" panose="02020603050405020304" pitchFamily="18" charset="0"/>
-              </a:rPr>
-              <a:t> = [</a:t>
-            </a:r>
-            <a:r>
-              <a:rPr lang="en-IN" b="0" dirty="0" err="1">
-                <a:effectLst/>
-                <a:latin typeface="Times New Roman" panose="02020603050405020304" pitchFamily="18" charset="0"/>
-                <a:cs typeface="Times New Roman" panose="02020603050405020304" pitchFamily="18" charset="0"/>
-              </a:rPr>
-              <a:t>f'Image</a:t>
-            </a:r>
-            <a:r>
-              <a:rPr lang="en-IN" b="0" dirty="0">
-                <a:effectLst/>
-                <a:latin typeface="Times New Roman" panose="02020603050405020304" pitchFamily="18" charset="0"/>
-                <a:cs typeface="Times New Roman" panose="02020603050405020304" pitchFamily="18" charset="0"/>
-              </a:rPr>
-              <a:t> {</a:t>
-            </a:r>
-            <a:r>
-              <a:rPr lang="en-IN" b="0" dirty="0" err="1">
-                <a:effectLst/>
-                <a:latin typeface="Times New Roman" panose="02020603050405020304" pitchFamily="18" charset="0"/>
-                <a:cs typeface="Times New Roman" panose="02020603050405020304" pitchFamily="18" charset="0"/>
-              </a:rPr>
-              <a:t>i</a:t>
-            </a:r>
-            <a:r>
-              <a:rPr lang="en-IN" b="0" dirty="0">
-                <a:effectLst/>
-                <a:latin typeface="Times New Roman" panose="02020603050405020304" pitchFamily="18" charset="0"/>
-                <a:cs typeface="Times New Roman" panose="02020603050405020304" pitchFamily="18" charset="0"/>
-              </a:rPr>
-              <a:t> + 1}'] + </a:t>
-            </a:r>
-            <a:r>
-              <a:rPr lang="en-IN" b="0" dirty="0" err="1">
-                <a:effectLst/>
-                <a:latin typeface="Times New Roman" panose="02020603050405020304" pitchFamily="18" charset="0"/>
-                <a:cs typeface="Times New Roman" panose="02020603050405020304" pitchFamily="18" charset="0"/>
-              </a:rPr>
-              <a:t>cropped_titles</a:t>
-            </a:r>
-            <a:endParaRPr lang="en-IN" b="0" dirty="0">
-              <a:effectLst/>
-              <a:latin typeface="Times New Roman" panose="02020603050405020304" pitchFamily="18" charset="0"/>
-              <a:cs typeface="Times New Roman" panose="02020603050405020304" pitchFamily="18" charset="0"/>
-            </a:endParaRPr>
-          </a:p>
-          <a:p>
-            <a:r>
-              <a:rPr lang="en-IN" b="0" dirty="0">
-                <a:effectLst/>
-                <a:latin typeface="Times New Roman" panose="02020603050405020304" pitchFamily="18" charset="0"/>
-                <a:cs typeface="Times New Roman" panose="02020603050405020304" pitchFamily="18" charset="0"/>
-              </a:rPr>
-              <a:t>    </a:t>
-            </a:r>
-            <a:r>
-              <a:rPr lang="en-IN" b="0" dirty="0" err="1">
-                <a:effectLst/>
-                <a:latin typeface="Times New Roman" panose="02020603050405020304" pitchFamily="18" charset="0"/>
-                <a:cs typeface="Times New Roman" panose="02020603050405020304" pitchFamily="18" charset="0"/>
-              </a:rPr>
-              <a:t>plotting_grid</a:t>
-            </a:r>
-            <a:r>
-              <a:rPr lang="en-IN" b="0" dirty="0">
-                <a:effectLst/>
-                <a:latin typeface="Times New Roman" panose="02020603050405020304" pitchFamily="18" charset="0"/>
-                <a:cs typeface="Times New Roman" panose="02020603050405020304" pitchFamily="18" charset="0"/>
-              </a:rPr>
-              <a:t>(</a:t>
-            </a:r>
-            <a:r>
-              <a:rPr lang="en-IN" b="0" dirty="0" err="1">
-                <a:effectLst/>
-                <a:latin typeface="Times New Roman" panose="02020603050405020304" pitchFamily="18" charset="0"/>
-                <a:cs typeface="Times New Roman" panose="02020603050405020304" pitchFamily="18" charset="0"/>
-              </a:rPr>
-              <a:t>all_images</a:t>
-            </a:r>
-            <a:r>
-              <a:rPr lang="en-IN" b="0" dirty="0">
-                <a:effectLst/>
-                <a:latin typeface="Times New Roman" panose="02020603050405020304" pitchFamily="18" charset="0"/>
-                <a:cs typeface="Times New Roman" panose="02020603050405020304" pitchFamily="18" charset="0"/>
-              </a:rPr>
-              <a:t>, </a:t>
-            </a:r>
-            <a:r>
-              <a:rPr lang="en-IN" b="0" dirty="0" err="1">
-                <a:effectLst/>
-                <a:latin typeface="Times New Roman" panose="02020603050405020304" pitchFamily="18" charset="0"/>
-                <a:cs typeface="Times New Roman" panose="02020603050405020304" pitchFamily="18" charset="0"/>
-              </a:rPr>
-              <a:t>all_titles</a:t>
-            </a:r>
-            <a:r>
-              <a:rPr lang="en-IN" b="0" dirty="0">
-                <a:effectLst/>
-                <a:latin typeface="Times New Roman" panose="02020603050405020304" pitchFamily="18" charset="0"/>
-                <a:cs typeface="Times New Roman" panose="02020603050405020304" pitchFamily="18" charset="0"/>
-              </a:rPr>
-              <a:t>, 1, </a:t>
-            </a:r>
-            <a:r>
-              <a:rPr lang="en-IN" b="0" dirty="0" err="1">
-                <a:effectLst/>
-                <a:latin typeface="Times New Roman" panose="02020603050405020304" pitchFamily="18" charset="0"/>
-                <a:cs typeface="Times New Roman" panose="02020603050405020304" pitchFamily="18" charset="0"/>
-              </a:rPr>
-              <a:t>len</a:t>
-            </a:r>
-            <a:r>
-              <a:rPr lang="en-IN" b="0" dirty="0">
-                <a:effectLst/>
-                <a:latin typeface="Times New Roman" panose="02020603050405020304" pitchFamily="18" charset="0"/>
-                <a:cs typeface="Times New Roman" panose="02020603050405020304" pitchFamily="18" charset="0"/>
-              </a:rPr>
-              <a:t>(</a:t>
-            </a:r>
-            <a:r>
-              <a:rPr lang="en-IN" b="0" dirty="0" err="1">
-                <a:effectLst/>
-                <a:latin typeface="Times New Roman" panose="02020603050405020304" pitchFamily="18" charset="0"/>
-                <a:cs typeface="Times New Roman" panose="02020603050405020304" pitchFamily="18" charset="0"/>
-              </a:rPr>
-              <a:t>all_images</a:t>
-            </a:r>
-            <a:r>
-              <a:rPr lang="en-IN" b="0" dirty="0">
-                <a:effectLst/>
-                <a:latin typeface="Times New Roman" panose="02020603050405020304" pitchFamily="18" charset="0"/>
-                <a:cs typeface="Times New Roman" panose="02020603050405020304" pitchFamily="18" charset="0"/>
-              </a:rPr>
-              <a:t>), 18)</a:t>
-            </a:r>
-          </a:p>
-          <a:p>
-            <a:r>
-              <a:rPr lang="en-IN" b="0" dirty="0">
-                <a:effectLst/>
-                <a:latin typeface="Times New Roman" panose="02020603050405020304" pitchFamily="18" charset="0"/>
-                <a:cs typeface="Times New Roman" panose="02020603050405020304" pitchFamily="18" charset="0"/>
-              </a:rPr>
-              <a:t>    </a:t>
-            </a:r>
-            <a:r>
-              <a:rPr lang="en-IN" b="0" dirty="0" err="1">
-                <a:effectLst/>
-                <a:latin typeface="Times New Roman" panose="02020603050405020304" pitchFamily="18" charset="0"/>
-                <a:cs typeface="Times New Roman" panose="02020603050405020304" pitchFamily="18" charset="0"/>
-              </a:rPr>
-              <a:t>processed_images</a:t>
-            </a:r>
-            <a:r>
-              <a:rPr lang="en-IN" b="0" dirty="0">
-                <a:effectLst/>
-                <a:latin typeface="Times New Roman" panose="02020603050405020304" pitchFamily="18" charset="0"/>
-                <a:cs typeface="Times New Roman" panose="02020603050405020304" pitchFamily="18" charset="0"/>
-              </a:rPr>
-              <a:t>, </a:t>
-            </a:r>
-            <a:r>
-              <a:rPr lang="en-IN" b="0" dirty="0" err="1">
-                <a:effectLst/>
-                <a:latin typeface="Times New Roman" panose="02020603050405020304" pitchFamily="18" charset="0"/>
-                <a:cs typeface="Times New Roman" panose="02020603050405020304" pitchFamily="18" charset="0"/>
-              </a:rPr>
-              <a:t>processed_titles</a:t>
-            </a:r>
-            <a:r>
-              <a:rPr lang="en-IN" b="0" dirty="0">
-                <a:effectLst/>
-                <a:latin typeface="Times New Roman" panose="02020603050405020304" pitchFamily="18" charset="0"/>
-                <a:cs typeface="Times New Roman" panose="02020603050405020304" pitchFamily="18" charset="0"/>
-              </a:rPr>
-              <a:t> = [], []</a:t>
-            </a:r>
-          </a:p>
-          <a:p>
-            <a:r>
-              <a:rPr lang="en-IN" b="0" dirty="0">
-                <a:effectLst/>
-                <a:latin typeface="Times New Roman" panose="02020603050405020304" pitchFamily="18" charset="0"/>
-                <a:cs typeface="Times New Roman" panose="02020603050405020304" pitchFamily="18" charset="0"/>
-              </a:rPr>
-              <a:t>    for j, </a:t>
-            </a:r>
-            <a:r>
-              <a:rPr lang="en-IN" b="0" dirty="0" err="1">
-                <a:effectLst/>
-                <a:latin typeface="Times New Roman" panose="02020603050405020304" pitchFamily="18" charset="0"/>
-                <a:cs typeface="Times New Roman" panose="02020603050405020304" pitchFamily="18" charset="0"/>
-              </a:rPr>
-              <a:t>cropped_img</a:t>
-            </a:r>
-            <a:r>
-              <a:rPr lang="en-IN" b="0" dirty="0">
-                <a:effectLst/>
-                <a:latin typeface="Times New Roman" panose="02020603050405020304" pitchFamily="18" charset="0"/>
-                <a:cs typeface="Times New Roman" panose="02020603050405020304" pitchFamily="18" charset="0"/>
-              </a:rPr>
-              <a:t> in enumerate(</a:t>
-            </a:r>
-            <a:r>
-              <a:rPr lang="en-IN" b="0" dirty="0" err="1">
-                <a:effectLst/>
-                <a:latin typeface="Times New Roman" panose="02020603050405020304" pitchFamily="18" charset="0"/>
-                <a:cs typeface="Times New Roman" panose="02020603050405020304" pitchFamily="18" charset="0"/>
-              </a:rPr>
-              <a:t>cropped_images</a:t>
-            </a:r>
-            <a:r>
-              <a:rPr lang="en-IN" b="0" dirty="0">
-                <a:effectLst/>
-                <a:latin typeface="Times New Roman" panose="02020603050405020304" pitchFamily="18" charset="0"/>
-                <a:cs typeface="Times New Roman" panose="02020603050405020304" pitchFamily="18" charset="0"/>
-              </a:rPr>
-              <a:t>):</a:t>
-            </a:r>
-          </a:p>
-          <a:p>
-            <a:r>
-              <a:rPr lang="en-IN" b="0" dirty="0">
-                <a:effectLst/>
-                <a:latin typeface="Times New Roman" panose="02020603050405020304" pitchFamily="18" charset="0"/>
-                <a:cs typeface="Times New Roman" panose="02020603050405020304" pitchFamily="18" charset="0"/>
-              </a:rPr>
-              <a:t>        multiplier = 2</a:t>
-            </a:r>
-          </a:p>
-          <a:p>
-            <a:r>
-              <a:rPr lang="en-IN" b="0" dirty="0">
-                <a:effectLst/>
-                <a:latin typeface="Times New Roman" panose="02020603050405020304" pitchFamily="18" charset="0"/>
-                <a:cs typeface="Times New Roman" panose="02020603050405020304" pitchFamily="18" charset="0"/>
-              </a:rPr>
-              <a:t>        </a:t>
-            </a:r>
-            <a:r>
-              <a:rPr lang="en-IN" b="0" dirty="0" err="1">
-                <a:effectLst/>
-                <a:latin typeface="Times New Roman" panose="02020603050405020304" pitchFamily="18" charset="0"/>
-                <a:cs typeface="Times New Roman" panose="02020603050405020304" pitchFamily="18" charset="0"/>
-              </a:rPr>
-              <a:t>resized_img</a:t>
-            </a:r>
-            <a:r>
-              <a:rPr lang="en-IN" b="0" dirty="0">
-                <a:effectLst/>
-                <a:latin typeface="Times New Roman" panose="02020603050405020304" pitchFamily="18" charset="0"/>
-                <a:cs typeface="Times New Roman" panose="02020603050405020304" pitchFamily="18" charset="0"/>
-              </a:rPr>
-              <a:t> = resize(</a:t>
-            </a:r>
-            <a:r>
-              <a:rPr lang="en-IN" b="0" dirty="0" err="1">
-                <a:effectLst/>
-                <a:latin typeface="Times New Roman" panose="02020603050405020304" pitchFamily="18" charset="0"/>
-                <a:cs typeface="Times New Roman" panose="02020603050405020304" pitchFamily="18" charset="0"/>
-              </a:rPr>
-              <a:t>cropped_img</a:t>
-            </a:r>
-            <a:r>
-              <a:rPr lang="en-IN" b="0" dirty="0">
-                <a:effectLst/>
-                <a:latin typeface="Times New Roman" panose="02020603050405020304" pitchFamily="18" charset="0"/>
-                <a:cs typeface="Times New Roman" panose="02020603050405020304" pitchFamily="18" charset="0"/>
-              </a:rPr>
-              <a:t>, </a:t>
-            </a:r>
-            <a:r>
-              <a:rPr lang="en-IN" b="0" dirty="0" err="1">
-                <a:effectLst/>
-                <a:latin typeface="Times New Roman" panose="02020603050405020304" pitchFamily="18" charset="0"/>
-                <a:cs typeface="Times New Roman" panose="02020603050405020304" pitchFamily="18" charset="0"/>
-              </a:rPr>
-              <a:t>cropped_img.shape</a:t>
-            </a:r>
-            <a:r>
-              <a:rPr lang="en-IN" b="0" dirty="0">
-                <a:effectLst/>
-                <a:latin typeface="Times New Roman" panose="02020603050405020304" pitchFamily="18" charset="0"/>
-                <a:cs typeface="Times New Roman" panose="02020603050405020304" pitchFamily="18" charset="0"/>
-              </a:rPr>
-              <a:t>[1] * multiplier, </a:t>
-            </a:r>
-            <a:r>
-              <a:rPr lang="en-IN" b="0" dirty="0" err="1">
-                <a:effectLst/>
-                <a:latin typeface="Times New Roman" panose="02020603050405020304" pitchFamily="18" charset="0"/>
-                <a:cs typeface="Times New Roman" panose="02020603050405020304" pitchFamily="18" charset="0"/>
-              </a:rPr>
-              <a:t>cropped_img.shape</a:t>
-            </a:r>
-            <a:r>
-              <a:rPr lang="en-IN" b="0" dirty="0">
-                <a:effectLst/>
-                <a:latin typeface="Times New Roman" panose="02020603050405020304" pitchFamily="18" charset="0"/>
-                <a:cs typeface="Times New Roman" panose="02020603050405020304" pitchFamily="18" charset="0"/>
-              </a:rPr>
-              <a:t>[0] * multiplier)</a:t>
-            </a:r>
-          </a:p>
-          <a:p>
-            <a:r>
-              <a:rPr lang="en-IN" b="0" dirty="0">
-                <a:effectLst/>
-                <a:latin typeface="Times New Roman" panose="02020603050405020304" pitchFamily="18" charset="0"/>
-                <a:cs typeface="Times New Roman" panose="02020603050405020304" pitchFamily="18" charset="0"/>
-              </a:rPr>
-              <a:t>        </a:t>
-            </a:r>
-            <a:r>
-              <a:rPr lang="en-IN" b="0" dirty="0" err="1">
-                <a:effectLst/>
-                <a:latin typeface="Times New Roman" panose="02020603050405020304" pitchFamily="18" charset="0"/>
-                <a:cs typeface="Times New Roman" panose="02020603050405020304" pitchFamily="18" charset="0"/>
-              </a:rPr>
-              <a:t>gamma_value</a:t>
-            </a:r>
-            <a:r>
-              <a:rPr lang="en-IN" b="0" dirty="0">
-                <a:effectLst/>
-                <a:latin typeface="Times New Roman" panose="02020603050405020304" pitchFamily="18" charset="0"/>
-                <a:cs typeface="Times New Roman" panose="02020603050405020304" pitchFamily="18" charset="0"/>
-              </a:rPr>
-              <a:t> = [1.2, 0.5, 2.5][j]</a:t>
-            </a:r>
-          </a:p>
-          <a:p>
-            <a:r>
-              <a:rPr lang="en-IN" b="0" dirty="0">
-                <a:effectLst/>
-                <a:latin typeface="Times New Roman" panose="02020603050405020304" pitchFamily="18" charset="0"/>
-                <a:cs typeface="Times New Roman" panose="02020603050405020304" pitchFamily="18" charset="0"/>
-              </a:rPr>
-              <a:t>        </a:t>
-            </a:r>
-            <a:r>
-              <a:rPr lang="en-IN" b="0" dirty="0" err="1">
-                <a:effectLst/>
-                <a:latin typeface="Times New Roman" panose="02020603050405020304" pitchFamily="18" charset="0"/>
-                <a:cs typeface="Times New Roman" panose="02020603050405020304" pitchFamily="18" charset="0"/>
-              </a:rPr>
-              <a:t>gamma_corrected_img</a:t>
-            </a:r>
-            <a:r>
-              <a:rPr lang="en-IN" b="0" dirty="0">
-                <a:effectLst/>
-                <a:latin typeface="Times New Roman" panose="02020603050405020304" pitchFamily="18" charset="0"/>
-                <a:cs typeface="Times New Roman" panose="02020603050405020304" pitchFamily="18" charset="0"/>
-              </a:rPr>
-              <a:t> = </a:t>
-            </a:r>
-            <a:r>
-              <a:rPr lang="en-IN" b="0" dirty="0" err="1">
-                <a:effectLst/>
-                <a:latin typeface="Times New Roman" panose="02020603050405020304" pitchFamily="18" charset="0"/>
-                <a:cs typeface="Times New Roman" panose="02020603050405020304" pitchFamily="18" charset="0"/>
-              </a:rPr>
-              <a:t>gamma_correction</a:t>
-            </a:r>
-            <a:r>
-              <a:rPr lang="en-IN" b="0" dirty="0">
-                <a:effectLst/>
-                <a:latin typeface="Times New Roman" panose="02020603050405020304" pitchFamily="18" charset="0"/>
-                <a:cs typeface="Times New Roman" panose="02020603050405020304" pitchFamily="18" charset="0"/>
-              </a:rPr>
-              <a:t>(</a:t>
-            </a:r>
-            <a:r>
-              <a:rPr lang="en-IN" b="0" dirty="0" err="1">
-                <a:effectLst/>
-                <a:latin typeface="Times New Roman" panose="02020603050405020304" pitchFamily="18" charset="0"/>
-                <a:cs typeface="Times New Roman" panose="02020603050405020304" pitchFamily="18" charset="0"/>
-              </a:rPr>
-              <a:t>resized_img</a:t>
-            </a:r>
-            <a:r>
-              <a:rPr lang="en-IN" b="0" dirty="0">
-                <a:effectLst/>
-                <a:latin typeface="Times New Roman" panose="02020603050405020304" pitchFamily="18" charset="0"/>
-                <a:cs typeface="Times New Roman" panose="02020603050405020304" pitchFamily="18" charset="0"/>
-              </a:rPr>
-              <a:t>, </a:t>
-            </a:r>
-            <a:r>
-              <a:rPr lang="en-IN" b="0" dirty="0" err="1">
-                <a:effectLst/>
-                <a:latin typeface="Times New Roman" panose="02020603050405020304" pitchFamily="18" charset="0"/>
-                <a:cs typeface="Times New Roman" panose="02020603050405020304" pitchFamily="18" charset="0"/>
-              </a:rPr>
-              <a:t>gamma_value</a:t>
-            </a:r>
-            <a:r>
-              <a:rPr lang="en-IN" b="0" dirty="0">
-                <a:effectLst/>
-                <a:latin typeface="Times New Roman" panose="02020603050405020304" pitchFamily="18" charset="0"/>
-                <a:cs typeface="Times New Roman" panose="02020603050405020304" pitchFamily="18" charset="0"/>
-              </a:rPr>
-              <a:t>)</a:t>
-            </a:r>
-          </a:p>
-        </p:txBody>
-      </p:sp>
+      </p:pic>
     </p:spTree>
     <p:extLst>
       <p:ext uri="{BB962C8B-B14F-4D97-AF65-F5344CB8AC3E}">
-        <p14:creationId xmlns:p14="http://schemas.microsoft.com/office/powerpoint/2010/main" val="1165087674"/>
+        <p14:creationId xmlns:p14="http://schemas.microsoft.com/office/powerpoint/2010/main" val="3482364373"/>
       </p:ext>
     </p:extLst>
   </p:cSld>
@@ -8695,10 +7306,10 @@
       </p:grpSpPr>
       <p:sp>
         <p:nvSpPr>
-          <p:cNvPr id="3" name="TextBox 2">
-            <a:extLst>
-              <a:ext uri="{FF2B5EF4-FFF2-40B4-BE49-F238E27FC236}">
-                <a16:creationId xmlns:a16="http://schemas.microsoft.com/office/drawing/2014/main" id="{45FF6F70-3B13-98DD-7BAD-2B4396343B31}"/>
+          <p:cNvPr id="2" name="TextBox 1">
+            <a:extLst>
+              <a:ext uri="{FF2B5EF4-FFF2-40B4-BE49-F238E27FC236}">
+                <a16:creationId xmlns:a16="http://schemas.microsoft.com/office/drawing/2014/main" id="{4853B096-31E2-2B58-ED8B-E69A3C796EB8}"/>
               </a:ext>
             </a:extLst>
           </p:cNvPr>
@@ -8707,8 +7318,8 @@
         </p:nvSpPr>
         <p:spPr>
           <a:xfrm>
-            <a:off x="0" y="1166842"/>
-            <a:ext cx="12192000" cy="4524315"/>
+            <a:off x="2489200" y="316581"/>
+            <a:ext cx="6096000" cy="830997"/>
           </a:xfrm>
           <a:prstGeom prst="rect">
             <a:avLst/>
@@ -8721,920 +7332,70 @@
           </a:bodyPr>
           <a:lstStyle/>
           <a:p>
-            <a:r>
-              <a:rPr lang="en-IN" b="0" dirty="0">
-                <a:effectLst/>
-                <a:latin typeface="Times New Roman" panose="02020603050405020304" pitchFamily="18" charset="0"/>
-                <a:cs typeface="Times New Roman" panose="02020603050405020304" pitchFamily="18" charset="0"/>
-              </a:rPr>
-              <a:t>	</a:t>
-            </a:r>
-            <a:r>
-              <a:rPr lang="en-IN" b="0" dirty="0" err="1">
-                <a:effectLst/>
-                <a:latin typeface="Times New Roman" panose="02020603050405020304" pitchFamily="18" charset="0"/>
-                <a:cs typeface="Times New Roman" panose="02020603050405020304" pitchFamily="18" charset="0"/>
-              </a:rPr>
-              <a:t>blurred_img</a:t>
-            </a:r>
-            <a:r>
-              <a:rPr lang="en-IN" b="0" dirty="0">
-                <a:effectLst/>
-                <a:latin typeface="Times New Roman" panose="02020603050405020304" pitchFamily="18" charset="0"/>
-                <a:cs typeface="Times New Roman" panose="02020603050405020304" pitchFamily="18" charset="0"/>
-              </a:rPr>
-              <a:t> = cv2.GaussianBlur(</a:t>
-            </a:r>
-            <a:r>
-              <a:rPr lang="en-IN" b="0" dirty="0" err="1">
-                <a:effectLst/>
-                <a:latin typeface="Times New Roman" panose="02020603050405020304" pitchFamily="18" charset="0"/>
-                <a:cs typeface="Times New Roman" panose="02020603050405020304" pitchFamily="18" charset="0"/>
-              </a:rPr>
-              <a:t>gamma_corrected_img</a:t>
-            </a:r>
-            <a:r>
-              <a:rPr lang="en-IN" b="0" dirty="0">
-                <a:effectLst/>
-                <a:latin typeface="Times New Roman" panose="02020603050405020304" pitchFamily="18" charset="0"/>
-                <a:cs typeface="Times New Roman" panose="02020603050405020304" pitchFamily="18" charset="0"/>
-              </a:rPr>
-              <a:t>, (5, 5), 0)</a:t>
-            </a:r>
-          </a:p>
-          <a:p>
-            <a:r>
-              <a:rPr lang="en-IN" b="0" dirty="0">
-                <a:effectLst/>
-                <a:latin typeface="Times New Roman" panose="02020603050405020304" pitchFamily="18" charset="0"/>
-                <a:cs typeface="Times New Roman" panose="02020603050405020304" pitchFamily="18" charset="0"/>
-              </a:rPr>
-              <a:t>        </a:t>
-            </a:r>
-            <a:r>
-              <a:rPr lang="en-IN" b="0" dirty="0" err="1">
-                <a:effectLst/>
-                <a:latin typeface="Times New Roman" panose="02020603050405020304" pitchFamily="18" charset="0"/>
-                <a:cs typeface="Times New Roman" panose="02020603050405020304" pitchFamily="18" charset="0"/>
-              </a:rPr>
-              <a:t>equalized_img</a:t>
-            </a:r>
-            <a:r>
-              <a:rPr lang="en-IN" b="0" dirty="0">
-                <a:effectLst/>
-                <a:latin typeface="Times New Roman" panose="02020603050405020304" pitchFamily="18" charset="0"/>
-                <a:cs typeface="Times New Roman" panose="02020603050405020304" pitchFamily="18" charset="0"/>
-              </a:rPr>
-              <a:t> = </a:t>
-            </a:r>
-            <a:r>
-              <a:rPr lang="en-IN" b="0" dirty="0" err="1">
-                <a:effectLst/>
-                <a:latin typeface="Times New Roman" panose="02020603050405020304" pitchFamily="18" charset="0"/>
-                <a:cs typeface="Times New Roman" panose="02020603050405020304" pitchFamily="18" charset="0"/>
-              </a:rPr>
-              <a:t>adaptive_histogram_equalization</a:t>
-            </a:r>
-            <a:r>
-              <a:rPr lang="en-IN" b="0" dirty="0">
-                <a:effectLst/>
-                <a:latin typeface="Times New Roman" panose="02020603050405020304" pitchFamily="18" charset="0"/>
-                <a:cs typeface="Times New Roman" panose="02020603050405020304" pitchFamily="18" charset="0"/>
-              </a:rPr>
-              <a:t>(</a:t>
-            </a:r>
-            <a:r>
-              <a:rPr lang="en-IN" b="0" dirty="0" err="1">
-                <a:effectLst/>
-                <a:latin typeface="Times New Roman" panose="02020603050405020304" pitchFamily="18" charset="0"/>
-                <a:cs typeface="Times New Roman" panose="02020603050405020304" pitchFamily="18" charset="0"/>
-              </a:rPr>
-              <a:t>blurred_img</a:t>
-            </a:r>
-            <a:r>
-              <a:rPr lang="en-IN" b="0" dirty="0">
-                <a:effectLst/>
-                <a:latin typeface="Times New Roman" panose="02020603050405020304" pitchFamily="18" charset="0"/>
-                <a:cs typeface="Times New Roman" panose="02020603050405020304" pitchFamily="18" charset="0"/>
-              </a:rPr>
-              <a:t>)</a:t>
-            </a:r>
-          </a:p>
-          <a:p>
-            <a:endParaRPr lang="en-IN" b="0" dirty="0">
-              <a:effectLst/>
+            <a:pPr algn="ctr"/>
+            <a:r>
+              <a:rPr lang="en-US" sz="4800" b="1" dirty="0">
+                <a:solidFill>
+                  <a:schemeClr val="accent1">
+                    <a:lumMod val="75000"/>
+                  </a:schemeClr>
+                </a:solidFill>
+                <a:latin typeface="Times New Roman" panose="02020603050405020304" pitchFamily="18" charset="0"/>
+                <a:cs typeface="Times New Roman" panose="02020603050405020304" pitchFamily="18" charset="0"/>
+              </a:rPr>
+              <a:t>Input</a:t>
+            </a:r>
+            <a:endParaRPr lang="en-IN" sz="4800" b="1" dirty="0">
+              <a:solidFill>
+                <a:schemeClr val="accent1">
+                  <a:lumMod val="75000"/>
+                </a:schemeClr>
+              </a:solidFill>
               <a:latin typeface="Times New Roman" panose="02020603050405020304" pitchFamily="18" charset="0"/>
               <a:cs typeface="Times New Roman" panose="02020603050405020304" pitchFamily="18" charset="0"/>
             </a:endParaRPr>
           </a:p>
-          <a:p>
-            <a:r>
-              <a:rPr lang="en-IN" b="0" dirty="0">
-                <a:effectLst/>
-                <a:latin typeface="Times New Roman" panose="02020603050405020304" pitchFamily="18" charset="0"/>
-                <a:cs typeface="Times New Roman" panose="02020603050405020304" pitchFamily="18" charset="0"/>
-              </a:rPr>
-              <a:t>        </a:t>
-            </a:r>
-            <a:r>
-              <a:rPr lang="en-IN" b="0" dirty="0" err="1">
-                <a:effectLst/>
-                <a:latin typeface="Times New Roman" panose="02020603050405020304" pitchFamily="18" charset="0"/>
-                <a:cs typeface="Times New Roman" panose="02020603050405020304" pitchFamily="18" charset="0"/>
-              </a:rPr>
-              <a:t>thresholded_img</a:t>
-            </a:r>
-            <a:r>
-              <a:rPr lang="en-IN" b="0" dirty="0">
-                <a:effectLst/>
-                <a:latin typeface="Times New Roman" panose="02020603050405020304" pitchFamily="18" charset="0"/>
-                <a:cs typeface="Times New Roman" panose="02020603050405020304" pitchFamily="18" charset="0"/>
-              </a:rPr>
-              <a:t> = </a:t>
-            </a:r>
-            <a:r>
-              <a:rPr lang="en-IN" b="0" dirty="0" err="1">
-                <a:effectLst/>
-                <a:latin typeface="Times New Roman" panose="02020603050405020304" pitchFamily="18" charset="0"/>
-                <a:cs typeface="Times New Roman" panose="02020603050405020304" pitchFamily="18" charset="0"/>
-              </a:rPr>
-              <a:t>otsu_threshold</a:t>
-            </a:r>
-            <a:r>
-              <a:rPr lang="en-IN" b="0" dirty="0">
-                <a:effectLst/>
-                <a:latin typeface="Times New Roman" panose="02020603050405020304" pitchFamily="18" charset="0"/>
-                <a:cs typeface="Times New Roman" panose="02020603050405020304" pitchFamily="18" charset="0"/>
-              </a:rPr>
-              <a:t>(</a:t>
-            </a:r>
-            <a:r>
-              <a:rPr lang="en-IN" b="0" dirty="0" err="1">
-                <a:effectLst/>
-                <a:latin typeface="Times New Roman" panose="02020603050405020304" pitchFamily="18" charset="0"/>
-                <a:cs typeface="Times New Roman" panose="02020603050405020304" pitchFamily="18" charset="0"/>
-              </a:rPr>
-              <a:t>equalized_img</a:t>
-            </a:r>
-            <a:r>
-              <a:rPr lang="en-IN" b="0" dirty="0">
-                <a:effectLst/>
-                <a:latin typeface="Times New Roman" panose="02020603050405020304" pitchFamily="18" charset="0"/>
-                <a:cs typeface="Times New Roman" panose="02020603050405020304" pitchFamily="18" charset="0"/>
-              </a:rPr>
-              <a:t>)</a:t>
-            </a:r>
-          </a:p>
-          <a:p>
-            <a:r>
-              <a:rPr lang="en-IN" b="0" dirty="0">
-                <a:effectLst/>
-                <a:latin typeface="Times New Roman" panose="02020603050405020304" pitchFamily="18" charset="0"/>
-                <a:cs typeface="Times New Roman" panose="02020603050405020304" pitchFamily="18" charset="0"/>
-              </a:rPr>
-              <a:t>        </a:t>
-            </a:r>
-            <a:r>
-              <a:rPr lang="en-IN" b="0" dirty="0" err="1">
-                <a:effectLst/>
-                <a:latin typeface="Times New Roman" panose="02020603050405020304" pitchFamily="18" charset="0"/>
-                <a:cs typeface="Times New Roman" panose="02020603050405020304" pitchFamily="18" charset="0"/>
-              </a:rPr>
-              <a:t>dlt_er_img</a:t>
-            </a:r>
-            <a:r>
-              <a:rPr lang="en-IN" b="0" dirty="0">
-                <a:effectLst/>
-                <a:latin typeface="Times New Roman" panose="02020603050405020304" pitchFamily="18" charset="0"/>
-                <a:cs typeface="Times New Roman" panose="02020603050405020304" pitchFamily="18" charset="0"/>
-              </a:rPr>
-              <a:t> = </a:t>
-            </a:r>
-            <a:r>
-              <a:rPr lang="en-IN" b="0" dirty="0" err="1">
-                <a:effectLst/>
-                <a:latin typeface="Times New Roman" panose="02020603050405020304" pitchFamily="18" charset="0"/>
-                <a:cs typeface="Times New Roman" panose="02020603050405020304" pitchFamily="18" charset="0"/>
-              </a:rPr>
-              <a:t>dilation_erosion</a:t>
-            </a:r>
-            <a:r>
-              <a:rPr lang="en-IN" b="0" dirty="0">
-                <a:effectLst/>
-                <a:latin typeface="Times New Roman" panose="02020603050405020304" pitchFamily="18" charset="0"/>
-                <a:cs typeface="Times New Roman" panose="02020603050405020304" pitchFamily="18" charset="0"/>
-              </a:rPr>
-              <a:t>(</a:t>
-            </a:r>
-            <a:r>
-              <a:rPr lang="en-IN" b="0" dirty="0" err="1">
-                <a:effectLst/>
-                <a:latin typeface="Times New Roman" panose="02020603050405020304" pitchFamily="18" charset="0"/>
-                <a:cs typeface="Times New Roman" panose="02020603050405020304" pitchFamily="18" charset="0"/>
-              </a:rPr>
-              <a:t>thresholded_img</a:t>
-            </a:r>
-            <a:r>
-              <a:rPr lang="en-IN" b="0" dirty="0">
-                <a:effectLst/>
-                <a:latin typeface="Times New Roman" panose="02020603050405020304" pitchFamily="18" charset="0"/>
-                <a:cs typeface="Times New Roman" panose="02020603050405020304" pitchFamily="18" charset="0"/>
-              </a:rPr>
-              <a:t>)</a:t>
-            </a:r>
-          </a:p>
-          <a:p>
-            <a:r>
-              <a:rPr lang="en-IN" b="0" dirty="0">
-                <a:effectLst/>
-                <a:latin typeface="Times New Roman" panose="02020603050405020304" pitchFamily="18" charset="0"/>
-                <a:cs typeface="Times New Roman" panose="02020603050405020304" pitchFamily="18" charset="0"/>
-              </a:rPr>
-              <a:t>        </a:t>
-            </a:r>
-            <a:r>
-              <a:rPr lang="en-IN" b="0" dirty="0" err="1">
-                <a:effectLst/>
-                <a:latin typeface="Times New Roman" panose="02020603050405020304" pitchFamily="18" charset="0"/>
-                <a:cs typeface="Times New Roman" panose="02020603050405020304" pitchFamily="18" charset="0"/>
-              </a:rPr>
-              <a:t>processed_images.extend</a:t>
-            </a:r>
-            <a:r>
-              <a:rPr lang="en-IN" b="0" dirty="0">
-                <a:effectLst/>
-                <a:latin typeface="Times New Roman" panose="02020603050405020304" pitchFamily="18" charset="0"/>
-                <a:cs typeface="Times New Roman" panose="02020603050405020304" pitchFamily="18" charset="0"/>
-              </a:rPr>
-              <a:t>([</a:t>
-            </a:r>
-            <a:r>
-              <a:rPr lang="en-IN" b="0" dirty="0" err="1">
-                <a:effectLst/>
-                <a:latin typeface="Times New Roman" panose="02020603050405020304" pitchFamily="18" charset="0"/>
-                <a:cs typeface="Times New Roman" panose="02020603050405020304" pitchFamily="18" charset="0"/>
-              </a:rPr>
-              <a:t>resized_img</a:t>
-            </a:r>
-            <a:r>
-              <a:rPr lang="en-IN" b="0" dirty="0">
-                <a:effectLst/>
-                <a:latin typeface="Times New Roman" panose="02020603050405020304" pitchFamily="18" charset="0"/>
-                <a:cs typeface="Times New Roman" panose="02020603050405020304" pitchFamily="18" charset="0"/>
-              </a:rPr>
-              <a:t>, </a:t>
-            </a:r>
-            <a:r>
-              <a:rPr lang="en-IN" b="0" dirty="0" err="1">
-                <a:effectLst/>
-                <a:latin typeface="Times New Roman" panose="02020603050405020304" pitchFamily="18" charset="0"/>
-                <a:cs typeface="Times New Roman" panose="02020603050405020304" pitchFamily="18" charset="0"/>
-              </a:rPr>
-              <a:t>gamma_corrected_img</a:t>
-            </a:r>
-            <a:r>
-              <a:rPr lang="en-IN" b="0" dirty="0">
-                <a:effectLst/>
-                <a:latin typeface="Times New Roman" panose="02020603050405020304" pitchFamily="18" charset="0"/>
-                <a:cs typeface="Times New Roman" panose="02020603050405020304" pitchFamily="18" charset="0"/>
-              </a:rPr>
-              <a:t>, </a:t>
-            </a:r>
-            <a:r>
-              <a:rPr lang="en-IN" b="0" dirty="0" err="1">
-                <a:effectLst/>
-                <a:latin typeface="Times New Roman" panose="02020603050405020304" pitchFamily="18" charset="0"/>
-                <a:cs typeface="Times New Roman" panose="02020603050405020304" pitchFamily="18" charset="0"/>
-              </a:rPr>
-              <a:t>blurred_img</a:t>
-            </a:r>
-            <a:r>
-              <a:rPr lang="en-IN" b="0" dirty="0">
-                <a:effectLst/>
-                <a:latin typeface="Times New Roman" panose="02020603050405020304" pitchFamily="18" charset="0"/>
-                <a:cs typeface="Times New Roman" panose="02020603050405020304" pitchFamily="18" charset="0"/>
-              </a:rPr>
-              <a:t>, </a:t>
-            </a:r>
-            <a:r>
-              <a:rPr lang="en-IN" b="0" dirty="0" err="1">
-                <a:effectLst/>
-                <a:latin typeface="Times New Roman" panose="02020603050405020304" pitchFamily="18" charset="0"/>
-                <a:cs typeface="Times New Roman" panose="02020603050405020304" pitchFamily="18" charset="0"/>
-              </a:rPr>
-              <a:t>equalized_img</a:t>
-            </a:r>
-            <a:r>
-              <a:rPr lang="en-IN" b="0" dirty="0">
-                <a:effectLst/>
-                <a:latin typeface="Times New Roman" panose="02020603050405020304" pitchFamily="18" charset="0"/>
-                <a:cs typeface="Times New Roman" panose="02020603050405020304" pitchFamily="18" charset="0"/>
-              </a:rPr>
-              <a:t>, </a:t>
-            </a:r>
-            <a:r>
-              <a:rPr lang="en-IN" b="0" dirty="0" err="1">
-                <a:effectLst/>
-                <a:latin typeface="Times New Roman" panose="02020603050405020304" pitchFamily="18" charset="0"/>
-                <a:cs typeface="Times New Roman" panose="02020603050405020304" pitchFamily="18" charset="0"/>
-              </a:rPr>
-              <a:t>thresholded_img</a:t>
-            </a:r>
-            <a:r>
-              <a:rPr lang="en-IN" b="0" dirty="0">
-                <a:effectLst/>
-                <a:latin typeface="Times New Roman" panose="02020603050405020304" pitchFamily="18" charset="0"/>
-                <a:cs typeface="Times New Roman" panose="02020603050405020304" pitchFamily="18" charset="0"/>
-              </a:rPr>
-              <a:t>, </a:t>
-            </a:r>
-            <a:r>
-              <a:rPr lang="en-IN" b="0" dirty="0" err="1">
-                <a:effectLst/>
-                <a:latin typeface="Times New Roman" panose="02020603050405020304" pitchFamily="18" charset="0"/>
-                <a:cs typeface="Times New Roman" panose="02020603050405020304" pitchFamily="18" charset="0"/>
-              </a:rPr>
-              <a:t>dlt_er_img</a:t>
-            </a:r>
-            <a:r>
-              <a:rPr lang="en-IN" b="0" dirty="0">
-                <a:effectLst/>
-                <a:latin typeface="Times New Roman" panose="02020603050405020304" pitchFamily="18" charset="0"/>
-                <a:cs typeface="Times New Roman" panose="02020603050405020304" pitchFamily="18" charset="0"/>
-              </a:rPr>
-              <a:t>])</a:t>
-            </a:r>
-          </a:p>
-          <a:p>
-            <a:r>
-              <a:rPr lang="en-IN" b="0" dirty="0">
-                <a:effectLst/>
-                <a:latin typeface="Times New Roman" panose="02020603050405020304" pitchFamily="18" charset="0"/>
-                <a:cs typeface="Times New Roman" panose="02020603050405020304" pitchFamily="18" charset="0"/>
-              </a:rPr>
-              <a:t>        </a:t>
-            </a:r>
-            <a:r>
-              <a:rPr lang="en-IN" b="0" dirty="0" err="1">
-                <a:effectLst/>
-                <a:latin typeface="Times New Roman" panose="02020603050405020304" pitchFamily="18" charset="0"/>
-                <a:cs typeface="Times New Roman" panose="02020603050405020304" pitchFamily="18" charset="0"/>
-              </a:rPr>
-              <a:t>processed_titles.extend</a:t>
-            </a:r>
-            <a:r>
-              <a:rPr lang="en-IN" b="0" dirty="0">
-                <a:effectLst/>
-                <a:latin typeface="Times New Roman" panose="02020603050405020304" pitchFamily="18" charset="0"/>
-                <a:cs typeface="Times New Roman" panose="02020603050405020304" pitchFamily="18" charset="0"/>
-              </a:rPr>
-              <a:t>([</a:t>
-            </a:r>
-          </a:p>
-          <a:p>
-            <a:r>
-              <a:rPr lang="en-IN" b="0" dirty="0">
-                <a:effectLst/>
-                <a:latin typeface="Times New Roman" panose="02020603050405020304" pitchFamily="18" charset="0"/>
-                <a:cs typeface="Times New Roman" panose="02020603050405020304" pitchFamily="18" charset="0"/>
-              </a:rPr>
-              <a:t>            </a:t>
-            </a:r>
-            <a:r>
-              <a:rPr lang="en-IN" b="0" dirty="0" err="1">
-                <a:effectLst/>
-                <a:latin typeface="Times New Roman" panose="02020603050405020304" pitchFamily="18" charset="0"/>
-                <a:cs typeface="Times New Roman" panose="02020603050405020304" pitchFamily="18" charset="0"/>
-              </a:rPr>
-              <a:t>f'Resized</a:t>
-            </a:r>
-            <a:r>
-              <a:rPr lang="en-IN" b="0" dirty="0">
-                <a:effectLst/>
-                <a:latin typeface="Times New Roman" panose="02020603050405020304" pitchFamily="18" charset="0"/>
-                <a:cs typeface="Times New Roman" panose="02020603050405020304" pitchFamily="18" charset="0"/>
-              </a:rPr>
-              <a:t> Image {</a:t>
-            </a:r>
-            <a:r>
-              <a:rPr lang="en-IN" b="0" dirty="0" err="1">
-                <a:effectLst/>
-                <a:latin typeface="Times New Roman" panose="02020603050405020304" pitchFamily="18" charset="0"/>
-                <a:cs typeface="Times New Roman" panose="02020603050405020304" pitchFamily="18" charset="0"/>
-              </a:rPr>
-              <a:t>i</a:t>
-            </a:r>
-            <a:r>
-              <a:rPr lang="en-IN" b="0" dirty="0">
-                <a:effectLst/>
-                <a:latin typeface="Times New Roman" panose="02020603050405020304" pitchFamily="18" charset="0"/>
-                <a:cs typeface="Times New Roman" panose="02020603050405020304" pitchFamily="18" charset="0"/>
-              </a:rPr>
-              <a:t> + 1}-{chr(</a:t>
-            </a:r>
-            <a:r>
-              <a:rPr lang="en-IN" b="0" dirty="0" err="1">
-                <a:effectLst/>
-                <a:latin typeface="Times New Roman" panose="02020603050405020304" pitchFamily="18" charset="0"/>
-                <a:cs typeface="Times New Roman" panose="02020603050405020304" pitchFamily="18" charset="0"/>
-              </a:rPr>
-              <a:t>ord</a:t>
-            </a:r>
-            <a:r>
-              <a:rPr lang="en-IN" b="0" dirty="0">
-                <a:effectLst/>
-                <a:latin typeface="Times New Roman" panose="02020603050405020304" pitchFamily="18" charset="0"/>
-                <a:cs typeface="Times New Roman" panose="02020603050405020304" pitchFamily="18" charset="0"/>
-              </a:rPr>
-              <a:t>("A") + j)}',</a:t>
-            </a:r>
-          </a:p>
-          <a:p>
-            <a:r>
-              <a:rPr lang="en-IN" b="0" dirty="0">
-                <a:effectLst/>
-                <a:latin typeface="Times New Roman" panose="02020603050405020304" pitchFamily="18" charset="0"/>
-                <a:cs typeface="Times New Roman" panose="02020603050405020304" pitchFamily="18" charset="0"/>
-              </a:rPr>
-              <a:t>            </a:t>
-            </a:r>
-            <a:r>
-              <a:rPr lang="en-IN" b="0" dirty="0" err="1">
-                <a:effectLst/>
-                <a:latin typeface="Times New Roman" panose="02020603050405020304" pitchFamily="18" charset="0"/>
-                <a:cs typeface="Times New Roman" panose="02020603050405020304" pitchFamily="18" charset="0"/>
-              </a:rPr>
-              <a:t>f'Gamma</a:t>
-            </a:r>
-            <a:r>
-              <a:rPr lang="en-IN" b="0" dirty="0">
-                <a:effectLst/>
-                <a:latin typeface="Times New Roman" panose="02020603050405020304" pitchFamily="18" charset="0"/>
-                <a:cs typeface="Times New Roman" panose="02020603050405020304" pitchFamily="18" charset="0"/>
-              </a:rPr>
-              <a:t> Image {</a:t>
-            </a:r>
-            <a:r>
-              <a:rPr lang="en-IN" b="0" dirty="0" err="1">
-                <a:effectLst/>
-                <a:latin typeface="Times New Roman" panose="02020603050405020304" pitchFamily="18" charset="0"/>
-                <a:cs typeface="Times New Roman" panose="02020603050405020304" pitchFamily="18" charset="0"/>
-              </a:rPr>
-              <a:t>i</a:t>
-            </a:r>
-            <a:r>
-              <a:rPr lang="en-IN" b="0" dirty="0">
-                <a:effectLst/>
-                <a:latin typeface="Times New Roman" panose="02020603050405020304" pitchFamily="18" charset="0"/>
-                <a:cs typeface="Times New Roman" panose="02020603050405020304" pitchFamily="18" charset="0"/>
-              </a:rPr>
-              <a:t> + 1}-{chr(</a:t>
-            </a:r>
-            <a:r>
-              <a:rPr lang="en-IN" b="0" dirty="0" err="1">
-                <a:effectLst/>
-                <a:latin typeface="Times New Roman" panose="02020603050405020304" pitchFamily="18" charset="0"/>
-                <a:cs typeface="Times New Roman" panose="02020603050405020304" pitchFamily="18" charset="0"/>
-              </a:rPr>
-              <a:t>ord</a:t>
-            </a:r>
-            <a:r>
-              <a:rPr lang="en-IN" b="0" dirty="0">
-                <a:effectLst/>
-                <a:latin typeface="Times New Roman" panose="02020603050405020304" pitchFamily="18" charset="0"/>
-                <a:cs typeface="Times New Roman" panose="02020603050405020304" pitchFamily="18" charset="0"/>
-              </a:rPr>
-              <a:t>("A") + j)}',</a:t>
-            </a:r>
-          </a:p>
-          <a:p>
-            <a:r>
-              <a:rPr lang="en-IN" b="0" dirty="0">
-                <a:effectLst/>
-                <a:latin typeface="Times New Roman" panose="02020603050405020304" pitchFamily="18" charset="0"/>
-                <a:cs typeface="Times New Roman" panose="02020603050405020304" pitchFamily="18" charset="0"/>
-              </a:rPr>
-              <a:t>            </a:t>
-            </a:r>
-            <a:r>
-              <a:rPr lang="en-IN" b="0" dirty="0" err="1">
-                <a:effectLst/>
-                <a:latin typeface="Times New Roman" panose="02020603050405020304" pitchFamily="18" charset="0"/>
-                <a:cs typeface="Times New Roman" panose="02020603050405020304" pitchFamily="18" charset="0"/>
-              </a:rPr>
-              <a:t>f'Blurred</a:t>
-            </a:r>
-            <a:r>
-              <a:rPr lang="en-IN" b="0" dirty="0">
-                <a:effectLst/>
-                <a:latin typeface="Times New Roman" panose="02020603050405020304" pitchFamily="18" charset="0"/>
-                <a:cs typeface="Times New Roman" panose="02020603050405020304" pitchFamily="18" charset="0"/>
-              </a:rPr>
-              <a:t> Image {</a:t>
-            </a:r>
-            <a:r>
-              <a:rPr lang="en-IN" b="0" dirty="0" err="1">
-                <a:effectLst/>
-                <a:latin typeface="Times New Roman" panose="02020603050405020304" pitchFamily="18" charset="0"/>
-                <a:cs typeface="Times New Roman" panose="02020603050405020304" pitchFamily="18" charset="0"/>
-              </a:rPr>
-              <a:t>i</a:t>
-            </a:r>
-            <a:r>
-              <a:rPr lang="en-IN" b="0" dirty="0">
-                <a:effectLst/>
-                <a:latin typeface="Times New Roman" panose="02020603050405020304" pitchFamily="18" charset="0"/>
-                <a:cs typeface="Times New Roman" panose="02020603050405020304" pitchFamily="18" charset="0"/>
-              </a:rPr>
-              <a:t> + 1}-{chr(</a:t>
-            </a:r>
-            <a:r>
-              <a:rPr lang="en-IN" b="0" dirty="0" err="1">
-                <a:effectLst/>
-                <a:latin typeface="Times New Roman" panose="02020603050405020304" pitchFamily="18" charset="0"/>
-                <a:cs typeface="Times New Roman" panose="02020603050405020304" pitchFamily="18" charset="0"/>
-              </a:rPr>
-              <a:t>ord</a:t>
-            </a:r>
-            <a:r>
-              <a:rPr lang="en-IN" b="0" dirty="0">
-                <a:effectLst/>
-                <a:latin typeface="Times New Roman" panose="02020603050405020304" pitchFamily="18" charset="0"/>
-                <a:cs typeface="Times New Roman" panose="02020603050405020304" pitchFamily="18" charset="0"/>
-              </a:rPr>
-              <a:t>("A") + j)}',</a:t>
-            </a:r>
-          </a:p>
-          <a:p>
-            <a:r>
-              <a:rPr lang="en-IN" b="0" dirty="0">
-                <a:effectLst/>
-                <a:latin typeface="Times New Roman" panose="02020603050405020304" pitchFamily="18" charset="0"/>
-                <a:cs typeface="Times New Roman" panose="02020603050405020304" pitchFamily="18" charset="0"/>
-              </a:rPr>
-              <a:t>            </a:t>
-            </a:r>
-            <a:r>
-              <a:rPr lang="en-IN" b="0" dirty="0" err="1">
-                <a:effectLst/>
-                <a:latin typeface="Times New Roman" panose="02020603050405020304" pitchFamily="18" charset="0"/>
-                <a:cs typeface="Times New Roman" panose="02020603050405020304" pitchFamily="18" charset="0"/>
-              </a:rPr>
-              <a:t>f'Equalized</a:t>
-            </a:r>
-            <a:r>
-              <a:rPr lang="en-IN" b="0" dirty="0">
-                <a:effectLst/>
-                <a:latin typeface="Times New Roman" panose="02020603050405020304" pitchFamily="18" charset="0"/>
-                <a:cs typeface="Times New Roman" panose="02020603050405020304" pitchFamily="18" charset="0"/>
-              </a:rPr>
-              <a:t> Image {</a:t>
-            </a:r>
-            <a:r>
-              <a:rPr lang="en-IN" b="0" dirty="0" err="1">
-                <a:effectLst/>
-                <a:latin typeface="Times New Roman" panose="02020603050405020304" pitchFamily="18" charset="0"/>
-                <a:cs typeface="Times New Roman" panose="02020603050405020304" pitchFamily="18" charset="0"/>
-              </a:rPr>
-              <a:t>i</a:t>
-            </a:r>
-            <a:r>
-              <a:rPr lang="en-IN" b="0" dirty="0">
-                <a:effectLst/>
-                <a:latin typeface="Times New Roman" panose="02020603050405020304" pitchFamily="18" charset="0"/>
-                <a:cs typeface="Times New Roman" panose="02020603050405020304" pitchFamily="18" charset="0"/>
-              </a:rPr>
-              <a:t> + 1}-{chr(</a:t>
-            </a:r>
-            <a:r>
-              <a:rPr lang="en-IN" b="0" dirty="0" err="1">
-                <a:effectLst/>
-                <a:latin typeface="Times New Roman" panose="02020603050405020304" pitchFamily="18" charset="0"/>
-                <a:cs typeface="Times New Roman" panose="02020603050405020304" pitchFamily="18" charset="0"/>
-              </a:rPr>
-              <a:t>ord</a:t>
-            </a:r>
-            <a:r>
-              <a:rPr lang="en-IN" b="0" dirty="0">
-                <a:effectLst/>
-                <a:latin typeface="Times New Roman" panose="02020603050405020304" pitchFamily="18" charset="0"/>
-                <a:cs typeface="Times New Roman" panose="02020603050405020304" pitchFamily="18" charset="0"/>
-              </a:rPr>
-              <a:t>("A") + j)}',</a:t>
-            </a:r>
-          </a:p>
-          <a:p>
-            <a:r>
-              <a:rPr lang="en-IN" b="0" dirty="0">
-                <a:effectLst/>
-                <a:latin typeface="Times New Roman" panose="02020603050405020304" pitchFamily="18" charset="0"/>
-                <a:cs typeface="Times New Roman" panose="02020603050405020304" pitchFamily="18" charset="0"/>
-              </a:rPr>
-              <a:t>            </a:t>
-            </a:r>
-            <a:r>
-              <a:rPr lang="en-IN" b="0" dirty="0" err="1">
-                <a:effectLst/>
-                <a:latin typeface="Times New Roman" panose="02020603050405020304" pitchFamily="18" charset="0"/>
-                <a:cs typeface="Times New Roman" panose="02020603050405020304" pitchFamily="18" charset="0"/>
-              </a:rPr>
-              <a:t>f'Thresholded</a:t>
-            </a:r>
-            <a:r>
-              <a:rPr lang="en-IN" b="0" dirty="0">
-                <a:effectLst/>
-                <a:latin typeface="Times New Roman" panose="02020603050405020304" pitchFamily="18" charset="0"/>
-                <a:cs typeface="Times New Roman" panose="02020603050405020304" pitchFamily="18" charset="0"/>
-              </a:rPr>
-              <a:t> Image {</a:t>
-            </a:r>
-            <a:r>
-              <a:rPr lang="en-IN" b="0" dirty="0" err="1">
-                <a:effectLst/>
-                <a:latin typeface="Times New Roman" panose="02020603050405020304" pitchFamily="18" charset="0"/>
-                <a:cs typeface="Times New Roman" panose="02020603050405020304" pitchFamily="18" charset="0"/>
-              </a:rPr>
-              <a:t>i</a:t>
-            </a:r>
-            <a:r>
-              <a:rPr lang="en-IN" b="0" dirty="0">
-                <a:effectLst/>
-                <a:latin typeface="Times New Roman" panose="02020603050405020304" pitchFamily="18" charset="0"/>
-                <a:cs typeface="Times New Roman" panose="02020603050405020304" pitchFamily="18" charset="0"/>
-              </a:rPr>
-              <a:t> + 1}-{chr(</a:t>
-            </a:r>
-            <a:r>
-              <a:rPr lang="en-IN" b="0" dirty="0" err="1">
-                <a:effectLst/>
-                <a:latin typeface="Times New Roman" panose="02020603050405020304" pitchFamily="18" charset="0"/>
-                <a:cs typeface="Times New Roman" panose="02020603050405020304" pitchFamily="18" charset="0"/>
-              </a:rPr>
-              <a:t>ord</a:t>
-            </a:r>
-            <a:r>
-              <a:rPr lang="en-IN" b="0" dirty="0">
-                <a:effectLst/>
-                <a:latin typeface="Times New Roman" panose="02020603050405020304" pitchFamily="18" charset="0"/>
-                <a:cs typeface="Times New Roman" panose="02020603050405020304" pitchFamily="18" charset="0"/>
-              </a:rPr>
-              <a:t>("A") + j)}',</a:t>
-            </a:r>
-          </a:p>
-          <a:p>
-            <a:r>
-              <a:rPr lang="en-IN" b="0" dirty="0">
-                <a:effectLst/>
-                <a:latin typeface="Times New Roman" panose="02020603050405020304" pitchFamily="18" charset="0"/>
-                <a:cs typeface="Times New Roman" panose="02020603050405020304" pitchFamily="18" charset="0"/>
-              </a:rPr>
-              <a:t>            </a:t>
-            </a:r>
-            <a:r>
-              <a:rPr lang="en-IN" b="0" dirty="0" err="1">
-                <a:effectLst/>
-                <a:latin typeface="Times New Roman" panose="02020603050405020304" pitchFamily="18" charset="0"/>
-                <a:cs typeface="Times New Roman" panose="02020603050405020304" pitchFamily="18" charset="0"/>
-              </a:rPr>
-              <a:t>f'Dilatation</a:t>
-            </a:r>
-            <a:r>
-              <a:rPr lang="en-IN" b="0" dirty="0">
-                <a:effectLst/>
-                <a:latin typeface="Times New Roman" panose="02020603050405020304" pitchFamily="18" charset="0"/>
-                <a:cs typeface="Times New Roman" panose="02020603050405020304" pitchFamily="18" charset="0"/>
-              </a:rPr>
-              <a:t> and Erosion Image {</a:t>
-            </a:r>
-            <a:r>
-              <a:rPr lang="en-IN" b="0" dirty="0" err="1">
-                <a:effectLst/>
-                <a:latin typeface="Times New Roman" panose="02020603050405020304" pitchFamily="18" charset="0"/>
-                <a:cs typeface="Times New Roman" panose="02020603050405020304" pitchFamily="18" charset="0"/>
-              </a:rPr>
-              <a:t>i</a:t>
-            </a:r>
-            <a:r>
-              <a:rPr lang="en-IN" b="0" dirty="0">
-                <a:effectLst/>
-                <a:latin typeface="Times New Roman" panose="02020603050405020304" pitchFamily="18" charset="0"/>
-                <a:cs typeface="Times New Roman" panose="02020603050405020304" pitchFamily="18" charset="0"/>
-              </a:rPr>
-              <a:t> + 1}-{chr(</a:t>
-            </a:r>
-            <a:r>
-              <a:rPr lang="en-IN" b="0" dirty="0" err="1">
-                <a:effectLst/>
-                <a:latin typeface="Times New Roman" panose="02020603050405020304" pitchFamily="18" charset="0"/>
-                <a:cs typeface="Times New Roman" panose="02020603050405020304" pitchFamily="18" charset="0"/>
-              </a:rPr>
-              <a:t>ord</a:t>
-            </a:r>
-            <a:r>
-              <a:rPr lang="en-IN" b="0" dirty="0">
-                <a:effectLst/>
-                <a:latin typeface="Times New Roman" panose="02020603050405020304" pitchFamily="18" charset="0"/>
-                <a:cs typeface="Times New Roman" panose="02020603050405020304" pitchFamily="18" charset="0"/>
-              </a:rPr>
-              <a:t>("A") + j)}'])</a:t>
-            </a:r>
-          </a:p>
-          <a:p>
-            <a:r>
-              <a:rPr lang="en-IN" b="0" dirty="0">
-                <a:effectLst/>
-                <a:latin typeface="Times New Roman" panose="02020603050405020304" pitchFamily="18" charset="0"/>
-                <a:cs typeface="Times New Roman" panose="02020603050405020304" pitchFamily="18" charset="0"/>
-              </a:rPr>
-              <a:t>    </a:t>
-            </a:r>
-            <a:r>
-              <a:rPr lang="en-IN" b="0" dirty="0" err="1">
-                <a:effectLst/>
-                <a:latin typeface="Times New Roman" panose="02020603050405020304" pitchFamily="18" charset="0"/>
-                <a:cs typeface="Times New Roman" panose="02020603050405020304" pitchFamily="18" charset="0"/>
-              </a:rPr>
-              <a:t>plotting_grid</a:t>
-            </a:r>
-            <a:r>
-              <a:rPr lang="en-IN" b="0" dirty="0">
-                <a:effectLst/>
-                <a:latin typeface="Times New Roman" panose="02020603050405020304" pitchFamily="18" charset="0"/>
-                <a:cs typeface="Times New Roman" panose="02020603050405020304" pitchFamily="18" charset="0"/>
-              </a:rPr>
-              <a:t>(</a:t>
-            </a:r>
-            <a:r>
-              <a:rPr lang="en-IN" b="0" dirty="0" err="1">
-                <a:effectLst/>
-                <a:latin typeface="Times New Roman" panose="02020603050405020304" pitchFamily="18" charset="0"/>
-                <a:cs typeface="Times New Roman" panose="02020603050405020304" pitchFamily="18" charset="0"/>
-              </a:rPr>
-              <a:t>processed_images</a:t>
-            </a:r>
-            <a:r>
-              <a:rPr lang="en-IN" b="0" dirty="0">
-                <a:effectLst/>
-                <a:latin typeface="Times New Roman" panose="02020603050405020304" pitchFamily="18" charset="0"/>
-                <a:cs typeface="Times New Roman" panose="02020603050405020304" pitchFamily="18" charset="0"/>
-              </a:rPr>
-              <a:t>, </a:t>
-            </a:r>
-            <a:r>
-              <a:rPr lang="en-IN" b="0" dirty="0" err="1">
-                <a:effectLst/>
-                <a:latin typeface="Times New Roman" panose="02020603050405020304" pitchFamily="18" charset="0"/>
-                <a:cs typeface="Times New Roman" panose="02020603050405020304" pitchFamily="18" charset="0"/>
-              </a:rPr>
-              <a:t>processed_titles</a:t>
-            </a:r>
-            <a:r>
-              <a:rPr lang="en-IN" b="0" dirty="0">
-                <a:effectLst/>
-                <a:latin typeface="Times New Roman" panose="02020603050405020304" pitchFamily="18" charset="0"/>
-                <a:cs typeface="Times New Roman" panose="02020603050405020304" pitchFamily="18" charset="0"/>
-              </a:rPr>
-              <a:t>, </a:t>
-            </a:r>
-            <a:r>
-              <a:rPr lang="en-IN" b="0" dirty="0" err="1">
-                <a:effectLst/>
-                <a:latin typeface="Times New Roman" panose="02020603050405020304" pitchFamily="18" charset="0"/>
-                <a:cs typeface="Times New Roman" panose="02020603050405020304" pitchFamily="18" charset="0"/>
-              </a:rPr>
-              <a:t>len</a:t>
-            </a:r>
-            <a:r>
-              <a:rPr lang="en-IN" b="0" dirty="0">
-                <a:effectLst/>
-                <a:latin typeface="Times New Roman" panose="02020603050405020304" pitchFamily="18" charset="0"/>
-                <a:cs typeface="Times New Roman" panose="02020603050405020304" pitchFamily="18" charset="0"/>
-              </a:rPr>
-              <a:t>(</a:t>
-            </a:r>
-            <a:r>
-              <a:rPr lang="en-IN" b="0" dirty="0" err="1">
-                <a:effectLst/>
-                <a:latin typeface="Times New Roman" panose="02020603050405020304" pitchFamily="18" charset="0"/>
-                <a:cs typeface="Times New Roman" panose="02020603050405020304" pitchFamily="18" charset="0"/>
-              </a:rPr>
-              <a:t>cropped_images</a:t>
-            </a:r>
-            <a:r>
-              <a:rPr lang="en-IN" b="0" dirty="0">
-                <a:effectLst/>
-                <a:latin typeface="Times New Roman" panose="02020603050405020304" pitchFamily="18" charset="0"/>
-                <a:cs typeface="Times New Roman" panose="02020603050405020304" pitchFamily="18" charset="0"/>
-              </a:rPr>
-              <a:t>), 6, 18)</a:t>
-            </a:r>
-          </a:p>
-          <a:p>
-            <a:r>
-              <a:rPr lang="en-IN" b="0" dirty="0">
-                <a:effectLst/>
-                <a:latin typeface="Times New Roman" panose="02020603050405020304" pitchFamily="18" charset="0"/>
-                <a:cs typeface="Times New Roman" panose="02020603050405020304" pitchFamily="18" charset="0"/>
-              </a:rPr>
-              <a:t>    </a:t>
-            </a:r>
-            <a:r>
-              <a:rPr lang="en-IN" b="0" dirty="0" err="1">
-                <a:effectLst/>
-                <a:latin typeface="Times New Roman" panose="02020603050405020304" pitchFamily="18" charset="0"/>
-                <a:cs typeface="Times New Roman" panose="02020603050405020304" pitchFamily="18" charset="0"/>
-              </a:rPr>
-              <a:t>total_people_count</a:t>
-            </a:r>
-            <a:r>
-              <a:rPr lang="en-IN" b="0" dirty="0">
-                <a:effectLst/>
-                <a:latin typeface="Times New Roman" panose="02020603050405020304" pitchFamily="18" charset="0"/>
-                <a:cs typeface="Times New Roman" panose="02020603050405020304" pitchFamily="18" charset="0"/>
-              </a:rPr>
-              <a:t> += </a:t>
-            </a:r>
-            <a:r>
-              <a:rPr lang="en-IN" b="0" dirty="0" err="1">
-                <a:effectLst/>
-                <a:latin typeface="Times New Roman" panose="02020603050405020304" pitchFamily="18" charset="0"/>
-                <a:cs typeface="Times New Roman" panose="02020603050405020304" pitchFamily="18" charset="0"/>
-              </a:rPr>
-              <a:t>labeling</a:t>
-            </a:r>
-            <a:r>
-              <a:rPr lang="en-IN" b="0" dirty="0">
-                <a:effectLst/>
-                <a:latin typeface="Times New Roman" panose="02020603050405020304" pitchFamily="18" charset="0"/>
-                <a:cs typeface="Times New Roman" panose="02020603050405020304" pitchFamily="18" charset="0"/>
-              </a:rPr>
-              <a:t>(</a:t>
-            </a:r>
-            <a:r>
-              <a:rPr lang="en-IN" b="0" dirty="0" err="1">
-                <a:effectLst/>
-                <a:latin typeface="Times New Roman" panose="02020603050405020304" pitchFamily="18" charset="0"/>
-                <a:cs typeface="Times New Roman" panose="02020603050405020304" pitchFamily="18" charset="0"/>
-              </a:rPr>
-              <a:t>dlt_er_img</a:t>
-            </a:r>
-            <a:r>
-              <a:rPr lang="en-IN" b="0" dirty="0">
-                <a:effectLst/>
-                <a:latin typeface="Times New Roman" panose="02020603050405020304" pitchFamily="18" charset="0"/>
-                <a:cs typeface="Times New Roman" panose="02020603050405020304" pitchFamily="18" charset="0"/>
-              </a:rPr>
-              <a:t>)</a:t>
-            </a:r>
-          </a:p>
-          <a:p>
-            <a:r>
-              <a:rPr lang="en-IN" b="0" dirty="0">
-                <a:effectLst/>
-                <a:latin typeface="Times New Roman" panose="02020603050405020304" pitchFamily="18" charset="0"/>
-                <a:cs typeface="Times New Roman" panose="02020603050405020304" pitchFamily="18" charset="0"/>
-              </a:rPr>
-              <a:t>print(</a:t>
-            </a:r>
-            <a:r>
-              <a:rPr lang="en-IN" b="0" dirty="0" err="1">
-                <a:effectLst/>
-                <a:latin typeface="Times New Roman" panose="02020603050405020304" pitchFamily="18" charset="0"/>
-                <a:cs typeface="Times New Roman" panose="02020603050405020304" pitchFamily="18" charset="0"/>
-              </a:rPr>
-              <a:t>f'Total</a:t>
-            </a:r>
-            <a:r>
-              <a:rPr lang="en-IN" b="0" dirty="0">
-                <a:effectLst/>
-                <a:latin typeface="Times New Roman" panose="02020603050405020304" pitchFamily="18" charset="0"/>
-                <a:cs typeface="Times New Roman" panose="02020603050405020304" pitchFamily="18" charset="0"/>
-              </a:rPr>
-              <a:t> people counted across all images: {</a:t>
-            </a:r>
-            <a:r>
-              <a:rPr lang="en-IN" b="0" dirty="0" err="1">
-                <a:effectLst/>
-                <a:latin typeface="Times New Roman" panose="02020603050405020304" pitchFamily="18" charset="0"/>
-                <a:cs typeface="Times New Roman" panose="02020603050405020304" pitchFamily="18" charset="0"/>
-              </a:rPr>
-              <a:t>total_people_count</a:t>
-            </a:r>
-            <a:r>
-              <a:rPr lang="en-IN" b="0" dirty="0">
-                <a:effectLst/>
-                <a:latin typeface="Times New Roman" panose="02020603050405020304" pitchFamily="18" charset="0"/>
-                <a:cs typeface="Times New Roman" panose="02020603050405020304" pitchFamily="18" charset="0"/>
-              </a:rPr>
-              <a:t>}')</a:t>
-            </a:r>
-          </a:p>
         </p:txBody>
       </p:sp>
+      <p:pic>
+        <p:nvPicPr>
+          <p:cNvPr id="4" name="Picture 3">
+            <a:extLst>
+              <a:ext uri="{FF2B5EF4-FFF2-40B4-BE49-F238E27FC236}">
+                <a16:creationId xmlns:a16="http://schemas.microsoft.com/office/drawing/2014/main" id="{4E266DDD-91E0-D456-6568-568D93A96759}"/>
+              </a:ext>
+            </a:extLst>
+          </p:cNvPr>
+          <p:cNvPicPr>
+            <a:picLocks noChangeAspect="1"/>
+          </p:cNvPicPr>
+          <p:nvPr/>
+        </p:nvPicPr>
+        <p:blipFill rotWithShape="1">
+          <a:blip r:embed="rId2">
+            <a:extLst>
+              <a:ext uri="{28A0092B-C50C-407E-A947-70E740481C1C}">
+                <a14:useLocalDpi xmlns:a14="http://schemas.microsoft.com/office/drawing/2010/main" val="0"/>
+              </a:ext>
+            </a:extLst>
+          </a:blip>
+          <a:srcRect t="3817"/>
+          <a:stretch/>
+        </p:blipFill>
+        <p:spPr>
+          <a:xfrm>
+            <a:off x="2145300" y="1200523"/>
+            <a:ext cx="7403814" cy="5340896"/>
+          </a:xfrm>
+          <a:prstGeom prst="rect">
+            <a:avLst/>
+          </a:prstGeom>
+        </p:spPr>
+      </p:pic>
     </p:spTree>
     <p:extLst>
       <p:ext uri="{BB962C8B-B14F-4D97-AF65-F5344CB8AC3E}">
-        <p14:creationId xmlns:p14="http://schemas.microsoft.com/office/powerpoint/2010/main" val="1291923689"/>
+        <p14:creationId xmlns:p14="http://schemas.microsoft.com/office/powerpoint/2010/main" val="2135787749"/>
       </p:ext>
     </p:extLst>
   </p:cSld>
@@ -9663,10 +7424,10 @@
       </p:grpSpPr>
       <p:sp>
         <p:nvSpPr>
-          <p:cNvPr id="2" name="TextBox 1">
-            <a:extLst>
-              <a:ext uri="{FF2B5EF4-FFF2-40B4-BE49-F238E27FC236}">
-                <a16:creationId xmlns:a16="http://schemas.microsoft.com/office/drawing/2014/main" id="{30E2DD62-00AA-5D14-40D9-351169A8551A}"/>
+          <p:cNvPr id="5" name="TextBox 4">
+            <a:extLst>
+              <a:ext uri="{FF2B5EF4-FFF2-40B4-BE49-F238E27FC236}">
+                <a16:creationId xmlns:a16="http://schemas.microsoft.com/office/drawing/2014/main" id="{777F2CAF-7D33-1F0D-F31C-FAB79D26E83B}"/>
               </a:ext>
             </a:extLst>
           </p:cNvPr>
@@ -9675,7 +7436,945 @@
         </p:nvSpPr>
         <p:spPr>
           <a:xfrm>
-            <a:off x="2489200" y="316581"/>
+            <a:off x="999849" y="671691"/>
+            <a:ext cx="11057681" cy="6186309"/>
+          </a:xfrm>
+          <a:prstGeom prst="rect">
+            <a:avLst/>
+          </a:prstGeom>
+          <a:noFill/>
+        </p:spPr>
+        <p:txBody>
+          <a:bodyPr wrap="square">
+            <a:spAutoFit/>
+          </a:bodyPr>
+          <a:lstStyle/>
+          <a:p>
+            <a:r>
+              <a:rPr lang="en-IN" b="0" dirty="0">
+                <a:effectLst/>
+                <a:latin typeface="Times New Roman" panose="02020603050405020304" pitchFamily="18" charset="0"/>
+                <a:cs typeface="Times New Roman" panose="02020603050405020304" pitchFamily="18" charset="0"/>
+              </a:rPr>
+              <a:t>import cv2</a:t>
+            </a:r>
+          </a:p>
+          <a:p>
+            <a:r>
+              <a:rPr lang="en-IN" b="0" dirty="0">
+                <a:effectLst/>
+                <a:latin typeface="Times New Roman" panose="02020603050405020304" pitchFamily="18" charset="0"/>
+                <a:cs typeface="Times New Roman" panose="02020603050405020304" pitchFamily="18" charset="0"/>
+              </a:rPr>
+              <a:t>import </a:t>
+            </a:r>
+            <a:r>
+              <a:rPr lang="en-IN" b="0" dirty="0" err="1">
+                <a:effectLst/>
+                <a:latin typeface="Times New Roman" panose="02020603050405020304" pitchFamily="18" charset="0"/>
+                <a:cs typeface="Times New Roman" panose="02020603050405020304" pitchFamily="18" charset="0"/>
+              </a:rPr>
+              <a:t>matplotlib.pyplot</a:t>
+            </a:r>
+            <a:r>
+              <a:rPr lang="en-IN" b="0" dirty="0">
+                <a:effectLst/>
+                <a:latin typeface="Times New Roman" panose="02020603050405020304" pitchFamily="18" charset="0"/>
+                <a:cs typeface="Times New Roman" panose="02020603050405020304" pitchFamily="18" charset="0"/>
+              </a:rPr>
+              <a:t> as </a:t>
+            </a:r>
+            <a:r>
+              <a:rPr lang="en-IN" b="0" dirty="0" err="1">
+                <a:effectLst/>
+                <a:latin typeface="Times New Roman" panose="02020603050405020304" pitchFamily="18" charset="0"/>
+                <a:cs typeface="Times New Roman" panose="02020603050405020304" pitchFamily="18" charset="0"/>
+              </a:rPr>
+              <a:t>plt</a:t>
+            </a:r>
+            <a:endParaRPr lang="en-IN" b="0" dirty="0">
+              <a:effectLst/>
+              <a:latin typeface="Times New Roman" panose="02020603050405020304" pitchFamily="18" charset="0"/>
+              <a:cs typeface="Times New Roman" panose="02020603050405020304" pitchFamily="18" charset="0"/>
+            </a:endParaRPr>
+          </a:p>
+          <a:p>
+            <a:r>
+              <a:rPr lang="en-IN" b="0" dirty="0">
+                <a:effectLst/>
+                <a:latin typeface="Times New Roman" panose="02020603050405020304" pitchFamily="18" charset="0"/>
+                <a:cs typeface="Times New Roman" panose="02020603050405020304" pitchFamily="18" charset="0"/>
+              </a:rPr>
+              <a:t>import </a:t>
+            </a:r>
+            <a:r>
+              <a:rPr lang="en-IN" b="0" dirty="0" err="1">
+                <a:effectLst/>
+                <a:latin typeface="Times New Roman" panose="02020603050405020304" pitchFamily="18" charset="0"/>
+                <a:cs typeface="Times New Roman" panose="02020603050405020304" pitchFamily="18" charset="0"/>
+              </a:rPr>
+              <a:t>numpy</a:t>
+            </a:r>
+            <a:r>
+              <a:rPr lang="en-IN" b="0" dirty="0">
+                <a:effectLst/>
+                <a:latin typeface="Times New Roman" panose="02020603050405020304" pitchFamily="18" charset="0"/>
+                <a:cs typeface="Times New Roman" panose="02020603050405020304" pitchFamily="18" charset="0"/>
+              </a:rPr>
+              <a:t> as np</a:t>
+            </a:r>
+          </a:p>
+          <a:p>
+            <a:r>
+              <a:rPr lang="en-IN" b="0" dirty="0">
+                <a:effectLst/>
+                <a:latin typeface="Times New Roman" panose="02020603050405020304" pitchFamily="18" charset="0"/>
+                <a:cs typeface="Times New Roman" panose="02020603050405020304" pitchFamily="18" charset="0"/>
+              </a:rPr>
+              <a:t>def </a:t>
+            </a:r>
+            <a:r>
+              <a:rPr lang="en-IN" b="0" dirty="0" err="1">
+                <a:effectLst/>
+                <a:latin typeface="Times New Roman" panose="02020603050405020304" pitchFamily="18" charset="0"/>
+                <a:cs typeface="Times New Roman" panose="02020603050405020304" pitchFamily="18" charset="0"/>
+              </a:rPr>
+              <a:t>plotting_grid</a:t>
+            </a:r>
+            <a:r>
+              <a:rPr lang="en-IN" b="0" dirty="0">
+                <a:effectLst/>
+                <a:latin typeface="Times New Roman" panose="02020603050405020304" pitchFamily="18" charset="0"/>
+                <a:cs typeface="Times New Roman" panose="02020603050405020304" pitchFamily="18" charset="0"/>
+              </a:rPr>
+              <a:t>(images, titles, rows, cols, </a:t>
+            </a:r>
+            <a:r>
+              <a:rPr lang="en-IN" b="0" dirty="0" err="1">
+                <a:effectLst/>
+                <a:latin typeface="Times New Roman" panose="02020603050405020304" pitchFamily="18" charset="0"/>
+                <a:cs typeface="Times New Roman" panose="02020603050405020304" pitchFamily="18" charset="0"/>
+              </a:rPr>
+              <a:t>figsize</a:t>
+            </a:r>
+            <a:r>
+              <a:rPr lang="en-IN" b="0" dirty="0">
+                <a:effectLst/>
+                <a:latin typeface="Times New Roman" panose="02020603050405020304" pitchFamily="18" charset="0"/>
+                <a:cs typeface="Times New Roman" panose="02020603050405020304" pitchFamily="18" charset="0"/>
+              </a:rPr>
+              <a:t>):</a:t>
+            </a:r>
+          </a:p>
+          <a:p>
+            <a:r>
+              <a:rPr lang="en-IN" b="0" dirty="0">
+                <a:effectLst/>
+                <a:latin typeface="Times New Roman" panose="02020603050405020304" pitchFamily="18" charset="0"/>
+                <a:cs typeface="Times New Roman" panose="02020603050405020304" pitchFamily="18" charset="0"/>
+              </a:rPr>
+              <a:t>    fig, axes = </a:t>
+            </a:r>
+            <a:r>
+              <a:rPr lang="en-IN" b="0" dirty="0" err="1">
+                <a:effectLst/>
+                <a:latin typeface="Times New Roman" panose="02020603050405020304" pitchFamily="18" charset="0"/>
+                <a:cs typeface="Times New Roman" panose="02020603050405020304" pitchFamily="18" charset="0"/>
+              </a:rPr>
+              <a:t>plt.subplots</a:t>
+            </a:r>
+            <a:r>
+              <a:rPr lang="en-IN" b="0" dirty="0">
+                <a:effectLst/>
+                <a:latin typeface="Times New Roman" panose="02020603050405020304" pitchFamily="18" charset="0"/>
+                <a:cs typeface="Times New Roman" panose="02020603050405020304" pitchFamily="18" charset="0"/>
+              </a:rPr>
+              <a:t>(rows, cols, </a:t>
+            </a:r>
+            <a:r>
+              <a:rPr lang="en-IN" b="0" dirty="0" err="1">
+                <a:effectLst/>
+                <a:latin typeface="Times New Roman" panose="02020603050405020304" pitchFamily="18" charset="0"/>
+                <a:cs typeface="Times New Roman" panose="02020603050405020304" pitchFamily="18" charset="0"/>
+              </a:rPr>
+              <a:t>figsize</a:t>
+            </a:r>
+            <a:r>
+              <a:rPr lang="en-IN" b="0" dirty="0">
+                <a:effectLst/>
+                <a:latin typeface="Times New Roman" panose="02020603050405020304" pitchFamily="18" charset="0"/>
+                <a:cs typeface="Times New Roman" panose="02020603050405020304" pitchFamily="18" charset="0"/>
+              </a:rPr>
+              <a:t>=(</a:t>
+            </a:r>
+            <a:r>
+              <a:rPr lang="en-IN" b="0" dirty="0" err="1">
+                <a:effectLst/>
+                <a:latin typeface="Times New Roman" panose="02020603050405020304" pitchFamily="18" charset="0"/>
+                <a:cs typeface="Times New Roman" panose="02020603050405020304" pitchFamily="18" charset="0"/>
+              </a:rPr>
+              <a:t>figsize</a:t>
+            </a:r>
+            <a:r>
+              <a:rPr lang="en-IN" b="0" dirty="0">
+                <a:effectLst/>
+                <a:latin typeface="Times New Roman" panose="02020603050405020304" pitchFamily="18" charset="0"/>
+                <a:cs typeface="Times New Roman" panose="02020603050405020304" pitchFamily="18" charset="0"/>
+              </a:rPr>
+              <a:t>, </a:t>
+            </a:r>
+            <a:r>
+              <a:rPr lang="en-IN" b="0" dirty="0" err="1">
+                <a:effectLst/>
+                <a:latin typeface="Times New Roman" panose="02020603050405020304" pitchFamily="18" charset="0"/>
+                <a:cs typeface="Times New Roman" panose="02020603050405020304" pitchFamily="18" charset="0"/>
+              </a:rPr>
+              <a:t>figsize</a:t>
+            </a:r>
+            <a:r>
+              <a:rPr lang="en-IN" b="0" dirty="0">
+                <a:effectLst/>
+                <a:latin typeface="Times New Roman" panose="02020603050405020304" pitchFamily="18" charset="0"/>
+                <a:cs typeface="Times New Roman" panose="02020603050405020304" pitchFamily="18" charset="0"/>
+              </a:rPr>
+              <a:t>))</a:t>
+            </a:r>
+          </a:p>
+          <a:p>
+            <a:r>
+              <a:rPr lang="en-IN" b="0" dirty="0">
+                <a:effectLst/>
+                <a:latin typeface="Times New Roman" panose="02020603050405020304" pitchFamily="18" charset="0"/>
+                <a:cs typeface="Times New Roman" panose="02020603050405020304" pitchFamily="18" charset="0"/>
+              </a:rPr>
+              <a:t>    for </a:t>
+            </a:r>
+            <a:r>
+              <a:rPr lang="en-IN" b="0" dirty="0" err="1">
+                <a:effectLst/>
+                <a:latin typeface="Times New Roman" panose="02020603050405020304" pitchFamily="18" charset="0"/>
+                <a:cs typeface="Times New Roman" panose="02020603050405020304" pitchFamily="18" charset="0"/>
+              </a:rPr>
+              <a:t>i</a:t>
+            </a:r>
+            <a:r>
+              <a:rPr lang="en-IN" b="0" dirty="0">
+                <a:effectLst/>
+                <a:latin typeface="Times New Roman" panose="02020603050405020304" pitchFamily="18" charset="0"/>
+                <a:cs typeface="Times New Roman" panose="02020603050405020304" pitchFamily="18" charset="0"/>
+              </a:rPr>
+              <a:t>, </a:t>
+            </a:r>
+            <a:r>
+              <a:rPr lang="en-IN" b="0" dirty="0" err="1">
+                <a:effectLst/>
+                <a:latin typeface="Times New Roman" panose="02020603050405020304" pitchFamily="18" charset="0"/>
+                <a:cs typeface="Times New Roman" panose="02020603050405020304" pitchFamily="18" charset="0"/>
+              </a:rPr>
+              <a:t>ax</a:t>
+            </a:r>
+            <a:r>
+              <a:rPr lang="en-IN" b="0" dirty="0">
+                <a:effectLst/>
+                <a:latin typeface="Times New Roman" panose="02020603050405020304" pitchFamily="18" charset="0"/>
+                <a:cs typeface="Times New Roman" panose="02020603050405020304" pitchFamily="18" charset="0"/>
+              </a:rPr>
+              <a:t> in enumerate(</a:t>
+            </a:r>
+            <a:r>
+              <a:rPr lang="en-IN" b="0" dirty="0" err="1">
+                <a:effectLst/>
+                <a:latin typeface="Times New Roman" panose="02020603050405020304" pitchFamily="18" charset="0"/>
+                <a:cs typeface="Times New Roman" panose="02020603050405020304" pitchFamily="18" charset="0"/>
+              </a:rPr>
+              <a:t>axes.flat</a:t>
+            </a:r>
+            <a:r>
+              <a:rPr lang="en-IN" b="0" dirty="0">
+                <a:effectLst/>
+                <a:latin typeface="Times New Roman" panose="02020603050405020304" pitchFamily="18" charset="0"/>
+                <a:cs typeface="Times New Roman" panose="02020603050405020304" pitchFamily="18" charset="0"/>
+              </a:rPr>
+              <a:t>):</a:t>
+            </a:r>
+          </a:p>
+          <a:p>
+            <a:r>
+              <a:rPr lang="en-IN" b="0" dirty="0">
+                <a:effectLst/>
+                <a:latin typeface="Times New Roman" panose="02020603050405020304" pitchFamily="18" charset="0"/>
+                <a:cs typeface="Times New Roman" panose="02020603050405020304" pitchFamily="18" charset="0"/>
+              </a:rPr>
+              <a:t>        </a:t>
+            </a:r>
+            <a:r>
+              <a:rPr lang="en-IN" b="0" dirty="0" err="1">
+                <a:effectLst/>
+                <a:latin typeface="Times New Roman" panose="02020603050405020304" pitchFamily="18" charset="0"/>
+                <a:cs typeface="Times New Roman" panose="02020603050405020304" pitchFamily="18" charset="0"/>
+              </a:rPr>
+              <a:t>ax.imshow</a:t>
+            </a:r>
+            <a:r>
+              <a:rPr lang="en-IN" b="0" dirty="0">
+                <a:effectLst/>
+                <a:latin typeface="Times New Roman" panose="02020603050405020304" pitchFamily="18" charset="0"/>
+                <a:cs typeface="Times New Roman" panose="02020603050405020304" pitchFamily="18" charset="0"/>
+              </a:rPr>
+              <a:t>(images[</a:t>
+            </a:r>
+            <a:r>
+              <a:rPr lang="en-IN" b="0" dirty="0" err="1">
+                <a:effectLst/>
+                <a:latin typeface="Times New Roman" panose="02020603050405020304" pitchFamily="18" charset="0"/>
+                <a:cs typeface="Times New Roman" panose="02020603050405020304" pitchFamily="18" charset="0"/>
+              </a:rPr>
+              <a:t>i</a:t>
+            </a:r>
+            <a:r>
+              <a:rPr lang="en-IN" b="0" dirty="0">
+                <a:effectLst/>
+                <a:latin typeface="Times New Roman" panose="02020603050405020304" pitchFamily="18" charset="0"/>
+                <a:cs typeface="Times New Roman" panose="02020603050405020304" pitchFamily="18" charset="0"/>
+              </a:rPr>
+              <a:t>], </a:t>
+            </a:r>
+            <a:r>
+              <a:rPr lang="en-IN" b="0" dirty="0" err="1">
+                <a:effectLst/>
+                <a:latin typeface="Times New Roman" panose="02020603050405020304" pitchFamily="18" charset="0"/>
+                <a:cs typeface="Times New Roman" panose="02020603050405020304" pitchFamily="18" charset="0"/>
+              </a:rPr>
+              <a:t>cmap</a:t>
+            </a:r>
+            <a:r>
+              <a:rPr lang="en-IN" b="0" dirty="0">
+                <a:effectLst/>
+                <a:latin typeface="Times New Roman" panose="02020603050405020304" pitchFamily="18" charset="0"/>
+                <a:cs typeface="Times New Roman" panose="02020603050405020304" pitchFamily="18" charset="0"/>
+              </a:rPr>
+              <a:t>='</a:t>
+            </a:r>
+            <a:r>
+              <a:rPr lang="en-IN" b="0" dirty="0" err="1">
+                <a:effectLst/>
+                <a:latin typeface="Times New Roman" panose="02020603050405020304" pitchFamily="18" charset="0"/>
+                <a:cs typeface="Times New Roman" panose="02020603050405020304" pitchFamily="18" charset="0"/>
+              </a:rPr>
+              <a:t>gray</a:t>
+            </a:r>
+            <a:r>
+              <a:rPr lang="en-IN" b="0" dirty="0">
+                <a:effectLst/>
+                <a:latin typeface="Times New Roman" panose="02020603050405020304" pitchFamily="18" charset="0"/>
+                <a:cs typeface="Times New Roman" panose="02020603050405020304" pitchFamily="18" charset="0"/>
+              </a:rPr>
+              <a:t>', </a:t>
+            </a:r>
+            <a:r>
+              <a:rPr lang="en-IN" b="0" dirty="0" err="1">
+                <a:effectLst/>
+                <a:latin typeface="Times New Roman" panose="02020603050405020304" pitchFamily="18" charset="0"/>
+                <a:cs typeface="Times New Roman" panose="02020603050405020304" pitchFamily="18" charset="0"/>
+              </a:rPr>
+              <a:t>vmin</a:t>
+            </a:r>
+            <a:r>
+              <a:rPr lang="en-IN" b="0" dirty="0">
+                <a:effectLst/>
+                <a:latin typeface="Times New Roman" panose="02020603050405020304" pitchFamily="18" charset="0"/>
+                <a:cs typeface="Times New Roman" panose="02020603050405020304" pitchFamily="18" charset="0"/>
+              </a:rPr>
+              <a:t>=0, </a:t>
+            </a:r>
+            <a:r>
+              <a:rPr lang="en-IN" b="0" dirty="0" err="1">
+                <a:effectLst/>
+                <a:latin typeface="Times New Roman" panose="02020603050405020304" pitchFamily="18" charset="0"/>
+                <a:cs typeface="Times New Roman" panose="02020603050405020304" pitchFamily="18" charset="0"/>
+              </a:rPr>
+              <a:t>vmax</a:t>
+            </a:r>
+            <a:r>
+              <a:rPr lang="en-IN" b="0" dirty="0">
+                <a:effectLst/>
+                <a:latin typeface="Times New Roman" panose="02020603050405020304" pitchFamily="18" charset="0"/>
+                <a:cs typeface="Times New Roman" panose="02020603050405020304" pitchFamily="18" charset="0"/>
+              </a:rPr>
+              <a:t>=255, interpolation='none')</a:t>
+            </a:r>
+          </a:p>
+          <a:p>
+            <a:r>
+              <a:rPr lang="en-IN" b="0" dirty="0">
+                <a:effectLst/>
+                <a:latin typeface="Times New Roman" panose="02020603050405020304" pitchFamily="18" charset="0"/>
+                <a:cs typeface="Times New Roman" panose="02020603050405020304" pitchFamily="18" charset="0"/>
+              </a:rPr>
+              <a:t>        </a:t>
+            </a:r>
+            <a:r>
+              <a:rPr lang="en-IN" b="0" dirty="0" err="1">
+                <a:effectLst/>
+                <a:latin typeface="Times New Roman" panose="02020603050405020304" pitchFamily="18" charset="0"/>
+                <a:cs typeface="Times New Roman" panose="02020603050405020304" pitchFamily="18" charset="0"/>
+              </a:rPr>
+              <a:t>ax.set_title</a:t>
+            </a:r>
+            <a:r>
+              <a:rPr lang="en-IN" b="0" dirty="0">
+                <a:effectLst/>
+                <a:latin typeface="Times New Roman" panose="02020603050405020304" pitchFamily="18" charset="0"/>
+                <a:cs typeface="Times New Roman" panose="02020603050405020304" pitchFamily="18" charset="0"/>
+              </a:rPr>
+              <a:t>(titles[</a:t>
+            </a:r>
+            <a:r>
+              <a:rPr lang="en-IN" b="0" dirty="0" err="1">
+                <a:effectLst/>
+                <a:latin typeface="Times New Roman" panose="02020603050405020304" pitchFamily="18" charset="0"/>
+                <a:cs typeface="Times New Roman" panose="02020603050405020304" pitchFamily="18" charset="0"/>
+              </a:rPr>
+              <a:t>i</a:t>
+            </a:r>
+            <a:r>
+              <a:rPr lang="en-IN" b="0" dirty="0">
+                <a:effectLst/>
+                <a:latin typeface="Times New Roman" panose="02020603050405020304" pitchFamily="18" charset="0"/>
+                <a:cs typeface="Times New Roman" panose="02020603050405020304" pitchFamily="18" charset="0"/>
+              </a:rPr>
+              <a:t>])</a:t>
+            </a:r>
+          </a:p>
+          <a:p>
+            <a:r>
+              <a:rPr lang="en-IN" b="0" dirty="0">
+                <a:effectLst/>
+                <a:latin typeface="Times New Roman" panose="02020603050405020304" pitchFamily="18" charset="0"/>
+                <a:cs typeface="Times New Roman" panose="02020603050405020304" pitchFamily="18" charset="0"/>
+              </a:rPr>
+              <a:t>        </a:t>
+            </a:r>
+            <a:r>
+              <a:rPr lang="en-IN" b="0" dirty="0" err="1">
+                <a:effectLst/>
+                <a:latin typeface="Times New Roman" panose="02020603050405020304" pitchFamily="18" charset="0"/>
+                <a:cs typeface="Times New Roman" panose="02020603050405020304" pitchFamily="18" charset="0"/>
+              </a:rPr>
+              <a:t>ax.set_xticks</a:t>
+            </a:r>
+            <a:r>
+              <a:rPr lang="en-IN" b="0" dirty="0">
+                <a:effectLst/>
+                <a:latin typeface="Times New Roman" panose="02020603050405020304" pitchFamily="18" charset="0"/>
+                <a:cs typeface="Times New Roman" panose="02020603050405020304" pitchFamily="18" charset="0"/>
+              </a:rPr>
+              <a:t>([]), </a:t>
+            </a:r>
+            <a:r>
+              <a:rPr lang="en-IN" b="0" dirty="0" err="1">
+                <a:effectLst/>
+                <a:latin typeface="Times New Roman" panose="02020603050405020304" pitchFamily="18" charset="0"/>
+                <a:cs typeface="Times New Roman" panose="02020603050405020304" pitchFamily="18" charset="0"/>
+              </a:rPr>
+              <a:t>ax.set_yticks</a:t>
+            </a:r>
+            <a:r>
+              <a:rPr lang="en-IN" b="0" dirty="0">
+                <a:effectLst/>
+                <a:latin typeface="Times New Roman" panose="02020603050405020304" pitchFamily="18" charset="0"/>
+                <a:cs typeface="Times New Roman" panose="02020603050405020304" pitchFamily="18" charset="0"/>
+              </a:rPr>
+              <a:t>([])</a:t>
+            </a:r>
+          </a:p>
+          <a:p>
+            <a:r>
+              <a:rPr lang="en-IN" b="0" dirty="0">
+                <a:effectLst/>
+                <a:latin typeface="Times New Roman" panose="02020603050405020304" pitchFamily="18" charset="0"/>
+                <a:cs typeface="Times New Roman" panose="02020603050405020304" pitchFamily="18" charset="0"/>
+              </a:rPr>
+              <a:t>def crop(image, </a:t>
+            </a:r>
+            <a:r>
+              <a:rPr lang="en-IN" b="0" dirty="0" err="1">
+                <a:effectLst/>
+                <a:latin typeface="Times New Roman" panose="02020603050405020304" pitchFamily="18" charset="0"/>
+                <a:cs typeface="Times New Roman" panose="02020603050405020304" pitchFamily="18" charset="0"/>
+              </a:rPr>
+              <a:t>start_y</a:t>
+            </a:r>
+            <a:r>
+              <a:rPr lang="en-IN" b="0" dirty="0">
+                <a:effectLst/>
+                <a:latin typeface="Times New Roman" panose="02020603050405020304" pitchFamily="18" charset="0"/>
+                <a:cs typeface="Times New Roman" panose="02020603050405020304" pitchFamily="18" charset="0"/>
+              </a:rPr>
+              <a:t>, </a:t>
+            </a:r>
+            <a:r>
+              <a:rPr lang="en-IN" b="0" dirty="0" err="1">
+                <a:effectLst/>
+                <a:latin typeface="Times New Roman" panose="02020603050405020304" pitchFamily="18" charset="0"/>
+                <a:cs typeface="Times New Roman" panose="02020603050405020304" pitchFamily="18" charset="0"/>
+              </a:rPr>
+              <a:t>end_y</a:t>
+            </a:r>
+            <a:r>
+              <a:rPr lang="en-IN" b="0" dirty="0">
+                <a:effectLst/>
+                <a:latin typeface="Times New Roman" panose="02020603050405020304" pitchFamily="18" charset="0"/>
+                <a:cs typeface="Times New Roman" panose="02020603050405020304" pitchFamily="18" charset="0"/>
+              </a:rPr>
+              <a:t>, </a:t>
+            </a:r>
+            <a:r>
+              <a:rPr lang="en-IN" b="0" dirty="0" err="1">
+                <a:effectLst/>
+                <a:latin typeface="Times New Roman" panose="02020603050405020304" pitchFamily="18" charset="0"/>
+                <a:cs typeface="Times New Roman" panose="02020603050405020304" pitchFamily="18" charset="0"/>
+              </a:rPr>
+              <a:t>start_x</a:t>
+            </a:r>
+            <a:r>
+              <a:rPr lang="en-IN" b="0" dirty="0">
+                <a:effectLst/>
+                <a:latin typeface="Times New Roman" panose="02020603050405020304" pitchFamily="18" charset="0"/>
+                <a:cs typeface="Times New Roman" panose="02020603050405020304" pitchFamily="18" charset="0"/>
+              </a:rPr>
+              <a:t>, </a:t>
+            </a:r>
+            <a:r>
+              <a:rPr lang="en-IN" b="0" dirty="0" err="1">
+                <a:effectLst/>
+                <a:latin typeface="Times New Roman" panose="02020603050405020304" pitchFamily="18" charset="0"/>
+                <a:cs typeface="Times New Roman" panose="02020603050405020304" pitchFamily="18" charset="0"/>
+              </a:rPr>
+              <a:t>end_x</a:t>
+            </a:r>
+            <a:r>
+              <a:rPr lang="en-IN" b="0" dirty="0">
+                <a:effectLst/>
+                <a:latin typeface="Times New Roman" panose="02020603050405020304" pitchFamily="18" charset="0"/>
+                <a:cs typeface="Times New Roman" panose="02020603050405020304" pitchFamily="18" charset="0"/>
+              </a:rPr>
+              <a:t>):</a:t>
+            </a:r>
+          </a:p>
+          <a:p>
+            <a:r>
+              <a:rPr lang="en-IN" b="0" dirty="0">
+                <a:effectLst/>
+                <a:latin typeface="Times New Roman" panose="02020603050405020304" pitchFamily="18" charset="0"/>
+                <a:cs typeface="Times New Roman" panose="02020603050405020304" pitchFamily="18" charset="0"/>
+              </a:rPr>
+              <a:t>    </a:t>
+            </a:r>
+            <a:r>
+              <a:rPr lang="en-IN" b="0" dirty="0" err="1">
+                <a:effectLst/>
+                <a:latin typeface="Times New Roman" panose="02020603050405020304" pitchFamily="18" charset="0"/>
+                <a:cs typeface="Times New Roman" panose="02020603050405020304" pitchFamily="18" charset="0"/>
+              </a:rPr>
+              <a:t>img_cropped</a:t>
+            </a:r>
+            <a:r>
+              <a:rPr lang="en-IN" b="0" dirty="0">
+                <a:effectLst/>
+                <a:latin typeface="Times New Roman" panose="02020603050405020304" pitchFamily="18" charset="0"/>
+                <a:cs typeface="Times New Roman" panose="02020603050405020304" pitchFamily="18" charset="0"/>
+              </a:rPr>
+              <a:t> = image[</a:t>
+            </a:r>
+            <a:r>
+              <a:rPr lang="en-IN" b="0" dirty="0" err="1">
+                <a:effectLst/>
+                <a:latin typeface="Times New Roman" panose="02020603050405020304" pitchFamily="18" charset="0"/>
+                <a:cs typeface="Times New Roman" panose="02020603050405020304" pitchFamily="18" charset="0"/>
+              </a:rPr>
+              <a:t>start_y:end_y</a:t>
+            </a:r>
+            <a:r>
+              <a:rPr lang="en-IN" b="0" dirty="0">
+                <a:effectLst/>
+                <a:latin typeface="Times New Roman" panose="02020603050405020304" pitchFamily="18" charset="0"/>
+                <a:cs typeface="Times New Roman" panose="02020603050405020304" pitchFamily="18" charset="0"/>
+              </a:rPr>
+              <a:t>, </a:t>
+            </a:r>
+            <a:r>
+              <a:rPr lang="en-IN" b="0" dirty="0" err="1">
+                <a:effectLst/>
+                <a:latin typeface="Times New Roman" panose="02020603050405020304" pitchFamily="18" charset="0"/>
+                <a:cs typeface="Times New Roman" panose="02020603050405020304" pitchFamily="18" charset="0"/>
+              </a:rPr>
+              <a:t>start_x:end_x</a:t>
+            </a:r>
+            <a:r>
+              <a:rPr lang="en-IN" b="0" dirty="0">
+                <a:effectLst/>
+                <a:latin typeface="Times New Roman" panose="02020603050405020304" pitchFamily="18" charset="0"/>
+                <a:cs typeface="Times New Roman" panose="02020603050405020304" pitchFamily="18" charset="0"/>
+              </a:rPr>
+              <a:t>]</a:t>
+            </a:r>
+          </a:p>
+          <a:p>
+            <a:r>
+              <a:rPr lang="en-IN" b="0" dirty="0">
+                <a:effectLst/>
+                <a:latin typeface="Times New Roman" panose="02020603050405020304" pitchFamily="18" charset="0"/>
+                <a:cs typeface="Times New Roman" panose="02020603050405020304" pitchFamily="18" charset="0"/>
+              </a:rPr>
+              <a:t>    return </a:t>
+            </a:r>
+            <a:r>
+              <a:rPr lang="en-IN" b="0" dirty="0" err="1">
+                <a:effectLst/>
+                <a:latin typeface="Times New Roman" panose="02020603050405020304" pitchFamily="18" charset="0"/>
+                <a:cs typeface="Times New Roman" panose="02020603050405020304" pitchFamily="18" charset="0"/>
+              </a:rPr>
+              <a:t>img_cropped</a:t>
+            </a:r>
+            <a:endParaRPr lang="en-IN" b="0" dirty="0">
+              <a:effectLst/>
+              <a:latin typeface="Times New Roman" panose="02020603050405020304" pitchFamily="18" charset="0"/>
+              <a:cs typeface="Times New Roman" panose="02020603050405020304" pitchFamily="18" charset="0"/>
+            </a:endParaRPr>
+          </a:p>
+          <a:p>
+            <a:r>
+              <a:rPr lang="en-IN" b="0" dirty="0">
+                <a:effectLst/>
+                <a:latin typeface="Times New Roman" panose="02020603050405020304" pitchFamily="18" charset="0"/>
+                <a:cs typeface="Times New Roman" panose="02020603050405020304" pitchFamily="18" charset="0"/>
+              </a:rPr>
+              <a:t>def resize(image, width, height):</a:t>
+            </a:r>
+          </a:p>
+          <a:p>
+            <a:r>
+              <a:rPr lang="en-IN" b="0" dirty="0">
+                <a:effectLst/>
+                <a:latin typeface="Times New Roman" panose="02020603050405020304" pitchFamily="18" charset="0"/>
+                <a:cs typeface="Times New Roman" panose="02020603050405020304" pitchFamily="18" charset="0"/>
+              </a:rPr>
+              <a:t>    </a:t>
+            </a:r>
+            <a:r>
+              <a:rPr lang="en-IN" b="0" dirty="0" err="1">
+                <a:effectLst/>
+                <a:latin typeface="Times New Roman" panose="02020603050405020304" pitchFamily="18" charset="0"/>
+                <a:cs typeface="Times New Roman" panose="02020603050405020304" pitchFamily="18" charset="0"/>
+              </a:rPr>
+              <a:t>img_resized</a:t>
+            </a:r>
+            <a:r>
+              <a:rPr lang="en-IN" b="0" dirty="0">
+                <a:effectLst/>
+                <a:latin typeface="Times New Roman" panose="02020603050405020304" pitchFamily="18" charset="0"/>
+                <a:cs typeface="Times New Roman" panose="02020603050405020304" pitchFamily="18" charset="0"/>
+              </a:rPr>
+              <a:t> = cv2.resize(image, (width, height))</a:t>
+            </a:r>
+          </a:p>
+          <a:p>
+            <a:r>
+              <a:rPr lang="en-IN" b="0" dirty="0">
+                <a:effectLst/>
+                <a:latin typeface="Times New Roman" panose="02020603050405020304" pitchFamily="18" charset="0"/>
+                <a:cs typeface="Times New Roman" panose="02020603050405020304" pitchFamily="18" charset="0"/>
+              </a:rPr>
+              <a:t>    return </a:t>
+            </a:r>
+            <a:r>
+              <a:rPr lang="en-IN" b="0" dirty="0" err="1">
+                <a:effectLst/>
+                <a:latin typeface="Times New Roman" panose="02020603050405020304" pitchFamily="18" charset="0"/>
+                <a:cs typeface="Times New Roman" panose="02020603050405020304" pitchFamily="18" charset="0"/>
+              </a:rPr>
+              <a:t>img_resized</a:t>
+            </a:r>
+            <a:endParaRPr lang="en-IN" b="0" dirty="0">
+              <a:effectLst/>
+              <a:latin typeface="Times New Roman" panose="02020603050405020304" pitchFamily="18" charset="0"/>
+              <a:cs typeface="Times New Roman" panose="02020603050405020304" pitchFamily="18" charset="0"/>
+            </a:endParaRPr>
+          </a:p>
+          <a:p>
+            <a:r>
+              <a:rPr lang="en-IN" b="0" dirty="0">
+                <a:effectLst/>
+                <a:latin typeface="Times New Roman" panose="02020603050405020304" pitchFamily="18" charset="0"/>
+                <a:cs typeface="Times New Roman" panose="02020603050405020304" pitchFamily="18" charset="0"/>
+              </a:rPr>
+              <a:t>def </a:t>
+            </a:r>
+            <a:r>
+              <a:rPr lang="en-IN" b="0" dirty="0" err="1">
+                <a:effectLst/>
+                <a:latin typeface="Times New Roman" panose="02020603050405020304" pitchFamily="18" charset="0"/>
+                <a:cs typeface="Times New Roman" panose="02020603050405020304" pitchFamily="18" charset="0"/>
+              </a:rPr>
+              <a:t>gamma_correction</a:t>
+            </a:r>
+            <a:r>
+              <a:rPr lang="en-IN" b="0" dirty="0">
+                <a:effectLst/>
+                <a:latin typeface="Times New Roman" panose="02020603050405020304" pitchFamily="18" charset="0"/>
+                <a:cs typeface="Times New Roman" panose="02020603050405020304" pitchFamily="18" charset="0"/>
+              </a:rPr>
+              <a:t>(image, y):</a:t>
+            </a:r>
+          </a:p>
+          <a:p>
+            <a:r>
+              <a:rPr lang="en-IN" b="0" dirty="0">
+                <a:effectLst/>
+                <a:latin typeface="Times New Roman" panose="02020603050405020304" pitchFamily="18" charset="0"/>
+                <a:cs typeface="Times New Roman" panose="02020603050405020304" pitchFamily="18" charset="0"/>
+              </a:rPr>
+              <a:t>    </a:t>
+            </a:r>
+            <a:r>
+              <a:rPr lang="en-IN" b="0" dirty="0" err="1">
+                <a:effectLst/>
+                <a:latin typeface="Times New Roman" panose="02020603050405020304" pitchFamily="18" charset="0"/>
+                <a:cs typeface="Times New Roman" panose="02020603050405020304" pitchFamily="18" charset="0"/>
+              </a:rPr>
+              <a:t>gamma_correct</a:t>
+            </a:r>
+            <a:r>
+              <a:rPr lang="en-IN" b="0" dirty="0">
+                <a:effectLst/>
+                <a:latin typeface="Times New Roman" panose="02020603050405020304" pitchFamily="18" charset="0"/>
+                <a:cs typeface="Times New Roman" panose="02020603050405020304" pitchFamily="18" charset="0"/>
+              </a:rPr>
+              <a:t> = </a:t>
+            </a:r>
+            <a:r>
+              <a:rPr lang="en-IN" b="0" dirty="0" err="1">
+                <a:effectLst/>
+                <a:latin typeface="Times New Roman" panose="02020603050405020304" pitchFamily="18" charset="0"/>
+                <a:cs typeface="Times New Roman" panose="02020603050405020304" pitchFamily="18" charset="0"/>
+              </a:rPr>
+              <a:t>np.array</a:t>
+            </a:r>
+            <a:r>
+              <a:rPr lang="en-IN" b="0" dirty="0">
+                <a:effectLst/>
+                <a:latin typeface="Times New Roman" panose="02020603050405020304" pitchFamily="18" charset="0"/>
+                <a:cs typeface="Times New Roman" panose="02020603050405020304" pitchFamily="18" charset="0"/>
+              </a:rPr>
+              <a:t>(255 * (image / 255) ** y, </a:t>
+            </a:r>
+            <a:r>
+              <a:rPr lang="en-IN" b="0" dirty="0" err="1">
+                <a:effectLst/>
+                <a:latin typeface="Times New Roman" panose="02020603050405020304" pitchFamily="18" charset="0"/>
+                <a:cs typeface="Times New Roman" panose="02020603050405020304" pitchFamily="18" charset="0"/>
+              </a:rPr>
+              <a:t>dtype</a:t>
+            </a:r>
+            <a:r>
+              <a:rPr lang="en-IN" b="0" dirty="0">
+                <a:effectLst/>
+                <a:latin typeface="Times New Roman" panose="02020603050405020304" pitchFamily="18" charset="0"/>
+                <a:cs typeface="Times New Roman" panose="02020603050405020304" pitchFamily="18" charset="0"/>
+              </a:rPr>
+              <a:t>='uint8')</a:t>
+            </a:r>
+          </a:p>
+          <a:p>
+            <a:r>
+              <a:rPr lang="en-IN" b="0" dirty="0">
+                <a:effectLst/>
+                <a:latin typeface="Times New Roman" panose="02020603050405020304" pitchFamily="18" charset="0"/>
+                <a:cs typeface="Times New Roman" panose="02020603050405020304" pitchFamily="18" charset="0"/>
+              </a:rPr>
+              <a:t>    return </a:t>
+            </a:r>
+            <a:r>
+              <a:rPr lang="en-IN" b="0" dirty="0" err="1">
+                <a:effectLst/>
+                <a:latin typeface="Times New Roman" panose="02020603050405020304" pitchFamily="18" charset="0"/>
+                <a:cs typeface="Times New Roman" panose="02020603050405020304" pitchFamily="18" charset="0"/>
+              </a:rPr>
+              <a:t>gamma_correct</a:t>
+            </a:r>
+            <a:endParaRPr lang="en-IN" b="0" dirty="0">
+              <a:effectLst/>
+              <a:latin typeface="Times New Roman" panose="02020603050405020304" pitchFamily="18" charset="0"/>
+              <a:cs typeface="Times New Roman" panose="02020603050405020304" pitchFamily="18" charset="0"/>
+            </a:endParaRPr>
+          </a:p>
+          <a:p>
+            <a:r>
+              <a:rPr lang="en-IN" b="0" dirty="0">
+                <a:effectLst/>
+                <a:latin typeface="Times New Roman" panose="02020603050405020304" pitchFamily="18" charset="0"/>
+                <a:cs typeface="Times New Roman" panose="02020603050405020304" pitchFamily="18" charset="0"/>
+              </a:rPr>
+              <a:t>def </a:t>
+            </a:r>
+            <a:r>
+              <a:rPr lang="en-IN" b="0" dirty="0" err="1">
+                <a:effectLst/>
+                <a:latin typeface="Times New Roman" panose="02020603050405020304" pitchFamily="18" charset="0"/>
+                <a:cs typeface="Times New Roman" panose="02020603050405020304" pitchFamily="18" charset="0"/>
+              </a:rPr>
+              <a:t>adaptive_histogram_equalization</a:t>
+            </a:r>
+            <a:r>
+              <a:rPr lang="en-IN" b="0" dirty="0">
+                <a:effectLst/>
+                <a:latin typeface="Times New Roman" panose="02020603050405020304" pitchFamily="18" charset="0"/>
+                <a:cs typeface="Times New Roman" panose="02020603050405020304" pitchFamily="18" charset="0"/>
+              </a:rPr>
+              <a:t>(image):</a:t>
+            </a:r>
+          </a:p>
+          <a:p>
+            <a:r>
+              <a:rPr lang="en-IN" b="0" dirty="0">
+                <a:effectLst/>
+                <a:latin typeface="Times New Roman" panose="02020603050405020304" pitchFamily="18" charset="0"/>
+                <a:cs typeface="Times New Roman" panose="02020603050405020304" pitchFamily="18" charset="0"/>
+              </a:rPr>
+              <a:t>    </a:t>
+            </a:r>
+            <a:r>
+              <a:rPr lang="en-IN" b="0" dirty="0" err="1">
+                <a:effectLst/>
+                <a:latin typeface="Times New Roman" panose="02020603050405020304" pitchFamily="18" charset="0"/>
+                <a:cs typeface="Times New Roman" panose="02020603050405020304" pitchFamily="18" charset="0"/>
+              </a:rPr>
+              <a:t>clahe</a:t>
+            </a:r>
+            <a:r>
+              <a:rPr lang="en-IN" b="0" dirty="0">
+                <a:effectLst/>
+                <a:latin typeface="Times New Roman" panose="02020603050405020304" pitchFamily="18" charset="0"/>
+                <a:cs typeface="Times New Roman" panose="02020603050405020304" pitchFamily="18" charset="0"/>
+              </a:rPr>
+              <a:t> = cv2.createCLAHE(</a:t>
+            </a:r>
+            <a:r>
+              <a:rPr lang="en-IN" b="0" dirty="0" err="1">
+                <a:effectLst/>
+                <a:latin typeface="Times New Roman" panose="02020603050405020304" pitchFamily="18" charset="0"/>
+                <a:cs typeface="Times New Roman" panose="02020603050405020304" pitchFamily="18" charset="0"/>
+              </a:rPr>
+              <a:t>clipLimit</a:t>
+            </a:r>
+            <a:r>
+              <a:rPr lang="en-IN" b="0" dirty="0">
+                <a:effectLst/>
+                <a:latin typeface="Times New Roman" panose="02020603050405020304" pitchFamily="18" charset="0"/>
+                <a:cs typeface="Times New Roman" panose="02020603050405020304" pitchFamily="18" charset="0"/>
+              </a:rPr>
+              <a:t>=2.0, </a:t>
+            </a:r>
+            <a:r>
+              <a:rPr lang="en-IN" b="0" dirty="0" err="1">
+                <a:effectLst/>
+                <a:latin typeface="Times New Roman" panose="02020603050405020304" pitchFamily="18" charset="0"/>
+                <a:cs typeface="Times New Roman" panose="02020603050405020304" pitchFamily="18" charset="0"/>
+              </a:rPr>
+              <a:t>tileGridSize</a:t>
+            </a:r>
+            <a:r>
+              <a:rPr lang="en-IN" b="0" dirty="0">
+                <a:effectLst/>
+                <a:latin typeface="Times New Roman" panose="02020603050405020304" pitchFamily="18" charset="0"/>
+                <a:cs typeface="Times New Roman" panose="02020603050405020304" pitchFamily="18" charset="0"/>
+              </a:rPr>
+              <a:t>=(8, 8))</a:t>
+            </a:r>
+          </a:p>
+          <a:p>
+            <a:r>
+              <a:rPr lang="en-IN" b="0" dirty="0">
+                <a:effectLst/>
+                <a:latin typeface="Times New Roman" panose="02020603050405020304" pitchFamily="18" charset="0"/>
+                <a:cs typeface="Times New Roman" panose="02020603050405020304" pitchFamily="18" charset="0"/>
+              </a:rPr>
+              <a:t>    </a:t>
+            </a:r>
+            <a:r>
+              <a:rPr lang="en-IN" b="0" dirty="0" err="1">
+                <a:effectLst/>
+                <a:latin typeface="Times New Roman" panose="02020603050405020304" pitchFamily="18" charset="0"/>
+                <a:cs typeface="Times New Roman" panose="02020603050405020304" pitchFamily="18" charset="0"/>
+              </a:rPr>
+              <a:t>img_equalized</a:t>
+            </a:r>
+            <a:r>
+              <a:rPr lang="en-IN" b="0" dirty="0">
+                <a:effectLst/>
+                <a:latin typeface="Times New Roman" panose="02020603050405020304" pitchFamily="18" charset="0"/>
+                <a:cs typeface="Times New Roman" panose="02020603050405020304" pitchFamily="18" charset="0"/>
+              </a:rPr>
+              <a:t> = </a:t>
+            </a:r>
+            <a:r>
+              <a:rPr lang="en-IN" b="0" dirty="0" err="1">
+                <a:effectLst/>
+                <a:latin typeface="Times New Roman" panose="02020603050405020304" pitchFamily="18" charset="0"/>
+                <a:cs typeface="Times New Roman" panose="02020603050405020304" pitchFamily="18" charset="0"/>
+              </a:rPr>
+              <a:t>clahe.apply</a:t>
+            </a:r>
+            <a:r>
+              <a:rPr lang="en-IN" b="0" dirty="0">
+                <a:effectLst/>
+                <a:latin typeface="Times New Roman" panose="02020603050405020304" pitchFamily="18" charset="0"/>
+                <a:cs typeface="Times New Roman" panose="02020603050405020304" pitchFamily="18" charset="0"/>
+              </a:rPr>
+              <a:t>(image)</a:t>
+            </a:r>
+          </a:p>
+          <a:p>
+            <a:r>
+              <a:rPr lang="en-IN" b="0" dirty="0">
+                <a:effectLst/>
+                <a:latin typeface="Times New Roman" panose="02020603050405020304" pitchFamily="18" charset="0"/>
+                <a:cs typeface="Times New Roman" panose="02020603050405020304" pitchFamily="18" charset="0"/>
+              </a:rPr>
+              <a:t>    return </a:t>
+            </a:r>
+            <a:r>
+              <a:rPr lang="en-IN" b="0" dirty="0" err="1">
+                <a:effectLst/>
+                <a:latin typeface="Times New Roman" panose="02020603050405020304" pitchFamily="18" charset="0"/>
+                <a:cs typeface="Times New Roman" panose="02020603050405020304" pitchFamily="18" charset="0"/>
+              </a:rPr>
+              <a:t>img_equalized</a:t>
+            </a:r>
+            <a:endParaRPr lang="en-IN" b="0" dirty="0">
+              <a:effectLst/>
+              <a:latin typeface="Times New Roman" panose="02020603050405020304" pitchFamily="18" charset="0"/>
+              <a:cs typeface="Times New Roman" panose="02020603050405020304" pitchFamily="18" charset="0"/>
+            </a:endParaRPr>
+          </a:p>
+        </p:txBody>
+      </p:sp>
+      <p:sp>
+        <p:nvSpPr>
+          <p:cNvPr id="2" name="TextBox 1">
+            <a:extLst>
+              <a:ext uri="{FF2B5EF4-FFF2-40B4-BE49-F238E27FC236}">
+                <a16:creationId xmlns:a16="http://schemas.microsoft.com/office/drawing/2014/main" id="{0AF7A834-90AE-0E93-2AA4-03B914A57C3B}"/>
+              </a:ext>
+            </a:extLst>
+          </p:cNvPr>
+          <p:cNvSpPr txBox="1"/>
+          <p:nvPr/>
+        </p:nvSpPr>
+        <p:spPr>
+          <a:xfrm>
+            <a:off x="2856753" y="0"/>
             <a:ext cx="6096000" cy="830997"/>
           </a:xfrm>
           <a:prstGeom prst="rect">
@@ -9700,7 +8399,7 @@
                 <a:latin typeface="Times New Roman" panose="02020603050405020304" pitchFamily="18" charset="0"/>
                 <a:cs typeface="Times New Roman" panose="02020603050405020304" pitchFamily="18" charset="0"/>
               </a:rPr>
-              <a:t>Output</a:t>
+              <a:t>Code</a:t>
             </a:r>
             <a:endParaRPr lang="en-IN" sz="4800" b="1" dirty="0">
               <a:solidFill>
@@ -9714,81 +8413,10 @@
           </a:p>
         </p:txBody>
       </p:sp>
-      <p:pic>
-        <p:nvPicPr>
-          <p:cNvPr id="4" name="Picture 3">
-            <a:extLst>
-              <a:ext uri="{FF2B5EF4-FFF2-40B4-BE49-F238E27FC236}">
-                <a16:creationId xmlns:a16="http://schemas.microsoft.com/office/drawing/2014/main" id="{822B01BB-3AF1-C0F8-F156-C18C5F1489FC}"/>
-              </a:ext>
-            </a:extLst>
-          </p:cNvPr>
-          <p:cNvPicPr>
-            <a:picLocks noChangeAspect="1"/>
-          </p:cNvPicPr>
-          <p:nvPr/>
-        </p:nvPicPr>
-        <p:blipFill rotWithShape="1">
-          <a:blip r:embed="rId2">
-            <a:extLst>
-              <a:ext uri="{28A0092B-C50C-407E-A947-70E740481C1C}">
-                <a14:useLocalDpi xmlns:a14="http://schemas.microsoft.com/office/drawing/2010/main" val="0"/>
-              </a:ext>
-            </a:extLst>
-          </a:blip>
-          <a:srcRect b="73358"/>
-          <a:stretch/>
-        </p:blipFill>
-        <p:spPr>
-          <a:xfrm>
-            <a:off x="300912" y="4157034"/>
-            <a:ext cx="11678885" cy="2659036"/>
-          </a:xfrm>
-          <a:prstGeom prst="rect">
-            <a:avLst/>
-          </a:prstGeom>
-        </p:spPr>
-      </p:pic>
-      <p:pic>
-        <p:nvPicPr>
-          <p:cNvPr id="6" name="Picture 5">
-            <a:extLst>
-              <a:ext uri="{FF2B5EF4-FFF2-40B4-BE49-F238E27FC236}">
-                <a16:creationId xmlns:a16="http://schemas.microsoft.com/office/drawing/2014/main" id="{A2A416E6-AF0E-BA5B-399C-25871CA0EE34}"/>
-              </a:ext>
-            </a:extLst>
-          </p:cNvPr>
-          <p:cNvPicPr>
-            <a:picLocks noChangeAspect="1"/>
-          </p:cNvPicPr>
-          <p:nvPr/>
-        </p:nvPicPr>
-        <p:blipFill>
-          <a:blip r:embed="rId3">
-            <a:extLst>
-              <a:ext uri="{28A0092B-C50C-407E-A947-70E740481C1C}">
-                <a14:useLocalDpi xmlns:a14="http://schemas.microsoft.com/office/drawing/2010/main" val="0"/>
-              </a:ext>
-            </a:extLst>
-          </a:blip>
-          <a:stretch>
-            <a:fillRect/>
-          </a:stretch>
-        </p:blipFill>
-        <p:spPr>
-          <a:xfrm>
-            <a:off x="1496990" y="1147578"/>
-            <a:ext cx="9618563" cy="2909360"/>
-          </a:xfrm>
-          <a:prstGeom prst="rect">
-            <a:avLst/>
-          </a:prstGeom>
-        </p:spPr>
-      </p:pic>
     </p:spTree>
     <p:extLst>
       <p:ext uri="{BB962C8B-B14F-4D97-AF65-F5344CB8AC3E}">
-        <p14:creationId xmlns:p14="http://schemas.microsoft.com/office/powerpoint/2010/main" val="1191880758"/>
+        <p14:creationId xmlns:p14="http://schemas.microsoft.com/office/powerpoint/2010/main" val="472219122"/>
       </p:ext>
     </p:extLst>
   </p:cSld>
@@ -9815,82 +8443,12 @@
           <a:chExt cx="0" cy="0"/>
         </a:xfrm>
       </p:grpSpPr>
-      <p:pic>
-        <p:nvPicPr>
-          <p:cNvPr id="3" name="Picture 2">
-            <a:extLst>
-              <a:ext uri="{FF2B5EF4-FFF2-40B4-BE49-F238E27FC236}">
-                <a16:creationId xmlns:a16="http://schemas.microsoft.com/office/drawing/2014/main" id="{2E965609-EFD1-82A5-CF0C-5A3E7A177F82}"/>
-              </a:ext>
-            </a:extLst>
-          </p:cNvPr>
-          <p:cNvPicPr>
-            <a:picLocks noChangeAspect="1"/>
-          </p:cNvPicPr>
-          <p:nvPr/>
-        </p:nvPicPr>
-        <p:blipFill rotWithShape="1">
-          <a:blip r:embed="rId2">
-            <a:extLst>
-              <a:ext uri="{28A0092B-C50C-407E-A947-70E740481C1C}">
-                <a14:useLocalDpi xmlns:a14="http://schemas.microsoft.com/office/drawing/2010/main" val="0"/>
-              </a:ext>
-            </a:extLst>
-          </a:blip>
-          <a:srcRect t="39156" b="37905"/>
-          <a:stretch/>
-        </p:blipFill>
-        <p:spPr>
-          <a:xfrm>
-            <a:off x="221921" y="861311"/>
-            <a:ext cx="11808561" cy="2314937"/>
-          </a:xfrm>
-          <a:prstGeom prst="rect">
-            <a:avLst/>
-          </a:prstGeom>
-        </p:spPr>
-      </p:pic>
-      <p:pic>
-        <p:nvPicPr>
-          <p:cNvPr id="4" name="Picture 3">
-            <a:extLst>
-              <a:ext uri="{FF2B5EF4-FFF2-40B4-BE49-F238E27FC236}">
-                <a16:creationId xmlns:a16="http://schemas.microsoft.com/office/drawing/2014/main" id="{C21A7BBC-10BF-1BAD-BA0A-713D989EE1A0}"/>
-              </a:ext>
-            </a:extLst>
-          </p:cNvPr>
-          <p:cNvPicPr>
-            <a:picLocks noChangeAspect="1"/>
-          </p:cNvPicPr>
-          <p:nvPr/>
-        </p:nvPicPr>
-        <p:blipFill rotWithShape="1">
-          <a:blip r:embed="rId2">
-            <a:extLst>
-              <a:ext uri="{28A0092B-C50C-407E-A947-70E740481C1C}">
-                <a14:useLocalDpi xmlns:a14="http://schemas.microsoft.com/office/drawing/2010/main" val="0"/>
-              </a:ext>
-            </a:extLst>
-          </a:blip>
-          <a:srcRect t="80195"/>
-          <a:stretch/>
-        </p:blipFill>
-        <p:spPr>
-          <a:xfrm>
-            <a:off x="228636" y="3429000"/>
-            <a:ext cx="11734727" cy="1986061"/>
-          </a:xfrm>
-          <a:prstGeom prst="rect">
-            <a:avLst/>
-          </a:prstGeom>
-        </p:spPr>
-      </p:pic>
       <p:sp>
         <p:nvSpPr>
-          <p:cNvPr id="5" name="TextBox 4">
-            <a:extLst>
-              <a:ext uri="{FF2B5EF4-FFF2-40B4-BE49-F238E27FC236}">
-                <a16:creationId xmlns:a16="http://schemas.microsoft.com/office/drawing/2014/main" id="{24B213E2-90FB-85E5-CB31-498A54EC1B9F}"/>
+          <p:cNvPr id="3" name="TextBox 2">
+            <a:extLst>
+              <a:ext uri="{FF2B5EF4-FFF2-40B4-BE49-F238E27FC236}">
+                <a16:creationId xmlns:a16="http://schemas.microsoft.com/office/drawing/2014/main" id="{6AF3B8FE-AE29-2A29-9CB8-9E113A56A776}"/>
               </a:ext>
             </a:extLst>
           </p:cNvPr>
@@ -9899,8 +8457,8 @@
         </p:nvSpPr>
         <p:spPr>
           <a:xfrm>
-            <a:off x="347241" y="5833641"/>
-            <a:ext cx="7569843" cy="461665"/>
+            <a:off x="405115" y="783010"/>
+            <a:ext cx="11424212" cy="5632311"/>
           </a:xfrm>
           <a:prstGeom prst="rect">
             <a:avLst/>
@@ -9908,20 +8466,565 @@
           <a:noFill/>
         </p:spPr>
         <p:txBody>
-          <a:bodyPr wrap="square" rtlCol="0">
+          <a:bodyPr wrap="square">
             <a:spAutoFit/>
           </a:bodyPr>
           <a:lstStyle/>
           <a:p>
             <a:r>
-              <a:rPr lang="en-US" sz="2400" b="0" i="0" dirty="0">
-                <a:effectLst/>
-                <a:latin typeface="Times New Roman" panose="02020603050405020304" pitchFamily="18" charset="0"/>
-                <a:cs typeface="Times New Roman" panose="02020603050405020304" pitchFamily="18" charset="0"/>
-              </a:rPr>
-              <a:t>Total people counted across all images: 19</a:t>
-            </a:r>
-            <a:endParaRPr lang="en-US" sz="2400" dirty="0">
+              <a:rPr lang="en-IN" b="0" dirty="0">
+                <a:effectLst/>
+                <a:latin typeface="Times New Roman" panose="02020603050405020304" pitchFamily="18" charset="0"/>
+                <a:cs typeface="Times New Roman" panose="02020603050405020304" pitchFamily="18" charset="0"/>
+              </a:rPr>
+              <a:t>def </a:t>
+            </a:r>
+            <a:r>
+              <a:rPr lang="en-IN" b="0" dirty="0" err="1">
+                <a:effectLst/>
+                <a:latin typeface="Times New Roman" panose="02020603050405020304" pitchFamily="18" charset="0"/>
+                <a:cs typeface="Times New Roman" panose="02020603050405020304" pitchFamily="18" charset="0"/>
+              </a:rPr>
+              <a:t>otsu_threshold</a:t>
+            </a:r>
+            <a:r>
+              <a:rPr lang="en-IN" b="0" dirty="0">
+                <a:effectLst/>
+                <a:latin typeface="Times New Roman" panose="02020603050405020304" pitchFamily="18" charset="0"/>
+                <a:cs typeface="Times New Roman" panose="02020603050405020304" pitchFamily="18" charset="0"/>
+              </a:rPr>
+              <a:t>(image):</a:t>
+            </a:r>
+          </a:p>
+          <a:p>
+            <a:r>
+              <a:rPr lang="en-IN" b="0" dirty="0">
+                <a:effectLst/>
+                <a:latin typeface="Times New Roman" panose="02020603050405020304" pitchFamily="18" charset="0"/>
+                <a:cs typeface="Times New Roman" panose="02020603050405020304" pitchFamily="18" charset="0"/>
+              </a:rPr>
+              <a:t>    _, </a:t>
+            </a:r>
+            <a:r>
+              <a:rPr lang="en-IN" b="0" dirty="0" err="1">
+                <a:effectLst/>
+                <a:latin typeface="Times New Roman" panose="02020603050405020304" pitchFamily="18" charset="0"/>
+                <a:cs typeface="Times New Roman" panose="02020603050405020304" pitchFamily="18" charset="0"/>
+              </a:rPr>
+              <a:t>img_thresh</a:t>
+            </a:r>
+            <a:r>
+              <a:rPr lang="en-IN" b="0" dirty="0">
+                <a:effectLst/>
+                <a:latin typeface="Times New Roman" panose="02020603050405020304" pitchFamily="18" charset="0"/>
+                <a:cs typeface="Times New Roman" panose="02020603050405020304" pitchFamily="18" charset="0"/>
+              </a:rPr>
+              <a:t> = cv2.threshold(image, 0, 255, cv2.THRESH_BINARY + cv2.THRESH_OTSU)</a:t>
+            </a:r>
+          </a:p>
+          <a:p>
+            <a:r>
+              <a:rPr lang="en-IN" b="0" dirty="0">
+                <a:effectLst/>
+                <a:latin typeface="Times New Roman" panose="02020603050405020304" pitchFamily="18" charset="0"/>
+                <a:cs typeface="Times New Roman" panose="02020603050405020304" pitchFamily="18" charset="0"/>
+              </a:rPr>
+              <a:t>    return </a:t>
+            </a:r>
+            <a:r>
+              <a:rPr lang="en-IN" b="0" dirty="0" err="1">
+                <a:effectLst/>
+                <a:latin typeface="Times New Roman" panose="02020603050405020304" pitchFamily="18" charset="0"/>
+                <a:cs typeface="Times New Roman" panose="02020603050405020304" pitchFamily="18" charset="0"/>
+              </a:rPr>
+              <a:t>img_thresh</a:t>
+            </a:r>
+            <a:endParaRPr lang="en-IN" b="0" dirty="0">
+              <a:effectLst/>
+              <a:latin typeface="Times New Roman" panose="02020603050405020304" pitchFamily="18" charset="0"/>
+              <a:cs typeface="Times New Roman" panose="02020603050405020304" pitchFamily="18" charset="0"/>
+            </a:endParaRPr>
+          </a:p>
+          <a:p>
+            <a:r>
+              <a:rPr lang="en-IN" b="0" dirty="0">
+                <a:effectLst/>
+                <a:latin typeface="Times New Roman" panose="02020603050405020304" pitchFamily="18" charset="0"/>
+                <a:cs typeface="Times New Roman" panose="02020603050405020304" pitchFamily="18" charset="0"/>
+              </a:rPr>
+              <a:t>def </a:t>
+            </a:r>
+            <a:r>
+              <a:rPr lang="en-IN" b="0" dirty="0" err="1">
+                <a:effectLst/>
+                <a:latin typeface="Times New Roman" panose="02020603050405020304" pitchFamily="18" charset="0"/>
+                <a:cs typeface="Times New Roman" panose="02020603050405020304" pitchFamily="18" charset="0"/>
+              </a:rPr>
+              <a:t>dilation_erosion</a:t>
+            </a:r>
+            <a:r>
+              <a:rPr lang="en-IN" b="0" dirty="0">
+                <a:effectLst/>
+                <a:latin typeface="Times New Roman" panose="02020603050405020304" pitchFamily="18" charset="0"/>
+                <a:cs typeface="Times New Roman" panose="02020603050405020304" pitchFamily="18" charset="0"/>
+              </a:rPr>
+              <a:t>(image):</a:t>
+            </a:r>
+          </a:p>
+          <a:p>
+            <a:r>
+              <a:rPr lang="en-IN" b="0" dirty="0">
+                <a:effectLst/>
+                <a:latin typeface="Times New Roman" panose="02020603050405020304" pitchFamily="18" charset="0"/>
+                <a:cs typeface="Times New Roman" panose="02020603050405020304" pitchFamily="18" charset="0"/>
+              </a:rPr>
+              <a:t>    kernel = </a:t>
+            </a:r>
+            <a:r>
+              <a:rPr lang="en-IN" b="0" dirty="0" err="1">
+                <a:effectLst/>
+                <a:latin typeface="Times New Roman" panose="02020603050405020304" pitchFamily="18" charset="0"/>
+                <a:cs typeface="Times New Roman" panose="02020603050405020304" pitchFamily="18" charset="0"/>
+              </a:rPr>
+              <a:t>np.ones</a:t>
+            </a:r>
+            <a:r>
+              <a:rPr lang="en-IN" b="0" dirty="0">
+                <a:effectLst/>
+                <a:latin typeface="Times New Roman" panose="02020603050405020304" pitchFamily="18" charset="0"/>
+                <a:cs typeface="Times New Roman" panose="02020603050405020304" pitchFamily="18" charset="0"/>
+              </a:rPr>
+              <a:t>((15, 15), np.uint8)</a:t>
+            </a:r>
+          </a:p>
+          <a:p>
+            <a:r>
+              <a:rPr lang="en-IN" b="0" dirty="0">
+                <a:effectLst/>
+                <a:latin typeface="Times New Roman" panose="02020603050405020304" pitchFamily="18" charset="0"/>
+                <a:cs typeface="Times New Roman" panose="02020603050405020304" pitchFamily="18" charset="0"/>
+              </a:rPr>
+              <a:t>    </a:t>
+            </a:r>
+            <a:r>
+              <a:rPr lang="en-IN" b="0" dirty="0" err="1">
+                <a:effectLst/>
+                <a:latin typeface="Times New Roman" panose="02020603050405020304" pitchFamily="18" charset="0"/>
+                <a:cs typeface="Times New Roman" panose="02020603050405020304" pitchFamily="18" charset="0"/>
+              </a:rPr>
+              <a:t>img_dilation</a:t>
+            </a:r>
+            <a:r>
+              <a:rPr lang="en-IN" b="0" dirty="0">
+                <a:effectLst/>
+                <a:latin typeface="Times New Roman" panose="02020603050405020304" pitchFamily="18" charset="0"/>
+                <a:cs typeface="Times New Roman" panose="02020603050405020304" pitchFamily="18" charset="0"/>
+              </a:rPr>
+              <a:t> = cv2.dilate(image, kernel, iterations=1)</a:t>
+            </a:r>
+          </a:p>
+          <a:p>
+            <a:r>
+              <a:rPr lang="en-IN" b="0" dirty="0">
+                <a:effectLst/>
+                <a:latin typeface="Times New Roman" panose="02020603050405020304" pitchFamily="18" charset="0"/>
+                <a:cs typeface="Times New Roman" panose="02020603050405020304" pitchFamily="18" charset="0"/>
+              </a:rPr>
+              <a:t>    </a:t>
+            </a:r>
+            <a:r>
+              <a:rPr lang="en-IN" b="0" dirty="0" err="1">
+                <a:effectLst/>
+                <a:latin typeface="Times New Roman" panose="02020603050405020304" pitchFamily="18" charset="0"/>
+                <a:cs typeface="Times New Roman" panose="02020603050405020304" pitchFamily="18" charset="0"/>
+              </a:rPr>
+              <a:t>img_erode</a:t>
+            </a:r>
+            <a:r>
+              <a:rPr lang="en-IN" b="0" dirty="0">
+                <a:effectLst/>
+                <a:latin typeface="Times New Roman" panose="02020603050405020304" pitchFamily="18" charset="0"/>
+                <a:cs typeface="Times New Roman" panose="02020603050405020304" pitchFamily="18" charset="0"/>
+              </a:rPr>
+              <a:t> = cv2.erode(</a:t>
+            </a:r>
+            <a:r>
+              <a:rPr lang="en-IN" b="0" dirty="0" err="1">
+                <a:effectLst/>
+                <a:latin typeface="Times New Roman" panose="02020603050405020304" pitchFamily="18" charset="0"/>
+                <a:cs typeface="Times New Roman" panose="02020603050405020304" pitchFamily="18" charset="0"/>
+              </a:rPr>
+              <a:t>img_dilation</a:t>
+            </a:r>
+            <a:r>
+              <a:rPr lang="en-IN" b="0" dirty="0">
+                <a:effectLst/>
+                <a:latin typeface="Times New Roman" panose="02020603050405020304" pitchFamily="18" charset="0"/>
+                <a:cs typeface="Times New Roman" panose="02020603050405020304" pitchFamily="18" charset="0"/>
+              </a:rPr>
+              <a:t>, kernel, iterations=1)</a:t>
+            </a:r>
+          </a:p>
+          <a:p>
+            <a:r>
+              <a:rPr lang="en-IN" b="0" dirty="0">
+                <a:effectLst/>
+                <a:latin typeface="Times New Roman" panose="02020603050405020304" pitchFamily="18" charset="0"/>
+                <a:cs typeface="Times New Roman" panose="02020603050405020304" pitchFamily="18" charset="0"/>
+              </a:rPr>
+              <a:t>    </a:t>
+            </a:r>
+            <a:r>
+              <a:rPr lang="en-IN" b="0" dirty="0" err="1">
+                <a:effectLst/>
+                <a:latin typeface="Times New Roman" panose="02020603050405020304" pitchFamily="18" charset="0"/>
+                <a:cs typeface="Times New Roman" panose="02020603050405020304" pitchFamily="18" charset="0"/>
+              </a:rPr>
+              <a:t>img_erode</a:t>
+            </a:r>
+            <a:r>
+              <a:rPr lang="en-IN" b="0" dirty="0">
+                <a:effectLst/>
+                <a:latin typeface="Times New Roman" panose="02020603050405020304" pitchFamily="18" charset="0"/>
+                <a:cs typeface="Times New Roman" panose="02020603050405020304" pitchFamily="18" charset="0"/>
+              </a:rPr>
+              <a:t> = cv2.medianBlur(</a:t>
+            </a:r>
+            <a:r>
+              <a:rPr lang="en-IN" b="0" dirty="0" err="1">
+                <a:effectLst/>
+                <a:latin typeface="Times New Roman" panose="02020603050405020304" pitchFamily="18" charset="0"/>
+                <a:cs typeface="Times New Roman" panose="02020603050405020304" pitchFamily="18" charset="0"/>
+              </a:rPr>
+              <a:t>img_erode</a:t>
+            </a:r>
+            <a:r>
+              <a:rPr lang="en-IN" b="0" dirty="0">
+                <a:effectLst/>
+                <a:latin typeface="Times New Roman" panose="02020603050405020304" pitchFamily="18" charset="0"/>
+                <a:cs typeface="Times New Roman" panose="02020603050405020304" pitchFamily="18" charset="0"/>
+              </a:rPr>
+              <a:t>, 7)</a:t>
+            </a:r>
+          </a:p>
+          <a:p>
+            <a:r>
+              <a:rPr lang="en-IN" b="0" dirty="0">
+                <a:effectLst/>
+                <a:latin typeface="Times New Roman" panose="02020603050405020304" pitchFamily="18" charset="0"/>
+                <a:cs typeface="Times New Roman" panose="02020603050405020304" pitchFamily="18" charset="0"/>
+              </a:rPr>
+              <a:t>    return </a:t>
+            </a:r>
+            <a:r>
+              <a:rPr lang="en-IN" b="0" dirty="0" err="1">
+                <a:effectLst/>
+                <a:latin typeface="Times New Roman" panose="02020603050405020304" pitchFamily="18" charset="0"/>
+                <a:cs typeface="Times New Roman" panose="02020603050405020304" pitchFamily="18" charset="0"/>
+              </a:rPr>
+              <a:t>img_erode</a:t>
+            </a:r>
+            <a:endParaRPr lang="en-IN" b="0" dirty="0">
+              <a:effectLst/>
+              <a:latin typeface="Times New Roman" panose="02020603050405020304" pitchFamily="18" charset="0"/>
+              <a:cs typeface="Times New Roman" panose="02020603050405020304" pitchFamily="18" charset="0"/>
+            </a:endParaRPr>
+          </a:p>
+          <a:p>
+            <a:r>
+              <a:rPr lang="en-IN" b="0" dirty="0">
+                <a:effectLst/>
+                <a:latin typeface="Times New Roman" panose="02020603050405020304" pitchFamily="18" charset="0"/>
+                <a:cs typeface="Times New Roman" panose="02020603050405020304" pitchFamily="18" charset="0"/>
+              </a:rPr>
+              <a:t>def </a:t>
+            </a:r>
+            <a:r>
+              <a:rPr lang="en-IN" b="0" dirty="0" err="1">
+                <a:effectLst/>
+                <a:latin typeface="Times New Roman" panose="02020603050405020304" pitchFamily="18" charset="0"/>
+                <a:cs typeface="Times New Roman" panose="02020603050405020304" pitchFamily="18" charset="0"/>
+              </a:rPr>
+              <a:t>labeling</a:t>
+            </a:r>
+            <a:r>
+              <a:rPr lang="en-IN" b="0" dirty="0">
+                <a:effectLst/>
+                <a:latin typeface="Times New Roman" panose="02020603050405020304" pitchFamily="18" charset="0"/>
+                <a:cs typeface="Times New Roman" panose="02020603050405020304" pitchFamily="18" charset="0"/>
+              </a:rPr>
+              <a:t>(image):</a:t>
+            </a:r>
+          </a:p>
+          <a:p>
+            <a:r>
+              <a:rPr lang="en-IN" b="0" dirty="0">
+                <a:effectLst/>
+                <a:latin typeface="Times New Roman" panose="02020603050405020304" pitchFamily="18" charset="0"/>
+                <a:cs typeface="Times New Roman" panose="02020603050405020304" pitchFamily="18" charset="0"/>
+              </a:rPr>
+              <a:t>    contours, _ = cv2.findContours(image, cv2.RETR_EXTERNAL, cv2.CHAIN_APPROX_SIMPLE)</a:t>
+            </a:r>
+          </a:p>
+          <a:p>
+            <a:r>
+              <a:rPr lang="en-IN" b="0" dirty="0">
+                <a:effectLst/>
+                <a:latin typeface="Times New Roman" panose="02020603050405020304" pitchFamily="18" charset="0"/>
+                <a:cs typeface="Times New Roman" panose="02020603050405020304" pitchFamily="18" charset="0"/>
+              </a:rPr>
+              <a:t>    </a:t>
+            </a:r>
+            <a:r>
+              <a:rPr lang="en-IN" b="0" dirty="0" err="1">
+                <a:effectLst/>
+                <a:latin typeface="Times New Roman" panose="02020603050405020304" pitchFamily="18" charset="0"/>
+                <a:cs typeface="Times New Roman" panose="02020603050405020304" pitchFamily="18" charset="0"/>
+              </a:rPr>
+              <a:t>labeled_img</a:t>
+            </a:r>
+            <a:r>
+              <a:rPr lang="en-IN" b="0" dirty="0">
+                <a:effectLst/>
+                <a:latin typeface="Times New Roman" panose="02020603050405020304" pitchFamily="18" charset="0"/>
+                <a:cs typeface="Times New Roman" panose="02020603050405020304" pitchFamily="18" charset="0"/>
+              </a:rPr>
+              <a:t> = cv2.drawContours(</a:t>
+            </a:r>
+            <a:r>
+              <a:rPr lang="en-IN" b="0" dirty="0" err="1">
+                <a:effectLst/>
+                <a:latin typeface="Times New Roman" panose="02020603050405020304" pitchFamily="18" charset="0"/>
+                <a:cs typeface="Times New Roman" panose="02020603050405020304" pitchFamily="18" charset="0"/>
+              </a:rPr>
+              <a:t>np.zeros_like</a:t>
+            </a:r>
+            <a:r>
+              <a:rPr lang="en-IN" b="0" dirty="0">
+                <a:effectLst/>
+                <a:latin typeface="Times New Roman" panose="02020603050405020304" pitchFamily="18" charset="0"/>
+                <a:cs typeface="Times New Roman" panose="02020603050405020304" pitchFamily="18" charset="0"/>
+              </a:rPr>
+              <a:t>(image), contours, -1, (255), thickness=cv2.FILLED)</a:t>
+            </a:r>
+          </a:p>
+          <a:p>
+            <a:r>
+              <a:rPr lang="en-IN" b="0" dirty="0">
+                <a:effectLst/>
+                <a:latin typeface="Times New Roman" panose="02020603050405020304" pitchFamily="18" charset="0"/>
+                <a:cs typeface="Times New Roman" panose="02020603050405020304" pitchFamily="18" charset="0"/>
+              </a:rPr>
+              <a:t>    count = </a:t>
+            </a:r>
+            <a:r>
+              <a:rPr lang="en-IN" b="0" dirty="0" err="1">
+                <a:effectLst/>
+                <a:latin typeface="Times New Roman" panose="02020603050405020304" pitchFamily="18" charset="0"/>
+                <a:cs typeface="Times New Roman" panose="02020603050405020304" pitchFamily="18" charset="0"/>
+              </a:rPr>
+              <a:t>len</a:t>
+            </a:r>
+            <a:r>
+              <a:rPr lang="en-IN" b="0" dirty="0">
+                <a:effectLst/>
+                <a:latin typeface="Times New Roman" panose="02020603050405020304" pitchFamily="18" charset="0"/>
+                <a:cs typeface="Times New Roman" panose="02020603050405020304" pitchFamily="18" charset="0"/>
+              </a:rPr>
+              <a:t>(contours)</a:t>
+            </a:r>
+          </a:p>
+          <a:p>
+            <a:r>
+              <a:rPr lang="en-IN" b="0" dirty="0">
+                <a:effectLst/>
+                <a:latin typeface="Times New Roman" panose="02020603050405020304" pitchFamily="18" charset="0"/>
+                <a:cs typeface="Times New Roman" panose="02020603050405020304" pitchFamily="18" charset="0"/>
+              </a:rPr>
+              <a:t>    </a:t>
+            </a:r>
+            <a:r>
+              <a:rPr lang="en-IN" b="0" dirty="0" err="1">
+                <a:effectLst/>
+                <a:latin typeface="Times New Roman" panose="02020603050405020304" pitchFamily="18" charset="0"/>
+                <a:cs typeface="Times New Roman" panose="02020603050405020304" pitchFamily="18" charset="0"/>
+              </a:rPr>
+              <a:t>plt.title</a:t>
+            </a:r>
+            <a:r>
+              <a:rPr lang="en-IN" b="0" dirty="0">
+                <a:effectLst/>
+                <a:latin typeface="Times New Roman" panose="02020603050405020304" pitchFamily="18" charset="0"/>
+                <a:cs typeface="Times New Roman" panose="02020603050405020304" pitchFamily="18" charset="0"/>
+              </a:rPr>
+              <a:t>('People counted in this image: ' + str(count))</a:t>
+            </a:r>
+          </a:p>
+          <a:p>
+            <a:r>
+              <a:rPr lang="en-IN" b="0" dirty="0">
+                <a:effectLst/>
+                <a:latin typeface="Times New Roman" panose="02020603050405020304" pitchFamily="18" charset="0"/>
+                <a:cs typeface="Times New Roman" panose="02020603050405020304" pitchFamily="18" charset="0"/>
+              </a:rPr>
+              <a:t>    </a:t>
+            </a:r>
+            <a:r>
+              <a:rPr lang="en-IN" b="0" dirty="0" err="1">
+                <a:effectLst/>
+                <a:latin typeface="Times New Roman" panose="02020603050405020304" pitchFamily="18" charset="0"/>
+                <a:cs typeface="Times New Roman" panose="02020603050405020304" pitchFamily="18" charset="0"/>
+              </a:rPr>
+              <a:t>plt.imshow</a:t>
+            </a:r>
+            <a:r>
+              <a:rPr lang="en-IN" b="0" dirty="0">
+                <a:effectLst/>
+                <a:latin typeface="Times New Roman" panose="02020603050405020304" pitchFamily="18" charset="0"/>
+                <a:cs typeface="Times New Roman" panose="02020603050405020304" pitchFamily="18" charset="0"/>
+              </a:rPr>
+              <a:t>(</a:t>
+            </a:r>
+            <a:r>
+              <a:rPr lang="en-IN" b="0" dirty="0" err="1">
+                <a:effectLst/>
+                <a:latin typeface="Times New Roman" panose="02020603050405020304" pitchFamily="18" charset="0"/>
+                <a:cs typeface="Times New Roman" panose="02020603050405020304" pitchFamily="18" charset="0"/>
+              </a:rPr>
+              <a:t>labeled_img</a:t>
+            </a:r>
+            <a:r>
+              <a:rPr lang="en-IN" b="0" dirty="0">
+                <a:effectLst/>
+                <a:latin typeface="Times New Roman" panose="02020603050405020304" pitchFamily="18" charset="0"/>
+                <a:cs typeface="Times New Roman" panose="02020603050405020304" pitchFamily="18" charset="0"/>
+              </a:rPr>
+              <a:t>, </a:t>
+            </a:r>
+            <a:r>
+              <a:rPr lang="en-IN" b="0" dirty="0" err="1">
+                <a:effectLst/>
+                <a:latin typeface="Times New Roman" panose="02020603050405020304" pitchFamily="18" charset="0"/>
+                <a:cs typeface="Times New Roman" panose="02020603050405020304" pitchFamily="18" charset="0"/>
+              </a:rPr>
+              <a:t>cmap</a:t>
+            </a:r>
+            <a:r>
+              <a:rPr lang="en-IN" b="0" dirty="0">
+                <a:effectLst/>
+                <a:latin typeface="Times New Roman" panose="02020603050405020304" pitchFamily="18" charset="0"/>
+                <a:cs typeface="Times New Roman" panose="02020603050405020304" pitchFamily="18" charset="0"/>
+              </a:rPr>
+              <a:t>='</a:t>
+            </a:r>
+            <a:r>
+              <a:rPr lang="en-IN" b="0" dirty="0" err="1">
+                <a:effectLst/>
+                <a:latin typeface="Times New Roman" panose="02020603050405020304" pitchFamily="18" charset="0"/>
+                <a:cs typeface="Times New Roman" panose="02020603050405020304" pitchFamily="18" charset="0"/>
+              </a:rPr>
+              <a:t>gray</a:t>
+            </a:r>
+            <a:r>
+              <a:rPr lang="en-IN" b="0" dirty="0">
+                <a:effectLst/>
+                <a:latin typeface="Times New Roman" panose="02020603050405020304" pitchFamily="18" charset="0"/>
+                <a:cs typeface="Times New Roman" panose="02020603050405020304" pitchFamily="18" charset="0"/>
+              </a:rPr>
+              <a:t>')</a:t>
+            </a:r>
+          </a:p>
+          <a:p>
+            <a:r>
+              <a:rPr lang="en-IN" b="0" dirty="0">
+                <a:effectLst/>
+                <a:latin typeface="Times New Roman" panose="02020603050405020304" pitchFamily="18" charset="0"/>
+                <a:cs typeface="Times New Roman" panose="02020603050405020304" pitchFamily="18" charset="0"/>
+              </a:rPr>
+              <a:t>    </a:t>
+            </a:r>
+            <a:r>
+              <a:rPr lang="en-IN" b="0" dirty="0" err="1">
+                <a:effectLst/>
+                <a:latin typeface="Times New Roman" panose="02020603050405020304" pitchFamily="18" charset="0"/>
+                <a:cs typeface="Times New Roman" panose="02020603050405020304" pitchFamily="18" charset="0"/>
+              </a:rPr>
+              <a:t>plt.show</a:t>
+            </a:r>
+            <a:r>
+              <a:rPr lang="en-IN" b="0" dirty="0">
+                <a:effectLst/>
+                <a:latin typeface="Times New Roman" panose="02020603050405020304" pitchFamily="18" charset="0"/>
+                <a:cs typeface="Times New Roman" panose="02020603050405020304" pitchFamily="18" charset="0"/>
+              </a:rPr>
+              <a:t>()</a:t>
+            </a:r>
+          </a:p>
+          <a:p>
+            <a:r>
+              <a:rPr lang="en-IN" b="0" dirty="0">
+                <a:effectLst/>
+                <a:latin typeface="Times New Roman" panose="02020603050405020304" pitchFamily="18" charset="0"/>
+                <a:cs typeface="Times New Roman" panose="02020603050405020304" pitchFamily="18" charset="0"/>
+              </a:rPr>
+              <a:t>    return count</a:t>
+            </a:r>
+          </a:p>
+          <a:p>
+            <a:r>
+              <a:rPr lang="en-IN" b="0" dirty="0" err="1">
+                <a:effectLst/>
+                <a:latin typeface="Times New Roman" panose="02020603050405020304" pitchFamily="18" charset="0"/>
+                <a:cs typeface="Times New Roman" panose="02020603050405020304" pitchFamily="18" charset="0"/>
+              </a:rPr>
+              <a:t>image_paths</a:t>
+            </a:r>
+            <a:r>
+              <a:rPr lang="en-IN" b="0" dirty="0">
+                <a:effectLst/>
+                <a:latin typeface="Times New Roman" panose="02020603050405020304" pitchFamily="18" charset="0"/>
+                <a:cs typeface="Times New Roman" panose="02020603050405020304" pitchFamily="18" charset="0"/>
+              </a:rPr>
+              <a:t> = [ '/content/drive/</a:t>
+            </a:r>
+            <a:r>
+              <a:rPr lang="en-IN" b="0" dirty="0" err="1">
+                <a:effectLst/>
+                <a:latin typeface="Times New Roman" panose="02020603050405020304" pitchFamily="18" charset="0"/>
+                <a:cs typeface="Times New Roman" panose="02020603050405020304" pitchFamily="18" charset="0"/>
+              </a:rPr>
+              <a:t>MyDrive</a:t>
+            </a:r>
+            <a:r>
+              <a:rPr lang="en-IN" b="0" dirty="0">
+                <a:effectLst/>
+                <a:latin typeface="Times New Roman" panose="02020603050405020304" pitchFamily="18" charset="0"/>
+                <a:cs typeface="Times New Roman" panose="02020603050405020304" pitchFamily="18" charset="0"/>
+              </a:rPr>
+              <a:t>/object count in  images/code/frames/frames/seq_000001.jpg']</a:t>
+            </a:r>
+          </a:p>
+          <a:p>
+            <a:r>
+              <a:rPr lang="en-IN" b="0" dirty="0" err="1">
+                <a:effectLst/>
+                <a:latin typeface="Times New Roman" panose="02020603050405020304" pitchFamily="18" charset="0"/>
+                <a:cs typeface="Times New Roman" panose="02020603050405020304" pitchFamily="18" charset="0"/>
+              </a:rPr>
+              <a:t>total_people_count</a:t>
+            </a:r>
+            <a:r>
+              <a:rPr lang="en-IN" b="0" dirty="0">
+                <a:effectLst/>
+                <a:latin typeface="Times New Roman" panose="02020603050405020304" pitchFamily="18" charset="0"/>
+                <a:cs typeface="Times New Roman" panose="02020603050405020304" pitchFamily="18" charset="0"/>
+              </a:rPr>
+              <a:t> = 0</a:t>
+            </a:r>
+          </a:p>
+          <a:p>
+            <a:endParaRPr lang="en-IN" b="0" dirty="0">
+              <a:effectLst/>
               <a:latin typeface="Times New Roman" panose="02020603050405020304" pitchFamily="18" charset="0"/>
               <a:cs typeface="Times New Roman" panose="02020603050405020304" pitchFamily="18" charset="0"/>
             </a:endParaRPr>
@@ -9931,7 +9034,7 @@
     </p:spTree>
     <p:extLst>
       <p:ext uri="{BB962C8B-B14F-4D97-AF65-F5344CB8AC3E}">
-        <p14:creationId xmlns:p14="http://schemas.microsoft.com/office/powerpoint/2010/main" val="1577723494"/>
+        <p14:creationId xmlns:p14="http://schemas.microsoft.com/office/powerpoint/2010/main" val="444569392"/>
       </p:ext>
     </p:extLst>
   </p:cSld>
@@ -9960,133 +9063,10 @@
       </p:grpSpPr>
       <p:sp>
         <p:nvSpPr>
-          <p:cNvPr id="4" name="Rectangle 3">
-            <a:extLst>
-              <a:ext uri="{FF2B5EF4-FFF2-40B4-BE49-F238E27FC236}">
-                <a16:creationId xmlns:a16="http://schemas.microsoft.com/office/drawing/2014/main" id="{B93B3268-169E-1065-D3B0-64938ED34DE8}"/>
-              </a:ext>
-            </a:extLst>
-          </p:cNvPr>
-          <p:cNvSpPr/>
-          <p:nvPr/>
-        </p:nvSpPr>
-        <p:spPr>
-          <a:xfrm>
-            <a:off x="0" y="-13202"/>
-            <a:ext cx="12192000" cy="6871202"/>
-          </a:xfrm>
-          <a:prstGeom prst="rect">
-            <a:avLst/>
-          </a:prstGeom>
-          <a:gradFill>
-            <a:gsLst>
-              <a:gs pos="21000">
-                <a:srgbClr val="242424">
-                  <a:alpha val="98000"/>
-                </a:srgbClr>
-              </a:gs>
-              <a:gs pos="0">
-                <a:schemeClr val="tx1"/>
-              </a:gs>
-              <a:gs pos="100000">
-                <a:schemeClr val="tx1">
-                  <a:lumMod val="75000"/>
-                  <a:lumOff val="25000"/>
-                  <a:alpha val="15000"/>
-                </a:schemeClr>
-              </a:gs>
-            </a:gsLst>
-            <a:lin ang="18000000" scaled="0"/>
-          </a:gradFill>
-          <a:ln>
-            <a:noFill/>
-          </a:ln>
-        </p:spPr>
-        <p:style>
-          <a:lnRef idx="2">
-            <a:schemeClr val="accent1">
-              <a:shade val="50000"/>
-            </a:schemeClr>
-          </a:lnRef>
-          <a:fillRef idx="1">
-            <a:schemeClr val="accent1"/>
-          </a:fillRef>
-          <a:effectRef idx="0">
-            <a:schemeClr val="accent1"/>
-          </a:effectRef>
-          <a:fontRef idx="minor">
-            <a:schemeClr val="lt1"/>
-          </a:fontRef>
-        </p:style>
-        <p:txBody>
-          <a:bodyPr rtlCol="0" anchor="ctr"/>
-          <a:lstStyle/>
-          <a:p>
-            <a:pPr algn="ctr"/>
-            <a:endParaRPr lang="en-US" dirty="0"/>
-          </a:p>
-        </p:txBody>
-      </p:sp>
-      <p:sp>
-        <p:nvSpPr>
-          <p:cNvPr id="2" name="Rectangle 1">
-            <a:extLst>
-              <a:ext uri="{FF2B5EF4-FFF2-40B4-BE49-F238E27FC236}">
-                <a16:creationId xmlns:a16="http://schemas.microsoft.com/office/drawing/2014/main" id="{86BD71C5-4124-1870-1CBE-43F2188C56FA}"/>
-              </a:ext>
-            </a:extLst>
-          </p:cNvPr>
-          <p:cNvSpPr/>
-          <p:nvPr/>
-        </p:nvSpPr>
-        <p:spPr>
-          <a:xfrm>
-            <a:off x="0" y="-13202"/>
-            <a:ext cx="12192000" cy="6858000"/>
-          </a:xfrm>
-          <a:prstGeom prst="rect">
-            <a:avLst/>
-          </a:prstGeom>
-          <a:solidFill>
-            <a:srgbClr val="0062FF">
-              <a:alpha val="50000"/>
-            </a:srgbClr>
-          </a:solidFill>
-          <a:ln>
-            <a:noFill/>
-          </a:ln>
-        </p:spPr>
-        <p:style>
-          <a:lnRef idx="2">
-            <a:schemeClr val="accent1">
-              <a:shade val="50000"/>
-            </a:schemeClr>
-          </a:lnRef>
-          <a:fillRef idx="1">
-            <a:schemeClr val="accent1"/>
-          </a:fillRef>
-          <a:effectRef idx="0">
-            <a:schemeClr val="accent1"/>
-          </a:effectRef>
-          <a:fontRef idx="minor">
-            <a:schemeClr val="lt1"/>
-          </a:fontRef>
-        </p:style>
-        <p:txBody>
-          <a:bodyPr rtlCol="0" anchor="ctr"/>
-          <a:lstStyle/>
-          <a:p>
-            <a:pPr algn="ctr"/>
-            <a:endParaRPr lang="en-US" dirty="0"/>
-          </a:p>
-        </p:txBody>
-      </p:sp>
-      <p:sp>
-        <p:nvSpPr>
           <p:cNvPr id="3" name="TextBox 2">
             <a:extLst>
               <a:ext uri="{FF2B5EF4-FFF2-40B4-BE49-F238E27FC236}">
-                <a16:creationId xmlns:a16="http://schemas.microsoft.com/office/drawing/2014/main" id="{7B91FC14-29D9-9AFD-02A7-DA136F6C41D3}"/>
+                <a16:creationId xmlns:a16="http://schemas.microsoft.com/office/drawing/2014/main" id="{053A41B1-2826-5357-8378-D21843F492E4}"/>
               </a:ext>
             </a:extLst>
           </p:cNvPr>
@@ -10095,8 +9075,8 @@
         </p:nvSpPr>
         <p:spPr>
           <a:xfrm>
-            <a:off x="3707010" y="2573212"/>
-            <a:ext cx="5613972" cy="1323439"/>
+            <a:off x="243068" y="590885"/>
+            <a:ext cx="12192000" cy="5355312"/>
           </a:xfrm>
           <a:prstGeom prst="rect">
             <a:avLst/>
@@ -10104,33 +9084,1984 @@
           <a:noFill/>
         </p:spPr>
         <p:txBody>
-          <a:bodyPr wrap="square" rtlCol="0">
+          <a:bodyPr wrap="square">
             <a:spAutoFit/>
           </a:bodyPr>
           <a:lstStyle/>
           <a:p>
             <a:r>
-              <a:rPr lang="en-US" sz="8000" dirty="0">
-                <a:solidFill>
-                  <a:schemeClr val="bg1"/>
-                </a:solidFill>
-                <a:latin typeface="Bauhaus 93" panose="04030905020B02020C02" pitchFamily="82" charset="0"/>
-              </a:rPr>
-              <a:t>THANK YOU</a:t>
-            </a:r>
-            <a:endParaRPr lang="en-IN" sz="8000" dirty="0">
-              <a:solidFill>
-                <a:schemeClr val="bg1"/>
-              </a:solidFill>
-              <a:latin typeface="Bauhaus 93" panose="04030905020B02020C02" pitchFamily="82" charset="0"/>
+              <a:rPr lang="en-IN" b="0" dirty="0">
+                <a:effectLst/>
+                <a:latin typeface="Times New Roman" panose="02020603050405020304" pitchFamily="18" charset="0"/>
+                <a:cs typeface="Times New Roman" panose="02020603050405020304" pitchFamily="18" charset="0"/>
+              </a:rPr>
+              <a:t>for </a:t>
+            </a:r>
+            <a:r>
+              <a:rPr lang="en-IN" b="0" dirty="0" err="1">
+                <a:effectLst/>
+                <a:latin typeface="Times New Roman" panose="02020603050405020304" pitchFamily="18" charset="0"/>
+                <a:cs typeface="Times New Roman" panose="02020603050405020304" pitchFamily="18" charset="0"/>
+              </a:rPr>
+              <a:t>i</a:t>
+            </a:r>
+            <a:r>
+              <a:rPr lang="en-IN" b="0" dirty="0">
+                <a:effectLst/>
+                <a:latin typeface="Times New Roman" panose="02020603050405020304" pitchFamily="18" charset="0"/>
+                <a:cs typeface="Times New Roman" panose="02020603050405020304" pitchFamily="18" charset="0"/>
+              </a:rPr>
+              <a:t>, </a:t>
+            </a:r>
+            <a:r>
+              <a:rPr lang="en-IN" b="0" dirty="0" err="1">
+                <a:effectLst/>
+                <a:latin typeface="Times New Roman" panose="02020603050405020304" pitchFamily="18" charset="0"/>
+                <a:cs typeface="Times New Roman" panose="02020603050405020304" pitchFamily="18" charset="0"/>
+              </a:rPr>
+              <a:t>img_path</a:t>
+            </a:r>
+            <a:r>
+              <a:rPr lang="en-IN" b="0" dirty="0">
+                <a:effectLst/>
+                <a:latin typeface="Times New Roman" panose="02020603050405020304" pitchFamily="18" charset="0"/>
+                <a:cs typeface="Times New Roman" panose="02020603050405020304" pitchFamily="18" charset="0"/>
+              </a:rPr>
+              <a:t> in enumerate(</a:t>
+            </a:r>
+            <a:r>
+              <a:rPr lang="en-IN" b="0" dirty="0" err="1">
+                <a:effectLst/>
+                <a:latin typeface="Times New Roman" panose="02020603050405020304" pitchFamily="18" charset="0"/>
+                <a:cs typeface="Times New Roman" panose="02020603050405020304" pitchFamily="18" charset="0"/>
+              </a:rPr>
+              <a:t>image_paths</a:t>
+            </a:r>
+            <a:r>
+              <a:rPr lang="en-IN" b="0" dirty="0">
+                <a:effectLst/>
+                <a:latin typeface="Times New Roman" panose="02020603050405020304" pitchFamily="18" charset="0"/>
+                <a:cs typeface="Times New Roman" panose="02020603050405020304" pitchFamily="18" charset="0"/>
+              </a:rPr>
+              <a:t>):</a:t>
+            </a:r>
+          </a:p>
+          <a:p>
+            <a:r>
+              <a:rPr lang="en-IN" b="0" dirty="0">
+                <a:effectLst/>
+                <a:latin typeface="Times New Roman" panose="02020603050405020304" pitchFamily="18" charset="0"/>
+                <a:cs typeface="Times New Roman" panose="02020603050405020304" pitchFamily="18" charset="0"/>
+              </a:rPr>
+              <a:t>    </a:t>
+            </a:r>
+            <a:r>
+              <a:rPr lang="en-IN" b="0" dirty="0" err="1">
+                <a:effectLst/>
+                <a:latin typeface="Times New Roman" panose="02020603050405020304" pitchFamily="18" charset="0"/>
+                <a:cs typeface="Times New Roman" panose="02020603050405020304" pitchFamily="18" charset="0"/>
+              </a:rPr>
+              <a:t>img</a:t>
+            </a:r>
+            <a:r>
+              <a:rPr lang="en-IN" b="0" dirty="0">
+                <a:effectLst/>
+                <a:latin typeface="Times New Roman" panose="02020603050405020304" pitchFamily="18" charset="0"/>
+                <a:cs typeface="Times New Roman" panose="02020603050405020304" pitchFamily="18" charset="0"/>
+              </a:rPr>
+              <a:t> = cv2.imread(</a:t>
+            </a:r>
+            <a:r>
+              <a:rPr lang="en-IN" b="0" dirty="0" err="1">
+                <a:effectLst/>
+                <a:latin typeface="Times New Roman" panose="02020603050405020304" pitchFamily="18" charset="0"/>
+                <a:cs typeface="Times New Roman" panose="02020603050405020304" pitchFamily="18" charset="0"/>
+              </a:rPr>
+              <a:t>img_path</a:t>
+            </a:r>
+            <a:r>
+              <a:rPr lang="en-IN" b="0" dirty="0">
+                <a:effectLst/>
+                <a:latin typeface="Times New Roman" panose="02020603050405020304" pitchFamily="18" charset="0"/>
+                <a:cs typeface="Times New Roman" panose="02020603050405020304" pitchFamily="18" charset="0"/>
+              </a:rPr>
+              <a:t>, cv2.IMREAD_GRAYSCALE)</a:t>
+            </a:r>
+          </a:p>
+          <a:p>
+            <a:r>
+              <a:rPr lang="en-IN" b="0" dirty="0">
+                <a:effectLst/>
+                <a:latin typeface="Times New Roman" panose="02020603050405020304" pitchFamily="18" charset="0"/>
+                <a:cs typeface="Times New Roman" panose="02020603050405020304" pitchFamily="18" charset="0"/>
+              </a:rPr>
+              <a:t>    if </a:t>
+            </a:r>
+            <a:r>
+              <a:rPr lang="en-IN" b="0" dirty="0" err="1">
+                <a:effectLst/>
+                <a:latin typeface="Times New Roman" panose="02020603050405020304" pitchFamily="18" charset="0"/>
+                <a:cs typeface="Times New Roman" panose="02020603050405020304" pitchFamily="18" charset="0"/>
+              </a:rPr>
+              <a:t>img</a:t>
+            </a:r>
+            <a:r>
+              <a:rPr lang="en-IN" b="0" dirty="0">
+                <a:effectLst/>
+                <a:latin typeface="Times New Roman" panose="02020603050405020304" pitchFamily="18" charset="0"/>
+                <a:cs typeface="Times New Roman" panose="02020603050405020304" pitchFamily="18" charset="0"/>
+              </a:rPr>
+              <a:t> is None:</a:t>
+            </a:r>
+          </a:p>
+          <a:p>
+            <a:r>
+              <a:rPr lang="en-IN" b="0" dirty="0">
+                <a:effectLst/>
+                <a:latin typeface="Times New Roman" panose="02020603050405020304" pitchFamily="18" charset="0"/>
+                <a:cs typeface="Times New Roman" panose="02020603050405020304" pitchFamily="18" charset="0"/>
+              </a:rPr>
+              <a:t>        print(</a:t>
+            </a:r>
+            <a:r>
+              <a:rPr lang="en-IN" b="0" dirty="0" err="1">
+                <a:effectLst/>
+                <a:latin typeface="Times New Roman" panose="02020603050405020304" pitchFamily="18" charset="0"/>
+                <a:cs typeface="Times New Roman" panose="02020603050405020304" pitchFamily="18" charset="0"/>
+              </a:rPr>
+              <a:t>f"Error</a:t>
+            </a:r>
+            <a:r>
+              <a:rPr lang="en-IN" b="0" dirty="0">
+                <a:effectLst/>
+                <a:latin typeface="Times New Roman" panose="02020603050405020304" pitchFamily="18" charset="0"/>
+                <a:cs typeface="Times New Roman" panose="02020603050405020304" pitchFamily="18" charset="0"/>
+              </a:rPr>
+              <a:t>: Unable to load image at path: {</a:t>
+            </a:r>
+            <a:r>
+              <a:rPr lang="en-IN" b="0" dirty="0" err="1">
+                <a:effectLst/>
+                <a:latin typeface="Times New Roman" panose="02020603050405020304" pitchFamily="18" charset="0"/>
+                <a:cs typeface="Times New Roman" panose="02020603050405020304" pitchFamily="18" charset="0"/>
+              </a:rPr>
+              <a:t>img_path</a:t>
+            </a:r>
+            <a:r>
+              <a:rPr lang="en-IN" b="0" dirty="0">
+                <a:effectLst/>
+                <a:latin typeface="Times New Roman" panose="02020603050405020304" pitchFamily="18" charset="0"/>
+                <a:cs typeface="Times New Roman" panose="02020603050405020304" pitchFamily="18" charset="0"/>
+              </a:rPr>
+              <a:t>}")</a:t>
+            </a:r>
+          </a:p>
+          <a:p>
+            <a:r>
+              <a:rPr lang="en-IN" b="0" dirty="0">
+                <a:effectLst/>
+                <a:latin typeface="Times New Roman" panose="02020603050405020304" pitchFamily="18" charset="0"/>
+                <a:cs typeface="Times New Roman" panose="02020603050405020304" pitchFamily="18" charset="0"/>
+              </a:rPr>
+              <a:t>        continue</a:t>
+            </a:r>
+          </a:p>
+          <a:p>
+            <a:r>
+              <a:rPr lang="en-IN" b="0" dirty="0">
+                <a:effectLst/>
+                <a:latin typeface="Times New Roman" panose="02020603050405020304" pitchFamily="18" charset="0"/>
+                <a:cs typeface="Times New Roman" panose="02020603050405020304" pitchFamily="18" charset="0"/>
+              </a:rPr>
+              <a:t>    </a:t>
+            </a:r>
+            <a:r>
+              <a:rPr lang="en-IN" b="0" dirty="0" err="1">
+                <a:effectLst/>
+                <a:latin typeface="Times New Roman" panose="02020603050405020304" pitchFamily="18" charset="0"/>
+                <a:cs typeface="Times New Roman" panose="02020603050405020304" pitchFamily="18" charset="0"/>
+              </a:rPr>
+              <a:t>cropped_images</a:t>
+            </a:r>
+            <a:r>
+              <a:rPr lang="en-IN" b="0" dirty="0">
+                <a:effectLst/>
+                <a:latin typeface="Times New Roman" panose="02020603050405020304" pitchFamily="18" charset="0"/>
+                <a:cs typeface="Times New Roman" panose="02020603050405020304" pitchFamily="18" charset="0"/>
+              </a:rPr>
+              <a:t>, </a:t>
+            </a:r>
+            <a:r>
+              <a:rPr lang="en-IN" b="0" dirty="0" err="1">
+                <a:effectLst/>
+                <a:latin typeface="Times New Roman" panose="02020603050405020304" pitchFamily="18" charset="0"/>
+                <a:cs typeface="Times New Roman" panose="02020603050405020304" pitchFamily="18" charset="0"/>
+              </a:rPr>
+              <a:t>cropped_titles</a:t>
+            </a:r>
+            <a:r>
+              <a:rPr lang="en-IN" b="0" dirty="0">
+                <a:effectLst/>
+                <a:latin typeface="Times New Roman" panose="02020603050405020304" pitchFamily="18" charset="0"/>
+                <a:cs typeface="Times New Roman" panose="02020603050405020304" pitchFamily="18" charset="0"/>
+              </a:rPr>
+              <a:t> = [], []</a:t>
+            </a:r>
+          </a:p>
+          <a:p>
+            <a:r>
+              <a:rPr lang="en-IN" b="0" dirty="0">
+                <a:effectLst/>
+                <a:latin typeface="Times New Roman" panose="02020603050405020304" pitchFamily="18" charset="0"/>
+                <a:cs typeface="Times New Roman" panose="02020603050405020304" pitchFamily="18" charset="0"/>
+              </a:rPr>
+              <a:t>    for j, (</a:t>
+            </a:r>
+            <a:r>
+              <a:rPr lang="en-IN" b="0" dirty="0" err="1">
+                <a:effectLst/>
+                <a:latin typeface="Times New Roman" panose="02020603050405020304" pitchFamily="18" charset="0"/>
+                <a:cs typeface="Times New Roman" panose="02020603050405020304" pitchFamily="18" charset="0"/>
+              </a:rPr>
+              <a:t>start_y</a:t>
+            </a:r>
+            <a:r>
+              <a:rPr lang="en-IN" b="0" dirty="0">
+                <a:effectLst/>
+                <a:latin typeface="Times New Roman" panose="02020603050405020304" pitchFamily="18" charset="0"/>
+                <a:cs typeface="Times New Roman" panose="02020603050405020304" pitchFamily="18" charset="0"/>
+              </a:rPr>
+              <a:t>, </a:t>
+            </a:r>
+            <a:r>
+              <a:rPr lang="en-IN" b="0" dirty="0" err="1">
+                <a:effectLst/>
+                <a:latin typeface="Times New Roman" panose="02020603050405020304" pitchFamily="18" charset="0"/>
+                <a:cs typeface="Times New Roman" panose="02020603050405020304" pitchFamily="18" charset="0"/>
+              </a:rPr>
+              <a:t>end_y</a:t>
+            </a:r>
+            <a:r>
+              <a:rPr lang="en-IN" b="0" dirty="0">
+                <a:effectLst/>
+                <a:latin typeface="Times New Roman" panose="02020603050405020304" pitchFamily="18" charset="0"/>
+                <a:cs typeface="Times New Roman" panose="02020603050405020304" pitchFamily="18" charset="0"/>
+              </a:rPr>
+              <a:t>, </a:t>
+            </a:r>
+            <a:r>
+              <a:rPr lang="en-IN" b="0" dirty="0" err="1">
+                <a:effectLst/>
+                <a:latin typeface="Times New Roman" panose="02020603050405020304" pitchFamily="18" charset="0"/>
+                <a:cs typeface="Times New Roman" panose="02020603050405020304" pitchFamily="18" charset="0"/>
+              </a:rPr>
+              <a:t>start_x</a:t>
+            </a:r>
+            <a:r>
+              <a:rPr lang="en-IN" b="0" dirty="0">
+                <a:effectLst/>
+                <a:latin typeface="Times New Roman" panose="02020603050405020304" pitchFamily="18" charset="0"/>
+                <a:cs typeface="Times New Roman" panose="02020603050405020304" pitchFamily="18" charset="0"/>
+              </a:rPr>
+              <a:t>, </a:t>
+            </a:r>
+            <a:r>
+              <a:rPr lang="en-IN" b="0" dirty="0" err="1">
+                <a:effectLst/>
+                <a:latin typeface="Times New Roman" panose="02020603050405020304" pitchFamily="18" charset="0"/>
+                <a:cs typeface="Times New Roman" panose="02020603050405020304" pitchFamily="18" charset="0"/>
+              </a:rPr>
+              <a:t>end_x</a:t>
+            </a:r>
+            <a:r>
+              <a:rPr lang="en-IN" b="0" dirty="0">
+                <a:effectLst/>
+                <a:latin typeface="Times New Roman" panose="02020603050405020304" pitchFamily="18" charset="0"/>
+                <a:cs typeface="Times New Roman" panose="02020603050405020304" pitchFamily="18" charset="0"/>
+              </a:rPr>
+              <a:t>) in enumerate([(100, 380, 380, 600), (20, 220, 100, 300), (200, 500, 0, 300)]):</a:t>
+            </a:r>
+          </a:p>
+          <a:p>
+            <a:r>
+              <a:rPr lang="en-IN" b="0" dirty="0">
+                <a:effectLst/>
+                <a:latin typeface="Times New Roman" panose="02020603050405020304" pitchFamily="18" charset="0"/>
+                <a:cs typeface="Times New Roman" panose="02020603050405020304" pitchFamily="18" charset="0"/>
+              </a:rPr>
+              <a:t>        </a:t>
+            </a:r>
+            <a:r>
+              <a:rPr lang="en-IN" b="0" dirty="0" err="1">
+                <a:effectLst/>
+                <a:latin typeface="Times New Roman" panose="02020603050405020304" pitchFamily="18" charset="0"/>
+                <a:cs typeface="Times New Roman" panose="02020603050405020304" pitchFamily="18" charset="0"/>
+              </a:rPr>
+              <a:t>cropped_img</a:t>
+            </a:r>
+            <a:r>
+              <a:rPr lang="en-IN" b="0" dirty="0">
+                <a:effectLst/>
+                <a:latin typeface="Times New Roman" panose="02020603050405020304" pitchFamily="18" charset="0"/>
+                <a:cs typeface="Times New Roman" panose="02020603050405020304" pitchFamily="18" charset="0"/>
+              </a:rPr>
+              <a:t> = crop(</a:t>
+            </a:r>
+            <a:r>
+              <a:rPr lang="en-IN" b="0" dirty="0" err="1">
+                <a:effectLst/>
+                <a:latin typeface="Times New Roman" panose="02020603050405020304" pitchFamily="18" charset="0"/>
+                <a:cs typeface="Times New Roman" panose="02020603050405020304" pitchFamily="18" charset="0"/>
+              </a:rPr>
+              <a:t>img</a:t>
+            </a:r>
+            <a:r>
+              <a:rPr lang="en-IN" b="0" dirty="0">
+                <a:effectLst/>
+                <a:latin typeface="Times New Roman" panose="02020603050405020304" pitchFamily="18" charset="0"/>
+                <a:cs typeface="Times New Roman" panose="02020603050405020304" pitchFamily="18" charset="0"/>
+              </a:rPr>
+              <a:t>, </a:t>
+            </a:r>
+            <a:r>
+              <a:rPr lang="en-IN" b="0" dirty="0" err="1">
+                <a:effectLst/>
+                <a:latin typeface="Times New Roman" panose="02020603050405020304" pitchFamily="18" charset="0"/>
+                <a:cs typeface="Times New Roman" panose="02020603050405020304" pitchFamily="18" charset="0"/>
+              </a:rPr>
+              <a:t>start_y</a:t>
+            </a:r>
+            <a:r>
+              <a:rPr lang="en-IN" b="0" dirty="0">
+                <a:effectLst/>
+                <a:latin typeface="Times New Roman" panose="02020603050405020304" pitchFamily="18" charset="0"/>
+                <a:cs typeface="Times New Roman" panose="02020603050405020304" pitchFamily="18" charset="0"/>
+              </a:rPr>
+              <a:t>, </a:t>
+            </a:r>
+            <a:r>
+              <a:rPr lang="en-IN" b="0" dirty="0" err="1">
+                <a:effectLst/>
+                <a:latin typeface="Times New Roman" panose="02020603050405020304" pitchFamily="18" charset="0"/>
+                <a:cs typeface="Times New Roman" panose="02020603050405020304" pitchFamily="18" charset="0"/>
+              </a:rPr>
+              <a:t>end_y</a:t>
+            </a:r>
+            <a:r>
+              <a:rPr lang="en-IN" b="0" dirty="0">
+                <a:effectLst/>
+                <a:latin typeface="Times New Roman" panose="02020603050405020304" pitchFamily="18" charset="0"/>
+                <a:cs typeface="Times New Roman" panose="02020603050405020304" pitchFamily="18" charset="0"/>
+              </a:rPr>
+              <a:t>, </a:t>
+            </a:r>
+            <a:r>
+              <a:rPr lang="en-IN" b="0" dirty="0" err="1">
+                <a:effectLst/>
+                <a:latin typeface="Times New Roman" panose="02020603050405020304" pitchFamily="18" charset="0"/>
+                <a:cs typeface="Times New Roman" panose="02020603050405020304" pitchFamily="18" charset="0"/>
+              </a:rPr>
+              <a:t>start_x</a:t>
+            </a:r>
+            <a:r>
+              <a:rPr lang="en-IN" b="0" dirty="0">
+                <a:effectLst/>
+                <a:latin typeface="Times New Roman" panose="02020603050405020304" pitchFamily="18" charset="0"/>
+                <a:cs typeface="Times New Roman" panose="02020603050405020304" pitchFamily="18" charset="0"/>
+              </a:rPr>
+              <a:t>, </a:t>
+            </a:r>
+            <a:r>
+              <a:rPr lang="en-IN" b="0" dirty="0" err="1">
+                <a:effectLst/>
+                <a:latin typeface="Times New Roman" panose="02020603050405020304" pitchFamily="18" charset="0"/>
+                <a:cs typeface="Times New Roman" panose="02020603050405020304" pitchFamily="18" charset="0"/>
+              </a:rPr>
+              <a:t>end_x</a:t>
+            </a:r>
+            <a:r>
+              <a:rPr lang="en-IN" b="0" dirty="0">
+                <a:effectLst/>
+                <a:latin typeface="Times New Roman" panose="02020603050405020304" pitchFamily="18" charset="0"/>
+                <a:cs typeface="Times New Roman" panose="02020603050405020304" pitchFamily="18" charset="0"/>
+              </a:rPr>
+              <a:t>)</a:t>
+            </a:r>
+          </a:p>
+          <a:p>
+            <a:r>
+              <a:rPr lang="en-IN" b="0" dirty="0">
+                <a:effectLst/>
+                <a:latin typeface="Times New Roman" panose="02020603050405020304" pitchFamily="18" charset="0"/>
+                <a:cs typeface="Times New Roman" panose="02020603050405020304" pitchFamily="18" charset="0"/>
+              </a:rPr>
+              <a:t>        </a:t>
+            </a:r>
+            <a:r>
+              <a:rPr lang="en-IN" b="0" dirty="0" err="1">
+                <a:effectLst/>
+                <a:latin typeface="Times New Roman" panose="02020603050405020304" pitchFamily="18" charset="0"/>
+                <a:cs typeface="Times New Roman" panose="02020603050405020304" pitchFamily="18" charset="0"/>
+              </a:rPr>
+              <a:t>cropped_images.append</a:t>
+            </a:r>
+            <a:r>
+              <a:rPr lang="en-IN" b="0" dirty="0">
+                <a:effectLst/>
+                <a:latin typeface="Times New Roman" panose="02020603050405020304" pitchFamily="18" charset="0"/>
+                <a:cs typeface="Times New Roman" panose="02020603050405020304" pitchFamily="18" charset="0"/>
+              </a:rPr>
+              <a:t>(</a:t>
+            </a:r>
+            <a:r>
+              <a:rPr lang="en-IN" b="0" dirty="0" err="1">
+                <a:effectLst/>
+                <a:latin typeface="Times New Roman" panose="02020603050405020304" pitchFamily="18" charset="0"/>
+                <a:cs typeface="Times New Roman" panose="02020603050405020304" pitchFamily="18" charset="0"/>
+              </a:rPr>
+              <a:t>cropped_img</a:t>
+            </a:r>
+            <a:r>
+              <a:rPr lang="en-IN" b="0" dirty="0">
+                <a:effectLst/>
+                <a:latin typeface="Times New Roman" panose="02020603050405020304" pitchFamily="18" charset="0"/>
+                <a:cs typeface="Times New Roman" panose="02020603050405020304" pitchFamily="18" charset="0"/>
+              </a:rPr>
+              <a:t>)</a:t>
+            </a:r>
+          </a:p>
+          <a:p>
+            <a:r>
+              <a:rPr lang="en-IN" b="0" dirty="0">
+                <a:effectLst/>
+                <a:latin typeface="Times New Roman" panose="02020603050405020304" pitchFamily="18" charset="0"/>
+                <a:cs typeface="Times New Roman" panose="02020603050405020304" pitchFamily="18" charset="0"/>
+              </a:rPr>
+              <a:t>        </a:t>
+            </a:r>
+            <a:r>
+              <a:rPr lang="en-IN" b="0" dirty="0" err="1">
+                <a:effectLst/>
+                <a:latin typeface="Times New Roman" panose="02020603050405020304" pitchFamily="18" charset="0"/>
+                <a:cs typeface="Times New Roman" panose="02020603050405020304" pitchFamily="18" charset="0"/>
+              </a:rPr>
+              <a:t>cropped_titles.append</a:t>
+            </a:r>
+            <a:r>
+              <a:rPr lang="en-IN" b="0" dirty="0">
+                <a:effectLst/>
+                <a:latin typeface="Times New Roman" panose="02020603050405020304" pitchFamily="18" charset="0"/>
+                <a:cs typeface="Times New Roman" panose="02020603050405020304" pitchFamily="18" charset="0"/>
+              </a:rPr>
+              <a:t>(</a:t>
+            </a:r>
+            <a:r>
+              <a:rPr lang="en-IN" b="0" dirty="0" err="1">
+                <a:effectLst/>
+                <a:latin typeface="Times New Roman" panose="02020603050405020304" pitchFamily="18" charset="0"/>
+                <a:cs typeface="Times New Roman" panose="02020603050405020304" pitchFamily="18" charset="0"/>
+              </a:rPr>
+              <a:t>f'Image</a:t>
+            </a:r>
+            <a:r>
+              <a:rPr lang="en-IN" b="0" dirty="0">
+                <a:effectLst/>
+                <a:latin typeface="Times New Roman" panose="02020603050405020304" pitchFamily="18" charset="0"/>
+                <a:cs typeface="Times New Roman" panose="02020603050405020304" pitchFamily="18" charset="0"/>
+              </a:rPr>
+              <a:t> {</a:t>
+            </a:r>
+            <a:r>
+              <a:rPr lang="en-IN" b="0" dirty="0" err="1">
+                <a:effectLst/>
+                <a:latin typeface="Times New Roman" panose="02020603050405020304" pitchFamily="18" charset="0"/>
+                <a:cs typeface="Times New Roman" panose="02020603050405020304" pitchFamily="18" charset="0"/>
+              </a:rPr>
+              <a:t>i</a:t>
+            </a:r>
+            <a:r>
+              <a:rPr lang="en-IN" b="0" dirty="0">
+                <a:effectLst/>
+                <a:latin typeface="Times New Roman" panose="02020603050405020304" pitchFamily="18" charset="0"/>
+                <a:cs typeface="Times New Roman" panose="02020603050405020304" pitchFamily="18" charset="0"/>
+              </a:rPr>
+              <a:t> + 1}-{chr(</a:t>
+            </a:r>
+            <a:r>
+              <a:rPr lang="en-IN" b="0" dirty="0" err="1">
+                <a:effectLst/>
+                <a:latin typeface="Times New Roman" panose="02020603050405020304" pitchFamily="18" charset="0"/>
+                <a:cs typeface="Times New Roman" panose="02020603050405020304" pitchFamily="18" charset="0"/>
+              </a:rPr>
+              <a:t>ord</a:t>
+            </a:r>
+            <a:r>
+              <a:rPr lang="en-IN" b="0" dirty="0">
+                <a:effectLst/>
+                <a:latin typeface="Times New Roman" panose="02020603050405020304" pitchFamily="18" charset="0"/>
+                <a:cs typeface="Times New Roman" panose="02020603050405020304" pitchFamily="18" charset="0"/>
+              </a:rPr>
+              <a:t>("A") + j)} (Cropped)')</a:t>
+            </a:r>
+          </a:p>
+          <a:p>
+            <a:r>
+              <a:rPr lang="en-IN" b="0" dirty="0">
+                <a:effectLst/>
+                <a:latin typeface="Times New Roman" panose="02020603050405020304" pitchFamily="18" charset="0"/>
+                <a:cs typeface="Times New Roman" panose="02020603050405020304" pitchFamily="18" charset="0"/>
+              </a:rPr>
+              <a:t>    </a:t>
+            </a:r>
+            <a:r>
+              <a:rPr lang="en-IN" b="0" dirty="0" err="1">
+                <a:effectLst/>
+                <a:latin typeface="Times New Roman" panose="02020603050405020304" pitchFamily="18" charset="0"/>
+                <a:cs typeface="Times New Roman" panose="02020603050405020304" pitchFamily="18" charset="0"/>
+              </a:rPr>
+              <a:t>all_images</a:t>
+            </a:r>
+            <a:r>
+              <a:rPr lang="en-IN" b="0" dirty="0">
+                <a:effectLst/>
+                <a:latin typeface="Times New Roman" panose="02020603050405020304" pitchFamily="18" charset="0"/>
+                <a:cs typeface="Times New Roman" panose="02020603050405020304" pitchFamily="18" charset="0"/>
+              </a:rPr>
+              <a:t> = [</a:t>
+            </a:r>
+            <a:r>
+              <a:rPr lang="en-IN" b="0" dirty="0" err="1">
+                <a:effectLst/>
+                <a:latin typeface="Times New Roman" panose="02020603050405020304" pitchFamily="18" charset="0"/>
+                <a:cs typeface="Times New Roman" panose="02020603050405020304" pitchFamily="18" charset="0"/>
+              </a:rPr>
+              <a:t>img</a:t>
+            </a:r>
+            <a:r>
+              <a:rPr lang="en-IN" b="0" dirty="0">
+                <a:effectLst/>
+                <a:latin typeface="Times New Roman" panose="02020603050405020304" pitchFamily="18" charset="0"/>
+                <a:cs typeface="Times New Roman" panose="02020603050405020304" pitchFamily="18" charset="0"/>
+              </a:rPr>
+              <a:t>] + </a:t>
+            </a:r>
+            <a:r>
+              <a:rPr lang="en-IN" b="0" dirty="0" err="1">
+                <a:effectLst/>
+                <a:latin typeface="Times New Roman" panose="02020603050405020304" pitchFamily="18" charset="0"/>
+                <a:cs typeface="Times New Roman" panose="02020603050405020304" pitchFamily="18" charset="0"/>
+              </a:rPr>
+              <a:t>cropped_images</a:t>
+            </a:r>
+            <a:endParaRPr lang="en-IN" b="0" dirty="0">
+              <a:effectLst/>
+              <a:latin typeface="Times New Roman" panose="02020603050405020304" pitchFamily="18" charset="0"/>
+              <a:cs typeface="Times New Roman" panose="02020603050405020304" pitchFamily="18" charset="0"/>
             </a:endParaRPr>
+          </a:p>
+          <a:p>
+            <a:r>
+              <a:rPr lang="en-IN" b="0" dirty="0">
+                <a:effectLst/>
+                <a:latin typeface="Times New Roman" panose="02020603050405020304" pitchFamily="18" charset="0"/>
+                <a:cs typeface="Times New Roman" panose="02020603050405020304" pitchFamily="18" charset="0"/>
+              </a:rPr>
+              <a:t>    </a:t>
+            </a:r>
+            <a:r>
+              <a:rPr lang="en-IN" b="0" dirty="0" err="1">
+                <a:effectLst/>
+                <a:latin typeface="Times New Roman" panose="02020603050405020304" pitchFamily="18" charset="0"/>
+                <a:cs typeface="Times New Roman" panose="02020603050405020304" pitchFamily="18" charset="0"/>
+              </a:rPr>
+              <a:t>all_titles</a:t>
+            </a:r>
+            <a:r>
+              <a:rPr lang="en-IN" b="0" dirty="0">
+                <a:effectLst/>
+                <a:latin typeface="Times New Roman" panose="02020603050405020304" pitchFamily="18" charset="0"/>
+                <a:cs typeface="Times New Roman" panose="02020603050405020304" pitchFamily="18" charset="0"/>
+              </a:rPr>
+              <a:t> = [</a:t>
+            </a:r>
+            <a:r>
+              <a:rPr lang="en-IN" b="0" dirty="0" err="1">
+                <a:effectLst/>
+                <a:latin typeface="Times New Roman" panose="02020603050405020304" pitchFamily="18" charset="0"/>
+                <a:cs typeface="Times New Roman" panose="02020603050405020304" pitchFamily="18" charset="0"/>
+              </a:rPr>
+              <a:t>f'Image</a:t>
+            </a:r>
+            <a:r>
+              <a:rPr lang="en-IN" b="0" dirty="0">
+                <a:effectLst/>
+                <a:latin typeface="Times New Roman" panose="02020603050405020304" pitchFamily="18" charset="0"/>
+                <a:cs typeface="Times New Roman" panose="02020603050405020304" pitchFamily="18" charset="0"/>
+              </a:rPr>
+              <a:t> {</a:t>
+            </a:r>
+            <a:r>
+              <a:rPr lang="en-IN" b="0" dirty="0" err="1">
+                <a:effectLst/>
+                <a:latin typeface="Times New Roman" panose="02020603050405020304" pitchFamily="18" charset="0"/>
+                <a:cs typeface="Times New Roman" panose="02020603050405020304" pitchFamily="18" charset="0"/>
+              </a:rPr>
+              <a:t>i</a:t>
+            </a:r>
+            <a:r>
+              <a:rPr lang="en-IN" b="0" dirty="0">
+                <a:effectLst/>
+                <a:latin typeface="Times New Roman" panose="02020603050405020304" pitchFamily="18" charset="0"/>
+                <a:cs typeface="Times New Roman" panose="02020603050405020304" pitchFamily="18" charset="0"/>
+              </a:rPr>
+              <a:t> + 1}'] + </a:t>
+            </a:r>
+            <a:r>
+              <a:rPr lang="en-IN" b="0" dirty="0" err="1">
+                <a:effectLst/>
+                <a:latin typeface="Times New Roman" panose="02020603050405020304" pitchFamily="18" charset="0"/>
+                <a:cs typeface="Times New Roman" panose="02020603050405020304" pitchFamily="18" charset="0"/>
+              </a:rPr>
+              <a:t>cropped_titles</a:t>
+            </a:r>
+            <a:endParaRPr lang="en-IN" b="0" dirty="0">
+              <a:effectLst/>
+              <a:latin typeface="Times New Roman" panose="02020603050405020304" pitchFamily="18" charset="0"/>
+              <a:cs typeface="Times New Roman" panose="02020603050405020304" pitchFamily="18" charset="0"/>
+            </a:endParaRPr>
+          </a:p>
+          <a:p>
+            <a:r>
+              <a:rPr lang="en-IN" b="0" dirty="0">
+                <a:effectLst/>
+                <a:latin typeface="Times New Roman" panose="02020603050405020304" pitchFamily="18" charset="0"/>
+                <a:cs typeface="Times New Roman" panose="02020603050405020304" pitchFamily="18" charset="0"/>
+              </a:rPr>
+              <a:t>    </a:t>
+            </a:r>
+            <a:r>
+              <a:rPr lang="en-IN" b="0" dirty="0" err="1">
+                <a:effectLst/>
+                <a:latin typeface="Times New Roman" panose="02020603050405020304" pitchFamily="18" charset="0"/>
+                <a:cs typeface="Times New Roman" panose="02020603050405020304" pitchFamily="18" charset="0"/>
+              </a:rPr>
+              <a:t>plotting_grid</a:t>
+            </a:r>
+            <a:r>
+              <a:rPr lang="en-IN" b="0" dirty="0">
+                <a:effectLst/>
+                <a:latin typeface="Times New Roman" panose="02020603050405020304" pitchFamily="18" charset="0"/>
+                <a:cs typeface="Times New Roman" panose="02020603050405020304" pitchFamily="18" charset="0"/>
+              </a:rPr>
+              <a:t>(</a:t>
+            </a:r>
+            <a:r>
+              <a:rPr lang="en-IN" b="0" dirty="0" err="1">
+                <a:effectLst/>
+                <a:latin typeface="Times New Roman" panose="02020603050405020304" pitchFamily="18" charset="0"/>
+                <a:cs typeface="Times New Roman" panose="02020603050405020304" pitchFamily="18" charset="0"/>
+              </a:rPr>
+              <a:t>all_images</a:t>
+            </a:r>
+            <a:r>
+              <a:rPr lang="en-IN" b="0" dirty="0">
+                <a:effectLst/>
+                <a:latin typeface="Times New Roman" panose="02020603050405020304" pitchFamily="18" charset="0"/>
+                <a:cs typeface="Times New Roman" panose="02020603050405020304" pitchFamily="18" charset="0"/>
+              </a:rPr>
+              <a:t>, </a:t>
+            </a:r>
+            <a:r>
+              <a:rPr lang="en-IN" b="0" dirty="0" err="1">
+                <a:effectLst/>
+                <a:latin typeface="Times New Roman" panose="02020603050405020304" pitchFamily="18" charset="0"/>
+                <a:cs typeface="Times New Roman" panose="02020603050405020304" pitchFamily="18" charset="0"/>
+              </a:rPr>
+              <a:t>all_titles</a:t>
+            </a:r>
+            <a:r>
+              <a:rPr lang="en-IN" b="0" dirty="0">
+                <a:effectLst/>
+                <a:latin typeface="Times New Roman" panose="02020603050405020304" pitchFamily="18" charset="0"/>
+                <a:cs typeface="Times New Roman" panose="02020603050405020304" pitchFamily="18" charset="0"/>
+              </a:rPr>
+              <a:t>, 1, </a:t>
+            </a:r>
+            <a:r>
+              <a:rPr lang="en-IN" b="0" dirty="0" err="1">
+                <a:effectLst/>
+                <a:latin typeface="Times New Roman" panose="02020603050405020304" pitchFamily="18" charset="0"/>
+                <a:cs typeface="Times New Roman" panose="02020603050405020304" pitchFamily="18" charset="0"/>
+              </a:rPr>
+              <a:t>len</a:t>
+            </a:r>
+            <a:r>
+              <a:rPr lang="en-IN" b="0" dirty="0">
+                <a:effectLst/>
+                <a:latin typeface="Times New Roman" panose="02020603050405020304" pitchFamily="18" charset="0"/>
+                <a:cs typeface="Times New Roman" panose="02020603050405020304" pitchFamily="18" charset="0"/>
+              </a:rPr>
+              <a:t>(</a:t>
+            </a:r>
+            <a:r>
+              <a:rPr lang="en-IN" b="0" dirty="0" err="1">
+                <a:effectLst/>
+                <a:latin typeface="Times New Roman" panose="02020603050405020304" pitchFamily="18" charset="0"/>
+                <a:cs typeface="Times New Roman" panose="02020603050405020304" pitchFamily="18" charset="0"/>
+              </a:rPr>
+              <a:t>all_images</a:t>
+            </a:r>
+            <a:r>
+              <a:rPr lang="en-IN" b="0" dirty="0">
+                <a:effectLst/>
+                <a:latin typeface="Times New Roman" panose="02020603050405020304" pitchFamily="18" charset="0"/>
+                <a:cs typeface="Times New Roman" panose="02020603050405020304" pitchFamily="18" charset="0"/>
+              </a:rPr>
+              <a:t>), 18)</a:t>
+            </a:r>
+          </a:p>
+          <a:p>
+            <a:r>
+              <a:rPr lang="en-IN" b="0" dirty="0">
+                <a:effectLst/>
+                <a:latin typeface="Times New Roman" panose="02020603050405020304" pitchFamily="18" charset="0"/>
+                <a:cs typeface="Times New Roman" panose="02020603050405020304" pitchFamily="18" charset="0"/>
+              </a:rPr>
+              <a:t>    </a:t>
+            </a:r>
+            <a:r>
+              <a:rPr lang="en-IN" b="0" dirty="0" err="1">
+                <a:effectLst/>
+                <a:latin typeface="Times New Roman" panose="02020603050405020304" pitchFamily="18" charset="0"/>
+                <a:cs typeface="Times New Roman" panose="02020603050405020304" pitchFamily="18" charset="0"/>
+              </a:rPr>
+              <a:t>processed_images</a:t>
+            </a:r>
+            <a:r>
+              <a:rPr lang="en-IN" b="0" dirty="0">
+                <a:effectLst/>
+                <a:latin typeface="Times New Roman" panose="02020603050405020304" pitchFamily="18" charset="0"/>
+                <a:cs typeface="Times New Roman" panose="02020603050405020304" pitchFamily="18" charset="0"/>
+              </a:rPr>
+              <a:t>, </a:t>
+            </a:r>
+            <a:r>
+              <a:rPr lang="en-IN" b="0" dirty="0" err="1">
+                <a:effectLst/>
+                <a:latin typeface="Times New Roman" panose="02020603050405020304" pitchFamily="18" charset="0"/>
+                <a:cs typeface="Times New Roman" panose="02020603050405020304" pitchFamily="18" charset="0"/>
+              </a:rPr>
+              <a:t>processed_titles</a:t>
+            </a:r>
+            <a:r>
+              <a:rPr lang="en-IN" b="0" dirty="0">
+                <a:effectLst/>
+                <a:latin typeface="Times New Roman" panose="02020603050405020304" pitchFamily="18" charset="0"/>
+                <a:cs typeface="Times New Roman" panose="02020603050405020304" pitchFamily="18" charset="0"/>
+              </a:rPr>
+              <a:t> = [], []</a:t>
+            </a:r>
+          </a:p>
+          <a:p>
+            <a:r>
+              <a:rPr lang="en-IN" b="0" dirty="0">
+                <a:effectLst/>
+                <a:latin typeface="Times New Roman" panose="02020603050405020304" pitchFamily="18" charset="0"/>
+                <a:cs typeface="Times New Roman" panose="02020603050405020304" pitchFamily="18" charset="0"/>
+              </a:rPr>
+              <a:t>    for j, </a:t>
+            </a:r>
+            <a:r>
+              <a:rPr lang="en-IN" b="0" dirty="0" err="1">
+                <a:effectLst/>
+                <a:latin typeface="Times New Roman" panose="02020603050405020304" pitchFamily="18" charset="0"/>
+                <a:cs typeface="Times New Roman" panose="02020603050405020304" pitchFamily="18" charset="0"/>
+              </a:rPr>
+              <a:t>cropped_img</a:t>
+            </a:r>
+            <a:r>
+              <a:rPr lang="en-IN" b="0" dirty="0">
+                <a:effectLst/>
+                <a:latin typeface="Times New Roman" panose="02020603050405020304" pitchFamily="18" charset="0"/>
+                <a:cs typeface="Times New Roman" panose="02020603050405020304" pitchFamily="18" charset="0"/>
+              </a:rPr>
+              <a:t> in enumerate(</a:t>
+            </a:r>
+            <a:r>
+              <a:rPr lang="en-IN" b="0" dirty="0" err="1">
+                <a:effectLst/>
+                <a:latin typeface="Times New Roman" panose="02020603050405020304" pitchFamily="18" charset="0"/>
+                <a:cs typeface="Times New Roman" panose="02020603050405020304" pitchFamily="18" charset="0"/>
+              </a:rPr>
+              <a:t>cropped_images</a:t>
+            </a:r>
+            <a:r>
+              <a:rPr lang="en-IN" b="0" dirty="0">
+                <a:effectLst/>
+                <a:latin typeface="Times New Roman" panose="02020603050405020304" pitchFamily="18" charset="0"/>
+                <a:cs typeface="Times New Roman" panose="02020603050405020304" pitchFamily="18" charset="0"/>
+              </a:rPr>
+              <a:t>):</a:t>
+            </a:r>
+          </a:p>
+          <a:p>
+            <a:r>
+              <a:rPr lang="en-IN" b="0" dirty="0">
+                <a:effectLst/>
+                <a:latin typeface="Times New Roman" panose="02020603050405020304" pitchFamily="18" charset="0"/>
+                <a:cs typeface="Times New Roman" panose="02020603050405020304" pitchFamily="18" charset="0"/>
+              </a:rPr>
+              <a:t>        multiplier = 2</a:t>
+            </a:r>
+          </a:p>
+          <a:p>
+            <a:r>
+              <a:rPr lang="en-IN" b="0" dirty="0">
+                <a:effectLst/>
+                <a:latin typeface="Times New Roman" panose="02020603050405020304" pitchFamily="18" charset="0"/>
+                <a:cs typeface="Times New Roman" panose="02020603050405020304" pitchFamily="18" charset="0"/>
+              </a:rPr>
+              <a:t>        </a:t>
+            </a:r>
+            <a:r>
+              <a:rPr lang="en-IN" b="0" dirty="0" err="1">
+                <a:effectLst/>
+                <a:latin typeface="Times New Roman" panose="02020603050405020304" pitchFamily="18" charset="0"/>
+                <a:cs typeface="Times New Roman" panose="02020603050405020304" pitchFamily="18" charset="0"/>
+              </a:rPr>
+              <a:t>resized_img</a:t>
+            </a:r>
+            <a:r>
+              <a:rPr lang="en-IN" b="0" dirty="0">
+                <a:effectLst/>
+                <a:latin typeface="Times New Roman" panose="02020603050405020304" pitchFamily="18" charset="0"/>
+                <a:cs typeface="Times New Roman" panose="02020603050405020304" pitchFamily="18" charset="0"/>
+              </a:rPr>
+              <a:t> = resize(</a:t>
+            </a:r>
+            <a:r>
+              <a:rPr lang="en-IN" b="0" dirty="0" err="1">
+                <a:effectLst/>
+                <a:latin typeface="Times New Roman" panose="02020603050405020304" pitchFamily="18" charset="0"/>
+                <a:cs typeface="Times New Roman" panose="02020603050405020304" pitchFamily="18" charset="0"/>
+              </a:rPr>
+              <a:t>cropped_img</a:t>
+            </a:r>
+            <a:r>
+              <a:rPr lang="en-IN" b="0" dirty="0">
+                <a:effectLst/>
+                <a:latin typeface="Times New Roman" panose="02020603050405020304" pitchFamily="18" charset="0"/>
+                <a:cs typeface="Times New Roman" panose="02020603050405020304" pitchFamily="18" charset="0"/>
+              </a:rPr>
+              <a:t>, </a:t>
+            </a:r>
+            <a:r>
+              <a:rPr lang="en-IN" b="0" dirty="0" err="1">
+                <a:effectLst/>
+                <a:latin typeface="Times New Roman" panose="02020603050405020304" pitchFamily="18" charset="0"/>
+                <a:cs typeface="Times New Roman" panose="02020603050405020304" pitchFamily="18" charset="0"/>
+              </a:rPr>
+              <a:t>cropped_img.shape</a:t>
+            </a:r>
+            <a:r>
+              <a:rPr lang="en-IN" b="0" dirty="0">
+                <a:effectLst/>
+                <a:latin typeface="Times New Roman" panose="02020603050405020304" pitchFamily="18" charset="0"/>
+                <a:cs typeface="Times New Roman" panose="02020603050405020304" pitchFamily="18" charset="0"/>
+              </a:rPr>
+              <a:t>[1] * multiplier, </a:t>
+            </a:r>
+            <a:r>
+              <a:rPr lang="en-IN" b="0" dirty="0" err="1">
+                <a:effectLst/>
+                <a:latin typeface="Times New Roman" panose="02020603050405020304" pitchFamily="18" charset="0"/>
+                <a:cs typeface="Times New Roman" panose="02020603050405020304" pitchFamily="18" charset="0"/>
+              </a:rPr>
+              <a:t>cropped_img.shape</a:t>
+            </a:r>
+            <a:r>
+              <a:rPr lang="en-IN" b="0" dirty="0">
+                <a:effectLst/>
+                <a:latin typeface="Times New Roman" panose="02020603050405020304" pitchFamily="18" charset="0"/>
+                <a:cs typeface="Times New Roman" panose="02020603050405020304" pitchFamily="18" charset="0"/>
+              </a:rPr>
+              <a:t>[0] * multiplier)</a:t>
+            </a:r>
+          </a:p>
+          <a:p>
+            <a:r>
+              <a:rPr lang="en-IN" b="0" dirty="0">
+                <a:effectLst/>
+                <a:latin typeface="Times New Roman" panose="02020603050405020304" pitchFamily="18" charset="0"/>
+                <a:cs typeface="Times New Roman" panose="02020603050405020304" pitchFamily="18" charset="0"/>
+              </a:rPr>
+              <a:t>        </a:t>
+            </a:r>
+            <a:r>
+              <a:rPr lang="en-IN" b="0" dirty="0" err="1">
+                <a:effectLst/>
+                <a:latin typeface="Times New Roman" panose="02020603050405020304" pitchFamily="18" charset="0"/>
+                <a:cs typeface="Times New Roman" panose="02020603050405020304" pitchFamily="18" charset="0"/>
+              </a:rPr>
+              <a:t>gamma_value</a:t>
+            </a:r>
+            <a:r>
+              <a:rPr lang="en-IN" b="0" dirty="0">
+                <a:effectLst/>
+                <a:latin typeface="Times New Roman" panose="02020603050405020304" pitchFamily="18" charset="0"/>
+                <a:cs typeface="Times New Roman" panose="02020603050405020304" pitchFamily="18" charset="0"/>
+              </a:rPr>
+              <a:t> = [1.2, 0.5, 2.5][j]</a:t>
+            </a:r>
+          </a:p>
+          <a:p>
+            <a:r>
+              <a:rPr lang="en-IN" b="0" dirty="0">
+                <a:effectLst/>
+                <a:latin typeface="Times New Roman" panose="02020603050405020304" pitchFamily="18" charset="0"/>
+                <a:cs typeface="Times New Roman" panose="02020603050405020304" pitchFamily="18" charset="0"/>
+              </a:rPr>
+              <a:t>        </a:t>
+            </a:r>
+            <a:r>
+              <a:rPr lang="en-IN" b="0" dirty="0" err="1">
+                <a:effectLst/>
+                <a:latin typeface="Times New Roman" panose="02020603050405020304" pitchFamily="18" charset="0"/>
+                <a:cs typeface="Times New Roman" panose="02020603050405020304" pitchFamily="18" charset="0"/>
+              </a:rPr>
+              <a:t>gamma_corrected_img</a:t>
+            </a:r>
+            <a:r>
+              <a:rPr lang="en-IN" b="0" dirty="0">
+                <a:effectLst/>
+                <a:latin typeface="Times New Roman" panose="02020603050405020304" pitchFamily="18" charset="0"/>
+                <a:cs typeface="Times New Roman" panose="02020603050405020304" pitchFamily="18" charset="0"/>
+              </a:rPr>
+              <a:t> = </a:t>
+            </a:r>
+            <a:r>
+              <a:rPr lang="en-IN" b="0" dirty="0" err="1">
+                <a:effectLst/>
+                <a:latin typeface="Times New Roman" panose="02020603050405020304" pitchFamily="18" charset="0"/>
+                <a:cs typeface="Times New Roman" panose="02020603050405020304" pitchFamily="18" charset="0"/>
+              </a:rPr>
+              <a:t>gamma_correction</a:t>
+            </a:r>
+            <a:r>
+              <a:rPr lang="en-IN" b="0" dirty="0">
+                <a:effectLst/>
+                <a:latin typeface="Times New Roman" panose="02020603050405020304" pitchFamily="18" charset="0"/>
+                <a:cs typeface="Times New Roman" panose="02020603050405020304" pitchFamily="18" charset="0"/>
+              </a:rPr>
+              <a:t>(</a:t>
+            </a:r>
+            <a:r>
+              <a:rPr lang="en-IN" b="0" dirty="0" err="1">
+                <a:effectLst/>
+                <a:latin typeface="Times New Roman" panose="02020603050405020304" pitchFamily="18" charset="0"/>
+                <a:cs typeface="Times New Roman" panose="02020603050405020304" pitchFamily="18" charset="0"/>
+              </a:rPr>
+              <a:t>resized_img</a:t>
+            </a:r>
+            <a:r>
+              <a:rPr lang="en-IN" b="0" dirty="0">
+                <a:effectLst/>
+                <a:latin typeface="Times New Roman" panose="02020603050405020304" pitchFamily="18" charset="0"/>
+                <a:cs typeface="Times New Roman" panose="02020603050405020304" pitchFamily="18" charset="0"/>
+              </a:rPr>
+              <a:t>, </a:t>
+            </a:r>
+            <a:r>
+              <a:rPr lang="en-IN" b="0" dirty="0" err="1">
+                <a:effectLst/>
+                <a:latin typeface="Times New Roman" panose="02020603050405020304" pitchFamily="18" charset="0"/>
+                <a:cs typeface="Times New Roman" panose="02020603050405020304" pitchFamily="18" charset="0"/>
+              </a:rPr>
+              <a:t>gamma_value</a:t>
+            </a:r>
+            <a:r>
+              <a:rPr lang="en-IN" b="0" dirty="0">
+                <a:effectLst/>
+                <a:latin typeface="Times New Roman" panose="02020603050405020304" pitchFamily="18" charset="0"/>
+                <a:cs typeface="Times New Roman" panose="02020603050405020304" pitchFamily="18" charset="0"/>
+              </a:rPr>
+              <a:t>)</a:t>
+            </a:r>
           </a:p>
         </p:txBody>
       </p:sp>
     </p:spTree>
     <p:extLst>
       <p:ext uri="{BB962C8B-B14F-4D97-AF65-F5344CB8AC3E}">
-        <p14:creationId xmlns:p14="http://schemas.microsoft.com/office/powerpoint/2010/main" val="4179894326"/>
+        <p14:creationId xmlns:p14="http://schemas.microsoft.com/office/powerpoint/2010/main" val="1165087674"/>
+      </p:ext>
+    </p:extLst>
+  </p:cSld>
+  <p:clrMapOvr>
+    <a:masterClrMapping/>
+  </p:clrMapOvr>
+</p:sld>
+</file>
+
+<file path=ppt/slides/slide19.xml><?xml version="1.0" encoding="utf-8"?>
+<p:sld xmlns:a="http://schemas.openxmlformats.org/drawingml/2006/main" xmlns:r="http://schemas.openxmlformats.org/officeDocument/2006/relationships" xmlns:p="http://schemas.openxmlformats.org/presentationml/2006/main">
+  <p:cSld>
+    <p:spTree>
+      <p:nvGrpSpPr>
+        <p:cNvPr id="1" name=""/>
+        <p:cNvGrpSpPr/>
+        <p:nvPr/>
+      </p:nvGrpSpPr>
+      <p:grpSpPr>
+        <a:xfrm>
+          <a:off x="0" y="0"/>
+          <a:ext cx="0" cy="0"/>
+          <a:chOff x="0" y="0"/>
+          <a:chExt cx="0" cy="0"/>
+        </a:xfrm>
+      </p:grpSpPr>
+      <p:sp>
+        <p:nvSpPr>
+          <p:cNvPr id="3" name="TextBox 2">
+            <a:extLst>
+              <a:ext uri="{FF2B5EF4-FFF2-40B4-BE49-F238E27FC236}">
+                <a16:creationId xmlns:a16="http://schemas.microsoft.com/office/drawing/2014/main" id="{45FF6F70-3B13-98DD-7BAD-2B4396343B31}"/>
+              </a:ext>
+            </a:extLst>
+          </p:cNvPr>
+          <p:cNvSpPr txBox="1"/>
+          <p:nvPr/>
+        </p:nvSpPr>
+        <p:spPr>
+          <a:xfrm>
+            <a:off x="0" y="1166842"/>
+            <a:ext cx="12192000" cy="4524315"/>
+          </a:xfrm>
+          <a:prstGeom prst="rect">
+            <a:avLst/>
+          </a:prstGeom>
+          <a:noFill/>
+        </p:spPr>
+        <p:txBody>
+          <a:bodyPr wrap="square">
+            <a:spAutoFit/>
+          </a:bodyPr>
+          <a:lstStyle/>
+          <a:p>
+            <a:r>
+              <a:rPr lang="en-IN" b="0" dirty="0">
+                <a:effectLst/>
+                <a:latin typeface="Times New Roman" panose="02020603050405020304" pitchFamily="18" charset="0"/>
+                <a:cs typeface="Times New Roman" panose="02020603050405020304" pitchFamily="18" charset="0"/>
+              </a:rPr>
+              <a:t>	</a:t>
+            </a:r>
+            <a:r>
+              <a:rPr lang="en-IN" b="0" dirty="0" err="1">
+                <a:effectLst/>
+                <a:latin typeface="Times New Roman" panose="02020603050405020304" pitchFamily="18" charset="0"/>
+                <a:cs typeface="Times New Roman" panose="02020603050405020304" pitchFamily="18" charset="0"/>
+              </a:rPr>
+              <a:t>blurred_img</a:t>
+            </a:r>
+            <a:r>
+              <a:rPr lang="en-IN" b="0" dirty="0">
+                <a:effectLst/>
+                <a:latin typeface="Times New Roman" panose="02020603050405020304" pitchFamily="18" charset="0"/>
+                <a:cs typeface="Times New Roman" panose="02020603050405020304" pitchFamily="18" charset="0"/>
+              </a:rPr>
+              <a:t> = cv2.GaussianBlur(</a:t>
+            </a:r>
+            <a:r>
+              <a:rPr lang="en-IN" b="0" dirty="0" err="1">
+                <a:effectLst/>
+                <a:latin typeface="Times New Roman" panose="02020603050405020304" pitchFamily="18" charset="0"/>
+                <a:cs typeface="Times New Roman" panose="02020603050405020304" pitchFamily="18" charset="0"/>
+              </a:rPr>
+              <a:t>gamma_corrected_img</a:t>
+            </a:r>
+            <a:r>
+              <a:rPr lang="en-IN" b="0" dirty="0">
+                <a:effectLst/>
+                <a:latin typeface="Times New Roman" panose="02020603050405020304" pitchFamily="18" charset="0"/>
+                <a:cs typeface="Times New Roman" panose="02020603050405020304" pitchFamily="18" charset="0"/>
+              </a:rPr>
+              <a:t>, (5, 5), 0)</a:t>
+            </a:r>
+          </a:p>
+          <a:p>
+            <a:r>
+              <a:rPr lang="en-IN" b="0" dirty="0">
+                <a:effectLst/>
+                <a:latin typeface="Times New Roman" panose="02020603050405020304" pitchFamily="18" charset="0"/>
+                <a:cs typeface="Times New Roman" panose="02020603050405020304" pitchFamily="18" charset="0"/>
+              </a:rPr>
+              <a:t>        </a:t>
+            </a:r>
+            <a:r>
+              <a:rPr lang="en-IN" b="0" dirty="0" err="1">
+                <a:effectLst/>
+                <a:latin typeface="Times New Roman" panose="02020603050405020304" pitchFamily="18" charset="0"/>
+                <a:cs typeface="Times New Roman" panose="02020603050405020304" pitchFamily="18" charset="0"/>
+              </a:rPr>
+              <a:t>equalized_img</a:t>
+            </a:r>
+            <a:r>
+              <a:rPr lang="en-IN" b="0" dirty="0">
+                <a:effectLst/>
+                <a:latin typeface="Times New Roman" panose="02020603050405020304" pitchFamily="18" charset="0"/>
+                <a:cs typeface="Times New Roman" panose="02020603050405020304" pitchFamily="18" charset="0"/>
+              </a:rPr>
+              <a:t> = </a:t>
+            </a:r>
+            <a:r>
+              <a:rPr lang="en-IN" b="0" dirty="0" err="1">
+                <a:effectLst/>
+                <a:latin typeface="Times New Roman" panose="02020603050405020304" pitchFamily="18" charset="0"/>
+                <a:cs typeface="Times New Roman" panose="02020603050405020304" pitchFamily="18" charset="0"/>
+              </a:rPr>
+              <a:t>adaptive_histogram_equalization</a:t>
+            </a:r>
+            <a:r>
+              <a:rPr lang="en-IN" b="0" dirty="0">
+                <a:effectLst/>
+                <a:latin typeface="Times New Roman" panose="02020603050405020304" pitchFamily="18" charset="0"/>
+                <a:cs typeface="Times New Roman" panose="02020603050405020304" pitchFamily="18" charset="0"/>
+              </a:rPr>
+              <a:t>(</a:t>
+            </a:r>
+            <a:r>
+              <a:rPr lang="en-IN" b="0" dirty="0" err="1">
+                <a:effectLst/>
+                <a:latin typeface="Times New Roman" panose="02020603050405020304" pitchFamily="18" charset="0"/>
+                <a:cs typeface="Times New Roman" panose="02020603050405020304" pitchFamily="18" charset="0"/>
+              </a:rPr>
+              <a:t>blurred_img</a:t>
+            </a:r>
+            <a:r>
+              <a:rPr lang="en-IN" b="0" dirty="0">
+                <a:effectLst/>
+                <a:latin typeface="Times New Roman" panose="02020603050405020304" pitchFamily="18" charset="0"/>
+                <a:cs typeface="Times New Roman" panose="02020603050405020304" pitchFamily="18" charset="0"/>
+              </a:rPr>
+              <a:t>)</a:t>
+            </a:r>
+          </a:p>
+          <a:p>
+            <a:endParaRPr lang="en-IN" b="0" dirty="0">
+              <a:effectLst/>
+              <a:latin typeface="Times New Roman" panose="02020603050405020304" pitchFamily="18" charset="0"/>
+              <a:cs typeface="Times New Roman" panose="02020603050405020304" pitchFamily="18" charset="0"/>
+            </a:endParaRPr>
+          </a:p>
+          <a:p>
+            <a:r>
+              <a:rPr lang="en-IN" b="0" dirty="0">
+                <a:effectLst/>
+                <a:latin typeface="Times New Roman" panose="02020603050405020304" pitchFamily="18" charset="0"/>
+                <a:cs typeface="Times New Roman" panose="02020603050405020304" pitchFamily="18" charset="0"/>
+              </a:rPr>
+              <a:t>        </a:t>
+            </a:r>
+            <a:r>
+              <a:rPr lang="en-IN" b="0" dirty="0" err="1">
+                <a:effectLst/>
+                <a:latin typeface="Times New Roman" panose="02020603050405020304" pitchFamily="18" charset="0"/>
+                <a:cs typeface="Times New Roman" panose="02020603050405020304" pitchFamily="18" charset="0"/>
+              </a:rPr>
+              <a:t>thresholded_img</a:t>
+            </a:r>
+            <a:r>
+              <a:rPr lang="en-IN" b="0" dirty="0">
+                <a:effectLst/>
+                <a:latin typeface="Times New Roman" panose="02020603050405020304" pitchFamily="18" charset="0"/>
+                <a:cs typeface="Times New Roman" panose="02020603050405020304" pitchFamily="18" charset="0"/>
+              </a:rPr>
+              <a:t> = </a:t>
+            </a:r>
+            <a:r>
+              <a:rPr lang="en-IN" b="0" dirty="0" err="1">
+                <a:effectLst/>
+                <a:latin typeface="Times New Roman" panose="02020603050405020304" pitchFamily="18" charset="0"/>
+                <a:cs typeface="Times New Roman" panose="02020603050405020304" pitchFamily="18" charset="0"/>
+              </a:rPr>
+              <a:t>otsu_threshold</a:t>
+            </a:r>
+            <a:r>
+              <a:rPr lang="en-IN" b="0" dirty="0">
+                <a:effectLst/>
+                <a:latin typeface="Times New Roman" panose="02020603050405020304" pitchFamily="18" charset="0"/>
+                <a:cs typeface="Times New Roman" panose="02020603050405020304" pitchFamily="18" charset="0"/>
+              </a:rPr>
+              <a:t>(</a:t>
+            </a:r>
+            <a:r>
+              <a:rPr lang="en-IN" b="0" dirty="0" err="1">
+                <a:effectLst/>
+                <a:latin typeface="Times New Roman" panose="02020603050405020304" pitchFamily="18" charset="0"/>
+                <a:cs typeface="Times New Roman" panose="02020603050405020304" pitchFamily="18" charset="0"/>
+              </a:rPr>
+              <a:t>equalized_img</a:t>
+            </a:r>
+            <a:r>
+              <a:rPr lang="en-IN" b="0" dirty="0">
+                <a:effectLst/>
+                <a:latin typeface="Times New Roman" panose="02020603050405020304" pitchFamily="18" charset="0"/>
+                <a:cs typeface="Times New Roman" panose="02020603050405020304" pitchFamily="18" charset="0"/>
+              </a:rPr>
+              <a:t>)</a:t>
+            </a:r>
+          </a:p>
+          <a:p>
+            <a:r>
+              <a:rPr lang="en-IN" b="0" dirty="0">
+                <a:effectLst/>
+                <a:latin typeface="Times New Roman" panose="02020603050405020304" pitchFamily="18" charset="0"/>
+                <a:cs typeface="Times New Roman" panose="02020603050405020304" pitchFamily="18" charset="0"/>
+              </a:rPr>
+              <a:t>        </a:t>
+            </a:r>
+            <a:r>
+              <a:rPr lang="en-IN" b="0" dirty="0" err="1">
+                <a:effectLst/>
+                <a:latin typeface="Times New Roman" panose="02020603050405020304" pitchFamily="18" charset="0"/>
+                <a:cs typeface="Times New Roman" panose="02020603050405020304" pitchFamily="18" charset="0"/>
+              </a:rPr>
+              <a:t>dlt_er_img</a:t>
+            </a:r>
+            <a:r>
+              <a:rPr lang="en-IN" b="0" dirty="0">
+                <a:effectLst/>
+                <a:latin typeface="Times New Roman" panose="02020603050405020304" pitchFamily="18" charset="0"/>
+                <a:cs typeface="Times New Roman" panose="02020603050405020304" pitchFamily="18" charset="0"/>
+              </a:rPr>
+              <a:t> = </a:t>
+            </a:r>
+            <a:r>
+              <a:rPr lang="en-IN" b="0" dirty="0" err="1">
+                <a:effectLst/>
+                <a:latin typeface="Times New Roman" panose="02020603050405020304" pitchFamily="18" charset="0"/>
+                <a:cs typeface="Times New Roman" panose="02020603050405020304" pitchFamily="18" charset="0"/>
+              </a:rPr>
+              <a:t>dilation_erosion</a:t>
+            </a:r>
+            <a:r>
+              <a:rPr lang="en-IN" b="0" dirty="0">
+                <a:effectLst/>
+                <a:latin typeface="Times New Roman" panose="02020603050405020304" pitchFamily="18" charset="0"/>
+                <a:cs typeface="Times New Roman" panose="02020603050405020304" pitchFamily="18" charset="0"/>
+              </a:rPr>
+              <a:t>(</a:t>
+            </a:r>
+            <a:r>
+              <a:rPr lang="en-IN" b="0" dirty="0" err="1">
+                <a:effectLst/>
+                <a:latin typeface="Times New Roman" panose="02020603050405020304" pitchFamily="18" charset="0"/>
+                <a:cs typeface="Times New Roman" panose="02020603050405020304" pitchFamily="18" charset="0"/>
+              </a:rPr>
+              <a:t>thresholded_img</a:t>
+            </a:r>
+            <a:r>
+              <a:rPr lang="en-IN" b="0" dirty="0">
+                <a:effectLst/>
+                <a:latin typeface="Times New Roman" panose="02020603050405020304" pitchFamily="18" charset="0"/>
+                <a:cs typeface="Times New Roman" panose="02020603050405020304" pitchFamily="18" charset="0"/>
+              </a:rPr>
+              <a:t>)</a:t>
+            </a:r>
+          </a:p>
+          <a:p>
+            <a:r>
+              <a:rPr lang="en-IN" b="0" dirty="0">
+                <a:effectLst/>
+                <a:latin typeface="Times New Roman" panose="02020603050405020304" pitchFamily="18" charset="0"/>
+                <a:cs typeface="Times New Roman" panose="02020603050405020304" pitchFamily="18" charset="0"/>
+              </a:rPr>
+              <a:t>        </a:t>
+            </a:r>
+            <a:r>
+              <a:rPr lang="en-IN" b="0" dirty="0" err="1">
+                <a:effectLst/>
+                <a:latin typeface="Times New Roman" panose="02020603050405020304" pitchFamily="18" charset="0"/>
+                <a:cs typeface="Times New Roman" panose="02020603050405020304" pitchFamily="18" charset="0"/>
+              </a:rPr>
+              <a:t>processed_images.extend</a:t>
+            </a:r>
+            <a:r>
+              <a:rPr lang="en-IN" b="0" dirty="0">
+                <a:effectLst/>
+                <a:latin typeface="Times New Roman" panose="02020603050405020304" pitchFamily="18" charset="0"/>
+                <a:cs typeface="Times New Roman" panose="02020603050405020304" pitchFamily="18" charset="0"/>
+              </a:rPr>
+              <a:t>([</a:t>
+            </a:r>
+            <a:r>
+              <a:rPr lang="en-IN" b="0" dirty="0" err="1">
+                <a:effectLst/>
+                <a:latin typeface="Times New Roman" panose="02020603050405020304" pitchFamily="18" charset="0"/>
+                <a:cs typeface="Times New Roman" panose="02020603050405020304" pitchFamily="18" charset="0"/>
+              </a:rPr>
+              <a:t>resized_img</a:t>
+            </a:r>
+            <a:r>
+              <a:rPr lang="en-IN" b="0" dirty="0">
+                <a:effectLst/>
+                <a:latin typeface="Times New Roman" panose="02020603050405020304" pitchFamily="18" charset="0"/>
+                <a:cs typeface="Times New Roman" panose="02020603050405020304" pitchFamily="18" charset="0"/>
+              </a:rPr>
+              <a:t>, </a:t>
+            </a:r>
+            <a:r>
+              <a:rPr lang="en-IN" b="0" dirty="0" err="1">
+                <a:effectLst/>
+                <a:latin typeface="Times New Roman" panose="02020603050405020304" pitchFamily="18" charset="0"/>
+                <a:cs typeface="Times New Roman" panose="02020603050405020304" pitchFamily="18" charset="0"/>
+              </a:rPr>
+              <a:t>gamma_corrected_img</a:t>
+            </a:r>
+            <a:r>
+              <a:rPr lang="en-IN" b="0" dirty="0">
+                <a:effectLst/>
+                <a:latin typeface="Times New Roman" panose="02020603050405020304" pitchFamily="18" charset="0"/>
+                <a:cs typeface="Times New Roman" panose="02020603050405020304" pitchFamily="18" charset="0"/>
+              </a:rPr>
+              <a:t>, </a:t>
+            </a:r>
+            <a:r>
+              <a:rPr lang="en-IN" b="0" dirty="0" err="1">
+                <a:effectLst/>
+                <a:latin typeface="Times New Roman" panose="02020603050405020304" pitchFamily="18" charset="0"/>
+                <a:cs typeface="Times New Roman" panose="02020603050405020304" pitchFamily="18" charset="0"/>
+              </a:rPr>
+              <a:t>blurred_img</a:t>
+            </a:r>
+            <a:r>
+              <a:rPr lang="en-IN" b="0" dirty="0">
+                <a:effectLst/>
+                <a:latin typeface="Times New Roman" panose="02020603050405020304" pitchFamily="18" charset="0"/>
+                <a:cs typeface="Times New Roman" panose="02020603050405020304" pitchFamily="18" charset="0"/>
+              </a:rPr>
+              <a:t>, </a:t>
+            </a:r>
+            <a:r>
+              <a:rPr lang="en-IN" b="0" dirty="0" err="1">
+                <a:effectLst/>
+                <a:latin typeface="Times New Roman" panose="02020603050405020304" pitchFamily="18" charset="0"/>
+                <a:cs typeface="Times New Roman" panose="02020603050405020304" pitchFamily="18" charset="0"/>
+              </a:rPr>
+              <a:t>equalized_img</a:t>
+            </a:r>
+            <a:r>
+              <a:rPr lang="en-IN" b="0" dirty="0">
+                <a:effectLst/>
+                <a:latin typeface="Times New Roman" panose="02020603050405020304" pitchFamily="18" charset="0"/>
+                <a:cs typeface="Times New Roman" panose="02020603050405020304" pitchFamily="18" charset="0"/>
+              </a:rPr>
+              <a:t>, </a:t>
+            </a:r>
+            <a:r>
+              <a:rPr lang="en-IN" b="0" dirty="0" err="1">
+                <a:effectLst/>
+                <a:latin typeface="Times New Roman" panose="02020603050405020304" pitchFamily="18" charset="0"/>
+                <a:cs typeface="Times New Roman" panose="02020603050405020304" pitchFamily="18" charset="0"/>
+              </a:rPr>
+              <a:t>thresholded_img</a:t>
+            </a:r>
+            <a:r>
+              <a:rPr lang="en-IN" b="0" dirty="0">
+                <a:effectLst/>
+                <a:latin typeface="Times New Roman" panose="02020603050405020304" pitchFamily="18" charset="0"/>
+                <a:cs typeface="Times New Roman" panose="02020603050405020304" pitchFamily="18" charset="0"/>
+              </a:rPr>
+              <a:t>, </a:t>
+            </a:r>
+            <a:r>
+              <a:rPr lang="en-IN" b="0" dirty="0" err="1">
+                <a:effectLst/>
+                <a:latin typeface="Times New Roman" panose="02020603050405020304" pitchFamily="18" charset="0"/>
+                <a:cs typeface="Times New Roman" panose="02020603050405020304" pitchFamily="18" charset="0"/>
+              </a:rPr>
+              <a:t>dlt_er_img</a:t>
+            </a:r>
+            <a:r>
+              <a:rPr lang="en-IN" b="0" dirty="0">
+                <a:effectLst/>
+                <a:latin typeface="Times New Roman" panose="02020603050405020304" pitchFamily="18" charset="0"/>
+                <a:cs typeface="Times New Roman" panose="02020603050405020304" pitchFamily="18" charset="0"/>
+              </a:rPr>
+              <a:t>])</a:t>
+            </a:r>
+          </a:p>
+          <a:p>
+            <a:r>
+              <a:rPr lang="en-IN" b="0" dirty="0">
+                <a:effectLst/>
+                <a:latin typeface="Times New Roman" panose="02020603050405020304" pitchFamily="18" charset="0"/>
+                <a:cs typeface="Times New Roman" panose="02020603050405020304" pitchFamily="18" charset="0"/>
+              </a:rPr>
+              <a:t>        </a:t>
+            </a:r>
+            <a:r>
+              <a:rPr lang="en-IN" b="0" dirty="0" err="1">
+                <a:effectLst/>
+                <a:latin typeface="Times New Roman" panose="02020603050405020304" pitchFamily="18" charset="0"/>
+                <a:cs typeface="Times New Roman" panose="02020603050405020304" pitchFamily="18" charset="0"/>
+              </a:rPr>
+              <a:t>processed_titles.extend</a:t>
+            </a:r>
+            <a:r>
+              <a:rPr lang="en-IN" b="0" dirty="0">
+                <a:effectLst/>
+                <a:latin typeface="Times New Roman" panose="02020603050405020304" pitchFamily="18" charset="0"/>
+                <a:cs typeface="Times New Roman" panose="02020603050405020304" pitchFamily="18" charset="0"/>
+              </a:rPr>
+              <a:t>([</a:t>
+            </a:r>
+          </a:p>
+          <a:p>
+            <a:r>
+              <a:rPr lang="en-IN" b="0" dirty="0">
+                <a:effectLst/>
+                <a:latin typeface="Times New Roman" panose="02020603050405020304" pitchFamily="18" charset="0"/>
+                <a:cs typeface="Times New Roman" panose="02020603050405020304" pitchFamily="18" charset="0"/>
+              </a:rPr>
+              <a:t>            </a:t>
+            </a:r>
+            <a:r>
+              <a:rPr lang="en-IN" b="0" dirty="0" err="1">
+                <a:effectLst/>
+                <a:latin typeface="Times New Roman" panose="02020603050405020304" pitchFamily="18" charset="0"/>
+                <a:cs typeface="Times New Roman" panose="02020603050405020304" pitchFamily="18" charset="0"/>
+              </a:rPr>
+              <a:t>f'Resized</a:t>
+            </a:r>
+            <a:r>
+              <a:rPr lang="en-IN" b="0" dirty="0">
+                <a:effectLst/>
+                <a:latin typeface="Times New Roman" panose="02020603050405020304" pitchFamily="18" charset="0"/>
+                <a:cs typeface="Times New Roman" panose="02020603050405020304" pitchFamily="18" charset="0"/>
+              </a:rPr>
+              <a:t> Image {</a:t>
+            </a:r>
+            <a:r>
+              <a:rPr lang="en-IN" b="0" dirty="0" err="1">
+                <a:effectLst/>
+                <a:latin typeface="Times New Roman" panose="02020603050405020304" pitchFamily="18" charset="0"/>
+                <a:cs typeface="Times New Roman" panose="02020603050405020304" pitchFamily="18" charset="0"/>
+              </a:rPr>
+              <a:t>i</a:t>
+            </a:r>
+            <a:r>
+              <a:rPr lang="en-IN" b="0" dirty="0">
+                <a:effectLst/>
+                <a:latin typeface="Times New Roman" panose="02020603050405020304" pitchFamily="18" charset="0"/>
+                <a:cs typeface="Times New Roman" panose="02020603050405020304" pitchFamily="18" charset="0"/>
+              </a:rPr>
+              <a:t> + 1}-{chr(</a:t>
+            </a:r>
+            <a:r>
+              <a:rPr lang="en-IN" b="0" dirty="0" err="1">
+                <a:effectLst/>
+                <a:latin typeface="Times New Roman" panose="02020603050405020304" pitchFamily="18" charset="0"/>
+                <a:cs typeface="Times New Roman" panose="02020603050405020304" pitchFamily="18" charset="0"/>
+              </a:rPr>
+              <a:t>ord</a:t>
+            </a:r>
+            <a:r>
+              <a:rPr lang="en-IN" b="0" dirty="0">
+                <a:effectLst/>
+                <a:latin typeface="Times New Roman" panose="02020603050405020304" pitchFamily="18" charset="0"/>
+                <a:cs typeface="Times New Roman" panose="02020603050405020304" pitchFamily="18" charset="0"/>
+              </a:rPr>
+              <a:t>("A") + j)}',</a:t>
+            </a:r>
+          </a:p>
+          <a:p>
+            <a:r>
+              <a:rPr lang="en-IN" b="0" dirty="0">
+                <a:effectLst/>
+                <a:latin typeface="Times New Roman" panose="02020603050405020304" pitchFamily="18" charset="0"/>
+                <a:cs typeface="Times New Roman" panose="02020603050405020304" pitchFamily="18" charset="0"/>
+              </a:rPr>
+              <a:t>            </a:t>
+            </a:r>
+            <a:r>
+              <a:rPr lang="en-IN" b="0" dirty="0" err="1">
+                <a:effectLst/>
+                <a:latin typeface="Times New Roman" panose="02020603050405020304" pitchFamily="18" charset="0"/>
+                <a:cs typeface="Times New Roman" panose="02020603050405020304" pitchFamily="18" charset="0"/>
+              </a:rPr>
+              <a:t>f'Gamma</a:t>
+            </a:r>
+            <a:r>
+              <a:rPr lang="en-IN" b="0" dirty="0">
+                <a:effectLst/>
+                <a:latin typeface="Times New Roman" panose="02020603050405020304" pitchFamily="18" charset="0"/>
+                <a:cs typeface="Times New Roman" panose="02020603050405020304" pitchFamily="18" charset="0"/>
+              </a:rPr>
+              <a:t> Image {</a:t>
+            </a:r>
+            <a:r>
+              <a:rPr lang="en-IN" b="0" dirty="0" err="1">
+                <a:effectLst/>
+                <a:latin typeface="Times New Roman" panose="02020603050405020304" pitchFamily="18" charset="0"/>
+                <a:cs typeface="Times New Roman" panose="02020603050405020304" pitchFamily="18" charset="0"/>
+              </a:rPr>
+              <a:t>i</a:t>
+            </a:r>
+            <a:r>
+              <a:rPr lang="en-IN" b="0" dirty="0">
+                <a:effectLst/>
+                <a:latin typeface="Times New Roman" panose="02020603050405020304" pitchFamily="18" charset="0"/>
+                <a:cs typeface="Times New Roman" panose="02020603050405020304" pitchFamily="18" charset="0"/>
+              </a:rPr>
+              <a:t> + 1}-{chr(</a:t>
+            </a:r>
+            <a:r>
+              <a:rPr lang="en-IN" b="0" dirty="0" err="1">
+                <a:effectLst/>
+                <a:latin typeface="Times New Roman" panose="02020603050405020304" pitchFamily="18" charset="0"/>
+                <a:cs typeface="Times New Roman" panose="02020603050405020304" pitchFamily="18" charset="0"/>
+              </a:rPr>
+              <a:t>ord</a:t>
+            </a:r>
+            <a:r>
+              <a:rPr lang="en-IN" b="0" dirty="0">
+                <a:effectLst/>
+                <a:latin typeface="Times New Roman" panose="02020603050405020304" pitchFamily="18" charset="0"/>
+                <a:cs typeface="Times New Roman" panose="02020603050405020304" pitchFamily="18" charset="0"/>
+              </a:rPr>
+              <a:t>("A") + j)}',</a:t>
+            </a:r>
+          </a:p>
+          <a:p>
+            <a:r>
+              <a:rPr lang="en-IN" b="0" dirty="0">
+                <a:effectLst/>
+                <a:latin typeface="Times New Roman" panose="02020603050405020304" pitchFamily="18" charset="0"/>
+                <a:cs typeface="Times New Roman" panose="02020603050405020304" pitchFamily="18" charset="0"/>
+              </a:rPr>
+              <a:t>            </a:t>
+            </a:r>
+            <a:r>
+              <a:rPr lang="en-IN" b="0" dirty="0" err="1">
+                <a:effectLst/>
+                <a:latin typeface="Times New Roman" panose="02020603050405020304" pitchFamily="18" charset="0"/>
+                <a:cs typeface="Times New Roman" panose="02020603050405020304" pitchFamily="18" charset="0"/>
+              </a:rPr>
+              <a:t>f'Blurred</a:t>
+            </a:r>
+            <a:r>
+              <a:rPr lang="en-IN" b="0" dirty="0">
+                <a:effectLst/>
+                <a:latin typeface="Times New Roman" panose="02020603050405020304" pitchFamily="18" charset="0"/>
+                <a:cs typeface="Times New Roman" panose="02020603050405020304" pitchFamily="18" charset="0"/>
+              </a:rPr>
+              <a:t> Image {</a:t>
+            </a:r>
+            <a:r>
+              <a:rPr lang="en-IN" b="0" dirty="0" err="1">
+                <a:effectLst/>
+                <a:latin typeface="Times New Roman" panose="02020603050405020304" pitchFamily="18" charset="0"/>
+                <a:cs typeface="Times New Roman" panose="02020603050405020304" pitchFamily="18" charset="0"/>
+              </a:rPr>
+              <a:t>i</a:t>
+            </a:r>
+            <a:r>
+              <a:rPr lang="en-IN" b="0" dirty="0">
+                <a:effectLst/>
+                <a:latin typeface="Times New Roman" panose="02020603050405020304" pitchFamily="18" charset="0"/>
+                <a:cs typeface="Times New Roman" panose="02020603050405020304" pitchFamily="18" charset="0"/>
+              </a:rPr>
+              <a:t> + 1}-{chr(</a:t>
+            </a:r>
+            <a:r>
+              <a:rPr lang="en-IN" b="0" dirty="0" err="1">
+                <a:effectLst/>
+                <a:latin typeface="Times New Roman" panose="02020603050405020304" pitchFamily="18" charset="0"/>
+                <a:cs typeface="Times New Roman" panose="02020603050405020304" pitchFamily="18" charset="0"/>
+              </a:rPr>
+              <a:t>ord</a:t>
+            </a:r>
+            <a:r>
+              <a:rPr lang="en-IN" b="0" dirty="0">
+                <a:effectLst/>
+                <a:latin typeface="Times New Roman" panose="02020603050405020304" pitchFamily="18" charset="0"/>
+                <a:cs typeface="Times New Roman" panose="02020603050405020304" pitchFamily="18" charset="0"/>
+              </a:rPr>
+              <a:t>("A") + j)}',</a:t>
+            </a:r>
+          </a:p>
+          <a:p>
+            <a:r>
+              <a:rPr lang="en-IN" b="0" dirty="0">
+                <a:effectLst/>
+                <a:latin typeface="Times New Roman" panose="02020603050405020304" pitchFamily="18" charset="0"/>
+                <a:cs typeface="Times New Roman" panose="02020603050405020304" pitchFamily="18" charset="0"/>
+              </a:rPr>
+              <a:t>            </a:t>
+            </a:r>
+            <a:r>
+              <a:rPr lang="en-IN" b="0" dirty="0" err="1">
+                <a:effectLst/>
+                <a:latin typeface="Times New Roman" panose="02020603050405020304" pitchFamily="18" charset="0"/>
+                <a:cs typeface="Times New Roman" panose="02020603050405020304" pitchFamily="18" charset="0"/>
+              </a:rPr>
+              <a:t>f'Equalized</a:t>
+            </a:r>
+            <a:r>
+              <a:rPr lang="en-IN" b="0" dirty="0">
+                <a:effectLst/>
+                <a:latin typeface="Times New Roman" panose="02020603050405020304" pitchFamily="18" charset="0"/>
+                <a:cs typeface="Times New Roman" panose="02020603050405020304" pitchFamily="18" charset="0"/>
+              </a:rPr>
+              <a:t> Image {</a:t>
+            </a:r>
+            <a:r>
+              <a:rPr lang="en-IN" b="0" dirty="0" err="1">
+                <a:effectLst/>
+                <a:latin typeface="Times New Roman" panose="02020603050405020304" pitchFamily="18" charset="0"/>
+                <a:cs typeface="Times New Roman" panose="02020603050405020304" pitchFamily="18" charset="0"/>
+              </a:rPr>
+              <a:t>i</a:t>
+            </a:r>
+            <a:r>
+              <a:rPr lang="en-IN" b="0" dirty="0">
+                <a:effectLst/>
+                <a:latin typeface="Times New Roman" panose="02020603050405020304" pitchFamily="18" charset="0"/>
+                <a:cs typeface="Times New Roman" panose="02020603050405020304" pitchFamily="18" charset="0"/>
+              </a:rPr>
+              <a:t> + 1}-{chr(</a:t>
+            </a:r>
+            <a:r>
+              <a:rPr lang="en-IN" b="0" dirty="0" err="1">
+                <a:effectLst/>
+                <a:latin typeface="Times New Roman" panose="02020603050405020304" pitchFamily="18" charset="0"/>
+                <a:cs typeface="Times New Roman" panose="02020603050405020304" pitchFamily="18" charset="0"/>
+              </a:rPr>
+              <a:t>ord</a:t>
+            </a:r>
+            <a:r>
+              <a:rPr lang="en-IN" b="0" dirty="0">
+                <a:effectLst/>
+                <a:latin typeface="Times New Roman" panose="02020603050405020304" pitchFamily="18" charset="0"/>
+                <a:cs typeface="Times New Roman" panose="02020603050405020304" pitchFamily="18" charset="0"/>
+              </a:rPr>
+              <a:t>("A") + j)}',</a:t>
+            </a:r>
+          </a:p>
+          <a:p>
+            <a:r>
+              <a:rPr lang="en-IN" b="0" dirty="0">
+                <a:effectLst/>
+                <a:latin typeface="Times New Roman" panose="02020603050405020304" pitchFamily="18" charset="0"/>
+                <a:cs typeface="Times New Roman" panose="02020603050405020304" pitchFamily="18" charset="0"/>
+              </a:rPr>
+              <a:t>            </a:t>
+            </a:r>
+            <a:r>
+              <a:rPr lang="en-IN" b="0" dirty="0" err="1">
+                <a:effectLst/>
+                <a:latin typeface="Times New Roman" panose="02020603050405020304" pitchFamily="18" charset="0"/>
+                <a:cs typeface="Times New Roman" panose="02020603050405020304" pitchFamily="18" charset="0"/>
+              </a:rPr>
+              <a:t>f'Thresholded</a:t>
+            </a:r>
+            <a:r>
+              <a:rPr lang="en-IN" b="0" dirty="0">
+                <a:effectLst/>
+                <a:latin typeface="Times New Roman" panose="02020603050405020304" pitchFamily="18" charset="0"/>
+                <a:cs typeface="Times New Roman" panose="02020603050405020304" pitchFamily="18" charset="0"/>
+              </a:rPr>
+              <a:t> Image {</a:t>
+            </a:r>
+            <a:r>
+              <a:rPr lang="en-IN" b="0" dirty="0" err="1">
+                <a:effectLst/>
+                <a:latin typeface="Times New Roman" panose="02020603050405020304" pitchFamily="18" charset="0"/>
+                <a:cs typeface="Times New Roman" panose="02020603050405020304" pitchFamily="18" charset="0"/>
+              </a:rPr>
+              <a:t>i</a:t>
+            </a:r>
+            <a:r>
+              <a:rPr lang="en-IN" b="0" dirty="0">
+                <a:effectLst/>
+                <a:latin typeface="Times New Roman" panose="02020603050405020304" pitchFamily="18" charset="0"/>
+                <a:cs typeface="Times New Roman" panose="02020603050405020304" pitchFamily="18" charset="0"/>
+              </a:rPr>
+              <a:t> + 1}-{chr(</a:t>
+            </a:r>
+            <a:r>
+              <a:rPr lang="en-IN" b="0" dirty="0" err="1">
+                <a:effectLst/>
+                <a:latin typeface="Times New Roman" panose="02020603050405020304" pitchFamily="18" charset="0"/>
+                <a:cs typeface="Times New Roman" panose="02020603050405020304" pitchFamily="18" charset="0"/>
+              </a:rPr>
+              <a:t>ord</a:t>
+            </a:r>
+            <a:r>
+              <a:rPr lang="en-IN" b="0" dirty="0">
+                <a:effectLst/>
+                <a:latin typeface="Times New Roman" panose="02020603050405020304" pitchFamily="18" charset="0"/>
+                <a:cs typeface="Times New Roman" panose="02020603050405020304" pitchFamily="18" charset="0"/>
+              </a:rPr>
+              <a:t>("A") + j)}',</a:t>
+            </a:r>
+          </a:p>
+          <a:p>
+            <a:r>
+              <a:rPr lang="en-IN" b="0" dirty="0">
+                <a:effectLst/>
+                <a:latin typeface="Times New Roman" panose="02020603050405020304" pitchFamily="18" charset="0"/>
+                <a:cs typeface="Times New Roman" panose="02020603050405020304" pitchFamily="18" charset="0"/>
+              </a:rPr>
+              <a:t>            </a:t>
+            </a:r>
+            <a:r>
+              <a:rPr lang="en-IN" b="0" dirty="0" err="1">
+                <a:effectLst/>
+                <a:latin typeface="Times New Roman" panose="02020603050405020304" pitchFamily="18" charset="0"/>
+                <a:cs typeface="Times New Roman" panose="02020603050405020304" pitchFamily="18" charset="0"/>
+              </a:rPr>
+              <a:t>f'Dilatation</a:t>
+            </a:r>
+            <a:r>
+              <a:rPr lang="en-IN" b="0" dirty="0">
+                <a:effectLst/>
+                <a:latin typeface="Times New Roman" panose="02020603050405020304" pitchFamily="18" charset="0"/>
+                <a:cs typeface="Times New Roman" panose="02020603050405020304" pitchFamily="18" charset="0"/>
+              </a:rPr>
+              <a:t> and Erosion Image {</a:t>
+            </a:r>
+            <a:r>
+              <a:rPr lang="en-IN" b="0" dirty="0" err="1">
+                <a:effectLst/>
+                <a:latin typeface="Times New Roman" panose="02020603050405020304" pitchFamily="18" charset="0"/>
+                <a:cs typeface="Times New Roman" panose="02020603050405020304" pitchFamily="18" charset="0"/>
+              </a:rPr>
+              <a:t>i</a:t>
+            </a:r>
+            <a:r>
+              <a:rPr lang="en-IN" b="0" dirty="0">
+                <a:effectLst/>
+                <a:latin typeface="Times New Roman" panose="02020603050405020304" pitchFamily="18" charset="0"/>
+                <a:cs typeface="Times New Roman" panose="02020603050405020304" pitchFamily="18" charset="0"/>
+              </a:rPr>
+              <a:t> + 1}-{chr(</a:t>
+            </a:r>
+            <a:r>
+              <a:rPr lang="en-IN" b="0" dirty="0" err="1">
+                <a:effectLst/>
+                <a:latin typeface="Times New Roman" panose="02020603050405020304" pitchFamily="18" charset="0"/>
+                <a:cs typeface="Times New Roman" panose="02020603050405020304" pitchFamily="18" charset="0"/>
+              </a:rPr>
+              <a:t>ord</a:t>
+            </a:r>
+            <a:r>
+              <a:rPr lang="en-IN" b="0" dirty="0">
+                <a:effectLst/>
+                <a:latin typeface="Times New Roman" panose="02020603050405020304" pitchFamily="18" charset="0"/>
+                <a:cs typeface="Times New Roman" panose="02020603050405020304" pitchFamily="18" charset="0"/>
+              </a:rPr>
+              <a:t>("A") + j)}'])</a:t>
+            </a:r>
+          </a:p>
+          <a:p>
+            <a:r>
+              <a:rPr lang="en-IN" b="0" dirty="0">
+                <a:effectLst/>
+                <a:latin typeface="Times New Roman" panose="02020603050405020304" pitchFamily="18" charset="0"/>
+                <a:cs typeface="Times New Roman" panose="02020603050405020304" pitchFamily="18" charset="0"/>
+              </a:rPr>
+              <a:t>    </a:t>
+            </a:r>
+            <a:r>
+              <a:rPr lang="en-IN" b="0" dirty="0" err="1">
+                <a:effectLst/>
+                <a:latin typeface="Times New Roman" panose="02020603050405020304" pitchFamily="18" charset="0"/>
+                <a:cs typeface="Times New Roman" panose="02020603050405020304" pitchFamily="18" charset="0"/>
+              </a:rPr>
+              <a:t>plotting_grid</a:t>
+            </a:r>
+            <a:r>
+              <a:rPr lang="en-IN" b="0" dirty="0">
+                <a:effectLst/>
+                <a:latin typeface="Times New Roman" panose="02020603050405020304" pitchFamily="18" charset="0"/>
+                <a:cs typeface="Times New Roman" panose="02020603050405020304" pitchFamily="18" charset="0"/>
+              </a:rPr>
+              <a:t>(</a:t>
+            </a:r>
+            <a:r>
+              <a:rPr lang="en-IN" b="0" dirty="0" err="1">
+                <a:effectLst/>
+                <a:latin typeface="Times New Roman" panose="02020603050405020304" pitchFamily="18" charset="0"/>
+                <a:cs typeface="Times New Roman" panose="02020603050405020304" pitchFamily="18" charset="0"/>
+              </a:rPr>
+              <a:t>processed_images</a:t>
+            </a:r>
+            <a:r>
+              <a:rPr lang="en-IN" b="0" dirty="0">
+                <a:effectLst/>
+                <a:latin typeface="Times New Roman" panose="02020603050405020304" pitchFamily="18" charset="0"/>
+                <a:cs typeface="Times New Roman" panose="02020603050405020304" pitchFamily="18" charset="0"/>
+              </a:rPr>
+              <a:t>, </a:t>
+            </a:r>
+            <a:r>
+              <a:rPr lang="en-IN" b="0" dirty="0" err="1">
+                <a:effectLst/>
+                <a:latin typeface="Times New Roman" panose="02020603050405020304" pitchFamily="18" charset="0"/>
+                <a:cs typeface="Times New Roman" panose="02020603050405020304" pitchFamily="18" charset="0"/>
+              </a:rPr>
+              <a:t>processed_titles</a:t>
+            </a:r>
+            <a:r>
+              <a:rPr lang="en-IN" b="0" dirty="0">
+                <a:effectLst/>
+                <a:latin typeface="Times New Roman" panose="02020603050405020304" pitchFamily="18" charset="0"/>
+                <a:cs typeface="Times New Roman" panose="02020603050405020304" pitchFamily="18" charset="0"/>
+              </a:rPr>
+              <a:t>, </a:t>
+            </a:r>
+            <a:r>
+              <a:rPr lang="en-IN" b="0" dirty="0" err="1">
+                <a:effectLst/>
+                <a:latin typeface="Times New Roman" panose="02020603050405020304" pitchFamily="18" charset="0"/>
+                <a:cs typeface="Times New Roman" panose="02020603050405020304" pitchFamily="18" charset="0"/>
+              </a:rPr>
+              <a:t>len</a:t>
+            </a:r>
+            <a:r>
+              <a:rPr lang="en-IN" b="0" dirty="0">
+                <a:effectLst/>
+                <a:latin typeface="Times New Roman" panose="02020603050405020304" pitchFamily="18" charset="0"/>
+                <a:cs typeface="Times New Roman" panose="02020603050405020304" pitchFamily="18" charset="0"/>
+              </a:rPr>
+              <a:t>(</a:t>
+            </a:r>
+            <a:r>
+              <a:rPr lang="en-IN" b="0" dirty="0" err="1">
+                <a:effectLst/>
+                <a:latin typeface="Times New Roman" panose="02020603050405020304" pitchFamily="18" charset="0"/>
+                <a:cs typeface="Times New Roman" panose="02020603050405020304" pitchFamily="18" charset="0"/>
+              </a:rPr>
+              <a:t>cropped_images</a:t>
+            </a:r>
+            <a:r>
+              <a:rPr lang="en-IN" b="0" dirty="0">
+                <a:effectLst/>
+                <a:latin typeface="Times New Roman" panose="02020603050405020304" pitchFamily="18" charset="0"/>
+                <a:cs typeface="Times New Roman" panose="02020603050405020304" pitchFamily="18" charset="0"/>
+              </a:rPr>
+              <a:t>), 6, 18)</a:t>
+            </a:r>
+          </a:p>
+          <a:p>
+            <a:r>
+              <a:rPr lang="en-IN" b="0" dirty="0">
+                <a:effectLst/>
+                <a:latin typeface="Times New Roman" panose="02020603050405020304" pitchFamily="18" charset="0"/>
+                <a:cs typeface="Times New Roman" panose="02020603050405020304" pitchFamily="18" charset="0"/>
+              </a:rPr>
+              <a:t>    </a:t>
+            </a:r>
+            <a:r>
+              <a:rPr lang="en-IN" b="0" dirty="0" err="1">
+                <a:effectLst/>
+                <a:latin typeface="Times New Roman" panose="02020603050405020304" pitchFamily="18" charset="0"/>
+                <a:cs typeface="Times New Roman" panose="02020603050405020304" pitchFamily="18" charset="0"/>
+              </a:rPr>
+              <a:t>total_people_count</a:t>
+            </a:r>
+            <a:r>
+              <a:rPr lang="en-IN" b="0" dirty="0">
+                <a:effectLst/>
+                <a:latin typeface="Times New Roman" panose="02020603050405020304" pitchFamily="18" charset="0"/>
+                <a:cs typeface="Times New Roman" panose="02020603050405020304" pitchFamily="18" charset="0"/>
+              </a:rPr>
+              <a:t> += </a:t>
+            </a:r>
+            <a:r>
+              <a:rPr lang="en-IN" b="0" dirty="0" err="1">
+                <a:effectLst/>
+                <a:latin typeface="Times New Roman" panose="02020603050405020304" pitchFamily="18" charset="0"/>
+                <a:cs typeface="Times New Roman" panose="02020603050405020304" pitchFamily="18" charset="0"/>
+              </a:rPr>
+              <a:t>labeling</a:t>
+            </a:r>
+            <a:r>
+              <a:rPr lang="en-IN" b="0" dirty="0">
+                <a:effectLst/>
+                <a:latin typeface="Times New Roman" panose="02020603050405020304" pitchFamily="18" charset="0"/>
+                <a:cs typeface="Times New Roman" panose="02020603050405020304" pitchFamily="18" charset="0"/>
+              </a:rPr>
+              <a:t>(</a:t>
+            </a:r>
+            <a:r>
+              <a:rPr lang="en-IN" b="0" dirty="0" err="1">
+                <a:effectLst/>
+                <a:latin typeface="Times New Roman" panose="02020603050405020304" pitchFamily="18" charset="0"/>
+                <a:cs typeface="Times New Roman" panose="02020603050405020304" pitchFamily="18" charset="0"/>
+              </a:rPr>
+              <a:t>dlt_er_img</a:t>
+            </a:r>
+            <a:r>
+              <a:rPr lang="en-IN" b="0" dirty="0">
+                <a:effectLst/>
+                <a:latin typeface="Times New Roman" panose="02020603050405020304" pitchFamily="18" charset="0"/>
+                <a:cs typeface="Times New Roman" panose="02020603050405020304" pitchFamily="18" charset="0"/>
+              </a:rPr>
+              <a:t>)</a:t>
+            </a:r>
+          </a:p>
+          <a:p>
+            <a:r>
+              <a:rPr lang="en-IN" b="0" dirty="0">
+                <a:effectLst/>
+                <a:latin typeface="Times New Roman" panose="02020603050405020304" pitchFamily="18" charset="0"/>
+                <a:cs typeface="Times New Roman" panose="02020603050405020304" pitchFamily="18" charset="0"/>
+              </a:rPr>
+              <a:t>print(</a:t>
+            </a:r>
+            <a:r>
+              <a:rPr lang="en-IN" b="0" dirty="0" err="1">
+                <a:effectLst/>
+                <a:latin typeface="Times New Roman" panose="02020603050405020304" pitchFamily="18" charset="0"/>
+                <a:cs typeface="Times New Roman" panose="02020603050405020304" pitchFamily="18" charset="0"/>
+              </a:rPr>
+              <a:t>f'Total</a:t>
+            </a:r>
+            <a:r>
+              <a:rPr lang="en-IN" b="0" dirty="0">
+                <a:effectLst/>
+                <a:latin typeface="Times New Roman" panose="02020603050405020304" pitchFamily="18" charset="0"/>
+                <a:cs typeface="Times New Roman" panose="02020603050405020304" pitchFamily="18" charset="0"/>
+              </a:rPr>
+              <a:t> people counted across all images: {</a:t>
+            </a:r>
+            <a:r>
+              <a:rPr lang="en-IN" b="0" dirty="0" err="1">
+                <a:effectLst/>
+                <a:latin typeface="Times New Roman" panose="02020603050405020304" pitchFamily="18" charset="0"/>
+                <a:cs typeface="Times New Roman" panose="02020603050405020304" pitchFamily="18" charset="0"/>
+              </a:rPr>
+              <a:t>total_people_count</a:t>
+            </a:r>
+            <a:r>
+              <a:rPr lang="en-IN" b="0" dirty="0">
+                <a:effectLst/>
+                <a:latin typeface="Times New Roman" panose="02020603050405020304" pitchFamily="18" charset="0"/>
+                <a:cs typeface="Times New Roman" panose="02020603050405020304" pitchFamily="18" charset="0"/>
+              </a:rPr>
+              <a:t>}')</a:t>
+            </a:r>
+          </a:p>
+        </p:txBody>
+      </p:sp>
+    </p:spTree>
+    <p:extLst>
+      <p:ext uri="{BB962C8B-B14F-4D97-AF65-F5344CB8AC3E}">
+        <p14:creationId xmlns:p14="http://schemas.microsoft.com/office/powerpoint/2010/main" val="1291923689"/>
       </p:ext>
     </p:extLst>
   </p:cSld>
@@ -10230,7 +11161,7 @@
           <p:nvPr>
             <p:extLst>
               <p:ext uri="{D42A27DB-BD31-4B8C-83A1-F6EECF244321}">
-                <p14:modId xmlns:p14="http://schemas.microsoft.com/office/powerpoint/2010/main" val="600765201"/>
+                <p14:modId xmlns:p14="http://schemas.microsoft.com/office/powerpoint/2010/main" val="2672852824"/>
               </p:ext>
             </p:extLst>
           </p:nvPr>
@@ -10797,7 +11728,7 @@
                           <a:ea typeface="+mn-ea"/>
                           <a:cs typeface="Times New Roman" panose="02020603050405020304" pitchFamily="18" charset="0"/>
                         </a:rPr>
-                        <a:t>Use Case Diagram</a:t>
+                        <a:t>System Architecture &amp; Diagrams</a:t>
                       </a:r>
                     </a:p>
                   </a:txBody>
@@ -11070,6 +12001,627 @@
 </p:sld>
 </file>
 
+<file path=ppt/slides/slide20.xml><?xml version="1.0" encoding="utf-8"?>
+<p:sld xmlns:a="http://schemas.openxmlformats.org/drawingml/2006/main" xmlns:r="http://schemas.openxmlformats.org/officeDocument/2006/relationships" xmlns:p="http://schemas.openxmlformats.org/presentationml/2006/main">
+  <p:cSld>
+    <p:spTree>
+      <p:nvGrpSpPr>
+        <p:cNvPr id="1" name=""/>
+        <p:cNvGrpSpPr/>
+        <p:nvPr/>
+      </p:nvGrpSpPr>
+      <p:grpSpPr>
+        <a:xfrm>
+          <a:off x="0" y="0"/>
+          <a:ext cx="0" cy="0"/>
+          <a:chOff x="0" y="0"/>
+          <a:chExt cx="0" cy="0"/>
+        </a:xfrm>
+      </p:grpSpPr>
+      <p:sp>
+        <p:nvSpPr>
+          <p:cNvPr id="2" name="TextBox 1">
+            <a:extLst>
+              <a:ext uri="{FF2B5EF4-FFF2-40B4-BE49-F238E27FC236}">
+                <a16:creationId xmlns:a16="http://schemas.microsoft.com/office/drawing/2014/main" id="{30E2DD62-00AA-5D14-40D9-351169A8551A}"/>
+              </a:ext>
+            </a:extLst>
+          </p:cNvPr>
+          <p:cNvSpPr txBox="1"/>
+          <p:nvPr/>
+        </p:nvSpPr>
+        <p:spPr>
+          <a:xfrm>
+            <a:off x="2489200" y="316581"/>
+            <a:ext cx="6096000" cy="830997"/>
+          </a:xfrm>
+          <a:prstGeom prst="rect">
+            <a:avLst/>
+          </a:prstGeom>
+          <a:noFill/>
+        </p:spPr>
+        <p:txBody>
+          <a:bodyPr wrap="square">
+            <a:spAutoFit/>
+          </a:bodyPr>
+          <a:lstStyle/>
+          <a:p>
+            <a:pPr algn="ctr"/>
+            <a:r>
+              <a:rPr lang="en-US" sz="4800" b="1" dirty="0">
+                <a:solidFill>
+                  <a:schemeClr val="accent1">
+                    <a:lumMod val="75000"/>
+                  </a:schemeClr>
+                </a:solidFill>
+                <a:latin typeface="Times New Roman" panose="02020603050405020304" pitchFamily="18" charset="0"/>
+                <a:cs typeface="Times New Roman" panose="02020603050405020304" pitchFamily="18" charset="0"/>
+              </a:rPr>
+              <a:t>Output</a:t>
+            </a:r>
+            <a:endParaRPr lang="en-IN" sz="4800" b="1" dirty="0">
+              <a:solidFill>
+                <a:schemeClr val="accent1">
+                  <a:lumMod val="75000"/>
+                </a:schemeClr>
+              </a:solidFill>
+              <a:latin typeface="Times New Roman" panose="02020603050405020304" pitchFamily="18" charset="0"/>
+              <a:cs typeface="Times New Roman" panose="02020603050405020304" pitchFamily="18" charset="0"/>
+            </a:endParaRPr>
+          </a:p>
+        </p:txBody>
+      </p:sp>
+      <p:pic>
+        <p:nvPicPr>
+          <p:cNvPr id="4" name="Picture 3">
+            <a:extLst>
+              <a:ext uri="{FF2B5EF4-FFF2-40B4-BE49-F238E27FC236}">
+                <a16:creationId xmlns:a16="http://schemas.microsoft.com/office/drawing/2014/main" id="{822B01BB-3AF1-C0F8-F156-C18C5F1489FC}"/>
+              </a:ext>
+            </a:extLst>
+          </p:cNvPr>
+          <p:cNvPicPr>
+            <a:picLocks noChangeAspect="1"/>
+          </p:cNvPicPr>
+          <p:nvPr/>
+        </p:nvPicPr>
+        <p:blipFill rotWithShape="1">
+          <a:blip r:embed="rId2">
+            <a:extLst>
+              <a:ext uri="{28A0092B-C50C-407E-A947-70E740481C1C}">
+                <a14:useLocalDpi xmlns:a14="http://schemas.microsoft.com/office/drawing/2010/main" val="0"/>
+              </a:ext>
+            </a:extLst>
+          </a:blip>
+          <a:srcRect b="73358"/>
+          <a:stretch/>
+        </p:blipFill>
+        <p:spPr>
+          <a:xfrm>
+            <a:off x="300912" y="4157034"/>
+            <a:ext cx="11678885" cy="2659036"/>
+          </a:xfrm>
+          <a:prstGeom prst="rect">
+            <a:avLst/>
+          </a:prstGeom>
+        </p:spPr>
+      </p:pic>
+      <p:pic>
+        <p:nvPicPr>
+          <p:cNvPr id="6" name="Picture 5">
+            <a:extLst>
+              <a:ext uri="{FF2B5EF4-FFF2-40B4-BE49-F238E27FC236}">
+                <a16:creationId xmlns:a16="http://schemas.microsoft.com/office/drawing/2014/main" id="{A2A416E6-AF0E-BA5B-399C-25871CA0EE34}"/>
+              </a:ext>
+            </a:extLst>
+          </p:cNvPr>
+          <p:cNvPicPr>
+            <a:picLocks noChangeAspect="1"/>
+          </p:cNvPicPr>
+          <p:nvPr/>
+        </p:nvPicPr>
+        <p:blipFill>
+          <a:blip r:embed="rId3">
+            <a:extLst>
+              <a:ext uri="{28A0092B-C50C-407E-A947-70E740481C1C}">
+                <a14:useLocalDpi xmlns:a14="http://schemas.microsoft.com/office/drawing/2010/main" val="0"/>
+              </a:ext>
+            </a:extLst>
+          </a:blip>
+          <a:stretch>
+            <a:fillRect/>
+          </a:stretch>
+        </p:blipFill>
+        <p:spPr>
+          <a:xfrm>
+            <a:off x="1496990" y="1147578"/>
+            <a:ext cx="9618563" cy="2909360"/>
+          </a:xfrm>
+          <a:prstGeom prst="rect">
+            <a:avLst/>
+          </a:prstGeom>
+        </p:spPr>
+      </p:pic>
+    </p:spTree>
+    <p:extLst>
+      <p:ext uri="{BB962C8B-B14F-4D97-AF65-F5344CB8AC3E}">
+        <p14:creationId xmlns:p14="http://schemas.microsoft.com/office/powerpoint/2010/main" val="1191880758"/>
+      </p:ext>
+    </p:extLst>
+  </p:cSld>
+  <p:clrMapOvr>
+    <a:masterClrMapping/>
+  </p:clrMapOvr>
+</p:sld>
+</file>
+
+<file path=ppt/slides/slide21.xml><?xml version="1.0" encoding="utf-8"?>
+<p:sld xmlns:a="http://schemas.openxmlformats.org/drawingml/2006/main" xmlns:r="http://schemas.openxmlformats.org/officeDocument/2006/relationships" xmlns:p="http://schemas.openxmlformats.org/presentationml/2006/main">
+  <p:cSld>
+    <p:spTree>
+      <p:nvGrpSpPr>
+        <p:cNvPr id="1" name=""/>
+        <p:cNvGrpSpPr/>
+        <p:nvPr/>
+      </p:nvGrpSpPr>
+      <p:grpSpPr>
+        <a:xfrm>
+          <a:off x="0" y="0"/>
+          <a:ext cx="0" cy="0"/>
+          <a:chOff x="0" y="0"/>
+          <a:chExt cx="0" cy="0"/>
+        </a:xfrm>
+      </p:grpSpPr>
+      <p:pic>
+        <p:nvPicPr>
+          <p:cNvPr id="3" name="Picture 2">
+            <a:extLst>
+              <a:ext uri="{FF2B5EF4-FFF2-40B4-BE49-F238E27FC236}">
+                <a16:creationId xmlns:a16="http://schemas.microsoft.com/office/drawing/2014/main" id="{2E965609-EFD1-82A5-CF0C-5A3E7A177F82}"/>
+              </a:ext>
+            </a:extLst>
+          </p:cNvPr>
+          <p:cNvPicPr>
+            <a:picLocks noChangeAspect="1"/>
+          </p:cNvPicPr>
+          <p:nvPr/>
+        </p:nvPicPr>
+        <p:blipFill rotWithShape="1">
+          <a:blip r:embed="rId2">
+            <a:extLst>
+              <a:ext uri="{28A0092B-C50C-407E-A947-70E740481C1C}">
+                <a14:useLocalDpi xmlns:a14="http://schemas.microsoft.com/office/drawing/2010/main" val="0"/>
+              </a:ext>
+            </a:extLst>
+          </a:blip>
+          <a:srcRect t="39156" b="37905"/>
+          <a:stretch/>
+        </p:blipFill>
+        <p:spPr>
+          <a:xfrm>
+            <a:off x="221921" y="861311"/>
+            <a:ext cx="11808561" cy="2314937"/>
+          </a:xfrm>
+          <a:prstGeom prst="rect">
+            <a:avLst/>
+          </a:prstGeom>
+        </p:spPr>
+      </p:pic>
+      <p:pic>
+        <p:nvPicPr>
+          <p:cNvPr id="4" name="Picture 3">
+            <a:extLst>
+              <a:ext uri="{FF2B5EF4-FFF2-40B4-BE49-F238E27FC236}">
+                <a16:creationId xmlns:a16="http://schemas.microsoft.com/office/drawing/2014/main" id="{C21A7BBC-10BF-1BAD-BA0A-713D989EE1A0}"/>
+              </a:ext>
+            </a:extLst>
+          </p:cNvPr>
+          <p:cNvPicPr>
+            <a:picLocks noChangeAspect="1"/>
+          </p:cNvPicPr>
+          <p:nvPr/>
+        </p:nvPicPr>
+        <p:blipFill rotWithShape="1">
+          <a:blip r:embed="rId2">
+            <a:extLst>
+              <a:ext uri="{28A0092B-C50C-407E-A947-70E740481C1C}">
+                <a14:useLocalDpi xmlns:a14="http://schemas.microsoft.com/office/drawing/2010/main" val="0"/>
+              </a:ext>
+            </a:extLst>
+          </a:blip>
+          <a:srcRect t="80195"/>
+          <a:stretch/>
+        </p:blipFill>
+        <p:spPr>
+          <a:xfrm>
+            <a:off x="228636" y="3429000"/>
+            <a:ext cx="11734727" cy="1986061"/>
+          </a:xfrm>
+          <a:prstGeom prst="rect">
+            <a:avLst/>
+          </a:prstGeom>
+        </p:spPr>
+      </p:pic>
+      <p:sp>
+        <p:nvSpPr>
+          <p:cNvPr id="5" name="TextBox 4">
+            <a:extLst>
+              <a:ext uri="{FF2B5EF4-FFF2-40B4-BE49-F238E27FC236}">
+                <a16:creationId xmlns:a16="http://schemas.microsoft.com/office/drawing/2014/main" id="{24B213E2-90FB-85E5-CB31-498A54EC1B9F}"/>
+              </a:ext>
+            </a:extLst>
+          </p:cNvPr>
+          <p:cNvSpPr txBox="1"/>
+          <p:nvPr/>
+        </p:nvSpPr>
+        <p:spPr>
+          <a:xfrm>
+            <a:off x="347241" y="5833641"/>
+            <a:ext cx="7569843" cy="461665"/>
+          </a:xfrm>
+          <a:prstGeom prst="rect">
+            <a:avLst/>
+          </a:prstGeom>
+          <a:noFill/>
+        </p:spPr>
+        <p:txBody>
+          <a:bodyPr wrap="square" rtlCol="0">
+            <a:spAutoFit/>
+          </a:bodyPr>
+          <a:lstStyle/>
+          <a:p>
+            <a:r>
+              <a:rPr lang="en-US" sz="2400" b="0" i="0" dirty="0">
+                <a:effectLst/>
+                <a:latin typeface="Times New Roman" panose="02020603050405020304" pitchFamily="18" charset="0"/>
+                <a:cs typeface="Times New Roman" panose="02020603050405020304" pitchFamily="18" charset="0"/>
+              </a:rPr>
+              <a:t>Total people counted across all images: 19</a:t>
+            </a:r>
+            <a:endParaRPr lang="en-US" sz="2400" dirty="0">
+              <a:latin typeface="Times New Roman" panose="02020603050405020304" pitchFamily="18" charset="0"/>
+              <a:cs typeface="Times New Roman" panose="02020603050405020304" pitchFamily="18" charset="0"/>
+            </a:endParaRPr>
+          </a:p>
+        </p:txBody>
+      </p:sp>
+    </p:spTree>
+    <p:extLst>
+      <p:ext uri="{BB962C8B-B14F-4D97-AF65-F5344CB8AC3E}">
+        <p14:creationId xmlns:p14="http://schemas.microsoft.com/office/powerpoint/2010/main" val="1577723494"/>
+      </p:ext>
+    </p:extLst>
+  </p:cSld>
+  <p:clrMapOvr>
+    <a:masterClrMapping/>
+  </p:clrMapOvr>
+</p:sld>
+</file>
+
+<file path=ppt/slides/slide22.xml><?xml version="1.0" encoding="utf-8"?>
+<p:sld xmlns:a="http://schemas.openxmlformats.org/drawingml/2006/main" xmlns:r="http://schemas.openxmlformats.org/officeDocument/2006/relationships" xmlns:p="http://schemas.openxmlformats.org/presentationml/2006/main">
+  <p:cSld>
+    <p:spTree>
+      <p:nvGrpSpPr>
+        <p:cNvPr id="1" name=""/>
+        <p:cNvGrpSpPr/>
+        <p:nvPr/>
+      </p:nvGrpSpPr>
+      <p:grpSpPr>
+        <a:xfrm>
+          <a:off x="0" y="0"/>
+          <a:ext cx="0" cy="0"/>
+          <a:chOff x="0" y="0"/>
+          <a:chExt cx="0" cy="0"/>
+        </a:xfrm>
+      </p:grpSpPr>
+      <p:sp>
+        <p:nvSpPr>
+          <p:cNvPr id="2" name="TextBox 1">
+            <a:extLst>
+              <a:ext uri="{FF2B5EF4-FFF2-40B4-BE49-F238E27FC236}">
+                <a16:creationId xmlns:a16="http://schemas.microsoft.com/office/drawing/2014/main" id="{1EFB920D-6880-7DCA-6BA9-344861832A18}"/>
+              </a:ext>
+            </a:extLst>
+          </p:cNvPr>
+          <p:cNvSpPr txBox="1"/>
+          <p:nvPr/>
+        </p:nvSpPr>
+        <p:spPr>
+          <a:xfrm>
+            <a:off x="974106" y="546133"/>
+            <a:ext cx="6096000" cy="830997"/>
+          </a:xfrm>
+          <a:prstGeom prst="rect">
+            <a:avLst/>
+          </a:prstGeom>
+          <a:noFill/>
+        </p:spPr>
+        <p:txBody>
+          <a:bodyPr wrap="square">
+            <a:spAutoFit/>
+          </a:bodyPr>
+          <a:lstStyle/>
+          <a:p>
+            <a:r>
+              <a:rPr lang="en-US" sz="4800" b="1" dirty="0">
+                <a:solidFill>
+                  <a:schemeClr val="accent1">
+                    <a:lumMod val="75000"/>
+                  </a:schemeClr>
+                </a:solidFill>
+                <a:latin typeface="Times New Roman" panose="02020603050405020304" pitchFamily="18" charset="0"/>
+                <a:cs typeface="Times New Roman" panose="02020603050405020304" pitchFamily="18" charset="0"/>
+              </a:rPr>
+              <a:t>Conclusion</a:t>
+            </a:r>
+            <a:endParaRPr lang="en-IN" sz="4800" b="1" dirty="0">
+              <a:solidFill>
+                <a:schemeClr val="accent1">
+                  <a:lumMod val="75000"/>
+                </a:schemeClr>
+              </a:solidFill>
+              <a:latin typeface="Times New Roman" panose="02020603050405020304" pitchFamily="18" charset="0"/>
+              <a:cs typeface="Times New Roman" panose="02020603050405020304" pitchFamily="18" charset="0"/>
+            </a:endParaRPr>
+          </a:p>
+        </p:txBody>
+      </p:sp>
+      <p:sp>
+        <p:nvSpPr>
+          <p:cNvPr id="3" name="TextBox 2">
+            <a:extLst>
+              <a:ext uri="{FF2B5EF4-FFF2-40B4-BE49-F238E27FC236}">
+                <a16:creationId xmlns:a16="http://schemas.microsoft.com/office/drawing/2014/main" id="{56D7AB8E-1CA5-681C-D124-BDF29089850A}"/>
+              </a:ext>
+            </a:extLst>
+          </p:cNvPr>
+          <p:cNvSpPr txBox="1"/>
+          <p:nvPr/>
+        </p:nvSpPr>
+        <p:spPr>
+          <a:xfrm>
+            <a:off x="974106" y="1862105"/>
+            <a:ext cx="9961747" cy="3785652"/>
+          </a:xfrm>
+          <a:prstGeom prst="rect">
+            <a:avLst/>
+          </a:prstGeom>
+          <a:noFill/>
+        </p:spPr>
+        <p:txBody>
+          <a:bodyPr wrap="square">
+            <a:spAutoFit/>
+          </a:bodyPr>
+          <a:lstStyle/>
+          <a:p>
+            <a:pPr algn="just"/>
+            <a:r>
+              <a:rPr lang="en-US" sz="2400" dirty="0">
+                <a:latin typeface="Times New Roman" panose="02020603050405020304" pitchFamily="18" charset="0"/>
+                <a:cs typeface="Times New Roman" panose="02020603050405020304" pitchFamily="18" charset="0"/>
+              </a:rPr>
+              <a:t>In conclusion, the Precision Object Counting System project leverages image processing techniques to accurately detect and count objects in uploaded images. By implementing algorithms such as cropping, gamma correction, adaptive histogram equalization, Otsu's thresholding, dilation, and erosion, the application effectively preprocesses images for object detection. Despite encountering technical challenges such as index errors, continuous improvement and error handling ensure robustness. Through this project, valuable insights into image processing methodologies and their application in real-world scenarios are gained, paving the way for further advancements in computer vision and object detection technologies.</a:t>
+            </a:r>
+            <a:endParaRPr lang="en-IN" sz="2400" dirty="0">
+              <a:latin typeface="Times New Roman" panose="02020603050405020304" pitchFamily="18" charset="0"/>
+              <a:cs typeface="Times New Roman" panose="02020603050405020304" pitchFamily="18" charset="0"/>
+            </a:endParaRPr>
+          </a:p>
+        </p:txBody>
+      </p:sp>
+    </p:spTree>
+    <p:extLst>
+      <p:ext uri="{BB962C8B-B14F-4D97-AF65-F5344CB8AC3E}">
+        <p14:creationId xmlns:p14="http://schemas.microsoft.com/office/powerpoint/2010/main" val="2924637739"/>
+      </p:ext>
+    </p:extLst>
+  </p:cSld>
+  <p:clrMapOvr>
+    <a:masterClrMapping/>
+  </p:clrMapOvr>
+</p:sld>
+</file>
+
+<file path=ppt/slides/slide23.xml><?xml version="1.0" encoding="utf-8"?>
+<p:sld xmlns:a="http://schemas.openxmlformats.org/drawingml/2006/main" xmlns:r="http://schemas.openxmlformats.org/officeDocument/2006/relationships" xmlns:p="http://schemas.openxmlformats.org/presentationml/2006/main">
+  <p:cSld>
+    <p:spTree>
+      <p:nvGrpSpPr>
+        <p:cNvPr id="1" name=""/>
+        <p:cNvGrpSpPr/>
+        <p:nvPr/>
+      </p:nvGrpSpPr>
+      <p:grpSpPr>
+        <a:xfrm>
+          <a:off x="0" y="0"/>
+          <a:ext cx="0" cy="0"/>
+          <a:chOff x="0" y="0"/>
+          <a:chExt cx="0" cy="0"/>
+        </a:xfrm>
+      </p:grpSpPr>
+      <p:sp>
+        <p:nvSpPr>
+          <p:cNvPr id="4" name="Rectangle 3">
+            <a:extLst>
+              <a:ext uri="{FF2B5EF4-FFF2-40B4-BE49-F238E27FC236}">
+                <a16:creationId xmlns:a16="http://schemas.microsoft.com/office/drawing/2014/main" id="{B93B3268-169E-1065-D3B0-64938ED34DE8}"/>
+              </a:ext>
+            </a:extLst>
+          </p:cNvPr>
+          <p:cNvSpPr/>
+          <p:nvPr/>
+        </p:nvSpPr>
+        <p:spPr>
+          <a:xfrm>
+            <a:off x="0" y="-13202"/>
+            <a:ext cx="12192000" cy="6871202"/>
+          </a:xfrm>
+          <a:prstGeom prst="rect">
+            <a:avLst/>
+          </a:prstGeom>
+          <a:gradFill>
+            <a:gsLst>
+              <a:gs pos="21000">
+                <a:srgbClr val="242424">
+                  <a:alpha val="98000"/>
+                </a:srgbClr>
+              </a:gs>
+              <a:gs pos="0">
+                <a:schemeClr val="tx1"/>
+              </a:gs>
+              <a:gs pos="100000">
+                <a:schemeClr val="tx1">
+                  <a:lumMod val="75000"/>
+                  <a:lumOff val="25000"/>
+                  <a:alpha val="15000"/>
+                </a:schemeClr>
+              </a:gs>
+            </a:gsLst>
+            <a:lin ang="18000000" scaled="0"/>
+          </a:gradFill>
+          <a:ln>
+            <a:noFill/>
+          </a:ln>
+        </p:spPr>
+        <p:style>
+          <a:lnRef idx="2">
+            <a:schemeClr val="accent1">
+              <a:shade val="50000"/>
+            </a:schemeClr>
+          </a:lnRef>
+          <a:fillRef idx="1">
+            <a:schemeClr val="accent1"/>
+          </a:fillRef>
+          <a:effectRef idx="0">
+            <a:schemeClr val="accent1"/>
+          </a:effectRef>
+          <a:fontRef idx="minor">
+            <a:schemeClr val="lt1"/>
+          </a:fontRef>
+        </p:style>
+        <p:txBody>
+          <a:bodyPr rtlCol="0" anchor="ctr"/>
+          <a:lstStyle/>
+          <a:p>
+            <a:pPr algn="ctr"/>
+            <a:endParaRPr lang="en-US" dirty="0"/>
+          </a:p>
+        </p:txBody>
+      </p:sp>
+      <p:sp>
+        <p:nvSpPr>
+          <p:cNvPr id="2" name="Rectangle 1">
+            <a:extLst>
+              <a:ext uri="{FF2B5EF4-FFF2-40B4-BE49-F238E27FC236}">
+                <a16:creationId xmlns:a16="http://schemas.microsoft.com/office/drawing/2014/main" id="{86BD71C5-4124-1870-1CBE-43F2188C56FA}"/>
+              </a:ext>
+            </a:extLst>
+          </p:cNvPr>
+          <p:cNvSpPr/>
+          <p:nvPr/>
+        </p:nvSpPr>
+        <p:spPr>
+          <a:xfrm>
+            <a:off x="0" y="-13202"/>
+            <a:ext cx="12192000" cy="6858000"/>
+          </a:xfrm>
+          <a:prstGeom prst="rect">
+            <a:avLst/>
+          </a:prstGeom>
+          <a:solidFill>
+            <a:srgbClr val="0062FF">
+              <a:alpha val="50000"/>
+            </a:srgbClr>
+          </a:solidFill>
+          <a:ln>
+            <a:noFill/>
+          </a:ln>
+        </p:spPr>
+        <p:style>
+          <a:lnRef idx="2">
+            <a:schemeClr val="accent1">
+              <a:shade val="50000"/>
+            </a:schemeClr>
+          </a:lnRef>
+          <a:fillRef idx="1">
+            <a:schemeClr val="accent1"/>
+          </a:fillRef>
+          <a:effectRef idx="0">
+            <a:schemeClr val="accent1"/>
+          </a:effectRef>
+          <a:fontRef idx="minor">
+            <a:schemeClr val="lt1"/>
+          </a:fontRef>
+        </p:style>
+        <p:txBody>
+          <a:bodyPr rtlCol="0" anchor="ctr"/>
+          <a:lstStyle/>
+          <a:p>
+            <a:pPr algn="ctr"/>
+            <a:endParaRPr lang="en-US" dirty="0"/>
+          </a:p>
+        </p:txBody>
+      </p:sp>
+      <p:sp>
+        <p:nvSpPr>
+          <p:cNvPr id="3" name="TextBox 2">
+            <a:extLst>
+              <a:ext uri="{FF2B5EF4-FFF2-40B4-BE49-F238E27FC236}">
+                <a16:creationId xmlns:a16="http://schemas.microsoft.com/office/drawing/2014/main" id="{7B91FC14-29D9-9AFD-02A7-DA136F6C41D3}"/>
+              </a:ext>
+            </a:extLst>
+          </p:cNvPr>
+          <p:cNvSpPr txBox="1"/>
+          <p:nvPr/>
+        </p:nvSpPr>
+        <p:spPr>
+          <a:xfrm>
+            <a:off x="3707010" y="2573212"/>
+            <a:ext cx="5613972" cy="1323439"/>
+          </a:xfrm>
+          <a:prstGeom prst="rect">
+            <a:avLst/>
+          </a:prstGeom>
+          <a:noFill/>
+        </p:spPr>
+        <p:txBody>
+          <a:bodyPr wrap="square" rtlCol="0">
+            <a:spAutoFit/>
+          </a:bodyPr>
+          <a:lstStyle/>
+          <a:p>
+            <a:r>
+              <a:rPr lang="en-US" sz="8000" dirty="0">
+                <a:solidFill>
+                  <a:schemeClr val="bg1"/>
+                </a:solidFill>
+                <a:latin typeface="Bauhaus 93" panose="04030905020B02020C02" pitchFamily="82" charset="0"/>
+              </a:rPr>
+              <a:t>THANK YOU</a:t>
+            </a:r>
+            <a:endParaRPr lang="en-IN" sz="8000" dirty="0">
+              <a:solidFill>
+                <a:schemeClr val="bg1"/>
+              </a:solidFill>
+              <a:latin typeface="Bauhaus 93" panose="04030905020B02020C02" pitchFamily="82" charset="0"/>
+            </a:endParaRPr>
+          </a:p>
+        </p:txBody>
+      </p:sp>
+    </p:spTree>
+    <p:extLst>
+      <p:ext uri="{BB962C8B-B14F-4D97-AF65-F5344CB8AC3E}">
+        <p14:creationId xmlns:p14="http://schemas.microsoft.com/office/powerpoint/2010/main" val="4179894326"/>
+      </p:ext>
+    </p:extLst>
+  </p:cSld>
+  <p:clrMapOvr>
+    <a:masterClrMapping/>
+  </p:clrMapOvr>
+</p:sld>
+</file>
+
 <file path=ppt/slides/slide3.xml><?xml version="1.0" encoding="utf-8"?>
 <p:sld xmlns:a="http://schemas.openxmlformats.org/drawingml/2006/main" xmlns:r="http://schemas.openxmlformats.org/officeDocument/2006/relationships" xmlns:p="http://schemas.openxmlformats.org/presentationml/2006/main">
   <p:cSld>
@@ -12506,337 +14058,6 @@
           <a:chExt cx="0" cy="0"/>
         </a:xfrm>
       </p:grpSpPr>
-      <p:grpSp>
-        <p:nvGrpSpPr>
-          <p:cNvPr id="9" name="Group 8">
-            <a:extLst>
-              <a:ext uri="{FF2B5EF4-FFF2-40B4-BE49-F238E27FC236}">
-                <a16:creationId xmlns:a16="http://schemas.microsoft.com/office/drawing/2014/main" id="{37E7E893-AE3D-8A64-0FD6-280A6E5D3228}"/>
-              </a:ext>
-            </a:extLst>
-          </p:cNvPr>
-          <p:cNvGrpSpPr/>
-          <p:nvPr/>
-        </p:nvGrpSpPr>
-        <p:grpSpPr>
-          <a:xfrm>
-            <a:off x="0" y="4948862"/>
-            <a:ext cx="12192000" cy="1909138"/>
-            <a:chOff x="0" y="4948862"/>
-            <a:chExt cx="12192000" cy="1909138"/>
-          </a:xfrm>
-        </p:grpSpPr>
-        <p:sp>
-          <p:nvSpPr>
-            <p:cNvPr id="10" name="Freeform: Shape 9">
-              <a:extLst>
-                <a:ext uri="{FF2B5EF4-FFF2-40B4-BE49-F238E27FC236}">
-                  <a16:creationId xmlns:a16="http://schemas.microsoft.com/office/drawing/2014/main" id="{24633D6D-BAB6-E320-8941-037CB8DCA2D0}"/>
-                </a:ext>
-              </a:extLst>
-            </p:cNvPr>
-            <p:cNvSpPr/>
-            <p:nvPr/>
-          </p:nvSpPr>
-          <p:spPr>
-            <a:xfrm>
-              <a:off x="0" y="4948862"/>
-              <a:ext cx="12192000" cy="1909138"/>
-            </a:xfrm>
-            <a:custGeom>
-              <a:avLst/>
-              <a:gdLst>
-                <a:gd name="connsiteX0" fmla="*/ 0 w 12192000"/>
-                <a:gd name="connsiteY0" fmla="*/ 0 h 1909138"/>
-                <a:gd name="connsiteX1" fmla="*/ 227719 w 12192000"/>
-                <a:gd name="connsiteY1" fmla="*/ 142350 h 1909138"/>
-                <a:gd name="connsiteX2" fmla="*/ 6096001 w 12192000"/>
-                <a:gd name="connsiteY2" fmla="*/ 1628919 h 1909138"/>
-                <a:gd name="connsiteX3" fmla="*/ 11964283 w 12192000"/>
-                <a:gd name="connsiteY3" fmla="*/ 142350 h 1909138"/>
-                <a:gd name="connsiteX4" fmla="*/ 12192000 w 12192000"/>
-                <a:gd name="connsiteY4" fmla="*/ 1 h 1909138"/>
-                <a:gd name="connsiteX5" fmla="*/ 12192000 w 12192000"/>
-                <a:gd name="connsiteY5" fmla="*/ 1909138 h 1909138"/>
-                <a:gd name="connsiteX6" fmla="*/ 0 w 12192000"/>
-                <a:gd name="connsiteY6" fmla="*/ 1909138 h 1909138"/>
-                <a:gd name="connsiteX7" fmla="*/ 0 w 12192000"/>
-                <a:gd name="connsiteY7" fmla="*/ 0 h 1909138"/>
-              </a:gdLst>
-              <a:ahLst/>
-              <a:cxnLst>
-                <a:cxn ang="0">
-                  <a:pos x="connsiteX0" y="connsiteY0"/>
-                </a:cxn>
-                <a:cxn ang="0">
-                  <a:pos x="connsiteX1" y="connsiteY1"/>
-                </a:cxn>
-                <a:cxn ang="0">
-                  <a:pos x="connsiteX2" y="connsiteY2"/>
-                </a:cxn>
-                <a:cxn ang="0">
-                  <a:pos x="connsiteX3" y="connsiteY3"/>
-                </a:cxn>
-                <a:cxn ang="0">
-                  <a:pos x="connsiteX4" y="connsiteY4"/>
-                </a:cxn>
-                <a:cxn ang="0">
-                  <a:pos x="connsiteX5" y="connsiteY5"/>
-                </a:cxn>
-                <a:cxn ang="0">
-                  <a:pos x="connsiteX6" y="connsiteY6"/>
-                </a:cxn>
-                <a:cxn ang="0">
-                  <a:pos x="connsiteX7" y="connsiteY7"/>
-                </a:cxn>
-              </a:cxnLst>
-              <a:rect l="l" t="t" r="r" b="b"/>
-              <a:pathLst>
-                <a:path w="12192000" h="1909138">
-                  <a:moveTo>
-                    <a:pt x="0" y="0"/>
-                  </a:moveTo>
-                  <a:lnTo>
-                    <a:pt x="227719" y="142350"/>
-                  </a:lnTo>
-                  <a:cubicBezTo>
-                    <a:pt x="1777640" y="1065981"/>
-                    <a:pt x="3836554" y="1628919"/>
-                    <a:pt x="6096001" y="1628919"/>
-                  </a:cubicBezTo>
-                  <a:cubicBezTo>
-                    <a:pt x="8355448" y="1628919"/>
-                    <a:pt x="10414362" y="1065981"/>
-                    <a:pt x="11964283" y="142350"/>
-                  </a:cubicBezTo>
-                  <a:lnTo>
-                    <a:pt x="12192000" y="1"/>
-                  </a:lnTo>
-                  <a:lnTo>
-                    <a:pt x="12192000" y="1909138"/>
-                  </a:lnTo>
-                  <a:lnTo>
-                    <a:pt x="0" y="1909138"/>
-                  </a:lnTo>
-                  <a:lnTo>
-                    <a:pt x="0" y="0"/>
-                  </a:lnTo>
-                  <a:close/>
-                </a:path>
-              </a:pathLst>
-            </a:custGeom>
-            <a:solidFill>
-              <a:srgbClr val="E8F1F6"/>
-            </a:solidFill>
-            <a:ln>
-              <a:noFill/>
-            </a:ln>
-            <a:extLst>
-              <a:ext uri="{91240B29-F687-4F45-9708-019B960494DF}">
-                <a14:hiddenLine xmlns:a14="http://schemas.microsoft.com/office/drawing/2010/main" w="9525">
-                  <a:solidFill>
-                    <a:srgbClr val="000000"/>
-                  </a:solidFill>
-                  <a:round/>
-                  <a:headEnd/>
-                  <a:tailEnd/>
-                </a14:hiddenLine>
-              </a:ext>
-            </a:extLst>
-          </p:spPr>
-          <p:txBody>
-            <a:bodyPr vert="horz" wrap="square" lIns="91440" tIns="45720" rIns="91440" bIns="45720" numCol="1" anchor="t" anchorCtr="0" compatLnSpc="1">
-              <a:prstTxWarp prst="textNoShape">
-                <a:avLst/>
-              </a:prstTxWarp>
-            </a:bodyPr>
-            <a:lstStyle/>
-            <a:p>
-              <a:pPr marL="0" marR="0" lvl="0" indent="0" algn="l" defTabSz="914400" rtl="0" eaLnBrk="1" fontAlgn="auto" latinLnBrk="0" hangingPunct="1">
-                <a:lnSpc>
-                  <a:spcPct val="100000"/>
-                </a:lnSpc>
-                <a:spcBef>
-                  <a:spcPts val="0"/>
-                </a:spcBef>
-                <a:spcAft>
-                  <a:spcPts val="0"/>
-                </a:spcAft>
-                <a:buClrTx/>
-                <a:buSzTx/>
-                <a:buFontTx/>
-                <a:buNone/>
-                <a:tabLst/>
-                <a:defRPr/>
-              </a:pPr>
-              <a:endParaRPr kumimoji="0" lang="en-US" sz="1600" b="0" i="0" u="none" strike="noStrike" kern="1200" cap="none" spc="0" normalizeH="0" baseline="0" noProof="0" dirty="0">
-                <a:ln>
-                  <a:noFill/>
-                </a:ln>
-                <a:solidFill>
-                  <a:prstClr val="black"/>
-                </a:solidFill>
-                <a:effectLst/>
-                <a:uLnTx/>
-                <a:uFillTx/>
-                <a:latin typeface="Calibri" panose="020F0502020204030204"/>
-                <a:ea typeface="+mn-ea"/>
-                <a:cs typeface="+mn-cs"/>
-              </a:endParaRPr>
-            </a:p>
-          </p:txBody>
-        </p:sp>
-        <p:sp>
-          <p:nvSpPr>
-            <p:cNvPr id="11" name="Freeform: Shape 10">
-              <a:extLst>
-                <a:ext uri="{FF2B5EF4-FFF2-40B4-BE49-F238E27FC236}">
-                  <a16:creationId xmlns:a16="http://schemas.microsoft.com/office/drawing/2014/main" id="{A9983C87-C608-4EFA-A025-DAF1A639877F}"/>
-                </a:ext>
-              </a:extLst>
-            </p:cNvPr>
-            <p:cNvSpPr/>
-            <p:nvPr/>
-          </p:nvSpPr>
-          <p:spPr>
-            <a:xfrm>
-              <a:off x="0" y="5563852"/>
-              <a:ext cx="12192000" cy="1294147"/>
-            </a:xfrm>
-            <a:custGeom>
-              <a:avLst/>
-              <a:gdLst>
-                <a:gd name="connsiteX0" fmla="*/ 0 w 12192000"/>
-                <a:gd name="connsiteY0" fmla="*/ 0 h 1909138"/>
-                <a:gd name="connsiteX1" fmla="*/ 227719 w 12192000"/>
-                <a:gd name="connsiteY1" fmla="*/ 142350 h 1909138"/>
-                <a:gd name="connsiteX2" fmla="*/ 6096001 w 12192000"/>
-                <a:gd name="connsiteY2" fmla="*/ 1628919 h 1909138"/>
-                <a:gd name="connsiteX3" fmla="*/ 11964283 w 12192000"/>
-                <a:gd name="connsiteY3" fmla="*/ 142350 h 1909138"/>
-                <a:gd name="connsiteX4" fmla="*/ 12192000 w 12192000"/>
-                <a:gd name="connsiteY4" fmla="*/ 1 h 1909138"/>
-                <a:gd name="connsiteX5" fmla="*/ 12192000 w 12192000"/>
-                <a:gd name="connsiteY5" fmla="*/ 1909138 h 1909138"/>
-                <a:gd name="connsiteX6" fmla="*/ 0 w 12192000"/>
-                <a:gd name="connsiteY6" fmla="*/ 1909138 h 1909138"/>
-                <a:gd name="connsiteX7" fmla="*/ 0 w 12192000"/>
-                <a:gd name="connsiteY7" fmla="*/ 0 h 1909138"/>
-              </a:gdLst>
-              <a:ahLst/>
-              <a:cxnLst>
-                <a:cxn ang="0">
-                  <a:pos x="connsiteX0" y="connsiteY0"/>
-                </a:cxn>
-                <a:cxn ang="0">
-                  <a:pos x="connsiteX1" y="connsiteY1"/>
-                </a:cxn>
-                <a:cxn ang="0">
-                  <a:pos x="connsiteX2" y="connsiteY2"/>
-                </a:cxn>
-                <a:cxn ang="0">
-                  <a:pos x="connsiteX3" y="connsiteY3"/>
-                </a:cxn>
-                <a:cxn ang="0">
-                  <a:pos x="connsiteX4" y="connsiteY4"/>
-                </a:cxn>
-                <a:cxn ang="0">
-                  <a:pos x="connsiteX5" y="connsiteY5"/>
-                </a:cxn>
-                <a:cxn ang="0">
-                  <a:pos x="connsiteX6" y="connsiteY6"/>
-                </a:cxn>
-                <a:cxn ang="0">
-                  <a:pos x="connsiteX7" y="connsiteY7"/>
-                </a:cxn>
-              </a:cxnLst>
-              <a:rect l="l" t="t" r="r" b="b"/>
-              <a:pathLst>
-                <a:path w="12192000" h="1909138">
-                  <a:moveTo>
-                    <a:pt x="0" y="0"/>
-                  </a:moveTo>
-                  <a:lnTo>
-                    <a:pt x="227719" y="142350"/>
-                  </a:lnTo>
-                  <a:cubicBezTo>
-                    <a:pt x="1777640" y="1065981"/>
-                    <a:pt x="3836554" y="1628919"/>
-                    <a:pt x="6096001" y="1628919"/>
-                  </a:cubicBezTo>
-                  <a:cubicBezTo>
-                    <a:pt x="8355448" y="1628919"/>
-                    <a:pt x="10414362" y="1065981"/>
-                    <a:pt x="11964283" y="142350"/>
-                  </a:cubicBezTo>
-                  <a:lnTo>
-                    <a:pt x="12192000" y="1"/>
-                  </a:lnTo>
-                  <a:lnTo>
-                    <a:pt x="12192000" y="1909138"/>
-                  </a:lnTo>
-                  <a:lnTo>
-                    <a:pt x="0" y="1909138"/>
-                  </a:lnTo>
-                  <a:lnTo>
-                    <a:pt x="0" y="0"/>
-                  </a:lnTo>
-                  <a:close/>
-                </a:path>
-              </a:pathLst>
-            </a:custGeom>
-            <a:solidFill>
-              <a:srgbClr val="7AC2F9">
-                <a:alpha val="11000"/>
-              </a:srgbClr>
-            </a:solidFill>
-            <a:ln>
-              <a:noFill/>
-            </a:ln>
-          </p:spPr>
-          <p:txBody>
-            <a:bodyPr vert="horz" wrap="square" lIns="91440" tIns="45720" rIns="91440" bIns="45720" numCol="1" anchor="t" anchorCtr="0" compatLnSpc="1">
-              <a:prstTxWarp prst="textNoShape">
-                <a:avLst/>
-              </a:prstTxWarp>
-            </a:bodyPr>
-            <a:lstStyle/>
-            <a:p>
-              <a:pPr marL="0" marR="0" lvl="0" indent="0" algn="l" defTabSz="914400" rtl="0" eaLnBrk="1" fontAlgn="auto" latinLnBrk="0" hangingPunct="1">
-                <a:lnSpc>
-                  <a:spcPct val="100000"/>
-                </a:lnSpc>
-                <a:spcBef>
-                  <a:spcPts val="0"/>
-                </a:spcBef>
-                <a:spcAft>
-                  <a:spcPts val="0"/>
-                </a:spcAft>
-                <a:buClrTx/>
-                <a:buSzTx/>
-                <a:buFontTx/>
-                <a:buNone/>
-                <a:tabLst/>
-                <a:defRPr/>
-              </a:pPr>
-              <a:endParaRPr kumimoji="0" lang="en-US" sz="1600" b="0" i="0" u="none" strike="noStrike" kern="1200" cap="none" spc="0" normalizeH="0" baseline="0" noProof="0" dirty="0">
-                <a:ln>
-                  <a:noFill/>
-                </a:ln>
-                <a:solidFill>
-                  <a:prstClr val="black"/>
-                </a:solidFill>
-                <a:effectLst/>
-                <a:uLnTx/>
-                <a:uFillTx/>
-                <a:latin typeface="Calibri" panose="020F0502020204030204"/>
-                <a:ea typeface="+mn-ea"/>
-                <a:cs typeface="+mn-cs"/>
-              </a:endParaRPr>
-            </a:p>
-          </p:txBody>
-        </p:sp>
-      </p:grpSp>
       <p:sp>
         <p:nvSpPr>
           <p:cNvPr id="4" name="TextBox 3">
